--- a/vaq ETABS/capturas 2.pptx
+++ b/vaq ETABS/capturas 2.pptx
@@ -13,6 +13,10 @@
     <p:sldId id="261" r:id="rId7"/>
     <p:sldId id="262" r:id="rId8"/>
     <p:sldId id="263" r:id="rId9"/>
+    <p:sldId id="264" r:id="rId10"/>
+    <p:sldId id="265" r:id="rId11"/>
+    <p:sldId id="266" r:id="rId12"/>
+    <p:sldId id="267" r:id="rId13"/>
   </p:sldIdLst>
   <p:sldSz cx="12192000" cy="6858000"/>
   <p:notesSz cx="6858000" cy="9144000"/>
@@ -111,7 +115,273 @@
       </a:defRPr>
     </a:lvl9pPr>
   </p:defaultTextStyle>
+  <p:extLst>
+    <p:ext uri="{EFAFB233-063F-42B5-8137-9DF3F51BA10A}">
+      <p15:sldGuideLst xmlns:p15="http://schemas.microsoft.com/office/powerpoint/2012/main"/>
+    </p:ext>
+  </p:extLst>
 </p:presentation>
+</file>
+
+<file path=ppt/ink/ink1.xml><?xml version="1.0" encoding="utf-8"?>
+<inkml:ink xmlns:inkml="http://www.w3.org/2003/InkML">
+  <inkml:definitions>
+    <inkml:context xml:id="ctx0">
+      <inkml:inkSource xml:id="inkSrc0">
+        <inkml:traceFormat>
+          <inkml:channel name="X" type="integer" min="-2.14748E9" max="2.14748E9" units="cm"/>
+          <inkml:channel name="Y" type="integer" min="-2.14748E9" max="2.14748E9" units="cm"/>
+        </inkml:traceFormat>
+        <inkml:channelProperties>
+          <inkml:channelProperty channel="X" name="resolution" value="1000" units="1/cm"/>
+          <inkml:channelProperty channel="Y" name="resolution" value="1000" units="1/cm"/>
+        </inkml:channelProperties>
+      </inkml:inkSource>
+      <inkml:timestamp xml:id="ts0" timeString="2025-05-31T05:49:41.209"/>
+    </inkml:context>
+    <inkml:brush xml:id="br0">
+      <inkml:brushProperty name="width" value="0.3" units="cm"/>
+      <inkml:brushProperty name="height" value="0.6" units="cm"/>
+      <inkml:brushProperty name="color" value="#FFFC00"/>
+      <inkml:brushProperty name="tip" value="rectangle"/>
+      <inkml:brushProperty name="rasterOp" value="maskPen"/>
+      <inkml:brushProperty name="ignorePressure" value="1"/>
+    </inkml:brush>
+  </inkml:definitions>
+  <inkml:trace contextRef="#ctx0" brushRef="#br0">0 1,'23'-1,"34"1,52 1,62-1,47-1,31 1,18 1,-9-1,-26-1,-48 1,-51 1,-48-1</inkml:trace>
+</inkml:ink>
+</file>
+
+<file path=ppt/ink/ink2.xml><?xml version="1.0" encoding="utf-8"?>
+<inkml:ink xmlns:inkml="http://www.w3.org/2003/InkML">
+  <inkml:definitions>
+    <inkml:context xml:id="ctx0">
+      <inkml:inkSource xml:id="inkSrc0">
+        <inkml:traceFormat>
+          <inkml:channel name="X" type="integer" min="-2.14748E9" max="2.14748E9" units="cm"/>
+          <inkml:channel name="Y" type="integer" min="-2.14748E9" max="2.14748E9" units="cm"/>
+        </inkml:traceFormat>
+        <inkml:channelProperties>
+          <inkml:channelProperty channel="X" name="resolution" value="1000" units="1/cm"/>
+          <inkml:channelProperty channel="Y" name="resolution" value="1000" units="1/cm"/>
+        </inkml:channelProperties>
+      </inkml:inkSource>
+      <inkml:timestamp xml:id="ts0" timeString="2025-05-31T05:49:42.194"/>
+    </inkml:context>
+    <inkml:brush xml:id="br0">
+      <inkml:brushProperty name="width" value="0.3" units="cm"/>
+      <inkml:brushProperty name="height" value="0.6" units="cm"/>
+      <inkml:brushProperty name="color" value="#FFFC00"/>
+      <inkml:brushProperty name="tip" value="rectangle"/>
+      <inkml:brushProperty name="rasterOp" value="maskPen"/>
+      <inkml:brushProperty name="ignorePressure" value="1"/>
+    </inkml:brush>
+  </inkml:definitions>
+  <inkml:trace contextRef="#ctx0" brushRef="#br0">1 76,'371'1,"388"-3,-703-1,0-2,0-2,0-3,57-18,-50 12,-37 10</inkml:trace>
+</inkml:ink>
+</file>
+
+<file path=ppt/ink/ink3.xml><?xml version="1.0" encoding="utf-8"?>
+<inkml:ink xmlns:inkml="http://www.w3.org/2003/InkML">
+  <inkml:definitions>
+    <inkml:context xml:id="ctx0">
+      <inkml:inkSource xml:id="inkSrc0">
+        <inkml:traceFormat>
+          <inkml:channel name="X" type="integer" min="-2.14748E9" max="2.14748E9" units="cm"/>
+          <inkml:channel name="Y" type="integer" min="-2.14748E9" max="2.14748E9" units="cm"/>
+        </inkml:traceFormat>
+        <inkml:channelProperties>
+          <inkml:channelProperty channel="X" name="resolution" value="1000" units="1/cm"/>
+          <inkml:channelProperty channel="Y" name="resolution" value="1000" units="1/cm"/>
+        </inkml:channelProperties>
+      </inkml:inkSource>
+      <inkml:timestamp xml:id="ts0" timeString="2025-05-31T05:49:43.370"/>
+    </inkml:context>
+    <inkml:brush xml:id="br0">
+      <inkml:brushProperty name="width" value="0.3" units="cm"/>
+      <inkml:brushProperty name="height" value="0.6" units="cm"/>
+      <inkml:brushProperty name="color" value="#FFFC00"/>
+      <inkml:brushProperty name="tip" value="rectangle"/>
+      <inkml:brushProperty name="rasterOp" value="maskPen"/>
+      <inkml:brushProperty name="ignorePressure" value="1"/>
+    </inkml:brush>
+  </inkml:definitions>
+  <inkml:trace contextRef="#ctx0" brushRef="#br0">0 28,'0'4,"10"2,6 0,15-1,29-2,40-1,39-1,19-1,14 0,-1 0,-10 0,-11-9,-17-12,-31-3</inkml:trace>
+</inkml:ink>
+</file>
+
+<file path=ppt/ink/ink4.xml><?xml version="1.0" encoding="utf-8"?>
+<inkml:ink xmlns:inkml="http://www.w3.org/2003/InkML">
+  <inkml:definitions>
+    <inkml:context xml:id="ctx0">
+      <inkml:inkSource xml:id="inkSrc0">
+        <inkml:traceFormat>
+          <inkml:channel name="X" type="integer" min="-2.14748E9" max="2.14748E9" units="cm"/>
+          <inkml:channel name="Y" type="integer" min="-2.14748E9" max="2.14748E9" units="cm"/>
+        </inkml:traceFormat>
+        <inkml:channelProperties>
+          <inkml:channelProperty channel="X" name="resolution" value="1000" units="1/cm"/>
+          <inkml:channelProperty channel="Y" name="resolution" value="1000" units="1/cm"/>
+        </inkml:channelProperties>
+      </inkml:inkSource>
+      <inkml:timestamp xml:id="ts0" timeString="2025-05-31T05:49:44.392"/>
+    </inkml:context>
+    <inkml:brush xml:id="br0">
+      <inkml:brushProperty name="width" value="0.3" units="cm"/>
+      <inkml:brushProperty name="height" value="0.6" units="cm"/>
+      <inkml:brushProperty name="color" value="#FFFC00"/>
+      <inkml:brushProperty name="tip" value="rectangle"/>
+      <inkml:brushProperty name="rasterOp" value="maskPen"/>
+      <inkml:brushProperty name="ignorePressure" value="1"/>
+    </inkml:brush>
+  </inkml:definitions>
+  <inkml:trace contextRef="#ctx0" brushRef="#br0">0 1,'7'8,"-1"0,1 0,1-1,-1 0,1 0,0-1,17 10,67 30,-91-46,32 15,1-2,1-1,0-2,0-1,1-2,72 5,448-12,-296-3,179 3,328-3,-761 3,17 0,0-1,0-1,-1 0,29-8,-46 8,-1 1,0-1,0 0,0 0,0 0,3-3,9-11</inkml:trace>
+</inkml:ink>
+</file>
+
+<file path=ppt/ink/ink5.xml><?xml version="1.0" encoding="utf-8"?>
+<inkml:ink xmlns:inkml="http://www.w3.org/2003/InkML">
+  <inkml:definitions>
+    <inkml:context xml:id="ctx0">
+      <inkml:inkSource xml:id="inkSrc0">
+        <inkml:traceFormat>
+          <inkml:channel name="X" type="integer" min="-2.14748E9" max="2.14748E9" units="cm"/>
+          <inkml:channel name="Y" type="integer" min="-2.14748E9" max="2.14748E9" units="cm"/>
+        </inkml:traceFormat>
+        <inkml:channelProperties>
+          <inkml:channelProperty channel="X" name="resolution" value="1000" units="1/cm"/>
+          <inkml:channelProperty channel="Y" name="resolution" value="1000" units="1/cm"/>
+        </inkml:channelProperties>
+      </inkml:inkSource>
+      <inkml:timestamp xml:id="ts0" timeString="2025-05-31T05:49:45.478"/>
+    </inkml:context>
+    <inkml:brush xml:id="br0">
+      <inkml:brushProperty name="width" value="0.3" units="cm"/>
+      <inkml:brushProperty name="height" value="0.6" units="cm"/>
+      <inkml:brushProperty name="color" value="#FFFC00"/>
+      <inkml:brushProperty name="tip" value="rectangle"/>
+      <inkml:brushProperty name="rasterOp" value="maskPen"/>
+      <inkml:brushProperty name="ignorePressure" value="1"/>
+    </inkml:brush>
+  </inkml:definitions>
+  <inkml:trace contextRef="#ctx0" brushRef="#br0">1 161,'200'1,"222"-3,-349-4,0-3,141-37,-201 43,52-11,124-10,68 19,-186 2,116-19,20-3,76 23,-256 2,32 0</inkml:trace>
+</inkml:ink>
+</file>
+
+<file path=ppt/ink/ink6.xml><?xml version="1.0" encoding="utf-8"?>
+<inkml:ink xmlns:inkml="http://www.w3.org/2003/InkML">
+  <inkml:definitions>
+    <inkml:context xml:id="ctx0">
+      <inkml:inkSource xml:id="inkSrc0">
+        <inkml:traceFormat>
+          <inkml:channel name="X" type="integer" min="-2.14748E9" max="2.14748E9" units="cm"/>
+          <inkml:channel name="Y" type="integer" min="-2.14748E9" max="2.14748E9" units="cm"/>
+        </inkml:traceFormat>
+        <inkml:channelProperties>
+          <inkml:channelProperty channel="X" name="resolution" value="1000" units="1/cm"/>
+          <inkml:channelProperty channel="Y" name="resolution" value="1000" units="1/cm"/>
+        </inkml:channelProperties>
+      </inkml:inkSource>
+      <inkml:timestamp xml:id="ts0" timeString="2025-05-31T06:02:09.624"/>
+    </inkml:context>
+    <inkml:brush xml:id="br0">
+      <inkml:brushProperty name="width" value="0.4" units="cm"/>
+      <inkml:brushProperty name="height" value="0.8" units="cm"/>
+      <inkml:brushProperty name="color" value="#FFFC00"/>
+      <inkml:brushProperty name="tip" value="rectangle"/>
+      <inkml:brushProperty name="rasterOp" value="maskPen"/>
+      <inkml:brushProperty name="ignorePressure" value="1"/>
+    </inkml:brush>
+  </inkml:definitions>
+  <inkml:trace contextRef="#ctx0" brushRef="#br0">0 1,'1'3,"-1"0,1 0,-1 0,1 0,0 0,0 0,1 0,-1 0,1-1,-1 1,1 0,0-1,0 1,0-1,0 0,0 0,3 3,4 2,0 0,1-1,12 7,2-1,0-1,0-2,1 0,49 9,103 6,268-1,5-25,-118-2,1473 4,-1774 0</inkml:trace>
+</inkml:ink>
+</file>
+
+<file path=ppt/ink/ink7.xml><?xml version="1.0" encoding="utf-8"?>
+<inkml:ink xmlns:inkml="http://www.w3.org/2003/InkML">
+  <inkml:definitions>
+    <inkml:context xml:id="ctx0">
+      <inkml:inkSource xml:id="inkSrc0">
+        <inkml:traceFormat>
+          <inkml:channel name="X" type="integer" min="-2.14748E9" max="2.14748E9" units="cm"/>
+          <inkml:channel name="Y" type="integer" min="-2.14748E9" max="2.14748E9" units="cm"/>
+        </inkml:traceFormat>
+        <inkml:channelProperties>
+          <inkml:channelProperty channel="X" name="resolution" value="1000" units="1/cm"/>
+          <inkml:channelProperty channel="Y" name="resolution" value="1000" units="1/cm"/>
+        </inkml:channelProperties>
+      </inkml:inkSource>
+      <inkml:timestamp xml:id="ts0" timeString="2025-05-31T06:02:11.152"/>
+    </inkml:context>
+    <inkml:brush xml:id="br0">
+      <inkml:brushProperty name="width" value="0.4" units="cm"/>
+      <inkml:brushProperty name="height" value="0.8" units="cm"/>
+      <inkml:brushProperty name="color" value="#FFFC00"/>
+      <inkml:brushProperty name="tip" value="rectangle"/>
+      <inkml:brushProperty name="rasterOp" value="maskPen"/>
+      <inkml:brushProperty name="ignorePressure" value="1"/>
+    </inkml:brush>
+  </inkml:definitions>
+  <inkml:trace contextRef="#ctx0" brushRef="#br0">0 598,'1'66,"13"103,-10-143,1 0,1-1,2 0,0-1,2 1,24 44,-25-56,1 1,0-2,1 0,1 0,0-1,0 0,1-1,0 0,27 14,11 1,81 29,-81-35,105 40,2-7,3-8,211 32,-182-52,2-8,0-9,216-19,-353 7,0-2,0-3,-1-2,0-3,-1-1,-1-4,92-47,-64 21,-3-5,-2-2,-2-4,-3-3,105-117,-92 80,-4-5,-5-2,91-174,-150 249,-1-1,-2 0,13-46,-20 57,-1 0,-1 0,-1-1,-1 1,0-1,-5-35,4 54,0-1,0 1,0-1,0 0,0 1,-1-1,1 1,-1-1,0 0,1 1,-1-1,0 1,0 0,0-1,0 1,0 0,0-1,0 1,0 0,-2-1,1 1,1 1,-1 0,0 0,1 0,-1 0,0 0,1 0,-1 0,0 0,1 1,-1-1,0 1,1-1,-1 1,1 0,-1-1,1 1,-1 0,1 0,-2 2,-58 33,-107 48,-155 72,5-1,-534 188,815-329,-174 68,155-57,-85 51,122-64,0 2,1 0,0 1,1 0,1 2,1 0,0 0,1 2,1 0,1 0,0 1,-15 39,0 4,9-25,2 0,2 2,1-1,-10 63,12 53,10-82</inkml:trace>
+</inkml:ink>
+</file>
+
+<file path=ppt/ink/ink8.xml><?xml version="1.0" encoding="utf-8"?>
+<inkml:ink xmlns:inkml="http://www.w3.org/2003/InkML">
+  <inkml:definitions>
+    <inkml:context xml:id="ctx0">
+      <inkml:inkSource xml:id="inkSrc0">
+        <inkml:traceFormat>
+          <inkml:channel name="X" type="integer" min="-2.14748E9" max="2.14748E9" units="cm"/>
+          <inkml:channel name="Y" type="integer" min="-2.14748E9" max="2.14748E9" units="cm"/>
+        </inkml:traceFormat>
+        <inkml:channelProperties>
+          <inkml:channelProperty channel="X" name="resolution" value="1000" units="1/cm"/>
+          <inkml:channelProperty channel="Y" name="resolution" value="1000" units="1/cm"/>
+        </inkml:channelProperties>
+      </inkml:inkSource>
+      <inkml:timestamp xml:id="ts0" timeString="2025-05-31T06:02:12.550"/>
+    </inkml:context>
+    <inkml:brush xml:id="br0">
+      <inkml:brushProperty name="width" value="0.4" units="cm"/>
+      <inkml:brushProperty name="height" value="0.8" units="cm"/>
+      <inkml:brushProperty name="color" value="#FFFC00"/>
+      <inkml:brushProperty name="tip" value="rectangle"/>
+      <inkml:brushProperty name="rasterOp" value="maskPen"/>
+      <inkml:brushProperty name="ignorePressure" value="1"/>
+    </inkml:brush>
+  </inkml:definitions>
+  <inkml:trace contextRef="#ctx0" brushRef="#br0">1768 85,'9'-8,"1"0,0 0,0 1,1 0,0 1,0 0,1 1,-1 0,1 1,0 0,0 1,19-3,13 2,0 1,54 3,-42 1,125-1,327 4,-497-4,39 0,1 3,64 11,-108-13,1 1,-1 0,0 1,0-1,0 1,0 1,0-1,-1 1,1 0,-1 1,6 5,-8-5,1 0,-1 0,0 1,-1-1,1 1,-1 0,0 0,-1 0,1 1,-1-1,0 0,0 9,3 19,-2 0,-2 60,-1-53,5 59,11 5,-4-32,-3 1,0 105,-9-174,0-1,-1 1,1-1,-1 1,0-1,0 1,-1-1,1 0,-1 1,0-1,0 0,0 0,-1 0,1-1,-6 7,2-5,1-1,-1 0,-1 0,1 0,0 0,-1-1,0 0,0-1,-13 4,-17 2,-55 6,-103 1,-68-7,-320-4,-8-30,6-53,431 45,-258-91,387 116,1-1,-1-2,2 0,-1-1,-23-19,39 26,1 0,0-1,0 0,0-1,1 1,0-1,0 0,1-1,0 1,1-1,0 0,0 0,1 0,0-1,0 1,-1-17,2-4,2-1,3-30,0-21,-4 60,1 12,-1-1,1 0,2-11,-1 19,-1 1,1-1,0 0,-1 0,1 0,1 1,-1-1,0 0,1 1,-1-1,1 1,0 0,0 0,0-1,4-2,1 1,0 0,1 0,-1 1,1 0,0 0,0 1,0 0,0 1,0-1,15 1,173-4,-92 7</inkml:trace>
+</inkml:ink>
+</file>
+
+<file path=ppt/ink/ink9.xml><?xml version="1.0" encoding="utf-8"?>
+<inkml:ink xmlns:inkml="http://www.w3.org/2003/InkML">
+  <inkml:definitions>
+    <inkml:context xml:id="ctx0">
+      <inkml:inkSource xml:id="inkSrc0">
+        <inkml:traceFormat>
+          <inkml:channel name="X" type="integer" min="-2.14748E9" max="2.14748E9" units="cm"/>
+          <inkml:channel name="Y" type="integer" min="-2.14748E9" max="2.14748E9" units="cm"/>
+        </inkml:traceFormat>
+        <inkml:channelProperties>
+          <inkml:channelProperty channel="X" name="resolution" value="1000" units="1/cm"/>
+          <inkml:channelProperty channel="Y" name="resolution" value="1000" units="1/cm"/>
+        </inkml:channelProperties>
+      </inkml:inkSource>
+      <inkml:timestamp xml:id="ts0" timeString="2025-05-31T06:02:13.906"/>
+    </inkml:context>
+    <inkml:brush xml:id="br0">
+      <inkml:brushProperty name="width" value="0.4" units="cm"/>
+      <inkml:brushProperty name="height" value="0.8" units="cm"/>
+      <inkml:brushProperty name="color" value="#FFFC00"/>
+      <inkml:brushProperty name="tip" value="rectangle"/>
+      <inkml:brushProperty name="rasterOp" value="maskPen"/>
+      <inkml:brushProperty name="ignorePressure" value="1"/>
+    </inkml:brush>
+  </inkml:definitions>
+  <inkml:trace contextRef="#ctx0" brushRef="#br0">1 1,'29'71,"-13"-32,34 69,4-2,5-2,72 96,-13-43,148 150,52 3,-114-140,404 257,284 64,-535-324,-64-49,-72-45,-171-58,1-3,102 13,-146-24,-1-1,1 1,-1-1,1 0,-1-1,1 0,-1 0,0 0,1-1,-1 0,0 0,0 0,0-1,0 0,-1 0,1-1,-1 0,0 0,0 0,0 0,0-1,-1 1,1-1,-1-1,-1 1,1 0,-1-1,0 0,0 0,3-8,64-181,40-84,-92 222,-2 0,17-114,-29 145,20-78,1-15,-21 84</inkml:trace>
+</inkml:ink>
 </file>
 
 <file path=ppt/slideLayouts/slideLayout1.xml><?xml version="1.0" encoding="utf-8"?>
@@ -3392,6 +3662,471 @@
 </p:sld>
 </file>
 
+<file path=ppt/slides/slide10.xml><?xml version="1.0" encoding="utf-8"?>
+<p:sld xmlns:a="http://schemas.openxmlformats.org/drawingml/2006/main" xmlns:r="http://schemas.openxmlformats.org/officeDocument/2006/relationships" xmlns:p="http://schemas.openxmlformats.org/presentationml/2006/main">
+  <p:cSld>
+    <p:spTree>
+      <p:nvGrpSpPr>
+        <p:cNvPr id="1" name=""/>
+        <p:cNvGrpSpPr/>
+        <p:nvPr/>
+      </p:nvGrpSpPr>
+      <p:grpSpPr>
+        <a:xfrm>
+          <a:off x="0" y="0"/>
+          <a:ext cx="0" cy="0"/>
+          <a:chOff x="0" y="0"/>
+          <a:chExt cx="0" cy="0"/>
+        </a:xfrm>
+      </p:grpSpPr>
+      <p:pic>
+        <p:nvPicPr>
+          <p:cNvPr id="4" name="Imagen 3">
+            <a:extLst>
+              <a:ext uri="{FF2B5EF4-FFF2-40B4-BE49-F238E27FC236}">
+                <a16:creationId xmlns:a16="http://schemas.microsoft.com/office/drawing/2014/main" id="{E64B034A-8596-573B-24A1-B2BBE928D363}"/>
+              </a:ext>
+            </a:extLst>
+          </p:cNvPr>
+          <p:cNvPicPr>
+            <a:picLocks noChangeAspect="1"/>
+          </p:cNvPicPr>
+          <p:nvPr/>
+        </p:nvPicPr>
+        <p:blipFill>
+          <a:blip r:embed="rId2"/>
+          <a:stretch>
+            <a:fillRect/>
+          </a:stretch>
+        </p:blipFill>
+        <p:spPr>
+          <a:xfrm>
+            <a:off x="1028434" y="928227"/>
+            <a:ext cx="9763391" cy="5758323"/>
+          </a:xfrm>
+          <a:prstGeom prst="rect">
+            <a:avLst/>
+          </a:prstGeom>
+        </p:spPr>
+      </p:pic>
+      <p:sp>
+        <p:nvSpPr>
+          <p:cNvPr id="2" name="CuadroTexto 1">
+            <a:extLst>
+              <a:ext uri="{FF2B5EF4-FFF2-40B4-BE49-F238E27FC236}">
+                <a16:creationId xmlns:a16="http://schemas.microsoft.com/office/drawing/2014/main" id="{6C451B6C-58BA-3B54-A9F1-FA42FC18A932}"/>
+              </a:ext>
+            </a:extLst>
+          </p:cNvPr>
+          <p:cNvSpPr txBox="1"/>
+          <p:nvPr/>
+        </p:nvSpPr>
+        <p:spPr>
+          <a:xfrm>
+            <a:off x="7477125" y="552450"/>
+            <a:ext cx="3314700" cy="2031325"/>
+          </a:xfrm>
+          <a:prstGeom prst="rect">
+            <a:avLst/>
+          </a:prstGeom>
+          <a:noFill/>
+        </p:spPr>
+        <p:txBody>
+          <a:bodyPr wrap="square" rtlCol="0">
+            <a:spAutoFit/>
+          </a:bodyPr>
+          <a:lstStyle/>
+          <a:p>
+            <a:r>
+              <a:rPr lang="es-MX" dirty="0"/>
+              <a:t>Esta opción muestra si hay una liberación de grados de libertad en el elemento </a:t>
+            </a:r>
+          </a:p>
+          <a:p>
+            <a:endParaRPr lang="es-MX" dirty="0"/>
+          </a:p>
+          <a:p>
+            <a:r>
+              <a:rPr lang="es-MX" dirty="0"/>
+              <a:t>Si aparece el circulo en cada elemento es porque estan articulados </a:t>
+            </a:r>
+            <a:endParaRPr lang="es-GT" dirty="0"/>
+          </a:p>
+        </p:txBody>
+      </p:sp>
+      <mc:AlternateContent xmlns:mc="http://schemas.openxmlformats.org/markup-compatibility/2006">
+        <mc:Choice xmlns:p14="http://schemas.microsoft.com/office/powerpoint/2010/main" Requires="p14">
+          <p:contentPart p14:bwMode="auto" r:id="rId3">
+            <p14:nvContentPartPr>
+              <p14:cNvPr id="5" name="Entrada de lápiz 4">
+                <a:extLst>
+                  <a:ext uri="{FF2B5EF4-FFF2-40B4-BE49-F238E27FC236}">
+                    <a16:creationId xmlns:a16="http://schemas.microsoft.com/office/drawing/2014/main" id="{A2E7D1AF-EE47-7717-3517-48AE6EFBA452}"/>
+                  </a:ext>
+                </a:extLst>
+              </p14:cNvPr>
+              <p14:cNvContentPartPr/>
+              <p14:nvPr/>
+            </p14:nvContentPartPr>
+            <p14:xfrm>
+              <a:off x="2781075" y="3447570"/>
+              <a:ext cx="1256400" cy="69120"/>
+            </p14:xfrm>
+          </p:contentPart>
+        </mc:Choice>
+        <mc:Fallback>
+          <p:pic>
+            <p:nvPicPr>
+              <p:cNvPr id="5" name="Entrada de lápiz 4">
+                <a:extLst>
+                  <a:ext uri="{FF2B5EF4-FFF2-40B4-BE49-F238E27FC236}">
+                    <a16:creationId xmlns:a16="http://schemas.microsoft.com/office/drawing/2014/main" id="{A2E7D1AF-EE47-7717-3517-48AE6EFBA452}"/>
+                  </a:ext>
+                </a:extLst>
+              </p:cNvPr>
+              <p:cNvPicPr/>
+              <p:nvPr/>
+            </p:nvPicPr>
+            <p:blipFill>
+              <a:blip r:embed="rId4"/>
+              <a:stretch>
+                <a:fillRect/>
+              </a:stretch>
+            </p:blipFill>
+            <p:spPr>
+              <a:xfrm>
+                <a:off x="2709075" y="3303570"/>
+                <a:ext cx="1400040" cy="356760"/>
+              </a:xfrm>
+              <a:prstGeom prst="rect">
+                <a:avLst/>
+              </a:prstGeom>
+            </p:spPr>
+          </p:pic>
+        </mc:Fallback>
+      </mc:AlternateContent>
+      <mc:AlternateContent xmlns:mc="http://schemas.openxmlformats.org/markup-compatibility/2006">
+        <mc:Choice xmlns:p14="http://schemas.microsoft.com/office/powerpoint/2010/main" Requires="p14">
+          <p:contentPart p14:bwMode="auto" r:id="rId5">
+            <p14:nvContentPartPr>
+              <p14:cNvPr id="6" name="Entrada de lápiz 5">
+                <a:extLst>
+                  <a:ext uri="{FF2B5EF4-FFF2-40B4-BE49-F238E27FC236}">
+                    <a16:creationId xmlns:a16="http://schemas.microsoft.com/office/drawing/2014/main" id="{4E45EC1F-A2D8-ED23-C03B-D103A54C22C2}"/>
+                  </a:ext>
+                </a:extLst>
+              </p14:cNvPr>
+              <p14:cNvContentPartPr/>
+              <p14:nvPr/>
+            </p14:nvContentPartPr>
+            <p14:xfrm>
+              <a:off x="6114675" y="2623170"/>
+              <a:ext cx="1386360" cy="643680"/>
+            </p14:xfrm>
+          </p:contentPart>
+        </mc:Choice>
+        <mc:Fallback>
+          <p:pic>
+            <p:nvPicPr>
+              <p:cNvPr id="6" name="Entrada de lápiz 5">
+                <a:extLst>
+                  <a:ext uri="{FF2B5EF4-FFF2-40B4-BE49-F238E27FC236}">
+                    <a16:creationId xmlns:a16="http://schemas.microsoft.com/office/drawing/2014/main" id="{4E45EC1F-A2D8-ED23-C03B-D103A54C22C2}"/>
+                  </a:ext>
+                </a:extLst>
+              </p:cNvPr>
+              <p:cNvPicPr/>
+              <p:nvPr/>
+            </p:nvPicPr>
+            <p:blipFill>
+              <a:blip r:embed="rId6"/>
+              <a:stretch>
+                <a:fillRect/>
+              </a:stretch>
+            </p:blipFill>
+            <p:spPr>
+              <a:xfrm>
+                <a:off x="6042675" y="2479530"/>
+                <a:ext cx="1530000" cy="931320"/>
+              </a:xfrm>
+              <a:prstGeom prst="rect">
+                <a:avLst/>
+              </a:prstGeom>
+            </p:spPr>
+          </p:pic>
+        </mc:Fallback>
+      </mc:AlternateContent>
+      <mc:AlternateContent xmlns:mc="http://schemas.openxmlformats.org/markup-compatibility/2006">
+        <mc:Choice xmlns:p14="http://schemas.microsoft.com/office/powerpoint/2010/main" Requires="p14">
+          <p:contentPart p14:bwMode="auto" r:id="rId7">
+            <p14:nvContentPartPr>
+              <p14:cNvPr id="7" name="Entrada de lápiz 6">
+                <a:extLst>
+                  <a:ext uri="{FF2B5EF4-FFF2-40B4-BE49-F238E27FC236}">
+                    <a16:creationId xmlns:a16="http://schemas.microsoft.com/office/drawing/2014/main" id="{C97EF492-6AF7-D56B-E691-7D2F5ADF5552}"/>
+                  </a:ext>
+                </a:extLst>
+              </p14:cNvPr>
+              <p14:cNvContentPartPr/>
+              <p14:nvPr/>
+            </p14:nvContentPartPr>
+            <p14:xfrm>
+              <a:off x="6021435" y="5227050"/>
+              <a:ext cx="1179720" cy="376560"/>
+            </p14:xfrm>
+          </p:contentPart>
+        </mc:Choice>
+        <mc:Fallback>
+          <p:pic>
+            <p:nvPicPr>
+              <p:cNvPr id="7" name="Entrada de lápiz 6">
+                <a:extLst>
+                  <a:ext uri="{FF2B5EF4-FFF2-40B4-BE49-F238E27FC236}">
+                    <a16:creationId xmlns:a16="http://schemas.microsoft.com/office/drawing/2014/main" id="{C97EF492-6AF7-D56B-E691-7D2F5ADF5552}"/>
+                  </a:ext>
+                </a:extLst>
+              </p:cNvPr>
+              <p:cNvPicPr/>
+              <p:nvPr/>
+            </p:nvPicPr>
+            <p:blipFill>
+              <a:blip r:embed="rId8"/>
+              <a:stretch>
+                <a:fillRect/>
+              </a:stretch>
+            </p:blipFill>
+            <p:spPr>
+              <a:xfrm>
+                <a:off x="5949795" y="5083410"/>
+                <a:ext cx="1323360" cy="664200"/>
+              </a:xfrm>
+              <a:prstGeom prst="rect">
+                <a:avLst/>
+              </a:prstGeom>
+            </p:spPr>
+          </p:pic>
+        </mc:Fallback>
+      </mc:AlternateContent>
+      <mc:AlternateContent xmlns:mc="http://schemas.openxmlformats.org/markup-compatibility/2006">
+        <mc:Choice xmlns:p14="http://schemas.microsoft.com/office/powerpoint/2010/main" Requires="p14">
+          <p:contentPart p14:bwMode="auto" r:id="rId9">
+            <p14:nvContentPartPr>
+              <p14:cNvPr id="8" name="Entrada de lápiz 7">
+                <a:extLst>
+                  <a:ext uri="{FF2B5EF4-FFF2-40B4-BE49-F238E27FC236}">
+                    <a16:creationId xmlns:a16="http://schemas.microsoft.com/office/drawing/2014/main" id="{86B840D5-EC78-396C-5F67-929FB81AE0EE}"/>
+                  </a:ext>
+                </a:extLst>
+              </p14:cNvPr>
+              <p14:cNvContentPartPr/>
+              <p14:nvPr/>
+            </p14:nvContentPartPr>
+            <p14:xfrm>
+              <a:off x="9371955" y="2637930"/>
+              <a:ext cx="1562760" cy="1045080"/>
+            </p14:xfrm>
+          </p:contentPart>
+        </mc:Choice>
+        <mc:Fallback>
+          <p:pic>
+            <p:nvPicPr>
+              <p:cNvPr id="8" name="Entrada de lápiz 7">
+                <a:extLst>
+                  <a:ext uri="{FF2B5EF4-FFF2-40B4-BE49-F238E27FC236}">
+                    <a16:creationId xmlns:a16="http://schemas.microsoft.com/office/drawing/2014/main" id="{86B840D5-EC78-396C-5F67-929FB81AE0EE}"/>
+                  </a:ext>
+                </a:extLst>
+              </p:cNvPr>
+              <p:cNvPicPr/>
+              <p:nvPr/>
+            </p:nvPicPr>
+            <p:blipFill>
+              <a:blip r:embed="rId10"/>
+              <a:stretch>
+                <a:fillRect/>
+              </a:stretch>
+            </p:blipFill>
+            <p:spPr>
+              <a:xfrm>
+                <a:off x="9300315" y="2494290"/>
+                <a:ext cx="1706400" cy="1332720"/>
+              </a:xfrm>
+              <a:prstGeom prst="rect">
+                <a:avLst/>
+              </a:prstGeom>
+            </p:spPr>
+          </p:pic>
+        </mc:Fallback>
+      </mc:AlternateContent>
+    </p:spTree>
+    <p:extLst>
+      <p:ext uri="{BB962C8B-B14F-4D97-AF65-F5344CB8AC3E}">
+        <p14:creationId xmlns:p14="http://schemas.microsoft.com/office/powerpoint/2010/main" val="3894390792"/>
+      </p:ext>
+    </p:extLst>
+  </p:cSld>
+  <p:clrMapOvr>
+    <a:masterClrMapping/>
+  </p:clrMapOvr>
+</p:sld>
+</file>
+
+<file path=ppt/slides/slide11.xml><?xml version="1.0" encoding="utf-8"?>
+<p:sld xmlns:a="http://schemas.openxmlformats.org/drawingml/2006/main" xmlns:r="http://schemas.openxmlformats.org/officeDocument/2006/relationships" xmlns:p="http://schemas.openxmlformats.org/presentationml/2006/main">
+  <p:cSld>
+    <p:spTree>
+      <p:nvGrpSpPr>
+        <p:cNvPr id="1" name=""/>
+        <p:cNvGrpSpPr/>
+        <p:nvPr/>
+      </p:nvGrpSpPr>
+      <p:grpSpPr>
+        <a:xfrm>
+          <a:off x="0" y="0"/>
+          <a:ext cx="0" cy="0"/>
+          <a:chOff x="0" y="0"/>
+          <a:chExt cx="0" cy="0"/>
+        </a:xfrm>
+      </p:grpSpPr>
+      <p:sp>
+        <p:nvSpPr>
+          <p:cNvPr id="2" name="CuadroTexto 1">
+            <a:extLst>
+              <a:ext uri="{FF2B5EF4-FFF2-40B4-BE49-F238E27FC236}">
+                <a16:creationId xmlns:a16="http://schemas.microsoft.com/office/drawing/2014/main" id="{345E01D0-2BB1-B874-9AA9-D66F81BFDAC2}"/>
+              </a:ext>
+            </a:extLst>
+          </p:cNvPr>
+          <p:cNvSpPr txBox="1"/>
+          <p:nvPr/>
+        </p:nvSpPr>
+        <p:spPr>
+          <a:xfrm>
+            <a:off x="7115175" y="533399"/>
+            <a:ext cx="3933825" cy="646331"/>
+          </a:xfrm>
+          <a:prstGeom prst="rect">
+            <a:avLst/>
+          </a:prstGeom>
+          <a:noFill/>
+        </p:spPr>
+        <p:txBody>
+          <a:bodyPr wrap="square" rtlCol="0">
+            <a:spAutoFit/>
+          </a:bodyPr>
+          <a:lstStyle/>
+          <a:p>
+            <a:r>
+              <a:rPr lang="es-MX" dirty="0"/>
+              <a:t>Liberar de forma parcial algún extremo del elemento </a:t>
+            </a:r>
+            <a:endParaRPr lang="es-GT" dirty="0"/>
+          </a:p>
+        </p:txBody>
+      </p:sp>
+      <p:pic>
+        <p:nvPicPr>
+          <p:cNvPr id="4" name="Imagen 3">
+            <a:extLst>
+              <a:ext uri="{FF2B5EF4-FFF2-40B4-BE49-F238E27FC236}">
+                <a16:creationId xmlns:a16="http://schemas.microsoft.com/office/drawing/2014/main" id="{665BF348-74DF-A656-8E9C-010150E8968E}"/>
+              </a:ext>
+            </a:extLst>
+          </p:cNvPr>
+          <p:cNvPicPr>
+            <a:picLocks noChangeAspect="1"/>
+          </p:cNvPicPr>
+          <p:nvPr/>
+        </p:nvPicPr>
+        <p:blipFill>
+          <a:blip r:embed="rId2"/>
+          <a:stretch>
+            <a:fillRect/>
+          </a:stretch>
+        </p:blipFill>
+        <p:spPr>
+          <a:xfrm>
+            <a:off x="647147" y="1476045"/>
+            <a:ext cx="7925906" cy="4725059"/>
+          </a:xfrm>
+          <a:prstGeom prst="rect">
+            <a:avLst/>
+          </a:prstGeom>
+        </p:spPr>
+      </p:pic>
+    </p:spTree>
+    <p:extLst>
+      <p:ext uri="{BB962C8B-B14F-4D97-AF65-F5344CB8AC3E}">
+        <p14:creationId xmlns:p14="http://schemas.microsoft.com/office/powerpoint/2010/main" val="428322434"/>
+      </p:ext>
+    </p:extLst>
+  </p:cSld>
+  <p:clrMapOvr>
+    <a:masterClrMapping/>
+  </p:clrMapOvr>
+</p:sld>
+</file>
+
+<file path=ppt/slides/slide12.xml><?xml version="1.0" encoding="utf-8"?>
+<p:sld xmlns:a="http://schemas.openxmlformats.org/drawingml/2006/main" xmlns:r="http://schemas.openxmlformats.org/officeDocument/2006/relationships" xmlns:p="http://schemas.openxmlformats.org/presentationml/2006/main">
+  <p:cSld>
+    <p:spTree>
+      <p:nvGrpSpPr>
+        <p:cNvPr id="1" name=""/>
+        <p:cNvGrpSpPr/>
+        <p:nvPr/>
+      </p:nvGrpSpPr>
+      <p:grpSpPr>
+        <a:xfrm>
+          <a:off x="0" y="0"/>
+          <a:ext cx="0" cy="0"/>
+          <a:chOff x="0" y="0"/>
+          <a:chExt cx="0" cy="0"/>
+        </a:xfrm>
+      </p:grpSpPr>
+      <p:pic>
+        <p:nvPicPr>
+          <p:cNvPr id="3" name="Imagen 2">
+            <a:extLst>
+              <a:ext uri="{FF2B5EF4-FFF2-40B4-BE49-F238E27FC236}">
+                <a16:creationId xmlns:a16="http://schemas.microsoft.com/office/drawing/2014/main" id="{24EF3DF3-3B60-D78F-9725-1AC515D39211}"/>
+              </a:ext>
+            </a:extLst>
+          </p:cNvPr>
+          <p:cNvPicPr>
+            <a:picLocks noChangeAspect="1"/>
+          </p:cNvPicPr>
+          <p:nvPr/>
+        </p:nvPicPr>
+        <p:blipFill>
+          <a:blip r:embed="rId2"/>
+          <a:stretch>
+            <a:fillRect/>
+          </a:stretch>
+        </p:blipFill>
+        <p:spPr>
+          <a:xfrm>
+            <a:off x="514271" y="1507018"/>
+            <a:ext cx="6268268" cy="4712752"/>
+          </a:xfrm>
+          <a:prstGeom prst="rect">
+            <a:avLst/>
+          </a:prstGeom>
+        </p:spPr>
+      </p:pic>
+    </p:spTree>
+    <p:extLst>
+      <p:ext uri="{BB962C8B-B14F-4D97-AF65-F5344CB8AC3E}">
+        <p14:creationId xmlns:p14="http://schemas.microsoft.com/office/powerpoint/2010/main" val="1648941903"/>
+      </p:ext>
+    </p:extLst>
+  </p:cSld>
+  <p:clrMapOvr>
+    <a:masterClrMapping/>
+  </p:clrMapOvr>
+</p:sld>
+</file>
+
 <file path=ppt/slides/slide2.xml><?xml version="1.0" encoding="utf-8"?>
 <p:sld xmlns:a="http://schemas.openxmlformats.org/drawingml/2006/main" xmlns:r="http://schemas.openxmlformats.org/officeDocument/2006/relationships" xmlns:p="http://schemas.openxmlformats.org/presentationml/2006/main">
   <p:cSld>
@@ -3999,41 +4734,6 @@
           <a:chExt cx="0" cy="0"/>
         </a:xfrm>
       </p:grpSpPr>
-      <p:sp>
-        <p:nvSpPr>
-          <p:cNvPr id="2" name="CuadroTexto 1">
-            <a:extLst>
-              <a:ext uri="{FF2B5EF4-FFF2-40B4-BE49-F238E27FC236}">
-                <a16:creationId xmlns:a16="http://schemas.microsoft.com/office/drawing/2014/main" id="{A724DCAC-52FB-6C55-9114-10D05685F448}"/>
-              </a:ext>
-            </a:extLst>
-          </p:cNvPr>
-          <p:cNvSpPr txBox="1"/>
-          <p:nvPr/>
-        </p:nvSpPr>
-        <p:spPr>
-          <a:xfrm>
-            <a:off x="7487478" y="768626"/>
-            <a:ext cx="4518992" cy="369332"/>
-          </a:xfrm>
-          <a:prstGeom prst="rect">
-            <a:avLst/>
-          </a:prstGeom>
-          <a:noFill/>
-        </p:spPr>
-        <p:txBody>
-          <a:bodyPr wrap="square" rtlCol="0">
-            <a:spAutoFit/>
-          </a:bodyPr>
-          <a:lstStyle/>
-          <a:p>
-            <a:r>
-              <a:rPr lang="es-GT" dirty="0"/>
-              <a:t>Cambiamos la opción como articulado </a:t>
-            </a:r>
-          </a:p>
-        </p:txBody>
-      </p:sp>
       <p:pic>
         <p:nvPicPr>
           <p:cNvPr id="4" name="Imagen 3">
@@ -4064,10 +4764,404 @@
           </a:prstGeom>
         </p:spPr>
       </p:pic>
+      <p:sp>
+        <p:nvSpPr>
+          <p:cNvPr id="2" name="CuadroTexto 1">
+            <a:extLst>
+              <a:ext uri="{FF2B5EF4-FFF2-40B4-BE49-F238E27FC236}">
+                <a16:creationId xmlns:a16="http://schemas.microsoft.com/office/drawing/2014/main" id="{A724DCAC-52FB-6C55-9114-10D05685F448}"/>
+              </a:ext>
+            </a:extLst>
+          </p:cNvPr>
+          <p:cNvSpPr txBox="1"/>
+          <p:nvPr/>
+        </p:nvSpPr>
+        <p:spPr>
+          <a:xfrm>
+            <a:off x="5117140" y="1283530"/>
+            <a:ext cx="4518992" cy="369332"/>
+          </a:xfrm>
+          <a:prstGeom prst="rect">
+            <a:avLst/>
+          </a:prstGeom>
+          <a:noFill/>
+        </p:spPr>
+        <p:txBody>
+          <a:bodyPr wrap="square" rtlCol="0">
+            <a:spAutoFit/>
+          </a:bodyPr>
+          <a:lstStyle/>
+          <a:p>
+            <a:r>
+              <a:rPr lang="es-GT" dirty="0"/>
+              <a:t>Cambiamos la opción como articulado o </a:t>
+            </a:r>
+            <a:r>
+              <a:rPr lang="es-GT" dirty="0" err="1"/>
+              <a:t>pined</a:t>
+            </a:r>
+            <a:r>
+              <a:rPr lang="es-GT" dirty="0"/>
+              <a:t>  </a:t>
+            </a:r>
+          </a:p>
+        </p:txBody>
+      </p:sp>
     </p:spTree>
     <p:extLst>
       <p:ext uri="{BB962C8B-B14F-4D97-AF65-F5344CB8AC3E}">
         <p14:creationId xmlns:p14="http://schemas.microsoft.com/office/powerpoint/2010/main" val="3475935360"/>
+      </p:ext>
+    </p:extLst>
+  </p:cSld>
+  <p:clrMapOvr>
+    <a:masterClrMapping/>
+  </p:clrMapOvr>
+</p:sld>
+</file>
+
+<file path=ppt/slides/slide9.xml><?xml version="1.0" encoding="utf-8"?>
+<p:sld xmlns:a="http://schemas.openxmlformats.org/drawingml/2006/main" xmlns:r="http://schemas.openxmlformats.org/officeDocument/2006/relationships" xmlns:p="http://schemas.openxmlformats.org/presentationml/2006/main">
+  <p:cSld>
+    <p:spTree>
+      <p:nvGrpSpPr>
+        <p:cNvPr id="1" name=""/>
+        <p:cNvGrpSpPr/>
+        <p:nvPr/>
+      </p:nvGrpSpPr>
+      <p:grpSpPr>
+        <a:xfrm>
+          <a:off x="0" y="0"/>
+          <a:ext cx="0" cy="0"/>
+          <a:chOff x="0" y="0"/>
+          <a:chExt cx="0" cy="0"/>
+        </a:xfrm>
+      </p:grpSpPr>
+      <p:pic>
+        <p:nvPicPr>
+          <p:cNvPr id="3" name="Imagen 2">
+            <a:extLst>
+              <a:ext uri="{FF2B5EF4-FFF2-40B4-BE49-F238E27FC236}">
+                <a16:creationId xmlns:a16="http://schemas.microsoft.com/office/drawing/2014/main" id="{1383E45A-5ED6-61BE-00BF-785B547315DA}"/>
+              </a:ext>
+            </a:extLst>
+          </p:cNvPr>
+          <p:cNvPicPr>
+            <a:picLocks noChangeAspect="1"/>
+          </p:cNvPicPr>
+          <p:nvPr/>
+        </p:nvPicPr>
+        <p:blipFill>
+          <a:blip r:embed="rId2"/>
+          <a:stretch>
+            <a:fillRect/>
+          </a:stretch>
+        </p:blipFill>
+        <p:spPr>
+          <a:xfrm>
+            <a:off x="1751809" y="1952625"/>
+            <a:ext cx="8065039" cy="3429336"/>
+          </a:xfrm>
+          <a:prstGeom prst="rect">
+            <a:avLst/>
+          </a:prstGeom>
+        </p:spPr>
+      </p:pic>
+      <p:sp>
+        <p:nvSpPr>
+          <p:cNvPr id="4" name="CuadroTexto 3">
+            <a:extLst>
+              <a:ext uri="{FF2B5EF4-FFF2-40B4-BE49-F238E27FC236}">
+                <a16:creationId xmlns:a16="http://schemas.microsoft.com/office/drawing/2014/main" id="{259A44B0-2BFB-E7BE-6477-D8C4E59C5F88}"/>
+              </a:ext>
+            </a:extLst>
+          </p:cNvPr>
+          <p:cNvSpPr txBox="1"/>
+          <p:nvPr/>
+        </p:nvSpPr>
+        <p:spPr>
+          <a:xfrm>
+            <a:off x="3419475" y="1106707"/>
+            <a:ext cx="3771900" cy="646331"/>
+          </a:xfrm>
+          <a:prstGeom prst="rect">
+            <a:avLst/>
+          </a:prstGeom>
+          <a:noFill/>
+        </p:spPr>
+        <p:txBody>
+          <a:bodyPr wrap="square" rtlCol="0">
+            <a:spAutoFit/>
+          </a:bodyPr>
+          <a:lstStyle/>
+          <a:p>
+            <a:r>
+              <a:rPr lang="es-MX" dirty="0"/>
+              <a:t>Asi queda por defecto se le agrego los soportes articulados  </a:t>
+            </a:r>
+            <a:endParaRPr lang="es-GT" dirty="0"/>
+          </a:p>
+        </p:txBody>
+      </p:sp>
+      <mc:AlternateContent xmlns:mc="http://schemas.openxmlformats.org/markup-compatibility/2006">
+        <mc:Choice xmlns:p14="http://schemas.microsoft.com/office/powerpoint/2010/main" Requires="p14">
+          <p:contentPart p14:bwMode="auto" r:id="rId3">
+            <p14:nvContentPartPr>
+              <p14:cNvPr id="5" name="Entrada de lápiz 4">
+                <a:extLst>
+                  <a:ext uri="{FF2B5EF4-FFF2-40B4-BE49-F238E27FC236}">
+                    <a16:creationId xmlns:a16="http://schemas.microsoft.com/office/drawing/2014/main" id="{23776B71-FC13-E0D1-5D8F-5CBBE0FFCCA9}"/>
+                  </a:ext>
+                </a:extLst>
+              </p14:cNvPr>
+              <p14:cNvContentPartPr/>
+              <p14:nvPr/>
+            </p14:nvContentPartPr>
+            <p14:xfrm>
+              <a:off x="2028675" y="5047770"/>
+              <a:ext cx="715320" cy="360"/>
+            </p14:xfrm>
+          </p:contentPart>
+        </mc:Choice>
+        <mc:Fallback>
+          <p:pic>
+            <p:nvPicPr>
+              <p:cNvPr id="5" name="Entrada de lápiz 4">
+                <a:extLst>
+                  <a:ext uri="{FF2B5EF4-FFF2-40B4-BE49-F238E27FC236}">
+                    <a16:creationId xmlns:a16="http://schemas.microsoft.com/office/drawing/2014/main" id="{23776B71-FC13-E0D1-5D8F-5CBBE0FFCCA9}"/>
+                  </a:ext>
+                </a:extLst>
+              </p:cNvPr>
+              <p:cNvPicPr/>
+              <p:nvPr/>
+            </p:nvPicPr>
+            <p:blipFill>
+              <a:blip r:embed="rId4"/>
+              <a:stretch>
+                <a:fillRect/>
+              </a:stretch>
+            </p:blipFill>
+            <p:spPr>
+              <a:xfrm>
+                <a:off x="1974675" y="4939770"/>
+                <a:ext cx="822960" cy="216000"/>
+              </a:xfrm>
+              <a:prstGeom prst="rect">
+                <a:avLst/>
+              </a:prstGeom>
+            </p:spPr>
+          </p:pic>
+        </mc:Fallback>
+      </mc:AlternateContent>
+      <mc:AlternateContent xmlns:mc="http://schemas.openxmlformats.org/markup-compatibility/2006">
+        <mc:Choice xmlns:p14="http://schemas.microsoft.com/office/powerpoint/2010/main" Requires="p14">
+          <p:contentPart p14:bwMode="auto" r:id="rId5">
+            <p14:nvContentPartPr>
+              <p14:cNvPr id="6" name="Entrada de lápiz 5">
+                <a:extLst>
+                  <a:ext uri="{FF2B5EF4-FFF2-40B4-BE49-F238E27FC236}">
+                    <a16:creationId xmlns:a16="http://schemas.microsoft.com/office/drawing/2014/main" id="{37B4B1A4-8CF8-191A-E699-3316345208F4}"/>
+                  </a:ext>
+                </a:extLst>
+              </p14:cNvPr>
+              <p14:cNvContentPartPr/>
+              <p14:nvPr/>
+            </p14:nvContentPartPr>
+            <p14:xfrm>
+              <a:off x="4428795" y="4896930"/>
+              <a:ext cx="560520" cy="28080"/>
+            </p14:xfrm>
+          </p:contentPart>
+        </mc:Choice>
+        <mc:Fallback>
+          <p:pic>
+            <p:nvPicPr>
+              <p:cNvPr id="6" name="Entrada de lápiz 5">
+                <a:extLst>
+                  <a:ext uri="{FF2B5EF4-FFF2-40B4-BE49-F238E27FC236}">
+                    <a16:creationId xmlns:a16="http://schemas.microsoft.com/office/drawing/2014/main" id="{37B4B1A4-8CF8-191A-E699-3316345208F4}"/>
+                  </a:ext>
+                </a:extLst>
+              </p:cNvPr>
+              <p:cNvPicPr/>
+              <p:nvPr/>
+            </p:nvPicPr>
+            <p:blipFill>
+              <a:blip r:embed="rId6"/>
+              <a:stretch>
+                <a:fillRect/>
+              </a:stretch>
+            </p:blipFill>
+            <p:spPr>
+              <a:xfrm>
+                <a:off x="4375155" y="4788930"/>
+                <a:ext cx="668160" cy="243720"/>
+              </a:xfrm>
+              <a:prstGeom prst="rect">
+                <a:avLst/>
+              </a:prstGeom>
+            </p:spPr>
+          </p:pic>
+        </mc:Fallback>
+      </mc:AlternateContent>
+      <mc:AlternateContent xmlns:mc="http://schemas.openxmlformats.org/markup-compatibility/2006">
+        <mc:Choice xmlns:p14="http://schemas.microsoft.com/office/powerpoint/2010/main" Requires="p14">
+          <p:contentPart p14:bwMode="auto" r:id="rId7">
+            <p14:nvContentPartPr>
+              <p14:cNvPr id="7" name="Entrada de lápiz 6">
+                <a:extLst>
+                  <a:ext uri="{FF2B5EF4-FFF2-40B4-BE49-F238E27FC236}">
+                    <a16:creationId xmlns:a16="http://schemas.microsoft.com/office/drawing/2014/main" id="{04BA2F41-5158-2A56-10A3-93C74E9D772C}"/>
+                  </a:ext>
+                </a:extLst>
+              </p14:cNvPr>
+              <p14:cNvContentPartPr/>
+              <p14:nvPr/>
+            </p14:nvContentPartPr>
+            <p14:xfrm>
+              <a:off x="6971835" y="5018970"/>
+              <a:ext cx="505440" cy="19800"/>
+            </p14:xfrm>
+          </p:contentPart>
+        </mc:Choice>
+        <mc:Fallback>
+          <p:pic>
+            <p:nvPicPr>
+              <p:cNvPr id="7" name="Entrada de lápiz 6">
+                <a:extLst>
+                  <a:ext uri="{FF2B5EF4-FFF2-40B4-BE49-F238E27FC236}">
+                    <a16:creationId xmlns:a16="http://schemas.microsoft.com/office/drawing/2014/main" id="{04BA2F41-5158-2A56-10A3-93C74E9D772C}"/>
+                  </a:ext>
+                </a:extLst>
+              </p:cNvPr>
+              <p:cNvPicPr/>
+              <p:nvPr/>
+            </p:nvPicPr>
+            <p:blipFill>
+              <a:blip r:embed="rId8"/>
+              <a:stretch>
+                <a:fillRect/>
+              </a:stretch>
+            </p:blipFill>
+            <p:spPr>
+              <a:xfrm>
+                <a:off x="6917835" y="4911330"/>
+                <a:ext cx="613080" cy="235440"/>
+              </a:xfrm>
+              <a:prstGeom prst="rect">
+                <a:avLst/>
+              </a:prstGeom>
+            </p:spPr>
+          </p:pic>
+        </mc:Fallback>
+      </mc:AlternateContent>
+      <mc:AlternateContent xmlns:mc="http://schemas.openxmlformats.org/markup-compatibility/2006">
+        <mc:Choice xmlns:p14="http://schemas.microsoft.com/office/powerpoint/2010/main" Requires="p14">
+          <p:contentPart p14:bwMode="auto" r:id="rId9">
+            <p14:nvContentPartPr>
+              <p14:cNvPr id="8" name="Entrada de lápiz 7">
+                <a:extLst>
+                  <a:ext uri="{FF2B5EF4-FFF2-40B4-BE49-F238E27FC236}">
+                    <a16:creationId xmlns:a16="http://schemas.microsoft.com/office/drawing/2014/main" id="{2A467FE6-5CDD-ADB1-ABDA-24BF611F8A1C}"/>
+                  </a:ext>
+                </a:extLst>
+              </p14:cNvPr>
+              <p14:cNvContentPartPr/>
+              <p14:nvPr/>
+            </p14:nvContentPartPr>
+            <p14:xfrm>
+              <a:off x="9324435" y="5057130"/>
+              <a:ext cx="973080" cy="69120"/>
+            </p14:xfrm>
+          </p:contentPart>
+        </mc:Choice>
+        <mc:Fallback>
+          <p:pic>
+            <p:nvPicPr>
+              <p:cNvPr id="8" name="Entrada de lápiz 7">
+                <a:extLst>
+                  <a:ext uri="{FF2B5EF4-FFF2-40B4-BE49-F238E27FC236}">
+                    <a16:creationId xmlns:a16="http://schemas.microsoft.com/office/drawing/2014/main" id="{2A467FE6-5CDD-ADB1-ABDA-24BF611F8A1C}"/>
+                  </a:ext>
+                </a:extLst>
+              </p:cNvPr>
+              <p:cNvPicPr/>
+              <p:nvPr/>
+            </p:nvPicPr>
+            <p:blipFill>
+              <a:blip r:embed="rId10"/>
+              <a:stretch>
+                <a:fillRect/>
+              </a:stretch>
+            </p:blipFill>
+            <p:spPr>
+              <a:xfrm>
+                <a:off x="9270435" y="4949490"/>
+                <a:ext cx="1080720" cy="284760"/>
+              </a:xfrm>
+              <a:prstGeom prst="rect">
+                <a:avLst/>
+              </a:prstGeom>
+            </p:spPr>
+          </p:pic>
+        </mc:Fallback>
+      </mc:AlternateContent>
+      <mc:AlternateContent xmlns:mc="http://schemas.openxmlformats.org/markup-compatibility/2006">
+        <mc:Choice xmlns:p14="http://schemas.microsoft.com/office/powerpoint/2010/main" Requires="p14">
+          <p:contentPart p14:bwMode="auto" r:id="rId11">
+            <p14:nvContentPartPr>
+              <p14:cNvPr id="9" name="Entrada de lápiz 8">
+                <a:extLst>
+                  <a:ext uri="{FF2B5EF4-FFF2-40B4-BE49-F238E27FC236}">
+                    <a16:creationId xmlns:a16="http://schemas.microsoft.com/office/drawing/2014/main" id="{DD6CD4A2-13EB-598E-5132-4807DA011F34}"/>
+                  </a:ext>
+                </a:extLst>
+              </p14:cNvPr>
+              <p14:cNvContentPartPr/>
+              <p14:nvPr/>
+            </p14:nvContentPartPr>
+            <p14:xfrm>
+              <a:off x="8981355" y="4942290"/>
+              <a:ext cx="842760" cy="58320"/>
+            </p14:xfrm>
+          </p:contentPart>
+        </mc:Choice>
+        <mc:Fallback>
+          <p:pic>
+            <p:nvPicPr>
+              <p:cNvPr id="9" name="Entrada de lápiz 8">
+                <a:extLst>
+                  <a:ext uri="{FF2B5EF4-FFF2-40B4-BE49-F238E27FC236}">
+                    <a16:creationId xmlns:a16="http://schemas.microsoft.com/office/drawing/2014/main" id="{DD6CD4A2-13EB-598E-5132-4807DA011F34}"/>
+                  </a:ext>
+                </a:extLst>
+              </p:cNvPr>
+              <p:cNvPicPr/>
+              <p:nvPr/>
+            </p:nvPicPr>
+            <p:blipFill>
+              <a:blip r:embed="rId12"/>
+              <a:stretch>
+                <a:fillRect/>
+              </a:stretch>
+            </p:blipFill>
+            <p:spPr>
+              <a:xfrm>
+                <a:off x="8927715" y="4834650"/>
+                <a:ext cx="950400" cy="273960"/>
+              </a:xfrm>
+              <a:prstGeom prst="rect">
+                <a:avLst/>
+              </a:prstGeom>
+            </p:spPr>
+          </p:pic>
+        </mc:Fallback>
+      </mc:AlternateContent>
+    </p:spTree>
+    <p:extLst>
+      <p:ext uri="{BB962C8B-B14F-4D97-AF65-F5344CB8AC3E}">
+        <p14:creationId xmlns:p14="http://schemas.microsoft.com/office/powerpoint/2010/main" val="116708858"/>
       </p:ext>
     </p:extLst>
   </p:cSld>

--- a/vaq ETABS/capturas 2.pptx
+++ b/vaq ETABS/capturas 2.pptx
@@ -15,8 +15,31 @@
     <p:sldId id="263" r:id="rId9"/>
     <p:sldId id="264" r:id="rId10"/>
     <p:sldId id="265" r:id="rId11"/>
-    <p:sldId id="266" r:id="rId12"/>
-    <p:sldId id="267" r:id="rId13"/>
+    <p:sldId id="268" r:id="rId12"/>
+    <p:sldId id="266" r:id="rId13"/>
+    <p:sldId id="267" r:id="rId14"/>
+    <p:sldId id="269" r:id="rId15"/>
+    <p:sldId id="270" r:id="rId16"/>
+    <p:sldId id="271" r:id="rId17"/>
+    <p:sldId id="272" r:id="rId18"/>
+    <p:sldId id="273" r:id="rId19"/>
+    <p:sldId id="274" r:id="rId20"/>
+    <p:sldId id="275" r:id="rId21"/>
+    <p:sldId id="276" r:id="rId22"/>
+    <p:sldId id="282" r:id="rId23"/>
+    <p:sldId id="277" r:id="rId24"/>
+    <p:sldId id="278" r:id="rId25"/>
+    <p:sldId id="279" r:id="rId26"/>
+    <p:sldId id="280" r:id="rId27"/>
+    <p:sldId id="281" r:id="rId28"/>
+    <p:sldId id="283" r:id="rId29"/>
+    <p:sldId id="284" r:id="rId30"/>
+    <p:sldId id="285" r:id="rId31"/>
+    <p:sldId id="286" r:id="rId32"/>
+    <p:sldId id="287" r:id="rId33"/>
+    <p:sldId id="288" r:id="rId34"/>
+    <p:sldId id="289" r:id="rId35"/>
+    <p:sldId id="290" r:id="rId36"/>
   </p:sldIdLst>
   <p:sldSz cx="12192000" cy="6858000"/>
   <p:notesSz cx="6858000" cy="9144000"/>
@@ -152,6 +175,316 @@
 </inkml:ink>
 </file>
 
+<file path=ppt/ink/ink10.xml><?xml version="1.0" encoding="utf-8"?>
+<inkml:ink xmlns:inkml="http://www.w3.org/2003/InkML">
+  <inkml:definitions>
+    <inkml:context xml:id="ctx0">
+      <inkml:inkSource xml:id="inkSrc0">
+        <inkml:traceFormat>
+          <inkml:channel name="X" type="integer" max="2732" units="cm"/>
+          <inkml:channel name="Y" type="integer" max="768" units="cm"/>
+          <inkml:channel name="T" type="integer" max="2.14748E9" units="dev"/>
+        </inkml:traceFormat>
+        <inkml:channelProperties>
+          <inkml:channelProperty channel="X" name="resolution" value="88.41424" units="1/cm"/>
+          <inkml:channelProperty channel="Y" name="resolution" value="44.13793" units="1/cm"/>
+          <inkml:channelProperty channel="T" name="resolution" value="1" units="1/dev"/>
+        </inkml:channelProperties>
+      </inkml:inkSource>
+      <inkml:timestamp xml:id="ts0" timeString="2025-05-31T18:40:35.488"/>
+    </inkml:context>
+    <inkml:brush xml:id="br0">
+      <inkml:brushProperty name="width" value="0.25" units="cm"/>
+      <inkml:brushProperty name="height" value="0.5" units="cm"/>
+      <inkml:brushProperty name="color" value="#FFFF00"/>
+      <inkml:brushProperty name="tip" value="rectangle"/>
+      <inkml:brushProperty name="rasterOp" value="maskPen"/>
+      <inkml:brushProperty name="fitToCurve" value="1"/>
+    </inkml:brush>
+  </inkml:definitions>
+  <inkml:trace contextRef="#ctx0" brushRef="#br0">0 44 0,'37'0'32,"73"0"-32,-36 0 15,36 37-15,-36-37 16,73 36-1,-36 1-15,73 0 16,-74-37-16,37 0 16,38 0-16,35 0 15,-36 0-15,0 0 16,1 0-16,-38 0 16,-37 0-16,1 0 15,-38 0-15,1 0 16,36 0-16,1 0 15,-38 0-15,38 0 16,36 0-16,0 0 16,74 0-16,-74 0 15,38 0-15,-38 0 16,74 0-16,-74 0 16,37 0-16,-37 0 15,37 0-15,0 0 16,0 0-16,-36 0 15,72 0-15,-35 0 16,72 0-16,1 0 16,36 0-16,-36 0 15,-37 0 1,0-37-16,0 0 16,-37 1-16,0-1 15,-74 0-15,1 37 16,-1 0-16,-36 0 15,-1 0-15,-36 0 16,37 0-16,-37 0 16,-1 0-16,1 0 15,74 0-15,-38 0 16,-36 0 0,0 0-16,37 37 15,-38-37-15,38 0 16,-37 0-1,0 0 1,-111 0 62,-36 0-62</inkml:trace>
+</inkml:ink>
+</file>
+
+<file path=ppt/ink/ink11.xml><?xml version="1.0" encoding="utf-8"?>
+<inkml:ink xmlns:inkml="http://www.w3.org/2003/InkML">
+  <inkml:definitions>
+    <inkml:context xml:id="ctx0">
+      <inkml:inkSource xml:id="inkSrc0">
+        <inkml:traceFormat>
+          <inkml:channel name="X" type="integer" max="2732" units="cm"/>
+          <inkml:channel name="Y" type="integer" max="768" units="cm"/>
+          <inkml:channel name="T" type="integer" max="2.14748E9" units="dev"/>
+        </inkml:traceFormat>
+        <inkml:channelProperties>
+          <inkml:channelProperty channel="X" name="resolution" value="88.41424" units="1/cm"/>
+          <inkml:channelProperty channel="Y" name="resolution" value="44.13793" units="1/cm"/>
+          <inkml:channelProperty channel="T" name="resolution" value="1" units="1/dev"/>
+        </inkml:channelProperties>
+      </inkml:inkSource>
+      <inkml:timestamp xml:id="ts0" timeString="2025-05-31T18:40:36.944"/>
+    </inkml:context>
+    <inkml:brush xml:id="br0">
+      <inkml:brushProperty name="width" value="0.25" units="cm"/>
+      <inkml:brushProperty name="height" value="0.5" units="cm"/>
+      <inkml:brushProperty name="color" value="#FFFF00"/>
+      <inkml:brushProperty name="tip" value="rectangle"/>
+      <inkml:brushProperty name="rasterOp" value="maskPen"/>
+      <inkml:brushProperty name="fitToCurve" value="1"/>
+    </inkml:brush>
+  </inkml:definitions>
+  <inkml:trace contextRef="#ctx0" brushRef="#br0">0 45 0,'74'0'47,"73"0"-47,0 0 16,111 0-16,36 0 15,1 0-15,-1 0 16,1 0-16,-1 0 16,1 0-16,-1 0 15,-36 0-15,-74 0 16,-74 0-16,1 0 15,-38 0-15,-36 0 16,74 37-16,-38-37 16,1 37-1,-37 0 1,36-37 0,-36 37-1,0-37 1,0 0 15</inkml:trace>
+</inkml:ink>
+</file>
+
+<file path=ppt/ink/ink12.xml><?xml version="1.0" encoding="utf-8"?>
+<inkml:ink xmlns:inkml="http://www.w3.org/2003/InkML">
+  <inkml:definitions>
+    <inkml:context xml:id="ctx0">
+      <inkml:inkSource xml:id="inkSrc0">
+        <inkml:traceFormat>
+          <inkml:channel name="X" type="integer" max="2732" units="cm"/>
+          <inkml:channel name="Y" type="integer" max="768" units="cm"/>
+          <inkml:channel name="T" type="integer" max="2.14748E9" units="dev"/>
+        </inkml:traceFormat>
+        <inkml:channelProperties>
+          <inkml:channelProperty channel="X" name="resolution" value="88.41424" units="1/cm"/>
+          <inkml:channelProperty channel="Y" name="resolution" value="44.13793" units="1/cm"/>
+          <inkml:channelProperty channel="T" name="resolution" value="1" units="1/dev"/>
+        </inkml:channelProperties>
+      </inkml:inkSource>
+      <inkml:timestamp xml:id="ts0" timeString="2025-05-31T18:40:40.504"/>
+    </inkml:context>
+    <inkml:brush xml:id="br0">
+      <inkml:brushProperty name="width" value="0.25" units="cm"/>
+      <inkml:brushProperty name="height" value="0.5" units="cm"/>
+      <inkml:brushProperty name="color" value="#FFFF00"/>
+      <inkml:brushProperty name="tip" value="rectangle"/>
+      <inkml:brushProperty name="rasterOp" value="maskPen"/>
+      <inkml:brushProperty name="fitToCurve" value="1"/>
+    </inkml:brush>
+  </inkml:definitions>
+  <inkml:trace contextRef="#ctx0" brushRef="#br0">3166 1661 0,'-111'37'0,"37"-37"16,38 37 0,-38 0-16,0-37 15,38 37-15,-1-1 0,0-36 16,37 37 0,-37 0-16,37 0 31,74 0-31,110 36 15,110 1-15,185-1 16,110-36-16,-37-37 16,-37 0-16,1 0 15,-222-73-15,-36-1 16,-74-36-16,-110 36 16,-1 0-16,1-36 15,-37-37-15,-37-1 16,0 75-16,0-74 15,0-74-15,0 110 16,-74-36-16,0 0 16,1 36-16,-38 1 15,38-1-15,-38 38 16,1-1-16,-1 37 16,-73 1-16,37-1 15,37 37-15,-38 0 16,-36 0-1,-36 37-15,-1 36 16,-37 1-16,0 36 16,-36 1-16,-74-1 15,-37 37-15,0 37 16,0-36-16,0 36 16,37-37-16,0-37 15,73 1-15,38-1 16,-1 38-16,74-75 15,73 1-15,1-1 16,0-36-16,110 37 16,-37-74-16,37 37 15,37-1 1,36 1 0,38-37-16,109 0 15,149 0-15,-75-37 16,-73-36-16,-74-1 15,-73 37-15,-37 37 16,-37-36 0,0-38-1,73 74 63,111 0-78,184 0 16,185 0-16,36 0 16,-74 0-16,-110 0 15,-111 0-15,-146 0 16,-38 0-16,-36 0 16,-38 0-16,1 0 15,-147-37 32,-111 0-47,-37-36 16,1 36-16,-75 0 15,1 0-15,0 37 16,36 0-16,111 0 16,37 0-16,73 0 15,37 0 1,111 37-1,184 0 1,184 0-16,147-37 16,220 0-16,-220 0 15,-147 0 1,-147 0-16,-75 0 16,-109 0-16,-37 0 15,-38 0 1,-109 0 31,-75-37-47,38 37 15,-74 0-15,37 0 16,36 0-16,38 0 16,36 0-16,0 0 31,74 0-16,36 0-15,148 0 16,74 0-16,-37 0 16,-74 0-16,-37 0 15,0 0-15,-36 0 16,-38-37 0,1 0-1</inkml:trace>
+</inkml:ink>
+</file>
+
+<file path=ppt/ink/ink13.xml><?xml version="1.0" encoding="utf-8"?>
+<inkml:ink xmlns:inkml="http://www.w3.org/2003/InkML">
+  <inkml:definitions>
+    <inkml:context xml:id="ctx0">
+      <inkml:inkSource xml:id="inkSrc0">
+        <inkml:traceFormat>
+          <inkml:channel name="X" type="integer" max="2732" units="cm"/>
+          <inkml:channel name="Y" type="integer" max="768" units="cm"/>
+          <inkml:channel name="T" type="integer" max="2.14748E9" units="dev"/>
+        </inkml:traceFormat>
+        <inkml:channelProperties>
+          <inkml:channelProperty channel="X" name="resolution" value="88.41424" units="1/cm"/>
+          <inkml:channelProperty channel="Y" name="resolution" value="44.13793" units="1/cm"/>
+          <inkml:channelProperty channel="T" name="resolution" value="1" units="1/dev"/>
+        </inkml:channelProperties>
+      </inkml:inkSource>
+      <inkml:timestamp xml:id="ts0" timeString="2025-05-31T18:40:42.968"/>
+    </inkml:context>
+    <inkml:brush xml:id="br0">
+      <inkml:brushProperty name="width" value="0.25" units="cm"/>
+      <inkml:brushProperty name="height" value="0.5" units="cm"/>
+      <inkml:brushProperty name="color" value="#FFFF00"/>
+      <inkml:brushProperty name="tip" value="rectangle"/>
+      <inkml:brushProperty name="rasterOp" value="maskPen"/>
+      <inkml:brushProperty name="fitToCurve" value="1"/>
+    </inkml:brush>
+  </inkml:definitions>
+  <inkml:trace contextRef="#ctx0" brushRef="#br0">0 406 0,'37'0'16,"36"-37"-1,1 37-15,36 0 16,74 0-16,111 0 16,147-37-16,-74 0 15,-37-36-15,-73-1 16,-37 74-16,-74-37 16,-37 1-16,1-1 15,-38 37-15,1 0 16,0-37-16,-38 37 15,-36 37 64,-110 0-79,-37 36 15,-74 1-15,-37 36 16,37 1-16,37-1 15,-37 1-15,74-75 16,74 38-16,36-37 16,-37 0-16,74-1 15,37-36 17,73 0-32,148 0 15,110 0-15,-110-36 16,-37-1-16,0-37 15,-37 37-15,-111 37 16,-36-36-16,-37-1 47,-74 37-31,-110 0-16,-73 0 15,-38 0-15,-73 0 16,74 37-16,110-1 15,0 1-15,73 0 16,74-37-16,0 0 16,-36 0-1,36 0 1,0 0 31,0 0-32,1 0-15,-1 0 16,-74 0-16,1 0 16,-37 0-16,-1 0 15,75 0-15,-1 0 16,1 0-16,36 0 16,147 0 62,221 0-63,111 0-15,37 0 16,-38 0-16,-36 0 16,-36 0-16,-1-37 15,-111 0-15,-73 1 16,0-1-1,-110 37-15,37 0 0,-38 0 32,1-37-32,-37 37 31,-1 0 47,1 0-62,0 0-1,0 0 1,-74 37 78,-37-37-94,-36 37 15,-74 36-15,37 1 16,-37-1-16,36-36 16,-36 37-1,37-1-15,-37 38 16,37-37-16,-1-38 15,75 38-15,36-74 16,-37 37-16,1 0 16,36-37 31</inkml:trace>
+</inkml:ink>
+</file>
+
+<file path=ppt/ink/ink14.xml><?xml version="1.0" encoding="utf-8"?>
+<inkml:ink xmlns:inkml="http://www.w3.org/2003/InkML">
+  <inkml:definitions>
+    <inkml:context xml:id="ctx0">
+      <inkml:inkSource xml:id="inkSrc0">
+        <inkml:traceFormat>
+          <inkml:channel name="X" type="integer" max="2732" units="cm"/>
+          <inkml:channel name="Y" type="integer" max="768" units="cm"/>
+          <inkml:channel name="T" type="integer" max="2.14748E9" units="dev"/>
+        </inkml:traceFormat>
+        <inkml:channelProperties>
+          <inkml:channelProperty channel="X" name="resolution" value="88.41424" units="1/cm"/>
+          <inkml:channelProperty channel="Y" name="resolution" value="44.13793" units="1/cm"/>
+          <inkml:channelProperty channel="T" name="resolution" value="1" units="1/dev"/>
+        </inkml:channelProperties>
+      </inkml:inkSource>
+      <inkml:timestamp xml:id="ts0" timeString="2025-05-31T18:42:41.584"/>
+    </inkml:context>
+    <inkml:brush xml:id="br0">
+      <inkml:brushProperty name="width" value="0.2" units="cm"/>
+      <inkml:brushProperty name="height" value="0.4" units="cm"/>
+      <inkml:brushProperty name="color" value="#FFFF00"/>
+      <inkml:brushProperty name="tip" value="rectangle"/>
+      <inkml:brushProperty name="rasterOp" value="maskPen"/>
+      <inkml:brushProperty name="fitToCurve" value="1"/>
+    </inkml:brush>
+  </inkml:definitions>
+  <inkml:trace contextRef="#ctx0" brushRef="#br0">1656 625 0,'74'0'15,"-37"0"1,73 37-16,-73 0 15,0-37-15,36 0 16,1 0-16,36 0 16,1 0-16,36 0 15,0 0-15,37 0 16,111 37-16,73 0 16,37 36-16,37 1 15,-37-37-15,-74 0 16,-37-1-16,-36 1 15,-111-37-15,0 0 16,-36 0-16,-1 0 16,-36 0-16,36 0 15,-36 0-15,0 0 16,-1 0-16,38 0 16,-38 0-1,38 37-15,-1 0 16,-36-37-16,36 0 15,1 0-15,-1 0 16,1 0-16,-38 0 16,1 0-16,-1 0 15,1 0-15,0 0 16,-1 0-16,1 0 16,36 0-16,1 0 15,-38 0-15,1 0 16,0 0-16,-1 0 15,-36 0 1,-37-37 15,-37 0-15,-36 37-16,-1-37 16,0 1-16,38 36 15,-38 0-15,-73-37 16,110 37-16,-37 0 15,1 0-15,-1 0 16,0 0-16,-36 0 16,36 0-1,-36 0-15,0 0 16,-38 0-16,75 0 16,-38 0-16,-36 37 15,37-37-15,-75 0 16,1 0-16,-36 0 15,35 0-15,-72 0 16,36-37-16,-37 0 16,1 0-16,109 37 15,-36 0-15,-73-37 16,146 37-16,-73 0 16,-74-37-16,1 1 15,-75-1-15,-36 0 16,0 0-16,-37 37 15,0 0-15,74 0 16,37 0-16,109 0 16,75 0-16,0 0 15,73 0-15,0 0 16,0 0-16,0 0 16,1 0-1,-1 0-15,-37 0 16,37 0-1,1 0-15,-38 0 16,0 0-16,1-37 16,109 1 62,185-1-63,74 0-15,36 37 16,111 0-16,-37 0 16,-74-37-16,-73 0 15,-37 1-15,-74-1 16,-37 37-16,38 0 16,-1 0-16,37 0 15,74 0-15,-1 37 16,1 36-16,0-36 15,-1 0-15,-36 36 16,-37-36-16,37 0 16,-74 0-1,-36-37-15,36 37 0,-110-37 16,110 36 0,-110-36-16,36 0 15,1 0-15,0 0 16,-37 0-1,-1 0 1,1 0-16,0 0 16,37 0-1,36 0 1,-73 0-16,36 0 16,1 0-16,37 0 15,-38 0-15,-36 0 16,0 0-16,36 0 15,1 0-15,-37 0 16,0 0-16,36 0 16,-36 0-16,0 0 15,0 0-15,36 0 16,1-36-16,0-1 16,-38 37-1,1 0 1,0 0-1,-37-37 48,-74-73-63,-146-148 16,-38-73-16</inkml:trace>
+</inkml:ink>
+</file>
+
+<file path=ppt/ink/ink15.xml><?xml version="1.0" encoding="utf-8"?>
+<inkml:ink xmlns:inkml="http://www.w3.org/2003/InkML">
+  <inkml:definitions>
+    <inkml:context xml:id="ctx0">
+      <inkml:inkSource xml:id="inkSrc0">
+        <inkml:traceFormat>
+          <inkml:channel name="X" type="integer" max="2732" units="cm"/>
+          <inkml:channel name="Y" type="integer" max="768" units="cm"/>
+          <inkml:channel name="T" type="integer" max="2.14748E9" units="dev"/>
+        </inkml:traceFormat>
+        <inkml:channelProperties>
+          <inkml:channelProperty channel="X" name="resolution" value="88.41424" units="1/cm"/>
+          <inkml:channelProperty channel="Y" name="resolution" value="44.13793" units="1/cm"/>
+          <inkml:channelProperty channel="T" name="resolution" value="1" units="1/dev"/>
+        </inkml:channelProperties>
+      </inkml:inkSource>
+      <inkml:timestamp xml:id="ts0" timeString="2025-05-31T18:42:43.096"/>
+    </inkml:context>
+    <inkml:brush xml:id="br0">
+      <inkml:brushProperty name="width" value="0.2" units="cm"/>
+      <inkml:brushProperty name="height" value="0.4" units="cm"/>
+      <inkml:brushProperty name="color" value="#FFFF00"/>
+      <inkml:brushProperty name="tip" value="rectangle"/>
+      <inkml:brushProperty name="rasterOp" value="maskPen"/>
+      <inkml:brushProperty name="fitToCurve" value="1"/>
+    </inkml:brush>
+  </inkml:definitions>
+  <inkml:trace contextRef="#ctx0" brushRef="#br0">184 221 0,'147'0'47,"1"37"-47,-1-37 15,111 0-15,-38 0 16,-36 0-16,1-37 16,-75 0-16,0 37 15,-73 0-15,0 0 16,0 0-16,0 0 78,-1 0-47,-72-36 63,-112-1-94,1 0 16,-74 0-16,74 37 15,-111-37-15,111 37 16,74 0-16,-38 0 15,37 0-15,-36 0 16,36 0-16,38 0 16,-1 0-16,0 0 62,0 0-46,0 0-1,1 0 1,-1 0 0,0 0-1,0 0-15,111 37 63,110-37-63,73 74 15,75 36-15,-38-73 16,1 0-16,-74 0 16,-111-37-16,-73 0 15,-111-74 32</inkml:trace>
+</inkml:ink>
+</file>
+
+<file path=ppt/ink/ink16.xml><?xml version="1.0" encoding="utf-8"?>
+<inkml:ink xmlns:inkml="http://www.w3.org/2003/InkML">
+  <inkml:definitions>
+    <inkml:context xml:id="ctx0">
+      <inkml:inkSource xml:id="inkSrc0">
+        <inkml:traceFormat>
+          <inkml:channel name="X" type="integer" max="2732" units="cm"/>
+          <inkml:channel name="Y" type="integer" max="768" units="cm"/>
+          <inkml:channel name="T" type="integer" max="2.14748E9" units="dev"/>
+        </inkml:traceFormat>
+        <inkml:channelProperties>
+          <inkml:channelProperty channel="X" name="resolution" value="88.41424" units="1/cm"/>
+          <inkml:channelProperty channel="Y" name="resolution" value="44.13793" units="1/cm"/>
+          <inkml:channelProperty channel="T" name="resolution" value="1" units="1/dev"/>
+        </inkml:channelProperties>
+      </inkml:inkSource>
+      <inkml:timestamp xml:id="ts0" timeString="2025-05-31T18:42:45.080"/>
+    </inkml:context>
+    <inkml:brush xml:id="br0">
+      <inkml:brushProperty name="width" value="0.2" units="cm"/>
+      <inkml:brushProperty name="height" value="0.4" units="cm"/>
+      <inkml:brushProperty name="color" value="#FFFF00"/>
+      <inkml:brushProperty name="tip" value="rectangle"/>
+      <inkml:brushProperty name="rasterOp" value="maskPen"/>
+      <inkml:brushProperty name="fitToCurve" value="1"/>
+    </inkml:brush>
+  </inkml:definitions>
+  <inkml:trace contextRef="#ctx0" brushRef="#br0">110 15 0,'37'0'16,"-37"73"-1,0-36-15,0 74 16,0-1-16,0 0 16,0 74-16,0-73 15,0 73-15,0-37 16,0 74-16,0-74 15,0 1-15,-37-1 16,37-74-16,0 1 16,0-37-16,0 0 15,0-148 79,0 74-94,0-73 16,0 0-16,0-1 15,0 1-15,0-1 16,0-36 0,0-37-16,0-37 15,0 111-15,0-1 16,0 1-16,0 73 15,0-37-15,0 38 16,0 72 47,-36 38-48,36 0-15,-37 36 16,37 0-16,0 38 15,0-1-15,0 0 16,0-36-16,0-1 16,0 0-16,0 1 15,0-37-15,0-38 16,0 1-16,0 37 16,37-148 62,-37-36-78,0-38 15,0 1-15,0 0 16,0 0-16,0 110 16,0-37-16,-37 1 15,37 36-15,-37 0 78,37 111-62,0-38-16,0 38 16,0 0-16,0 36 15,0-36-15,0 36 16,0-36-16,0-37 15,0-1-15,0-72 79,0-75-79,0-36 15,0 0-15,0-37 16,0 73-16,0-73 15,0 111 1,0-38-16,0 38 16,0-1-16,0 37 15,0 0-15,0 0 16,0 74 125</inkml:trace>
+</inkml:ink>
+</file>
+
+<file path=ppt/ink/ink17.xml><?xml version="1.0" encoding="utf-8"?>
+<inkml:ink xmlns:inkml="http://www.w3.org/2003/InkML">
+  <inkml:definitions>
+    <inkml:context xml:id="ctx0">
+      <inkml:inkSource xml:id="inkSrc0">
+        <inkml:traceFormat>
+          <inkml:channel name="X" type="integer" max="2732" units="cm"/>
+          <inkml:channel name="Y" type="integer" max="768" units="cm"/>
+          <inkml:channel name="T" type="integer" max="2.14748E9" units="dev"/>
+        </inkml:traceFormat>
+        <inkml:channelProperties>
+          <inkml:channelProperty channel="X" name="resolution" value="88.41424" units="1/cm"/>
+          <inkml:channelProperty channel="Y" name="resolution" value="44.13793" units="1/cm"/>
+          <inkml:channelProperty channel="T" name="resolution" value="1" units="1/dev"/>
+        </inkml:channelProperties>
+      </inkml:inkSource>
+      <inkml:timestamp xml:id="ts0" timeString="2025-05-31T18:42:48.784"/>
+    </inkml:context>
+    <inkml:brush xml:id="br0">
+      <inkml:brushProperty name="width" value="0.2" units="cm"/>
+      <inkml:brushProperty name="height" value="0.4" units="cm"/>
+      <inkml:brushProperty name="color" value="#FFFF00"/>
+      <inkml:brushProperty name="tip" value="rectangle"/>
+      <inkml:brushProperty name="rasterOp" value="maskPen"/>
+      <inkml:brushProperty name="fitToCurve" value="1"/>
+    </inkml:brush>
+  </inkml:definitions>
+  <inkml:trace contextRef="#ctx0" brushRef="#br0">442 0 0,'0'37'47,"37"0"-32,36 36-15,1-73 16,-1 74-16,1-74 16,37 37-16,-1-1 15,37 1 1,-73 0-16,-37-37 16,-1 0-16,38 0 15,-111 0 79,-36 0-94,-38 0 16,1 0-16,-37 0 15,73 37-15,0 0 16,1-37-16,-38 36 15,74-36-15,-36 37 16,36 0-16,-37 0 31,74 0 16,37 0-31,37-37-1,73 36 1,-37 1-16,38 0 16,-1 0-16,-73-37 15,36 0-15,0 0 16,-73 0-16,-74 0 78,-36 0-78,-38 0 16,-36 0-16,74 37 15,36-37-15,-74 36 16,38 1-16,73 0 62,36-37-62,75 37 16,73 0-16,74-1 16,-1-36-16,1 0 15,-37 0-15,-111 0 16,-36-36-16,-37 36 31,-74 0 47,-73 0-78,-1 0 16,1 0-16,-38 0 16,-36 0-16,0 36 15,74 38-15,36-37 16,1-37-16,-1 37 15,37 0-15,0-37 16,148 0 62,-74 0-62,-1 0-16,1 0 15,-74 0 220,-36-37-220,-1 37-15,1-37 16,-1 0 0,37 37-1,-37 0-15,38 0 32,-1 0-17,0 0-15,0 0 16,0 0-1,1 0 17,-1 0-17,0 0 32,0 0-31,0-37 62,37 0-62,0-36-16,0-38 15,37 75-15,0-1 16,0-37-16,0 37 15,36 1 1,1 36-16,-1-37 16,-36 37-16,74 0 15,-1 0-15,-36 0 16,36 0-16,-36 37 16,36-37-16,1 36 15,-38 38 1,38-74-16,-38 37 0,1 0 15,0-37 1,-38 36-16,1 1 16,0-37-1,-111 37 110,38 0-109,-75-37-16,1 37 16,-37-1-16,-1 1 15,38 0-15,-37-37 16,36 0-16,-36 37 15,36-37-15,1 0 16,36 0-16,1 0 16,-1 0-16,1 0 15,-1 0-15,37 0 16,-73 0 0,36 0-1,221 0 110,74 37-125,-37 0 16,74 36-16,0-36 15,-111-37-15,37 0 16,-74 0-16,-73 0 16,0 0-16,0 0 15,0 0 1,-37-37 46,-37 37-62,-37-37 16,-73-36-16,0 73 16,-1-37-1,-36 0-15,37 0 16,0 0-16,73 37 16,-36 0-16,73 0 15,0 0 1,111 0 46,36 0-46,-36 0-16,-1 0 16,1-36-16,-37 36 15</inkml:trace>
+</inkml:ink>
+</file>
+
+<file path=ppt/ink/ink18.xml><?xml version="1.0" encoding="utf-8"?>
+<inkml:ink xmlns:inkml="http://www.w3.org/2003/InkML">
+  <inkml:definitions>
+    <inkml:context xml:id="ctx0">
+      <inkml:inkSource xml:id="inkSrc0">
+        <inkml:traceFormat>
+          <inkml:channel name="X" type="integer" max="2732" units="cm"/>
+          <inkml:channel name="Y" type="integer" max="768" units="cm"/>
+          <inkml:channel name="T" type="integer" max="2.14748E9" units="dev"/>
+        </inkml:traceFormat>
+        <inkml:channelProperties>
+          <inkml:channelProperty channel="X" name="resolution" value="88.41424" units="1/cm"/>
+          <inkml:channelProperty channel="Y" name="resolution" value="44.13793" units="1/cm"/>
+          <inkml:channelProperty channel="T" name="resolution" value="1" units="1/dev"/>
+        </inkml:channelProperties>
+      </inkml:inkSource>
+      <inkml:timestamp xml:id="ts0" timeString="2025-05-31T18:42:50.888"/>
+    </inkml:context>
+    <inkml:brush xml:id="br0">
+      <inkml:brushProperty name="width" value="0.2" units="cm"/>
+      <inkml:brushProperty name="height" value="0.4" units="cm"/>
+      <inkml:brushProperty name="color" value="#FFFF00"/>
+      <inkml:brushProperty name="tip" value="rectangle"/>
+      <inkml:brushProperty name="rasterOp" value="maskPen"/>
+      <inkml:brushProperty name="fitToCurve" value="1"/>
+    </inkml:brush>
+  </inkml:definitions>
+  <inkml:trace contextRef="#ctx0" brushRef="#br0">0 441 0,'74'0'15,"0"37"-15,36 0 16,1-37-16,109 74 15,38-38-15,37 38 16,73-37-16,-74 37 16,-73-74-16,74 0 15,-38 0-15,-36-37 16,-74 0-16,37 0 16,-36 0-1,-75 37-15,75-37 16,-75 1-16,38 36 15,-1 0-15,-36-37 16,-38 37-16,1 0 16,37-37-16,-185 37 156,1-37-156,-37 37 16,-111-110-16,0 110 15,1-74-15,73 37 16,0 37-16,73 0 15,1 0-15,36 0 16,1 0-16,-1 0 16,37 0-16,-37 0 15,1 0-15,36 0 16,0 0 0,-36 0-16,36 0 15,-37 0-15,37 0 16,-36 0-16,-38 0 15,74 0-15,-36 0 16,-1 37-16,1-37 16,-38 37-16,-36-37 15,73 37-15,1 0 16,-1-1-16,0-36 16,38 37-16,-1 0 15,-37-37-15,74 37 16,-37-37-16,185 0 109,73 0-93,36-74-16,38 1 15,-38 36-15,-36-37 16,-74 37 0,-73 1-16,-74-1 31,0 0-31,0 0 16,-37 37-16,-36-37 15,-1 1-15,-36 36 16,-38 0-16,-36 0 15,-37 0-15,37 0 16,0 0-16,0 0 16,74 0-16,36 0 15,37 0-15,1 0 16,-1 0 62,0 0 31,0-37-93</inkml:trace>
+</inkml:ink>
+</file>
+
+<file path=ppt/ink/ink19.xml><?xml version="1.0" encoding="utf-8"?>
+<inkml:ink xmlns:inkml="http://www.w3.org/2003/InkML">
+  <inkml:definitions>
+    <inkml:context xml:id="ctx0">
+      <inkml:inkSource xml:id="inkSrc0">
+        <inkml:traceFormat>
+          <inkml:channel name="X" type="integer" max="2732" units="cm"/>
+          <inkml:channel name="Y" type="integer" max="768" units="cm"/>
+          <inkml:channel name="T" type="integer" max="2.14748E9" units="dev"/>
+        </inkml:traceFormat>
+        <inkml:channelProperties>
+          <inkml:channelProperty channel="X" name="resolution" value="88.41424" units="1/cm"/>
+          <inkml:channelProperty channel="Y" name="resolution" value="44.13793" units="1/cm"/>
+          <inkml:channelProperty channel="T" name="resolution" value="1" units="1/dev"/>
+        </inkml:channelProperties>
+      </inkml:inkSource>
+      <inkml:timestamp xml:id="ts0" timeString="2025-05-31T19:10:00.649"/>
+    </inkml:context>
+    <inkml:brush xml:id="br0">
+      <inkml:brushProperty name="width" value="0.25" units="cm"/>
+      <inkml:brushProperty name="height" value="0.5" units="cm"/>
+      <inkml:brushProperty name="color" value="#FFFF00"/>
+      <inkml:brushProperty name="tip" value="rectangle"/>
+      <inkml:brushProperty name="rasterOp" value="maskPen"/>
+      <inkml:brushProperty name="fitToCurve" value="1"/>
+    </inkml:brush>
+  </inkml:definitions>
+  <inkml:trace contextRef="#ctx0" brushRef="#br0">0 0 0,'36'37'47,"1"-37"-47,37 0 0,73 37 16,0-1-16,111 38 15,0-37 1,-1-37-16,-73 0 15,0 0-15,37 0 16,0 37-16,-74-1 16,-73-36-16,-37 0 15,37 0-15</inkml:trace>
+</inkml:ink>
+</file>
+
 <file path=ppt/ink/ink2.xml><?xml version="1.0" encoding="utf-8"?>
 <inkml:ink xmlns:inkml="http://www.w3.org/2003/InkML">
   <inkml:definitions>
@@ -178,6 +511,316 @@
     </inkml:brush>
   </inkml:definitions>
   <inkml:trace contextRef="#ctx0" brushRef="#br0">1 76,'371'1,"388"-3,-703-1,0-2,0-2,0-3,57-18,-50 12,-37 10</inkml:trace>
+</inkml:ink>
+</file>
+
+<file path=ppt/ink/ink20.xml><?xml version="1.0" encoding="utf-8"?>
+<inkml:ink xmlns:inkml="http://www.w3.org/2003/InkML">
+  <inkml:definitions>
+    <inkml:context xml:id="ctx0">
+      <inkml:inkSource xml:id="inkSrc0">
+        <inkml:traceFormat>
+          <inkml:channel name="X" type="integer" max="2732" units="cm"/>
+          <inkml:channel name="Y" type="integer" max="768" units="cm"/>
+          <inkml:channel name="T" type="integer" max="2.14748E9" units="dev"/>
+        </inkml:traceFormat>
+        <inkml:channelProperties>
+          <inkml:channelProperty channel="X" name="resolution" value="88.41424" units="1/cm"/>
+          <inkml:channelProperty channel="Y" name="resolution" value="44.13793" units="1/cm"/>
+          <inkml:channelProperty channel="T" name="resolution" value="1" units="1/dev"/>
+        </inkml:channelProperties>
+      </inkml:inkSource>
+      <inkml:timestamp xml:id="ts0" timeString="2025-05-31T19:10:01.602"/>
+    </inkml:context>
+    <inkml:brush xml:id="br0">
+      <inkml:brushProperty name="width" value="0.25" units="cm"/>
+      <inkml:brushProperty name="height" value="0.5" units="cm"/>
+      <inkml:brushProperty name="color" value="#FFFF00"/>
+      <inkml:brushProperty name="tip" value="rectangle"/>
+      <inkml:brushProperty name="rasterOp" value="maskPen"/>
+      <inkml:brushProperty name="fitToCurve" value="1"/>
+    </inkml:brush>
+  </inkml:definitions>
+  <inkml:trace contextRef="#ctx0" brushRef="#br0">0 0 0,'37'0'78,"0"0"-78,37 0 16,-1 0-16,111 37 15,0 36-15,74-36 16,73 37-16,-36-37 16,-1 36-16,-36-36 15,-74 0-15,-73-37 16,-38 0-16,1 0 16,-37 0-16,-1-37 15,1 37-15</inkml:trace>
+</inkml:ink>
+</file>
+
+<file path=ppt/ink/ink21.xml><?xml version="1.0" encoding="utf-8"?>
+<inkml:ink xmlns:inkml="http://www.w3.org/2003/InkML">
+  <inkml:definitions>
+    <inkml:context xml:id="ctx0">
+      <inkml:inkSource xml:id="inkSrc0">
+        <inkml:traceFormat>
+          <inkml:channel name="X" type="integer" max="2732" units="cm"/>
+          <inkml:channel name="Y" type="integer" max="768" units="cm"/>
+          <inkml:channel name="T" type="integer" max="2.14748E9" units="dev"/>
+        </inkml:traceFormat>
+        <inkml:channelProperties>
+          <inkml:channelProperty channel="X" name="resolution" value="88.41424" units="1/cm"/>
+          <inkml:channelProperty channel="Y" name="resolution" value="44.13793" units="1/cm"/>
+          <inkml:channelProperty channel="T" name="resolution" value="1" units="1/dev"/>
+        </inkml:channelProperties>
+      </inkml:inkSource>
+      <inkml:timestamp xml:id="ts0" timeString="2025-05-31T19:10:02.322"/>
+    </inkml:context>
+    <inkml:brush xml:id="br0">
+      <inkml:brushProperty name="width" value="0.25" units="cm"/>
+      <inkml:brushProperty name="height" value="0.5" units="cm"/>
+      <inkml:brushProperty name="color" value="#FFFF00"/>
+      <inkml:brushProperty name="tip" value="rectangle"/>
+      <inkml:brushProperty name="rasterOp" value="maskPen"/>
+      <inkml:brushProperty name="fitToCurve" value="1"/>
+    </inkml:brush>
+  </inkml:definitions>
+  <inkml:trace contextRef="#ctx0" brushRef="#br0">0 0 0,'37'37'110,"37"-37"-110,110 0 15,73 0-15,38 0 16,147 37-16,-111-37 16,-37 0-16,-36 0 15,-37 0-15,-74 0 16,0 0-16,1 0 15,-38 0-15,1 0 16,-38 0-16,1 0 16,36 0-16,-36 0 15,-1 0-15,1 0 16,36 0-16</inkml:trace>
+</inkml:ink>
+</file>
+
+<file path=ppt/ink/ink22.xml><?xml version="1.0" encoding="utf-8"?>
+<inkml:ink xmlns:inkml="http://www.w3.org/2003/InkML">
+  <inkml:definitions>
+    <inkml:context xml:id="ctx0">
+      <inkml:inkSource xml:id="inkSrc0">
+        <inkml:traceFormat>
+          <inkml:channel name="X" type="integer" max="2732" units="cm"/>
+          <inkml:channel name="Y" type="integer" max="768" units="cm"/>
+          <inkml:channel name="T" type="integer" max="2.14748E9" units="dev"/>
+        </inkml:traceFormat>
+        <inkml:channelProperties>
+          <inkml:channelProperty channel="X" name="resolution" value="88.41424" units="1/cm"/>
+          <inkml:channelProperty channel="Y" name="resolution" value="44.13793" units="1/cm"/>
+          <inkml:channelProperty channel="T" name="resolution" value="1" units="1/dev"/>
+        </inkml:channelProperties>
+      </inkml:inkSource>
+      <inkml:timestamp xml:id="ts0" timeString="2025-05-31T19:10:02.994"/>
+    </inkml:context>
+    <inkml:brush xml:id="br0">
+      <inkml:brushProperty name="width" value="0.25" units="cm"/>
+      <inkml:brushProperty name="height" value="0.5" units="cm"/>
+      <inkml:brushProperty name="color" value="#FFFF00"/>
+      <inkml:brushProperty name="tip" value="rectangle"/>
+      <inkml:brushProperty name="rasterOp" value="maskPen"/>
+      <inkml:brushProperty name="fitToCurve" value="1"/>
+    </inkml:brush>
+  </inkml:definitions>
+  <inkml:trace contextRef="#ctx0" brushRef="#br0">0 184 0,'74'0'16,"-1"0"-1,74 0-15,-36 37 16,-1-37-16,74 0 15,-36 0-15,-1 0 16,0 0-16,-36 0 16,-1 0-16,0 0 15,-36 0-15,-37 0 16,36-37-16,-73 1 16,37 36-1,-37-37 1,0-74-16</inkml:trace>
+</inkml:ink>
+</file>
+
+<file path=ppt/ink/ink23.xml><?xml version="1.0" encoding="utf-8"?>
+<inkml:ink xmlns:inkml="http://www.w3.org/2003/InkML">
+  <inkml:definitions>
+    <inkml:context xml:id="ctx0">
+      <inkml:inkSource xml:id="inkSrc0">
+        <inkml:traceFormat>
+          <inkml:channel name="X" type="integer" max="2732" units="cm"/>
+          <inkml:channel name="Y" type="integer" max="768" units="cm"/>
+          <inkml:channel name="T" type="integer" max="2.14748E9" units="dev"/>
+        </inkml:traceFormat>
+        <inkml:channelProperties>
+          <inkml:channelProperty channel="X" name="resolution" value="88.41424" units="1/cm"/>
+          <inkml:channelProperty channel="Y" name="resolution" value="44.13793" units="1/cm"/>
+          <inkml:channelProperty channel="T" name="resolution" value="1" units="1/dev"/>
+        </inkml:channelProperties>
+      </inkml:inkSource>
+      <inkml:timestamp xml:id="ts0" timeString="2025-05-31T19:10:04.625"/>
+    </inkml:context>
+    <inkml:brush xml:id="br0">
+      <inkml:brushProperty name="width" value="0.25" units="cm"/>
+      <inkml:brushProperty name="height" value="0.5" units="cm"/>
+      <inkml:brushProperty name="color" value="#FFFF00"/>
+      <inkml:brushProperty name="tip" value="rectangle"/>
+      <inkml:brushProperty name="rasterOp" value="maskPen"/>
+      <inkml:brushProperty name="fitToCurve" value="1"/>
+    </inkml:brush>
+  </inkml:definitions>
+  <inkml:trace contextRef="#ctx0" brushRef="#br0">0 0 0,'73'37'78,"1"-37"-62,73 36 0,111 1-16,-1 0 0,1 0 15,-74 0 1,-73-37-16,36 0 15,-37 0-15,-36 0 16,0 0-16,-38 0 16,1 0-16,0 0 15</inkml:trace>
+</inkml:ink>
+</file>
+
+<file path=ppt/ink/ink24.xml><?xml version="1.0" encoding="utf-8"?>
+<inkml:ink xmlns:inkml="http://www.w3.org/2003/InkML">
+  <inkml:definitions>
+    <inkml:context xml:id="ctx0">
+      <inkml:inkSource xml:id="inkSrc0">
+        <inkml:traceFormat>
+          <inkml:channel name="X" type="integer" max="2732" units="cm"/>
+          <inkml:channel name="Y" type="integer" max="768" units="cm"/>
+          <inkml:channel name="T" type="integer" max="2.14748E9" units="dev"/>
+        </inkml:traceFormat>
+        <inkml:channelProperties>
+          <inkml:channelProperty channel="X" name="resolution" value="88.41424" units="1/cm"/>
+          <inkml:channelProperty channel="Y" name="resolution" value="44.13793" units="1/cm"/>
+          <inkml:channelProperty channel="T" name="resolution" value="1" units="1/dev"/>
+        </inkml:channelProperties>
+      </inkml:inkSource>
+      <inkml:timestamp xml:id="ts0" timeString="2025-05-31T19:10:10.849"/>
+    </inkml:context>
+    <inkml:brush xml:id="br0">
+      <inkml:brushProperty name="width" value="0.25" units="cm"/>
+      <inkml:brushProperty name="height" value="0.5" units="cm"/>
+      <inkml:brushProperty name="color" value="#FFFF00"/>
+      <inkml:brushProperty name="tip" value="rectangle"/>
+      <inkml:brushProperty name="rasterOp" value="maskPen"/>
+      <inkml:brushProperty name="fitToCurve" value="1"/>
+    </inkml:brush>
+  </inkml:definitions>
+  <inkml:trace contextRef="#ctx0" brushRef="#br0">0 868 0,'37'0'31,"110"37"-31,-110-37 16,147 37-1,0 37-15,-37-1 16,74 1-16,0-37 16,37 36-16,-37-36 15,110 0-15,-37 0 16,-110-37-16,111 0 16,73 0-16,-73 0 15,-1 0-15,1 0 16,-1 0-16,-73 0 15,0 0-15,-37 0 16,37 0-16,-74 0 16,0 0-16,0 0 15,1 0-15,73 0 16,-37 0-16,73 0 16,-36 0-16,37 0 15,-37 0-15,-37 0 16,37 0-16,-111-37 15,1 0-15,-1 37 16,37 0-16,0-37 16,38 1-16,-38-1 15,-37 0-15,37 0 16,1 37 0,73 0-16,36 0 15,-36 0-15,74 0 16,73 0-16,-74 37 15,1 37-15,-38-38 16,1 1-16,-37 0 16,-74 0-16,0 0 15,-36-1-15,-1 1 16,38-37-16,-38 37 16,-73-37-16,110 37 15,-110-37-15,73 37 16,-73-37-16,0 0 15,0 0-15,36 0 16,-36 0-16,0 0 16,37 0-16,-1 0 15,1 0-15,-37 0 16,-1 0-16,38 0 16,-37 0-16,0 0 15,-74-37 95,-74 37-95,1-37-15,0 0 16,-38 0-16,-36 1 15,0-1-15,-37 0 16,111 37-16,-74 0 16,37 0-16,-1 0 15,1 0-15,-37 0 16,37 0-16,0 0 16,36 0-16,-73 0 15,-37-37-15,37 0 16,-37 1-16,37-1 15,-37 0-15,0 0 16,74 0-16,0 0 16,-37 1-16,73 36 15,38-37-15,36 37 16,-110-37-16,36 0 16,75 37-16,-75 0 15,74 0-15,-73 0 16,-37-37-16,73 37 15,-36 0 1,-1 0-16,1 0 16,-1 0-16,-36 0 15,0 0-15,-37 0 16,36 0-16,38 0 16,-37 0-16,36 0 15,-36 0-15,0 0 16,-37 0-16,-111-36 15,-36-38-15,37 0 16,-38 38-16,1-1 16,36-74-16,38 75 15,-1-1-15,74 37 16,-37-37-16,0-37 16,37 37-16,-37 1 15,-36-38-15,-1 37 16,74 0-16,0 1 15,37-1-15,73 37 16,-36 0-16,36 0 16,-37 0-16,38 0 15,-38 0-15,38 0 16,-1 0-16,1 0 16,-38 0-16,38 0 15,-1 0 1,-37 0-16,38 37 15,36-37-15,-37 0 16,38 36-16,-38 1 16,0-37-1,74 37 1,37 0 15,37 36-15,36 1-16,148 37 15,73-1-15,0 37 16,74-73-16,0-1 16,37 1-16,-37 0 15,-74-38-15,-73 1 16,-37-37-16,-111 0 16,38-37-16,-38 37 15,-36 0-15,36-36 16,-36-1-16,-38 37 15,1 0-15,37 0 16,-37 0 0,0-37 15,-1 37 16,1 0-32,74 0-15,36 0 16,74 0-16,110 37 16,-36 36-16,-1-36 15,0 0-15,-73-37 16,0 0-16,0 0 16,-37 0-16,37 0 15,0 0-15,37 0 16,-1 0-16,38 0 15,-1 0-15,1 0 16,-1 37-16,-110-37 16,37 0-16,-37 0 15,-37 0-15,38 0 16,-38 0-16,110 37 16,-72 0-16,72-1 15,1 38-15,36 0 16,38-38-16,-75 38 15,-36-37-15,111 36 16,-75-36 0,-73 0-16,37 0 15,-110 0-15,-38-37 16,1 0-16,-1 0 16,1 0-16,0 0 15,-38 0-15,38 0 16,-37 0-16,37 0 15,-38 0-15,1 0 16,37 0-16,-37 0 16,-1 0-16,1 0 15,37 0-15,-37 0 16,36 0-16,-36 0 16,37-37-16,-37 37 15,36 0-15,-36 0 16,73-37-16,-73 0 15,0 37 1,0 0-16,-74-37 63,0 1-63,-36 36 15,-1-37 1,-73-37-16,-1 37 15,1 1-15,-37 36 16,37-37-16,0 0 16,-37 0-16,36 0 15,1 1-15,0 36 16,-74 0-16,37 0 16,-37 0-16,37 0 15,-74 0-15,74 0 16,-37 0-16,37 0 15,0 0-15,-37 0 16,37 0-16,-36 0 16,-38-37-16,74 0 15,-37 0-15,37 0 16,-37 0-16,-37 1 16,37-1-16,37 0 15,74 37-15,-37 0 16,-1 0-16,38 0 15,0 0-15,-1 0 16,1 0-16,-1 0 16,38 0-1,-1 0-15,0 0 16,1 0-16,36 0 16,-37 0-16,38 0 15,-1 0-15,0 0 16,0 0-16,0 0 15,74 0 48,74 0-63,73 0 16,36-37-16,38 0 15,37 1-15,73-1 16,-74 0-16,-36 0 15,-74 0-15,37 1 16,-37-1-16,-74 37 16,38 0-16,36 0 15,0 0-15,0 0 16,147 0-16,-147 37 16,74-1-16,-37 38 15,0 0-15,-74-1 16,-37 1-1,1-74-15,-38 37 16,1-1-16,-37-36 16,36 37-16,-36 0 15,0-37-15,0 0 16,36 0 0,-36 0-1,0 0-15,0 0 16,0 0-1,-1 0 1,1 0 0,0 0-1,0 0 1,0 0 0,-148 0 62,-73-37-63,-37-36-15,0 36 16,-110 0-16,37 0 16,-1-36-16,-36 36 15,73 37 1,-36 0-16,36 0 15,0 0-15,37 0 16,1 0-16,36 0 16,-37 0-16,73 0 15,1 0-15,0 0 16,0 0-16,36 0 16,1 0-16,36 0 15,-36 0-15,36 0 16,-36 0-16,36 0 15,0 0-15,-36 0 16,36 0-16,1 0 16,-38 0-16,1 0 15,36 0-15,-36 0 16,-37 0-16,36 37 16,38-37-16,-38 0 15,37 36-15,38-36 16,-1 0-16,-74 0 15,75 0-15,-38 37 16,37-37 0,0 37-16,1-37 47,-1 0-47,0 0 15</inkml:trace>
+</inkml:ink>
+</file>
+
+<file path=ppt/ink/ink25.xml><?xml version="1.0" encoding="utf-8"?>
+<inkml:ink xmlns:inkml="http://www.w3.org/2003/InkML">
+  <inkml:definitions>
+    <inkml:context xml:id="ctx0">
+      <inkml:inkSource xml:id="inkSrc0">
+        <inkml:traceFormat>
+          <inkml:channel name="X" type="integer" max="2732" units="cm"/>
+          <inkml:channel name="Y" type="integer" max="768" units="cm"/>
+          <inkml:channel name="T" type="integer" max="2.14748E9" units="dev"/>
+        </inkml:traceFormat>
+        <inkml:channelProperties>
+          <inkml:channelProperty channel="X" name="resolution" value="88.41424" units="1/cm"/>
+          <inkml:channelProperty channel="Y" name="resolution" value="44.13793" units="1/cm"/>
+          <inkml:channelProperty channel="T" name="resolution" value="1" units="1/dev"/>
+        </inkml:channelProperties>
+      </inkml:inkSource>
+      <inkml:timestamp xml:id="ts0" timeString="2025-05-31T19:15:12.288"/>
+    </inkml:context>
+    <inkml:brush xml:id="br0">
+      <inkml:brushProperty name="width" value="0.25" units="cm"/>
+      <inkml:brushProperty name="height" value="0.5" units="cm"/>
+      <inkml:brushProperty name="color" value="#FFFF00"/>
+      <inkml:brushProperty name="tip" value="rectangle"/>
+      <inkml:brushProperty name="rasterOp" value="maskPen"/>
+      <inkml:brushProperty name="fitToCurve" value="1"/>
+    </inkml:brush>
+  </inkml:definitions>
+  <inkml:trace contextRef="#ctx0" brushRef="#br0">0 0 0,'37'0'16,"0"0"-16,73 73 15,-36-36-15,-37 0 16,36 0-16,-36-1 16,0 1-16,37 0 15,-74 37-15,36-37 16,1-1-16,0 75 15,-37-38-15,0-36 16,0 37-16,0-1 16,0 38-16,0-1 15,-37-36-15,37-37 16,-37 73-16,37-36 16,0-37-16,0-1 15,0 1-15,-36 37 16,-1-37-1,37 0 32,0-1-15,0 1-17,0 0 1,-37 0 15,37 0-15,-37-37 62,0-37-78,-36-37 15,36-36-15,-37 36 16,37-36-16,1-1 16,-1 1-16,37 36 15,0-73-15,0-37 16,37 73-16,-1 1 16,-36 36-16,37 1 15,0-1-15,-37 37 47,37 37 94</inkml:trace>
+</inkml:ink>
+</file>
+
+<file path=ppt/ink/ink26.xml><?xml version="1.0" encoding="utf-8"?>
+<inkml:ink xmlns:inkml="http://www.w3.org/2003/InkML">
+  <inkml:definitions>
+    <inkml:context xml:id="ctx0">
+      <inkml:inkSource xml:id="inkSrc0">
+        <inkml:traceFormat>
+          <inkml:channel name="X" type="integer" max="2732" units="cm"/>
+          <inkml:channel name="Y" type="integer" max="768" units="cm"/>
+          <inkml:channel name="T" type="integer" max="2.14748E9" units="dev"/>
+        </inkml:traceFormat>
+        <inkml:channelProperties>
+          <inkml:channelProperty channel="X" name="resolution" value="88.41424" units="1/cm"/>
+          <inkml:channelProperty channel="Y" name="resolution" value="44.13793" units="1/cm"/>
+          <inkml:channelProperty channel="T" name="resolution" value="1" units="1/dev"/>
+        </inkml:channelProperties>
+      </inkml:inkSource>
+      <inkml:timestamp xml:id="ts0" timeString="2025-05-31T19:15:13.416"/>
+    </inkml:context>
+    <inkml:brush xml:id="br0">
+      <inkml:brushProperty name="width" value="0.25" units="cm"/>
+      <inkml:brushProperty name="height" value="0.5" units="cm"/>
+      <inkml:brushProperty name="color" value="#FFFF00"/>
+      <inkml:brushProperty name="tip" value="rectangle"/>
+      <inkml:brushProperty name="rasterOp" value="maskPen"/>
+      <inkml:brushProperty name="fitToCurve" value="1"/>
+    </inkml:brush>
+  </inkml:definitions>
+  <inkml:trace contextRef="#ctx0" brushRef="#br0">478 773 0,'0'37'15,"0"0"-15,0 0 16,0 36-16,0-36 15,0 37-15,0-38 16,0 75-16,0-38 16,0 1-16,0 0 15,0-1-15,0-36 16,0 74-16,0-75 16,0 1-16,0 0 15,0 37-15,0-38 16,37 1-1,0-37 17,0 0-32,0 0 31,36-37 0,-73 1-15,37-38-16,0 0 15,37-36-15,-38-37 16,1-37-16,0 36 16,0-72-1,0 35-15,-37 1 0,0 74 16,0-37 0,0 110-16,0-74 15,-37 75-15,0-38 16,0 74 31,37 74-32,0 73-15,-37 74 16,1 0-16,36-74 16,-74 74-16,0-74 15,1 37-15,-38-73 16,74-1-16,-36 37 15,-1-73-15,1-1 16,-1 1-16,0-37 16,-36 37-16</inkml:trace>
+</inkml:ink>
+</file>
+
+<file path=ppt/ink/ink27.xml><?xml version="1.0" encoding="utf-8"?>
+<inkml:ink xmlns:inkml="http://www.w3.org/2003/InkML">
+  <inkml:definitions>
+    <inkml:context xml:id="ctx0">
+      <inkml:inkSource xml:id="inkSrc0">
+        <inkml:traceFormat>
+          <inkml:channel name="X" type="integer" max="2732" units="cm"/>
+          <inkml:channel name="Y" type="integer" max="768" units="cm"/>
+          <inkml:channel name="T" type="integer" max="2.14748E9" units="dev"/>
+        </inkml:traceFormat>
+        <inkml:channelProperties>
+          <inkml:channelProperty channel="X" name="resolution" value="88.41424" units="1/cm"/>
+          <inkml:channelProperty channel="Y" name="resolution" value="44.13793" units="1/cm"/>
+          <inkml:channelProperty channel="T" name="resolution" value="1" units="1/dev"/>
+        </inkml:channelProperties>
+      </inkml:inkSource>
+      <inkml:timestamp xml:id="ts0" timeString="2025-05-31T19:15:17.032"/>
+    </inkml:context>
+    <inkml:brush xml:id="br0">
+      <inkml:brushProperty name="width" value="0.25" units="cm"/>
+      <inkml:brushProperty name="height" value="0.5" units="cm"/>
+      <inkml:brushProperty name="color" value="#FFFF00"/>
+      <inkml:brushProperty name="tip" value="rectangle"/>
+      <inkml:brushProperty name="rasterOp" value="maskPen"/>
+      <inkml:brushProperty name="fitToCurve" value="1"/>
+    </inkml:brush>
+  </inkml:definitions>
+  <inkml:trace contextRef="#ctx0" brushRef="#br0">441 185 0,'37'0'15,"0"36"1,37 1-16,-38-37 16,38 37-16,36 37 15,1-38-15,-1 38 16,74 0-16,-36-38 16,-1 1-16,111 0 15,146 37-15,112 36 16,-38-36-16,75-1 15,-75-36-15,-36-37 16,0 0-16,-37 0 16,-111 0-16,1 0 15,-38-37-15,38 1 16,-38-38-16,38 37 16,-1 0-16,38 0 15,-1 1-15,-37-38 16,1 37-16,-37 0 15,-38 1-15,38-1 16,-111 37-16,37 0 16,1 0-1,-1 0-15,0 0 16,73 0-16,38 0 16,36 0-16,37 0 15,-36 0-15,-1 0 16,74-37-16,-37 0 15,-37 0-15,-73 1 16,-74 36-16,74 0 16,-74 0-16,37 0 15,-37 0-15,36 0 16,1 0-16,147 0 16,1 73-16,-38 1 15,37-1-15,-37 1 16,-36 0-16,36-38 15,-110 1-15,110 0 16,-110 0-16,37 0 16,-37 0-16,-37-37 15,147 36-15,-36 1 16,-111-37-16,110 0 16,111 37-1,-147-37-15,-37 0 16,36 0-16,-73 0 15,37 0-15,-110-37 16,-38 0-16,-36 37 16,0 0-16,0 0 15,-1 0 32,1-36-31,0-1-1,0 37-15,-37-37 16,37 0-16,0 0 16,-1-36-16,1 36 15,0-37-15,-37 37 16,0 1 0,0-1-1,-37 0 32,-36 37-31,-38 0-16,-73 0 15,-74 0 1,74 37-16,0 0 16,-37-37-16,37 0 15,-73 0-15,-1 0 16,37 0-16,-73 0 15,-1 0-15,-73 0 16,0 0-16,0 0 16,36 0-16,75 0 15,-38 0-15,38 0 16,36 0-16,-37 0 16,74 0-16,-37 0 15,37 0-15,-74 0 16,1 0-16,-38 0 15,1 0-15,-1 0 16,1 0-16,-1 0 16,-36 0-16,-37 36 15,37 1-15,-1 37 16,38-1-16,-1-36 16,1-37-16,-1 0 15,1 0-15,-38 0 16,-72 0-1,-1 0-15,36 0 16,-35 0-16,72 0 16,38 0-16,-74 0 15,73 0-15,1 0 16,73 0-16,-37 0 16,74 0-16,-37 0 15,37 0-15,-37 0 16,0 0-16,-36 0 15,-38 0-15,1 0 16,36 0-16,-36 0 16,109 0-16,-35 0 15,36 0-15,36 0 16,-36 0-16,74 0 16,-1 0-16,-73 0 15,37 0-15,-37 0 16,37 0-16,0 0 15,-38 0-15,38 0 16,37 0-16,-1 0 16,1 0-16,-1 0 15,1 0-15,36 0 16,1 0 0,-1 0-16,37 0 15,1 0-15,-1 0 16,0 0-1,0 0 1,0 0 0,-36 0-1,-1 0 1,-36 0-16,-38 0 16,-109 0-16,109-37 15,1 37-15,37-36 16,-1 36-16,1-37 15,73 37 1,-73-37-16,73 37 16,0 0-16,-37 0 15,38 0 1,72 0 46,112 0-62,36 0 16,73 0-16,38 0 16,36 0-1,74 0-15,-37 0 16,74 0-16,37 0 16,36 0-16,0 0 15,-36 0-15,36 0 16,-36 0-16,-38 0 15,1 0-15,0 0 16,0 0-16,-37 0 16,0 0-16,36 0 15,-36 0-15,-74 0 16,1 0-16,-38 0 16,-36 0-16,0 0 15,-74 0-15,37 0 16,-37 0-16,0 0 15,37 0-15,-37 0 16,73 0-16,-73 0 16,74 0-16,-37 0 15,-37 0-15,0 0 16,0 0-16,-73 0 16,-1 0-16,37 0 15,0 0-15,38 0 16,35 37-1,38 0-15,73 36 0,37 1 16,37-37-16,-73 73 16,-38-73-1,-36 0-15,-37-37 16,0 0-16,36 0 16,-36 0-16,-37 0 15,111-37-15,-74 37 16,-1 0-16,75-37 15,-74 37-15,0-37 16,-37 1-16,0-1 16,0 0-16,0 0 15,-74 37-15,111-37 16,-74 37-16,38 0 16,109 0-16,74 0 15,-37 0-15,-110 0 16,0 0-16,147 37 15,-110 0-15,-111-37 16,-73 0-16,-37 0 16,-1 0-16,1 0 15,0 0-15,0 0 78,0-37-62,0 37-16,-37-37 16,36 0-16,-36 1 15,0-1-15,37-37 16,-37 37-16,37-73 16,-37 73-16,37-73 15,-37 73 1,0-37-16,0 38 15,0-1-15,0-37 16,0 0-16,-37 74 16</inkml:trace>
+</inkml:ink>
+</file>
+
+<file path=ppt/ink/ink28.xml><?xml version="1.0" encoding="utf-8"?>
+<inkml:ink xmlns:inkml="http://www.w3.org/2003/InkML">
+  <inkml:definitions>
+    <inkml:context xml:id="ctx0">
+      <inkml:inkSource xml:id="inkSrc0">
+        <inkml:traceFormat>
+          <inkml:channel name="X" type="integer" max="2732" units="cm"/>
+          <inkml:channel name="Y" type="integer" max="768" units="cm"/>
+          <inkml:channel name="T" type="integer" max="2.14748E9" units="dev"/>
+        </inkml:traceFormat>
+        <inkml:channelProperties>
+          <inkml:channelProperty channel="X" name="resolution" value="88.41424" units="1/cm"/>
+          <inkml:channelProperty channel="Y" name="resolution" value="44.13793" units="1/cm"/>
+          <inkml:channelProperty channel="T" name="resolution" value="1" units="1/dev"/>
+        </inkml:channelProperties>
+      </inkml:inkSource>
+      <inkml:timestamp xml:id="ts0" timeString="2025-05-31T19:17:21.560"/>
+    </inkml:context>
+    <inkml:brush xml:id="br0">
+      <inkml:brushProperty name="width" value="0.25" units="cm"/>
+      <inkml:brushProperty name="height" value="0.5" units="cm"/>
+      <inkml:brushProperty name="color" value="#FFFF00"/>
+      <inkml:brushProperty name="tip" value="rectangle"/>
+      <inkml:brushProperty name="rasterOp" value="maskPen"/>
+      <inkml:brushProperty name="fitToCurve" value="1"/>
+    </inkml:brush>
+  </inkml:definitions>
+  <inkml:trace contextRef="#ctx0" brushRef="#br0">0 110 0,'37'0'78,"73"37"-62,-73-37-16,110 37 15,-36-37-15,-1 0 16,-36 0-16,-1 0 16,1 0-16,-1 0 15,1 0-15,0 0 16,-1 0-16,1 0 16,-37 0-16,0 0 15,-1 0-15,1 0 16,0 0-16,37 0 15,-38 0-15,1 0 16,37 0-16,-37 0 16,36 0-1,-36 0 173,0 0-188,0 0 15,0 0 1,-1 0-16,1 0 16,0 0-1,0 0 1,-74-37 78,0-37-79,37 1 1</inkml:trace>
+</inkml:ink>
+</file>
+
+<file path=ppt/ink/ink29.xml><?xml version="1.0" encoding="utf-8"?>
+<inkml:ink xmlns:inkml="http://www.w3.org/2003/InkML">
+  <inkml:definitions>
+    <inkml:context xml:id="ctx0">
+      <inkml:inkSource xml:id="inkSrc0">
+        <inkml:traceFormat>
+          <inkml:channel name="X" type="integer" max="2732" units="cm"/>
+          <inkml:channel name="Y" type="integer" max="768" units="cm"/>
+          <inkml:channel name="T" type="integer" max="2.14748E9" units="dev"/>
+        </inkml:traceFormat>
+        <inkml:channelProperties>
+          <inkml:channelProperty channel="X" name="resolution" value="88.41424" units="1/cm"/>
+          <inkml:channelProperty channel="Y" name="resolution" value="44.13793" units="1/cm"/>
+          <inkml:channelProperty channel="T" name="resolution" value="1" units="1/dev"/>
+        </inkml:channelProperties>
+      </inkml:inkSource>
+      <inkml:timestamp xml:id="ts0" timeString="2025-05-31T19:17:23.248"/>
+    </inkml:context>
+    <inkml:brush xml:id="br0">
+      <inkml:brushProperty name="width" value="0.25" units="cm"/>
+      <inkml:brushProperty name="height" value="0.5" units="cm"/>
+      <inkml:brushProperty name="color" value="#FFFF00"/>
+      <inkml:brushProperty name="tip" value="rectangle"/>
+      <inkml:brushProperty name="rasterOp" value="maskPen"/>
+      <inkml:brushProperty name="fitToCurve" value="1"/>
+    </inkml:brush>
+  </inkml:definitions>
+  <inkml:trace contextRef="#ctx0" brushRef="#br0">409 0 0,'36'74'0,"1"36"16,0-73-16,-37 0 15,37 73-15,0-36 16,-1-1-16,-36 38 16,37-1-16,0 1 15,0-1-15,-37 1 16,37-1-16,-1 37 15,1-36-15,-37-38 16,37 1-16,37 0 16,-74-1-16,37-73 15,-37 37-15,36-37 16,1 0 0,37-37-16,-37-36 15,-1-1-15,1-37 16,-37 1-1,0 0-15,0-38 16,0 1-16,0-74 16,0 111-16,-37-1 15,1 1-15,-1 36 16,0 1-16,-37-38 16,74 74-16,-36 1 15,-1 36 16,0 0-31,0 0 16,-37 0 0,38 0-16,-75 0 15,38 0-15,-1 73 16,-36-36-16,36 37 16,0-1-16,1 1 15,-1 36-15,37-36 16,0 0-16,1-38 15,36 1-15,0 0 16,0 0 0,73-37-1,1 0 1,36-37-16,-36 0 16,0-73-16,73-1 15,-74-73-15,-36 74 16,0 36-16,0 1 15,-37 109 48,-37 75-63,37 110 16,-74-37-16,38 73 15,-1 1-15,0 0 16,37-74-16,0 74 15,0-74-15,37-111 16,0-36-16,-37 0 16,36-37-16,1 0 15,37 0 1,-1-74-16,1-73 16,-37 37-16,0-1 15,0 1-15,-37 73 16,0-37-16,0 37 15,0 1 64,-37 36-79,37-37 46</inkml:trace>
 </inkml:ink>
 </file>
 
@@ -210,6 +853,316 @@
 </inkml:ink>
 </file>
 
+<file path=ppt/ink/ink30.xml><?xml version="1.0" encoding="utf-8"?>
+<inkml:ink xmlns:inkml="http://www.w3.org/2003/InkML">
+  <inkml:definitions>
+    <inkml:context xml:id="ctx0">
+      <inkml:inkSource xml:id="inkSrc0">
+        <inkml:traceFormat>
+          <inkml:channel name="X" type="integer" max="2732" units="cm"/>
+          <inkml:channel name="Y" type="integer" max="768" units="cm"/>
+          <inkml:channel name="T" type="integer" max="2.14748E9" units="dev"/>
+        </inkml:traceFormat>
+        <inkml:channelProperties>
+          <inkml:channelProperty channel="X" name="resolution" value="88.41424" units="1/cm"/>
+          <inkml:channelProperty channel="Y" name="resolution" value="44.13793" units="1/cm"/>
+          <inkml:channelProperty channel="T" name="resolution" value="1" units="1/dev"/>
+        </inkml:channelProperties>
+      </inkml:inkSource>
+      <inkml:timestamp xml:id="ts0" timeString="2025-05-31T19:17:25.448"/>
+    </inkml:context>
+    <inkml:brush xml:id="br0">
+      <inkml:brushProperty name="width" value="0.25" units="cm"/>
+      <inkml:brushProperty name="height" value="0.5" units="cm"/>
+      <inkml:brushProperty name="color" value="#FFFF00"/>
+      <inkml:brushProperty name="tip" value="rectangle"/>
+      <inkml:brushProperty name="rasterOp" value="maskPen"/>
+      <inkml:brushProperty name="fitToCurve" value="1"/>
+    </inkml:brush>
+  </inkml:definitions>
+  <inkml:trace contextRef="#ctx0" brushRef="#br0">80 0 0,'37'0'109,"0"0"-109,36 36 16,-36-36 0,0 0-16,0 0 15,36 0-15,-36-36 16,-74 36 78,-36 0-94,-1 0 15,0 0-15,38 0 16,-38 36-1,37-36-15,37 37 16,0 0 0,-37 0-16,37 36 15,0-36 1,0 0 0,37 0-16,-37 0 15,37-37-15,-37 36 16,37-36-16,0 0 15,36 0-15,1 0 16,-74-36-16,37 36 16,-37-37-16,36-37 15,-36 37 1,0 1 0,0-1 15,-36 37-16,-1 0 1,-74 0-16,75 37 16,-1-37-16,0 0 15,0 36-15,0 1 32,37 0 14,37-37-14,0 0-17,0 0 1,-37-37 15,-37 37-15,0-37-1</inkml:trace>
+</inkml:ink>
+</file>
+
+<file path=ppt/ink/ink31.xml><?xml version="1.0" encoding="utf-8"?>
+<inkml:ink xmlns:inkml="http://www.w3.org/2003/InkML">
+  <inkml:definitions>
+    <inkml:context xml:id="ctx0">
+      <inkml:inkSource xml:id="inkSrc0">
+        <inkml:traceFormat>
+          <inkml:channel name="X" type="integer" max="2732" units="cm"/>
+          <inkml:channel name="Y" type="integer" max="768" units="cm"/>
+          <inkml:channel name="T" type="integer" max="2.14748E9" units="dev"/>
+        </inkml:traceFormat>
+        <inkml:channelProperties>
+          <inkml:channelProperty channel="X" name="resolution" value="88.41424" units="1/cm"/>
+          <inkml:channelProperty channel="Y" name="resolution" value="44.13793" units="1/cm"/>
+          <inkml:channelProperty channel="T" name="resolution" value="1" units="1/dev"/>
+        </inkml:channelProperties>
+      </inkml:inkSource>
+      <inkml:timestamp xml:id="ts0" timeString="2025-05-31T19:17:27.344"/>
+    </inkml:context>
+    <inkml:brush xml:id="br0">
+      <inkml:brushProperty name="width" value="0.25" units="cm"/>
+      <inkml:brushProperty name="height" value="0.5" units="cm"/>
+      <inkml:brushProperty name="color" value="#FFFF00"/>
+      <inkml:brushProperty name="tip" value="rectangle"/>
+      <inkml:brushProperty name="rasterOp" value="maskPen"/>
+      <inkml:brushProperty name="fitToCurve" value="1"/>
+    </inkml:brush>
+  </inkml:definitions>
+  <inkml:trace contextRef="#ctx0" brushRef="#br0">118 0 0,'0'37'15,"-37"-37"1,1 37-16,36 36 15,0 1 1,0 0-16,0 36 16,-37 37-16,37-36 15,0-1-15,0 1 16,0-38-16,0 1 16,0-37-16,37-37 15,-1 0 32,1 0-47,37 0 16,-37-37-16,0-74 15,36 1-15,-36 0 16,0-1-16,-37 1 16,0 36-16,0 1 15,0-1-15,0-37 16,0 75-16,0-1 15,0 0 1,0 74 47,-37 36-48,37 38-15,-37-37 16,0 36-16,1-36 15,36-1-15,0 1 16,0 36-16,0-73 16,0 0-1,0 0 1,36-37 15,1-37-31,-37 0 16,37 0-16,-37 0 15,37-36-15,-37 36 32,0 0-32,-37 37 62</inkml:trace>
+</inkml:ink>
+</file>
+
+<file path=ppt/ink/ink32.xml><?xml version="1.0" encoding="utf-8"?>
+<inkml:ink xmlns:inkml="http://www.w3.org/2003/InkML">
+  <inkml:definitions>
+    <inkml:context xml:id="ctx0">
+      <inkml:inkSource xml:id="inkSrc0">
+        <inkml:traceFormat>
+          <inkml:channel name="X" type="integer" max="2732" units="cm"/>
+          <inkml:channel name="Y" type="integer" max="768" units="cm"/>
+          <inkml:channel name="T" type="integer" max="2.14748E9" units="dev"/>
+        </inkml:traceFormat>
+        <inkml:channelProperties>
+          <inkml:channelProperty channel="X" name="resolution" value="88.41424" units="1/cm"/>
+          <inkml:channelProperty channel="Y" name="resolution" value="44.13793" units="1/cm"/>
+          <inkml:channelProperty channel="T" name="resolution" value="1" units="1/dev"/>
+        </inkml:channelProperties>
+      </inkml:inkSource>
+      <inkml:timestamp xml:id="ts0" timeString="2025-05-31T19:17:28.727"/>
+    </inkml:context>
+    <inkml:brush xml:id="br0">
+      <inkml:brushProperty name="width" value="0.25" units="cm"/>
+      <inkml:brushProperty name="height" value="0.5" units="cm"/>
+      <inkml:brushProperty name="color" value="#FFFF00"/>
+      <inkml:brushProperty name="tip" value="rectangle"/>
+      <inkml:brushProperty name="rasterOp" value="maskPen"/>
+      <inkml:brushProperty name="fitToCurve" value="1"/>
+    </inkml:brush>
+  </inkml:definitions>
+  <inkml:trace contextRef="#ctx0" brushRef="#br0">0 75 0,'0'-37'0,"37"0"15,0 37 1,36 0-1,38 0-15,36 0 16,37 0-16,-37 0 16,1 0-16,-1 0 15,0 0-15,-36 0 16,-38 0-16,1 0 16,-1 0-16,38 0 15,-38 0-15,-36 0 16,37 0-16,-37 0 15,73 0-15,-73 0 16,0 0 0,0 0-16,-1 0 15,1 0-15,-37 37 78,-37-37-46,1 0-32,-112 0 15,1-37-15,-37 37 16,0 0-16,0 0 16,0 0-16,37 0 15,-1 0-15</inkml:trace>
+</inkml:ink>
+</file>
+
+<file path=ppt/ink/ink33.xml><?xml version="1.0" encoding="utf-8"?>
+<inkml:ink xmlns:inkml="http://www.w3.org/2003/InkML">
+  <inkml:definitions>
+    <inkml:context xml:id="ctx0">
+      <inkml:inkSource xml:id="inkSrc0">
+        <inkml:traceFormat>
+          <inkml:channel name="X" type="integer" max="2732" units="cm"/>
+          <inkml:channel name="Y" type="integer" max="768" units="cm"/>
+          <inkml:channel name="T" type="integer" max="2.14748E9" units="dev"/>
+        </inkml:traceFormat>
+        <inkml:channelProperties>
+          <inkml:channelProperty channel="X" name="resolution" value="88.41424" units="1/cm"/>
+          <inkml:channelProperty channel="Y" name="resolution" value="44.13793" units="1/cm"/>
+          <inkml:channelProperty channel="T" name="resolution" value="1" units="1/dev"/>
+        </inkml:channelProperties>
+      </inkml:inkSource>
+      <inkml:timestamp xml:id="ts0" timeString="2025-05-31T19:21:11.998"/>
+    </inkml:context>
+    <inkml:brush xml:id="br0">
+      <inkml:brushProperty name="width" value="0.25" units="cm"/>
+      <inkml:brushProperty name="height" value="0.5" units="cm"/>
+      <inkml:brushProperty name="color" value="#FFFF00"/>
+      <inkml:brushProperty name="tip" value="rectangle"/>
+      <inkml:brushProperty name="rasterOp" value="maskPen"/>
+      <inkml:brushProperty name="fitToCurve" value="1"/>
+    </inkml:brush>
+  </inkml:definitions>
+  <inkml:trace contextRef="#ctx0" brushRef="#br0">1436 261 0,'37'36'47,"36"-36"-16,1 0-31,0 37 16,-1 0-16,38 0 15,73 0-15,-74-37 16,-36 36-16,36 1 16,-73-37-16,37 0 15,36 0-15,0 0 16,1 0-16,-37 0 16,36 0-16,-36 0 15,-1 0-15,-36 0 16,0 0-16,0 0 15,-1 0-15,-146-37 110,-74-36-110,-74 36 15,1-37-15,36 38 16,-37-1-16,37 37 16,-37 0-1,74 0-15,37 0 16,0 0-16,0 37 16,110-37-16,-74 0 15,38 0-15,-38 36 16,38 1-16,-1-37 15,-36 37-15,73-37 16,-74 0-16,75 37 16,-38 0-16,37-37 15,111-37 48,36-74-48,74 38-15,-36 36 16,36-37-16,-74 1 16,-36 36-16,-1 37 15,1 0-15,-37 0 16,36 0-16,1 0 16,36 0-16,1 0 15,36 37 1,-73-1-16,36 1 15,-36 0-15,-1 0 16,38 0-16,-74 0 16,36-1-16,1 1 15,36 0-15,-73 0 16,37-37 0,-37 0-1,-111 0 48,37 0-48,-73 0-15,-38 0 16,-36 0-16,74 37 16,-74-1-16,73 1 15,1 0-15,0-37 16,-1 37-16,38-37 15,-38 37-15,74-37 16,0 0-16,-36 36 16,36-36-1,0 0 17,0 37 46,74 0-47,37 0-31,36 37 16,38-1-16,72 38 15,-36-38-15,37-36 16,0-37-16,-74 37 15,-110-37-15,0 0 16,37 0-16,-37 0 16,-1 0-1,1-37 79,37 37-63,-74-37-31,73 37 16,-73-37 0,0 1-1,0-1-15,0 0 16,-36-37-16,-1 38 15</inkml:trace>
+</inkml:ink>
+</file>
+
+<file path=ppt/ink/ink34.xml><?xml version="1.0" encoding="utf-8"?>
+<inkml:ink xmlns:inkml="http://www.w3.org/2003/InkML">
+  <inkml:definitions>
+    <inkml:context xml:id="ctx0">
+      <inkml:inkSource xml:id="inkSrc0">
+        <inkml:traceFormat>
+          <inkml:channel name="X" type="integer" max="2732" units="cm"/>
+          <inkml:channel name="Y" type="integer" max="768" units="cm"/>
+          <inkml:channel name="T" type="integer" max="2.14748E9" units="dev"/>
+        </inkml:traceFormat>
+        <inkml:channelProperties>
+          <inkml:channelProperty channel="X" name="resolution" value="88.41424" units="1/cm"/>
+          <inkml:channelProperty channel="Y" name="resolution" value="44.13793" units="1/cm"/>
+          <inkml:channelProperty channel="T" name="resolution" value="1" units="1/dev"/>
+        </inkml:channelProperties>
+      </inkml:inkSource>
+      <inkml:timestamp xml:id="ts0" timeString="2025-05-31T19:21:15.967"/>
+    </inkml:context>
+    <inkml:brush xml:id="br0">
+      <inkml:brushProperty name="width" value="0.25" units="cm"/>
+      <inkml:brushProperty name="height" value="0.5" units="cm"/>
+      <inkml:brushProperty name="color" value="#FFFF00"/>
+      <inkml:brushProperty name="tip" value="rectangle"/>
+      <inkml:brushProperty name="rasterOp" value="maskPen"/>
+      <inkml:brushProperty name="fitToCurve" value="1"/>
+    </inkml:brush>
+  </inkml:definitions>
+  <inkml:trace contextRef="#ctx0" brushRef="#br0">368 519 0,'37'0'31,"36"0"-15,74 0-16,74 0 16,147-37-16,-36-74 15,73 38-15,-37-1 16,-74 1-16,-110-1 16,-110 37-16,-37 0 15,0 37-15,-74 0 78,-37 0-78,-36 0 16,-38 0-16,1 0 16,-37 0-1,-37 0-15,37 0 16,-37 0-16,37 0 15,74 37-15,-1-37 16,1 37-16,73-37 16,-37 0-16,1 37 15,73 0-15,-37-37 16,0 0-16,-36 36 16,73 1 30,0 0-30,36 0 0,38-37-16,110 0 15,37 0-15,-37 0 16,-74-37-16,-36 0 16,-37 37-1,-37-37 1,-74 1-16,1 36 15,-1-37-15,-36 0 16,73 37-16,-74 0 16,38 0-16,-1 0 15,0 37 1,74 0 46,0 36-46,0 1 0,37-37-1,-37-1-15,37 1 16,0 0 0,0 0-1,36-37 1,-36 37-16,37-1 15,-1 1-15,38 0 16,-74 0-16,-1-37 16,1 37-16,-74-37 47,-73-37-32,-37 37-15,-74-37 16,74 37-16,-74 0 15,37 0-15,110 0 16,-73 0-16,73 0 16,1 37-1,36-37 1,0 0-16,111 0 141,-1 0-126,38 0-15,-1 0 16,-36 0-16,-1 0 15,38 0-15,-74 0 16,73 0-16,-73 0 16,36-37-16,-36 37 15,0 0 1,-74 0 203,0 0-204,1 0 1,-1 0 0,0 0-1,0 0 1,0 0-1,1 0-15,-1 0 16,0 0 0,0 0 93,0 0-78,-36-37 1,73 0-17,-37 37 1,0 0-16,0-36 15,-36-1 1,36 0 0,-74 37-1,75-37 1,-1 37 0,0-37-16,-37 37 31,38-36 78</inkml:trace>
+</inkml:ink>
+</file>
+
+<file path=ppt/ink/ink35.xml><?xml version="1.0" encoding="utf-8"?>
+<inkml:ink xmlns:inkml="http://www.w3.org/2003/InkML">
+  <inkml:definitions>
+    <inkml:context xml:id="ctx0">
+      <inkml:inkSource xml:id="inkSrc0">
+        <inkml:traceFormat>
+          <inkml:channel name="X" type="integer" max="2732" units="cm"/>
+          <inkml:channel name="Y" type="integer" max="768" units="cm"/>
+          <inkml:channel name="T" type="integer" max="2.14748E9" units="dev"/>
+        </inkml:traceFormat>
+        <inkml:channelProperties>
+          <inkml:channelProperty channel="X" name="resolution" value="88.41424" units="1/cm"/>
+          <inkml:channelProperty channel="Y" name="resolution" value="44.13793" units="1/cm"/>
+          <inkml:channelProperty channel="T" name="resolution" value="1" units="1/dev"/>
+        </inkml:channelProperties>
+      </inkml:inkSource>
+      <inkml:timestamp xml:id="ts0" timeString="2025-05-31T19:21:18.367"/>
+    </inkml:context>
+    <inkml:brush xml:id="br0">
+      <inkml:brushProperty name="width" value="0.25" units="cm"/>
+      <inkml:brushProperty name="height" value="0.5" units="cm"/>
+      <inkml:brushProperty name="color" value="#FFFF00"/>
+      <inkml:brushProperty name="tip" value="rectangle"/>
+      <inkml:brushProperty name="rasterOp" value="maskPen"/>
+      <inkml:brushProperty name="fitToCurve" value="1"/>
+    </inkml:brush>
+  </inkml:definitions>
+  <inkml:trace contextRef="#ctx0" brushRef="#br0">0 216 0,'37'0'16,"37"0"0,-38 0-1,1 0 1,0 0-16,0 0 15,37-37 1,-38 37-16,75 0 16,-1-37-16,-36 37 15,73-37-15,-36 1 16,-1-1 0,-36 37-16,36 0 15,0 0-15,-36 0 16,37 0-16,-1 0 15,-36 0-15,36 0 16,-36 0-16,-1 0 16,1 0-16,-37 0 15,36 0-15,-36 0 16,0 0-16,0 37 16,73-1-1,-73-36 1,0 37-16,0-37 15,36 37-15,-36-37 16,0 0 0,0 37-1,-111-37 79,0 0-78,1 0-1,-1 0-15,-36 0 16,73 0-16,-37 0 16,37 0-16,1 0 15,-38 0-15,37 0 16,-36 0-16,36 0 15,0 0-15,0 0 16,-36 0-16,36 0 16,-37 0-16,37 37 15,-36-1-15,-1-36 16,37 37 0,0 0-16,1 0 15,-38-37 1,74 37-1,-37 0 1,37-1 125,-37-36-126,37 37 1,-36 0 0,-1 0-16,37 0 15,-37-1-15,-37 1 16</inkml:trace>
+</inkml:ink>
+</file>
+
+<file path=ppt/ink/ink36.xml><?xml version="1.0" encoding="utf-8"?>
+<inkml:ink xmlns:inkml="http://www.w3.org/2003/InkML">
+  <inkml:definitions>
+    <inkml:context xml:id="ctx0">
+      <inkml:inkSource xml:id="inkSrc0">
+        <inkml:traceFormat>
+          <inkml:channel name="X" type="integer" max="2732" units="cm"/>
+          <inkml:channel name="Y" type="integer" max="768" units="cm"/>
+          <inkml:channel name="T" type="integer" max="2.14748E9" units="dev"/>
+        </inkml:traceFormat>
+        <inkml:channelProperties>
+          <inkml:channelProperty channel="X" name="resolution" value="88.41424" units="1/cm"/>
+          <inkml:channelProperty channel="Y" name="resolution" value="44.13793" units="1/cm"/>
+          <inkml:channelProperty channel="T" name="resolution" value="1" units="1/dev"/>
+        </inkml:channelProperties>
+      </inkml:inkSource>
+      <inkml:timestamp xml:id="ts0" timeString="2025-05-31T21:45:53.529"/>
+    </inkml:context>
+    <inkml:brush xml:id="br0">
+      <inkml:brushProperty name="width" value="0.25" units="cm"/>
+      <inkml:brushProperty name="height" value="0.5" units="cm"/>
+      <inkml:brushProperty name="color" value="#FFFF00"/>
+      <inkml:brushProperty name="tip" value="rectangle"/>
+      <inkml:brushProperty name="rasterOp" value="maskPen"/>
+      <inkml:brushProperty name="fitToCurve" value="1"/>
+    </inkml:brush>
+  </inkml:definitions>
+  <inkml:trace contextRef="#ctx0" brushRef="#br0">0 0 0,'37'37'78,"37"-37"-62,36 36-16,74 1 15,-37-37-15,74 0 16,111 0-16,-1 0 15,0 0-15,0 0 16,1 0-16,-38 0 16,1 0-16,-74 0 15,36 0-15,38 0 16,-38 0-16,38 0 16,36 37-16,37 0 15,-36 0-15,73 36 16,-37 1-16,-37 36 15,-36-73-15,36 37 16,-37-37-16,1-1 16,-37 38-16,-38-37 15,-72-37-15,109 37 16,-109-1-16,-1-36 16,37 37-16,-37 0 15,0 0 1,37 0-16,-36-1 15,-1 1-15,74 0 16,-111-37-16,1 0 16,36 0-16,-37 0 15,1 0-15,-38 0 16,38 0-16,-38 0 16,38 0-16,-1 0 15,1 0-15,-1 0 16,1 0-16,36 0 15,-37-37-15,1 0 16,73 1-16,-37-1 16,0 37-16,37-74 15,-73 1-15,73 36 16,-74 0-16,1 0 16,-1-36-16,1 36 15,-1 0-15,-36 0 16,-1 0-16,-36 37 15,37-37-15,-37 1 16,-1 36-16,-36-37 16,37 37-1,0 0 32,0 0-31,0-37-1,-1 37 1,-72-37 78,-38 37-94,-73 0 15,-111 0-15,-73 0 16,-111 0-16,0 0 16,0 0-16,38 0 15,72 0-15,38 0 16,-1 0-16,1 0 16,36 0-16,-36 0 15,-1 0-15,-36 0 16,-37 0-16,0 0 15,-74-37-15,37 37 16,37 0 0,0 0-16,36 0 0,1 0 15,37 0 1,36 0-16,37 0 16,37 0-16,-74 0 15,37 0-15,-147-36 16,221 36-16,-37 0 15,74 0-15,-1 0 16,1 0-16,36 0 16,0 0-16,1 36 15,36-36 1,-37 0 0,1 0-16,36 37 15,0-37 1,0 0-1,1 0 1</inkml:trace>
+</inkml:ink>
+</file>
+
+<file path=ppt/ink/ink37.xml><?xml version="1.0" encoding="utf-8"?>
+<inkml:ink xmlns:inkml="http://www.w3.org/2003/InkML">
+  <inkml:definitions>
+    <inkml:context xml:id="ctx0">
+      <inkml:inkSource xml:id="inkSrc0">
+        <inkml:traceFormat>
+          <inkml:channel name="X" type="integer" max="2732" units="cm"/>
+          <inkml:channel name="Y" type="integer" max="768" units="cm"/>
+          <inkml:channel name="T" type="integer" max="2.14748E9" units="dev"/>
+        </inkml:traceFormat>
+        <inkml:channelProperties>
+          <inkml:channelProperty channel="X" name="resolution" value="88.41424" units="1/cm"/>
+          <inkml:channelProperty channel="Y" name="resolution" value="44.13793" units="1/cm"/>
+          <inkml:channelProperty channel="T" name="resolution" value="1" units="1/dev"/>
+        </inkml:channelProperties>
+      </inkml:inkSource>
+      <inkml:timestamp xml:id="ts0" timeString="2025-05-31T21:48:18.514"/>
+    </inkml:context>
+    <inkml:brush xml:id="br0">
+      <inkml:brushProperty name="width" value="0.25" units="cm"/>
+      <inkml:brushProperty name="height" value="0.5" units="cm"/>
+      <inkml:brushProperty name="color" value="#FFFF00"/>
+      <inkml:brushProperty name="tip" value="rectangle"/>
+      <inkml:brushProperty name="rasterOp" value="maskPen"/>
+      <inkml:brushProperty name="fitToCurve" value="1"/>
+    </inkml:brush>
+  </inkml:definitions>
+  <inkml:trace contextRef="#ctx0" brushRef="#br0">0 700 0,'36'0'16,"1"0"-1,0 0 1,0 0-16,0 0 16,36 0-16,1 0 15,0 0-15,36 0 16,0 0-16,38 0 16,-1 0-16,74 0 15,-37 0-15,-37 0 16,0 0-16,-36 0 15,-1 0 1,-36 0-16,-1 0 16,38 0-16,-37 0 0,-38 0 15,38 0 1,36 0-16,38 0 16,-1 0-16,0 0 15,74 0-15,-74 0 16,0 0-16,-36 0 15,-1 0-15,1 0 16,-1 0-16,1 0 16,-38 0-16,38 0 15,-1 0-15,1 0 16,-1 0-16,0 0 16,38 0-16,-1 0 15,74 0-15,-37 0 16,0 0-16,74 0 15,-1 0-15,38 0 16,-1 0-16,1 0 16,-1 0-16,1 0 15,-38 0-15,-72 0 16,-38 0-16,0 0 16,-37 0-16,1 0 15,-1 0-15,-36 0 16,36 0-16,1 0 15,36 0 1,37 0-16,37 0 16,0 0-16,0 0 15,-37 0-15,37 0 16,-37 0-16,-37 0 16,-37 0-16,-36 0 15,0 0-15,-1 0 16,1 0-16,-37 0 15,36 0-15,1 0 16,0 0-16,110 0 16,-74 37-16,0-37 15,111 36-15,-73 1 16,-75-37-16,38 0 16,-38 0-16,1 0 15,0 0-15,-1 0 16,1 0-16,-1 0 15,1 0-15,36 0 16,1 0-16,36 0 16,-36 0-16,-1 0 15,0 0-15,-36 0 16,0 0-16,-1 0 16,-36 0-1,0 0-15,73 0 16,-73-73-16,-37-112 15,0-72-15,0-38 16</inkml:trace>
+</inkml:ink>
+</file>
+
+<file path=ppt/ink/ink38.xml><?xml version="1.0" encoding="utf-8"?>
+<inkml:ink xmlns:inkml="http://www.w3.org/2003/InkML">
+  <inkml:definitions>
+    <inkml:context xml:id="ctx0">
+      <inkml:inkSource xml:id="inkSrc0">
+        <inkml:traceFormat>
+          <inkml:channel name="X" type="integer" max="2732" units="cm"/>
+          <inkml:channel name="Y" type="integer" max="768" units="cm"/>
+          <inkml:channel name="T" type="integer" max="2.14748E9" units="dev"/>
+        </inkml:traceFormat>
+        <inkml:channelProperties>
+          <inkml:channelProperty channel="X" name="resolution" value="88.41424" units="1/cm"/>
+          <inkml:channelProperty channel="Y" name="resolution" value="44.13793" units="1/cm"/>
+          <inkml:channelProperty channel="T" name="resolution" value="1" units="1/dev"/>
+        </inkml:channelProperties>
+      </inkml:inkSource>
+      <inkml:timestamp xml:id="ts0" timeString="2025-05-31T21:48:19.793"/>
+    </inkml:context>
+    <inkml:brush xml:id="br0">
+      <inkml:brushProperty name="width" value="0.25" units="cm"/>
+      <inkml:brushProperty name="height" value="0.5" units="cm"/>
+      <inkml:brushProperty name="color" value="#FFFF00"/>
+      <inkml:brushProperty name="tip" value="rectangle"/>
+      <inkml:brushProperty name="rasterOp" value="maskPen"/>
+      <inkml:brushProperty name="fitToCurve" value="1"/>
+    </inkml:brush>
+  </inkml:definitions>
+  <inkml:trace contextRef="#ctx0" brushRef="#br0">0 73 0,'37'0'16,"0"37"15,0 0-31,36-37 16,-36 37-16,37 0 15,-1-37-15,1 37 16,-37-1-16,-1-36 16,75 0-16,-1 0 15,38 0-15,-38-36 16,0-1-16,1 37 16,-38-74-16,1 37 15,37 37-15,-38-37 16,1 1-16,-1-1 15,-36 37-15,0 0 16,37 0-16,36 0 16,-36 37-16</inkml:trace>
+</inkml:ink>
+</file>
+
+<file path=ppt/ink/ink39.xml><?xml version="1.0" encoding="utf-8"?>
+<inkml:ink xmlns:inkml="http://www.w3.org/2003/InkML">
+  <inkml:definitions>
+    <inkml:context xml:id="ctx0">
+      <inkml:inkSource xml:id="inkSrc0">
+        <inkml:traceFormat>
+          <inkml:channel name="X" type="integer" max="2732" units="cm"/>
+          <inkml:channel name="Y" type="integer" max="768" units="cm"/>
+          <inkml:channel name="T" type="integer" max="2.14748E9" units="dev"/>
+        </inkml:traceFormat>
+        <inkml:channelProperties>
+          <inkml:channelProperty channel="X" name="resolution" value="88.41424" units="1/cm"/>
+          <inkml:channelProperty channel="Y" name="resolution" value="44.13793" units="1/cm"/>
+          <inkml:channelProperty channel="T" name="resolution" value="1" units="1/dev"/>
+        </inkml:channelProperties>
+      </inkml:inkSource>
+      <inkml:timestamp xml:id="ts0" timeString="2025-05-31T21:48:23.193"/>
+    </inkml:context>
+    <inkml:brush xml:id="br0">
+      <inkml:brushProperty name="width" value="0.25" units="cm"/>
+      <inkml:brushProperty name="height" value="0.5" units="cm"/>
+      <inkml:brushProperty name="color" value="#FFFF00"/>
+      <inkml:brushProperty name="tip" value="rectangle"/>
+      <inkml:brushProperty name="rasterOp" value="maskPen"/>
+      <inkml:brushProperty name="fitToCurve" value="1"/>
+    </inkml:brush>
+  </inkml:definitions>
+  <inkml:trace contextRef="#ctx0" brushRef="#br0">786 776 0,'110'0'16,"1"0"-1,36 0-15,0 0 16,1 0-16,-1 0 15,0 0-15,37 0 16,-73 0-16,73 0 16,0-37-16,0 0 15,0 1 1,73-1-16,38 0 16,-74 37-16,73 0 15,-36 0-15,-37 0 16,37-37-16,-148 37 15,37 0-15,-36 0 16,-1 0-16,1 0 16,36 0-16,0 0 15,0 0-15,74 0 16,-37 0-16,111 37 16,36 37-16,-37-1 15,38-36-15,-1 37 16,-36-1-16,-1-36 15,-36 0-15,-1 0 16,1 0-16,-74-37 16,74 0-16,-74 0 15,-37 0-15,37 0 16,-73 0-16,-1 0 16,-36 0-16,-37 0 15,-1 0-15,38 0 16,0 36-16,36-36 31,-73 0-31,0 0 0,-1 0 31,-109 0 94,-74-36-109,-37-1-16,-37 0 16,73 0-16,-72 37 15,-38-110-15,37 110 16,37-37-16,73 0 15,1 0-15,0 0 16,36 37-16,-36 0 16,73 0-16,-74 0 15,1 0-15,-1 0 16,1 0-16,-74-36 16,37-1-1,-37 0-15,73 37 0,-36-37 16,37 0-1,-1 37-15,1-36 16,-1-1-16,38 37 16,-111-37-16,36 0 15,-36 0-15,-37 1 16,0 36-16,37-37 16,-36 0-16,-1 0 15,73 0-15,75 37 16,-38 0-16,-36 0 15,0 0-15,0 0 16,-1 0-16,-72 0 16,35 0-16,38 0 15,0 0-15,-74 0 16,37 0-16,-37 0 16,37 0-16,-74-37 15,1 1-15,36-1 16,37 0-16,73 37 15,-36 0-15,37 0 16,-1 0-16,1 0 16,36 0-16,1 0 15,-1 0-15,-36 0 16,36 0 0,-37 0-16,38 37 15,36-37-15,-73 0 16,36 37-16,37-37 15,-36 36-15,-1-36 16,37 37-16,0 0 16,1-37-16,36 37 15,-37-37-15,0 74 16,37-38 0,0 38-16,0 0 15,0-38 1,0 38-16,0-37 15,37-37-15,-37 37 16,37-37-16,36 0 16,-36 0-1,37 0-15,36 0 16,37 0-16,-36-37 16,73 0-16,-37 0 15,0 37-15,-36-37 16,-1 1-16,1-1 15,-38 0-15,-36 0 16,37 0 0,-38 37-1,38 0-15,0 0 16,36 0-16,1 0 16,-1 0-16,37 0 15,-110 0-15,73 37 16,-73-37-16,37 37 15,0-37 1,-1 0 0,1 37-16,-1 0 15,1-37 1,73 36-16,-36-36 16,36 37-16,-37 0 15,1 0-15,73 0 16,-74-37-16,38 36 15,36 1-15,-37 0 16,0 0-16,37 0 16,-37 0-16,1-1 15,-75-36-15,38 0 16,-38 0-16,1 37 16,0 0-1,-1-37 1,-36 0-1,0 0 17,0 0-1</inkml:trace>
+</inkml:ink>
+</file>
+
 <file path=ppt/ink/ink4.xml><?xml version="1.0" encoding="utf-8"?>
 <inkml:ink xmlns:inkml="http://www.w3.org/2003/InkML">
   <inkml:definitions>
@@ -236,6 +1189,316 @@
     </inkml:brush>
   </inkml:definitions>
   <inkml:trace contextRef="#ctx0" brushRef="#br0">0 1,'7'8,"-1"0,1 0,1-1,-1 0,1 0,0-1,17 10,67 30,-91-46,32 15,1-2,1-1,0-2,0-1,1-2,72 5,448-12,-296-3,179 3,328-3,-761 3,17 0,0-1,0-1,-1 0,29-8,-46 8,-1 1,0-1,0 0,0 0,0 0,3-3,9-11</inkml:trace>
+</inkml:ink>
+</file>
+
+<file path=ppt/ink/ink40.xml><?xml version="1.0" encoding="utf-8"?>
+<inkml:ink xmlns:inkml="http://www.w3.org/2003/InkML">
+  <inkml:definitions>
+    <inkml:context xml:id="ctx0">
+      <inkml:inkSource xml:id="inkSrc0">
+        <inkml:traceFormat>
+          <inkml:channel name="X" type="integer" max="2732" units="cm"/>
+          <inkml:channel name="Y" type="integer" max="768" units="cm"/>
+          <inkml:channel name="T" type="integer" max="2.14748E9" units="dev"/>
+        </inkml:traceFormat>
+        <inkml:channelProperties>
+          <inkml:channelProperty channel="X" name="resolution" value="88.41424" units="1/cm"/>
+          <inkml:channelProperty channel="Y" name="resolution" value="44.13793" units="1/cm"/>
+          <inkml:channelProperty channel="T" name="resolution" value="1" units="1/dev"/>
+        </inkml:channelProperties>
+      </inkml:inkSource>
+      <inkml:timestamp xml:id="ts0" timeString="2025-05-31T22:00:38.489"/>
+    </inkml:context>
+    <inkml:brush xml:id="br0">
+      <inkml:brushProperty name="width" value="0.25" units="cm"/>
+      <inkml:brushProperty name="height" value="0.5" units="cm"/>
+      <inkml:brushProperty name="color" value="#FFFF00"/>
+      <inkml:brushProperty name="tip" value="rectangle"/>
+      <inkml:brushProperty name="rasterOp" value="maskPen"/>
+      <inkml:brushProperty name="fitToCurve" value="1"/>
+    </inkml:brush>
+  </inkml:definitions>
+  <inkml:trace contextRef="#ctx0" brushRef="#br0">0 294 0,'37'0'16,"0"0"15,-1 0-31,38 0 15,36 0-15,148 0 16,73 0-16,1 0 16,73 0-16,-74-37 15,0 0-15,-110 1 16,-37-1-16,-73 0 16,-38 37-16,-36-37 15,0 37-15,0-37 16,-37 1 109</inkml:trace>
+</inkml:ink>
+</file>
+
+<file path=ppt/ink/ink41.xml><?xml version="1.0" encoding="utf-8"?>
+<inkml:ink xmlns:inkml="http://www.w3.org/2003/InkML">
+  <inkml:definitions>
+    <inkml:context xml:id="ctx0">
+      <inkml:inkSource xml:id="inkSrc0">
+        <inkml:traceFormat>
+          <inkml:channel name="X" type="integer" max="2732" units="cm"/>
+          <inkml:channel name="Y" type="integer" max="768" units="cm"/>
+          <inkml:channel name="T" type="integer" max="2.14748E9" units="dev"/>
+        </inkml:traceFormat>
+        <inkml:channelProperties>
+          <inkml:channelProperty channel="X" name="resolution" value="88.41424" units="1/cm"/>
+          <inkml:channelProperty channel="Y" name="resolution" value="44.13793" units="1/cm"/>
+          <inkml:channelProperty channel="T" name="resolution" value="1" units="1/dev"/>
+        </inkml:channelProperties>
+      </inkml:inkSource>
+      <inkml:timestamp xml:id="ts0" timeString="2025-05-31T22:00:45.257"/>
+    </inkml:context>
+    <inkml:brush xml:id="br0">
+      <inkml:brushProperty name="width" value="0.25" units="cm"/>
+      <inkml:brushProperty name="height" value="0.5" units="cm"/>
+      <inkml:brushProperty name="color" value="#FFFF00"/>
+      <inkml:brushProperty name="tip" value="rectangle"/>
+      <inkml:brushProperty name="rasterOp" value="maskPen"/>
+      <inkml:brushProperty name="fitToCurve" value="1"/>
+    </inkml:brush>
+  </inkml:definitions>
+  <inkml:trace contextRef="#ctx0" brushRef="#br0">0 319 0,'37'0'47,"0"0"-47,0 0 16,73 0-16,-36 0 16,-1 0-16,75 0 15,-38-37-15,111 0 16,-74 0-16,74 1 15,-37-1-15,37 37 16,-37-37-16,37 37 16,-37 0-16,37 0 15,0 0-15,36 0 16,-36 0-16,-37 0 16,-37 0-16,-36 0 15,-37 0-15,36-37 16,-73 37-16,36-37 15,-36 37 1,0 0 0,0 0-16,0 0 31,-1 0-15,1 0-1,0 0 1,0 0-1,0 0-15,36 0 16,-36 0-16,37 0 16,-1 0-16,-36 0 15,37 0-15,-37 0 16,36 37-16,1-37 31,-74 37 32,-37-37-48,0 37-15,-36-37 16,-75 37-16,38-1 16,0-36-16,-1 0 15,-73 0-15,-37 0 16,0 0-16,0 0 15,37 0-15,37 0 16,37 0-16,-1 0 16,1 0-16,-1 0 15,1 0 1,-37 0-16,-1 0 16,1 0-16,37 0 15,-1 0-15,1 0 16,-37 0-16,36 0 15,-36 0-15,37 0 16,-1 0-16,37 0 16,-36 0-16,0 0 15,-1 0-15,1 0 16,-1 0-16,1 0 16,73 0-16,-73 0 15,73 0-15,0 0 16,0-36-1,74 36 64,73 0-79,38-37 15,73 0-15,36 37 16,75 0-1,-38 0-15,1 0 0,-1 0 16,-36 0-16,-1 0 16,-73 0-1,-36 0-15,-1 0 16,-37 0-16,1 0 16,-1 0-16,-36 0 15,-1 0-15,38 0 16,-1 0-16,-36 0 15,36 0-15,1 0 16,-38 0-16,75 0 16,-75 0-16,1 37 15,0-37-15,36 37 16,0-1-16,-73-36 16,74 0-16,-74 0 15,73 37-15,-36-37 16,-38 0-16,1 0 15,0 0 1,-37 37 125,-110-37-126,-1 37-15,1 0 16,-111-1-16,-37 1 16,-73-37-16,-111 0 15,-36 0-15,-1 0 16,37 0-16,37 0 15,74 0-15,73-37 16,74 1-16,74-1 16,73 37-16,-73-37 15,73 37-15,0 0 16,0 0-16,0 0 16,74 0 140,37 0-141,110 37-15,0 0 16,147 36-16,37 1 16,0 0-16,-36-38 15,-75-36-15,-36 0 16,-73 0-16,-1 0 16,-37 0-16,-73 0 15,73-36-15,1 36 16,-1 0-16,38 0 15,-1 0-15,37 0 16,74 0-16,-38 36 16,-72 1-16,-75-37 15,38 0-15,-38 0 16,1 0-16,-37 0 16,0 0 30,-1 0-30,1 0 0,0 0-1,0 0 1,0 0-16</inkml:trace>
+</inkml:ink>
+</file>
+
+<file path=ppt/ink/ink42.xml><?xml version="1.0" encoding="utf-8"?>
+<inkml:ink xmlns:inkml="http://www.w3.org/2003/InkML">
+  <inkml:definitions>
+    <inkml:context xml:id="ctx0">
+      <inkml:inkSource xml:id="inkSrc0">
+        <inkml:traceFormat>
+          <inkml:channel name="X" type="integer" max="2732" units="cm"/>
+          <inkml:channel name="Y" type="integer" max="768" units="cm"/>
+          <inkml:channel name="T" type="integer" max="2.14748E9" units="dev"/>
+        </inkml:traceFormat>
+        <inkml:channelProperties>
+          <inkml:channelProperty channel="X" name="resolution" value="88.41424" units="1/cm"/>
+          <inkml:channelProperty channel="Y" name="resolution" value="44.13793" units="1/cm"/>
+          <inkml:channelProperty channel="T" name="resolution" value="1" units="1/dev"/>
+        </inkml:channelProperties>
+      </inkml:inkSource>
+      <inkml:timestamp xml:id="ts0" timeString="2025-05-31T22:00:46.385"/>
+    </inkml:context>
+    <inkml:brush xml:id="br0">
+      <inkml:brushProperty name="width" value="0.25" units="cm"/>
+      <inkml:brushProperty name="height" value="0.5" units="cm"/>
+      <inkml:brushProperty name="color" value="#FFFF00"/>
+      <inkml:brushProperty name="tip" value="rectangle"/>
+      <inkml:brushProperty name="rasterOp" value="maskPen"/>
+      <inkml:brushProperty name="fitToCurve" value="1"/>
+    </inkml:brush>
+  </inkml:definitions>
+  <inkml:trace contextRef="#ctx0" brushRef="#br0">0 665 0,'74'0'0,"36"0"16,38 0-16,146 0 16,1-73-16,-1 36 15,74-73-15,0 36 16,-36 0-16,-75 1 15,-36-1-15,-74 0 16,1 38-16,-111-1 16,-1 37-16</inkml:trace>
+</inkml:ink>
+</file>
+
+<file path=ppt/ink/ink43.xml><?xml version="1.0" encoding="utf-8"?>
+<inkml:ink xmlns:inkml="http://www.w3.org/2003/InkML">
+  <inkml:definitions>
+    <inkml:context xml:id="ctx0">
+      <inkml:inkSource xml:id="inkSrc0">
+        <inkml:traceFormat>
+          <inkml:channel name="X" type="integer" max="2732" units="cm"/>
+          <inkml:channel name="Y" type="integer" max="768" units="cm"/>
+          <inkml:channel name="T" type="integer" max="2.14748E9" units="dev"/>
+        </inkml:traceFormat>
+        <inkml:channelProperties>
+          <inkml:channelProperty channel="X" name="resolution" value="88.41424" units="1/cm"/>
+          <inkml:channelProperty channel="Y" name="resolution" value="44.13793" units="1/cm"/>
+          <inkml:channelProperty channel="T" name="resolution" value="1" units="1/dev"/>
+        </inkml:channelProperties>
+      </inkml:inkSource>
+      <inkml:timestamp xml:id="ts0" timeString="2025-05-31T22:00:47.225"/>
+    </inkml:context>
+    <inkml:brush xml:id="br0">
+      <inkml:brushProperty name="width" value="0.25" units="cm"/>
+      <inkml:brushProperty name="height" value="0.5" units="cm"/>
+      <inkml:brushProperty name="color" value="#FFFF00"/>
+      <inkml:brushProperty name="tip" value="rectangle"/>
+      <inkml:brushProperty name="rasterOp" value="maskPen"/>
+      <inkml:brushProperty name="fitToCurve" value="1"/>
+    </inkml:brush>
+  </inkml:definitions>
+  <inkml:trace contextRef="#ctx0" brushRef="#br0">1915 0 0,'-74'37'16,"-37"0"-16,-73 0 16,0 0-16,-37-1 15,1 38-15,36-37 16,-37 0 0,73-1-16,38-36 15,0 37-15,36 0 16,0-37-1,111 0 48,74 0-63,73 0 16,37 0-16,-37-37 15,73 0-15,1 1 16,-37-1-16,-37 0 15,-37 0-15,0 0 16,-110 37-16,37-36 16,-37 36-16,-1 0 15,1 0-15,0 0 16,0 0 0,36 0-16,-36 0 15,37 0-15,0 36 16,36 1-16,37-37 15,0 37 1,1 0-16,-75-37 0,1 0 16,0 0-1,-38 0 1,-36-37 15</inkml:trace>
+</inkml:ink>
+</file>
+
+<file path=ppt/ink/ink44.xml><?xml version="1.0" encoding="utf-8"?>
+<inkml:ink xmlns:inkml="http://www.w3.org/2003/InkML">
+  <inkml:definitions>
+    <inkml:context xml:id="ctx0">
+      <inkml:inkSource xml:id="inkSrc0">
+        <inkml:traceFormat>
+          <inkml:channel name="X" type="integer" max="2732" units="cm"/>
+          <inkml:channel name="Y" type="integer" max="768" units="cm"/>
+          <inkml:channel name="T" type="integer" max="2.14748E9" units="dev"/>
+        </inkml:traceFormat>
+        <inkml:channelProperties>
+          <inkml:channelProperty channel="X" name="resolution" value="88.41424" units="1/cm"/>
+          <inkml:channelProperty channel="Y" name="resolution" value="44.13793" units="1/cm"/>
+          <inkml:channelProperty channel="T" name="resolution" value="1" units="1/dev"/>
+        </inkml:channelProperties>
+      </inkml:inkSource>
+      <inkml:timestamp xml:id="ts0" timeString="2025-05-31T22:01:23.178"/>
+    </inkml:context>
+    <inkml:brush xml:id="br0">
+      <inkml:brushProperty name="width" value="0.25" units="cm"/>
+      <inkml:brushProperty name="height" value="0.5" units="cm"/>
+      <inkml:brushProperty name="color" value="#FFFF00"/>
+      <inkml:brushProperty name="tip" value="rectangle"/>
+      <inkml:brushProperty name="rasterOp" value="maskPen"/>
+      <inkml:brushProperty name="fitToCurve" value="1"/>
+    </inkml:brush>
+  </inkml:definitions>
+  <inkml:trace contextRef="#ctx0" brushRef="#br0">331 0 0,'37'0'15,"0"36"17,37 1-17,-1 37-15,38-74 16,-1 37-16,37-1 15,74 1-15,-110-37 16,36 0-16,0 0 16,1 0-16,-38-37 15,-73 37 1,-74 0 46,-37 0-46,-36 0 0,-74 0-16,-37 0 15,74 37-15,36 0 16,1 0-16,-1 0 16,1-37-16,0 37 15,-38-1-15,75 1 16,-1-37-16,0 37 15,38 0-15,-38 0 16,37-37 0,37 36 46,74-36-46,-1 0-16,75 0 15,-1 0-15,37 0 16,-74 0-16,-73 0 16,0 0-16,0-36 125,0 36-110,73 0-15</inkml:trace>
+</inkml:ink>
+</file>
+
+<file path=ppt/ink/ink45.xml><?xml version="1.0" encoding="utf-8"?>
+<inkml:ink xmlns:inkml="http://www.w3.org/2003/InkML">
+  <inkml:definitions>
+    <inkml:context xml:id="ctx0">
+      <inkml:inkSource xml:id="inkSrc0">
+        <inkml:traceFormat>
+          <inkml:channel name="X" type="integer" max="2732" units="cm"/>
+          <inkml:channel name="Y" type="integer" max="768" units="cm"/>
+          <inkml:channel name="T" type="integer" max="2.14748E9" units="dev"/>
+        </inkml:traceFormat>
+        <inkml:channelProperties>
+          <inkml:channelProperty channel="X" name="resolution" value="88.41424" units="1/cm"/>
+          <inkml:channelProperty channel="Y" name="resolution" value="44.13793" units="1/cm"/>
+          <inkml:channelProperty channel="T" name="resolution" value="1" units="1/dev"/>
+        </inkml:channelProperties>
+      </inkml:inkSource>
+      <inkml:timestamp xml:id="ts0" timeString="2025-05-31T22:01:25.081"/>
+    </inkml:context>
+    <inkml:brush xml:id="br0">
+      <inkml:brushProperty name="width" value="0.25" units="cm"/>
+      <inkml:brushProperty name="height" value="0.5" units="cm"/>
+      <inkml:brushProperty name="color" value="#FFFF00"/>
+      <inkml:brushProperty name="tip" value="rectangle"/>
+      <inkml:brushProperty name="rasterOp" value="maskPen"/>
+      <inkml:brushProperty name="fitToCurve" value="1"/>
+    </inkml:brush>
+  </inkml:definitions>
+  <inkml:trace contextRef="#ctx0" brushRef="#br0">958 516 0,'36'37'0,"1"-37"16,37 0 0,-1 37-16,-36-37 15,37 0-15,-1 0 16,38 0-16,-74 0 15,36 36 1,-73 1 15,0 37-15,0-37 0,-36 36-16,-38 1 15,-37 0-15,-36 36 16,37 0-16,-37 1 15,36-1-15,-36-73 16,73 37-16,37-37 16,111-37 140,-74-37-156,37 37 16,0-37-16,-1 0 15,38-37-15,-74 38 16,74-38-16,-37-36 15,-37-1-15,36 1 16,1-1 0,-37 38-16,0-1 15,0 37-15,0 0 16,0 1 0,0-1-16,0 0 31,-37 37-16,1 0 1,-1 0-16,-37 0 16,0 0-16,-36 0 15,0 0-15,-38 0 16,1 0-16,37 37 16,73-37-16,-37 37 15,37-37 1,37 36 31,111-36-32,110 0-15,110 0 16,37-73 0,-37-38-16,-73 1 15,-37 0-15,-74 73 16,-110-37-16,0 37 15,-37 0 1,-37 1-16,0 36 16,0 0-1,1 0-15,-75 0 16,38 0-16,-1 73 16,-36 1-16,-38-37 15,38 36-15,36-36 16,1 37-16,-1-37 15,0 36-15,38 1 16,-38-37-16,37 36 16,-37-36-16,74 37 15,-36-37-15,-1-1 16,37 38-16,0-37 16,0 0-1,0-1 1,37-36 46,36 37-62,-36-37 16,0 0 0,37 37-1,-74 0 16,0 73-31,-37-36 16,0-37-16,37 73 16,0-73-1,0 0-15,0 0 16</inkml:trace>
+</inkml:ink>
+</file>
+
+<file path=ppt/ink/ink46.xml><?xml version="1.0" encoding="utf-8"?>
+<inkml:ink xmlns:inkml="http://www.w3.org/2003/InkML">
+  <inkml:definitions>
+    <inkml:context xml:id="ctx0">
+      <inkml:inkSource xml:id="inkSrc0">
+        <inkml:traceFormat>
+          <inkml:channel name="X" type="integer" max="2732" units="cm"/>
+          <inkml:channel name="Y" type="integer" max="768" units="cm"/>
+          <inkml:channel name="T" type="integer" max="2.14748E9" units="dev"/>
+        </inkml:traceFormat>
+        <inkml:channelProperties>
+          <inkml:channelProperty channel="X" name="resolution" value="88.41424" units="1/cm"/>
+          <inkml:channelProperty channel="Y" name="resolution" value="44.13793" units="1/cm"/>
+          <inkml:channelProperty channel="T" name="resolution" value="1" units="1/dev"/>
+        </inkml:channelProperties>
+      </inkml:inkSource>
+      <inkml:timestamp xml:id="ts0" timeString="2025-05-31T22:08:13.157"/>
+    </inkml:context>
+    <inkml:brush xml:id="br0">
+      <inkml:brushProperty name="width" value="0.25" units="cm"/>
+      <inkml:brushProperty name="height" value="0.5" units="cm"/>
+      <inkml:brushProperty name="color" value="#FFFF00"/>
+      <inkml:brushProperty name="tip" value="rectangle"/>
+      <inkml:brushProperty name="rasterOp" value="maskPen"/>
+      <inkml:brushProperty name="fitToCurve" value="1"/>
+    </inkml:brush>
+  </inkml:definitions>
+  <inkml:trace contextRef="#ctx0" brushRef="#br0">517 148 0,'0'37'93,"0"36"-77,0 1-16,0-37 16,0 73-16,36-36 15,-36-1-15,37 75 16,-37-75-16,0 1 15,0 36-15,0 1 16,0-1-16,37 37 16,-37-73-16,0 36 15,0 1-15,0-1 16,0-36-16,0 0 16,0 36-16,0-36 15,0-1-15,0 38 16,0-75-16,-37 38 15,37 36-15,0-73 16,0 37-16,-37 36 16,37-73-16,-36 74 15,36-75 1,-37 38-16,37-37 0,0 73 16,0-73-1,0 37 1,-37-1-16,37 1 15,0-37 1,-37 0-16,37-1 16,0 38-16,-37 0 15,37-1 1,-37 1-16,37-37 16,-36 36-16,36-36 15,0 74-15,0-38 16,0 1-16,0-1 15,0 38-15,0-37 16,0-1-16,0 1 16,0 36-16,0-36 15,0-1-15,0 1 16,0-37-16,0 36 16,0 1-16,0-37 15,0 0-15,0 0 16,0 73-16,0-73 15,0 36 1,0 38-16,0-74 0,36 73 16,1 1-1,-37-75-15,0 75 16,0-74-16,37 36 16,-37 1-16,0-1 15,0-36-15,0 37 16,0 0-16,0-1 15,0 1-15,0-1 16,0 1-16,0 0 16,0-1-16,0 1 15,0-37-15,0 36 16,0 1-16,0 0 16,0-1-16,0 1 15,0-1-15,0-36 16,0 0-16,0 37 15,0-1-15,0 1 16,0 0-16,0-1 16,0 38-16,0-38 15,0 38-15,0-1 16,0-36-16,0-1 16,0 1-1,0-37-15,0 36 0,0-36 16,0 0-1,0 0-15,0 36 16,0-36-16,0 37 16,0-37-1,0 0 1,0-1 0,0 1-1,0 0 1,0 0-16,0 0 15,0-1-15,0 1 16,0 0-16,0 0 16,0 0-16,0-1 15,0 1 1,0 0 0,0 0-16,0 0 15,0 0 1,37 36-1,-37-36 17,0 0-32,0 0 78,0-1 62,0-146-15,0-37-109,0-74-16,0-37 16,37-36-16,0 36 15,-1 74-15,-36 37 16,0-74-16,0 74 16,0-1-16,0 38 15,0-1-15,0 1 16,0 0-16,0-1 15,0 1-15,0-1 16,0 1-16,0-1 16,0 1-16,0 0 15,0-1-15,0 1 16,0-1-16,0 1 16,0-37-16,0-74 15,0 110-15,0 1 16,-36-111-16,-1 0 15,0 37-15,0 0 16,37 74-16,0-38 16,0 1-16,0 0 15,0 0-15,0 36 16,0 1-16,0 36 16,0-36-16,0 36 15,0 0 1,0-36-16,-37-37 15,37 36-15,0 1 16,0-37-16,0-1 16,0 38-16,0-1 15,0-36-15,0 37 16,0-1-16,0 1 16,0-1-16,0 1 15,0 0-15,0-1 16,0 1-16,0 36 15,0-73-15,-37 36 16,1 1-16,36 73 16,-37-73-16,37 73 15,0-37-15,0 1 16,-37 36 0,37 0-16,0 0 15,-37 0 1,37 1-1,0-1 1,-37-37 0,1 37-1,36 1 1,0-38 15,-37 37-15,0 37-1,37-74 1,0 111 93,0 0-109,37 74 16,0-1-16,-37 0 16,73 111-16,-36 0 15,0 37-15,0 0 16,-37-1-16,0 38 16,0-1-16,0-36 15,0-37-15,0 0 16,0-37-16,0 37 15,0-1-15,0 1 16,0 37 0,0-37-16,0 0 15,0 0-15,0 110 16,-37-73-16,0-74 16,0 36-16,0-35 15,37-1-15,0-74 16,-36 74-16,-1-73 15,37-1-15,0 37 16,0 0-16,0 1 16,0-1-16,0 0 15,0 37-15,0-37 16,0 1-16,0-1 16,0 0-16,0 0 15,-37 111-15,37-147 16,-37 73-16,37-37 15,0 74-15,0-74 16,0 0-16,0-36 16,0-1-16,0 37 15,37-73-15,-37 0 16,0-38-16,37 75 16,-37-74-1,37 36 1,-1-73 15,1 0-15,0 0-1,0 0-15,36 0 16,-36-37-16,37 37 16,36-73-16,-73 36 15,0-37-15,37 1 16,-38 36-16,-36-73 15,37 73-15,-37 0 16,37-37-16,-37 38 16,0-38-1,0 37-15,0-37 16,-37 38-16,37-1 16,-73 0-16,36 0 15,0 0-15,0 37 16,-36-36-1,36 36 1,0 0-16,0 0 16,-37 0-1,38 36 1,36 1 0,-37-37-16,37 37 62,37-37-46,-1-74-16,1-36 15,37-37-15,0-1 16,-38 1-16,-36-37 16,0 74-16,0-38 15,0 1-15,0 37 16,0 36-16,0 1 15,0-38-15,0 37 16,-36-36-16,-1 36 16,37 1-16,-37-38 15,0 38-15,0-38 16,0 38-16,1-1 16,36 37-16,0 0 15,-37 37 32,0 0-31,-37 111-1,74-1-15,-73 1 16,36-1-16,0-36 16,37-1-16,0-36 15,0 0 32,0-111-31,74-73-16,-37 0 15,-1-111-15,75-36 16,-74-1-16,36-73 16,-36 37-16,0-37 15,-37 110-15,0-36 16,0-1-16,0 1 15,0 73-15,0 0 16,0 37-16,0-74 16,-37 74-16,37 74 15,0-1-15,-37-36 16,0 36-16,37 75 16,-36-112-1,36 75-15,0-1 16,-37-36-16,0 36 15,37 37-15,-37-73 16,37 36-16,0 1 16,0-1-16,0 0 15,-37 1-15,37 36 16,-36-37-16,36 1 16,0-1-16,0 0 15,-37 1 1,37-1-1,0 37-15,0 1 16,0-1-16,-37-74 16</inkml:trace>
+</inkml:ink>
+</file>
+
+<file path=ppt/ink/ink47.xml><?xml version="1.0" encoding="utf-8"?>
+<inkml:ink xmlns:inkml="http://www.w3.org/2003/InkML">
+  <inkml:definitions>
+    <inkml:context xml:id="ctx0">
+      <inkml:inkSource xml:id="inkSrc0">
+        <inkml:traceFormat>
+          <inkml:channel name="X" type="integer" max="2732" units="cm"/>
+          <inkml:channel name="Y" type="integer" max="768" units="cm"/>
+          <inkml:channel name="T" type="integer" max="2.14748E9" units="dev"/>
+        </inkml:traceFormat>
+        <inkml:channelProperties>
+          <inkml:channelProperty channel="X" name="resolution" value="88.41424" units="1/cm"/>
+          <inkml:channelProperty channel="Y" name="resolution" value="44.13793" units="1/cm"/>
+          <inkml:channelProperty channel="T" name="resolution" value="1" units="1/dev"/>
+        </inkml:channelProperties>
+      </inkml:inkSource>
+      <inkml:timestamp xml:id="ts0" timeString="2025-05-31T22:08:16.421"/>
+    </inkml:context>
+    <inkml:brush xml:id="br0">
+      <inkml:brushProperty name="width" value="0.25" units="cm"/>
+      <inkml:brushProperty name="height" value="0.5" units="cm"/>
+      <inkml:brushProperty name="color" value="#FFFF00"/>
+      <inkml:brushProperty name="tip" value="rectangle"/>
+      <inkml:brushProperty name="rasterOp" value="maskPen"/>
+      <inkml:brushProperty name="fitToCurve" value="1"/>
+    </inkml:brush>
+  </inkml:definitions>
+  <inkml:trace contextRef="#ctx0" brushRef="#br0">0 368 0,'37'0'0,"0"0"16,37 0-16,-1 0 16,38 0-16,36-37 15,-37 37-15,1-37 16,-1 0-16,111 1 16,37-1-16,-37 0 15,110 0-15,0 0 16,-36 37-16,-1 0 15,-36 0 1,-1 0-16,38 0 16,36 0-16,1 0 15,36 0-15,-37 0 16,-36 0-16,-38 0 16,-36 0-16,37 0 15,-37 0-15,-74 0 16,37-36-16,-74-1 15,-36 37-15,36 0 16,-73 0 0,37 0-16,-1 0 15,-36 0 1,37 0-16,-37 0 16,73 37-16,1-1 15,36 38-15,37 0 16,37-1-16,36 38 15,1-1-15,0-36 16,-37 36-16,-74-36 16,37-37-16,-74-37 15,-36 36-15,0-36 16,-38 37 46,-146-37-30,73 0-32,-110 37 15,0-37-15,-111 0 16,0 0-16,37 0 16,-36 0-16,-38 0 15,1 0-15,-1 0 16,38 0-16,-38 37 15,37-37-15,38 0 16,-75 0-16,1 0 16,-1 0-16,-36 0 15,36 0-15,1 0 16,73 0-16,-37 0 16,1 0-16,73 0 15,-74 0-15,74 0 16,-74 0-16,74 0 15,-74 37-15,111-37 16,-37 0-16,37 0 16,36 0-16,1 0 15,0 0 1,-1 0-16,37 0 16,38 0-16,-1 0 15,-37 0-15,37 0 16,1 0-1,-1 0 1,0 0-16,0 0 16,-36 0-16,36 0 15,-74 0-15,1-37 16,36 0 0,37 37-16,1 0 15,36-74 32,36 74-31,75-73-16,36-1 15,0 74-15,37-37 16,74 1-16,0 36 16,36 0-16,1 0 15,-38 0-15,-109 0 16,-38 0-16,-73 0 15,37 0-15,-38 0 32,1 0 30,37 0-46,-1 0-16,-36 0 15,0 0-15,37 36 16,-1-36-16,-36 0 16,37 0-16,-1 0 15,-36 0-15,74 37 16,-75-37-16,1 0 16,74 37-16,-75-37 15,1 0 1,-110 0 46,-75 0-46,-146 0-16,-111 0 16,-74 0-16,-36 0 15,0 0-15,110 0 16,37 0-1,147 0-15,0 37 16,184-37-16,0 0 16,1 0-16,109 0 93,38-37-93,-1 37 16,0 0-16,74-37 16,37 0-16,-37 37 15,185 0-15,-1 0 16,73 0-16,-36 0 16,-73 0-16,-38 0 15,-36 0-15,-74 0 16,37-36-16,-74-1 15,37 0-15,-74 0 16,1 37-16,-1-37 16,1 0-16,-38 1 15,-36 36 1,74 0-16,-38-37 16,-36 37 46,37-37-46,36-37-1</inkml:trace>
+</inkml:ink>
+</file>
+
+<file path=ppt/ink/ink48.xml><?xml version="1.0" encoding="utf-8"?>
+<inkml:ink xmlns:inkml="http://www.w3.org/2003/InkML">
+  <inkml:definitions>
+    <inkml:context xml:id="ctx0">
+      <inkml:inkSource xml:id="inkSrc0">
+        <inkml:traceFormat>
+          <inkml:channel name="X" type="integer" max="2732" units="cm"/>
+          <inkml:channel name="Y" type="integer" max="768" units="cm"/>
+          <inkml:channel name="T" type="integer" max="2.14748E9" units="dev"/>
+        </inkml:traceFormat>
+        <inkml:channelProperties>
+          <inkml:channelProperty channel="X" name="resolution" value="88.41424" units="1/cm"/>
+          <inkml:channelProperty channel="Y" name="resolution" value="44.13793" units="1/cm"/>
+          <inkml:channelProperty channel="T" name="resolution" value="1" units="1/dev"/>
+        </inkml:channelProperties>
+      </inkml:inkSource>
+      <inkml:timestamp xml:id="ts0" timeString="2025-05-31T22:09:45.429"/>
+    </inkml:context>
+    <inkml:brush xml:id="br0">
+      <inkml:brushProperty name="width" value="0.25" units="cm"/>
+      <inkml:brushProperty name="height" value="0.5" units="cm"/>
+      <inkml:brushProperty name="color" value="#FFFF00"/>
+      <inkml:brushProperty name="tip" value="rectangle"/>
+      <inkml:brushProperty name="rasterOp" value="maskPen"/>
+      <inkml:brushProperty name="fitToCurve" value="1"/>
+    </inkml:brush>
+  </inkml:definitions>
+  <inkml:trace contextRef="#ctx0" brushRef="#br0">0 0 0,'37'0'62,"0"0"-46,37 37 0,-38 0-1,1-37-15,0 0 16,74 36-16,-75-36 16,112 37-16,72 0 15,-72 0-15,-38-37 16,37 0-16,1 0 15,-1 0-15,0 0 16,37 0 0,-37 0-16,1 0 15,36 0-15,-37 0 16,0 0-16,37 0 16,-73 0-16,-1 0 15,1 0-15,-1 0 16,0 0-16,-36 0 15,0 0-15,36 0 16,-36 0-16,36 0 16,1 0-16,-1 0 15,0 0-15,1 0 16,-1 0-16,38 0 16,-38 0-16,37 0 15,37 37-15,-73-37 16,110 0-16,-37 36 15,37 1-15,-74-37 16,37 0-16,147 37 16,0 37-16,38-1 15,-75-73-15,1 0 16,-75 0 0,1 0-16,-73 0 15,-38 0-15,0 0 16,1 0-16,-1 0 15,1 0-15,-1 0 16,1 0-16,-1 0 16,37 0-16,111 37 15,0-37-15,-74 37 16,-37-37-16,0 0 16,37 0-16,-73 0 15,-38 0-15,1 0 16,0 0-16,-38 0 15,38 0-15,0 0 16,-38 0-16,1 0 16,37 0-16,0 0 15,36 0-15,-73 0 16,0 0-16,36 0 16,1 0-16,-37 0 15,-1 0-15,1 0 16,74 37-16,-38 0 15,-36-37 1,37 0-16,-1 36 31,1 1-31,0 0 16,-1-37-16,1 37 16,-1 0-16,1-1 15,-37 1-15,37 0 16,-1 0-16,-36 0 15,0-37-15,36 37 16,-36-1-16,37-36 16,-37 37-16,-1 0 15,1-37-15,0 0 16,0 0-16,0 0 16,0 0-1,-1 0-15,1 0 16,0 0-1,0 0 1,0 0-16,-1 0 16,1 0-16,0-37 15,0 37-15,36 0 16,-36 0-16,37-37 16,0 37-16,36-36 15,-36 36-15,-38 0 16,112-37-16,-38 37 15,0 0-15,1 0 16,36 0 0,0 0-16,37 0 15,-36 0-15,-1 0 16,-37 0-16,1 0 16,-1 0-16,1 0 15,-38 0-15,38 0 16,-38 0-16,1 0 15,0 0-15,-1 0 16,1 0-16,0 0 16,36 0-16,-36 0 15,-1 0-15,38 0 16,-1 0-16,37 0 16,37 0-16,-36 0 15,-1 0-15,37 0 16,-37 0-16,-36 0 15,-38 0-15,1 0 16,-1-37-16,-36 37 16,0 0-16,37-37 15,-37 37 1,-1 0 0,1 0-1,0 0-15,0 0 16,0 0-1,-1 0-15,1 0 16,37 0 0,-37 0-1,-1 0-15,38 0 16,-37 0-16,37 0 16,-38 0-16,1 0 15,0 0-15,0 0 16,36 0-16,-36 0 15,37 0-15,36 0 16,-36 0-16,-1 0 16,1 0-16,0 0 15,-37 0-15,-1 0 16,38 0-16,-37 0 16,0 0-1,-1 0-15,1 0 16,0 0 15,0 0-15,0 0 15,-1 0 0</inkml:trace>
+</inkml:ink>
+</file>
+
+<file path=ppt/ink/ink49.xml><?xml version="1.0" encoding="utf-8"?>
+<inkml:ink xmlns:inkml="http://www.w3.org/2003/InkML">
+  <inkml:definitions>
+    <inkml:context xml:id="ctx0">
+      <inkml:inkSource xml:id="inkSrc0">
+        <inkml:traceFormat>
+          <inkml:channel name="X" type="integer" max="2732" units="cm"/>
+          <inkml:channel name="Y" type="integer" max="768" units="cm"/>
+          <inkml:channel name="T" type="integer" max="2.14748E9" units="dev"/>
+        </inkml:traceFormat>
+        <inkml:channelProperties>
+          <inkml:channelProperty channel="X" name="resolution" value="88.41424" units="1/cm"/>
+          <inkml:channelProperty channel="Y" name="resolution" value="44.13793" units="1/cm"/>
+          <inkml:channelProperty channel="T" name="resolution" value="1" units="1/dev"/>
+        </inkml:channelProperties>
+      </inkml:inkSource>
+      <inkml:timestamp xml:id="ts0" timeString="2025-05-31T22:21:33.475"/>
+    </inkml:context>
+    <inkml:brush xml:id="br0">
+      <inkml:brushProperty name="width" value="0.25" units="cm"/>
+      <inkml:brushProperty name="height" value="0.5" units="cm"/>
+      <inkml:brushProperty name="color" value="#FFFF00"/>
+      <inkml:brushProperty name="tip" value="rectangle"/>
+      <inkml:brushProperty name="rasterOp" value="maskPen"/>
+      <inkml:brushProperty name="fitToCurve" value="1"/>
+    </inkml:brush>
+  </inkml:definitions>
+  <inkml:trace contextRef="#ctx0" brushRef="#br0">0 40 0,'74'0'16,"-37"0"-16,73 0 15,-36 0-15,36 0 16,38 0-16,-1 0 15,37 0-15,37 0 16,73 0-16,1 0 16,-1 0-16,38 0 15,-1 0 1,-37 0-16,-36 0 16,0 0-16,-1 0 15,-73 0-15,111 37 16,-37 0-16,-1-1 15,1 1-15,-74 0 16,37 0-16,0 0 16,-37-1-16,37 1 15,36 0-15,1 0 16,-37 0-16,-37-37 16,0 0-16,0 0 15,0 0-15,-73 0 16,-1 0-16,-36 0 15,-1 0-15,-36 0 16,37 0-16,-37 0 16,36 0-16,-36 0 15,0 0-15,36 0 16,-36 0-16,37 0 16,-37 0-1,-1 0 16,-146-37 63</inkml:trace>
 </inkml:ink>
 </file>
 
@@ -268,6 +1531,316 @@
 </inkml:ink>
 </file>
 
+<file path=ppt/ink/ink50.xml><?xml version="1.0" encoding="utf-8"?>
+<inkml:ink xmlns:inkml="http://www.w3.org/2003/InkML">
+  <inkml:definitions>
+    <inkml:context xml:id="ctx0">
+      <inkml:inkSource xml:id="inkSrc0">
+        <inkml:traceFormat>
+          <inkml:channel name="X" type="integer" max="2732" units="cm"/>
+          <inkml:channel name="Y" type="integer" max="768" units="cm"/>
+          <inkml:channel name="T" type="integer" max="2.14748E9" units="dev"/>
+        </inkml:traceFormat>
+        <inkml:channelProperties>
+          <inkml:channelProperty channel="X" name="resolution" value="88.41424" units="1/cm"/>
+          <inkml:channelProperty channel="Y" name="resolution" value="44.13793" units="1/cm"/>
+          <inkml:channelProperty channel="T" name="resolution" value="1" units="1/dev"/>
+        </inkml:channelProperties>
+      </inkml:inkSource>
+      <inkml:timestamp xml:id="ts0" timeString="2025-05-31T22:21:35.755"/>
+    </inkml:context>
+    <inkml:brush xml:id="br0">
+      <inkml:brushProperty name="width" value="0.25" units="cm"/>
+      <inkml:brushProperty name="height" value="0.5" units="cm"/>
+      <inkml:brushProperty name="color" value="#FFFF00"/>
+      <inkml:brushProperty name="tip" value="rectangle"/>
+      <inkml:brushProperty name="rasterOp" value="maskPen"/>
+      <inkml:brushProperty name="fitToCurve" value="1"/>
+    </inkml:brush>
+  </inkml:definitions>
+  <inkml:trace contextRef="#ctx0" brushRef="#br0">260 478 0,'36'0'31,"1"37"-15,0 0-1,-37 0-15,0 110 16,0-110-16,0 37 16,37 73-16,0-74 15,-1 38-15,-36-1 16,74-73-16,-37 0 15,36 0-15,-36 0 16,0-37-16,0 0 16,37 0-16,-38-37 15,1-74-15,0 1 16,0-1-16,-37 1 16,0 73-16,0-36 15,0-1-15,0 0 16,0 37-16,-37 1 15,0-1 1,37 0 0,-73 0-16,36 37 15,37-37-15,-74 1 16,37 36-16,0 0 16,1 0-16,-1 0 15,0 0-15,-37 0 16,1 0-16,36 36 15,-37 1-15,38 37 16,-1-1-16,0 1 16,37 0-16,-37 36 15,0 37-15,37-110 16,0 74-16,0-1 16,37-36-16,-37-37 15,37-1-15,0 1 16,0-37-16,36 37 15,1 0-15,-1-37 16,75 0-16,-1-74 16,-73 1-16,-38-1 15,38-73-15,-37-1 16,0 1-16,-37 37 16,0-74-1,-37 0-15,0 73 16,0 38-16,37-1 15,-37 0-15,1 37 16,-1 1 0,-37-1-16,0 37 15,-36 0 1,0 37-16,-1-1 16,38 75-16,36-37 15,-37 36-15,0 0 16,74 1-16,-36 73 15,-1-37-15,37-36 16,0 73-16,0-74 16,73 37-16,-36-73 15,0-37-15,37 36 16,36-36-16,1 0 16,-1 0-16,0-37 15,111 0-15,-37-111 16,-73 1-16,-38-37 15,-36-1-15,-37 38 16,0 0-16,0-1 16,-37 38-16,1 36 31,-1 0-31,-37 37 16,1 0-16,-75 0 15,1 37-15,73 36 16,-36 75-16,36-38 15,38 74-15,-1-37 16,0 1-16,37-38 16,0 0-16,0-36 15,0 37-15,37-75 16,-37 1-16,73 0 16,38 0-16,36 0 15,74-37-15,-37-74 16,0-73-16,-37-37 15,-36-37-15,-38 37 16,-36 0-16,-37 110 16,0-73-16,-37 73 15,37 1-15,-36 36 16,-1 0-16,-74 0 16,38 0-16,-1 37 15,-110 0-15,0 74 16,37 36-16,-1 1 15,1 73-15,37 37 16,-1-37 0,75-37-16,-38 37 15,37-73-15,0-38 16,37-36-16,0 37 16,0-38-16,37 1 15,37-37-15,73 0 16,0-110-16,74-37 15,0-1-15,-74-73 16,-73-36-16,-1-1 16,-36 0-16,-37 111 15,0-74-15,0 111 16,-37 36-16,1 37 16,36-36-16,-74 36 15,0 0-15,38 37 16,-112 0-16,38 37 15,36 0-15,1 36 16,-1 1-16,0 0 16,38-1-16,-38 1 15,74-37-15,0-1 16,0 1 0,-37 0-16</inkml:trace>
+</inkml:ink>
+</file>
+
+<file path=ppt/ink/ink51.xml><?xml version="1.0" encoding="utf-8"?>
+<inkml:ink xmlns:inkml="http://www.w3.org/2003/InkML">
+  <inkml:definitions>
+    <inkml:context xml:id="ctx0">
+      <inkml:inkSource xml:id="inkSrc0">
+        <inkml:traceFormat>
+          <inkml:channel name="X" type="integer" max="2732" units="cm"/>
+          <inkml:channel name="Y" type="integer" max="768" units="cm"/>
+          <inkml:channel name="T" type="integer" max="2.14748E9" units="dev"/>
+        </inkml:traceFormat>
+        <inkml:channelProperties>
+          <inkml:channelProperty channel="X" name="resolution" value="88.41424" units="1/cm"/>
+          <inkml:channelProperty channel="Y" name="resolution" value="44.13793" units="1/cm"/>
+          <inkml:channelProperty channel="T" name="resolution" value="1" units="1/dev"/>
+        </inkml:channelProperties>
+      </inkml:inkSource>
+      <inkml:timestamp xml:id="ts0" timeString="2025-05-31T22:21:36.547"/>
+    </inkml:context>
+    <inkml:brush xml:id="br0">
+      <inkml:brushProperty name="width" value="0.25" units="cm"/>
+      <inkml:brushProperty name="height" value="0.5" units="cm"/>
+      <inkml:brushProperty name="color" value="#FFFF00"/>
+      <inkml:brushProperty name="tip" value="rectangle"/>
+      <inkml:brushProperty name="rasterOp" value="maskPen"/>
+      <inkml:brushProperty name="fitToCurve" value="1"/>
+    </inkml:brush>
+  </inkml:definitions>
+  <inkml:trace contextRef="#ctx0" brushRef="#br0">0 110 0,'37'0'16,"0"0"-16,0 37 15,0-37 1,36 0-16,1 37 16,73 0-16,0-37 15,74 0-15,-37 0 16,74 0-16,0-37 16,-38 0-16,-36 0 15,-73 1-15,-1 36 16,-36 0-16,0-37 15,-38 0 1</inkml:trace>
+</inkml:ink>
+</file>
+
+<file path=ppt/ink/ink52.xml><?xml version="1.0" encoding="utf-8"?>
+<inkml:ink xmlns:inkml="http://www.w3.org/2003/InkML">
+  <inkml:definitions>
+    <inkml:context xml:id="ctx0">
+      <inkml:inkSource xml:id="inkSrc0">
+        <inkml:traceFormat>
+          <inkml:channel name="X" type="integer" max="2732" units="cm"/>
+          <inkml:channel name="Y" type="integer" max="768" units="cm"/>
+          <inkml:channel name="T" type="integer" max="2.14748E9" units="dev"/>
+        </inkml:traceFormat>
+        <inkml:channelProperties>
+          <inkml:channelProperty channel="X" name="resolution" value="88.41424" units="1/cm"/>
+          <inkml:channelProperty channel="Y" name="resolution" value="44.13793" units="1/cm"/>
+          <inkml:channelProperty channel="T" name="resolution" value="1" units="1/dev"/>
+        </inkml:channelProperties>
+      </inkml:inkSource>
+      <inkml:timestamp xml:id="ts0" timeString="2025-05-31T22:36:49.124"/>
+    </inkml:context>
+    <inkml:brush xml:id="br0">
+      <inkml:brushProperty name="width" value="0.25" units="cm"/>
+      <inkml:brushProperty name="height" value="0.5" units="cm"/>
+      <inkml:brushProperty name="color" value="#FFFF00"/>
+      <inkml:brushProperty name="tip" value="rectangle"/>
+      <inkml:brushProperty name="rasterOp" value="maskPen"/>
+      <inkml:brushProperty name="fitToCurve" value="1"/>
+    </inkml:brush>
+  </inkml:definitions>
+  <inkml:trace contextRef="#ctx0" brushRef="#br0">0 155 0,'111'0'31,"-38"0"-16,296 0 1,109 0 0,-220 0-16,73 0 15,148 0-15,73 0 16,-37 0 0,1 0-16,-75 0 15,-109-36-15,-75-1 16,-36 0-16,-74 0 15,-73 37-15,36 0 16,-36 0-16,0 0 16,36 0-16,1 0 15,36 37-15,0 0 16,0 0-16,37-1 16,-73 1-16,-38-37 15,-36 0-15,37 0 16,-37 37-16,0-37 15,-1 37 48,-72-37-32,-1 37-15,0-37-1,-37 0-15,-36 0 16,-295 0 0,110 0-16,1 0 15,-1 0-15,75 0 16,-1 0-16,73 0 16,1 0-16,0 0 15,0 0-15,-1 0 16,-72 0-16,36 0 15,-74 0-15,0 0 16,74 0-16,-37 0 16,37 36-16,111 1 15,-1-37-15,-37 0 16,75 0-16,-38 0 16,37 0-16,-73 0 15,36 0-15,1 0 16,-38 0-16,74 0 15,-36 0-15,-1 0 16,37 0 0,0 0-1,1-37-15,-1 37 16,74 0 93,36 37-109,185 37 16,-111-37 0,369 36-1,-75 1-15,1 0 16,0-38-16,-37 1 15,-184-37-15,36 0 16,-110 0-16,38 0 16,-112 0-16,1 0 15,-37 0 1,-1-37-16,1 37 16,0 0-16,0 0 15,36 0-15,1 0 16,-37 0-16,0 0 15,36 0-15,1 0 16,-37 0-16,0 0 16,36 0-16,-36 0 15,0 0-15,0 0 16,-1 0 0,38-36-1,-37-1 1,-37 0-1</inkml:trace>
+</inkml:ink>
+</file>
+
+<file path=ppt/ink/ink53.xml><?xml version="1.0" encoding="utf-8"?>
+<inkml:ink xmlns:inkml="http://www.w3.org/2003/InkML">
+  <inkml:definitions>
+    <inkml:context xml:id="ctx0">
+      <inkml:inkSource xml:id="inkSrc0">
+        <inkml:traceFormat>
+          <inkml:channel name="X" type="integer" max="2732" units="cm"/>
+          <inkml:channel name="Y" type="integer" max="768" units="cm"/>
+          <inkml:channel name="T" type="integer" max="2.14748E9" units="dev"/>
+        </inkml:traceFormat>
+        <inkml:channelProperties>
+          <inkml:channelProperty channel="X" name="resolution" value="88.41424" units="1/cm"/>
+          <inkml:channelProperty channel="Y" name="resolution" value="44.13793" units="1/cm"/>
+          <inkml:channelProperty channel="T" name="resolution" value="1" units="1/dev"/>
+        </inkml:channelProperties>
+      </inkml:inkSource>
+      <inkml:timestamp xml:id="ts0" timeString="2025-05-31T22:36:55.827"/>
+    </inkml:context>
+    <inkml:brush xml:id="br0">
+      <inkml:brushProperty name="width" value="0.25" units="cm"/>
+      <inkml:brushProperty name="height" value="0.5" units="cm"/>
+      <inkml:brushProperty name="color" value="#FFFF00"/>
+      <inkml:brushProperty name="tip" value="rectangle"/>
+      <inkml:brushProperty name="rasterOp" value="maskPen"/>
+      <inkml:brushProperty name="fitToCurve" value="1"/>
+    </inkml:brush>
+  </inkml:definitions>
+  <inkml:trace contextRef="#ctx0" brushRef="#br0">0 699 0,'73'0'62,"111"-36"-46,221-1-16,-110 37 15,36-37-15,-73 0 16,73-36-16,74 36 16,73 0-16,-36 37 15,37 0-15,-38 0 16,1-37-16,-147 0 16,36 1-16,-147-1 15,37 0-15,-74 0 16,0 0-16,37 37 15,-36 0-15,36 0 16,73 0-16,1 0 16,-37 0-16,37 0 15,-1 0-15,1 0 16,-37 0-16,37 0 16,-74 0-1,37 0-15,-74 0 0,37 0 16,-37 0-1,74 0-15,-74 0 16,0 0-16,-36 0 16,-1 0-16,1 0 15,-1 0-15,1 0 16,-1 0-16,37 0 16,1 0-16,109 0 15,-36 37-15,-37 0 16,74 37-16,-37-38 15,-74 1-15,-73-37 16,36 0-16,-36 0 16,-38 0-16,1 0 15,37 0-15,-37 0 16,36 0 0,-36 0-1,-74 0 63,-36 0-62,-111 37 0,73 0-1,-183 36-15,146-73 16,-109 0-16,-111 0 15,36 0-15,38 0 16,-1 0-16,38 0 16,36 0-16,-110 0 15,146-36-15,-35-1 16,72 0-16,1 0 16,-37 0-16,37 1 15,-74-1-15,74 37 16,-74-37-16,37 0 15,37 37-15,-74 0 16,37 0-16,-37 0 16,37 0-16,-37 0 15,74 0-15,-1 0 16,1 0-16,0 0 16,0 0-16,-74 0 15,37 0-15,0 0 16,-37 0-16,-37 0 15,37 0-15,0 0 16,37 0 0,-37 0-16,37 0 15,37 0-15,37 0 16,-1 0-16,1 0 16,36 0-16,1 0 15,-75-37-15,1 0 16,37 1-16,-38-1 15,38 37-15,-111 0 16,37-37-16,110 37 16,1 0-16,-1 0 15,37 0-15,-36 0 16,36 0 0,0 0-16,0 0 31,0 0-16,74 0 126,37 0-125,-1 37-1,1-37-15,110 37 16,-37-37 0,37 0-16,37 0 15,-37 0-15,74 0 16,-74 0-16,184 0 15,-36 0-15,-1 0 16,-37 0-16,-36 0 16,-74 0-16,37 0 15,-74 0-15,-36 0 16,-1 0-16,1 0 16,-38 0-16,38 0 15,-1 0-15,0 0 16,1 0-16,-1 0 15,1 0-15,-38 0 16,1 0-16,0 0 16,36 0-16,-36 0 15,-38 0-15,1 0 16,37 0 0,0 0-16,36 0 15,-73 0-15,36 36 16,1-36-16,0 0 15,-1 37 1,-36-37-16,37 37 16,-37-37-16,-1 37 15,38 0 1,-74 0 93,-37-37-93,-110 36 0,36 1-1,-36 0-15,-37-37 16,37 74-16,-37-38 15,37 1-15,73-37 16,0 0-16,1 0 16,-1 0-16,37 0 15,0 0-15,-36 0 16,-1 0-16,37 0 16,-36 0-16,36 0 15,-37 0-15,38 0 16,-38 37-1,111-37 79,73 37-78,1 0-1,109-1-15,38 38 16,73 0-16,38-1 16,36 1-16,-111-37 15,-147-37-15,1 0 16,-38 0-16,-73 0 16,36 0-16,1 0 15</inkml:trace>
+</inkml:ink>
+</file>
+
+<file path=ppt/ink/ink54.xml><?xml version="1.0" encoding="utf-8"?>
+<inkml:ink xmlns:inkml="http://www.w3.org/2003/InkML">
+  <inkml:definitions>
+    <inkml:context xml:id="ctx0">
+      <inkml:inkSource xml:id="inkSrc0">
+        <inkml:traceFormat>
+          <inkml:channel name="X" type="integer" max="2732" units="cm"/>
+          <inkml:channel name="Y" type="integer" max="768" units="cm"/>
+          <inkml:channel name="T" type="integer" max="2.14748E9" units="dev"/>
+        </inkml:traceFormat>
+        <inkml:channelProperties>
+          <inkml:channelProperty channel="X" name="resolution" value="88.41424" units="1/cm"/>
+          <inkml:channelProperty channel="Y" name="resolution" value="44.13793" units="1/cm"/>
+          <inkml:channelProperty channel="T" name="resolution" value="1" units="1/dev"/>
+        </inkml:channelProperties>
+      </inkml:inkSource>
+      <inkml:timestamp xml:id="ts0" timeString="2025-05-31T22:36:57.125"/>
+    </inkml:context>
+    <inkml:brush xml:id="br0">
+      <inkml:brushProperty name="width" value="0.25" units="cm"/>
+      <inkml:brushProperty name="height" value="0.5" units="cm"/>
+      <inkml:brushProperty name="color" value="#FFFF00"/>
+      <inkml:brushProperty name="tip" value="rectangle"/>
+      <inkml:brushProperty name="rasterOp" value="maskPen"/>
+      <inkml:brushProperty name="fitToCurve" value="1"/>
+    </inkml:brush>
+  </inkml:definitions>
+  <inkml:trace contextRef="#ctx0" brushRef="#br0">0 111 0,'74'0'0,"-37"0"16,0 0-1,36 37-15,38 0 16,-75-37-16,112 0 16,-38 0-16,74 0 15,74 0-15,0 0 16,-1 0-16,-36 0 16,0-37-16,37 0 15,-1 37-15,1-37 16,-74 0-1,-37 37-15,74 0 16,-37 0-16,-36 0 16,-38 0-16,0 0 15,-36 0-15,-37-36 16,0 36 15,-1 0-15,1 0 31,-74 0 156,-73 0-188</inkml:trace>
+</inkml:ink>
+</file>
+
+<file path=ppt/ink/ink55.xml><?xml version="1.0" encoding="utf-8"?>
+<inkml:ink xmlns:inkml="http://www.w3.org/2003/InkML">
+  <inkml:definitions>
+    <inkml:context xml:id="ctx0">
+      <inkml:inkSource xml:id="inkSrc0">
+        <inkml:traceFormat>
+          <inkml:channel name="X" type="integer" max="2732" units="cm"/>
+          <inkml:channel name="Y" type="integer" max="768" units="cm"/>
+          <inkml:channel name="T" type="integer" max="2.14748E9" units="dev"/>
+        </inkml:traceFormat>
+        <inkml:channelProperties>
+          <inkml:channelProperty channel="X" name="resolution" value="88.41424" units="1/cm"/>
+          <inkml:channelProperty channel="Y" name="resolution" value="44.13793" units="1/cm"/>
+          <inkml:channelProperty channel="T" name="resolution" value="1" units="1/dev"/>
+        </inkml:channelProperties>
+      </inkml:inkSource>
+      <inkml:timestamp xml:id="ts0" timeString="2025-05-31T22:36:58.443"/>
+    </inkml:context>
+    <inkml:brush xml:id="br0">
+      <inkml:brushProperty name="width" value="0.25" units="cm"/>
+      <inkml:brushProperty name="height" value="0.5" units="cm"/>
+      <inkml:brushProperty name="color" value="#FFFF00"/>
+      <inkml:brushProperty name="tip" value="rectangle"/>
+      <inkml:brushProperty name="rasterOp" value="maskPen"/>
+      <inkml:brushProperty name="fitToCurve" value="1"/>
+    </inkml:brush>
+  </inkml:definitions>
+  <inkml:trace contextRef="#ctx0" brushRef="#br0">0 81 0,'37'0'62,"0"0"-30,73 0-32,516 74 15,-111-74 1,-183 0 0,-185-37-16,-37 37 15,-36-37-15,0 0 16,-1 37-1,-36 0 1,-74 0 93,1 0-93,-1 0 0,0 0-1,0 0 1,0 0-16,-36-37 16,36 37-1,0 0 1,0 0-16,0 0 15,1 0 1,-1 0 15</inkml:trace>
+</inkml:ink>
+</file>
+
+<file path=ppt/ink/ink56.xml><?xml version="1.0" encoding="utf-8"?>
+<inkml:ink xmlns:inkml="http://www.w3.org/2003/InkML">
+  <inkml:definitions>
+    <inkml:context xml:id="ctx0">
+      <inkml:inkSource xml:id="inkSrc0">
+        <inkml:traceFormat>
+          <inkml:channel name="X" type="integer" max="2732" units="cm"/>
+          <inkml:channel name="Y" type="integer" max="768" units="cm"/>
+          <inkml:channel name="T" type="integer" max="2.14748E9" units="dev"/>
+        </inkml:traceFormat>
+        <inkml:channelProperties>
+          <inkml:channelProperty channel="X" name="resolution" value="88.41424" units="1/cm"/>
+          <inkml:channelProperty channel="Y" name="resolution" value="44.13793" units="1/cm"/>
+          <inkml:channelProperty channel="T" name="resolution" value="1" units="1/dev"/>
+        </inkml:channelProperties>
+      </inkml:inkSource>
+      <inkml:timestamp xml:id="ts0" timeString="2025-05-31T22:47:33.737"/>
+    </inkml:context>
+    <inkml:brush xml:id="br0">
+      <inkml:brushProperty name="width" value="0.25" units="cm"/>
+      <inkml:brushProperty name="height" value="0.5" units="cm"/>
+      <inkml:brushProperty name="color" value="#FFFF00"/>
+      <inkml:brushProperty name="tip" value="rectangle"/>
+      <inkml:brushProperty name="rasterOp" value="maskPen"/>
+      <inkml:brushProperty name="fitToCurve" value="1"/>
+    </inkml:brush>
+  </inkml:definitions>
+  <inkml:trace contextRef="#ctx0" brushRef="#br0">2503 479 0,'37'0'47,"-1"0"-31,75 0-16,-1 37 16,-36-37-16,73 0 15,148 0-15,-1 0 16,1 0-16,-1 0 15,1 0-15,-38 0 16,-36 0-16,37 0 16,-74 0-16,37 0 15,37 0 1,-74 0-16,0 0 16,0 0-16,-37 0 15,-37 0-15,1 0 16,-38 0-16,1 0 15,36 36-15,-73-36 16,37 0-16,36 0 16,-36 0-16,36 37 15,-36-37-15,36 37 16,1 0-16,-1 0 16,74-1-16,-36-36 15,-1 37-15,74 0 16,-37 0-16,0 0 15,-74-37-15,1 0 16,-1 0-16,1 0 16,-38 0-16,1 0 15,-1 0-15,1 0 16,0 0-16,36 0 16,-36 0-16,-1 0 15,1 0-15,36 0 16,1 0-16,-37 0 15,-1 0-15,1 0 16,-37 0 0,-1 0-16,1 0 15,0 0 1,0 0-16,0 0 16,-1 0-1,1 0-15,0 0 31,-37-37-15,37 37 15,-37-37-15,37 37 15,0 0-31,-74-37 110,0 0-110,0 37 0,-110-36 15,36 36 1,1 0-16,-37 0 15,-1 0-15,-36 0 16,37 0-16,-74 0 16,74 0-16,0 0 15,-37 0-15,-37 0 16,37 0-16,-74 0 16,0 0-16,-73-37 15,110 37-15,-73 0 16,-1 0-16,1-37 15,-1 0-15,111 37 16,-73-37-16,109 37 16,1 0-16,-111-36 15,38-1-15,-1 0 16,110 37-16,-73 0 16,0 0-16,37 0 15,0 0-15,-1 0 16,-72 0-16,35 0 15,38 0-15,-37 0 16,37 0-16,36 0 16,1 0-1,0 0-15,-38 0 16,1 0-16,0 0 16,0 0-16,-1 0 15,1 0-15,0 0 16,-37 0-16,0 0 15,37 0-15,-38 0 16,1 0-16,37 0 16,0 0-16,0 0 15,36 0-15,1 0 16,-1 0-16,38 0 16,-1 0-16,0 0 15,38 0-15,-1 0 31,74 0 94,36 0-109,38 0-16,-38 0 16,38-37-16,-1 0 15,37 1-15,38 36 16,35 0-16,149 0 16,-1 0-16,37 0 15,-37 0-15,37 0 16,36 0-16,-36 0 15,-37 0-15,74 0 16,-37 0-16,-110 0 16,-38 0-16,-36-37 15,-37 0-15,-110 37 16,-37-37-16,36 0 16,-36 37-16,0-73 15,36 36-15,38-37 16</inkml:trace>
+</inkml:ink>
+</file>
+
+<file path=ppt/ink/ink57.xml><?xml version="1.0" encoding="utf-8"?>
+<inkml:ink xmlns:inkml="http://www.w3.org/2003/InkML">
+  <inkml:definitions>
+    <inkml:context xml:id="ctx0">
+      <inkml:inkSource xml:id="inkSrc0">
+        <inkml:traceFormat>
+          <inkml:channel name="X" type="integer" max="2732" units="cm"/>
+          <inkml:channel name="Y" type="integer" max="768" units="cm"/>
+          <inkml:channel name="T" type="integer" max="2.14748E9" units="dev"/>
+        </inkml:traceFormat>
+        <inkml:channelProperties>
+          <inkml:channelProperty channel="X" name="resolution" value="88.41424" units="1/cm"/>
+          <inkml:channelProperty channel="Y" name="resolution" value="44.13793" units="1/cm"/>
+          <inkml:channelProperty channel="T" name="resolution" value="1" units="1/dev"/>
+        </inkml:channelProperties>
+      </inkml:inkSource>
+      <inkml:timestamp xml:id="ts0" timeString="2025-05-31T22:47:35.424"/>
+    </inkml:context>
+    <inkml:brush xml:id="br0">
+      <inkml:brushProperty name="width" value="0.25" units="cm"/>
+      <inkml:brushProperty name="height" value="0.5" units="cm"/>
+      <inkml:brushProperty name="color" value="#FFFF00"/>
+      <inkml:brushProperty name="tip" value="rectangle"/>
+      <inkml:brushProperty name="rasterOp" value="maskPen"/>
+      <inkml:brushProperty name="fitToCurve" value="1"/>
+    </inkml:brush>
+  </inkml:definitions>
+  <inkml:trace contextRef="#ctx0" brushRef="#br0">773 184 0,'74'0'0,"-1"0"16,38 36-1,-1 1-15,1-37 16,110 37-16,-37-37 16,110 0-16,1 0 15,73 0-15,-37 0 16,0 0-16,37 0 15,-36 0-15,-75 0 16,38 0-16,-148-37 16,37 0-16,-73 1 15,-38 36-15,-36 0 16,37-37-16,-37 37 16,-1 0-16,38-37 15,0 0 1,-38 37-1,1 0 1,0 0 0,-74 0 109,-36 0-110,-38 0-15,1 0 16,-38 0-16,-72 0 16,-38 0-16,37 0 15,-73 0-15,-1-37 16,74 37-16,74 0 15,36 0-15,1 0 16,36 0-16,-36 0 16,36 0-16,1 0 15,-38 0-15,1 0 16,-37 0-16,-1 0 16,-36 0-16,74 0 15,-1 0-15,1 0 16,0 0-16,-1 0 15,38 0-15,-1 0 16,0 0-16,37 0 16,-36 0-16,36 0 15,-37 0 1,38 0-16,-38 0 16,0 0-16,38 0 15,-1 0-15,-37 0 16,0 0-16,1 0 15,-1 0-15,1 0 16,-1 0-16,0 0 16,1 0-16,-38 0 15,75 0-15,-1 0 16,0 0-16,0 0 16,37-36 77</inkml:trace>
+</inkml:ink>
+</file>
+
+<file path=ppt/ink/ink58.xml><?xml version="1.0" encoding="utf-8"?>
+<inkml:ink xmlns:inkml="http://www.w3.org/2003/InkML">
+  <inkml:definitions>
+    <inkml:context xml:id="ctx0">
+      <inkml:inkSource xml:id="inkSrc0">
+        <inkml:traceFormat>
+          <inkml:channel name="X" type="integer" max="2732" units="cm"/>
+          <inkml:channel name="Y" type="integer" max="768" units="cm"/>
+          <inkml:channel name="T" type="integer" max="2.14748E9" units="dev"/>
+        </inkml:traceFormat>
+        <inkml:channelProperties>
+          <inkml:channelProperty channel="X" name="resolution" value="88.41424" units="1/cm"/>
+          <inkml:channelProperty channel="Y" name="resolution" value="44.13793" units="1/cm"/>
+          <inkml:channelProperty channel="T" name="resolution" value="1" units="1/dev"/>
+        </inkml:channelProperties>
+      </inkml:inkSource>
+      <inkml:timestamp xml:id="ts0" timeString="2025-05-31T22:47:37.016"/>
+    </inkml:context>
+    <inkml:brush xml:id="br0">
+      <inkml:brushProperty name="width" value="0.25" units="cm"/>
+      <inkml:brushProperty name="height" value="0.5" units="cm"/>
+      <inkml:brushProperty name="color" value="#FFFF00"/>
+      <inkml:brushProperty name="tip" value="rectangle"/>
+      <inkml:brushProperty name="rasterOp" value="maskPen"/>
+      <inkml:brushProperty name="fitToCurve" value="1"/>
+    </inkml:brush>
+  </inkml:definitions>
+  <inkml:trace contextRef="#ctx0" brushRef="#br0">773 37 0,'37'-36'31,"-1"36"0,1 0-31,37 0 16,-37 0-16,73 36 16,-73-36-16,110 37 15,-73-37-15,-1 0 16,1 0-16,0 0 15,-38 0-15,1 0 16,0 0 0,0 0-1,-74 0 110,-37 0-109,38 0-16,-38 0 16,-73 0-16,0 0 15,-74 37 1,73-37-16,-72 37 15,72 0-15,1-1 16,73 1-16,1-37 16,-38 0-16,75 0 15,-1 0 1</inkml:trace>
+</inkml:ink>
+</file>
+
+<file path=ppt/ink/ink59.xml><?xml version="1.0" encoding="utf-8"?>
+<inkml:ink xmlns:inkml="http://www.w3.org/2003/InkML">
+  <inkml:definitions>
+    <inkml:context xml:id="ctx0">
+      <inkml:inkSource xml:id="inkSrc0">
+        <inkml:traceFormat>
+          <inkml:channel name="X" type="integer" max="2732" units="cm"/>
+          <inkml:channel name="Y" type="integer" max="768" units="cm"/>
+          <inkml:channel name="T" type="integer" max="2.14748E9" units="dev"/>
+        </inkml:traceFormat>
+        <inkml:channelProperties>
+          <inkml:channelProperty channel="X" name="resolution" value="88.41424" units="1/cm"/>
+          <inkml:channelProperty channel="Y" name="resolution" value="44.13793" units="1/cm"/>
+          <inkml:channelProperty channel="T" name="resolution" value="1" units="1/dev"/>
+        </inkml:channelProperties>
+      </inkml:inkSource>
+      <inkml:timestamp xml:id="ts0" timeString="2025-05-31T22:47:42.601"/>
+    </inkml:context>
+    <inkml:brush xml:id="br0">
+      <inkml:brushProperty name="width" value="0.25" units="cm"/>
+      <inkml:brushProperty name="height" value="0.5" units="cm"/>
+      <inkml:brushProperty name="color" value="#FFFF00"/>
+      <inkml:brushProperty name="tip" value="rectangle"/>
+      <inkml:brushProperty name="rasterOp" value="maskPen"/>
+      <inkml:brushProperty name="fitToCurve" value="1"/>
+    </inkml:brush>
+  </inkml:definitions>
+  <inkml:trace contextRef="#ctx0" brushRef="#br0">847 740 0,'36'0'47,"38"37"-47,-37 0 16,73-37 0,-73 0-16,74 0 15,-38 0-15,-36 0 16,0 0-16,36 0 15,1 0-15,37 0 16,-38 0-16,1-37 16,-1 0-16,38 37 15,-38-73-15,1 36 16,-37 37-16,0 0 16,-1 0-1,-72 0 95,-1 0-110,-37 0 15,-36 0-15,-37 37 16,-37-1-16,-1 1 15,-35 0-15,-1 37 16,0-1-16,37 1 16,0-74-16,36 37 15,38 0-15,36-1 16,1 1-16,36 0 16,37 0 30,74-37-30,-1 37 0,74-1-16,1-36 15,220 0-15,-74-36 16,38-1-16,-1-37 16,-147 37-1,-37 1-15,0-1 16,-73 37-16,-111 0 78,0 0-62,-36 0-16,-38 0 15,38 0-15,36 0 16,-73 37-16,-1-1 15,38-36-15,-38 37 16,111 0-16,-37-37 16,37 37-16,37-37 47,37 0-32,36 0-15,-36 0 16,-37 0-16,-1-37 31,-36 0 0,-36 37-15,-75-37-16,38 1 16,36 36-16,-74-37 15,74 37-15,1 0 16,-38 0 15,74-111 0,74 38-15,-1-38-16,38-36 16,-38 37-16,38-1 15,-74 1-15,-1 73 16,-36 0-16,0 0 15,0 0 17,0 1-17,-36-1-15,-1 37 16,-37-37-16,1 37 16,-38 0-16,1 0 15,-1 0-15,-36 0 16,73 0-16,38 0 15,-1 0-15,110 37 79,111 0-64,0-1-15,1 1 16,-112-37-16,-36 0 15,0 0-15,0 0 16,-1 0 0,-72 0 15,-38 0-31,-73 37 16,36 37-16,-36-1 15,37 1-15,36 0 16,-36-38-16,110 38 15,-37-74-15,37 37 32,37 0-17,73 36 1,37-73-16,148 74 16,-111-37-1,-74-37-15,1 0 16,-38 0-16,1 0 15,-37 0 1,-74 0 62,0 0-78,74 0 78,0 0-78,73 0 16,1 0-16,-1 0 16,-36 0-16,-38 0 15,1 0 1,-110 0 46,36 0-62,0 0 16,0 0 0,-73 0-16,73 0 31,37 36 16,0 1-32,0 0 1,37 0-16,0-37 31,-1 0 0,-72 0 1,-38 0-17,-37 0-15,38 37 16,-38 0-16,75-37 16,-1 36-16,0 1 31,37 0 16,37-37-16</inkml:trace>
+</inkml:ink>
+</file>
+
 <file path=ppt/ink/ink6.xml><?xml version="1.0" encoding="utf-8"?>
 <inkml:ink xmlns:inkml="http://www.w3.org/2003/InkML">
   <inkml:definitions>
@@ -297,6 +1870,316 @@
 </inkml:ink>
 </file>
 
+<file path=ppt/ink/ink60.xml><?xml version="1.0" encoding="utf-8"?>
+<inkml:ink xmlns:inkml="http://www.w3.org/2003/InkML">
+  <inkml:definitions>
+    <inkml:context xml:id="ctx0">
+      <inkml:inkSource xml:id="inkSrc0">
+        <inkml:traceFormat>
+          <inkml:channel name="X" type="integer" max="2732" units="cm"/>
+          <inkml:channel name="Y" type="integer" max="768" units="cm"/>
+          <inkml:channel name="T" type="integer" max="2.14748E9" units="dev"/>
+        </inkml:traceFormat>
+        <inkml:channelProperties>
+          <inkml:channelProperty channel="X" name="resolution" value="88.41424" units="1/cm"/>
+          <inkml:channelProperty channel="Y" name="resolution" value="44.13793" units="1/cm"/>
+          <inkml:channelProperty channel="T" name="resolution" value="1" units="1/dev"/>
+        </inkml:channelProperties>
+      </inkml:inkSource>
+      <inkml:timestamp xml:id="ts0" timeString="2025-05-31T22:52:36.586"/>
+    </inkml:context>
+    <inkml:brush xml:id="br0">
+      <inkml:brushProperty name="width" value="0.25" units="cm"/>
+      <inkml:brushProperty name="height" value="0.5" units="cm"/>
+      <inkml:brushProperty name="color" value="#FFFF00"/>
+      <inkml:brushProperty name="tip" value="rectangle"/>
+      <inkml:brushProperty name="rasterOp" value="maskPen"/>
+      <inkml:brushProperty name="fitToCurve" value="1"/>
+    </inkml:brush>
+  </inkml:definitions>
+  <inkml:trace contextRef="#ctx0" brushRef="#br0">0 0 0,'37'0'47,"-1"0"-31,1 0 0,37 0-1,-37 0-15,-1 0 16,38 0-16,36 0 15,1 0-15,36 0 16,37 0-16,74 0 16,-37 0-16,73 0 15,74 0-15,-73 0 16,36 0 0,37 0-16,-147 37 15,0-37-15,-37 0 16,37 0-16,-37 0 15,-37 0-15,0 0 16,38 0-16,-38 0 16,-37 0-16,1 0 15,-1 0-15,1 0 16,-38 36-16,1 1 16,-1-37-16,38 37 15,-1-37-15,74 37 16,-110-37-16,36 0 15,1 0-15,-38 0 16,1 0-16,0 0 16,-1 0-16,1 0 15,-37 0-15,36 0 16,1 0-16,0 0 16,36 0-16,37 0 15,1 0-15,-75 0 16,38 0-16,-1 0 15,0 0-15,1 0 16,-1 0-16,1 0 16,36 0-16,37 0 15,0 0 1,37 0-16,-74 0 16,1 0-16,72-37 15,-146 37-15,36-37 16,-73 37-16,0 0 15,37 0-15,-38 0 32</inkml:trace>
+</inkml:ink>
+</file>
+
+<file path=ppt/ink/ink61.xml><?xml version="1.0" encoding="utf-8"?>
+<inkml:ink xmlns:inkml="http://www.w3.org/2003/InkML">
+  <inkml:definitions>
+    <inkml:context xml:id="ctx0">
+      <inkml:inkSource xml:id="inkSrc0">
+        <inkml:traceFormat>
+          <inkml:channel name="X" type="integer" max="2732" units="cm"/>
+          <inkml:channel name="Y" type="integer" max="768" units="cm"/>
+          <inkml:channel name="T" type="integer" max="2.14748E9" units="dev"/>
+        </inkml:traceFormat>
+        <inkml:channelProperties>
+          <inkml:channelProperty channel="X" name="resolution" value="88.41424" units="1/cm"/>
+          <inkml:channelProperty channel="Y" name="resolution" value="44.13793" units="1/cm"/>
+          <inkml:channelProperty channel="T" name="resolution" value="1" units="1/dev"/>
+        </inkml:channelProperties>
+      </inkml:inkSource>
+      <inkml:timestamp xml:id="ts0" timeString="2025-05-31T22:52:37.683"/>
+    </inkml:context>
+    <inkml:brush xml:id="br0">
+      <inkml:brushProperty name="width" value="0.25" units="cm"/>
+      <inkml:brushProperty name="height" value="0.5" units="cm"/>
+      <inkml:brushProperty name="color" value="#FFFF00"/>
+      <inkml:brushProperty name="tip" value="rectangle"/>
+      <inkml:brushProperty name="rasterOp" value="maskPen"/>
+      <inkml:brushProperty name="fitToCurve" value="1"/>
+    </inkml:brush>
+  </inkml:definitions>
+  <inkml:trace contextRef="#ctx0" brushRef="#br0">0 221 0,'37'0'46,"-1"0"-30,38 0-16,-37 0 16,0 0-16,36 0 15,74 0-15,1 0 16,109 0-16,-109 0 16,183-37-16,-110 37 15,147 0-15,74 0 16,36 0-16,38 0 15,36 0-15,-74 0 16,-36 0-16,-147 0 16,-38 0-16,-110 0 15,-36 0-15,-1 0 16,-36 0-16,0 0 16,-38 0-16,38 0 15,-37 0-15,0 0 16,36 0-16,-36 0 15,0 0 1,0 0 0,0 0-1,-1 0-15,1 0 16,0 0 0,0 0-1,0 0 1,-1 0-16,1 0 15,37 0-15,-37 0 16,-1 0-16,38 0 16,-37 0-16,73 0 15,-73 0-15,0 0 16,0 0-16,0 0 16,-1 0-1,1 0 1,0 0-1,0-37 17,-37 0-32,-74-73 15</inkml:trace>
+</inkml:ink>
+</file>
+
+<file path=ppt/ink/ink62.xml><?xml version="1.0" encoding="utf-8"?>
+<inkml:ink xmlns:inkml="http://www.w3.org/2003/InkML">
+  <inkml:definitions>
+    <inkml:context xml:id="ctx0">
+      <inkml:inkSource xml:id="inkSrc0">
+        <inkml:traceFormat>
+          <inkml:channel name="X" type="integer" max="2732" units="cm"/>
+          <inkml:channel name="Y" type="integer" max="768" units="cm"/>
+          <inkml:channel name="T" type="integer" max="2.14748E9" units="dev"/>
+        </inkml:traceFormat>
+        <inkml:channelProperties>
+          <inkml:channelProperty channel="X" name="resolution" value="88.41424" units="1/cm"/>
+          <inkml:channelProperty channel="Y" name="resolution" value="44.13793" units="1/cm"/>
+          <inkml:channelProperty channel="T" name="resolution" value="1" units="1/dev"/>
+        </inkml:channelProperties>
+      </inkml:inkSource>
+      <inkml:timestamp xml:id="ts0" timeString="2025-05-31T22:52:39.058"/>
+    </inkml:context>
+    <inkml:brush xml:id="br0">
+      <inkml:brushProperty name="width" value="0.25" units="cm"/>
+      <inkml:brushProperty name="height" value="0.5" units="cm"/>
+      <inkml:brushProperty name="color" value="#FFFF00"/>
+      <inkml:brushProperty name="tip" value="rectangle"/>
+      <inkml:brushProperty name="rasterOp" value="maskPen"/>
+      <inkml:brushProperty name="fitToCurve" value="1"/>
+    </inkml:brush>
+  </inkml:definitions>
+  <inkml:trace contextRef="#ctx0" brushRef="#br0">0 16 0,'110'0'63,"-36"0"-63,73 37 16,-73-37-16,36 0 15,37 0-15,-36 0 16,-1 0-16,1 0 15,-1 0-15,1 0 16,-38 0-16,1 0 16,36 0-16,-73 0 15,110 0-15,-110 0 16,37-37-16,-38 37 16,1 0-16,37 0 15,-37 0-15,36 0 16,-36 0-16,0 0 15,0 0-15,0 37 47</inkml:trace>
+</inkml:ink>
+</file>
+
+<file path=ppt/ink/ink63.xml><?xml version="1.0" encoding="utf-8"?>
+<inkml:ink xmlns:inkml="http://www.w3.org/2003/InkML">
+  <inkml:definitions>
+    <inkml:context xml:id="ctx0">
+      <inkml:inkSource xml:id="inkSrc0">
+        <inkml:traceFormat>
+          <inkml:channel name="X" type="integer" max="2732" units="cm"/>
+          <inkml:channel name="Y" type="integer" max="768" units="cm"/>
+          <inkml:channel name="T" type="integer" max="2.14748E9" units="dev"/>
+        </inkml:traceFormat>
+        <inkml:channelProperties>
+          <inkml:channelProperty channel="X" name="resolution" value="88.41424" units="1/cm"/>
+          <inkml:channelProperty channel="Y" name="resolution" value="44.13793" units="1/cm"/>
+          <inkml:channelProperty channel="T" name="resolution" value="1" units="1/dev"/>
+        </inkml:channelProperties>
+      </inkml:inkSource>
+      <inkml:timestamp xml:id="ts0" timeString="2025-05-31T22:52:47.907"/>
+    </inkml:context>
+    <inkml:brush xml:id="br0">
+      <inkml:brushProperty name="width" value="0.25" units="cm"/>
+      <inkml:brushProperty name="height" value="0.5" units="cm"/>
+      <inkml:brushProperty name="color" value="#FFFF00"/>
+      <inkml:brushProperty name="tip" value="rectangle"/>
+      <inkml:brushProperty name="rasterOp" value="maskPen"/>
+      <inkml:brushProperty name="fitToCurve" value="1"/>
+    </inkml:brush>
+  </inkml:definitions>
+  <inkml:trace contextRef="#ctx0" brushRef="#br0">14 852 0,'37'0'0,"0"0"31,-1 0 47,1 36-62,0-36-1,0 37 1,0-37 0,0 0-1,-1 0 1,1 0 78,0 0-79,-37-37 157,-37 1-156,-36-1-16,73-74 15,-74 1-15,37-1 16,37 1-16,-37 36 16,37 38-16,0-38 15,-37 0-15,37 111 188,0 37-188,0-1 15,0 1-15,0 0 16,0-1-16,0 1 16,0-37-16,0-1 15,0 1-15,0 0 16,0 0-1,0-74 110,0 0-109,0-36 0,0 109 62,0 75-63,0-74-15,0 0 16,0-1-16,0 38 16,0-37-1,0 0 1,37-37 78,0-74-63,-37 37 0,37 0-31,-37 74 78,0 37-62,0 36-16,0 1 16,0-1-16,0 0 15,0 38-15,0-111 16,0 36-16,0-36 15,0-74 64,0-73-64,0-38-15,0-72 16,0 36-16,0-37 15,0 37 1,0 0-16,-37 0 16,0 110-16,37 37 15,-37-37-15,1 38 16,36 72 78,36 38-79,-36 0-15,0 36 16,0 1-16,0-1 16,0 37-16,0 37 15,-36-73-15,36-1 16,0-36-16,-37 36 15,37-73-15,-37 37 16,37-111 62,0-74-62,0-36-16,0 0 15,0-37-15,0-37 16,0 74-16,0 0 16,0-1-16,37 75 15,-37 36 1,37 37 31,36 73-32,-73 1-15,37 37 16,0-1-16,-37 0 16,0 1-16,0-1 15,0 1-15,0-38 16,0 1-16,0-37 16,0 0-16,0 36 15,37-73 48,0 0-32,-1-37-15,1 1-16,-37-75 15,37 1-15,-37 73 16,0-37-16,0 1 15,-37 73-15,0-37 16,37 74 109,0 36-125,0 38 16,0 36-16,-36-37 15,-1 38-15,37-112 16,0 1-16,0 0 16,0 0-16,0-111 93,0 37-77,0 1 15</inkml:trace>
+</inkml:ink>
+</file>
+
+<file path=ppt/ink/ink64.xml><?xml version="1.0" encoding="utf-8"?>
+<inkml:ink xmlns:inkml="http://www.w3.org/2003/InkML">
+  <inkml:definitions>
+    <inkml:context xml:id="ctx0">
+      <inkml:inkSource xml:id="inkSrc0">
+        <inkml:traceFormat>
+          <inkml:channel name="X" type="integer" max="2732" units="cm"/>
+          <inkml:channel name="Y" type="integer" max="768" units="cm"/>
+          <inkml:channel name="T" type="integer" max="2.14748E9" units="dev"/>
+        </inkml:traceFormat>
+        <inkml:channelProperties>
+          <inkml:channelProperty channel="X" name="resolution" value="88.41424" units="1/cm"/>
+          <inkml:channelProperty channel="Y" name="resolution" value="44.13793" units="1/cm"/>
+          <inkml:channelProperty channel="T" name="resolution" value="1" units="1/dev"/>
+        </inkml:channelProperties>
+      </inkml:inkSource>
+      <inkml:timestamp xml:id="ts0" timeString="2025-05-31T22:55:55.316"/>
+    </inkml:context>
+    <inkml:brush xml:id="br0">
+      <inkml:brushProperty name="width" value="0.2" units="cm"/>
+      <inkml:brushProperty name="height" value="0.4" units="cm"/>
+      <inkml:brushProperty name="color" value="#FFFF00"/>
+      <inkml:brushProperty name="tip" value="rectangle"/>
+      <inkml:brushProperty name="rasterOp" value="maskPen"/>
+      <inkml:brushProperty name="fitToCurve" value="1"/>
+    </inkml:brush>
+  </inkml:definitions>
+  <inkml:trace contextRef="#ctx0" brushRef="#br0">37 16 0,'37'0'63,"36"0"-48,1 0 1,0 0-16,36 0 16,-36 0-16,-1 0 15,38 0-15,-38 0 16,1 0-16,0 0 15,-1 0-15,1 0 16,-37 0-16,-1 0 16,38 0-16,-37 0 15,0 0 1,36 0 0,-36 36 62,-111 1 31,38-37-93,-75 37-16,38-37 15,-1 37-15,-36 0 16,36-37-16,0 37 16,1 36-16,-1-36 15,-36 37-15,36-38 16,-36 38-16,36-37 15,0 36-15,38-73 16,-1 37-16,37 0 16,-37-37-16,37 37 15,-37 0 17,74-37 124,0 0-156,0 0 15,-1 0-15,75 0 16,-38-37-16,1 37 16,73-37-16,0 37 15,38-37-15,-75 0 16,37 1-16,-36-1 16,-1 37-16,-36 0 15,73-37-15,-110 37 16,73-37-16,-36 0 15,-1 37 1,75 0-16,36 0 0,0 0 16,-37 0-1,0 0-15,1 0 16,-1 0-16,37 0 16,-37 0-16,-36 0 15,73 0-15,-37 37 16,74 0-16,-37 0 15,37 0-15,-74-37 16,74 0-16,-37 0 16,-37 0-16,0 0 15,-36 0-15,-38 0 16,38 0-16,-74 0 16,-1 0-16,1 0 15,0 0 1,0 0-1,0 36 17,-74 1-1</inkml:trace>
+</inkml:ink>
+</file>
+
+<file path=ppt/ink/ink65.xml><?xml version="1.0" encoding="utf-8"?>
+<inkml:ink xmlns:inkml="http://www.w3.org/2003/InkML">
+  <inkml:definitions>
+    <inkml:context xml:id="ctx0">
+      <inkml:inkSource xml:id="inkSrc0">
+        <inkml:traceFormat>
+          <inkml:channel name="X" type="integer" max="2732" units="cm"/>
+          <inkml:channel name="Y" type="integer" max="768" units="cm"/>
+          <inkml:channel name="T" type="integer" max="2.14748E9" units="dev"/>
+        </inkml:traceFormat>
+        <inkml:channelProperties>
+          <inkml:channelProperty channel="X" name="resolution" value="88.41424" units="1/cm"/>
+          <inkml:channelProperty channel="Y" name="resolution" value="44.13793" units="1/cm"/>
+          <inkml:channelProperty channel="T" name="resolution" value="1" units="1/dev"/>
+        </inkml:channelProperties>
+      </inkml:inkSource>
+      <inkml:timestamp xml:id="ts0" timeString="2025-05-31T22:55:56.276"/>
+    </inkml:context>
+    <inkml:brush xml:id="br0">
+      <inkml:brushProperty name="width" value="0.2" units="cm"/>
+      <inkml:brushProperty name="height" value="0.4" units="cm"/>
+      <inkml:brushProperty name="color" value="#FFFF00"/>
+      <inkml:brushProperty name="tip" value="rectangle"/>
+      <inkml:brushProperty name="rasterOp" value="maskPen"/>
+      <inkml:brushProperty name="fitToCurve" value="1"/>
+    </inkml:brush>
+  </inkml:definitions>
+  <inkml:trace contextRef="#ctx0" brushRef="#br0">0 37 0,'0'-37'32,"37"37"-17,37 0-15,-1 0 16,38 0-16,36 0 15,74 0-15,0 0 16,36 37 0,1 0-16,-37-1 15,-37 1-15,37 0 16,-74 0-16,37 0 16,-110-37-16,-1 0 15,1 0-15,-37 0 16,36 0-16,-36 0 15,0 0-15,0 0 16,0 0 0,-111 0 77,0 0-77,-110-37-16</inkml:trace>
+</inkml:ink>
+</file>
+
+<file path=ppt/ink/ink66.xml><?xml version="1.0" encoding="utf-8"?>
+<inkml:ink xmlns:inkml="http://www.w3.org/2003/InkML">
+  <inkml:definitions>
+    <inkml:context xml:id="ctx0">
+      <inkml:inkSource xml:id="inkSrc0">
+        <inkml:traceFormat>
+          <inkml:channel name="X" type="integer" max="2732" units="cm"/>
+          <inkml:channel name="Y" type="integer" max="768" units="cm"/>
+          <inkml:channel name="T" type="integer" max="2.14748E9" units="dev"/>
+        </inkml:traceFormat>
+        <inkml:channelProperties>
+          <inkml:channelProperty channel="X" name="resolution" value="88.41424" units="1/cm"/>
+          <inkml:channelProperty channel="Y" name="resolution" value="44.13793" units="1/cm"/>
+          <inkml:channelProperty channel="T" name="resolution" value="1" units="1/dev"/>
+        </inkml:channelProperties>
+      </inkml:inkSource>
+      <inkml:timestamp xml:id="ts0" timeString="2025-05-31T22:55:59.307"/>
+    </inkml:context>
+    <inkml:brush xml:id="br0">
+      <inkml:brushProperty name="width" value="0.2" units="cm"/>
+      <inkml:brushProperty name="height" value="0.4" units="cm"/>
+      <inkml:brushProperty name="color" value="#FFFF00"/>
+      <inkml:brushProperty name="tip" value="rectangle"/>
+      <inkml:brushProperty name="rasterOp" value="maskPen"/>
+      <inkml:brushProperty name="fitToCurve" value="1"/>
+    </inkml:brush>
+  </inkml:definitions>
+  <inkml:trace contextRef="#ctx0" brushRef="#br0">258 667 0,'36'0'0,"1"0"16,37 0-1,-1 37 1,1-1-1,36-36 1,38 37-16,109 0 16,1 0-16,-111-37 15,1 0-15,-75 0 16,1 0-16,-185 0 94,1 0-94,-111 37 15,37-1-15,0 1 16,73 0-16,1-37 16,36 37-16,1 0 15,-1 0-15,37-37 16,-36 36-1,36 1 17,37 0-17,0 0 1,0 0 0,0-1-16,37 38 15,-37-37 16,-37-37 48,0-37-64,0 0 1,1 37-16,-1-37 15,37-73 1,-37 0-16,37 36 16,0-73-16,37-37 15,0 73-15,36 1 16,-36 36-16,37-36 16,-1 36-16,1 37 15,-37-36-15,-1 36 16,38 0-16,-37 0 15,36 37-15,-36 0 16,0 0 0,0 0-1,0 0 1,36 0-16,-36 0 16,0 37-1,-37 0-15,74-37 16,-38 37-16,1-1 15,0-36-15,-37 37 16,37-37-16,0 0 16,-37 37 62,-37-37-78,-74 37 15,1 0-15,-74 36 16,73-36-16,-36 37 16,37-1-16,36-36 15,1 0-15,36 0 16,0 0-16,37-1 16,0 1-1,0 0 16,0 0-15,74 36-16,73-73 16,37 37-16,184 37 15,0 36-15,0-73 16,-73-37-16,-38 0 16,-109 0-16,-38-37 15,-110-36 1,-37 36-1,-36 0 1,-1 37-16,-73 0 16,36 0-16,-36 0 15,0 0-15,-37 0 16,-74 0-16,74 0 16,37 37-16,73-37 15,-36 37-15,73-37 16,-37 37-1,148-37 48,36 0-63,74 0 16,111 36-16,-185-36 15,1 0-15,-74 0 16,-1 0-1,-109 0 32,-38 0-47,-73 37 16,74 0-16,-1 0 16,38 0-16,-1-37 15,74 36-15,37-36 94,0 0-63,-37-36 0,0-1-31,-74 37 16,37-37-16,1 0 16,-38 0-1,37 1-15,0 36 0,0-37 141,1 37-125,-38 0-1,37 0-15,-36 0 16,-38-37-16,74 37 15,-36 0-15,36 0 16,-37-37 0,38 37-1,-38-37 1,37 37 0,-37 0-1,38 0 1,-1 0-1,37-37 64,37-36-64,-1-1 1,38 37-16,37-73 15,-38 73-15,1-36 16,-1 36-16,38-37 16,-74 74-16,-1-37 15,38 0-15,-37 37 32,0 0-32,-1 0 15</inkml:trace>
+</inkml:ink>
+</file>
+
+<file path=ppt/ink/ink67.xml><?xml version="1.0" encoding="utf-8"?>
+<inkml:ink xmlns:inkml="http://www.w3.org/2003/InkML">
+  <inkml:definitions>
+    <inkml:context xml:id="ctx0">
+      <inkml:inkSource xml:id="inkSrc0">
+        <inkml:traceFormat>
+          <inkml:channel name="X" type="integer" max="2732" units="cm"/>
+          <inkml:channel name="Y" type="integer" max="768" units="cm"/>
+          <inkml:channel name="T" type="integer" max="2.14748E9" units="dev"/>
+        </inkml:traceFormat>
+        <inkml:channelProperties>
+          <inkml:channelProperty channel="X" name="resolution" value="88.41424" units="1/cm"/>
+          <inkml:channelProperty channel="Y" name="resolution" value="44.13793" units="1/cm"/>
+          <inkml:channelProperty channel="T" name="resolution" value="1" units="1/dev"/>
+        </inkml:channelProperties>
+      </inkml:inkSource>
+      <inkml:timestamp xml:id="ts0" timeString="2025-05-31T22:56:01.076"/>
+    </inkml:context>
+    <inkml:brush xml:id="br0">
+      <inkml:brushProperty name="width" value="0.2" units="cm"/>
+      <inkml:brushProperty name="height" value="0.4" units="cm"/>
+      <inkml:brushProperty name="color" value="#FFFF00"/>
+      <inkml:brushProperty name="tip" value="rectangle"/>
+      <inkml:brushProperty name="rasterOp" value="maskPen"/>
+      <inkml:brushProperty name="fitToCurve" value="1"/>
+    </inkml:brush>
+  </inkml:definitions>
+  <inkml:trace contextRef="#ctx0" brushRef="#br0">552 338 0,'37'0'31,"0"0"-15,36 0-16,38 0 15,36 0-15,74 0 16,0 0-16,0-37 16,-74 0-16,0 0 15,-37 37-15,-73 0 16,37-36-16,-37 36 15,-1 0-15,1 0 16,0 0 0,0-37-1,0 37 48,-74 0 109,0 0-157,-37-37-15,1 0 16,-38 37-16,1-37 16,73 37-16,-73-37 15,73 37-15,-73 0 16,73 0-16,0 0 15,0 0-15,-37 0 16,1 0-16,36 0 16,-37 0-16,1 0 15,-38 0-15,1 0 16,36 0-16,-36 0 16,73 0-1,0 0-15,-73 37 16,73-37-1,-37 0-15,38 0 16,-38 0-16,37 0 16,-37-37-16,38 37 15,-1 0 1,0 0 46,0 0 48,0 0-79,1 0 0,-1 0 1</inkml:trace>
+</inkml:ink>
+</file>
+
+<file path=ppt/ink/ink68.xml><?xml version="1.0" encoding="utf-8"?>
+<inkml:ink xmlns:inkml="http://www.w3.org/2003/InkML">
+  <inkml:definitions>
+    <inkml:context xml:id="ctx0">
+      <inkml:inkSource xml:id="inkSrc0">
+        <inkml:traceFormat>
+          <inkml:channel name="X" type="integer" max="2732" units="cm"/>
+          <inkml:channel name="Y" type="integer" max="768" units="cm"/>
+          <inkml:channel name="T" type="integer" max="2.14748E9" units="dev"/>
+        </inkml:traceFormat>
+        <inkml:channelProperties>
+          <inkml:channelProperty channel="X" name="resolution" value="88.41424" units="1/cm"/>
+          <inkml:channelProperty channel="Y" name="resolution" value="44.13793" units="1/cm"/>
+          <inkml:channelProperty channel="T" name="resolution" value="1" units="1/dev"/>
+        </inkml:channelProperties>
+      </inkml:inkSource>
+      <inkml:timestamp xml:id="ts0" timeString="2025-05-31T23:07:39.226"/>
+    </inkml:context>
+    <inkml:brush xml:id="br0">
+      <inkml:brushProperty name="width" value="0.2" units="cm"/>
+      <inkml:brushProperty name="height" value="0.4" units="cm"/>
+      <inkml:brushProperty name="color" value="#FFFF00"/>
+      <inkml:brushProperty name="tip" value="rectangle"/>
+      <inkml:brushProperty name="rasterOp" value="maskPen"/>
+      <inkml:brushProperty name="fitToCurve" value="1"/>
+    </inkml:brush>
+  </inkml:definitions>
+  <inkml:trace contextRef="#ctx0" brushRef="#br0">0 664 0,'37'0'31,"0"0"-15,0 0-16,73 0 15,37-37-15,-36 0 16,-1 0-16,-36-36 15,36 36-15,38 0 16,-38 0-16,0-36 16,1 36-16,-38 0 15,38 0-15,-1 0 16,-36 37-16,36 0 16,-36-36-16,-37 36 15,0 0-15,73-37 16,-73 37-16,37-37 15,-38 37-15,38-37 16,-111 37 187</inkml:trace>
+</inkml:ink>
+</file>
+
+<file path=ppt/ink/ink69.xml><?xml version="1.0" encoding="utf-8"?>
+<inkml:ink xmlns:inkml="http://www.w3.org/2003/InkML">
+  <inkml:definitions>
+    <inkml:context xml:id="ctx0">
+      <inkml:inkSource xml:id="inkSrc0">
+        <inkml:traceFormat>
+          <inkml:channel name="X" type="integer" max="2732" units="cm"/>
+          <inkml:channel name="Y" type="integer" max="768" units="cm"/>
+          <inkml:channel name="T" type="integer" max="2.14748E9" units="dev"/>
+        </inkml:traceFormat>
+        <inkml:channelProperties>
+          <inkml:channelProperty channel="X" name="resolution" value="88.41424" units="1/cm"/>
+          <inkml:channelProperty channel="Y" name="resolution" value="44.13793" units="1/cm"/>
+          <inkml:channelProperty channel="T" name="resolution" value="1" units="1/dev"/>
+        </inkml:channelProperties>
+      </inkml:inkSource>
+      <inkml:timestamp xml:id="ts0" timeString="2025-05-31T23:07:40.706"/>
+    </inkml:context>
+    <inkml:brush xml:id="br0">
+      <inkml:brushProperty name="width" value="0.2" units="cm"/>
+      <inkml:brushProperty name="height" value="0.4" units="cm"/>
+      <inkml:brushProperty name="color" value="#FFFF00"/>
+      <inkml:brushProperty name="tip" value="rectangle"/>
+      <inkml:brushProperty name="rasterOp" value="maskPen"/>
+      <inkml:brushProperty name="fitToCurve" value="1"/>
+    </inkml:brush>
+  </inkml:definitions>
+  <inkml:trace contextRef="#ctx0" brushRef="#br0">0 0 0,'37'0'0,"37"37"15,36 36 1,-36-36-16,36 37 15,-36-1-15,0-36 16,-1 37-16,1-37 16,-37-37-16,0 36 15,36 1-15,-36-37 16,0 37-16,0 0 16,-37 0-1,36-37-15,1 37 16,0-1-1,0 38 17,-74-74 155,0-37-171,-36 0-16,-1-36 15,0 36-15,1-37 16,-38 37-16,38-36 16,36 36-16,-37-37 15,37 1-15,-36 36 16,36-37-16,0 74 16,37-36-16,-37 36 15</inkml:trace>
+</inkml:ink>
+</file>
+
 <file path=ppt/ink/ink7.xml><?xml version="1.0" encoding="utf-8"?>
 <inkml:ink xmlns:inkml="http://www.w3.org/2003/InkML">
   <inkml:definitions>
@@ -323,6 +2206,310 @@
     </inkml:brush>
   </inkml:definitions>
   <inkml:trace contextRef="#ctx0" brushRef="#br0">0 598,'1'66,"13"103,-10-143,1 0,1-1,2 0,0-1,2 1,24 44,-25-56,1 1,0-2,1 0,1 0,0-1,0 0,1-1,0 0,27 14,11 1,81 29,-81-35,105 40,2-7,3-8,211 32,-182-52,2-8,0-9,216-19,-353 7,0-2,0-3,-1-2,0-3,-1-1,-1-4,92-47,-64 21,-3-5,-2-2,-2-4,-3-3,105-117,-92 80,-4-5,-5-2,91-174,-150 249,-1-1,-2 0,13-46,-20 57,-1 0,-1 0,-1-1,-1 1,0-1,-5-35,4 54,0-1,0 1,0-1,0 0,0 1,-1-1,1 1,-1-1,0 0,1 1,-1-1,0 1,0 0,0-1,0 1,0 0,0-1,0 1,0 0,-2-1,1 1,1 1,-1 0,0 0,1 0,-1 0,0 0,1 0,-1 0,0 0,1 1,-1-1,0 1,1-1,-1 1,1 0,-1-1,1 1,-1 0,1 0,-2 2,-58 33,-107 48,-155 72,5-1,-534 188,815-329,-174 68,155-57,-85 51,122-64,0 2,1 0,0 1,1 0,1 2,1 0,0 0,1 2,1 0,1 0,0 1,-15 39,0 4,9-25,2 0,2 2,1-1,-10 63,12 53,10-82</inkml:trace>
+</inkml:ink>
+</file>
+
+<file path=ppt/ink/ink70.xml><?xml version="1.0" encoding="utf-8"?>
+<inkml:ink xmlns:inkml="http://www.w3.org/2003/InkML">
+  <inkml:definitions>
+    <inkml:context xml:id="ctx0">
+      <inkml:inkSource xml:id="inkSrc0">
+        <inkml:traceFormat>
+          <inkml:channel name="X" type="integer" max="2732" units="cm"/>
+          <inkml:channel name="Y" type="integer" max="768" units="cm"/>
+          <inkml:channel name="T" type="integer" max="2.14748E9" units="dev"/>
+        </inkml:traceFormat>
+        <inkml:channelProperties>
+          <inkml:channelProperty channel="X" name="resolution" value="88.41424" units="1/cm"/>
+          <inkml:channelProperty channel="Y" name="resolution" value="44.13793" units="1/cm"/>
+          <inkml:channelProperty channel="T" name="resolution" value="1" units="1/dev"/>
+        </inkml:channelProperties>
+      </inkml:inkSource>
+      <inkml:timestamp xml:id="ts0" timeString="2025-05-31T23:08:00.466"/>
+    </inkml:context>
+    <inkml:brush xml:id="br0">
+      <inkml:brushProperty name="width" value="0.05" units="cm"/>
+      <inkml:brushProperty name="height" value="0.05" units="cm"/>
+      <inkml:brushProperty name="fitToCurve" value="1"/>
+    </inkml:brush>
+  </inkml:definitions>
+  <inkml:trace contextRef="#ctx0" brushRef="#br0">4319 811 0,'-37'0'16,"0"37"-16,0-37 16,1 37-16,-1-37 15,-37 73-15,37-36 16,1 37-16,-38-1 15,37 1-15,-36 0 16,36 36-16,-37-73 16,37 36-16,37 1 15,-37-37-15,37 0 16,0 36-16,0-36 16,0 37-16,0-37 15,0 36-15,0 38 16,0-38-16,37 1 15,-37-37-15,37 36 16,0-36-16,-37 0 16,37 36-16,0-73 15,36 74-15,-36-37 16,0-37-16,73 37 16,-36 0-16,-1-37 15,1 36 1,0-36-16,36 0 15,1 0-15,-38 0 16,1-73-16,-1 36 16,38-37-16,-74 1 15,36-38-15,-73 1 16,37-74-16,0 37 16,-37 36-16,0-36 15,0 0-15,0-74 16,-37 73-16,37 75 15,0-74-15,-37 36 16,0 1-16,1 36 16,-1 37-16,0-36 15,0 36-15,0 0 16,1-37-16,-1 38 16,37-1-1,-37 0-15,0 37 16,-36-74-16,36 74 15,0-36-15,0-1 16,0 37-16,0-37 16,1 0-1,-38 37 1,37 0 0,-36 0-1,36 0-15,0 0 16,-37 0-16,-36 37 15,36 0-15,-36 36 16,36 1-16,-36 36 16,36-73-16,1 37 15,-1-1-15,37 1 16,-36 0-16,73-1 16,-37 1-16,0-37 15,37 36-15,0-36 16,0 37-1,0-1 1,0-36-16,0 37 16,0-37-1,0 36 1,0-36-16,0 0 16,0 37-16,0-1 15,0 1 1,0-37-1,37 36-15,-37-36 16,37 37-16,-1 36 16,1-36-16,0-1 15,37 1-15,-38 0 16,38 36-16,-37-36 16,0-38-16,36 38 15,1-37-15,0-37 16,-1 37-16,38 0 15,-38-1-15,-36-36 16,73 0-16,1 0 16,36 0-16,-36 0 15,36-73-15,-37-1 16,1 0-16,-1-36 16,-36 36-16,-1 1 15,38-38-15,-74 1 16,36 0-16,1-1 15,-37 1-15,36-1 16,-73 38-16,37-38 16,0 38-16,-37-1 15,0 0-15,0 1 16,0-75-16,-37 75 16,37-1-16,-37-36 15,0 36 1,1 0-16,36 38 15,-37-38-15,0 37 16,0-36-16,0 36 16,-36 0-1,73 0-15,-37 0 16,-37 1-16,38 36 16,-1-37-16,-37 0 15,37 37-15,-36-37 16,36 37-1,-37 0-15,1 0 16,-1 0-16,-36 0 16,73 0-16,-74 0 15,38 37-15,-1-37 16,-36 37-16,73-37 16,-37 37-16,37-37 15,1 0-15,-1 0 16,-37 36-1,37 1 17,1-37 30</inkml:trace>
+  <inkml:trace contextRef="#ctx0" brushRef="#br0" timeOffset="1280">86 921 0,'0'37'16,"-37"0"-16,0-37 15,37 37-15,0 0 16,0 36 0,0-36-1,0 0-15,0 37 16,0-1-16,37-36 15,0 0-15,-1 73 16,38-36-16,-37-1 16,36 1-16,-36 73 15,37-73 1,-1-37-16,1 36 16,0-36-16,-1 0 15,-36 0-15,0-37 16,0 0-16,36 0 15,1 0-15,0-37 16,-38 0-16,38-36 16,-74-1-16,37 0 15,0 1-15,0-1 16,-37-36-16,0 73 16,0-37-16,0-36 15,0 36-15,-37 1 16,0-38-16,37 37 15,-37 1-15,0 36 16,0-37-16,37 38 16,-36-1-16,-1 0 15,0 0 1,37 0-16,-37 1 16,0-38-1,1 37-15,-38 0 16,37 0-1</inkml:trace>
+</inkml:ink>
+</file>
+
+<file path=ppt/ink/ink71.xml><?xml version="1.0" encoding="utf-8"?>
+<inkml:ink xmlns:inkml="http://www.w3.org/2003/InkML">
+  <inkml:definitions>
+    <inkml:context xml:id="ctx0">
+      <inkml:inkSource xml:id="inkSrc0">
+        <inkml:traceFormat>
+          <inkml:channel name="X" type="integer" max="2732" units="cm"/>
+          <inkml:channel name="Y" type="integer" max="768" units="cm"/>
+          <inkml:channel name="T" type="integer" max="2.14748E9" units="dev"/>
+        </inkml:traceFormat>
+        <inkml:channelProperties>
+          <inkml:channelProperty channel="X" name="resolution" value="88.41424" units="1/cm"/>
+          <inkml:channelProperty channel="Y" name="resolution" value="44.13793" units="1/cm"/>
+          <inkml:channelProperty channel="T" name="resolution" value="1" units="1/dev"/>
+        </inkml:channelProperties>
+      </inkml:inkSource>
+      <inkml:timestamp xml:id="ts0" timeString="2025-05-31T23:07:54.563"/>
+    </inkml:context>
+    <inkml:brush xml:id="br0">
+      <inkml:brushProperty name="width" value="0.05" units="cm"/>
+      <inkml:brushProperty name="height" value="0.05" units="cm"/>
+      <inkml:brushProperty name="fitToCurve" value="1"/>
+    </inkml:brush>
+  </inkml:definitions>
+  <inkml:trace contextRef="#ctx0" brushRef="#br0">4163 11207 0,'0'111'15,"-37"-38"-15,1 1 16,-1-1-16,37-36 16,0 74-16,0-1 15,0-36-15,0 36 16,0 1-16,0-1 16,0 37-16,37-36 15,36-1 1,1 74-16,-37-73 15,73 73-15,1-74 16,-38-36-16,1 36 16,-1-73-16,38 37 15,-38-38-15,-36-36 16,37 37-16,0-37 16,-1 0-16,38 0 15,-38-37-15,1-36 16,-37-1-16,36 1 15,-73-1-15,37-36 16,0 36-16,0 0 16,-37 37-16,0-36 15,0-38-15,0-36 16,0 110-16,-37-110 16,0 37-16,0-1 15,37 1-15,-73-37 16,-1 36-16,37 38 15,-36-1-15,-1-73 16,0 73-16,1 0 16,-1-36-16,-36 73 15,36-36 1,-36-75-16,-74 1 16,-1 0-16,38 73 15,37-36-15,-1-1 16,1 74-16,73 1 15,0 36-15,-36-37 16,36 37 31,0 0-31,37 37-1,0 36-15,0 38 16,0-1-16,0 1 15,0-1-15,0 0 16,0 1-16,0-1 16,0 38-16,0-1 15,0 0-15,0 37 16,37-73-16,0 73 16,0-37-16,-1-37 15,1 38-15,0-38 16,0-36-16,0-1 15,-37-36 1,73 37-16,-73-38 16,37 38-16,0-74 15,36 37-15,-36 0 16,0-37-16,37 0 16,-1 0-16,-36 0 15,74 0-15,-75 0 16,38-37-16,-37 0 15,0 37-15,36 0 16,38-37-16,-75 0 16,1 37-16,37-36 15,0-1 1,-1 37-16,-36-37 16,0 0-16,36 37 15,-36-73-15,37 36 16,-74-37-16,37 37 15,-1 1-15,-36-1 16,0 0-16,0-73 16,0 73-16,0-37 15,0 0-15,0-36 16,0 36-16,-36 1 16,-1-38-16,-37 38 15,37-1 1,-36-36-16,-1-1 15,1 38-15,-1-38 16,0 38-16,1-38 16,-1 37-16,0 1 15,38-1-15,-38 1 16,74 36-16,-37 0 16,0 0-1,1 37-15,-1 0 31,0 0-15,-37 0 0,37 0-1,1 0-15,-75 0 16,38 0-16,-38 0 16,38 37-16,-1 0 15,0-37-15,1 73 16,-1-36-16,0 37 15,1-37-15,73-1 16,-37 75-16,37-74 16,0 36-16,0 38 15,0-1 1,0 1-16,0 36 16,0 0-16,0 0 15,0 1-15,0-38 16,0-36-16,0-1 15,0-36 1,0 0 15,0-147-15</inkml:trace>
+  <inkml:trace contextRef="#ctx0" brushRef="#br0" timeOffset="2071">4347 937 0,'-37'0'16,"-36"37"-16,-1-1 16,37 1-16,1-37 15,36 37-15,-37 37 16,0-74-16,37 73 16,-37-36-16,0 0 15,37 36-15,-36-36 16,36 0-16,-37 37 15,37-1 1,0-36-16,0 37 16,0-37-16,0-1 15,0 1-15,0 37 16,37-74-16,-37 73 16,36-73-16,-36 37 15,37-37-15,0 37 16,0 0-16,0 0 15,36 0 1,-36-1-16,37 38 16,-1-74-16,1 74 15,36-38-15,1 38 16,-1-37-16,37 0 16,-73-37-16,37 0 15,73 0-15,-74-37 16,0 0-16,-36 0 15,37 0-15,-1-36 16,-36 36-16,-1-37 16,1-36-16,-37-1 15,36 1-15,-36 0 16,-37-1-16,0 1 16,0-1-16,0-73 15,0 37-15,0-37 16,0 73-16,0 38 15,-37-74-15,0 73 16,1 0-16,36 1 16,-37-1-16,0 37 15,37-36-15,-37 36 16,0 37-16,1-37 16,36 0-1,-74 37-15,37-37 16,0 37-1,-36 0-15,36 0 16,-37 0 0,37 0-16,-36 0 15,-1 0-15,-36 0 16,36 0-16,-36 37 16,36-37-16,37 0 15,-36 37-15,-1 0 16,0-37-16,38 37 15,-38-1-15,-36 1 16,36-37-16,0 37 16,1 0-16,-1 0 15,0 0-15,38-1 16,-38 1-16,37 0 16,0-37-16,1 37 15,36 0-15,-37-37 16,0 36-16,37 75 15,-37-74 1,0-1-16,37 38 16,-36-37-1,36 0-15,0 0 16,-37 36-16,37-36 16,0 37-16,0-38 15,0 1 1,0 0-16,0 0 15,0 0-15,0-1 16,0 1-16,0 0 16,0 0-1</inkml:trace>
+  <inkml:trace contextRef="#ctx0" brushRef="#br0" timeOffset="3238">5231 2630 0,'-74'37'16,"37"36"-16,-73 75 15,36-38-15,-36 74 16,-1 0-16,38-36 16,-1 72-16,74-36 15,-37 37-15,-36 37 16,36-37-16,-37 37 16,37 36-16,-36 1 15,36-1-15,37-36 16,0 36-16,0-36 15,0 0-15,0-38 16,0 1-16,0-37 16,0 37-16,0 0 15,0 37-15,0-1 16,0-36-16,0 37 16,0-37-16,0 0 15,0 0-15,0-37 16,0 37-16,0-74 15,0 0-15,0-73 16,0-1-16,0-36 16,0 0-16,0 0 15,0 0 1,0-1 0,0 1 15,0 0-16,0 0 1,0 0 0,0-1-16,-37 38 15,37-37-15,0 0 16,0-1-16,0 38 16,0-37-16,0 0 15,0 0-15,0 73 16,0-73-1,37 0 1,-37-1 0,0 1-1,0 0 17,37-37-17</inkml:trace>
+  <inkml:trace contextRef="#ctx0" brushRef="#br0" timeOffset="8559">8028 11281 0,'-36'37'16,"-1"36"30,0-36-46,37 0 16,-37 36-16,0-36 16,-36 37-16,36 36 15,-37-36-15,38 0 16,-38-1 0,-37 185 15,75-221-31,36 0 15,0-1-15,36 1 32,1 0-32,0 0 15,74 0-15,-38 36 16,1-36-16,-1 0 16,38 36-16,-1-73 15,-36 37-15,36 0 16,-36 0-16,0-37 15,36 0-15,0 0 16,-36-37-16,37 0 16,-75-36-16,38 36 15,-37-37-15,0 1 16,-1-1-16,1-36 16,0-1-16,-37 1 15,0-1-15,0-36 16,-37 37-16,0-38 15,1 38-15,-38-1 16,37 38-16,-36-38 16,36 75-16,37-1 15,-37 0-15,0 0 16,-37 37 0,1 0-1,-1-37 1,1 37-1</inkml:trace>
+  <inkml:trace contextRef="#ctx0" brushRef="#br0" timeOffset="9775">8249 13747 0,'-36'37'15,"36"0"1,-37 0-1,37-1-15,-37 38 16,0 0-16,37-1 16,-37 1-16,0 0 15,1-1-15,36-36 16,0 0-16,0 0 16,0-1-16,0 1 15,0 37-15,0-1 16,0-36-16,73 37 15,-36-37 1,37 0-16,-37-37 16,-1 36-16,38 1 15,-37 0-15,36 0 16,-36-37-16,37 37 16,-37-37-1,36 0-15,1 0 16,0 0-16,36 0 15,-36 0-15,-1-74 16,38 37-16,-38-36 16,-36 36-16,37-37 15,-74 37-15,36 0 16,-36-36-16,0-38 16,0 38-16,-36-1 15,-1 1-15,37-1 16,-37 37-16,-37 0 15,74-36-15,-73 36 16,36 0-16,0 0 16,-36 0-16,36 1 15,-37-38-15,37 37 16,1 0-16,-75 1 16,37-1-16</inkml:trace>
+  <inkml:trace contextRef="#ctx0" brushRef="#br0" timeOffset="11359">556 14115 0,'-37'0'0,"0"37"15,0-37 1,-36 37-16,-1 0 16,37 36-16,-36-36 15,-1 37-15,37-1 16,0 1-16,37-37 15,-36 73-15,36-73 16,0 0-16,0 37 16,36-1-16,-36-36 15,37 37-15,0-38 16,0 1-16,0 37 16,36-37-16,1 36 15,36-36-15,38 37 16,-38-38-16,0-36 15,1 37-15,-38-37 16,38 0-16,36 0 16,-36 0-16,-1-73 15,0-1-15,-36 37 16,-37-36-16,36-1 16,-36-36-16,-37 36 15,0 37-15,0-73 16,0-38-16,0 38 15,-73-37-15,-1 0 16,37-38 0,-73 38-16,36 0 15,-36 37-15,73 36 16,0 37-16,0 0 16,1 37-16,-1 0 15,0 0 1,-37-37-16,37 37 15,1 0-15,-38 0 16,0 0-16,-36 0 16,0 37-16,-1-37 15</inkml:trace>
+</inkml:ink>
+</file>
+
+<file path=ppt/ink/ink72.xml><?xml version="1.0" encoding="utf-8"?>
+<inkml:ink xmlns:inkml="http://www.w3.org/2003/InkML">
+  <inkml:definitions>
+    <inkml:context xml:id="ctx0">
+      <inkml:inkSource xml:id="inkSrc0">
+        <inkml:traceFormat>
+          <inkml:channel name="X" type="integer" max="2732" units="cm"/>
+          <inkml:channel name="Y" type="integer" max="768" units="cm"/>
+          <inkml:channel name="T" type="integer" max="2.14748E9" units="dev"/>
+        </inkml:traceFormat>
+        <inkml:channelProperties>
+          <inkml:channelProperty channel="X" name="resolution" value="88.41424" units="1/cm"/>
+          <inkml:channelProperty channel="Y" name="resolution" value="44.13793" units="1/cm"/>
+          <inkml:channelProperty channel="T" name="resolution" value="1" units="1/dev"/>
+        </inkml:channelProperties>
+      </inkml:inkSource>
+      <inkml:timestamp xml:id="ts0" timeString="2025-05-31T23:08:07.578"/>
+    </inkml:context>
+    <inkml:brush xml:id="br0">
+      <inkml:brushProperty name="width" value="0.05" units="cm"/>
+      <inkml:brushProperty name="height" value="0.05" units="cm"/>
+      <inkml:brushProperty name="fitToCurve" value="1"/>
+    </inkml:brush>
+  </inkml:definitions>
+  <inkml:trace contextRef="#ctx0" brushRef="#br0">818 390 0,'36'37'32,"1"0"-32,0-37 15,0 37 1,-37-1-16,37 1 16,0 37-16,-37-37 15,36 36-15,1 38 16,0-38-16,37 1 15,-38-37-15,38 73 16,-37-73-16,0 0 16,36 36-16,-36-36 15,37 37-15,-1-74 16,1 37 0,-37-37-16,73 0 15,-73 0-15,73 0 16,-73 0-16,37-37 15,-37 0-15,-1-37 16,38 1-16,-37-1 16,-37 1-16,0 36 15,0-37 1,0-36-16,-37 36 16,0 0-16,-73 1 15,36-1-15,1 37 16,-1-36-16,-73-1 15,73 37-15,1 0 16,36 37-16,-74-36 16,74-1-16,1 0 15,-38 37-15,0-37 16,1 0-16,36 1 16,-73-1-16,73 0 15,0 37-15,0 0 16,0 0-16,0 0 15,-36 0-15,-1 0 16,1 0-16,-38 0 16,1 0-16,-1 0 15,1 0 1,73 0-16,-73 0 16,110 37-16,-37-37 15,37 37-15,0-1 16,0 1 15,37 0 0</inkml:trace>
+</inkml:ink>
+</file>
+
+<file path=ppt/ink/ink73.xml><?xml version="1.0" encoding="utf-8"?>
+<inkml:ink xmlns:inkml="http://www.w3.org/2003/InkML">
+  <inkml:definitions>
+    <inkml:context xml:id="ctx0">
+      <inkml:inkSource xml:id="inkSrc0">
+        <inkml:traceFormat>
+          <inkml:channel name="X" type="integer" max="2732" units="cm"/>
+          <inkml:channel name="Y" type="integer" max="768" units="cm"/>
+          <inkml:channel name="T" type="integer" max="2.14748E9" units="dev"/>
+        </inkml:traceFormat>
+        <inkml:channelProperties>
+          <inkml:channelProperty channel="X" name="resolution" value="88.41424" units="1/cm"/>
+          <inkml:channelProperty channel="Y" name="resolution" value="44.13793" units="1/cm"/>
+          <inkml:channelProperty channel="T" name="resolution" value="1" units="1/dev"/>
+        </inkml:channelProperties>
+      </inkml:inkSource>
+      <inkml:timestamp xml:id="ts0" timeString="2025-05-31T23:08:20.034"/>
+    </inkml:context>
+    <inkml:brush xml:id="br0">
+      <inkml:brushProperty name="width" value="0.05" units="cm"/>
+      <inkml:brushProperty name="height" value="0.05" units="cm"/>
+      <inkml:brushProperty name="fitToCurve" value="1"/>
+    </inkml:brush>
+  </inkml:definitions>
+  <inkml:trace contextRef="#ctx0" brushRef="#br0">1803 0 0,'-36'0'31,"-1"0"-15,0 0-16,-37 37 16,-36 0-16,-1 36 15,-36-36-15,-37 37 16,-37-1-16,74 1 15,-37-1-15,37 1 16,36-37-16,1 37 16,73-38-16,0 1 15,0-37-15,1 37 16</inkml:trace>
+</inkml:ink>
+</file>
+
+<file path=ppt/ink/ink74.xml><?xml version="1.0" encoding="utf-8"?>
+<inkml:ink xmlns:inkml="http://www.w3.org/2003/InkML">
+  <inkml:definitions>
+    <inkml:context xml:id="ctx0">
+      <inkml:inkSource xml:id="inkSrc0">
+        <inkml:traceFormat>
+          <inkml:channel name="X" type="integer" max="2732" units="cm"/>
+          <inkml:channel name="Y" type="integer" max="768" units="cm"/>
+          <inkml:channel name="T" type="integer" max="2.14748E9" units="dev"/>
+        </inkml:traceFormat>
+        <inkml:channelProperties>
+          <inkml:channelProperty channel="X" name="resolution" value="88.41424" units="1/cm"/>
+          <inkml:channelProperty channel="Y" name="resolution" value="44.13793" units="1/cm"/>
+          <inkml:channelProperty channel="T" name="resolution" value="1" units="1/dev"/>
+        </inkml:channelProperties>
+      </inkml:inkSource>
+      <inkml:timestamp xml:id="ts0" timeString="2025-05-31T23:08:22.963"/>
+    </inkml:context>
+    <inkml:brush xml:id="br0">
+      <inkml:brushProperty name="width" value="0.2" units="cm"/>
+      <inkml:brushProperty name="height" value="0.4" units="cm"/>
+      <inkml:brushProperty name="color" value="#FFFF00"/>
+      <inkml:brushProperty name="tip" value="rectangle"/>
+      <inkml:brushProperty name="rasterOp" value="maskPen"/>
+      <inkml:brushProperty name="fitToCurve" value="1"/>
+    </inkml:brush>
+  </inkml:definitions>
+  <inkml:trace contextRef="#ctx0" brushRef="#br0">0 0 0,'37'37'16,"0"-37"-16,0 36 16,36 1-16,-36-37 15,37 74-15,36 0 16,1-38-16,-38 38 16,38-37-16,-1 36 15,1-36-15,-1 37 16,1-1-16,-38-36 15,38 0-15,-1 0 16,-36-37-16,-38 37 16,38 0-16,-37-37 15,0 36-15,36 1 16,1-37 0,-37 37-16,0-37 15,-1 37 1,1-37 15</inkml:trace>
+</inkml:ink>
+</file>
+
+<file path=ppt/ink/ink75.xml><?xml version="1.0" encoding="utf-8"?>
+<inkml:ink xmlns:inkml="http://www.w3.org/2003/InkML">
+  <inkml:definitions>
+    <inkml:context xml:id="ctx0">
+      <inkml:inkSource xml:id="inkSrc0">
+        <inkml:traceFormat>
+          <inkml:channel name="X" type="integer" max="2732" units="cm"/>
+          <inkml:channel name="Y" type="integer" max="768" units="cm"/>
+          <inkml:channel name="T" type="integer" max="2.14748E9" units="dev"/>
+        </inkml:traceFormat>
+        <inkml:channelProperties>
+          <inkml:channelProperty channel="X" name="resolution" value="88.41424" units="1/cm"/>
+          <inkml:channelProperty channel="Y" name="resolution" value="44.13793" units="1/cm"/>
+          <inkml:channelProperty channel="T" name="resolution" value="1" units="1/dev"/>
+        </inkml:channelProperties>
+      </inkml:inkSource>
+      <inkml:timestamp xml:id="ts0" timeString="2025-05-31T23:08:23.819"/>
+    </inkml:context>
+    <inkml:brush xml:id="br0">
+      <inkml:brushProperty name="width" value="0.2" units="cm"/>
+      <inkml:brushProperty name="height" value="0.4" units="cm"/>
+      <inkml:brushProperty name="color" value="#FFFF00"/>
+      <inkml:brushProperty name="tip" value="rectangle"/>
+      <inkml:brushProperty name="rasterOp" value="maskPen"/>
+      <inkml:brushProperty name="fitToCurve" value="1"/>
+    </inkml:brush>
+  </inkml:definitions>
+  <inkml:trace contextRef="#ctx0" brushRef="#br0">0 83 0,'37'0'47,"0"0"-32,36 0-15,1 0 16,37 0-16,36 0 16,-37-37-16,-36 37 15,73 0-15,0 0 16,74 0-16,-37 0 16,-37 0-16,74 0 15,-73 0-15,-1 0 16,0 0-16,0 0 15,-36 0-15,-1 0 16,1 0-16,-38 0 16,1 0-16,0 0 15,-38 0-15,1 0 16,0 0-16,0 0 16,0 0-1,-74-37 63,-37 37-62,-36 0-16</inkml:trace>
+</inkml:ink>
+</file>
+
+<file path=ppt/ink/ink76.xml><?xml version="1.0" encoding="utf-8"?>
+<inkml:ink xmlns:inkml="http://www.w3.org/2003/InkML">
+  <inkml:definitions>
+    <inkml:context xml:id="ctx0">
+      <inkml:inkSource xml:id="inkSrc0">
+        <inkml:traceFormat>
+          <inkml:channel name="X" type="integer" max="2732" units="cm"/>
+          <inkml:channel name="Y" type="integer" max="768" units="cm"/>
+          <inkml:channel name="T" type="integer" max="2.14748E9" units="dev"/>
+        </inkml:traceFormat>
+        <inkml:channelProperties>
+          <inkml:channelProperty channel="X" name="resolution" value="88.41424" units="1/cm"/>
+          <inkml:channelProperty channel="Y" name="resolution" value="44.13793" units="1/cm"/>
+          <inkml:channelProperty channel="T" name="resolution" value="1" units="1/dev"/>
+        </inkml:channelProperties>
+      </inkml:inkSource>
+      <inkml:timestamp xml:id="ts0" timeString="2025-05-31T23:08:42.363"/>
+    </inkml:context>
+    <inkml:brush xml:id="br0">
+      <inkml:brushProperty name="width" value="0.2" units="cm"/>
+      <inkml:brushProperty name="height" value="0.4" units="cm"/>
+      <inkml:brushProperty name="color" value="#FFFF00"/>
+      <inkml:brushProperty name="tip" value="rectangle"/>
+      <inkml:brushProperty name="rasterOp" value="maskPen"/>
+      <inkml:brushProperty name="fitToCurve" value="1"/>
+    </inkml:brush>
+  </inkml:definitions>
+  <inkml:trace contextRef="#ctx0" brushRef="#br0">0 116 0,'36'0'31,"1"0"16,0 0-47,0 0 16,36 0-16,-36 0 15,37 0-15,36 36 16,-36-36-16,36 0 16,38 0-16,36 0 15,37 0-15,-1 0 16,38 0-16,0 0 16,-74-36-16,0-1 15,-74 37-15,1 0 16,-38-37-16,-36 0 15,0 37-15,0 0 16,0 0 31,-1 0-31,1 37-1,110 37-15,74 36 16</inkml:trace>
+</inkml:ink>
+</file>
+
+<file path=ppt/ink/ink77.xml><?xml version="1.0" encoding="utf-8"?>
+<inkml:ink xmlns:inkml="http://www.w3.org/2003/InkML">
+  <inkml:definitions>
+    <inkml:context xml:id="ctx0">
+      <inkml:inkSource xml:id="inkSrc0">
+        <inkml:traceFormat>
+          <inkml:channel name="X" type="integer" max="2732" units="cm"/>
+          <inkml:channel name="Y" type="integer" max="768" units="cm"/>
+          <inkml:channel name="T" type="integer" max="2.14748E9" units="dev"/>
+        </inkml:traceFormat>
+        <inkml:channelProperties>
+          <inkml:channelProperty channel="X" name="resolution" value="88.41424" units="1/cm"/>
+          <inkml:channelProperty channel="Y" name="resolution" value="44.13793" units="1/cm"/>
+          <inkml:channelProperty channel="T" name="resolution" value="1" units="1/dev"/>
+        </inkml:channelProperties>
+      </inkml:inkSource>
+      <inkml:timestamp xml:id="ts0" timeString="2025-05-31T23:08:43.154"/>
+    </inkml:context>
+    <inkml:brush xml:id="br0">
+      <inkml:brushProperty name="width" value="0.2" units="cm"/>
+      <inkml:brushProperty name="height" value="0.4" units="cm"/>
+      <inkml:brushProperty name="color" value="#FFFF00"/>
+      <inkml:brushProperty name="tip" value="rectangle"/>
+      <inkml:brushProperty name="rasterOp" value="maskPen"/>
+      <inkml:brushProperty name="fitToCurve" value="1"/>
+    </inkml:brush>
+  </inkml:definitions>
+  <inkml:trace contextRef="#ctx0" brushRef="#br0">0 294 0,'110'37'16,"-36"-37"-16,-38 37 15,38-1-15,37 1 16,-38-37-16,-36 0 16,73 37-16,-73-37 15,74 0-15,-1 0 16,1 0-16,36 0 16,-37-37-16,-36 37 15,-1-37-15,1 1 16,37 36-16,-75-37 15,38-37-15,0 74 16,-1-37-16,-36 1 16,0 36-16,0-37 15,-1 0-15,-109 0 94,-38-36-78</inkml:trace>
+</inkml:ink>
+</file>
+
+<file path=ppt/ink/ink78.xml><?xml version="1.0" encoding="utf-8"?>
+<inkml:ink xmlns:inkml="http://www.w3.org/2003/InkML">
+  <inkml:definitions>
+    <inkml:context xml:id="ctx0">
+      <inkml:inkSource xml:id="inkSrc0">
+        <inkml:traceFormat>
+          <inkml:channel name="X" type="integer" max="2732" units="cm"/>
+          <inkml:channel name="Y" type="integer" max="768" units="cm"/>
+          <inkml:channel name="T" type="integer" max="2.14748E9" units="dev"/>
+        </inkml:traceFormat>
+        <inkml:channelProperties>
+          <inkml:channelProperty channel="X" name="resolution" value="88.41424" units="1/cm"/>
+          <inkml:channelProperty channel="Y" name="resolution" value="44.13793" units="1/cm"/>
+          <inkml:channelProperty channel="T" name="resolution" value="1" units="1/dev"/>
+        </inkml:channelProperties>
+      </inkml:inkSource>
+      <inkml:timestamp xml:id="ts0" timeString="2025-05-31T23:08:44.082"/>
+    </inkml:context>
+    <inkml:brush xml:id="br0">
+      <inkml:brushProperty name="width" value="0.2" units="cm"/>
+      <inkml:brushProperty name="height" value="0.4" units="cm"/>
+      <inkml:brushProperty name="color" value="#FFFF00"/>
+      <inkml:brushProperty name="tip" value="rectangle"/>
+      <inkml:brushProperty name="rasterOp" value="maskPen"/>
+      <inkml:brushProperty name="fitToCurve" value="1"/>
+    </inkml:brush>
+  </inkml:definitions>
+  <inkml:trace contextRef="#ctx0" brushRef="#br0">0 368 0,'73'0'46,"-36"37"-30,0 0 0,36-37-1,1 36-15,0-36 16,73 0-16,111 0 16,-38-73-16,-72-1 15,73 0-15,-37 38 16,-37-38-16,-37 37 15,-36 0-15,0 37 16,-1-36 0,-73-1 15</inkml:trace>
+</inkml:ink>
+</file>
+
+<file path=ppt/ink/ink79.xml><?xml version="1.0" encoding="utf-8"?>
+<inkml:ink xmlns:inkml="http://www.w3.org/2003/InkML">
+  <inkml:definitions>
+    <inkml:context xml:id="ctx0">
+      <inkml:inkSource xml:id="inkSrc0">
+        <inkml:traceFormat>
+          <inkml:channel name="X" type="integer" max="2732" units="cm"/>
+          <inkml:channel name="Y" type="integer" max="768" units="cm"/>
+          <inkml:channel name="T" type="integer" max="2.14748E9" units="dev"/>
+        </inkml:traceFormat>
+        <inkml:channelProperties>
+          <inkml:channelProperty channel="X" name="resolution" value="88.41424" units="1/cm"/>
+          <inkml:channelProperty channel="Y" name="resolution" value="44.13793" units="1/cm"/>
+          <inkml:channelProperty channel="T" name="resolution" value="1" units="1/dev"/>
+        </inkml:channelProperties>
+      </inkml:inkSource>
+      <inkml:timestamp xml:id="ts0" timeString="2025-05-31T23:08:47.483"/>
+    </inkml:context>
+    <inkml:brush xml:id="br0">
+      <inkml:brushProperty name="width" value="0.2" units="cm"/>
+      <inkml:brushProperty name="height" value="0.4" units="cm"/>
+      <inkml:brushProperty name="color" value="#FFFF00"/>
+      <inkml:brushProperty name="tip" value="rectangle"/>
+      <inkml:brushProperty name="rasterOp" value="maskPen"/>
+      <inkml:brushProperty name="fitToCurve" value="1"/>
+    </inkml:brush>
+  </inkml:definitions>
+  <inkml:trace contextRef="#ctx0" brushRef="#br0">0 0 0,'36'0'47,"38"0"-31,0 37-1,-37-1-15,-1-36 16,112 0-16,-75 0 16,38 0-16,-1 0 15,1 0-15,-38 0 16,1 0-16,-37 0 16,36 0-16,-36 0 15,0 0 1,36 37-16,-36 0 15,0-37 1,0 0 0,0 0-1,-1 0 1,1 0 62,0 0-47,0 0-31,0 0 16,36 0 0,38 0-16,73 0 15,-37-37-15,111 0 16</inkml:trace>
 </inkml:ink>
 </file>
 
@@ -533,7 +2720,7 @@
           <a:p>
             <a:fld id="{663C23E7-704C-485F-8A79-9A5592304088}" type="datetimeFigureOut">
               <a:rPr lang="es-GT" smtClean="0"/>
-              <a:t>30/05/2025</a:t>
+              <a:t>31/05/2025</a:t>
             </a:fld>
             <a:endParaRPr lang="es-GT"/>
           </a:p>
@@ -733,7 +2920,7 @@
           <a:p>
             <a:fld id="{663C23E7-704C-485F-8A79-9A5592304088}" type="datetimeFigureOut">
               <a:rPr lang="es-GT" smtClean="0"/>
-              <a:t>30/05/2025</a:t>
+              <a:t>31/05/2025</a:t>
             </a:fld>
             <a:endParaRPr lang="es-GT"/>
           </a:p>
@@ -943,7 +3130,7 @@
           <a:p>
             <a:fld id="{663C23E7-704C-485F-8A79-9A5592304088}" type="datetimeFigureOut">
               <a:rPr lang="es-GT" smtClean="0"/>
-              <a:t>30/05/2025</a:t>
+              <a:t>31/05/2025</a:t>
             </a:fld>
             <a:endParaRPr lang="es-GT"/>
           </a:p>
@@ -1143,7 +3330,7 @@
           <a:p>
             <a:fld id="{663C23E7-704C-485F-8A79-9A5592304088}" type="datetimeFigureOut">
               <a:rPr lang="es-GT" smtClean="0"/>
-              <a:t>30/05/2025</a:t>
+              <a:t>31/05/2025</a:t>
             </a:fld>
             <a:endParaRPr lang="es-GT"/>
           </a:p>
@@ -1419,7 +3606,7 @@
           <a:p>
             <a:fld id="{663C23E7-704C-485F-8A79-9A5592304088}" type="datetimeFigureOut">
               <a:rPr lang="es-GT" smtClean="0"/>
-              <a:t>30/05/2025</a:t>
+              <a:t>31/05/2025</a:t>
             </a:fld>
             <a:endParaRPr lang="es-GT"/>
           </a:p>
@@ -1687,7 +3874,7 @@
           <a:p>
             <a:fld id="{663C23E7-704C-485F-8A79-9A5592304088}" type="datetimeFigureOut">
               <a:rPr lang="es-GT" smtClean="0"/>
-              <a:t>30/05/2025</a:t>
+              <a:t>31/05/2025</a:t>
             </a:fld>
             <a:endParaRPr lang="es-GT"/>
           </a:p>
@@ -2102,7 +4289,7 @@
           <a:p>
             <a:fld id="{663C23E7-704C-485F-8A79-9A5592304088}" type="datetimeFigureOut">
               <a:rPr lang="es-GT" smtClean="0"/>
-              <a:t>30/05/2025</a:t>
+              <a:t>31/05/2025</a:t>
             </a:fld>
             <a:endParaRPr lang="es-GT"/>
           </a:p>
@@ -2244,7 +4431,7 @@
           <a:p>
             <a:fld id="{663C23E7-704C-485F-8A79-9A5592304088}" type="datetimeFigureOut">
               <a:rPr lang="es-GT" smtClean="0"/>
-              <a:t>30/05/2025</a:t>
+              <a:t>31/05/2025</a:t>
             </a:fld>
             <a:endParaRPr lang="es-GT"/>
           </a:p>
@@ -2357,7 +4544,7 @@
           <a:p>
             <a:fld id="{663C23E7-704C-485F-8A79-9A5592304088}" type="datetimeFigureOut">
               <a:rPr lang="es-GT" smtClean="0"/>
-              <a:t>30/05/2025</a:t>
+              <a:t>31/05/2025</a:t>
             </a:fld>
             <a:endParaRPr lang="es-GT"/>
           </a:p>
@@ -2670,7 +4857,7 @@
           <a:p>
             <a:fld id="{663C23E7-704C-485F-8A79-9A5592304088}" type="datetimeFigureOut">
               <a:rPr lang="es-GT" smtClean="0"/>
-              <a:t>30/05/2025</a:t>
+              <a:t>31/05/2025</a:t>
             </a:fld>
             <a:endParaRPr lang="es-GT"/>
           </a:p>
@@ -2959,7 +5146,7 @@
           <a:p>
             <a:fld id="{663C23E7-704C-485F-8A79-9A5592304088}" type="datetimeFigureOut">
               <a:rPr lang="es-GT" smtClean="0"/>
-              <a:t>30/05/2025</a:t>
+              <a:t>31/05/2025</a:t>
             </a:fld>
             <a:endParaRPr lang="es-GT"/>
           </a:p>
@@ -3202,7 +5389,7 @@
           <a:p>
             <a:fld id="{663C23E7-704C-485F-8A79-9A5592304088}" type="datetimeFigureOut">
               <a:rPr lang="es-GT" smtClean="0"/>
-              <a:t>30/05/2025</a:t>
+              <a:t>31/05/2025</a:t>
             </a:fld>
             <a:endParaRPr lang="es-GT"/>
           </a:p>
@@ -3754,8 +5941,8 @@
           </a:p>
         </p:txBody>
       </p:sp>
-      <mc:AlternateContent xmlns:mc="http://schemas.openxmlformats.org/markup-compatibility/2006">
-        <mc:Choice xmlns:p14="http://schemas.microsoft.com/office/powerpoint/2010/main" Requires="p14">
+      <mc:AlternateContent xmlns:mc="http://schemas.openxmlformats.org/markup-compatibility/2006" xmlns:p14="http://schemas.microsoft.com/office/powerpoint/2010/main">
+        <mc:Choice Requires="p14">
           <p:contentPart p14:bwMode="auto" r:id="rId3">
             <p14:nvContentPartPr>
               <p14:cNvPr id="5" name="Entrada de lápiz 4">
@@ -3774,7 +5961,7 @@
             </p14:xfrm>
           </p:contentPart>
         </mc:Choice>
-        <mc:Fallback>
+        <mc:Fallback xmlns="">
           <p:pic>
             <p:nvPicPr>
               <p:cNvPr id="5" name="Entrada de lápiz 4">
@@ -3805,8 +5992,8 @@
           </p:pic>
         </mc:Fallback>
       </mc:AlternateContent>
-      <mc:AlternateContent xmlns:mc="http://schemas.openxmlformats.org/markup-compatibility/2006">
-        <mc:Choice xmlns:p14="http://schemas.microsoft.com/office/powerpoint/2010/main" Requires="p14">
+      <mc:AlternateContent xmlns:mc="http://schemas.openxmlformats.org/markup-compatibility/2006" xmlns:p14="http://schemas.microsoft.com/office/powerpoint/2010/main">
+        <mc:Choice Requires="p14">
           <p:contentPart p14:bwMode="auto" r:id="rId5">
             <p14:nvContentPartPr>
               <p14:cNvPr id="6" name="Entrada de lápiz 5">
@@ -3825,7 +6012,7 @@
             </p14:xfrm>
           </p:contentPart>
         </mc:Choice>
-        <mc:Fallback>
+        <mc:Fallback xmlns="">
           <p:pic>
             <p:nvPicPr>
               <p:cNvPr id="6" name="Entrada de lápiz 5">
@@ -3856,8 +6043,8 @@
           </p:pic>
         </mc:Fallback>
       </mc:AlternateContent>
-      <mc:AlternateContent xmlns:mc="http://schemas.openxmlformats.org/markup-compatibility/2006">
-        <mc:Choice xmlns:p14="http://schemas.microsoft.com/office/powerpoint/2010/main" Requires="p14">
+      <mc:AlternateContent xmlns:mc="http://schemas.openxmlformats.org/markup-compatibility/2006" xmlns:p14="http://schemas.microsoft.com/office/powerpoint/2010/main">
+        <mc:Choice Requires="p14">
           <p:contentPart p14:bwMode="auto" r:id="rId7">
             <p14:nvContentPartPr>
               <p14:cNvPr id="7" name="Entrada de lápiz 6">
@@ -3876,7 +6063,7 @@
             </p14:xfrm>
           </p:contentPart>
         </mc:Choice>
-        <mc:Fallback>
+        <mc:Fallback xmlns="">
           <p:pic>
             <p:nvPicPr>
               <p:cNvPr id="7" name="Entrada de lápiz 6">
@@ -3907,8 +6094,8 @@
           </p:pic>
         </mc:Fallback>
       </mc:AlternateContent>
-      <mc:AlternateContent xmlns:mc="http://schemas.openxmlformats.org/markup-compatibility/2006">
-        <mc:Choice xmlns:p14="http://schemas.microsoft.com/office/powerpoint/2010/main" Requires="p14">
+      <mc:AlternateContent xmlns:mc="http://schemas.openxmlformats.org/markup-compatibility/2006" xmlns:p14="http://schemas.microsoft.com/office/powerpoint/2010/main">
+        <mc:Choice Requires="p14">
           <p:contentPart p14:bwMode="auto" r:id="rId9">
             <p14:nvContentPartPr>
               <p14:cNvPr id="8" name="Entrada de lápiz 7">
@@ -3927,7 +6114,7 @@
             </p14:xfrm>
           </p:contentPart>
         </mc:Choice>
-        <mc:Fallback>
+        <mc:Fallback xmlns="">
           <p:pic>
             <p:nvPicPr>
               <p:cNvPr id="8" name="Entrada de lápiz 7">
@@ -3958,6 +6145,52 @@
           </p:pic>
         </mc:Fallback>
       </mc:AlternateContent>
+      <p:sp>
+        <p:nvSpPr>
+          <p:cNvPr id="9" name="Rectángulo 8">
+            <a:extLst>
+              <a:ext uri="{FF2B5EF4-FFF2-40B4-BE49-F238E27FC236}">
+                <a16:creationId xmlns:a16="http://schemas.microsoft.com/office/drawing/2014/main" id="{98C384B3-6027-9F3A-0ECD-309728701C9F}"/>
+              </a:ext>
+            </a:extLst>
+          </p:cNvPr>
+          <p:cNvSpPr/>
+          <p:nvPr/>
+        </p:nvSpPr>
+        <p:spPr>
+          <a:xfrm>
+            <a:off x="3074504" y="212035"/>
+            <a:ext cx="808383" cy="340415"/>
+          </a:xfrm>
+          <a:prstGeom prst="rect">
+            <a:avLst/>
+          </a:prstGeom>
+        </p:spPr>
+        <p:style>
+          <a:lnRef idx="2">
+            <a:schemeClr val="accent1">
+              <a:shade val="15000"/>
+            </a:schemeClr>
+          </a:lnRef>
+          <a:fillRef idx="1">
+            <a:schemeClr val="accent1"/>
+          </a:fillRef>
+          <a:effectRef idx="0">
+            <a:schemeClr val="accent1"/>
+          </a:effectRef>
+          <a:fontRef idx="minor">
+            <a:schemeClr val="lt1"/>
+          </a:fontRef>
+        </p:style>
+        <p:txBody>
+          <a:bodyPr rtlCol="0" anchor="ctr"/>
+          <a:lstStyle/>
+          <a:p>
+            <a:pPr algn="ctr"/>
+            <a:endParaRPr lang="es-GT"/>
+          </a:p>
+        </p:txBody>
+      </p:sp>
     </p:spTree>
     <p:extLst>
       <p:ext uri="{BB962C8B-B14F-4D97-AF65-F5344CB8AC3E}">
@@ -3972,6 +6205,318 @@
 </file>
 
 <file path=ppt/slides/slide11.xml><?xml version="1.0" encoding="utf-8"?>
+<p:sld xmlns:a="http://schemas.openxmlformats.org/drawingml/2006/main" xmlns:r="http://schemas.openxmlformats.org/officeDocument/2006/relationships" xmlns:p="http://schemas.openxmlformats.org/presentationml/2006/main">
+  <p:cSld>
+    <p:spTree>
+      <p:nvGrpSpPr>
+        <p:cNvPr id="1" name=""/>
+        <p:cNvGrpSpPr/>
+        <p:nvPr/>
+      </p:nvGrpSpPr>
+      <p:grpSpPr>
+        <a:xfrm>
+          <a:off x="0" y="0"/>
+          <a:ext cx="0" cy="0"/>
+          <a:chOff x="0" y="0"/>
+          <a:chExt cx="0" cy="0"/>
+        </a:xfrm>
+      </p:grpSpPr>
+      <p:pic>
+        <p:nvPicPr>
+          <p:cNvPr id="3" name="Imagen 2">
+            <a:extLst>
+              <a:ext uri="{FF2B5EF4-FFF2-40B4-BE49-F238E27FC236}">
+                <a16:creationId xmlns:a16="http://schemas.microsoft.com/office/drawing/2014/main" id="{08537637-3FF0-C027-88AB-ADE9CAC67AB9}"/>
+              </a:ext>
+            </a:extLst>
+          </p:cNvPr>
+          <p:cNvPicPr>
+            <a:picLocks noChangeAspect="1"/>
+          </p:cNvPicPr>
+          <p:nvPr/>
+        </p:nvPicPr>
+        <p:blipFill>
+          <a:blip r:embed="rId2"/>
+          <a:stretch>
+            <a:fillRect/>
+          </a:stretch>
+        </p:blipFill>
+        <p:spPr>
+          <a:xfrm>
+            <a:off x="1276143" y="2630503"/>
+            <a:ext cx="8897592" cy="3743847"/>
+          </a:xfrm>
+          <a:prstGeom prst="rect">
+            <a:avLst/>
+          </a:prstGeom>
+        </p:spPr>
+      </p:pic>
+      <p:sp>
+        <p:nvSpPr>
+          <p:cNvPr id="6" name="CuadroTexto 5">
+            <a:extLst>
+              <a:ext uri="{FF2B5EF4-FFF2-40B4-BE49-F238E27FC236}">
+                <a16:creationId xmlns:a16="http://schemas.microsoft.com/office/drawing/2014/main" id="{E4460588-DAA8-0037-B920-1844B32135AF}"/>
+              </a:ext>
+            </a:extLst>
+          </p:cNvPr>
+          <p:cNvSpPr txBox="1"/>
+          <p:nvPr/>
+        </p:nvSpPr>
+        <p:spPr>
+          <a:xfrm>
+            <a:off x="2411896" y="477078"/>
+            <a:ext cx="4518991" cy="1477328"/>
+          </a:xfrm>
+          <a:prstGeom prst="rect">
+            <a:avLst/>
+          </a:prstGeom>
+          <a:noFill/>
+        </p:spPr>
+        <p:txBody>
+          <a:bodyPr wrap="square" rtlCol="0">
+            <a:spAutoFit/>
+          </a:bodyPr>
+          <a:lstStyle/>
+          <a:p>
+            <a:r>
+              <a:rPr lang="es-ES" dirty="0"/>
+              <a:t>Por si alguna manera no hubiésemos colocado la viga de manera correcta con sus restricciones como se observa se realiza el siguiente procedimiento, </a:t>
+            </a:r>
+            <a:r>
+              <a:rPr lang="es-ES" b="1" dirty="0">
+                <a:solidFill>
+                  <a:srgbClr val="FF0000"/>
+                </a:solidFill>
+              </a:rPr>
+              <a:t>pero antes hay que seleccionarlo</a:t>
+            </a:r>
+            <a:endParaRPr lang="es-GT" b="1" dirty="0">
+              <a:solidFill>
+                <a:srgbClr val="FF0000"/>
+              </a:solidFill>
+            </a:endParaRPr>
+          </a:p>
+        </p:txBody>
+      </p:sp>
+      <mc:AlternateContent xmlns:mc="http://schemas.openxmlformats.org/markup-compatibility/2006" xmlns:p14="http://schemas.microsoft.com/office/powerpoint/2010/main">
+        <mc:Choice Requires="p14">
+          <p:contentPart p14:bwMode="auto" r:id="rId3">
+            <p14:nvContentPartPr>
+              <p14:cNvPr id="8" name="Entrada de lápiz 7">
+                <a:extLst>
+                  <a:ext uri="{FF2B5EF4-FFF2-40B4-BE49-F238E27FC236}">
+                    <a16:creationId xmlns:a16="http://schemas.microsoft.com/office/drawing/2014/main" id="{598220E7-7251-DBB4-E88E-60ADF7CE9192}"/>
+                  </a:ext>
+                </a:extLst>
+              </p14:cNvPr>
+              <p14:cNvContentPartPr/>
+              <p14:nvPr/>
+            </p14:nvContentPartPr>
+            <p14:xfrm>
+              <a:off x="7116381" y="3270762"/>
+              <a:ext cx="3269880" cy="113040"/>
+            </p14:xfrm>
+          </p:contentPart>
+        </mc:Choice>
+        <mc:Fallback xmlns="">
+          <p:pic>
+            <p:nvPicPr>
+              <p:cNvPr id="8" name="Entrada de lápiz 7">
+                <a:extLst>
+                  <a:ext uri="{FF2B5EF4-FFF2-40B4-BE49-F238E27FC236}">
+                    <a16:creationId xmlns:a16="http://schemas.microsoft.com/office/drawing/2014/main" id="{598220E7-7251-DBB4-E88E-60ADF7CE9192}"/>
+                  </a:ext>
+                </a:extLst>
+              </p:cNvPr>
+              <p:cNvPicPr/>
+              <p:nvPr/>
+            </p:nvPicPr>
+            <p:blipFill>
+              <a:blip r:embed="rId4"/>
+              <a:stretch>
+                <a:fillRect/>
+              </a:stretch>
+            </p:blipFill>
+            <p:spPr>
+              <a:xfrm>
+                <a:off x="7071381" y="3180762"/>
+                <a:ext cx="3359520" cy="292680"/>
+              </a:xfrm>
+              <a:prstGeom prst="rect">
+                <a:avLst/>
+              </a:prstGeom>
+            </p:spPr>
+          </p:pic>
+        </mc:Fallback>
+      </mc:AlternateContent>
+      <mc:AlternateContent xmlns:mc="http://schemas.openxmlformats.org/markup-compatibility/2006" xmlns:p14="http://schemas.microsoft.com/office/powerpoint/2010/main">
+        <mc:Choice Requires="p14">
+          <p:contentPart p14:bwMode="auto" r:id="rId5">
+            <p14:nvContentPartPr>
+              <p14:cNvPr id="9" name="Entrada de lápiz 8">
+                <a:extLst>
+                  <a:ext uri="{FF2B5EF4-FFF2-40B4-BE49-F238E27FC236}">
+                    <a16:creationId xmlns:a16="http://schemas.microsoft.com/office/drawing/2014/main" id="{E4323923-ABDD-4290-0920-0B87C93791E7}"/>
+                  </a:ext>
+                </a:extLst>
+              </p14:cNvPr>
+              <p14:cNvContentPartPr/>
+              <p14:nvPr/>
+            </p14:nvContentPartPr>
+            <p14:xfrm>
+              <a:off x="2199861" y="5841162"/>
+              <a:ext cx="1418400" cy="69840"/>
+            </p14:xfrm>
+          </p:contentPart>
+        </mc:Choice>
+        <mc:Fallback xmlns="">
+          <p:pic>
+            <p:nvPicPr>
+              <p:cNvPr id="9" name="Entrada de lápiz 8">
+                <a:extLst>
+                  <a:ext uri="{FF2B5EF4-FFF2-40B4-BE49-F238E27FC236}">
+                    <a16:creationId xmlns:a16="http://schemas.microsoft.com/office/drawing/2014/main" id="{E4323923-ABDD-4290-0920-0B87C93791E7}"/>
+                  </a:ext>
+                </a:extLst>
+              </p:cNvPr>
+              <p:cNvPicPr/>
+              <p:nvPr/>
+            </p:nvPicPr>
+            <p:blipFill>
+              <a:blip r:embed="rId6"/>
+              <a:stretch>
+                <a:fillRect/>
+              </a:stretch>
+            </p:blipFill>
+            <p:spPr>
+              <a:xfrm>
+                <a:off x="2154861" y="5751162"/>
+                <a:ext cx="1508040" cy="249480"/>
+              </a:xfrm>
+              <a:prstGeom prst="rect">
+                <a:avLst/>
+              </a:prstGeom>
+            </p:spPr>
+          </p:pic>
+        </mc:Fallback>
+      </mc:AlternateContent>
+      <mc:AlternateContent xmlns:mc="http://schemas.openxmlformats.org/markup-compatibility/2006" xmlns:p14="http://schemas.microsoft.com/office/powerpoint/2010/main">
+        <mc:Choice Requires="p14">
+          <p:contentPart p14:bwMode="auto" r:id="rId7">
+            <p14:nvContentPartPr>
+              <p14:cNvPr id="10" name="Entrada de lápiz 9">
+                <a:extLst>
+                  <a:ext uri="{FF2B5EF4-FFF2-40B4-BE49-F238E27FC236}">
+                    <a16:creationId xmlns:a16="http://schemas.microsoft.com/office/drawing/2014/main" id="{A12937B4-3696-9A06-19F2-F36F1EC136D9}"/>
+                  </a:ext>
+                </a:extLst>
+              </p14:cNvPr>
+              <p14:cNvContentPartPr/>
+              <p14:nvPr/>
+            </p14:nvContentPartPr>
+            <p14:xfrm>
+              <a:off x="6930981" y="2794482"/>
+              <a:ext cx="2531520" cy="828360"/>
+            </p14:xfrm>
+          </p:contentPart>
+        </mc:Choice>
+        <mc:Fallback xmlns="">
+          <p:pic>
+            <p:nvPicPr>
+              <p:cNvPr id="10" name="Entrada de lápiz 9">
+                <a:extLst>
+                  <a:ext uri="{FF2B5EF4-FFF2-40B4-BE49-F238E27FC236}">
+                    <a16:creationId xmlns:a16="http://schemas.microsoft.com/office/drawing/2014/main" id="{A12937B4-3696-9A06-19F2-F36F1EC136D9}"/>
+                  </a:ext>
+                </a:extLst>
+              </p:cNvPr>
+              <p:cNvPicPr/>
+              <p:nvPr/>
+            </p:nvPicPr>
+            <p:blipFill>
+              <a:blip r:embed="rId8"/>
+              <a:stretch>
+                <a:fillRect/>
+              </a:stretch>
+            </p:blipFill>
+            <p:spPr>
+              <a:xfrm>
+                <a:off x="6885981" y="2704482"/>
+                <a:ext cx="2621160" cy="1008000"/>
+              </a:xfrm>
+              <a:prstGeom prst="rect">
+                <a:avLst/>
+              </a:prstGeom>
+            </p:spPr>
+          </p:pic>
+        </mc:Fallback>
+      </mc:AlternateContent>
+      <mc:AlternateContent xmlns:mc="http://schemas.openxmlformats.org/markup-compatibility/2006" xmlns:p14="http://schemas.microsoft.com/office/powerpoint/2010/main">
+        <mc:Choice Requires="p14">
+          <p:contentPart p14:bwMode="auto" r:id="rId9">
+            <p14:nvContentPartPr>
+              <p14:cNvPr id="11" name="Entrada de lápiz 10">
+                <a:extLst>
+                  <a:ext uri="{FF2B5EF4-FFF2-40B4-BE49-F238E27FC236}">
+                    <a16:creationId xmlns:a16="http://schemas.microsoft.com/office/drawing/2014/main" id="{BE7FEE6C-8569-AE8C-3166-C3F864F1642A}"/>
+                  </a:ext>
+                </a:extLst>
+              </p14:cNvPr>
+              <p14:cNvContentPartPr/>
+              <p14:nvPr/>
+            </p14:nvContentPartPr>
+            <p14:xfrm>
+              <a:off x="8044101" y="2928402"/>
+              <a:ext cx="1484640" cy="517680"/>
+            </p14:xfrm>
+          </p:contentPart>
+        </mc:Choice>
+        <mc:Fallback xmlns="">
+          <p:pic>
+            <p:nvPicPr>
+              <p:cNvPr id="11" name="Entrada de lápiz 10">
+                <a:extLst>
+                  <a:ext uri="{FF2B5EF4-FFF2-40B4-BE49-F238E27FC236}">
+                    <a16:creationId xmlns:a16="http://schemas.microsoft.com/office/drawing/2014/main" id="{BE7FEE6C-8569-AE8C-3166-C3F864F1642A}"/>
+                  </a:ext>
+                </a:extLst>
+              </p:cNvPr>
+              <p:cNvPicPr/>
+              <p:nvPr/>
+            </p:nvPicPr>
+            <p:blipFill>
+              <a:blip r:embed="rId10"/>
+              <a:stretch>
+                <a:fillRect/>
+              </a:stretch>
+            </p:blipFill>
+            <p:spPr>
+              <a:xfrm>
+                <a:off x="7999101" y="2838402"/>
+                <a:ext cx="1574280" cy="697320"/>
+              </a:xfrm>
+              <a:prstGeom prst="rect">
+                <a:avLst/>
+              </a:prstGeom>
+            </p:spPr>
+          </p:pic>
+        </mc:Fallback>
+      </mc:AlternateContent>
+    </p:spTree>
+    <p:extLst>
+      <p:ext uri="{BB962C8B-B14F-4D97-AF65-F5344CB8AC3E}">
+        <p14:creationId xmlns:p14="http://schemas.microsoft.com/office/powerpoint/2010/main" val="4233245566"/>
+      </p:ext>
+    </p:extLst>
+  </p:cSld>
+  <p:clrMapOvr>
+    <a:masterClrMapping/>
+  </p:clrMapOvr>
+</p:sld>
+</file>
+
+<file path=ppt/slides/slide12.xml><?xml version="1.0" encoding="utf-8"?>
 <p:sld xmlns:a="http://schemas.openxmlformats.org/drawingml/2006/main" xmlns:r="http://schemas.openxmlformats.org/officeDocument/2006/relationships" xmlns:p="http://schemas.openxmlformats.org/presentationml/2006/main">
   <p:cSld>
     <p:spTree>
@@ -4067,7 +6612,442 @@
 </p:sld>
 </file>
 
-<file path=ppt/slides/slide12.xml><?xml version="1.0" encoding="utf-8"?>
+<file path=ppt/slides/slide13.xml><?xml version="1.0" encoding="utf-8"?>
+<p:sld xmlns:a="http://schemas.openxmlformats.org/drawingml/2006/main" xmlns:r="http://schemas.openxmlformats.org/officeDocument/2006/relationships" xmlns:p="http://schemas.openxmlformats.org/presentationml/2006/main">
+  <p:cSld>
+    <p:spTree>
+      <p:nvGrpSpPr>
+        <p:cNvPr id="1" name=""/>
+        <p:cNvGrpSpPr/>
+        <p:nvPr/>
+      </p:nvGrpSpPr>
+      <p:grpSpPr>
+        <a:xfrm>
+          <a:off x="0" y="0"/>
+          <a:ext cx="0" cy="0"/>
+          <a:chOff x="0" y="0"/>
+          <a:chExt cx="0" cy="0"/>
+        </a:xfrm>
+      </p:grpSpPr>
+      <p:sp>
+        <p:nvSpPr>
+          <p:cNvPr id="2" name="CuadroTexto 1">
+            <a:extLst>
+              <a:ext uri="{FF2B5EF4-FFF2-40B4-BE49-F238E27FC236}">
+                <a16:creationId xmlns:a16="http://schemas.microsoft.com/office/drawing/2014/main" id="{C9AA13A3-B68B-68D1-3576-578070152D69}"/>
+              </a:ext>
+            </a:extLst>
+          </p:cNvPr>
+          <p:cNvSpPr txBox="1"/>
+          <p:nvPr/>
+        </p:nvSpPr>
+        <p:spPr>
+          <a:xfrm>
+            <a:off x="7726017" y="516835"/>
+            <a:ext cx="3233531" cy="3139321"/>
+          </a:xfrm>
+          <a:prstGeom prst="rect">
+            <a:avLst/>
+          </a:prstGeom>
+          <a:noFill/>
+        </p:spPr>
+        <p:txBody>
+          <a:bodyPr wrap="square" rtlCol="0">
+            <a:spAutoFit/>
+          </a:bodyPr>
+          <a:lstStyle/>
+          <a:p>
+            <a:r>
+              <a:rPr lang="es-ES" dirty="0"/>
+              <a:t>Aparece el conjunto de 6 grados de libertad, cortante, </a:t>
+            </a:r>
+            <a:r>
+              <a:rPr lang="es-ES" dirty="0" err="1"/>
+              <a:t>torsion</a:t>
+            </a:r>
+            <a:r>
+              <a:rPr lang="es-ES" dirty="0"/>
+              <a:t> </a:t>
+            </a:r>
+          </a:p>
+          <a:p>
+            <a:endParaRPr lang="es-ES" dirty="0"/>
+          </a:p>
+          <a:p>
+            <a:r>
+              <a:rPr lang="es-ES" dirty="0"/>
+              <a:t>Seleccionamos los últimos 2, para liberar momentos en los 2 extremos </a:t>
+            </a:r>
+          </a:p>
+          <a:p>
+            <a:r>
+              <a:rPr lang="es-GT" dirty="0"/>
+              <a:t> </a:t>
+            </a:r>
+          </a:p>
+          <a:p>
+            <a:r>
+              <a:rPr lang="es-GT" dirty="0"/>
+              <a:t>Y para el caso de </a:t>
+            </a:r>
+            <a:r>
+              <a:rPr lang="es-GT" dirty="0" err="1"/>
+              <a:t>torsion</a:t>
+            </a:r>
+            <a:r>
+              <a:rPr lang="es-GT" dirty="0"/>
+              <a:t> solo se libera uno de los 2 lados </a:t>
+            </a:r>
+          </a:p>
+          <a:p>
+            <a:endParaRPr lang="es-GT" dirty="0"/>
+          </a:p>
+          <a:p>
+            <a:r>
+              <a:rPr lang="es-GT" dirty="0"/>
+              <a:t>Cual es el punto </a:t>
+            </a:r>
+            <a:r>
+              <a:rPr lang="es-GT" dirty="0" err="1"/>
+              <a:t>star</a:t>
+            </a:r>
+            <a:r>
+              <a:rPr lang="es-GT" dirty="0"/>
+              <a:t> </a:t>
+            </a:r>
+            <a:endParaRPr lang="es-ES" dirty="0"/>
+          </a:p>
+        </p:txBody>
+      </p:sp>
+      <p:pic>
+        <p:nvPicPr>
+          <p:cNvPr id="5" name="Imagen 4">
+            <a:extLst>
+              <a:ext uri="{FF2B5EF4-FFF2-40B4-BE49-F238E27FC236}">
+                <a16:creationId xmlns:a16="http://schemas.microsoft.com/office/drawing/2014/main" id="{9068B6FE-4838-4A46-9B45-F3C90DF4A6F7}"/>
+              </a:ext>
+            </a:extLst>
+          </p:cNvPr>
+          <p:cNvPicPr>
+            <a:picLocks noChangeAspect="1"/>
+          </p:cNvPicPr>
+          <p:nvPr/>
+        </p:nvPicPr>
+        <p:blipFill>
+          <a:blip r:embed="rId2"/>
+          <a:stretch>
+            <a:fillRect/>
+          </a:stretch>
+        </p:blipFill>
+        <p:spPr>
+          <a:xfrm>
+            <a:off x="574665" y="410818"/>
+            <a:ext cx="6992326" cy="3858163"/>
+          </a:xfrm>
+          <a:prstGeom prst="rect">
+            <a:avLst/>
+          </a:prstGeom>
+        </p:spPr>
+      </p:pic>
+      <p:pic>
+        <p:nvPicPr>
+          <p:cNvPr id="7" name="Imagen 6">
+            <a:extLst>
+              <a:ext uri="{FF2B5EF4-FFF2-40B4-BE49-F238E27FC236}">
+                <a16:creationId xmlns:a16="http://schemas.microsoft.com/office/drawing/2014/main" id="{8932A789-BD61-6EA8-EEAE-43A3ADA06231}"/>
+              </a:ext>
+            </a:extLst>
+          </p:cNvPr>
+          <p:cNvPicPr>
+            <a:picLocks noChangeAspect="1"/>
+          </p:cNvPicPr>
+          <p:nvPr/>
+        </p:nvPicPr>
+        <p:blipFill>
+          <a:blip r:embed="rId3"/>
+          <a:stretch>
+            <a:fillRect/>
+          </a:stretch>
+        </p:blipFill>
+        <p:spPr>
+          <a:xfrm>
+            <a:off x="1047681" y="3967257"/>
+            <a:ext cx="6916115" cy="1600423"/>
+          </a:xfrm>
+          <a:prstGeom prst="rect">
+            <a:avLst/>
+          </a:prstGeom>
+        </p:spPr>
+      </p:pic>
+      <mc:AlternateContent xmlns:mc="http://schemas.openxmlformats.org/markup-compatibility/2006" xmlns:p14="http://schemas.microsoft.com/office/powerpoint/2010/main">
+        <mc:Choice Requires="p14">
+          <p:contentPart p14:bwMode="auto" r:id="rId4">
+            <p14:nvContentPartPr>
+              <p14:cNvPr id="8" name="Entrada de lápiz 7">
+                <a:extLst>
+                  <a:ext uri="{FF2B5EF4-FFF2-40B4-BE49-F238E27FC236}">
+                    <a16:creationId xmlns:a16="http://schemas.microsoft.com/office/drawing/2014/main" id="{CFB3FED7-A8A5-FB4D-4F4E-80E65BF2A4DD}"/>
+                  </a:ext>
+                </a:extLst>
+              </p14:cNvPr>
+              <p14:cNvContentPartPr/>
+              <p14:nvPr/>
+            </p14:nvContentPartPr>
+            <p14:xfrm>
+              <a:off x="4757661" y="4214322"/>
+              <a:ext cx="3061440" cy="412560"/>
+            </p14:xfrm>
+          </p:contentPart>
+        </mc:Choice>
+        <mc:Fallback xmlns="">
+          <p:pic>
+            <p:nvPicPr>
+              <p:cNvPr id="8" name="Entrada de lápiz 7">
+                <a:extLst>
+                  <a:ext uri="{FF2B5EF4-FFF2-40B4-BE49-F238E27FC236}">
+                    <a16:creationId xmlns:a16="http://schemas.microsoft.com/office/drawing/2014/main" id="{CFB3FED7-A8A5-FB4D-4F4E-80E65BF2A4DD}"/>
+                  </a:ext>
+                </a:extLst>
+              </p:cNvPr>
+              <p:cNvPicPr/>
+              <p:nvPr/>
+            </p:nvPicPr>
+            <p:blipFill>
+              <a:blip r:embed="rId5"/>
+              <a:stretch>
+                <a:fillRect/>
+              </a:stretch>
+            </p:blipFill>
+            <p:spPr>
+              <a:xfrm>
+                <a:off x="4721661" y="4142322"/>
+                <a:ext cx="3133080" cy="556200"/>
+              </a:xfrm>
+              <a:prstGeom prst="rect">
+                <a:avLst/>
+              </a:prstGeom>
+            </p:spPr>
+          </p:pic>
+        </mc:Fallback>
+      </mc:AlternateContent>
+      <mc:AlternateContent xmlns:mc="http://schemas.openxmlformats.org/markup-compatibility/2006" xmlns:p14="http://schemas.microsoft.com/office/powerpoint/2010/main">
+        <mc:Choice Requires="p14">
+          <p:contentPart p14:bwMode="auto" r:id="rId6">
+            <p14:nvContentPartPr>
+              <p14:cNvPr id="9" name="Entrada de lápiz 8">
+                <a:extLst>
+                  <a:ext uri="{FF2B5EF4-FFF2-40B4-BE49-F238E27FC236}">
+                    <a16:creationId xmlns:a16="http://schemas.microsoft.com/office/drawing/2014/main" id="{1771EBEF-61E7-3079-B209-8C3E2DD41B29}"/>
+                  </a:ext>
+                </a:extLst>
+              </p14:cNvPr>
+              <p14:cNvContentPartPr/>
+              <p14:nvPr/>
+            </p14:nvContentPartPr>
+            <p14:xfrm>
+              <a:off x="4585221" y="1351602"/>
+              <a:ext cx="676080" cy="119880"/>
+            </p14:xfrm>
+          </p:contentPart>
+        </mc:Choice>
+        <mc:Fallback xmlns="">
+          <p:pic>
+            <p:nvPicPr>
+              <p:cNvPr id="9" name="Entrada de lápiz 8">
+                <a:extLst>
+                  <a:ext uri="{FF2B5EF4-FFF2-40B4-BE49-F238E27FC236}">
+                    <a16:creationId xmlns:a16="http://schemas.microsoft.com/office/drawing/2014/main" id="{1771EBEF-61E7-3079-B209-8C3E2DD41B29}"/>
+                  </a:ext>
+                </a:extLst>
+              </p:cNvPr>
+              <p:cNvPicPr/>
+              <p:nvPr/>
+            </p:nvPicPr>
+            <p:blipFill>
+              <a:blip r:embed="rId7"/>
+              <a:stretch>
+                <a:fillRect/>
+              </a:stretch>
+            </p:blipFill>
+            <p:spPr>
+              <a:xfrm>
+                <a:off x="4549221" y="1279602"/>
+                <a:ext cx="747720" cy="263520"/>
+              </a:xfrm>
+              <a:prstGeom prst="rect">
+                <a:avLst/>
+              </a:prstGeom>
+            </p:spPr>
+          </p:pic>
+        </mc:Fallback>
+      </mc:AlternateContent>
+      <mc:AlternateContent xmlns:mc="http://schemas.openxmlformats.org/markup-compatibility/2006" xmlns:p14="http://schemas.microsoft.com/office/powerpoint/2010/main">
+        <mc:Choice Requires="p14">
+          <p:contentPart p14:bwMode="auto" r:id="rId8">
+            <p14:nvContentPartPr>
+              <p14:cNvPr id="10" name="Entrada de lápiz 9">
+                <a:extLst>
+                  <a:ext uri="{FF2B5EF4-FFF2-40B4-BE49-F238E27FC236}">
+                    <a16:creationId xmlns:a16="http://schemas.microsoft.com/office/drawing/2014/main" id="{75A1AA75-3578-2E3E-92AA-7072566B2C4A}"/>
+                  </a:ext>
+                </a:extLst>
+              </p14:cNvPr>
+              <p14:cNvContentPartPr/>
+              <p14:nvPr/>
+            </p14:nvContentPartPr>
+            <p14:xfrm>
+              <a:off x="861381" y="1465722"/>
+              <a:ext cx="54720" cy="705600"/>
+            </p14:xfrm>
+          </p:contentPart>
+        </mc:Choice>
+        <mc:Fallback xmlns="">
+          <p:pic>
+            <p:nvPicPr>
+              <p:cNvPr id="10" name="Entrada de lápiz 9">
+                <a:extLst>
+                  <a:ext uri="{FF2B5EF4-FFF2-40B4-BE49-F238E27FC236}">
+                    <a16:creationId xmlns:a16="http://schemas.microsoft.com/office/drawing/2014/main" id="{75A1AA75-3578-2E3E-92AA-7072566B2C4A}"/>
+                  </a:ext>
+                </a:extLst>
+              </p:cNvPr>
+              <p:cNvPicPr/>
+              <p:nvPr/>
+            </p:nvPicPr>
+            <p:blipFill>
+              <a:blip r:embed="rId9"/>
+              <a:stretch>
+                <a:fillRect/>
+              </a:stretch>
+            </p:blipFill>
+            <p:spPr>
+              <a:xfrm>
+                <a:off x="825381" y="1393722"/>
+                <a:ext cx="126360" cy="849240"/>
+              </a:xfrm>
+              <a:prstGeom prst="rect">
+                <a:avLst/>
+              </a:prstGeom>
+            </p:spPr>
+          </p:pic>
+        </mc:Fallback>
+      </mc:AlternateContent>
+      <mc:AlternateContent xmlns:mc="http://schemas.openxmlformats.org/markup-compatibility/2006" xmlns:p14="http://schemas.microsoft.com/office/powerpoint/2010/main">
+        <mc:Choice Requires="p14">
+          <p:contentPart p14:bwMode="auto" r:id="rId10">
+            <p14:nvContentPartPr>
+              <p14:cNvPr id="11" name="Entrada de lápiz 10">
+                <a:extLst>
+                  <a:ext uri="{FF2B5EF4-FFF2-40B4-BE49-F238E27FC236}">
+                    <a16:creationId xmlns:a16="http://schemas.microsoft.com/office/drawing/2014/main" id="{AFE73C82-11F6-45DB-78E9-4D0033ED2BFF}"/>
+                  </a:ext>
+                </a:extLst>
+              </p14:cNvPr>
+              <p14:cNvContentPartPr/>
+              <p14:nvPr/>
+            </p14:nvContentPartPr>
+            <p14:xfrm>
+              <a:off x="1351701" y="4545522"/>
+              <a:ext cx="795600" cy="491040"/>
+            </p14:xfrm>
+          </p:contentPart>
+        </mc:Choice>
+        <mc:Fallback xmlns="">
+          <p:pic>
+            <p:nvPicPr>
+              <p:cNvPr id="11" name="Entrada de lápiz 10">
+                <a:extLst>
+                  <a:ext uri="{FF2B5EF4-FFF2-40B4-BE49-F238E27FC236}">
+                    <a16:creationId xmlns:a16="http://schemas.microsoft.com/office/drawing/2014/main" id="{AFE73C82-11F6-45DB-78E9-4D0033ED2BFF}"/>
+                  </a:ext>
+                </a:extLst>
+              </p:cNvPr>
+              <p:cNvPicPr/>
+              <p:nvPr/>
+            </p:nvPicPr>
+            <p:blipFill>
+              <a:blip r:embed="rId11"/>
+              <a:stretch>
+                <a:fillRect/>
+              </a:stretch>
+            </p:blipFill>
+            <p:spPr>
+              <a:xfrm>
+                <a:off x="1315701" y="4473522"/>
+                <a:ext cx="867240" cy="634680"/>
+              </a:xfrm>
+              <a:prstGeom prst="rect">
+                <a:avLst/>
+              </a:prstGeom>
+            </p:spPr>
+          </p:pic>
+        </mc:Fallback>
+      </mc:AlternateContent>
+      <mc:AlternateContent xmlns:mc="http://schemas.openxmlformats.org/markup-compatibility/2006" xmlns:p14="http://schemas.microsoft.com/office/powerpoint/2010/main">
+        <mc:Choice Requires="p14">
+          <p:contentPart p14:bwMode="auto" r:id="rId12">
+            <p14:nvContentPartPr>
+              <p14:cNvPr id="12" name="Entrada de lápiz 11">
+                <a:extLst>
+                  <a:ext uri="{FF2B5EF4-FFF2-40B4-BE49-F238E27FC236}">
+                    <a16:creationId xmlns:a16="http://schemas.microsoft.com/office/drawing/2014/main" id="{C04DE286-6325-55E5-BB8C-891A24B4CB71}"/>
+                  </a:ext>
+                </a:extLst>
+              </p14:cNvPr>
+              <p14:cNvContentPartPr/>
+              <p14:nvPr/>
+            </p14:nvContentPartPr>
+            <p14:xfrm>
+              <a:off x="6387381" y="4280562"/>
+              <a:ext cx="1445040" cy="295920"/>
+            </p14:xfrm>
+          </p:contentPart>
+        </mc:Choice>
+        <mc:Fallback xmlns="">
+          <p:pic>
+            <p:nvPicPr>
+              <p:cNvPr id="12" name="Entrada de lápiz 11">
+                <a:extLst>
+                  <a:ext uri="{FF2B5EF4-FFF2-40B4-BE49-F238E27FC236}">
+                    <a16:creationId xmlns:a16="http://schemas.microsoft.com/office/drawing/2014/main" id="{C04DE286-6325-55E5-BB8C-891A24B4CB71}"/>
+                  </a:ext>
+                </a:extLst>
+              </p:cNvPr>
+              <p:cNvPicPr/>
+              <p:nvPr/>
+            </p:nvPicPr>
+            <p:blipFill>
+              <a:blip r:embed="rId13"/>
+              <a:stretch>
+                <a:fillRect/>
+              </a:stretch>
+            </p:blipFill>
+            <p:spPr>
+              <a:xfrm>
+                <a:off x="6351381" y="4208562"/>
+                <a:ext cx="1516680" cy="439560"/>
+              </a:xfrm>
+              <a:prstGeom prst="rect">
+                <a:avLst/>
+              </a:prstGeom>
+            </p:spPr>
+          </p:pic>
+        </mc:Fallback>
+      </mc:AlternateContent>
+    </p:spTree>
+    <p:extLst>
+      <p:ext uri="{BB962C8B-B14F-4D97-AF65-F5344CB8AC3E}">
+        <p14:creationId xmlns:p14="http://schemas.microsoft.com/office/powerpoint/2010/main" val="1648941903"/>
+      </p:ext>
+    </p:extLst>
+  </p:cSld>
+  <p:clrMapOvr>
+    <a:masterClrMapping/>
+  </p:clrMapOvr>
+</p:sld>
+</file>
+
+<file path=ppt/slides/slide14.xml><?xml version="1.0" encoding="utf-8"?>
 <p:sld xmlns:a="http://schemas.openxmlformats.org/drawingml/2006/main" xmlns:r="http://schemas.openxmlformats.org/officeDocument/2006/relationships" xmlns:p="http://schemas.openxmlformats.org/presentationml/2006/main">
   <p:cSld>
     <p:spTree>
@@ -4086,10 +7066,10 @@
       </p:grpSpPr>
       <p:pic>
         <p:nvPicPr>
-          <p:cNvPr id="3" name="Imagen 2">
+          <p:cNvPr id="4" name="Imagen 3">
             <a:extLst>
               <a:ext uri="{FF2B5EF4-FFF2-40B4-BE49-F238E27FC236}">
-                <a16:creationId xmlns:a16="http://schemas.microsoft.com/office/drawing/2014/main" id="{24EF3DF3-3B60-D78F-9725-1AC515D39211}"/>
+                <a16:creationId xmlns:a16="http://schemas.microsoft.com/office/drawing/2014/main" id="{2102467E-5BAE-9319-A05C-CF8B059F12CD}"/>
               </a:ext>
             </a:extLst>
           </p:cNvPr>
@@ -4106,8 +7086,1400 @@
         </p:blipFill>
         <p:spPr>
           <a:xfrm>
-            <a:off x="514271" y="1507018"/>
-            <a:ext cx="6268268" cy="4712752"/>
+            <a:off x="1331245" y="409153"/>
+            <a:ext cx="7249537" cy="6039693"/>
+          </a:xfrm>
+          <a:prstGeom prst="rect">
+            <a:avLst/>
+          </a:prstGeom>
+        </p:spPr>
+      </p:pic>
+      <p:sp>
+        <p:nvSpPr>
+          <p:cNvPr id="2" name="CuadroTexto 1">
+            <a:extLst>
+              <a:ext uri="{FF2B5EF4-FFF2-40B4-BE49-F238E27FC236}">
+                <a16:creationId xmlns:a16="http://schemas.microsoft.com/office/drawing/2014/main" id="{FC979887-F7A9-FDB4-7833-78FBEDBA7C7C}"/>
+              </a:ext>
+            </a:extLst>
+          </p:cNvPr>
+          <p:cNvSpPr txBox="1"/>
+          <p:nvPr/>
+        </p:nvSpPr>
+        <p:spPr>
+          <a:xfrm>
+            <a:off x="7089913" y="1258956"/>
+            <a:ext cx="4041913" cy="1200329"/>
+          </a:xfrm>
+          <a:prstGeom prst="rect">
+            <a:avLst/>
+          </a:prstGeom>
+          <a:noFill/>
+        </p:spPr>
+        <p:txBody>
+          <a:bodyPr wrap="square" rtlCol="0">
+            <a:spAutoFit/>
+          </a:bodyPr>
+          <a:lstStyle/>
+          <a:p>
+            <a:r>
+              <a:rPr lang="es-ES" dirty="0"/>
+              <a:t>Se seleccionan los 4 puntos de debajo de los empotramientos </a:t>
+            </a:r>
+          </a:p>
+          <a:p>
+            <a:endParaRPr lang="es-ES" dirty="0"/>
+          </a:p>
+          <a:p>
+            <a:r>
+              <a:rPr lang="es-ES" dirty="0"/>
+              <a:t>Asignar </a:t>
+            </a:r>
+            <a:r>
+              <a:rPr lang="es-ES" dirty="0" err="1"/>
+              <a:t>join</a:t>
+            </a:r>
+            <a:r>
+              <a:rPr lang="es-ES" dirty="0"/>
+              <a:t>, restricciones </a:t>
+            </a:r>
+            <a:endParaRPr lang="es-GT" dirty="0"/>
+          </a:p>
+        </p:txBody>
+      </p:sp>
+      <mc:AlternateContent xmlns:mc="http://schemas.openxmlformats.org/markup-compatibility/2006" xmlns:p14="http://schemas.microsoft.com/office/powerpoint/2010/main">
+        <mc:Choice Requires="p14">
+          <p:contentPart p14:bwMode="auto" r:id="rId3">
+            <p14:nvContentPartPr>
+              <p14:cNvPr id="5" name="Entrada de lápiz 4">
+                <a:extLst>
+                  <a:ext uri="{FF2B5EF4-FFF2-40B4-BE49-F238E27FC236}">
+                    <a16:creationId xmlns:a16="http://schemas.microsoft.com/office/drawing/2014/main" id="{60106268-E707-6F58-6645-B35D8E094AD7}"/>
+                  </a:ext>
+                </a:extLst>
+              </p14:cNvPr>
+              <p14:cNvContentPartPr/>
+              <p14:nvPr/>
+            </p14:nvContentPartPr>
+            <p14:xfrm>
+              <a:off x="2650581" y="5950242"/>
+              <a:ext cx="848520" cy="106200"/>
+            </p14:xfrm>
+          </p:contentPart>
+        </mc:Choice>
+        <mc:Fallback xmlns="">
+          <p:pic>
+            <p:nvPicPr>
+              <p:cNvPr id="5" name="Entrada de lápiz 4">
+                <a:extLst>
+                  <a:ext uri="{FF2B5EF4-FFF2-40B4-BE49-F238E27FC236}">
+                    <a16:creationId xmlns:a16="http://schemas.microsoft.com/office/drawing/2014/main" id="{60106268-E707-6F58-6645-B35D8E094AD7}"/>
+                  </a:ext>
+                </a:extLst>
+              </p:cNvPr>
+              <p:cNvPicPr/>
+              <p:nvPr/>
+            </p:nvPicPr>
+            <p:blipFill>
+              <a:blip r:embed="rId4"/>
+              <a:stretch>
+                <a:fillRect/>
+              </a:stretch>
+            </p:blipFill>
+            <p:spPr>
+              <a:xfrm>
+                <a:off x="2605581" y="5860242"/>
+                <a:ext cx="938160" cy="285840"/>
+              </a:xfrm>
+              <a:prstGeom prst="rect">
+                <a:avLst/>
+              </a:prstGeom>
+            </p:spPr>
+          </p:pic>
+        </mc:Fallback>
+      </mc:AlternateContent>
+      <mc:AlternateContent xmlns:mc="http://schemas.openxmlformats.org/markup-compatibility/2006" xmlns:p14="http://schemas.microsoft.com/office/powerpoint/2010/main">
+        <mc:Choice Requires="p14">
+          <p:contentPart p14:bwMode="auto" r:id="rId5">
+            <p14:nvContentPartPr>
+              <p14:cNvPr id="6" name="Entrada de lápiz 5">
+                <a:extLst>
+                  <a:ext uri="{FF2B5EF4-FFF2-40B4-BE49-F238E27FC236}">
+                    <a16:creationId xmlns:a16="http://schemas.microsoft.com/office/drawing/2014/main" id="{45AB2D8A-8D7C-0692-6CC6-C38519AB4B5B}"/>
+                  </a:ext>
+                </a:extLst>
+              </p14:cNvPr>
+              <p14:cNvContentPartPr/>
+              <p14:nvPr/>
+            </p14:nvContentPartPr>
+            <p14:xfrm>
+              <a:off x="5194701" y="5884002"/>
+              <a:ext cx="928080" cy="146520"/>
+            </p14:xfrm>
+          </p:contentPart>
+        </mc:Choice>
+        <mc:Fallback xmlns="">
+          <p:pic>
+            <p:nvPicPr>
+              <p:cNvPr id="6" name="Entrada de lápiz 5">
+                <a:extLst>
+                  <a:ext uri="{FF2B5EF4-FFF2-40B4-BE49-F238E27FC236}">
+                    <a16:creationId xmlns:a16="http://schemas.microsoft.com/office/drawing/2014/main" id="{45AB2D8A-8D7C-0692-6CC6-C38519AB4B5B}"/>
+                  </a:ext>
+                </a:extLst>
+              </p:cNvPr>
+              <p:cNvPicPr/>
+              <p:nvPr/>
+            </p:nvPicPr>
+            <p:blipFill>
+              <a:blip r:embed="rId6"/>
+              <a:stretch>
+                <a:fillRect/>
+              </a:stretch>
+            </p:blipFill>
+            <p:spPr>
+              <a:xfrm>
+                <a:off x="5149701" y="5794002"/>
+                <a:ext cx="1017720" cy="326160"/>
+              </a:xfrm>
+              <a:prstGeom prst="rect">
+                <a:avLst/>
+              </a:prstGeom>
+            </p:spPr>
+          </p:pic>
+        </mc:Fallback>
+      </mc:AlternateContent>
+      <mc:AlternateContent xmlns:mc="http://schemas.openxmlformats.org/markup-compatibility/2006" xmlns:p14="http://schemas.microsoft.com/office/powerpoint/2010/main">
+        <mc:Choice Requires="p14">
+          <p:contentPart p14:bwMode="auto" r:id="rId7">
+            <p14:nvContentPartPr>
+              <p14:cNvPr id="7" name="Entrada de lápiz 6">
+                <a:extLst>
+                  <a:ext uri="{FF2B5EF4-FFF2-40B4-BE49-F238E27FC236}">
+                    <a16:creationId xmlns:a16="http://schemas.microsoft.com/office/drawing/2014/main" id="{187B743A-AE93-E3BA-3707-728CC2696452}"/>
+                  </a:ext>
+                </a:extLst>
+              </p14:cNvPr>
+              <p14:cNvContentPartPr/>
+              <p14:nvPr/>
+            </p14:nvContentPartPr>
+            <p14:xfrm>
+              <a:off x="4651461" y="5950242"/>
+              <a:ext cx="1312200" cy="27000"/>
+            </p14:xfrm>
+          </p:contentPart>
+        </mc:Choice>
+        <mc:Fallback xmlns="">
+          <p:pic>
+            <p:nvPicPr>
+              <p:cNvPr id="7" name="Entrada de lápiz 6">
+                <a:extLst>
+                  <a:ext uri="{FF2B5EF4-FFF2-40B4-BE49-F238E27FC236}">
+                    <a16:creationId xmlns:a16="http://schemas.microsoft.com/office/drawing/2014/main" id="{187B743A-AE93-E3BA-3707-728CC2696452}"/>
+                  </a:ext>
+                </a:extLst>
+              </p:cNvPr>
+              <p:cNvPicPr/>
+              <p:nvPr/>
+            </p:nvPicPr>
+            <p:blipFill>
+              <a:blip r:embed="rId8"/>
+              <a:stretch>
+                <a:fillRect/>
+              </a:stretch>
+            </p:blipFill>
+            <p:spPr>
+              <a:xfrm>
+                <a:off x="4606461" y="5860242"/>
+                <a:ext cx="1401840" cy="206640"/>
+              </a:xfrm>
+              <a:prstGeom prst="rect">
+                <a:avLst/>
+              </a:prstGeom>
+            </p:spPr>
+          </p:pic>
+        </mc:Fallback>
+      </mc:AlternateContent>
+      <mc:AlternateContent xmlns:mc="http://schemas.openxmlformats.org/markup-compatibility/2006" xmlns:p14="http://schemas.microsoft.com/office/powerpoint/2010/main">
+        <mc:Choice Requires="p14">
+          <p:contentPart p14:bwMode="auto" r:id="rId9">
+            <p14:nvContentPartPr>
+              <p14:cNvPr id="8" name="Entrada de lápiz 7">
+                <a:extLst>
+                  <a:ext uri="{FF2B5EF4-FFF2-40B4-BE49-F238E27FC236}">
+                    <a16:creationId xmlns:a16="http://schemas.microsoft.com/office/drawing/2014/main" id="{85E267D0-DF80-AC13-8080-3FFC40E6B476}"/>
+                  </a:ext>
+                </a:extLst>
+              </p14:cNvPr>
+              <p14:cNvContentPartPr/>
+              <p14:nvPr/>
+            </p14:nvContentPartPr>
+            <p14:xfrm>
+              <a:off x="7407981" y="5923602"/>
+              <a:ext cx="609840" cy="98280"/>
+            </p14:xfrm>
+          </p:contentPart>
+        </mc:Choice>
+        <mc:Fallback xmlns="">
+          <p:pic>
+            <p:nvPicPr>
+              <p:cNvPr id="8" name="Entrada de lápiz 7">
+                <a:extLst>
+                  <a:ext uri="{FF2B5EF4-FFF2-40B4-BE49-F238E27FC236}">
+                    <a16:creationId xmlns:a16="http://schemas.microsoft.com/office/drawing/2014/main" id="{85E267D0-DF80-AC13-8080-3FFC40E6B476}"/>
+                  </a:ext>
+                </a:extLst>
+              </p:cNvPr>
+              <p:cNvPicPr/>
+              <p:nvPr/>
+            </p:nvPicPr>
+            <p:blipFill>
+              <a:blip r:embed="rId10"/>
+              <a:stretch>
+                <a:fillRect/>
+              </a:stretch>
+            </p:blipFill>
+            <p:spPr>
+              <a:xfrm>
+                <a:off x="7362981" y="5833602"/>
+                <a:ext cx="699480" cy="277920"/>
+              </a:xfrm>
+              <a:prstGeom prst="rect">
+                <a:avLst/>
+              </a:prstGeom>
+            </p:spPr>
+          </p:pic>
+        </mc:Fallback>
+      </mc:AlternateContent>
+      <mc:AlternateContent xmlns:mc="http://schemas.openxmlformats.org/markup-compatibility/2006" xmlns:p14="http://schemas.microsoft.com/office/powerpoint/2010/main">
+        <mc:Choice Requires="p14">
+          <p:contentPart p14:bwMode="auto" r:id="rId11">
+            <p14:nvContentPartPr>
+              <p14:cNvPr id="9" name="Entrada de lápiz 8">
+                <a:extLst>
+                  <a:ext uri="{FF2B5EF4-FFF2-40B4-BE49-F238E27FC236}">
+                    <a16:creationId xmlns:a16="http://schemas.microsoft.com/office/drawing/2014/main" id="{5835B764-1E39-AA20-C6DD-91693460D94D}"/>
+                  </a:ext>
+                </a:extLst>
+              </p14:cNvPr>
+              <p14:cNvContentPartPr/>
+              <p14:nvPr/>
+            </p14:nvContentPartPr>
+            <p14:xfrm>
+              <a:off x="9687501" y="6029802"/>
+              <a:ext cx="676080" cy="80640"/>
+            </p14:xfrm>
+          </p:contentPart>
+        </mc:Choice>
+        <mc:Fallback xmlns="">
+          <p:pic>
+            <p:nvPicPr>
+              <p:cNvPr id="9" name="Entrada de lápiz 8">
+                <a:extLst>
+                  <a:ext uri="{FF2B5EF4-FFF2-40B4-BE49-F238E27FC236}">
+                    <a16:creationId xmlns:a16="http://schemas.microsoft.com/office/drawing/2014/main" id="{5835B764-1E39-AA20-C6DD-91693460D94D}"/>
+                  </a:ext>
+                </a:extLst>
+              </p:cNvPr>
+              <p:cNvPicPr/>
+              <p:nvPr/>
+            </p:nvPicPr>
+            <p:blipFill>
+              <a:blip r:embed="rId12"/>
+              <a:stretch>
+                <a:fillRect/>
+              </a:stretch>
+            </p:blipFill>
+            <p:spPr>
+              <a:xfrm>
+                <a:off x="9642501" y="5939802"/>
+                <a:ext cx="765720" cy="260280"/>
+              </a:xfrm>
+              <a:prstGeom prst="rect">
+                <a:avLst/>
+              </a:prstGeom>
+            </p:spPr>
+          </p:pic>
+        </mc:Fallback>
+      </mc:AlternateContent>
+      <mc:AlternateContent xmlns:mc="http://schemas.openxmlformats.org/markup-compatibility/2006" xmlns:p14="http://schemas.microsoft.com/office/powerpoint/2010/main">
+        <mc:Choice Requires="p14">
+          <p:contentPart p14:bwMode="auto" r:id="rId13">
+            <p14:nvContentPartPr>
+              <p14:cNvPr id="10" name="Entrada de lápiz 9">
+                <a:extLst>
+                  <a:ext uri="{FF2B5EF4-FFF2-40B4-BE49-F238E27FC236}">
+                    <a16:creationId xmlns:a16="http://schemas.microsoft.com/office/drawing/2014/main" id="{6FD10FA9-130C-0A5C-D7C5-9BA1F92ACA5F}"/>
+                  </a:ext>
+                </a:extLst>
+              </p14:cNvPr>
+              <p14:cNvContentPartPr/>
+              <p14:nvPr/>
+            </p14:nvContentPartPr>
+            <p14:xfrm>
+              <a:off x="1842021" y="469242"/>
+              <a:ext cx="5433840" cy="649080"/>
+            </p14:xfrm>
+          </p:contentPart>
+        </mc:Choice>
+        <mc:Fallback xmlns="">
+          <p:pic>
+            <p:nvPicPr>
+              <p:cNvPr id="10" name="Entrada de lápiz 9">
+                <a:extLst>
+                  <a:ext uri="{FF2B5EF4-FFF2-40B4-BE49-F238E27FC236}">
+                    <a16:creationId xmlns:a16="http://schemas.microsoft.com/office/drawing/2014/main" id="{6FD10FA9-130C-0A5C-D7C5-9BA1F92ACA5F}"/>
+                  </a:ext>
+                </a:extLst>
+              </p:cNvPr>
+              <p:cNvPicPr/>
+              <p:nvPr/>
+            </p:nvPicPr>
+            <p:blipFill>
+              <a:blip r:embed="rId14"/>
+              <a:stretch>
+                <a:fillRect/>
+              </a:stretch>
+            </p:blipFill>
+            <p:spPr>
+              <a:xfrm>
+                <a:off x="1797021" y="379242"/>
+                <a:ext cx="5523480" cy="828720"/>
+              </a:xfrm>
+              <a:prstGeom prst="rect">
+                <a:avLst/>
+              </a:prstGeom>
+            </p:spPr>
+          </p:pic>
+        </mc:Fallback>
+      </mc:AlternateContent>
+    </p:spTree>
+    <p:extLst>
+      <p:ext uri="{BB962C8B-B14F-4D97-AF65-F5344CB8AC3E}">
+        <p14:creationId xmlns:p14="http://schemas.microsoft.com/office/powerpoint/2010/main" val="2413739714"/>
+      </p:ext>
+    </p:extLst>
+  </p:cSld>
+  <p:clrMapOvr>
+    <a:masterClrMapping/>
+  </p:clrMapOvr>
+</p:sld>
+</file>
+
+<file path=ppt/slides/slide15.xml><?xml version="1.0" encoding="utf-8"?>
+<p:sld xmlns:a="http://schemas.openxmlformats.org/drawingml/2006/main" xmlns:r="http://schemas.openxmlformats.org/officeDocument/2006/relationships" xmlns:p="http://schemas.openxmlformats.org/presentationml/2006/main">
+  <p:cSld>
+    <p:spTree>
+      <p:nvGrpSpPr>
+        <p:cNvPr id="1" name=""/>
+        <p:cNvGrpSpPr/>
+        <p:nvPr/>
+      </p:nvGrpSpPr>
+      <p:grpSpPr>
+        <a:xfrm>
+          <a:off x="0" y="0"/>
+          <a:ext cx="0" cy="0"/>
+          <a:chOff x="0" y="0"/>
+          <a:chExt cx="0" cy="0"/>
+        </a:xfrm>
+      </p:grpSpPr>
+      <p:sp>
+        <p:nvSpPr>
+          <p:cNvPr id="4" name="CuadroTexto 3">
+            <a:extLst>
+              <a:ext uri="{FF2B5EF4-FFF2-40B4-BE49-F238E27FC236}">
+                <a16:creationId xmlns:a16="http://schemas.microsoft.com/office/drawing/2014/main" id="{1D7EC95D-A88A-23E8-9FF3-DFEEB5351B92}"/>
+              </a:ext>
+            </a:extLst>
+          </p:cNvPr>
+          <p:cNvSpPr txBox="1"/>
+          <p:nvPr/>
+        </p:nvSpPr>
+        <p:spPr>
+          <a:xfrm>
+            <a:off x="2544417" y="556591"/>
+            <a:ext cx="2809461" cy="646331"/>
+          </a:xfrm>
+          <a:prstGeom prst="rect">
+            <a:avLst/>
+          </a:prstGeom>
+          <a:noFill/>
+        </p:spPr>
+        <p:txBody>
+          <a:bodyPr wrap="square" rtlCol="0">
+            <a:spAutoFit/>
+          </a:bodyPr>
+          <a:lstStyle/>
+          <a:p>
+            <a:r>
+              <a:rPr lang="es-ES" dirty="0"/>
+              <a:t>Quitamos todas las restricciones </a:t>
+            </a:r>
+            <a:endParaRPr lang="es-GT" dirty="0"/>
+          </a:p>
+        </p:txBody>
+      </p:sp>
+      <p:pic>
+        <p:nvPicPr>
+          <p:cNvPr id="6" name="Imagen 5">
+            <a:extLst>
+              <a:ext uri="{FF2B5EF4-FFF2-40B4-BE49-F238E27FC236}">
+                <a16:creationId xmlns:a16="http://schemas.microsoft.com/office/drawing/2014/main" id="{83C449CE-0C05-BD33-38D5-F5CF69747FE5}"/>
+              </a:ext>
+            </a:extLst>
+          </p:cNvPr>
+          <p:cNvPicPr>
+            <a:picLocks noChangeAspect="1"/>
+          </p:cNvPicPr>
+          <p:nvPr/>
+        </p:nvPicPr>
+        <p:blipFill>
+          <a:blip r:embed="rId2"/>
+          <a:stretch>
+            <a:fillRect/>
+          </a:stretch>
+        </p:blipFill>
+        <p:spPr>
+          <a:xfrm>
+            <a:off x="1620128" y="1271286"/>
+            <a:ext cx="8183117" cy="4315427"/>
+          </a:xfrm>
+          <a:prstGeom prst="rect">
+            <a:avLst/>
+          </a:prstGeom>
+        </p:spPr>
+      </p:pic>
+      <mc:AlternateContent xmlns:mc="http://schemas.openxmlformats.org/markup-compatibility/2006" xmlns:p14="http://schemas.microsoft.com/office/powerpoint/2010/main">
+        <mc:Choice Requires="p14">
+          <p:contentPart p14:bwMode="auto" r:id="rId3">
+            <p14:nvContentPartPr>
+              <p14:cNvPr id="7" name="Entrada de lápiz 6">
+                <a:extLst>
+                  <a:ext uri="{FF2B5EF4-FFF2-40B4-BE49-F238E27FC236}">
+                    <a16:creationId xmlns:a16="http://schemas.microsoft.com/office/drawing/2014/main" id="{7EDDD0BE-6ED5-AFD8-D613-A6BED82984C2}"/>
+                  </a:ext>
+                </a:extLst>
+              </p14:cNvPr>
+              <p14:cNvContentPartPr/>
+              <p14:nvPr/>
+            </p14:nvContentPartPr>
+            <p14:xfrm>
+              <a:off x="3803301" y="1895202"/>
+              <a:ext cx="226080" cy="638280"/>
+            </p14:xfrm>
+          </p:contentPart>
+        </mc:Choice>
+        <mc:Fallback xmlns="">
+          <p:pic>
+            <p:nvPicPr>
+              <p:cNvPr id="7" name="Entrada de lápiz 6">
+                <a:extLst>
+                  <a:ext uri="{FF2B5EF4-FFF2-40B4-BE49-F238E27FC236}">
+                    <a16:creationId xmlns:a16="http://schemas.microsoft.com/office/drawing/2014/main" id="{7EDDD0BE-6ED5-AFD8-D613-A6BED82984C2}"/>
+                  </a:ext>
+                </a:extLst>
+              </p:cNvPr>
+              <p:cNvPicPr/>
+              <p:nvPr/>
+            </p:nvPicPr>
+            <p:blipFill>
+              <a:blip r:embed="rId4"/>
+              <a:stretch>
+                <a:fillRect/>
+              </a:stretch>
+            </p:blipFill>
+            <p:spPr>
+              <a:xfrm>
+                <a:off x="3758301" y="1805202"/>
+                <a:ext cx="315720" cy="817920"/>
+              </a:xfrm>
+              <a:prstGeom prst="rect">
+                <a:avLst/>
+              </a:prstGeom>
+            </p:spPr>
+          </p:pic>
+        </mc:Fallback>
+      </mc:AlternateContent>
+      <mc:AlternateContent xmlns:mc="http://schemas.openxmlformats.org/markup-compatibility/2006" xmlns:p14="http://schemas.microsoft.com/office/powerpoint/2010/main">
+        <mc:Choice Requires="p14">
+          <p:contentPart p14:bwMode="auto" r:id="rId5">
+            <p14:nvContentPartPr>
+              <p14:cNvPr id="8" name="Entrada de lápiz 7">
+                <a:extLst>
+                  <a:ext uri="{FF2B5EF4-FFF2-40B4-BE49-F238E27FC236}">
+                    <a16:creationId xmlns:a16="http://schemas.microsoft.com/office/drawing/2014/main" id="{FF16951C-FBAD-DFE2-0DA7-3A5E67863E50}"/>
+                  </a:ext>
+                </a:extLst>
+              </p14:cNvPr>
+              <p14:cNvContentPartPr/>
+              <p14:nvPr/>
+            </p14:nvContentPartPr>
+            <p14:xfrm>
+              <a:off x="4810581" y="1722762"/>
+              <a:ext cx="371520" cy="742680"/>
+            </p14:xfrm>
+          </p:contentPart>
+        </mc:Choice>
+        <mc:Fallback xmlns="">
+          <p:pic>
+            <p:nvPicPr>
+              <p:cNvPr id="8" name="Entrada de lápiz 7">
+                <a:extLst>
+                  <a:ext uri="{FF2B5EF4-FFF2-40B4-BE49-F238E27FC236}">
+                    <a16:creationId xmlns:a16="http://schemas.microsoft.com/office/drawing/2014/main" id="{FF16951C-FBAD-DFE2-0DA7-3A5E67863E50}"/>
+                  </a:ext>
+                </a:extLst>
+              </p:cNvPr>
+              <p:cNvPicPr/>
+              <p:nvPr/>
+            </p:nvPicPr>
+            <p:blipFill>
+              <a:blip r:embed="rId6"/>
+              <a:stretch>
+                <a:fillRect/>
+              </a:stretch>
+            </p:blipFill>
+            <p:spPr>
+              <a:xfrm>
+                <a:off x="4765581" y="1632762"/>
+                <a:ext cx="461160" cy="922320"/>
+              </a:xfrm>
+              <a:prstGeom prst="rect">
+                <a:avLst/>
+              </a:prstGeom>
+            </p:spPr>
+          </p:pic>
+        </mc:Fallback>
+      </mc:AlternateContent>
+      <mc:AlternateContent xmlns:mc="http://schemas.openxmlformats.org/markup-compatibility/2006" xmlns:p14="http://schemas.microsoft.com/office/powerpoint/2010/main">
+        <mc:Choice Requires="p14">
+          <p:contentPart p14:bwMode="auto" r:id="rId7">
+            <p14:nvContentPartPr>
+              <p14:cNvPr id="9" name="Entrada de lápiz 8">
+                <a:extLst>
+                  <a:ext uri="{FF2B5EF4-FFF2-40B4-BE49-F238E27FC236}">
+                    <a16:creationId xmlns:a16="http://schemas.microsoft.com/office/drawing/2014/main" id="{F6D2B8C9-2E32-FA90-3E77-E10ABDEF5FCB}"/>
+                  </a:ext>
+                </a:extLst>
+              </p14:cNvPr>
+              <p14:cNvContentPartPr/>
+              <p14:nvPr/>
+            </p14:nvContentPartPr>
+            <p14:xfrm>
+              <a:off x="1736181" y="5141682"/>
+              <a:ext cx="8210880" cy="399600"/>
+            </p14:xfrm>
+          </p:contentPart>
+        </mc:Choice>
+        <mc:Fallback xmlns="">
+          <p:pic>
+            <p:nvPicPr>
+              <p:cNvPr id="9" name="Entrada de lápiz 8">
+                <a:extLst>
+                  <a:ext uri="{FF2B5EF4-FFF2-40B4-BE49-F238E27FC236}">
+                    <a16:creationId xmlns:a16="http://schemas.microsoft.com/office/drawing/2014/main" id="{F6D2B8C9-2E32-FA90-3E77-E10ABDEF5FCB}"/>
+                  </a:ext>
+                </a:extLst>
+              </p:cNvPr>
+              <p:cNvPicPr/>
+              <p:nvPr/>
+            </p:nvPicPr>
+            <p:blipFill>
+              <a:blip r:embed="rId8"/>
+              <a:stretch>
+                <a:fillRect/>
+              </a:stretch>
+            </p:blipFill>
+            <p:spPr>
+              <a:xfrm>
+                <a:off x="1691181" y="5051682"/>
+                <a:ext cx="8300520" cy="579240"/>
+              </a:xfrm>
+              <a:prstGeom prst="rect">
+                <a:avLst/>
+              </a:prstGeom>
+            </p:spPr>
+          </p:pic>
+        </mc:Fallback>
+      </mc:AlternateContent>
+    </p:spTree>
+    <p:extLst>
+      <p:ext uri="{BB962C8B-B14F-4D97-AF65-F5344CB8AC3E}">
+        <p14:creationId xmlns:p14="http://schemas.microsoft.com/office/powerpoint/2010/main" val="3248127143"/>
+      </p:ext>
+    </p:extLst>
+  </p:cSld>
+  <p:clrMapOvr>
+    <a:masterClrMapping/>
+  </p:clrMapOvr>
+</p:sld>
+</file>
+
+<file path=ppt/slides/slide16.xml><?xml version="1.0" encoding="utf-8"?>
+<p:sld xmlns:a="http://schemas.openxmlformats.org/drawingml/2006/main" xmlns:r="http://schemas.openxmlformats.org/officeDocument/2006/relationships" xmlns:p="http://schemas.openxmlformats.org/presentationml/2006/main">
+  <p:cSld>
+    <p:spTree>
+      <p:nvGrpSpPr>
+        <p:cNvPr id="1" name=""/>
+        <p:cNvGrpSpPr/>
+        <p:nvPr/>
+      </p:nvGrpSpPr>
+      <p:grpSpPr>
+        <a:xfrm>
+          <a:off x="0" y="0"/>
+          <a:ext cx="0" cy="0"/>
+          <a:chOff x="0" y="0"/>
+          <a:chExt cx="0" cy="0"/>
+        </a:xfrm>
+      </p:grpSpPr>
+      <p:sp>
+        <p:nvSpPr>
+          <p:cNvPr id="2" name="CuadroTexto 1">
+            <a:extLst>
+              <a:ext uri="{FF2B5EF4-FFF2-40B4-BE49-F238E27FC236}">
+                <a16:creationId xmlns:a16="http://schemas.microsoft.com/office/drawing/2014/main" id="{5091B143-FF82-1AC6-7ADA-02A526F3D7A8}"/>
+              </a:ext>
+            </a:extLst>
+          </p:cNvPr>
+          <p:cNvSpPr txBox="1"/>
+          <p:nvPr/>
+        </p:nvSpPr>
+        <p:spPr>
+          <a:xfrm>
+            <a:off x="1908313" y="649357"/>
+            <a:ext cx="4187688" cy="1200329"/>
+          </a:xfrm>
+          <a:prstGeom prst="rect">
+            <a:avLst/>
+          </a:prstGeom>
+          <a:noFill/>
+        </p:spPr>
+        <p:txBody>
+          <a:bodyPr wrap="square" rtlCol="0">
+            <a:spAutoFit/>
+          </a:bodyPr>
+          <a:lstStyle/>
+          <a:p>
+            <a:r>
+              <a:rPr lang="es-ES" dirty="0"/>
+              <a:t>Luego asignamos un empotramiento al inicio izquierdo inferior según el ejemplo </a:t>
+            </a:r>
+            <a:r>
+              <a:rPr lang="es-ES" b="1" dirty="0"/>
+              <a:t>seleccionamos antes ese punto, </a:t>
+            </a:r>
+            <a:r>
+              <a:rPr lang="es-ES" dirty="0"/>
+              <a:t>restricción en 3 </a:t>
+            </a:r>
+            <a:r>
+              <a:rPr lang="es-ES" dirty="0" err="1"/>
+              <a:t>traslacciones</a:t>
+            </a:r>
+            <a:r>
+              <a:rPr lang="es-ES" dirty="0"/>
+              <a:t> </a:t>
+            </a:r>
+            <a:endParaRPr lang="es-GT" dirty="0"/>
+          </a:p>
+        </p:txBody>
+      </p:sp>
+      <p:pic>
+        <p:nvPicPr>
+          <p:cNvPr id="4" name="Imagen 3">
+            <a:extLst>
+              <a:ext uri="{FF2B5EF4-FFF2-40B4-BE49-F238E27FC236}">
+                <a16:creationId xmlns:a16="http://schemas.microsoft.com/office/drawing/2014/main" id="{53AC2473-8678-925F-977C-976E3AE41F8A}"/>
+              </a:ext>
+            </a:extLst>
+          </p:cNvPr>
+          <p:cNvPicPr>
+            <a:picLocks noChangeAspect="1"/>
+          </p:cNvPicPr>
+          <p:nvPr/>
+        </p:nvPicPr>
+        <p:blipFill>
+          <a:blip r:embed="rId2"/>
+          <a:stretch>
+            <a:fillRect/>
+          </a:stretch>
+        </p:blipFill>
+        <p:spPr>
+          <a:xfrm>
+            <a:off x="1619537" y="1809524"/>
+            <a:ext cx="4791744" cy="3238952"/>
+          </a:xfrm>
+          <a:prstGeom prst="rect">
+            <a:avLst/>
+          </a:prstGeom>
+        </p:spPr>
+      </p:pic>
+      <mc:AlternateContent xmlns:mc="http://schemas.openxmlformats.org/markup-compatibility/2006" xmlns:p14="http://schemas.microsoft.com/office/powerpoint/2010/main">
+        <mc:Choice Requires="p14">
+          <p:contentPart p14:bwMode="auto" r:id="rId3">
+            <p14:nvContentPartPr>
+              <p14:cNvPr id="5" name="Entrada de lápiz 4">
+                <a:extLst>
+                  <a:ext uri="{FF2B5EF4-FFF2-40B4-BE49-F238E27FC236}">
+                    <a16:creationId xmlns:a16="http://schemas.microsoft.com/office/drawing/2014/main" id="{7E175757-F703-B4AC-914E-0514AD9949DD}"/>
+                  </a:ext>
+                </a:extLst>
+              </p14:cNvPr>
+              <p14:cNvContentPartPr/>
+              <p14:nvPr/>
+            </p14:nvContentPartPr>
+            <p14:xfrm>
+              <a:off x="1722861" y="4558842"/>
+              <a:ext cx="702720" cy="75600"/>
+            </p14:xfrm>
+          </p:contentPart>
+        </mc:Choice>
+        <mc:Fallback xmlns="">
+          <p:pic>
+            <p:nvPicPr>
+              <p:cNvPr id="5" name="Entrada de lápiz 4">
+                <a:extLst>
+                  <a:ext uri="{FF2B5EF4-FFF2-40B4-BE49-F238E27FC236}">
+                    <a16:creationId xmlns:a16="http://schemas.microsoft.com/office/drawing/2014/main" id="{7E175757-F703-B4AC-914E-0514AD9949DD}"/>
+                  </a:ext>
+                </a:extLst>
+              </p:cNvPr>
+              <p:cNvPicPr/>
+              <p:nvPr/>
+            </p:nvPicPr>
+            <p:blipFill>
+              <a:blip r:embed="rId4"/>
+              <a:stretch>
+                <a:fillRect/>
+              </a:stretch>
+            </p:blipFill>
+            <p:spPr>
+              <a:xfrm>
+                <a:off x="1677861" y="4468842"/>
+                <a:ext cx="792360" cy="255240"/>
+              </a:xfrm>
+              <a:prstGeom prst="rect">
+                <a:avLst/>
+              </a:prstGeom>
+            </p:spPr>
+          </p:pic>
+        </mc:Fallback>
+      </mc:AlternateContent>
+      <mc:AlternateContent xmlns:mc="http://schemas.openxmlformats.org/markup-compatibility/2006" xmlns:p14="http://schemas.microsoft.com/office/powerpoint/2010/main">
+        <mc:Choice Requires="p14">
+          <p:contentPart p14:bwMode="auto" r:id="rId5">
+            <p14:nvContentPartPr>
+              <p14:cNvPr id="6" name="Entrada de lápiz 5">
+                <a:extLst>
+                  <a:ext uri="{FF2B5EF4-FFF2-40B4-BE49-F238E27FC236}">
+                    <a16:creationId xmlns:a16="http://schemas.microsoft.com/office/drawing/2014/main" id="{3C2FD132-A691-5F7D-68D7-09EA7E98D529}"/>
+                  </a:ext>
+                </a:extLst>
+              </p14:cNvPr>
+              <p14:cNvContentPartPr/>
+              <p14:nvPr/>
+            </p14:nvContentPartPr>
+            <p14:xfrm>
+              <a:off x="3139461" y="2358882"/>
+              <a:ext cx="453600" cy="783000"/>
+            </p14:xfrm>
+          </p:contentPart>
+        </mc:Choice>
+        <mc:Fallback xmlns="">
+          <p:pic>
+            <p:nvPicPr>
+              <p:cNvPr id="6" name="Entrada de lápiz 5">
+                <a:extLst>
+                  <a:ext uri="{FF2B5EF4-FFF2-40B4-BE49-F238E27FC236}">
+                    <a16:creationId xmlns:a16="http://schemas.microsoft.com/office/drawing/2014/main" id="{3C2FD132-A691-5F7D-68D7-09EA7E98D529}"/>
+                  </a:ext>
+                </a:extLst>
+              </p:cNvPr>
+              <p:cNvPicPr/>
+              <p:nvPr/>
+            </p:nvPicPr>
+            <p:blipFill>
+              <a:blip r:embed="rId6"/>
+              <a:stretch>
+                <a:fillRect/>
+              </a:stretch>
+            </p:blipFill>
+            <p:spPr>
+              <a:xfrm>
+                <a:off x="3094461" y="2268882"/>
+                <a:ext cx="543240" cy="962640"/>
+              </a:xfrm>
+              <a:prstGeom prst="rect">
+                <a:avLst/>
+              </a:prstGeom>
+            </p:spPr>
+          </p:pic>
+        </mc:Fallback>
+      </mc:AlternateContent>
+      <mc:AlternateContent xmlns:mc="http://schemas.openxmlformats.org/markup-compatibility/2006" xmlns:p14="http://schemas.microsoft.com/office/powerpoint/2010/main">
+        <mc:Choice Requires="p14">
+          <p:contentPart p14:bwMode="auto" r:id="rId7">
+            <p14:nvContentPartPr>
+              <p14:cNvPr id="7" name="Entrada de lápiz 6">
+                <a:extLst>
+                  <a:ext uri="{FF2B5EF4-FFF2-40B4-BE49-F238E27FC236}">
+                    <a16:creationId xmlns:a16="http://schemas.microsoft.com/office/drawing/2014/main" id="{5B631B01-E20A-2A0C-DFEA-14ADE807AD3B}"/>
+                  </a:ext>
+                </a:extLst>
+              </p14:cNvPr>
+              <p14:cNvContentPartPr/>
+              <p14:nvPr/>
+            </p14:nvContentPartPr>
+            <p14:xfrm>
+              <a:off x="4145661" y="3379482"/>
+              <a:ext cx="161640" cy="146520"/>
+            </p14:xfrm>
+          </p:contentPart>
+        </mc:Choice>
+        <mc:Fallback xmlns="">
+          <p:pic>
+            <p:nvPicPr>
+              <p:cNvPr id="7" name="Entrada de lápiz 6">
+                <a:extLst>
+                  <a:ext uri="{FF2B5EF4-FFF2-40B4-BE49-F238E27FC236}">
+                    <a16:creationId xmlns:a16="http://schemas.microsoft.com/office/drawing/2014/main" id="{5B631B01-E20A-2A0C-DFEA-14ADE807AD3B}"/>
+                  </a:ext>
+                </a:extLst>
+              </p:cNvPr>
+              <p:cNvPicPr/>
+              <p:nvPr/>
+            </p:nvPicPr>
+            <p:blipFill>
+              <a:blip r:embed="rId8"/>
+              <a:stretch>
+                <a:fillRect/>
+              </a:stretch>
+            </p:blipFill>
+            <p:spPr>
+              <a:xfrm>
+                <a:off x="4100661" y="3289482"/>
+                <a:ext cx="251280" cy="326160"/>
+              </a:xfrm>
+              <a:prstGeom prst="rect">
+                <a:avLst/>
+              </a:prstGeom>
+            </p:spPr>
+          </p:pic>
+        </mc:Fallback>
+      </mc:AlternateContent>
+      <mc:AlternateContent xmlns:mc="http://schemas.openxmlformats.org/markup-compatibility/2006" xmlns:p14="http://schemas.microsoft.com/office/powerpoint/2010/main">
+        <mc:Choice Requires="p14">
+          <p:contentPart p14:bwMode="auto" r:id="rId9">
+            <p14:nvContentPartPr>
+              <p14:cNvPr id="8" name="Entrada de lápiz 7">
+                <a:extLst>
+                  <a:ext uri="{FF2B5EF4-FFF2-40B4-BE49-F238E27FC236}">
+                    <a16:creationId xmlns:a16="http://schemas.microsoft.com/office/drawing/2014/main" id="{3408E719-23E8-4A6E-DF0F-242B8DFF006B}"/>
+                  </a:ext>
+                </a:extLst>
+              </p14:cNvPr>
+              <p14:cNvContentPartPr/>
+              <p14:nvPr/>
+            </p14:nvContentPartPr>
+            <p14:xfrm>
+              <a:off x="4105341" y="3259962"/>
+              <a:ext cx="153360" cy="387000"/>
+            </p14:xfrm>
+          </p:contentPart>
+        </mc:Choice>
+        <mc:Fallback xmlns="">
+          <p:pic>
+            <p:nvPicPr>
+              <p:cNvPr id="8" name="Entrada de lápiz 7">
+                <a:extLst>
+                  <a:ext uri="{FF2B5EF4-FFF2-40B4-BE49-F238E27FC236}">
+                    <a16:creationId xmlns:a16="http://schemas.microsoft.com/office/drawing/2014/main" id="{3408E719-23E8-4A6E-DF0F-242B8DFF006B}"/>
+                  </a:ext>
+                </a:extLst>
+              </p:cNvPr>
+              <p:cNvPicPr/>
+              <p:nvPr/>
+            </p:nvPicPr>
+            <p:blipFill>
+              <a:blip r:embed="rId10"/>
+              <a:stretch>
+                <a:fillRect/>
+              </a:stretch>
+            </p:blipFill>
+            <p:spPr>
+              <a:xfrm>
+                <a:off x="4060341" y="3169962"/>
+                <a:ext cx="243000" cy="566640"/>
+              </a:xfrm>
+              <a:prstGeom prst="rect">
+                <a:avLst/>
+              </a:prstGeom>
+            </p:spPr>
+          </p:pic>
+        </mc:Fallback>
+      </mc:AlternateContent>
+      <mc:AlternateContent xmlns:mc="http://schemas.openxmlformats.org/markup-compatibility/2006" xmlns:p14="http://schemas.microsoft.com/office/powerpoint/2010/main">
+        <mc:Choice Requires="p14">
+          <p:contentPart p14:bwMode="auto" r:id="rId11">
+            <p14:nvContentPartPr>
+              <p14:cNvPr id="9" name="Entrada de lápiz 8">
+                <a:extLst>
+                  <a:ext uri="{FF2B5EF4-FFF2-40B4-BE49-F238E27FC236}">
+                    <a16:creationId xmlns:a16="http://schemas.microsoft.com/office/drawing/2014/main" id="{849D5F27-9AF4-5EC0-C989-6847FBF5E409}"/>
+                  </a:ext>
+                </a:extLst>
+              </p14:cNvPr>
+              <p14:cNvContentPartPr/>
+              <p14:nvPr/>
+            </p14:nvContentPartPr>
+            <p14:xfrm>
+              <a:off x="1696221" y="4545162"/>
+              <a:ext cx="768960" cy="27360"/>
+            </p14:xfrm>
+          </p:contentPart>
+        </mc:Choice>
+        <mc:Fallback xmlns="">
+          <p:pic>
+            <p:nvPicPr>
+              <p:cNvPr id="9" name="Entrada de lápiz 8">
+                <a:extLst>
+                  <a:ext uri="{FF2B5EF4-FFF2-40B4-BE49-F238E27FC236}">
+                    <a16:creationId xmlns:a16="http://schemas.microsoft.com/office/drawing/2014/main" id="{849D5F27-9AF4-5EC0-C989-6847FBF5E409}"/>
+                  </a:ext>
+                </a:extLst>
+              </p:cNvPr>
+              <p:cNvPicPr/>
+              <p:nvPr/>
+            </p:nvPicPr>
+            <p:blipFill>
+              <a:blip r:embed="rId12"/>
+              <a:stretch>
+                <a:fillRect/>
+              </a:stretch>
+            </p:blipFill>
+            <p:spPr>
+              <a:xfrm>
+                <a:off x="1651221" y="4455162"/>
+                <a:ext cx="858600" cy="207000"/>
+              </a:xfrm>
+              <a:prstGeom prst="rect">
+                <a:avLst/>
+              </a:prstGeom>
+            </p:spPr>
+          </p:pic>
+        </mc:Fallback>
+      </mc:AlternateContent>
+      <p:sp>
+        <p:nvSpPr>
+          <p:cNvPr id="10" name="CuadroTexto 9">
+            <a:extLst>
+              <a:ext uri="{FF2B5EF4-FFF2-40B4-BE49-F238E27FC236}">
+                <a16:creationId xmlns:a16="http://schemas.microsoft.com/office/drawing/2014/main" id="{EE91D816-D5D2-E66E-8A4D-F862991A5510}"/>
+              </a:ext>
+            </a:extLst>
+          </p:cNvPr>
+          <p:cNvSpPr txBox="1"/>
+          <p:nvPr/>
+        </p:nvSpPr>
+        <p:spPr>
+          <a:xfrm>
+            <a:off x="6520069" y="490777"/>
+            <a:ext cx="4386470" cy="1477328"/>
+          </a:xfrm>
+          <a:prstGeom prst="rect">
+            <a:avLst/>
+          </a:prstGeom>
+          <a:noFill/>
+        </p:spPr>
+        <p:txBody>
+          <a:bodyPr wrap="square" rtlCol="0">
+            <a:spAutoFit/>
+          </a:bodyPr>
+          <a:lstStyle/>
+          <a:p>
+            <a:r>
+              <a:rPr lang="es-ES" dirty="0"/>
+              <a:t>Luego el otro extremo de rodillo que se desplaza en x y </a:t>
+            </a:r>
+            <a:r>
+              <a:rPr lang="es-ES" dirty="0" err="1"/>
+              <a:t>y</a:t>
+            </a:r>
+            <a:r>
+              <a:rPr lang="es-ES" dirty="0"/>
+              <a:t> pero no en z, </a:t>
+            </a:r>
+            <a:r>
+              <a:rPr lang="es-ES" b="1" dirty="0"/>
+              <a:t>lo </a:t>
+            </a:r>
+            <a:r>
+              <a:rPr lang="es-ES" b="1" dirty="0" err="1"/>
+              <a:t>seleccineamos</a:t>
+            </a:r>
+            <a:r>
+              <a:rPr lang="es-ES" b="1" dirty="0"/>
+              <a:t> antes, </a:t>
+            </a:r>
+            <a:r>
+              <a:rPr lang="es-ES" dirty="0"/>
+              <a:t>también se restringe alrededor de y, y solo se deja libre alrededor de x, para que no salga del </a:t>
+            </a:r>
+            <a:r>
+              <a:rPr lang="es-ES" dirty="0" err="1"/>
+              <a:t>planpo</a:t>
+            </a:r>
+            <a:r>
+              <a:rPr lang="es-ES" dirty="0"/>
+              <a:t> </a:t>
+            </a:r>
+            <a:endParaRPr lang="es-GT" dirty="0"/>
+          </a:p>
+        </p:txBody>
+      </p:sp>
+      <p:pic>
+        <p:nvPicPr>
+          <p:cNvPr id="12" name="Imagen 11">
+            <a:extLst>
+              <a:ext uri="{FF2B5EF4-FFF2-40B4-BE49-F238E27FC236}">
+                <a16:creationId xmlns:a16="http://schemas.microsoft.com/office/drawing/2014/main" id="{8133B815-B6B2-16AE-80C6-9BFD92F29273}"/>
+              </a:ext>
+            </a:extLst>
+          </p:cNvPr>
+          <p:cNvPicPr>
+            <a:picLocks noChangeAspect="1"/>
+          </p:cNvPicPr>
+          <p:nvPr/>
+        </p:nvPicPr>
+        <p:blipFill>
+          <a:blip r:embed="rId13"/>
+          <a:stretch>
+            <a:fillRect/>
+          </a:stretch>
+        </p:blipFill>
+        <p:spPr>
+          <a:xfrm>
+            <a:off x="6638487" y="2358882"/>
+            <a:ext cx="4896533" cy="3496163"/>
+          </a:xfrm>
+          <a:prstGeom prst="rect">
+            <a:avLst/>
+          </a:prstGeom>
+        </p:spPr>
+      </p:pic>
+      <mc:AlternateContent xmlns:mc="http://schemas.openxmlformats.org/markup-compatibility/2006" xmlns:p14="http://schemas.microsoft.com/office/powerpoint/2010/main">
+        <mc:Choice Requires="p14">
+          <p:contentPart p14:bwMode="auto" r:id="rId14">
+            <p14:nvContentPartPr>
+              <p14:cNvPr id="13" name="Entrada de lápiz 12">
+                <a:extLst>
+                  <a:ext uri="{FF2B5EF4-FFF2-40B4-BE49-F238E27FC236}">
+                    <a16:creationId xmlns:a16="http://schemas.microsoft.com/office/drawing/2014/main" id="{C3EE3C4F-9D18-F731-4CEF-6BA4CCD4DA2E}"/>
+                  </a:ext>
+                </a:extLst>
+              </p14:cNvPr>
+              <p14:cNvContentPartPr/>
+              <p14:nvPr/>
+            </p14:nvContentPartPr>
+            <p14:xfrm>
+              <a:off x="6546501" y="3073482"/>
+              <a:ext cx="1179720" cy="425520"/>
+            </p14:xfrm>
+          </p:contentPart>
+        </mc:Choice>
+        <mc:Fallback xmlns="">
+          <p:pic>
+            <p:nvPicPr>
+              <p:cNvPr id="13" name="Entrada de lápiz 12">
+                <a:extLst>
+                  <a:ext uri="{FF2B5EF4-FFF2-40B4-BE49-F238E27FC236}">
+                    <a16:creationId xmlns:a16="http://schemas.microsoft.com/office/drawing/2014/main" id="{C3EE3C4F-9D18-F731-4CEF-6BA4CCD4DA2E}"/>
+                  </a:ext>
+                </a:extLst>
+              </p:cNvPr>
+              <p:cNvPicPr/>
+              <p:nvPr/>
+            </p:nvPicPr>
+            <p:blipFill>
+              <a:blip r:embed="rId15"/>
+              <a:stretch>
+                <a:fillRect/>
+              </a:stretch>
+            </p:blipFill>
+            <p:spPr>
+              <a:xfrm>
+                <a:off x="6501501" y="2983482"/>
+                <a:ext cx="1269360" cy="605160"/>
+              </a:xfrm>
+              <a:prstGeom prst="rect">
+                <a:avLst/>
+              </a:prstGeom>
+            </p:spPr>
+          </p:pic>
+        </mc:Fallback>
+      </mc:AlternateContent>
+      <mc:AlternateContent xmlns:mc="http://schemas.openxmlformats.org/markup-compatibility/2006" xmlns:p14="http://schemas.microsoft.com/office/powerpoint/2010/main">
+        <mc:Choice Requires="p14">
+          <p:contentPart p14:bwMode="auto" r:id="rId16">
+            <p14:nvContentPartPr>
+              <p14:cNvPr id="14" name="Entrada de lápiz 13">
+                <a:extLst>
+                  <a:ext uri="{FF2B5EF4-FFF2-40B4-BE49-F238E27FC236}">
+                    <a16:creationId xmlns:a16="http://schemas.microsoft.com/office/drawing/2014/main" id="{27CCB1D1-A3B0-63C3-0EBB-3157C5F0187F}"/>
+                  </a:ext>
+                </a:extLst>
+              </p14:cNvPr>
+              <p14:cNvContentPartPr/>
+              <p14:nvPr/>
+            </p14:nvContentPartPr>
+            <p14:xfrm>
+              <a:off x="10177821" y="4941882"/>
+              <a:ext cx="1060560" cy="253440"/>
+            </p14:xfrm>
+          </p:contentPart>
+        </mc:Choice>
+        <mc:Fallback xmlns="">
+          <p:pic>
+            <p:nvPicPr>
+              <p:cNvPr id="14" name="Entrada de lápiz 13">
+                <a:extLst>
+                  <a:ext uri="{FF2B5EF4-FFF2-40B4-BE49-F238E27FC236}">
+                    <a16:creationId xmlns:a16="http://schemas.microsoft.com/office/drawing/2014/main" id="{27CCB1D1-A3B0-63C3-0EBB-3157C5F0187F}"/>
+                  </a:ext>
+                </a:extLst>
+              </p:cNvPr>
+              <p:cNvPicPr/>
+              <p:nvPr/>
+            </p:nvPicPr>
+            <p:blipFill>
+              <a:blip r:embed="rId17"/>
+              <a:stretch>
+                <a:fillRect/>
+              </a:stretch>
+            </p:blipFill>
+            <p:spPr>
+              <a:xfrm>
+                <a:off x="10132821" y="4851882"/>
+                <a:ext cx="1150200" cy="433080"/>
+              </a:xfrm>
+              <a:prstGeom prst="rect">
+                <a:avLst/>
+              </a:prstGeom>
+            </p:spPr>
+          </p:pic>
+        </mc:Fallback>
+      </mc:AlternateContent>
+      <mc:AlternateContent xmlns:mc="http://schemas.openxmlformats.org/markup-compatibility/2006" xmlns:p14="http://schemas.microsoft.com/office/powerpoint/2010/main">
+        <mc:Choice Requires="p14">
+          <p:contentPart p14:bwMode="auto" r:id="rId18">
+            <p14:nvContentPartPr>
+              <p14:cNvPr id="15" name="Entrada de lápiz 14">
+                <a:extLst>
+                  <a:ext uri="{FF2B5EF4-FFF2-40B4-BE49-F238E27FC236}">
+                    <a16:creationId xmlns:a16="http://schemas.microsoft.com/office/drawing/2014/main" id="{7FD80EF4-0FC9-E58C-D5D5-BC595B857C0D}"/>
+                  </a:ext>
+                </a:extLst>
+              </p14:cNvPr>
+              <p14:cNvContentPartPr/>
+              <p14:nvPr/>
+            </p14:nvContentPartPr>
+            <p14:xfrm>
+              <a:off x="9780021" y="4825602"/>
+              <a:ext cx="954720" cy="263520"/>
+            </p14:xfrm>
+          </p:contentPart>
+        </mc:Choice>
+        <mc:Fallback xmlns="">
+          <p:pic>
+            <p:nvPicPr>
+              <p:cNvPr id="15" name="Entrada de lápiz 14">
+                <a:extLst>
+                  <a:ext uri="{FF2B5EF4-FFF2-40B4-BE49-F238E27FC236}">
+                    <a16:creationId xmlns:a16="http://schemas.microsoft.com/office/drawing/2014/main" id="{7FD80EF4-0FC9-E58C-D5D5-BC595B857C0D}"/>
+                  </a:ext>
+                </a:extLst>
+              </p:cNvPr>
+              <p:cNvPicPr/>
+              <p:nvPr/>
+            </p:nvPicPr>
+            <p:blipFill>
+              <a:blip r:embed="rId19"/>
+              <a:stretch>
+                <a:fillRect/>
+              </a:stretch>
+            </p:blipFill>
+            <p:spPr>
+              <a:xfrm>
+                <a:off x="9735021" y="4735602"/>
+                <a:ext cx="1044360" cy="443160"/>
+              </a:xfrm>
+              <a:prstGeom prst="rect">
+                <a:avLst/>
+              </a:prstGeom>
+            </p:spPr>
+          </p:pic>
+        </mc:Fallback>
+      </mc:AlternateContent>
+    </p:spTree>
+    <p:extLst>
+      <p:ext uri="{BB962C8B-B14F-4D97-AF65-F5344CB8AC3E}">
+        <p14:creationId xmlns:p14="http://schemas.microsoft.com/office/powerpoint/2010/main" val="507325123"/>
+      </p:ext>
+    </p:extLst>
+  </p:cSld>
+  <p:clrMapOvr>
+    <a:masterClrMapping/>
+  </p:clrMapOvr>
+</p:sld>
+</file>
+
+<file path=ppt/slides/slide17.xml><?xml version="1.0" encoding="utf-8"?>
+<p:sld xmlns:a="http://schemas.openxmlformats.org/drawingml/2006/main" xmlns:r="http://schemas.openxmlformats.org/officeDocument/2006/relationships" xmlns:p="http://schemas.openxmlformats.org/presentationml/2006/main">
+  <p:cSld>
+    <p:spTree>
+      <p:nvGrpSpPr>
+        <p:cNvPr id="1" name=""/>
+        <p:cNvGrpSpPr/>
+        <p:nvPr/>
+      </p:nvGrpSpPr>
+      <p:grpSpPr>
+        <a:xfrm>
+          <a:off x="0" y="0"/>
+          <a:ext cx="0" cy="0"/>
+          <a:chOff x="0" y="0"/>
+          <a:chExt cx="0" cy="0"/>
+        </a:xfrm>
+      </p:grpSpPr>
+      <p:sp>
+        <p:nvSpPr>
+          <p:cNvPr id="2" name="CuadroTexto 1">
+            <a:extLst>
+              <a:ext uri="{FF2B5EF4-FFF2-40B4-BE49-F238E27FC236}">
+                <a16:creationId xmlns:a16="http://schemas.microsoft.com/office/drawing/2014/main" id="{B26794C0-2991-118B-D387-9952BDC98AB3}"/>
+              </a:ext>
+            </a:extLst>
+          </p:cNvPr>
+          <p:cNvSpPr txBox="1"/>
+          <p:nvPr/>
+        </p:nvSpPr>
+        <p:spPr>
+          <a:xfrm>
+            <a:off x="1696277" y="1258956"/>
+            <a:ext cx="5976731" cy="2800767"/>
+          </a:xfrm>
+          <a:prstGeom prst="rect">
+            <a:avLst/>
+          </a:prstGeom>
+          <a:noFill/>
+        </p:spPr>
+        <p:txBody>
+          <a:bodyPr wrap="square" rtlCol="0">
+            <a:spAutoFit/>
+          </a:bodyPr>
+          <a:lstStyle/>
+          <a:p>
+            <a:r>
+              <a:rPr lang="es-ES" sz="8800" dirty="0"/>
+              <a:t>Colocamos las cargas </a:t>
+            </a:r>
+            <a:endParaRPr lang="es-GT" sz="8800" dirty="0"/>
+          </a:p>
+        </p:txBody>
+      </p:sp>
+    </p:spTree>
+    <p:extLst>
+      <p:ext uri="{BB962C8B-B14F-4D97-AF65-F5344CB8AC3E}">
+        <p14:creationId xmlns:p14="http://schemas.microsoft.com/office/powerpoint/2010/main" val="2859183818"/>
+      </p:ext>
+    </p:extLst>
+  </p:cSld>
+  <p:clrMapOvr>
+    <a:masterClrMapping/>
+  </p:clrMapOvr>
+</p:sld>
+</file>
+
+<file path=ppt/slides/slide18.xml><?xml version="1.0" encoding="utf-8"?>
+<p:sld xmlns:a="http://schemas.openxmlformats.org/drawingml/2006/main" xmlns:r="http://schemas.openxmlformats.org/officeDocument/2006/relationships" xmlns:p="http://schemas.openxmlformats.org/presentationml/2006/main">
+  <p:cSld>
+    <p:spTree>
+      <p:nvGrpSpPr>
+        <p:cNvPr id="1" name=""/>
+        <p:cNvGrpSpPr/>
+        <p:nvPr/>
+      </p:nvGrpSpPr>
+      <p:grpSpPr>
+        <a:xfrm>
+          <a:off x="0" y="0"/>
+          <a:ext cx="0" cy="0"/>
+          <a:chOff x="0" y="0"/>
+          <a:chExt cx="0" cy="0"/>
+        </a:xfrm>
+      </p:grpSpPr>
+      <p:sp>
+        <p:nvSpPr>
+          <p:cNvPr id="2" name="CuadroTexto 1">
+            <a:extLst>
+              <a:ext uri="{FF2B5EF4-FFF2-40B4-BE49-F238E27FC236}">
+                <a16:creationId xmlns:a16="http://schemas.microsoft.com/office/drawing/2014/main" id="{7F502B1F-AEC8-F755-8DF5-D3D13C2329F8}"/>
+              </a:ext>
+            </a:extLst>
+          </p:cNvPr>
+          <p:cNvSpPr txBox="1"/>
+          <p:nvPr/>
+        </p:nvSpPr>
+        <p:spPr>
+          <a:xfrm>
+            <a:off x="6294783" y="622852"/>
+            <a:ext cx="2093843" cy="2031325"/>
+          </a:xfrm>
+          <a:prstGeom prst="rect">
+            <a:avLst/>
+          </a:prstGeom>
+          <a:noFill/>
+        </p:spPr>
+        <p:txBody>
+          <a:bodyPr wrap="square" rtlCol="0">
+            <a:spAutoFit/>
+          </a:bodyPr>
+          <a:lstStyle/>
+          <a:p>
+            <a:r>
+              <a:rPr lang="es-ES" dirty="0" err="1"/>
+              <a:t>Definimo</a:t>
+            </a:r>
+            <a:r>
+              <a:rPr lang="es-ES" dirty="0"/>
+              <a:t> cargas en la opción que son patrones de carga, para definir por nombres y otras series de propiedades </a:t>
+            </a:r>
+            <a:endParaRPr lang="es-GT" dirty="0"/>
+          </a:p>
+        </p:txBody>
+      </p:sp>
+      <p:pic>
+        <p:nvPicPr>
+          <p:cNvPr id="4" name="Imagen 3">
+            <a:extLst>
+              <a:ext uri="{FF2B5EF4-FFF2-40B4-BE49-F238E27FC236}">
+                <a16:creationId xmlns:a16="http://schemas.microsoft.com/office/drawing/2014/main" id="{71165D60-2502-8C26-5EE6-942373DCFBD4}"/>
+              </a:ext>
+            </a:extLst>
+          </p:cNvPr>
+          <p:cNvPicPr>
+            <a:picLocks noChangeAspect="1"/>
+          </p:cNvPicPr>
+          <p:nvPr/>
+        </p:nvPicPr>
+        <p:blipFill>
+          <a:blip r:embed="rId2"/>
+          <a:stretch>
+            <a:fillRect/>
+          </a:stretch>
+        </p:blipFill>
+        <p:spPr>
+          <a:xfrm>
+            <a:off x="1373017" y="386417"/>
+            <a:ext cx="3429479" cy="5449060"/>
           </a:xfrm>
           <a:prstGeom prst="rect">
             <a:avLst/>
@@ -4117,7 +8489,163 @@
     </p:spTree>
     <p:extLst>
       <p:ext uri="{BB962C8B-B14F-4D97-AF65-F5344CB8AC3E}">
-        <p14:creationId xmlns:p14="http://schemas.microsoft.com/office/powerpoint/2010/main" val="1648941903"/>
+        <p14:creationId xmlns:p14="http://schemas.microsoft.com/office/powerpoint/2010/main" val="1708548108"/>
+      </p:ext>
+    </p:extLst>
+  </p:cSld>
+  <p:clrMapOvr>
+    <a:masterClrMapping/>
+  </p:clrMapOvr>
+</p:sld>
+</file>
+
+<file path=ppt/slides/slide19.xml><?xml version="1.0" encoding="utf-8"?>
+<p:sld xmlns:a="http://schemas.openxmlformats.org/drawingml/2006/main" xmlns:r="http://schemas.openxmlformats.org/officeDocument/2006/relationships" xmlns:p="http://schemas.openxmlformats.org/presentationml/2006/main">
+  <p:cSld>
+    <p:spTree>
+      <p:nvGrpSpPr>
+        <p:cNvPr id="1" name=""/>
+        <p:cNvGrpSpPr/>
+        <p:nvPr/>
+      </p:nvGrpSpPr>
+      <p:grpSpPr>
+        <a:xfrm>
+          <a:off x="0" y="0"/>
+          <a:ext cx="0" cy="0"/>
+          <a:chOff x="0" y="0"/>
+          <a:chExt cx="0" cy="0"/>
+        </a:xfrm>
+      </p:grpSpPr>
+      <p:sp>
+        <p:nvSpPr>
+          <p:cNvPr id="2" name="CuadroTexto 1">
+            <a:extLst>
+              <a:ext uri="{FF2B5EF4-FFF2-40B4-BE49-F238E27FC236}">
+                <a16:creationId xmlns:a16="http://schemas.microsoft.com/office/drawing/2014/main" id="{39D5E82F-6890-A4D6-0C9E-448DE504B99C}"/>
+              </a:ext>
+            </a:extLst>
+          </p:cNvPr>
+          <p:cNvSpPr txBox="1"/>
+          <p:nvPr/>
+        </p:nvSpPr>
+        <p:spPr>
+          <a:xfrm>
+            <a:off x="2305879" y="675861"/>
+            <a:ext cx="8680174" cy="1200329"/>
+          </a:xfrm>
+          <a:prstGeom prst="rect">
+            <a:avLst/>
+          </a:prstGeom>
+          <a:noFill/>
+        </p:spPr>
+        <p:txBody>
+          <a:bodyPr wrap="square" rtlCol="0">
+            <a:spAutoFit/>
+          </a:bodyPr>
+          <a:lstStyle/>
+          <a:p>
+            <a:r>
+              <a:rPr lang="es-ES" dirty="0"/>
+              <a:t>Multiplicador del peso del elemento, allí es uno porque la carga toma en cuenta cuanto pesa cada uno de los elementos y esta por defecto</a:t>
+            </a:r>
+          </a:p>
+          <a:p>
+            <a:endParaRPr lang="es-ES" dirty="0"/>
+          </a:p>
+          <a:p>
+            <a:r>
+              <a:rPr lang="es-ES" dirty="0"/>
+              <a:t>Carga viva, va a servir para colocar la carga a mi estructura luego en ok </a:t>
+            </a:r>
+            <a:endParaRPr lang="es-GT" dirty="0"/>
+          </a:p>
+        </p:txBody>
+      </p:sp>
+      <p:pic>
+        <p:nvPicPr>
+          <p:cNvPr id="4" name="Imagen 3">
+            <a:extLst>
+              <a:ext uri="{FF2B5EF4-FFF2-40B4-BE49-F238E27FC236}">
+                <a16:creationId xmlns:a16="http://schemas.microsoft.com/office/drawing/2014/main" id="{B9F2C8CD-3580-5038-BD82-B8843C0A3301}"/>
+              </a:ext>
+            </a:extLst>
+          </p:cNvPr>
+          <p:cNvPicPr>
+            <a:picLocks noChangeAspect="1"/>
+          </p:cNvPicPr>
+          <p:nvPr/>
+        </p:nvPicPr>
+        <p:blipFill>
+          <a:blip r:embed="rId2"/>
+          <a:stretch>
+            <a:fillRect/>
+          </a:stretch>
+        </p:blipFill>
+        <p:spPr>
+          <a:xfrm>
+            <a:off x="2116450" y="2140215"/>
+            <a:ext cx="8383170" cy="3134162"/>
+          </a:xfrm>
+          <a:prstGeom prst="rect">
+            <a:avLst/>
+          </a:prstGeom>
+        </p:spPr>
+      </p:pic>
+      <mc:AlternateContent xmlns:mc="http://schemas.openxmlformats.org/markup-compatibility/2006" xmlns:p14="http://schemas.microsoft.com/office/powerpoint/2010/main">
+        <mc:Choice Requires="p14">
+          <p:contentPart p14:bwMode="auto" r:id="rId3">
+            <p14:nvContentPartPr>
+              <p14:cNvPr id="5" name="Entrada de lápiz 4">
+                <a:extLst>
+                  <a:ext uri="{FF2B5EF4-FFF2-40B4-BE49-F238E27FC236}">
+                    <a16:creationId xmlns:a16="http://schemas.microsoft.com/office/drawing/2014/main" id="{832A6D78-CB1E-1DB4-8CC2-45300A4D1903}"/>
+                  </a:ext>
+                </a:extLst>
+              </p14:cNvPr>
+              <p14:cNvContentPartPr/>
+              <p14:nvPr/>
+            </p14:nvContentPartPr>
+            <p14:xfrm>
+              <a:off x="2676861" y="3644442"/>
+              <a:ext cx="4983120" cy="408960"/>
+            </p14:xfrm>
+          </p:contentPart>
+        </mc:Choice>
+        <mc:Fallback xmlns="">
+          <p:pic>
+            <p:nvPicPr>
+              <p:cNvPr id="5" name="Entrada de lápiz 4">
+                <a:extLst>
+                  <a:ext uri="{FF2B5EF4-FFF2-40B4-BE49-F238E27FC236}">
+                    <a16:creationId xmlns:a16="http://schemas.microsoft.com/office/drawing/2014/main" id="{832A6D78-CB1E-1DB4-8CC2-45300A4D1903}"/>
+                  </a:ext>
+                </a:extLst>
+              </p:cNvPr>
+              <p:cNvPicPr/>
+              <p:nvPr/>
+            </p:nvPicPr>
+            <p:blipFill>
+              <a:blip r:embed="rId4"/>
+              <a:stretch>
+                <a:fillRect/>
+              </a:stretch>
+            </p:blipFill>
+            <p:spPr>
+              <a:xfrm>
+                <a:off x="2631861" y="3554442"/>
+                <a:ext cx="5072760" cy="588600"/>
+              </a:xfrm>
+              <a:prstGeom prst="rect">
+                <a:avLst/>
+              </a:prstGeom>
+            </p:spPr>
+          </p:pic>
+        </mc:Fallback>
+      </mc:AlternateContent>
+    </p:spTree>
+    <p:extLst>
+      <p:ext uri="{BB962C8B-B14F-4D97-AF65-F5344CB8AC3E}">
+        <p14:creationId xmlns:p14="http://schemas.microsoft.com/office/powerpoint/2010/main" val="1071949732"/>
       </p:ext>
     </p:extLst>
   </p:cSld>
@@ -4177,6 +8705,2503 @@
     <p:extLst>
       <p:ext uri="{BB962C8B-B14F-4D97-AF65-F5344CB8AC3E}">
         <p14:creationId xmlns:p14="http://schemas.microsoft.com/office/powerpoint/2010/main" val="787507367"/>
+      </p:ext>
+    </p:extLst>
+  </p:cSld>
+  <p:clrMapOvr>
+    <a:masterClrMapping/>
+  </p:clrMapOvr>
+</p:sld>
+</file>
+
+<file path=ppt/slides/slide20.xml><?xml version="1.0" encoding="utf-8"?>
+<p:sld xmlns:a="http://schemas.openxmlformats.org/drawingml/2006/main" xmlns:r="http://schemas.openxmlformats.org/officeDocument/2006/relationships" xmlns:p="http://schemas.openxmlformats.org/presentationml/2006/main">
+  <p:cSld>
+    <p:spTree>
+      <p:nvGrpSpPr>
+        <p:cNvPr id="1" name=""/>
+        <p:cNvGrpSpPr/>
+        <p:nvPr/>
+      </p:nvGrpSpPr>
+      <p:grpSpPr>
+        <a:xfrm>
+          <a:off x="0" y="0"/>
+          <a:ext cx="0" cy="0"/>
+          <a:chOff x="0" y="0"/>
+          <a:chExt cx="0" cy="0"/>
+        </a:xfrm>
+      </p:grpSpPr>
+      <p:pic>
+        <p:nvPicPr>
+          <p:cNvPr id="4" name="Imagen 3">
+            <a:extLst>
+              <a:ext uri="{FF2B5EF4-FFF2-40B4-BE49-F238E27FC236}">
+                <a16:creationId xmlns:a16="http://schemas.microsoft.com/office/drawing/2014/main" id="{BDE4C4A3-6376-1F70-330F-331F5BC1363F}"/>
+              </a:ext>
+            </a:extLst>
+          </p:cNvPr>
+          <p:cNvPicPr>
+            <a:picLocks noChangeAspect="1"/>
+          </p:cNvPicPr>
+          <p:nvPr/>
+        </p:nvPicPr>
+        <p:blipFill>
+          <a:blip r:embed="rId2"/>
+          <a:stretch>
+            <a:fillRect/>
+          </a:stretch>
+        </p:blipFill>
+        <p:spPr>
+          <a:xfrm>
+            <a:off x="1054371" y="424070"/>
+            <a:ext cx="6001588" cy="6134956"/>
+          </a:xfrm>
+          <a:prstGeom prst="rect">
+            <a:avLst/>
+          </a:prstGeom>
+        </p:spPr>
+      </p:pic>
+      <p:sp>
+        <p:nvSpPr>
+          <p:cNvPr id="2" name="CuadroTexto 1">
+            <a:extLst>
+              <a:ext uri="{FF2B5EF4-FFF2-40B4-BE49-F238E27FC236}">
+                <a16:creationId xmlns:a16="http://schemas.microsoft.com/office/drawing/2014/main" id="{2E3C322C-3FC0-F591-D00B-3A06F492EA3A}"/>
+              </a:ext>
+            </a:extLst>
+          </p:cNvPr>
+          <p:cNvSpPr txBox="1"/>
+          <p:nvPr/>
+        </p:nvSpPr>
+        <p:spPr>
+          <a:xfrm>
+            <a:off x="6096000" y="1444487"/>
+            <a:ext cx="4545496" cy="923330"/>
+          </a:xfrm>
+          <a:prstGeom prst="rect">
+            <a:avLst/>
+          </a:prstGeom>
+          <a:noFill/>
+        </p:spPr>
+        <p:txBody>
+          <a:bodyPr wrap="square" rtlCol="0">
+            <a:spAutoFit/>
+          </a:bodyPr>
+          <a:lstStyle/>
+          <a:p>
+            <a:r>
+              <a:rPr lang="es-ES" dirty="0"/>
+              <a:t>Luego asignamos cargas en los 2 puntos, hay que </a:t>
+            </a:r>
+            <a:r>
+              <a:rPr lang="es-ES" dirty="0" err="1"/>
+              <a:t>seleciconarlos</a:t>
+            </a:r>
+            <a:r>
+              <a:rPr lang="es-ES" dirty="0"/>
+              <a:t> antes, se da en asignar una fuerza forcé </a:t>
+            </a:r>
+            <a:endParaRPr lang="es-GT" dirty="0"/>
+          </a:p>
+        </p:txBody>
+      </p:sp>
+      <mc:AlternateContent xmlns:mc="http://schemas.openxmlformats.org/markup-compatibility/2006" xmlns:p14="http://schemas.microsoft.com/office/powerpoint/2010/main">
+        <mc:Choice Requires="p14">
+          <p:contentPart p14:bwMode="auto" r:id="rId3">
+            <p14:nvContentPartPr>
+              <p14:cNvPr id="5" name="Entrada de lápiz 4">
+                <a:extLst>
+                  <a:ext uri="{FF2B5EF4-FFF2-40B4-BE49-F238E27FC236}">
+                    <a16:creationId xmlns:a16="http://schemas.microsoft.com/office/drawing/2014/main" id="{30D290E4-58BF-A9F9-DAB1-AD766C44B9E4}"/>
+                  </a:ext>
+                </a:extLst>
+              </p14:cNvPr>
+              <p14:cNvContentPartPr/>
+              <p14:nvPr/>
+            </p14:nvContentPartPr>
+            <p14:xfrm>
+              <a:off x="1100061" y="1987722"/>
+              <a:ext cx="4956480" cy="295560"/>
+            </p14:xfrm>
+          </p:contentPart>
+        </mc:Choice>
+        <mc:Fallback xmlns="">
+          <p:pic>
+            <p:nvPicPr>
+              <p:cNvPr id="5" name="Entrada de lápiz 4">
+                <a:extLst>
+                  <a:ext uri="{FF2B5EF4-FFF2-40B4-BE49-F238E27FC236}">
+                    <a16:creationId xmlns:a16="http://schemas.microsoft.com/office/drawing/2014/main" id="{30D290E4-58BF-A9F9-DAB1-AD766C44B9E4}"/>
+                  </a:ext>
+                </a:extLst>
+              </p:cNvPr>
+              <p:cNvPicPr/>
+              <p:nvPr/>
+            </p:nvPicPr>
+            <p:blipFill>
+              <a:blip r:embed="rId4"/>
+              <a:stretch>
+                <a:fillRect/>
+              </a:stretch>
+            </p:blipFill>
+            <p:spPr>
+              <a:xfrm>
+                <a:off x="1055061" y="1897722"/>
+                <a:ext cx="5046120" cy="475200"/>
+              </a:xfrm>
+              <a:prstGeom prst="rect">
+                <a:avLst/>
+              </a:prstGeom>
+            </p:spPr>
+          </p:pic>
+        </mc:Fallback>
+      </mc:AlternateContent>
+      <mc:AlternateContent xmlns:mc="http://schemas.openxmlformats.org/markup-compatibility/2006" xmlns:p14="http://schemas.microsoft.com/office/powerpoint/2010/main">
+        <mc:Choice Requires="p14">
+          <p:contentPart p14:bwMode="auto" r:id="rId5">
+            <p14:nvContentPartPr>
+              <p14:cNvPr id="6" name="Entrada de lápiz 5">
+                <a:extLst>
+                  <a:ext uri="{FF2B5EF4-FFF2-40B4-BE49-F238E27FC236}">
+                    <a16:creationId xmlns:a16="http://schemas.microsoft.com/office/drawing/2014/main" id="{C05A8FAE-CA94-1EF5-D83D-FD1D44F63A16}"/>
+                  </a:ext>
+                </a:extLst>
+              </p14:cNvPr>
+              <p14:cNvContentPartPr/>
+              <p14:nvPr/>
+            </p14:nvContentPartPr>
+            <p14:xfrm>
+              <a:off x="1139661" y="543402"/>
+              <a:ext cx="729360" cy="107280"/>
+            </p14:xfrm>
+          </p:contentPart>
+        </mc:Choice>
+        <mc:Fallback xmlns="">
+          <p:pic>
+            <p:nvPicPr>
+              <p:cNvPr id="6" name="Entrada de lápiz 5">
+                <a:extLst>
+                  <a:ext uri="{FF2B5EF4-FFF2-40B4-BE49-F238E27FC236}">
+                    <a16:creationId xmlns:a16="http://schemas.microsoft.com/office/drawing/2014/main" id="{C05A8FAE-CA94-1EF5-D83D-FD1D44F63A16}"/>
+                  </a:ext>
+                </a:extLst>
+              </p:cNvPr>
+              <p:cNvPicPr/>
+              <p:nvPr/>
+            </p:nvPicPr>
+            <p:blipFill>
+              <a:blip r:embed="rId6"/>
+              <a:stretch>
+                <a:fillRect/>
+              </a:stretch>
+            </p:blipFill>
+            <p:spPr>
+              <a:xfrm>
+                <a:off x="1094661" y="453402"/>
+                <a:ext cx="819000" cy="286920"/>
+              </a:xfrm>
+              <a:prstGeom prst="rect">
+                <a:avLst/>
+              </a:prstGeom>
+            </p:spPr>
+          </p:pic>
+        </mc:Fallback>
+      </mc:AlternateContent>
+      <mc:AlternateContent xmlns:mc="http://schemas.openxmlformats.org/markup-compatibility/2006" xmlns:p14="http://schemas.microsoft.com/office/powerpoint/2010/main">
+        <mc:Choice Requires="p14">
+          <p:contentPart p14:bwMode="auto" r:id="rId7">
+            <p14:nvContentPartPr>
+              <p14:cNvPr id="7" name="Entrada de lápiz 6">
+                <a:extLst>
+                  <a:ext uri="{FF2B5EF4-FFF2-40B4-BE49-F238E27FC236}">
+                    <a16:creationId xmlns:a16="http://schemas.microsoft.com/office/drawing/2014/main" id="{101DC72A-3661-B6C3-7E40-EBA42ABC4E0B}"/>
+                  </a:ext>
+                </a:extLst>
+              </p14:cNvPr>
+              <p14:cNvContentPartPr/>
+              <p14:nvPr/>
+            </p14:nvContentPartPr>
+            <p14:xfrm>
+              <a:off x="3891501" y="5803362"/>
+              <a:ext cx="3821760" cy="399240"/>
+            </p14:xfrm>
+          </p:contentPart>
+        </mc:Choice>
+        <mc:Fallback xmlns="">
+          <p:pic>
+            <p:nvPicPr>
+              <p:cNvPr id="7" name="Entrada de lápiz 6">
+                <a:extLst>
+                  <a:ext uri="{FF2B5EF4-FFF2-40B4-BE49-F238E27FC236}">
+                    <a16:creationId xmlns:a16="http://schemas.microsoft.com/office/drawing/2014/main" id="{101DC72A-3661-B6C3-7E40-EBA42ABC4E0B}"/>
+                  </a:ext>
+                </a:extLst>
+              </p:cNvPr>
+              <p:cNvPicPr/>
+              <p:nvPr/>
+            </p:nvPicPr>
+            <p:blipFill>
+              <a:blip r:embed="rId8"/>
+              <a:stretch>
+                <a:fillRect/>
+              </a:stretch>
+            </p:blipFill>
+            <p:spPr>
+              <a:xfrm>
+                <a:off x="3846501" y="5713362"/>
+                <a:ext cx="3911400" cy="578880"/>
+              </a:xfrm>
+              <a:prstGeom prst="rect">
+                <a:avLst/>
+              </a:prstGeom>
+            </p:spPr>
+          </p:pic>
+        </mc:Fallback>
+      </mc:AlternateContent>
+    </p:spTree>
+    <p:extLst>
+      <p:ext uri="{BB962C8B-B14F-4D97-AF65-F5344CB8AC3E}">
+        <p14:creationId xmlns:p14="http://schemas.microsoft.com/office/powerpoint/2010/main" val="1903869085"/>
+      </p:ext>
+    </p:extLst>
+  </p:cSld>
+  <p:clrMapOvr>
+    <a:masterClrMapping/>
+  </p:clrMapOvr>
+</p:sld>
+</file>
+
+<file path=ppt/slides/slide21.xml><?xml version="1.0" encoding="utf-8"?>
+<p:sld xmlns:a="http://schemas.openxmlformats.org/drawingml/2006/main" xmlns:r="http://schemas.openxmlformats.org/officeDocument/2006/relationships" xmlns:p="http://schemas.openxmlformats.org/presentationml/2006/main">
+  <p:cSld>
+    <p:spTree>
+      <p:nvGrpSpPr>
+        <p:cNvPr id="1" name=""/>
+        <p:cNvGrpSpPr/>
+        <p:nvPr/>
+      </p:nvGrpSpPr>
+      <p:grpSpPr>
+        <a:xfrm>
+          <a:off x="0" y="0"/>
+          <a:ext cx="0" cy="0"/>
+          <a:chOff x="0" y="0"/>
+          <a:chExt cx="0" cy="0"/>
+        </a:xfrm>
+      </p:grpSpPr>
+      <p:sp>
+        <p:nvSpPr>
+          <p:cNvPr id="2" name="CuadroTexto 1">
+            <a:extLst>
+              <a:ext uri="{FF2B5EF4-FFF2-40B4-BE49-F238E27FC236}">
+                <a16:creationId xmlns:a16="http://schemas.microsoft.com/office/drawing/2014/main" id="{38E67A00-F8B7-BDA2-B866-3A6A8C1692CE}"/>
+              </a:ext>
+            </a:extLst>
+          </p:cNvPr>
+          <p:cNvSpPr txBox="1"/>
+          <p:nvPr/>
+        </p:nvSpPr>
+        <p:spPr>
+          <a:xfrm>
+            <a:off x="7142920" y="980659"/>
+            <a:ext cx="2637183" cy="2308324"/>
+          </a:xfrm>
+          <a:prstGeom prst="rect">
+            <a:avLst/>
+          </a:prstGeom>
+          <a:noFill/>
+        </p:spPr>
+        <p:txBody>
+          <a:bodyPr wrap="square" rtlCol="0">
+            <a:spAutoFit/>
+          </a:bodyPr>
+          <a:lstStyle/>
+          <a:p>
+            <a:r>
+              <a:rPr lang="es-ES" dirty="0"/>
+              <a:t>En base  a nuestros patrones de carga que previamente definimos, le damos en carga viva </a:t>
+            </a:r>
+          </a:p>
+          <a:p>
+            <a:endParaRPr lang="es-ES" dirty="0"/>
+          </a:p>
+          <a:p>
+            <a:r>
+              <a:rPr lang="es-ES" dirty="0"/>
+              <a:t>Como son fuerzas que van dirigidas hacia abajo le colocamos -4 </a:t>
+            </a:r>
+            <a:endParaRPr lang="es-GT" dirty="0"/>
+          </a:p>
+        </p:txBody>
+      </p:sp>
+      <p:pic>
+        <p:nvPicPr>
+          <p:cNvPr id="4" name="Imagen 3">
+            <a:extLst>
+              <a:ext uri="{FF2B5EF4-FFF2-40B4-BE49-F238E27FC236}">
+                <a16:creationId xmlns:a16="http://schemas.microsoft.com/office/drawing/2014/main" id="{31BFE884-CEA7-EBD6-EC36-53C2A2041B26}"/>
+              </a:ext>
+            </a:extLst>
+          </p:cNvPr>
+          <p:cNvPicPr>
+            <a:picLocks noChangeAspect="1"/>
+          </p:cNvPicPr>
+          <p:nvPr/>
+        </p:nvPicPr>
+        <p:blipFill>
+          <a:blip r:embed="rId2"/>
+          <a:stretch>
+            <a:fillRect/>
+          </a:stretch>
+        </p:blipFill>
+        <p:spPr>
+          <a:xfrm>
+            <a:off x="742121" y="1007632"/>
+            <a:ext cx="5671931" cy="5511027"/>
+          </a:xfrm>
+          <a:prstGeom prst="rect">
+            <a:avLst/>
+          </a:prstGeom>
+        </p:spPr>
+      </p:pic>
+      <mc:AlternateContent xmlns:mc="http://schemas.openxmlformats.org/markup-compatibility/2006" xmlns:p14="http://schemas.microsoft.com/office/powerpoint/2010/main">
+        <mc:Choice Requires="p14">
+          <p:contentPart p14:bwMode="auto" r:id="rId3">
+            <p14:nvContentPartPr>
+              <p14:cNvPr id="5" name="Entrada de lápiz 4">
+                <a:extLst>
+                  <a:ext uri="{FF2B5EF4-FFF2-40B4-BE49-F238E27FC236}">
+                    <a16:creationId xmlns:a16="http://schemas.microsoft.com/office/drawing/2014/main" id="{2AE2E96A-E80C-C9E4-0D38-F0C2FEC7931D}"/>
+                  </a:ext>
+                </a:extLst>
+              </p14:cNvPr>
+              <p14:cNvContentPartPr/>
+              <p14:nvPr/>
+            </p14:nvContentPartPr>
+            <p14:xfrm>
+              <a:off x="3260061" y="1404882"/>
+              <a:ext cx="1073880" cy="108000"/>
+            </p14:xfrm>
+          </p:contentPart>
+        </mc:Choice>
+        <mc:Fallback xmlns="">
+          <p:pic>
+            <p:nvPicPr>
+              <p:cNvPr id="5" name="Entrada de lápiz 4">
+                <a:extLst>
+                  <a:ext uri="{FF2B5EF4-FFF2-40B4-BE49-F238E27FC236}">
+                    <a16:creationId xmlns:a16="http://schemas.microsoft.com/office/drawing/2014/main" id="{2AE2E96A-E80C-C9E4-0D38-F0C2FEC7931D}"/>
+                  </a:ext>
+                </a:extLst>
+              </p:cNvPr>
+              <p:cNvPicPr/>
+              <p:nvPr/>
+            </p:nvPicPr>
+            <p:blipFill>
+              <a:blip r:embed="rId4"/>
+              <a:stretch>
+                <a:fillRect/>
+              </a:stretch>
+            </p:blipFill>
+            <p:spPr>
+              <a:xfrm>
+                <a:off x="3215061" y="1314882"/>
+                <a:ext cx="1163520" cy="287640"/>
+              </a:xfrm>
+              <a:prstGeom prst="rect">
+                <a:avLst/>
+              </a:prstGeom>
+            </p:spPr>
+          </p:pic>
+        </mc:Fallback>
+      </mc:AlternateContent>
+      <mc:AlternateContent xmlns:mc="http://schemas.openxmlformats.org/markup-compatibility/2006" xmlns:p14="http://schemas.microsoft.com/office/powerpoint/2010/main">
+        <mc:Choice Requires="p14">
+          <p:contentPart p14:bwMode="auto" r:id="rId5">
+            <p14:nvContentPartPr>
+              <p14:cNvPr id="7" name="Entrada de lápiz 6">
+                <a:extLst>
+                  <a:ext uri="{FF2B5EF4-FFF2-40B4-BE49-F238E27FC236}">
+                    <a16:creationId xmlns:a16="http://schemas.microsoft.com/office/drawing/2014/main" id="{460EE64E-F040-4F68-4EF5-741E1D9400E5}"/>
+                  </a:ext>
+                </a:extLst>
+              </p14:cNvPr>
+              <p14:cNvContentPartPr/>
+              <p14:nvPr/>
+            </p14:nvContentPartPr>
+            <p14:xfrm>
+              <a:off x="1272141" y="2535642"/>
+              <a:ext cx="1935360" cy="234720"/>
+            </p14:xfrm>
+          </p:contentPart>
+        </mc:Choice>
+        <mc:Fallback xmlns="">
+          <p:pic>
+            <p:nvPicPr>
+              <p:cNvPr id="7" name="Entrada de lápiz 6">
+                <a:extLst>
+                  <a:ext uri="{FF2B5EF4-FFF2-40B4-BE49-F238E27FC236}">
+                    <a16:creationId xmlns:a16="http://schemas.microsoft.com/office/drawing/2014/main" id="{460EE64E-F040-4F68-4EF5-741E1D9400E5}"/>
+                  </a:ext>
+                </a:extLst>
+              </p:cNvPr>
+              <p:cNvPicPr/>
+              <p:nvPr/>
+            </p:nvPicPr>
+            <p:blipFill>
+              <a:blip r:embed="rId6"/>
+              <a:stretch>
+                <a:fillRect/>
+              </a:stretch>
+            </p:blipFill>
+            <p:spPr>
+              <a:xfrm>
+                <a:off x="1227141" y="2445642"/>
+                <a:ext cx="2025000" cy="414360"/>
+              </a:xfrm>
+              <a:prstGeom prst="rect">
+                <a:avLst/>
+              </a:prstGeom>
+            </p:spPr>
+          </p:pic>
+        </mc:Fallback>
+      </mc:AlternateContent>
+      <mc:AlternateContent xmlns:mc="http://schemas.openxmlformats.org/markup-compatibility/2006" xmlns:p14="http://schemas.microsoft.com/office/powerpoint/2010/main">
+        <mc:Choice Requires="p14">
+          <p:contentPart p14:bwMode="auto" r:id="rId7">
+            <p14:nvContentPartPr>
+              <p14:cNvPr id="8" name="Entrada de lápiz 7">
+                <a:extLst>
+                  <a:ext uri="{FF2B5EF4-FFF2-40B4-BE49-F238E27FC236}">
+                    <a16:creationId xmlns:a16="http://schemas.microsoft.com/office/drawing/2014/main" id="{5090241E-A0ED-31A1-EA5D-05AD2776FAF5}"/>
+                  </a:ext>
+                </a:extLst>
+              </p14:cNvPr>
+              <p14:cNvContentPartPr/>
+              <p14:nvPr/>
+            </p14:nvContentPartPr>
+            <p14:xfrm>
+              <a:off x="2385261" y="4902282"/>
+              <a:ext cx="1126800" cy="239760"/>
+            </p14:xfrm>
+          </p:contentPart>
+        </mc:Choice>
+        <mc:Fallback xmlns="">
+          <p:pic>
+            <p:nvPicPr>
+              <p:cNvPr id="8" name="Entrada de lápiz 7">
+                <a:extLst>
+                  <a:ext uri="{FF2B5EF4-FFF2-40B4-BE49-F238E27FC236}">
+                    <a16:creationId xmlns:a16="http://schemas.microsoft.com/office/drawing/2014/main" id="{5090241E-A0ED-31A1-EA5D-05AD2776FAF5}"/>
+                  </a:ext>
+                </a:extLst>
+              </p:cNvPr>
+              <p:cNvPicPr/>
+              <p:nvPr/>
+            </p:nvPicPr>
+            <p:blipFill>
+              <a:blip r:embed="rId8"/>
+              <a:stretch>
+                <a:fillRect/>
+              </a:stretch>
+            </p:blipFill>
+            <p:spPr>
+              <a:xfrm>
+                <a:off x="2340261" y="4812282"/>
+                <a:ext cx="1216440" cy="419400"/>
+              </a:xfrm>
+              <a:prstGeom prst="rect">
+                <a:avLst/>
+              </a:prstGeom>
+            </p:spPr>
+          </p:pic>
+        </mc:Fallback>
+      </mc:AlternateContent>
+      <mc:AlternateContent xmlns:mc="http://schemas.openxmlformats.org/markup-compatibility/2006" xmlns:p14="http://schemas.microsoft.com/office/powerpoint/2010/main">
+        <mc:Choice Requires="p14">
+          <p:contentPart p14:bwMode="auto" r:id="rId9">
+            <p14:nvContentPartPr>
+              <p14:cNvPr id="9" name="Entrada de lápiz 8">
+                <a:extLst>
+                  <a:ext uri="{FF2B5EF4-FFF2-40B4-BE49-F238E27FC236}">
+                    <a16:creationId xmlns:a16="http://schemas.microsoft.com/office/drawing/2014/main" id="{4F3DBDDA-BB16-4EA7-66E9-FC2AAE01E82B}"/>
+                  </a:ext>
+                </a:extLst>
+              </p14:cNvPr>
+              <p14:cNvContentPartPr/>
+              <p14:nvPr/>
+            </p14:nvContentPartPr>
+            <p14:xfrm>
+              <a:off x="1894941" y="4942962"/>
+              <a:ext cx="1193040" cy="159480"/>
+            </p14:xfrm>
+          </p:contentPart>
+        </mc:Choice>
+        <mc:Fallback xmlns="">
+          <p:pic>
+            <p:nvPicPr>
+              <p:cNvPr id="9" name="Entrada de lápiz 8">
+                <a:extLst>
+                  <a:ext uri="{FF2B5EF4-FFF2-40B4-BE49-F238E27FC236}">
+                    <a16:creationId xmlns:a16="http://schemas.microsoft.com/office/drawing/2014/main" id="{4F3DBDDA-BB16-4EA7-66E9-FC2AAE01E82B}"/>
+                  </a:ext>
+                </a:extLst>
+              </p:cNvPr>
+              <p:cNvPicPr/>
+              <p:nvPr/>
+            </p:nvPicPr>
+            <p:blipFill>
+              <a:blip r:embed="rId10"/>
+              <a:stretch>
+                <a:fillRect/>
+              </a:stretch>
+            </p:blipFill>
+            <p:spPr>
+              <a:xfrm>
+                <a:off x="1849941" y="4852962"/>
+                <a:ext cx="1282680" cy="339120"/>
+              </a:xfrm>
+              <a:prstGeom prst="rect">
+                <a:avLst/>
+              </a:prstGeom>
+            </p:spPr>
+          </p:pic>
+        </mc:Fallback>
+      </mc:AlternateContent>
+      <p:pic>
+        <p:nvPicPr>
+          <p:cNvPr id="12" name="Imagen 11">
+            <a:extLst>
+              <a:ext uri="{FF2B5EF4-FFF2-40B4-BE49-F238E27FC236}">
+                <a16:creationId xmlns:a16="http://schemas.microsoft.com/office/drawing/2014/main" id="{974B3890-BE67-BCA7-F58E-CE42D8D817EE}"/>
+              </a:ext>
+            </a:extLst>
+          </p:cNvPr>
+          <p:cNvPicPr>
+            <a:picLocks noChangeAspect="1"/>
+          </p:cNvPicPr>
+          <p:nvPr/>
+        </p:nvPicPr>
+        <p:blipFill>
+          <a:blip r:embed="rId11"/>
+          <a:stretch>
+            <a:fillRect/>
+          </a:stretch>
+        </p:blipFill>
+        <p:spPr>
+          <a:xfrm>
+            <a:off x="6618166" y="3749596"/>
+            <a:ext cx="3686689" cy="1152686"/>
+          </a:xfrm>
+          <a:prstGeom prst="rect">
+            <a:avLst/>
+          </a:prstGeom>
+        </p:spPr>
+      </p:pic>
+      <mc:AlternateContent xmlns:mc="http://schemas.openxmlformats.org/markup-compatibility/2006" xmlns:p14="http://schemas.microsoft.com/office/powerpoint/2010/main">
+        <mc:Choice Requires="p14">
+          <p:contentPart p14:bwMode="auto" r:id="rId12">
+            <p14:nvContentPartPr>
+              <p14:cNvPr id="13" name="Entrada de lápiz 12">
+                <a:extLst>
+                  <a:ext uri="{FF2B5EF4-FFF2-40B4-BE49-F238E27FC236}">
+                    <a16:creationId xmlns:a16="http://schemas.microsoft.com/office/drawing/2014/main" id="{DD56B944-CDF1-439B-B365-B134B10FC927}"/>
+                  </a:ext>
+                </a:extLst>
+              </p14:cNvPr>
+              <p14:cNvContentPartPr/>
+              <p14:nvPr/>
+            </p14:nvContentPartPr>
+            <p14:xfrm>
+              <a:off x="6970581" y="4148082"/>
+              <a:ext cx="658800" cy="229680"/>
+            </p14:xfrm>
+          </p:contentPart>
+        </mc:Choice>
+        <mc:Fallback xmlns="">
+          <p:pic>
+            <p:nvPicPr>
+              <p:cNvPr id="13" name="Entrada de lápiz 12">
+                <a:extLst>
+                  <a:ext uri="{FF2B5EF4-FFF2-40B4-BE49-F238E27FC236}">
+                    <a16:creationId xmlns:a16="http://schemas.microsoft.com/office/drawing/2014/main" id="{DD56B944-CDF1-439B-B365-B134B10FC927}"/>
+                  </a:ext>
+                </a:extLst>
+              </p:cNvPr>
+              <p:cNvPicPr/>
+              <p:nvPr/>
+            </p:nvPicPr>
+            <p:blipFill>
+              <a:blip r:embed="rId13"/>
+              <a:stretch>
+                <a:fillRect/>
+              </a:stretch>
+            </p:blipFill>
+            <p:spPr>
+              <a:xfrm>
+                <a:off x="6925581" y="4058082"/>
+                <a:ext cx="748440" cy="409320"/>
+              </a:xfrm>
+              <a:prstGeom prst="rect">
+                <a:avLst/>
+              </a:prstGeom>
+            </p:spPr>
+          </p:pic>
+        </mc:Fallback>
+      </mc:AlternateContent>
+      <mc:AlternateContent xmlns:mc="http://schemas.openxmlformats.org/markup-compatibility/2006" xmlns:p14="http://schemas.microsoft.com/office/powerpoint/2010/main">
+        <mc:Choice Requires="p14">
+          <p:contentPart p14:bwMode="auto" r:id="rId14">
+            <p14:nvContentPartPr>
+              <p14:cNvPr id="14" name="Entrada de lápiz 13">
+                <a:extLst>
+                  <a:ext uri="{FF2B5EF4-FFF2-40B4-BE49-F238E27FC236}">
+                    <a16:creationId xmlns:a16="http://schemas.microsoft.com/office/drawing/2014/main" id="{F79BD4D8-017C-C93F-1D9B-07E83D2008A3}"/>
+                  </a:ext>
+                </a:extLst>
+              </p14:cNvPr>
+              <p14:cNvContentPartPr/>
+              <p14:nvPr/>
+            </p14:nvContentPartPr>
+            <p14:xfrm>
+              <a:off x="9342621" y="4001922"/>
+              <a:ext cx="742680" cy="570600"/>
+            </p14:xfrm>
+          </p:contentPart>
+        </mc:Choice>
+        <mc:Fallback xmlns="">
+          <p:pic>
+            <p:nvPicPr>
+              <p:cNvPr id="14" name="Entrada de lápiz 13">
+                <a:extLst>
+                  <a:ext uri="{FF2B5EF4-FFF2-40B4-BE49-F238E27FC236}">
+                    <a16:creationId xmlns:a16="http://schemas.microsoft.com/office/drawing/2014/main" id="{F79BD4D8-017C-C93F-1D9B-07E83D2008A3}"/>
+                  </a:ext>
+                </a:extLst>
+              </p:cNvPr>
+              <p:cNvPicPr/>
+              <p:nvPr/>
+            </p:nvPicPr>
+            <p:blipFill>
+              <a:blip r:embed="rId15"/>
+              <a:stretch>
+                <a:fillRect/>
+              </a:stretch>
+            </p:blipFill>
+            <p:spPr>
+              <a:xfrm>
+                <a:off x="9297621" y="3911922"/>
+                <a:ext cx="832320" cy="750240"/>
+              </a:xfrm>
+              <a:prstGeom prst="rect">
+                <a:avLst/>
+              </a:prstGeom>
+            </p:spPr>
+          </p:pic>
+        </mc:Fallback>
+      </mc:AlternateContent>
+    </p:spTree>
+    <p:extLst>
+      <p:ext uri="{BB962C8B-B14F-4D97-AF65-F5344CB8AC3E}">
+        <p14:creationId xmlns:p14="http://schemas.microsoft.com/office/powerpoint/2010/main" val="1051129506"/>
+      </p:ext>
+    </p:extLst>
+  </p:cSld>
+  <p:clrMapOvr>
+    <a:masterClrMapping/>
+  </p:clrMapOvr>
+</p:sld>
+</file>
+
+<file path=ppt/slides/slide22.xml><?xml version="1.0" encoding="utf-8"?>
+<p:sld xmlns:a="http://schemas.openxmlformats.org/drawingml/2006/main" xmlns:r="http://schemas.openxmlformats.org/officeDocument/2006/relationships" xmlns:p="http://schemas.openxmlformats.org/presentationml/2006/main">
+  <p:cSld>
+    <p:spTree>
+      <p:nvGrpSpPr>
+        <p:cNvPr id="1" name=""/>
+        <p:cNvGrpSpPr/>
+        <p:nvPr/>
+      </p:nvGrpSpPr>
+      <p:grpSpPr>
+        <a:xfrm>
+          <a:off x="0" y="0"/>
+          <a:ext cx="0" cy="0"/>
+          <a:chOff x="0" y="0"/>
+          <a:chExt cx="0" cy="0"/>
+        </a:xfrm>
+      </p:grpSpPr>
+      <p:sp>
+        <p:nvSpPr>
+          <p:cNvPr id="2" name="Rectángulo 1">
+            <a:extLst>
+              <a:ext uri="{FF2B5EF4-FFF2-40B4-BE49-F238E27FC236}">
+                <a16:creationId xmlns:a16="http://schemas.microsoft.com/office/drawing/2014/main" id="{F9515561-4C63-AE13-702E-50E3ADD19C48}"/>
+              </a:ext>
+            </a:extLst>
+          </p:cNvPr>
+          <p:cNvSpPr/>
+          <p:nvPr/>
+        </p:nvSpPr>
+        <p:spPr>
+          <a:xfrm>
+            <a:off x="3355600" y="2238464"/>
+            <a:ext cx="6066695" cy="1862048"/>
+          </a:xfrm>
+          <a:prstGeom prst="rect">
+            <a:avLst/>
+          </a:prstGeom>
+          <a:noFill/>
+        </p:spPr>
+        <p:txBody>
+          <a:bodyPr wrap="square" lIns="91440" tIns="45720" rIns="91440" bIns="45720">
+            <a:spAutoFit/>
+          </a:bodyPr>
+          <a:lstStyle/>
+          <a:p>
+            <a:pPr algn="ctr"/>
+            <a:r>
+              <a:rPr lang="es-ES" sz="11500" b="0" cap="none" spc="0" dirty="0">
+                <a:ln w="0"/>
+                <a:solidFill>
+                  <a:schemeClr val="tx1"/>
+                </a:solidFill>
+                <a:effectLst>
+                  <a:outerShdw blurRad="38100" dist="19050" dir="2700000" algn="tl" rotWithShape="0">
+                    <a:schemeClr val="dk1">
+                      <a:alpha val="40000"/>
+                    </a:schemeClr>
+                  </a:outerShdw>
+                </a:effectLst>
+              </a:rPr>
+              <a:t>Chequeo </a:t>
+            </a:r>
+          </a:p>
+        </p:txBody>
+      </p:sp>
+    </p:spTree>
+    <p:extLst>
+      <p:ext uri="{BB962C8B-B14F-4D97-AF65-F5344CB8AC3E}">
+        <p14:creationId xmlns:p14="http://schemas.microsoft.com/office/powerpoint/2010/main" val="1474711430"/>
+      </p:ext>
+    </p:extLst>
+  </p:cSld>
+  <p:clrMapOvr>
+    <a:masterClrMapping/>
+  </p:clrMapOvr>
+</p:sld>
+</file>
+
+<file path=ppt/slides/slide23.xml><?xml version="1.0" encoding="utf-8"?>
+<p:sld xmlns:a="http://schemas.openxmlformats.org/drawingml/2006/main" xmlns:r="http://schemas.openxmlformats.org/officeDocument/2006/relationships" xmlns:p="http://schemas.openxmlformats.org/presentationml/2006/main">
+  <p:cSld>
+    <p:spTree>
+      <p:nvGrpSpPr>
+        <p:cNvPr id="1" name=""/>
+        <p:cNvGrpSpPr/>
+        <p:nvPr/>
+      </p:nvGrpSpPr>
+      <p:grpSpPr>
+        <a:xfrm>
+          <a:off x="0" y="0"/>
+          <a:ext cx="0" cy="0"/>
+          <a:chOff x="0" y="0"/>
+          <a:chExt cx="0" cy="0"/>
+        </a:xfrm>
+      </p:grpSpPr>
+      <p:sp>
+        <p:nvSpPr>
+          <p:cNvPr id="2" name="CuadroTexto 1">
+            <a:extLst>
+              <a:ext uri="{FF2B5EF4-FFF2-40B4-BE49-F238E27FC236}">
+                <a16:creationId xmlns:a16="http://schemas.microsoft.com/office/drawing/2014/main" id="{E19C8F6D-00C2-6152-EA6A-73A9163B52F7}"/>
+              </a:ext>
+            </a:extLst>
+          </p:cNvPr>
+          <p:cNvSpPr txBox="1"/>
+          <p:nvPr/>
+        </p:nvSpPr>
+        <p:spPr>
+          <a:xfrm>
+            <a:off x="1285461" y="543339"/>
+            <a:ext cx="3246782" cy="1477328"/>
+          </a:xfrm>
+          <a:prstGeom prst="rect">
+            <a:avLst/>
+          </a:prstGeom>
+          <a:noFill/>
+        </p:spPr>
+        <p:txBody>
+          <a:bodyPr wrap="square" rtlCol="0">
+            <a:spAutoFit/>
+          </a:bodyPr>
+          <a:lstStyle/>
+          <a:p>
+            <a:r>
+              <a:rPr lang="es-ES" dirty="0"/>
+              <a:t>REALIZAMOS EL CHEQUEO, en </a:t>
+            </a:r>
+            <a:r>
+              <a:rPr lang="es-ES" dirty="0" err="1"/>
+              <a:t>cheq</a:t>
+            </a:r>
+            <a:r>
+              <a:rPr lang="es-ES" dirty="0"/>
+              <a:t> </a:t>
+            </a:r>
+            <a:r>
+              <a:rPr lang="es-ES" dirty="0" err="1"/>
+              <a:t>model</a:t>
+            </a:r>
+            <a:endParaRPr lang="es-ES" dirty="0"/>
+          </a:p>
+          <a:p>
+            <a:endParaRPr lang="es-ES" dirty="0"/>
+          </a:p>
+          <a:p>
+            <a:r>
+              <a:rPr lang="es-ES" dirty="0"/>
+              <a:t>Tiene que verificar todas las opciones  </a:t>
+            </a:r>
+            <a:endParaRPr lang="es-GT" dirty="0"/>
+          </a:p>
+        </p:txBody>
+      </p:sp>
+      <p:pic>
+        <p:nvPicPr>
+          <p:cNvPr id="4" name="Imagen 3">
+            <a:extLst>
+              <a:ext uri="{FF2B5EF4-FFF2-40B4-BE49-F238E27FC236}">
+                <a16:creationId xmlns:a16="http://schemas.microsoft.com/office/drawing/2014/main" id="{3F48921C-7122-CDA5-9684-376A7DC08BC0}"/>
+              </a:ext>
+            </a:extLst>
+          </p:cNvPr>
+          <p:cNvPicPr>
+            <a:picLocks noChangeAspect="1"/>
+          </p:cNvPicPr>
+          <p:nvPr/>
+        </p:nvPicPr>
+        <p:blipFill>
+          <a:blip r:embed="rId2"/>
+          <a:stretch>
+            <a:fillRect/>
+          </a:stretch>
+        </p:blipFill>
+        <p:spPr>
+          <a:xfrm>
+            <a:off x="1017875" y="2360488"/>
+            <a:ext cx="3781953" cy="2476846"/>
+          </a:xfrm>
+          <a:prstGeom prst="rect">
+            <a:avLst/>
+          </a:prstGeom>
+        </p:spPr>
+      </p:pic>
+      <p:pic>
+        <p:nvPicPr>
+          <p:cNvPr id="6" name="Imagen 5">
+            <a:extLst>
+              <a:ext uri="{FF2B5EF4-FFF2-40B4-BE49-F238E27FC236}">
+                <a16:creationId xmlns:a16="http://schemas.microsoft.com/office/drawing/2014/main" id="{2314C588-D46C-3B53-5D99-E985CA414D80}"/>
+              </a:ext>
+            </a:extLst>
+          </p:cNvPr>
+          <p:cNvPicPr>
+            <a:picLocks noChangeAspect="1"/>
+          </p:cNvPicPr>
+          <p:nvPr/>
+        </p:nvPicPr>
+        <p:blipFill>
+          <a:blip r:embed="rId3"/>
+          <a:stretch>
+            <a:fillRect/>
+          </a:stretch>
+        </p:blipFill>
+        <p:spPr>
+          <a:xfrm>
+            <a:off x="5475689" y="342454"/>
+            <a:ext cx="3920102" cy="6173092"/>
+          </a:xfrm>
+          <a:prstGeom prst="rect">
+            <a:avLst/>
+          </a:prstGeom>
+        </p:spPr>
+      </p:pic>
+      <mc:AlternateContent xmlns:mc="http://schemas.openxmlformats.org/markup-compatibility/2006" xmlns:p14="http://schemas.microsoft.com/office/powerpoint/2010/main">
+        <mc:Choice Requires="p14">
+          <p:contentPart p14:bwMode="auto" r:id="rId4">
+            <p14:nvContentPartPr>
+              <p14:cNvPr id="7" name="Entrada de lápiz 6">
+                <a:extLst>
+                  <a:ext uri="{FF2B5EF4-FFF2-40B4-BE49-F238E27FC236}">
+                    <a16:creationId xmlns:a16="http://schemas.microsoft.com/office/drawing/2014/main" id="{1EF1FB8D-97ED-4D3E-A86C-4B58A9BE7B9E}"/>
+                  </a:ext>
+                </a:extLst>
+              </p14:cNvPr>
+              <p14:cNvContentPartPr/>
+              <p14:nvPr/>
+            </p14:nvContentPartPr>
+            <p14:xfrm>
+              <a:off x="5843781" y="847962"/>
+              <a:ext cx="292320" cy="3671280"/>
+            </p14:xfrm>
+          </p:contentPart>
+        </mc:Choice>
+        <mc:Fallback xmlns="">
+          <p:pic>
+            <p:nvPicPr>
+              <p:cNvPr id="7" name="Entrada de lápiz 6">
+                <a:extLst>
+                  <a:ext uri="{FF2B5EF4-FFF2-40B4-BE49-F238E27FC236}">
+                    <a16:creationId xmlns:a16="http://schemas.microsoft.com/office/drawing/2014/main" id="{1EF1FB8D-97ED-4D3E-A86C-4B58A9BE7B9E}"/>
+                  </a:ext>
+                </a:extLst>
+              </p:cNvPr>
+              <p:cNvPicPr/>
+              <p:nvPr/>
+            </p:nvPicPr>
+            <p:blipFill>
+              <a:blip r:embed="rId5"/>
+              <a:stretch>
+                <a:fillRect/>
+              </a:stretch>
+            </p:blipFill>
+            <p:spPr>
+              <a:xfrm>
+                <a:off x="5798781" y="757962"/>
+                <a:ext cx="381960" cy="3850920"/>
+              </a:xfrm>
+              <a:prstGeom prst="rect">
+                <a:avLst/>
+              </a:prstGeom>
+            </p:spPr>
+          </p:pic>
+        </mc:Fallback>
+      </mc:AlternateContent>
+      <mc:AlternateContent xmlns:mc="http://schemas.openxmlformats.org/markup-compatibility/2006" xmlns:p14="http://schemas.microsoft.com/office/powerpoint/2010/main">
+        <mc:Choice Requires="p14">
+          <p:contentPart p14:bwMode="auto" r:id="rId6">
+            <p14:nvContentPartPr>
+              <p14:cNvPr id="8" name="Entrada de lápiz 7">
+                <a:extLst>
+                  <a:ext uri="{FF2B5EF4-FFF2-40B4-BE49-F238E27FC236}">
+                    <a16:creationId xmlns:a16="http://schemas.microsoft.com/office/drawing/2014/main" id="{FEF4D09C-FAD2-4FCE-DB95-65FBE7FC291D}"/>
+                  </a:ext>
+                </a:extLst>
+              </p14:cNvPr>
+              <p14:cNvContentPartPr/>
+              <p14:nvPr/>
+            </p14:nvContentPartPr>
+            <p14:xfrm>
+              <a:off x="1126341" y="2730042"/>
+              <a:ext cx="3432600" cy="378360"/>
+            </p14:xfrm>
+          </p:contentPart>
+        </mc:Choice>
+        <mc:Fallback xmlns="">
+          <p:pic>
+            <p:nvPicPr>
+              <p:cNvPr id="8" name="Entrada de lápiz 7">
+                <a:extLst>
+                  <a:ext uri="{FF2B5EF4-FFF2-40B4-BE49-F238E27FC236}">
+                    <a16:creationId xmlns:a16="http://schemas.microsoft.com/office/drawing/2014/main" id="{FEF4D09C-FAD2-4FCE-DB95-65FBE7FC291D}"/>
+                  </a:ext>
+                </a:extLst>
+              </p:cNvPr>
+              <p:cNvPicPr/>
+              <p:nvPr/>
+            </p:nvPicPr>
+            <p:blipFill>
+              <a:blip r:embed="rId7"/>
+              <a:stretch>
+                <a:fillRect/>
+              </a:stretch>
+            </p:blipFill>
+            <p:spPr>
+              <a:xfrm>
+                <a:off x="1081341" y="2640042"/>
+                <a:ext cx="3522240" cy="558000"/>
+              </a:xfrm>
+              <a:prstGeom prst="rect">
+                <a:avLst/>
+              </a:prstGeom>
+            </p:spPr>
+          </p:pic>
+        </mc:Fallback>
+      </mc:AlternateContent>
+      <p:pic>
+        <p:nvPicPr>
+          <p:cNvPr id="10" name="Imagen 9">
+            <a:extLst>
+              <a:ext uri="{FF2B5EF4-FFF2-40B4-BE49-F238E27FC236}">
+                <a16:creationId xmlns:a16="http://schemas.microsoft.com/office/drawing/2014/main" id="{BE70C10D-C0BF-9F3A-A102-7109C9AF7D34}"/>
+              </a:ext>
+            </a:extLst>
+          </p:cNvPr>
+          <p:cNvPicPr>
+            <a:picLocks noChangeAspect="1"/>
+          </p:cNvPicPr>
+          <p:nvPr/>
+        </p:nvPicPr>
+        <p:blipFill>
+          <a:blip r:embed="rId8"/>
+          <a:stretch>
+            <a:fillRect/>
+          </a:stretch>
+        </p:blipFill>
+        <p:spPr>
+          <a:xfrm>
+            <a:off x="892930" y="4837334"/>
+            <a:ext cx="4111036" cy="1318591"/>
+          </a:xfrm>
+          <a:prstGeom prst="rect">
+            <a:avLst/>
+          </a:prstGeom>
+        </p:spPr>
+      </p:pic>
+      <p:sp>
+        <p:nvSpPr>
+          <p:cNvPr id="11" name="CuadroTexto 10">
+            <a:extLst>
+              <a:ext uri="{FF2B5EF4-FFF2-40B4-BE49-F238E27FC236}">
+                <a16:creationId xmlns:a16="http://schemas.microsoft.com/office/drawing/2014/main" id="{371167A7-F864-E4B9-5D52-A7E228F5E5B5}"/>
+              </a:ext>
+            </a:extLst>
+          </p:cNvPr>
+          <p:cNvSpPr txBox="1"/>
+          <p:nvPr/>
+        </p:nvSpPr>
+        <p:spPr>
+          <a:xfrm>
+            <a:off x="5287617" y="5496629"/>
+            <a:ext cx="4479235" cy="923330"/>
+          </a:xfrm>
+          <a:prstGeom prst="rect">
+            <a:avLst/>
+          </a:prstGeom>
+          <a:noFill/>
+        </p:spPr>
+        <p:txBody>
+          <a:bodyPr wrap="square" rtlCol="0">
+            <a:spAutoFit/>
+          </a:bodyPr>
+          <a:lstStyle/>
+          <a:p>
+            <a:r>
+              <a:rPr lang="es-ES" dirty="0"/>
+              <a:t>Si aparece no </a:t>
+            </a:r>
+            <a:r>
+              <a:rPr lang="es-ES" dirty="0" err="1"/>
+              <a:t>warning</a:t>
+            </a:r>
+            <a:r>
+              <a:rPr lang="es-ES" dirty="0"/>
+              <a:t>, es que el modelo ha sido chequeado y no aparece ningún mensaje de advertencia </a:t>
+            </a:r>
+            <a:endParaRPr lang="es-GT" dirty="0"/>
+          </a:p>
+        </p:txBody>
+      </p:sp>
+      <mc:AlternateContent xmlns:mc="http://schemas.openxmlformats.org/markup-compatibility/2006" xmlns:p14="http://schemas.microsoft.com/office/powerpoint/2010/main">
+        <mc:Choice Requires="p14">
+          <p:contentPart p14:bwMode="auto" r:id="rId9">
+            <p14:nvContentPartPr>
+              <p14:cNvPr id="12" name="Entrada de lápiz 11">
+                <a:extLst>
+                  <a:ext uri="{FF2B5EF4-FFF2-40B4-BE49-F238E27FC236}">
+                    <a16:creationId xmlns:a16="http://schemas.microsoft.com/office/drawing/2014/main" id="{DA7C87AB-CE74-E03E-5FCF-6A81124E6D4B}"/>
+                  </a:ext>
+                </a:extLst>
+              </p14:cNvPr>
+              <p14:cNvContentPartPr/>
+              <p14:nvPr/>
+            </p14:nvContentPartPr>
+            <p14:xfrm>
+              <a:off x="834741" y="5314122"/>
+              <a:ext cx="7169760" cy="428040"/>
+            </p14:xfrm>
+          </p:contentPart>
+        </mc:Choice>
+        <mc:Fallback xmlns="">
+          <p:pic>
+            <p:nvPicPr>
+              <p:cNvPr id="12" name="Entrada de lápiz 11">
+                <a:extLst>
+                  <a:ext uri="{FF2B5EF4-FFF2-40B4-BE49-F238E27FC236}">
+                    <a16:creationId xmlns:a16="http://schemas.microsoft.com/office/drawing/2014/main" id="{DA7C87AB-CE74-E03E-5FCF-6A81124E6D4B}"/>
+                  </a:ext>
+                </a:extLst>
+              </p:cNvPr>
+              <p:cNvPicPr/>
+              <p:nvPr/>
+            </p:nvPicPr>
+            <p:blipFill>
+              <a:blip r:embed="rId10"/>
+              <a:stretch>
+                <a:fillRect/>
+              </a:stretch>
+            </p:blipFill>
+            <p:spPr>
+              <a:xfrm>
+                <a:off x="789741" y="5224122"/>
+                <a:ext cx="7259400" cy="607680"/>
+              </a:xfrm>
+              <a:prstGeom prst="rect">
+                <a:avLst/>
+              </a:prstGeom>
+            </p:spPr>
+          </p:pic>
+        </mc:Fallback>
+      </mc:AlternateContent>
+    </p:spTree>
+    <p:extLst>
+      <p:ext uri="{BB962C8B-B14F-4D97-AF65-F5344CB8AC3E}">
+        <p14:creationId xmlns:p14="http://schemas.microsoft.com/office/powerpoint/2010/main" val="1216284317"/>
+      </p:ext>
+    </p:extLst>
+  </p:cSld>
+  <p:clrMapOvr>
+    <a:masterClrMapping/>
+  </p:clrMapOvr>
+</p:sld>
+</file>
+
+<file path=ppt/slides/slide24.xml><?xml version="1.0" encoding="utf-8"?>
+<p:sld xmlns:a="http://schemas.openxmlformats.org/drawingml/2006/main" xmlns:r="http://schemas.openxmlformats.org/officeDocument/2006/relationships" xmlns:p="http://schemas.openxmlformats.org/presentationml/2006/main">
+  <p:cSld>
+    <p:spTree>
+      <p:nvGrpSpPr>
+        <p:cNvPr id="1" name=""/>
+        <p:cNvGrpSpPr/>
+        <p:nvPr/>
+      </p:nvGrpSpPr>
+      <p:grpSpPr>
+        <a:xfrm>
+          <a:off x="0" y="0"/>
+          <a:ext cx="0" cy="0"/>
+          <a:chOff x="0" y="0"/>
+          <a:chExt cx="0" cy="0"/>
+        </a:xfrm>
+      </p:grpSpPr>
+      <p:sp>
+        <p:nvSpPr>
+          <p:cNvPr id="2" name="Rectángulo 1">
+            <a:extLst>
+              <a:ext uri="{FF2B5EF4-FFF2-40B4-BE49-F238E27FC236}">
+                <a16:creationId xmlns:a16="http://schemas.microsoft.com/office/drawing/2014/main" id="{E4286FF2-ABDD-9122-1358-EBEC2A0D0B67}"/>
+              </a:ext>
+            </a:extLst>
+          </p:cNvPr>
+          <p:cNvSpPr/>
+          <p:nvPr/>
+        </p:nvSpPr>
+        <p:spPr>
+          <a:xfrm>
+            <a:off x="3321141" y="2967335"/>
+            <a:ext cx="5549725" cy="923330"/>
+          </a:xfrm>
+          <a:prstGeom prst="rect">
+            <a:avLst/>
+          </a:prstGeom>
+          <a:noFill/>
+        </p:spPr>
+        <p:txBody>
+          <a:bodyPr wrap="none" lIns="91440" tIns="45720" rIns="91440" bIns="45720">
+            <a:spAutoFit/>
+          </a:bodyPr>
+          <a:lstStyle/>
+          <a:p>
+            <a:pPr algn="ctr"/>
+            <a:r>
+              <a:rPr lang="es-ES" sz="5400" b="0" cap="none" spc="0" dirty="0">
+                <a:ln w="0"/>
+                <a:solidFill>
+                  <a:schemeClr val="tx1"/>
+                </a:solidFill>
+                <a:effectLst>
+                  <a:outerShdw blurRad="38100" dist="19050" dir="2700000" algn="tl" rotWithShape="0">
+                    <a:schemeClr val="dk1">
+                      <a:alpha val="40000"/>
+                    </a:schemeClr>
+                  </a:outerShdw>
+                </a:effectLst>
+              </a:rPr>
+              <a:t>Grados de libertad </a:t>
+            </a:r>
+          </a:p>
+        </p:txBody>
+      </p:sp>
+    </p:spTree>
+    <p:extLst>
+      <p:ext uri="{BB962C8B-B14F-4D97-AF65-F5344CB8AC3E}">
+        <p14:creationId xmlns:p14="http://schemas.microsoft.com/office/powerpoint/2010/main" val="970062952"/>
+      </p:ext>
+    </p:extLst>
+  </p:cSld>
+  <p:clrMapOvr>
+    <a:masterClrMapping/>
+  </p:clrMapOvr>
+</p:sld>
+</file>
+
+<file path=ppt/slides/slide25.xml><?xml version="1.0" encoding="utf-8"?>
+<p:sld xmlns:a="http://schemas.openxmlformats.org/drawingml/2006/main" xmlns:r="http://schemas.openxmlformats.org/officeDocument/2006/relationships" xmlns:p="http://schemas.openxmlformats.org/presentationml/2006/main">
+  <p:cSld>
+    <p:spTree>
+      <p:nvGrpSpPr>
+        <p:cNvPr id="1" name=""/>
+        <p:cNvGrpSpPr/>
+        <p:nvPr/>
+      </p:nvGrpSpPr>
+      <p:grpSpPr>
+        <a:xfrm>
+          <a:off x="0" y="0"/>
+          <a:ext cx="0" cy="0"/>
+          <a:chOff x="0" y="0"/>
+          <a:chExt cx="0" cy="0"/>
+        </a:xfrm>
+      </p:grpSpPr>
+      <p:sp>
+        <p:nvSpPr>
+          <p:cNvPr id="2" name="CuadroTexto 1">
+            <a:extLst>
+              <a:ext uri="{FF2B5EF4-FFF2-40B4-BE49-F238E27FC236}">
+                <a16:creationId xmlns:a16="http://schemas.microsoft.com/office/drawing/2014/main" id="{9A88D445-904B-E83E-0EF5-44BBBD835541}"/>
+              </a:ext>
+            </a:extLst>
+          </p:cNvPr>
+          <p:cNvSpPr txBox="1"/>
+          <p:nvPr/>
+        </p:nvSpPr>
+        <p:spPr>
+          <a:xfrm>
+            <a:off x="6520069" y="1486763"/>
+            <a:ext cx="3180522" cy="1754326"/>
+          </a:xfrm>
+          <a:prstGeom prst="rect">
+            <a:avLst/>
+          </a:prstGeom>
+          <a:noFill/>
+        </p:spPr>
+        <p:txBody>
+          <a:bodyPr wrap="square" rtlCol="0">
+            <a:spAutoFit/>
+          </a:bodyPr>
+          <a:lstStyle/>
+          <a:p>
+            <a:r>
+              <a:rPr lang="es-ES" dirty="0"/>
+              <a:t>Grados de libertad</a:t>
+            </a:r>
+          </a:p>
+          <a:p>
+            <a:endParaRPr lang="es-ES" dirty="0"/>
+          </a:p>
+          <a:p>
+            <a:r>
+              <a:rPr lang="es-ES" dirty="0"/>
+              <a:t>Si el edificio es en 3d se hace en 3d, pero para el modelo que trabajamos es en el plano x z, le indicamos plano XZ </a:t>
+            </a:r>
+            <a:endParaRPr lang="es-GT" dirty="0"/>
+          </a:p>
+        </p:txBody>
+      </p:sp>
+      <p:pic>
+        <p:nvPicPr>
+          <p:cNvPr id="4" name="Imagen 3">
+            <a:extLst>
+              <a:ext uri="{FF2B5EF4-FFF2-40B4-BE49-F238E27FC236}">
+                <a16:creationId xmlns:a16="http://schemas.microsoft.com/office/drawing/2014/main" id="{FF782E16-22F7-AA89-7A5F-BF6F727CE8B0}"/>
+              </a:ext>
+            </a:extLst>
+          </p:cNvPr>
+          <p:cNvPicPr>
+            <a:picLocks noChangeAspect="1"/>
+          </p:cNvPicPr>
+          <p:nvPr/>
+        </p:nvPicPr>
+        <p:blipFill>
+          <a:blip r:embed="rId2"/>
+          <a:stretch>
+            <a:fillRect/>
+          </a:stretch>
+        </p:blipFill>
+        <p:spPr>
+          <a:xfrm>
+            <a:off x="1127872" y="715616"/>
+            <a:ext cx="3629532" cy="1905266"/>
+          </a:xfrm>
+          <a:prstGeom prst="rect">
+            <a:avLst/>
+          </a:prstGeom>
+        </p:spPr>
+      </p:pic>
+      <p:pic>
+        <p:nvPicPr>
+          <p:cNvPr id="6" name="Imagen 5">
+            <a:extLst>
+              <a:ext uri="{FF2B5EF4-FFF2-40B4-BE49-F238E27FC236}">
+                <a16:creationId xmlns:a16="http://schemas.microsoft.com/office/drawing/2014/main" id="{6AA1BAAF-8E21-DE2C-60B1-BBF6BB3D9C0B}"/>
+              </a:ext>
+            </a:extLst>
+          </p:cNvPr>
+          <p:cNvPicPr>
+            <a:picLocks noChangeAspect="1"/>
+          </p:cNvPicPr>
+          <p:nvPr/>
+        </p:nvPicPr>
+        <p:blipFill>
+          <a:blip r:embed="rId3"/>
+          <a:stretch>
+            <a:fillRect/>
+          </a:stretch>
+        </p:blipFill>
+        <p:spPr>
+          <a:xfrm>
+            <a:off x="875425" y="2827752"/>
+            <a:ext cx="4134427" cy="2753109"/>
+          </a:xfrm>
+          <a:prstGeom prst="rect">
+            <a:avLst/>
+          </a:prstGeom>
+        </p:spPr>
+      </p:pic>
+      <mc:AlternateContent xmlns:mc="http://schemas.openxmlformats.org/markup-compatibility/2006">
+        <mc:Choice xmlns:p14="http://schemas.microsoft.com/office/powerpoint/2010/main" Requires="p14">
+          <p:contentPart p14:bwMode="auto" r:id="rId4">
+            <p14:nvContentPartPr>
+              <p14:cNvPr id="7" name="Entrada de lápiz 6">
+                <a:extLst>
+                  <a:ext uri="{FF2B5EF4-FFF2-40B4-BE49-F238E27FC236}">
+                    <a16:creationId xmlns:a16="http://schemas.microsoft.com/office/drawing/2014/main" id="{D57B4D75-685D-C1B9-CE91-EDD73199640D}"/>
+                  </a:ext>
+                </a:extLst>
+              </p14:cNvPr>
+              <p14:cNvContentPartPr/>
+              <p14:nvPr/>
+            </p14:nvContentPartPr>
+            <p14:xfrm>
+              <a:off x="1113021" y="1575882"/>
+              <a:ext cx="2983320" cy="178920"/>
+            </p14:xfrm>
+          </p:contentPart>
+        </mc:Choice>
+        <mc:Fallback>
+          <p:pic>
+            <p:nvPicPr>
+              <p:cNvPr id="7" name="Entrada de lápiz 6">
+                <a:extLst>
+                  <a:ext uri="{FF2B5EF4-FFF2-40B4-BE49-F238E27FC236}">
+                    <a16:creationId xmlns:a16="http://schemas.microsoft.com/office/drawing/2014/main" id="{D57B4D75-685D-C1B9-CE91-EDD73199640D}"/>
+                  </a:ext>
+                </a:extLst>
+              </p:cNvPr>
+              <p:cNvPicPr/>
+              <p:nvPr/>
+            </p:nvPicPr>
+            <p:blipFill>
+              <a:blip r:embed="rId5"/>
+              <a:stretch>
+                <a:fillRect/>
+              </a:stretch>
+            </p:blipFill>
+            <p:spPr>
+              <a:xfrm>
+                <a:off x="1068021" y="1485882"/>
+                <a:ext cx="3072960" cy="358560"/>
+              </a:xfrm>
+              <a:prstGeom prst="rect">
+                <a:avLst/>
+              </a:prstGeom>
+            </p:spPr>
+          </p:pic>
+        </mc:Fallback>
+      </mc:AlternateContent>
+      <mc:AlternateContent xmlns:mc="http://schemas.openxmlformats.org/markup-compatibility/2006">
+        <mc:Choice xmlns:p14="http://schemas.microsoft.com/office/powerpoint/2010/main" Requires="p14">
+          <p:contentPart p14:bwMode="auto" r:id="rId6">
+            <p14:nvContentPartPr>
+              <p14:cNvPr id="8" name="Entrada de lápiz 7">
+                <a:extLst>
+                  <a:ext uri="{FF2B5EF4-FFF2-40B4-BE49-F238E27FC236}">
+                    <a16:creationId xmlns:a16="http://schemas.microsoft.com/office/drawing/2014/main" id="{05AB09BB-DC7E-80EF-202C-E1733C6AB247}"/>
+                  </a:ext>
+                </a:extLst>
+              </p14:cNvPr>
+              <p14:cNvContentPartPr/>
+              <p14:nvPr/>
+            </p14:nvContentPartPr>
+            <p14:xfrm>
+              <a:off x="2278701" y="3564882"/>
+              <a:ext cx="614880" cy="821880"/>
+            </p14:xfrm>
+          </p:contentPart>
+        </mc:Choice>
+        <mc:Fallback>
+          <p:pic>
+            <p:nvPicPr>
+              <p:cNvPr id="8" name="Entrada de lápiz 7">
+                <a:extLst>
+                  <a:ext uri="{FF2B5EF4-FFF2-40B4-BE49-F238E27FC236}">
+                    <a16:creationId xmlns:a16="http://schemas.microsoft.com/office/drawing/2014/main" id="{05AB09BB-DC7E-80EF-202C-E1733C6AB247}"/>
+                  </a:ext>
+                </a:extLst>
+              </p:cNvPr>
+              <p:cNvPicPr/>
+              <p:nvPr/>
+            </p:nvPicPr>
+            <p:blipFill>
+              <a:blip r:embed="rId7"/>
+              <a:stretch>
+                <a:fillRect/>
+              </a:stretch>
+            </p:blipFill>
+            <p:spPr>
+              <a:xfrm>
+                <a:off x="2233701" y="3474882"/>
+                <a:ext cx="704520" cy="1001520"/>
+              </a:xfrm>
+              <a:prstGeom prst="rect">
+                <a:avLst/>
+              </a:prstGeom>
+            </p:spPr>
+          </p:pic>
+        </mc:Fallback>
+      </mc:AlternateContent>
+      <mc:AlternateContent xmlns:mc="http://schemas.openxmlformats.org/markup-compatibility/2006">
+        <mc:Choice xmlns:p14="http://schemas.microsoft.com/office/powerpoint/2010/main" Requires="p14">
+          <p:contentPart p14:bwMode="auto" r:id="rId8">
+            <p14:nvContentPartPr>
+              <p14:cNvPr id="9" name="Entrada de lápiz 8">
+                <a:extLst>
+                  <a:ext uri="{FF2B5EF4-FFF2-40B4-BE49-F238E27FC236}">
+                    <a16:creationId xmlns:a16="http://schemas.microsoft.com/office/drawing/2014/main" id="{4BFE6D69-8F69-CCA5-D338-A295DCF8C32D}"/>
+                  </a:ext>
+                </a:extLst>
+              </p14:cNvPr>
+              <p14:cNvContentPartPr/>
+              <p14:nvPr/>
+            </p14:nvContentPartPr>
+            <p14:xfrm>
+              <a:off x="2040741" y="5102082"/>
+              <a:ext cx="835200" cy="81000"/>
+            </p14:xfrm>
+          </p:contentPart>
+        </mc:Choice>
+        <mc:Fallback>
+          <p:pic>
+            <p:nvPicPr>
+              <p:cNvPr id="9" name="Entrada de lápiz 8">
+                <a:extLst>
+                  <a:ext uri="{FF2B5EF4-FFF2-40B4-BE49-F238E27FC236}">
+                    <a16:creationId xmlns:a16="http://schemas.microsoft.com/office/drawing/2014/main" id="{4BFE6D69-8F69-CCA5-D338-A295DCF8C32D}"/>
+                  </a:ext>
+                </a:extLst>
+              </p:cNvPr>
+              <p:cNvPicPr/>
+              <p:nvPr/>
+            </p:nvPicPr>
+            <p:blipFill>
+              <a:blip r:embed="rId9"/>
+              <a:stretch>
+                <a:fillRect/>
+              </a:stretch>
+            </p:blipFill>
+            <p:spPr>
+              <a:xfrm>
+                <a:off x="1995741" y="5012082"/>
+                <a:ext cx="924840" cy="260640"/>
+              </a:xfrm>
+              <a:prstGeom prst="rect">
+                <a:avLst/>
+              </a:prstGeom>
+            </p:spPr>
+          </p:pic>
+        </mc:Fallback>
+      </mc:AlternateContent>
+    </p:spTree>
+    <p:extLst>
+      <p:ext uri="{BB962C8B-B14F-4D97-AF65-F5344CB8AC3E}">
+        <p14:creationId xmlns:p14="http://schemas.microsoft.com/office/powerpoint/2010/main" val="2805052198"/>
+      </p:ext>
+    </p:extLst>
+  </p:cSld>
+  <p:clrMapOvr>
+    <a:masterClrMapping/>
+  </p:clrMapOvr>
+</p:sld>
+</file>
+
+<file path=ppt/slides/slide26.xml><?xml version="1.0" encoding="utf-8"?>
+<p:sld xmlns:a="http://schemas.openxmlformats.org/drawingml/2006/main" xmlns:r="http://schemas.openxmlformats.org/officeDocument/2006/relationships" xmlns:p="http://schemas.openxmlformats.org/presentationml/2006/main">
+  <p:cSld>
+    <p:spTree>
+      <p:nvGrpSpPr>
+        <p:cNvPr id="1" name=""/>
+        <p:cNvGrpSpPr/>
+        <p:nvPr/>
+      </p:nvGrpSpPr>
+      <p:grpSpPr>
+        <a:xfrm>
+          <a:off x="0" y="0"/>
+          <a:ext cx="0" cy="0"/>
+          <a:chOff x="0" y="0"/>
+          <a:chExt cx="0" cy="0"/>
+        </a:xfrm>
+      </p:grpSpPr>
+      <p:pic>
+        <p:nvPicPr>
+          <p:cNvPr id="6" name="Imagen 5">
+            <a:extLst>
+              <a:ext uri="{FF2B5EF4-FFF2-40B4-BE49-F238E27FC236}">
+                <a16:creationId xmlns:a16="http://schemas.microsoft.com/office/drawing/2014/main" id="{09D9C536-6B2D-B504-BA55-81B41B3FA5C5}"/>
+              </a:ext>
+            </a:extLst>
+          </p:cNvPr>
+          <p:cNvPicPr>
+            <a:picLocks noChangeAspect="1"/>
+          </p:cNvPicPr>
+          <p:nvPr/>
+        </p:nvPicPr>
+        <p:blipFill>
+          <a:blip r:embed="rId2"/>
+          <a:stretch>
+            <a:fillRect/>
+          </a:stretch>
+        </p:blipFill>
+        <p:spPr>
+          <a:xfrm>
+            <a:off x="499942" y="2487692"/>
+            <a:ext cx="8127224" cy="4146542"/>
+          </a:xfrm>
+          <a:prstGeom prst="rect">
+            <a:avLst/>
+          </a:prstGeom>
+        </p:spPr>
+      </p:pic>
+      <p:sp>
+        <p:nvSpPr>
+          <p:cNvPr id="2" name="CuadroTexto 1">
+            <a:extLst>
+              <a:ext uri="{FF2B5EF4-FFF2-40B4-BE49-F238E27FC236}">
+                <a16:creationId xmlns:a16="http://schemas.microsoft.com/office/drawing/2014/main" id="{419A7DBC-90CF-9449-096C-EFE99D9351F9}"/>
+              </a:ext>
+            </a:extLst>
+          </p:cNvPr>
+          <p:cNvSpPr txBox="1"/>
+          <p:nvPr/>
+        </p:nvSpPr>
+        <p:spPr>
+          <a:xfrm>
+            <a:off x="5459896" y="424070"/>
+            <a:ext cx="5857459" cy="1754326"/>
+          </a:xfrm>
+          <a:prstGeom prst="rect">
+            <a:avLst/>
+          </a:prstGeom>
+          <a:noFill/>
+        </p:spPr>
+        <p:txBody>
+          <a:bodyPr wrap="square" rtlCol="0">
+            <a:spAutoFit/>
+          </a:bodyPr>
+          <a:lstStyle/>
+          <a:p>
+            <a:r>
+              <a:rPr lang="es-ES" dirty="0"/>
+              <a:t>Tercera opción, que indican los casos de carga que se quiere correr en el análisis</a:t>
+            </a:r>
+          </a:p>
+          <a:p>
+            <a:endParaRPr lang="es-ES" dirty="0"/>
+          </a:p>
+          <a:p>
+            <a:r>
+              <a:rPr lang="es-ES" dirty="0"/>
+              <a:t>Aparecen 3 casos de carga, a diferencia de los patrones de carga son carga que se asignan </a:t>
+            </a:r>
+          </a:p>
+          <a:p>
+            <a:endParaRPr lang="es-ES" dirty="0"/>
+          </a:p>
+        </p:txBody>
+      </p:sp>
+      <p:pic>
+        <p:nvPicPr>
+          <p:cNvPr id="4" name="Imagen 3">
+            <a:extLst>
+              <a:ext uri="{FF2B5EF4-FFF2-40B4-BE49-F238E27FC236}">
+                <a16:creationId xmlns:a16="http://schemas.microsoft.com/office/drawing/2014/main" id="{7633D5EB-6351-D9A3-6CE2-A2395442D348}"/>
+              </a:ext>
+            </a:extLst>
+          </p:cNvPr>
+          <p:cNvPicPr>
+            <a:picLocks noChangeAspect="1"/>
+          </p:cNvPicPr>
+          <p:nvPr/>
+        </p:nvPicPr>
+        <p:blipFill>
+          <a:blip r:embed="rId3"/>
+          <a:stretch>
+            <a:fillRect/>
+          </a:stretch>
+        </p:blipFill>
+        <p:spPr>
+          <a:xfrm>
+            <a:off x="544545" y="424070"/>
+            <a:ext cx="4187552" cy="1802815"/>
+          </a:xfrm>
+          <a:prstGeom prst="rect">
+            <a:avLst/>
+          </a:prstGeom>
+        </p:spPr>
+      </p:pic>
+      <p:sp>
+        <p:nvSpPr>
+          <p:cNvPr id="10" name="CuadroTexto 9">
+            <a:extLst>
+              <a:ext uri="{FF2B5EF4-FFF2-40B4-BE49-F238E27FC236}">
+                <a16:creationId xmlns:a16="http://schemas.microsoft.com/office/drawing/2014/main" id="{B63E75AD-BBE8-163A-15A3-8FC60772D338}"/>
+              </a:ext>
+            </a:extLst>
+          </p:cNvPr>
+          <p:cNvSpPr txBox="1"/>
+          <p:nvPr/>
+        </p:nvSpPr>
+        <p:spPr>
+          <a:xfrm>
+            <a:off x="8627165" y="2439203"/>
+            <a:ext cx="2902227" cy="3416320"/>
+          </a:xfrm>
+          <a:prstGeom prst="rect">
+            <a:avLst/>
+          </a:prstGeom>
+          <a:noFill/>
+        </p:spPr>
+        <p:txBody>
+          <a:bodyPr wrap="square" rtlCol="0">
+            <a:spAutoFit/>
+          </a:bodyPr>
+          <a:lstStyle/>
+          <a:p>
+            <a:r>
+              <a:rPr lang="es-ES"/>
+              <a:t>En los casos se suman los casos de análisis modal, que para efectos de este análisis no se necesita</a:t>
+            </a:r>
+          </a:p>
+          <a:p>
+            <a:r>
+              <a:rPr lang="es-ES"/>
+              <a:t>Y puedo deseleccionarlo para que no lo analice, y que solo analice los 2 primeros </a:t>
+            </a:r>
+          </a:p>
+          <a:p>
+            <a:endParaRPr lang="es-ES"/>
+          </a:p>
+          <a:p>
+            <a:r>
+              <a:rPr lang="es-ES"/>
+              <a:t>Pero en realizad solo le damos que analice la </a:t>
+            </a:r>
+            <a:r>
+              <a:rPr lang="es-ES" b="1"/>
+              <a:t>CARGA VIVA </a:t>
+            </a:r>
+            <a:r>
+              <a:rPr lang="es-ES"/>
+              <a:t>  LUEGO LE DAMOS EN OK   </a:t>
+            </a:r>
+            <a:endParaRPr lang="es-GT" dirty="0"/>
+          </a:p>
+        </p:txBody>
+      </p:sp>
+      <mc:AlternateContent xmlns:mc="http://schemas.openxmlformats.org/markup-compatibility/2006">
+        <mc:Choice xmlns:p14="http://schemas.microsoft.com/office/powerpoint/2010/main" Requires="p14">
+          <p:contentPart p14:bwMode="auto" r:id="rId4">
+            <p14:nvContentPartPr>
+              <p14:cNvPr id="11" name="Entrada de lápiz 10">
+                <a:extLst>
+                  <a:ext uri="{FF2B5EF4-FFF2-40B4-BE49-F238E27FC236}">
+                    <a16:creationId xmlns:a16="http://schemas.microsoft.com/office/drawing/2014/main" id="{24B27CD3-CE5C-ADFA-50DA-92E286AEDD46}"/>
+                  </a:ext>
+                </a:extLst>
+              </p14:cNvPr>
+              <p14:cNvContentPartPr/>
+              <p14:nvPr/>
+            </p14:nvContentPartPr>
+            <p14:xfrm>
+              <a:off x="622701" y="1640322"/>
+              <a:ext cx="2399040" cy="283320"/>
+            </p14:xfrm>
+          </p:contentPart>
+        </mc:Choice>
+        <mc:Fallback>
+          <p:pic>
+            <p:nvPicPr>
+              <p:cNvPr id="11" name="Entrada de lápiz 10">
+                <a:extLst>
+                  <a:ext uri="{FF2B5EF4-FFF2-40B4-BE49-F238E27FC236}">
+                    <a16:creationId xmlns:a16="http://schemas.microsoft.com/office/drawing/2014/main" id="{24B27CD3-CE5C-ADFA-50DA-92E286AEDD46}"/>
+                  </a:ext>
+                </a:extLst>
+              </p:cNvPr>
+              <p:cNvPicPr/>
+              <p:nvPr/>
+            </p:nvPicPr>
+            <p:blipFill>
+              <a:blip r:embed="rId5"/>
+              <a:stretch>
+                <a:fillRect/>
+              </a:stretch>
+            </p:blipFill>
+            <p:spPr>
+              <a:xfrm>
+                <a:off x="577701" y="1550322"/>
+                <a:ext cx="2488680" cy="462960"/>
+              </a:xfrm>
+              <a:prstGeom prst="rect">
+                <a:avLst/>
+              </a:prstGeom>
+            </p:spPr>
+          </p:pic>
+        </mc:Fallback>
+      </mc:AlternateContent>
+      <mc:AlternateContent xmlns:mc="http://schemas.openxmlformats.org/markup-compatibility/2006">
+        <mc:Choice xmlns:p14="http://schemas.microsoft.com/office/powerpoint/2010/main" Requires="p14">
+          <p:contentPart p14:bwMode="auto" r:id="rId6">
+            <p14:nvContentPartPr>
+              <p14:cNvPr id="13" name="Entrada de lápiz 12">
+                <a:extLst>
+                  <a:ext uri="{FF2B5EF4-FFF2-40B4-BE49-F238E27FC236}">
+                    <a16:creationId xmlns:a16="http://schemas.microsoft.com/office/drawing/2014/main" id="{510C8C77-DBF5-CCC0-AC82-C31F4B0A8217}"/>
+                  </a:ext>
+                </a:extLst>
+              </p14:cNvPr>
+              <p14:cNvContentPartPr/>
+              <p14:nvPr/>
+            </p14:nvContentPartPr>
+            <p14:xfrm>
+              <a:off x="1033821" y="3551562"/>
+              <a:ext cx="4519080" cy="372960"/>
+            </p14:xfrm>
+          </p:contentPart>
+        </mc:Choice>
+        <mc:Fallback>
+          <p:pic>
+            <p:nvPicPr>
+              <p:cNvPr id="13" name="Entrada de lápiz 12">
+                <a:extLst>
+                  <a:ext uri="{FF2B5EF4-FFF2-40B4-BE49-F238E27FC236}">
+                    <a16:creationId xmlns:a16="http://schemas.microsoft.com/office/drawing/2014/main" id="{510C8C77-DBF5-CCC0-AC82-C31F4B0A8217}"/>
+                  </a:ext>
+                </a:extLst>
+              </p:cNvPr>
+              <p:cNvPicPr/>
+              <p:nvPr/>
+            </p:nvPicPr>
+            <p:blipFill>
+              <a:blip r:embed="rId7"/>
+              <a:stretch>
+                <a:fillRect/>
+              </a:stretch>
+            </p:blipFill>
+            <p:spPr>
+              <a:xfrm>
+                <a:off x="988821" y="3461562"/>
+                <a:ext cx="4608720" cy="552600"/>
+              </a:xfrm>
+              <a:prstGeom prst="rect">
+                <a:avLst/>
+              </a:prstGeom>
+            </p:spPr>
+          </p:pic>
+        </mc:Fallback>
+      </mc:AlternateContent>
+      <mc:AlternateContent xmlns:mc="http://schemas.openxmlformats.org/markup-compatibility/2006">
+        <mc:Choice xmlns:p14="http://schemas.microsoft.com/office/powerpoint/2010/main" Requires="p14">
+          <p:contentPart p14:bwMode="auto" r:id="rId8">
+            <p14:nvContentPartPr>
+              <p14:cNvPr id="14" name="Entrada de lápiz 13">
+                <a:extLst>
+                  <a:ext uri="{FF2B5EF4-FFF2-40B4-BE49-F238E27FC236}">
+                    <a16:creationId xmlns:a16="http://schemas.microsoft.com/office/drawing/2014/main" id="{D308305A-F032-E76D-6C6F-DDFDF7B97184}"/>
+                  </a:ext>
+                </a:extLst>
+              </p14:cNvPr>
+              <p14:cNvContentPartPr/>
+              <p14:nvPr/>
+            </p14:nvContentPartPr>
+            <p14:xfrm>
+              <a:off x="6745221" y="3233322"/>
+              <a:ext cx="1483200" cy="68760"/>
+            </p14:xfrm>
+          </p:contentPart>
+        </mc:Choice>
+        <mc:Fallback>
+          <p:pic>
+            <p:nvPicPr>
+              <p:cNvPr id="14" name="Entrada de lápiz 13">
+                <a:extLst>
+                  <a:ext uri="{FF2B5EF4-FFF2-40B4-BE49-F238E27FC236}">
+                    <a16:creationId xmlns:a16="http://schemas.microsoft.com/office/drawing/2014/main" id="{D308305A-F032-E76D-6C6F-DDFDF7B97184}"/>
+                  </a:ext>
+                </a:extLst>
+              </p:cNvPr>
+              <p:cNvPicPr/>
+              <p:nvPr/>
+            </p:nvPicPr>
+            <p:blipFill>
+              <a:blip r:embed="rId9"/>
+              <a:stretch>
+                <a:fillRect/>
+              </a:stretch>
+            </p:blipFill>
+            <p:spPr>
+              <a:xfrm>
+                <a:off x="6700221" y="3143322"/>
+                <a:ext cx="1572840" cy="248400"/>
+              </a:xfrm>
+              <a:prstGeom prst="rect">
+                <a:avLst/>
+              </a:prstGeom>
+            </p:spPr>
+          </p:pic>
+        </mc:Fallback>
+      </mc:AlternateContent>
+      <mc:AlternateContent xmlns:mc="http://schemas.openxmlformats.org/markup-compatibility/2006">
+        <mc:Choice xmlns:p14="http://schemas.microsoft.com/office/powerpoint/2010/main" Requires="p14">
+          <p:contentPart p14:bwMode="auto" r:id="rId10">
+            <p14:nvContentPartPr>
+              <p14:cNvPr id="15" name="Entrada de lápiz 14">
+                <a:extLst>
+                  <a:ext uri="{FF2B5EF4-FFF2-40B4-BE49-F238E27FC236}">
+                    <a16:creationId xmlns:a16="http://schemas.microsoft.com/office/drawing/2014/main" id="{62AA6558-540B-7A4C-F948-C00767C56B5D}"/>
+                  </a:ext>
+                </a:extLst>
+              </p14:cNvPr>
+              <p14:cNvContentPartPr/>
+              <p14:nvPr/>
+            </p14:nvContentPartPr>
+            <p14:xfrm>
+              <a:off x="6824781" y="6133122"/>
+              <a:ext cx="782280" cy="63360"/>
+            </p14:xfrm>
+          </p:contentPart>
+        </mc:Choice>
+        <mc:Fallback>
+          <p:pic>
+            <p:nvPicPr>
+              <p:cNvPr id="15" name="Entrada de lápiz 14">
+                <a:extLst>
+                  <a:ext uri="{FF2B5EF4-FFF2-40B4-BE49-F238E27FC236}">
+                    <a16:creationId xmlns:a16="http://schemas.microsoft.com/office/drawing/2014/main" id="{62AA6558-540B-7A4C-F948-C00767C56B5D}"/>
+                  </a:ext>
+                </a:extLst>
+              </p:cNvPr>
+              <p:cNvPicPr/>
+              <p:nvPr/>
+            </p:nvPicPr>
+            <p:blipFill>
+              <a:blip r:embed="rId11"/>
+              <a:stretch>
+                <a:fillRect/>
+              </a:stretch>
+            </p:blipFill>
+            <p:spPr>
+              <a:xfrm>
+                <a:off x="6779781" y="6043122"/>
+                <a:ext cx="871920" cy="243000"/>
+              </a:xfrm>
+              <a:prstGeom prst="rect">
+                <a:avLst/>
+              </a:prstGeom>
+            </p:spPr>
+          </p:pic>
+        </mc:Fallback>
+      </mc:AlternateContent>
+    </p:spTree>
+    <p:extLst>
+      <p:ext uri="{BB962C8B-B14F-4D97-AF65-F5344CB8AC3E}">
+        <p14:creationId xmlns:p14="http://schemas.microsoft.com/office/powerpoint/2010/main" val="92322849"/>
+      </p:ext>
+    </p:extLst>
+  </p:cSld>
+  <p:clrMapOvr>
+    <a:masterClrMapping/>
+  </p:clrMapOvr>
+</p:sld>
+</file>
+
+<file path=ppt/slides/slide27.xml><?xml version="1.0" encoding="utf-8"?>
+<p:sld xmlns:a="http://schemas.openxmlformats.org/drawingml/2006/main" xmlns:r="http://schemas.openxmlformats.org/officeDocument/2006/relationships" xmlns:p="http://schemas.openxmlformats.org/presentationml/2006/main">
+  <p:cSld>
+    <p:spTree>
+      <p:nvGrpSpPr>
+        <p:cNvPr id="1" name=""/>
+        <p:cNvGrpSpPr/>
+        <p:nvPr/>
+      </p:nvGrpSpPr>
+      <p:grpSpPr>
+        <a:xfrm>
+          <a:off x="0" y="0"/>
+          <a:ext cx="0" cy="0"/>
+          <a:chOff x="0" y="0"/>
+          <a:chExt cx="0" cy="0"/>
+        </a:xfrm>
+      </p:grpSpPr>
+      <p:pic>
+        <p:nvPicPr>
+          <p:cNvPr id="7" name="Imagen 6">
+            <a:extLst>
+              <a:ext uri="{FF2B5EF4-FFF2-40B4-BE49-F238E27FC236}">
+                <a16:creationId xmlns:a16="http://schemas.microsoft.com/office/drawing/2014/main" id="{1A31821C-3EC2-1F87-1E72-ABB6471ADEB9}"/>
+              </a:ext>
+            </a:extLst>
+          </p:cNvPr>
+          <p:cNvPicPr>
+            <a:picLocks noChangeAspect="1"/>
+          </p:cNvPicPr>
+          <p:nvPr/>
+        </p:nvPicPr>
+        <p:blipFill>
+          <a:blip r:embed="rId2"/>
+          <a:stretch>
+            <a:fillRect/>
+          </a:stretch>
+        </p:blipFill>
+        <p:spPr>
+          <a:xfrm>
+            <a:off x="633752" y="1539154"/>
+            <a:ext cx="7001852" cy="5306165"/>
+          </a:xfrm>
+          <a:prstGeom prst="rect">
+            <a:avLst/>
+          </a:prstGeom>
+        </p:spPr>
+      </p:pic>
+      <p:sp>
+        <p:nvSpPr>
+          <p:cNvPr id="2" name="CuadroTexto 1">
+            <a:extLst>
+              <a:ext uri="{FF2B5EF4-FFF2-40B4-BE49-F238E27FC236}">
+                <a16:creationId xmlns:a16="http://schemas.microsoft.com/office/drawing/2014/main" id="{3EAF0DAD-2321-02E5-09FA-66EA2CED87B4}"/>
+              </a:ext>
+            </a:extLst>
+          </p:cNvPr>
+          <p:cNvSpPr txBox="1"/>
+          <p:nvPr/>
+        </p:nvSpPr>
+        <p:spPr>
+          <a:xfrm>
+            <a:off x="7832034" y="477079"/>
+            <a:ext cx="3313045" cy="3416320"/>
+          </a:xfrm>
+          <a:prstGeom prst="rect">
+            <a:avLst/>
+          </a:prstGeom>
+          <a:noFill/>
+        </p:spPr>
+        <p:txBody>
+          <a:bodyPr wrap="square" rtlCol="0">
+            <a:spAutoFit/>
+          </a:bodyPr>
+          <a:lstStyle/>
+          <a:p>
+            <a:r>
+              <a:rPr lang="es-ES" dirty="0"/>
+              <a:t>AHORA SI YA ANALIZAMOS EL MODELO  </a:t>
+            </a:r>
+          </a:p>
+          <a:p>
+            <a:endParaRPr lang="es-ES" dirty="0"/>
+          </a:p>
+          <a:p>
+            <a:r>
+              <a:rPr lang="es-ES" dirty="0"/>
+              <a:t>DICE que la estructura es inestable ante todas las condiciones de chequeo </a:t>
+            </a:r>
+          </a:p>
+          <a:p>
+            <a:r>
+              <a:rPr lang="es-ES" dirty="0"/>
+              <a:t>Para efectos de análisis, es solo  una advertencia, debido a que no hay una restricción a momento</a:t>
+            </a:r>
+          </a:p>
+          <a:p>
+            <a:r>
+              <a:rPr lang="es-ES" dirty="0"/>
+              <a:t>Para el análisis en 2D no es inconveniente </a:t>
+            </a:r>
+          </a:p>
+          <a:p>
+            <a:r>
+              <a:rPr lang="es-ES" dirty="0"/>
+              <a:t>Pero si es en 3d si se considera   </a:t>
+            </a:r>
+            <a:endParaRPr lang="es-GT" dirty="0"/>
+          </a:p>
+        </p:txBody>
+      </p:sp>
+      <p:pic>
+        <p:nvPicPr>
+          <p:cNvPr id="4" name="Imagen 3">
+            <a:extLst>
+              <a:ext uri="{FF2B5EF4-FFF2-40B4-BE49-F238E27FC236}">
+                <a16:creationId xmlns:a16="http://schemas.microsoft.com/office/drawing/2014/main" id="{459BC9C0-A1C2-D00F-3E28-2C7CB3C957F8}"/>
+              </a:ext>
+            </a:extLst>
+          </p:cNvPr>
+          <p:cNvPicPr>
+            <a:picLocks noChangeAspect="1"/>
+          </p:cNvPicPr>
+          <p:nvPr/>
+        </p:nvPicPr>
+        <p:blipFill>
+          <a:blip r:embed="rId3"/>
+          <a:stretch>
+            <a:fillRect/>
+          </a:stretch>
+        </p:blipFill>
+        <p:spPr>
+          <a:xfrm>
+            <a:off x="1046920" y="427095"/>
+            <a:ext cx="2691289" cy="1839459"/>
+          </a:xfrm>
+          <a:prstGeom prst="rect">
+            <a:avLst/>
+          </a:prstGeom>
+          <a:ln w="88900" cap="sq" cmpd="thickThin">
+            <a:solidFill>
+              <a:srgbClr val="000000"/>
+            </a:solidFill>
+            <a:prstDash val="solid"/>
+            <a:miter lim="800000"/>
+          </a:ln>
+          <a:effectLst>
+            <a:innerShdw blurRad="76200">
+              <a:srgbClr val="000000"/>
+            </a:innerShdw>
+          </a:effectLst>
+        </p:spPr>
+      </p:pic>
+      <mc:AlternateContent xmlns:mc="http://schemas.openxmlformats.org/markup-compatibility/2006">
+        <mc:Choice xmlns:p14="http://schemas.microsoft.com/office/powerpoint/2010/main" Requires="p14">
+          <p:contentPart p14:bwMode="auto" r:id="rId4">
+            <p14:nvContentPartPr>
+              <p14:cNvPr id="8" name="Entrada de lápiz 7">
+                <a:extLst>
+                  <a:ext uri="{FF2B5EF4-FFF2-40B4-BE49-F238E27FC236}">
+                    <a16:creationId xmlns:a16="http://schemas.microsoft.com/office/drawing/2014/main" id="{9ECDD737-67BC-550B-1EC5-9D056DBD77F2}"/>
+                  </a:ext>
+                </a:extLst>
+              </p14:cNvPr>
+              <p14:cNvContentPartPr/>
+              <p14:nvPr/>
+            </p14:nvContentPartPr>
+            <p14:xfrm>
+              <a:off x="675981" y="3750282"/>
+              <a:ext cx="3949560" cy="333000"/>
+            </p14:xfrm>
+          </p:contentPart>
+        </mc:Choice>
+        <mc:Fallback>
+          <p:pic>
+            <p:nvPicPr>
+              <p:cNvPr id="8" name="Entrada de lápiz 7">
+                <a:extLst>
+                  <a:ext uri="{FF2B5EF4-FFF2-40B4-BE49-F238E27FC236}">
+                    <a16:creationId xmlns:a16="http://schemas.microsoft.com/office/drawing/2014/main" id="{9ECDD737-67BC-550B-1EC5-9D056DBD77F2}"/>
+                  </a:ext>
+                </a:extLst>
+              </p:cNvPr>
+              <p:cNvPicPr/>
+              <p:nvPr/>
+            </p:nvPicPr>
+            <p:blipFill>
+              <a:blip r:embed="rId5"/>
+              <a:stretch>
+                <a:fillRect/>
+              </a:stretch>
+            </p:blipFill>
+            <p:spPr>
+              <a:xfrm>
+                <a:off x="630981" y="3660282"/>
+                <a:ext cx="4039200" cy="512640"/>
+              </a:xfrm>
+              <a:prstGeom prst="rect">
+                <a:avLst/>
+              </a:prstGeom>
+            </p:spPr>
+          </p:pic>
+        </mc:Fallback>
+      </mc:AlternateContent>
+      <mc:AlternateContent xmlns:mc="http://schemas.openxmlformats.org/markup-compatibility/2006">
+        <mc:Choice xmlns:p14="http://schemas.microsoft.com/office/powerpoint/2010/main" Requires="p14">
+          <p:contentPart p14:bwMode="auto" r:id="rId6">
+            <p14:nvContentPartPr>
+              <p14:cNvPr id="9" name="Entrada de lápiz 8">
+                <a:extLst>
+                  <a:ext uri="{FF2B5EF4-FFF2-40B4-BE49-F238E27FC236}">
+                    <a16:creationId xmlns:a16="http://schemas.microsoft.com/office/drawing/2014/main" id="{5872CFB8-9766-1A5B-6837-EF14DFE99157}"/>
+                  </a:ext>
+                </a:extLst>
+              </p14:cNvPr>
+              <p14:cNvContentPartPr/>
+              <p14:nvPr/>
+            </p14:nvContentPartPr>
+            <p14:xfrm>
+              <a:off x="5711661" y="5910642"/>
+              <a:ext cx="1973520" cy="121680"/>
+            </p14:xfrm>
+          </p:contentPart>
+        </mc:Choice>
+        <mc:Fallback>
+          <p:pic>
+            <p:nvPicPr>
+              <p:cNvPr id="9" name="Entrada de lápiz 8">
+                <a:extLst>
+                  <a:ext uri="{FF2B5EF4-FFF2-40B4-BE49-F238E27FC236}">
+                    <a16:creationId xmlns:a16="http://schemas.microsoft.com/office/drawing/2014/main" id="{5872CFB8-9766-1A5B-6837-EF14DFE99157}"/>
+                  </a:ext>
+                </a:extLst>
+              </p:cNvPr>
+              <p:cNvPicPr/>
+              <p:nvPr/>
+            </p:nvPicPr>
+            <p:blipFill>
+              <a:blip r:embed="rId7"/>
+              <a:stretch>
+                <a:fillRect/>
+              </a:stretch>
+            </p:blipFill>
+            <p:spPr>
+              <a:xfrm>
+                <a:off x="5666661" y="5820642"/>
+                <a:ext cx="2063160" cy="301320"/>
+              </a:xfrm>
+              <a:prstGeom prst="rect">
+                <a:avLst/>
+              </a:prstGeom>
+            </p:spPr>
+          </p:pic>
+        </mc:Fallback>
+      </mc:AlternateContent>
+      <mc:AlternateContent xmlns:mc="http://schemas.openxmlformats.org/markup-compatibility/2006">
+        <mc:Choice xmlns:p14="http://schemas.microsoft.com/office/powerpoint/2010/main" Requires="p14">
+          <p:contentPart p14:bwMode="auto" r:id="rId8">
+            <p14:nvContentPartPr>
+              <p14:cNvPr id="10" name="Entrada de lápiz 9">
+                <a:extLst>
+                  <a:ext uri="{FF2B5EF4-FFF2-40B4-BE49-F238E27FC236}">
+                    <a16:creationId xmlns:a16="http://schemas.microsoft.com/office/drawing/2014/main" id="{503F0399-3AC7-8B60-013A-27C33ACD9E38}"/>
+                  </a:ext>
+                </a:extLst>
+              </p14:cNvPr>
+              <p14:cNvContentPartPr/>
+              <p14:nvPr/>
+            </p14:nvContentPartPr>
+            <p14:xfrm>
+              <a:off x="6930981" y="2530962"/>
+              <a:ext cx="619560" cy="95760"/>
+            </p14:xfrm>
+          </p:contentPart>
+        </mc:Choice>
+        <mc:Fallback>
+          <p:pic>
+            <p:nvPicPr>
+              <p:cNvPr id="10" name="Entrada de lápiz 9">
+                <a:extLst>
+                  <a:ext uri="{FF2B5EF4-FFF2-40B4-BE49-F238E27FC236}">
+                    <a16:creationId xmlns:a16="http://schemas.microsoft.com/office/drawing/2014/main" id="{503F0399-3AC7-8B60-013A-27C33ACD9E38}"/>
+                  </a:ext>
+                </a:extLst>
+              </p:cNvPr>
+              <p:cNvPicPr/>
+              <p:nvPr/>
+            </p:nvPicPr>
+            <p:blipFill>
+              <a:blip r:embed="rId9"/>
+              <a:stretch>
+                <a:fillRect/>
+              </a:stretch>
+            </p:blipFill>
+            <p:spPr>
+              <a:xfrm>
+                <a:off x="6885981" y="2440962"/>
+                <a:ext cx="709200" cy="275400"/>
+              </a:xfrm>
+              <a:prstGeom prst="rect">
+                <a:avLst/>
+              </a:prstGeom>
+            </p:spPr>
+          </p:pic>
+        </mc:Fallback>
+      </mc:AlternateContent>
+      <mc:AlternateContent xmlns:mc="http://schemas.openxmlformats.org/markup-compatibility/2006">
+        <mc:Choice xmlns:p14="http://schemas.microsoft.com/office/powerpoint/2010/main" Requires="p14">
+          <p:contentPart p14:bwMode="auto" r:id="rId10">
+            <p14:nvContentPartPr>
+              <p14:cNvPr id="11" name="Entrada de lápiz 10">
+                <a:extLst>
+                  <a:ext uri="{FF2B5EF4-FFF2-40B4-BE49-F238E27FC236}">
+                    <a16:creationId xmlns:a16="http://schemas.microsoft.com/office/drawing/2014/main" id="{57D2C772-8E30-E3D3-2105-6B1CB8D55A45}"/>
+                  </a:ext>
+                </a:extLst>
+              </p14:cNvPr>
+              <p14:cNvContentPartPr/>
+              <p14:nvPr/>
+            </p14:nvContentPartPr>
+            <p14:xfrm>
+              <a:off x="1497501" y="740682"/>
+              <a:ext cx="963360" cy="465480"/>
+            </p14:xfrm>
+          </p:contentPart>
+        </mc:Choice>
+        <mc:Fallback>
+          <p:pic>
+            <p:nvPicPr>
+              <p:cNvPr id="11" name="Entrada de lápiz 10">
+                <a:extLst>
+                  <a:ext uri="{FF2B5EF4-FFF2-40B4-BE49-F238E27FC236}">
+                    <a16:creationId xmlns:a16="http://schemas.microsoft.com/office/drawing/2014/main" id="{57D2C772-8E30-E3D3-2105-6B1CB8D55A45}"/>
+                  </a:ext>
+                </a:extLst>
+              </p:cNvPr>
+              <p:cNvPicPr/>
+              <p:nvPr/>
+            </p:nvPicPr>
+            <p:blipFill>
+              <a:blip r:embed="rId11"/>
+              <a:stretch>
+                <a:fillRect/>
+              </a:stretch>
+            </p:blipFill>
+            <p:spPr>
+              <a:xfrm>
+                <a:off x="1452501" y="650682"/>
+                <a:ext cx="1053000" cy="645120"/>
+              </a:xfrm>
+              <a:prstGeom prst="rect">
+                <a:avLst/>
+              </a:prstGeom>
+            </p:spPr>
+          </p:pic>
+        </mc:Fallback>
+      </mc:AlternateContent>
+    </p:spTree>
+    <p:extLst>
+      <p:ext uri="{BB962C8B-B14F-4D97-AF65-F5344CB8AC3E}">
+        <p14:creationId xmlns:p14="http://schemas.microsoft.com/office/powerpoint/2010/main" val="288471549"/>
+      </p:ext>
+    </p:extLst>
+  </p:cSld>
+  <p:clrMapOvr>
+    <a:masterClrMapping/>
+  </p:clrMapOvr>
+</p:sld>
+</file>
+
+<file path=ppt/slides/slide28.xml><?xml version="1.0" encoding="utf-8"?>
+<p:sld xmlns:a="http://schemas.openxmlformats.org/drawingml/2006/main" xmlns:r="http://schemas.openxmlformats.org/officeDocument/2006/relationships" xmlns:p="http://schemas.openxmlformats.org/presentationml/2006/main">
+  <p:cSld>
+    <p:spTree>
+      <p:nvGrpSpPr>
+        <p:cNvPr id="1" name=""/>
+        <p:cNvGrpSpPr/>
+        <p:nvPr/>
+      </p:nvGrpSpPr>
+      <p:grpSpPr>
+        <a:xfrm>
+          <a:off x="0" y="0"/>
+          <a:ext cx="0" cy="0"/>
+          <a:chOff x="0" y="0"/>
+          <a:chExt cx="0" cy="0"/>
+        </a:xfrm>
+      </p:grpSpPr>
+      <p:sp>
+        <p:nvSpPr>
+          <p:cNvPr id="2" name="Rectángulo 1">
+            <a:extLst>
+              <a:ext uri="{FF2B5EF4-FFF2-40B4-BE49-F238E27FC236}">
+                <a16:creationId xmlns:a16="http://schemas.microsoft.com/office/drawing/2014/main" id="{57004F4C-FF04-EC70-76C7-F808FA41ABBC}"/>
+              </a:ext>
+            </a:extLst>
+          </p:cNvPr>
+          <p:cNvSpPr/>
+          <p:nvPr/>
+        </p:nvSpPr>
+        <p:spPr>
+          <a:xfrm>
+            <a:off x="875351" y="2967335"/>
+            <a:ext cx="10441320" cy="923330"/>
+          </a:xfrm>
+          <a:prstGeom prst="rect">
+            <a:avLst/>
+          </a:prstGeom>
+          <a:noFill/>
+        </p:spPr>
+        <p:txBody>
+          <a:bodyPr wrap="none" lIns="91440" tIns="45720" rIns="91440" bIns="45720">
+            <a:spAutoFit/>
+          </a:bodyPr>
+          <a:lstStyle/>
+          <a:p>
+            <a:pPr algn="ctr"/>
+            <a:r>
+              <a:rPr lang="es-ES" sz="5400" b="0" cap="none" spc="0" dirty="0" err="1">
+                <a:ln w="0"/>
+                <a:solidFill>
+                  <a:schemeClr val="tx1"/>
+                </a:solidFill>
+                <a:effectLst>
+                  <a:outerShdw blurRad="38100" dist="19050" dir="2700000" algn="tl" rotWithShape="0">
+                    <a:schemeClr val="dk1">
+                      <a:alpha val="40000"/>
+                    </a:schemeClr>
+                  </a:outerShdw>
+                </a:effectLst>
+              </a:rPr>
+              <a:t>Despues</a:t>
+            </a:r>
+            <a:r>
+              <a:rPr lang="es-ES" sz="5400" b="0" cap="none" spc="0" dirty="0">
+                <a:ln w="0"/>
+                <a:solidFill>
+                  <a:schemeClr val="tx1"/>
+                </a:solidFill>
+                <a:effectLst>
+                  <a:outerShdw blurRad="38100" dist="19050" dir="2700000" algn="tl" rotWithShape="0">
+                    <a:schemeClr val="dk1">
+                      <a:alpha val="40000"/>
+                    </a:schemeClr>
+                  </a:outerShdw>
+                </a:effectLst>
+              </a:rPr>
+              <a:t> de haber corrido el análisis </a:t>
+            </a:r>
+          </a:p>
+        </p:txBody>
+      </p:sp>
+    </p:spTree>
+    <p:extLst>
+      <p:ext uri="{BB962C8B-B14F-4D97-AF65-F5344CB8AC3E}">
+        <p14:creationId xmlns:p14="http://schemas.microsoft.com/office/powerpoint/2010/main" val="1974357753"/>
+      </p:ext>
+    </p:extLst>
+  </p:cSld>
+  <p:clrMapOvr>
+    <a:masterClrMapping/>
+  </p:clrMapOvr>
+</p:sld>
+</file>
+
+<file path=ppt/slides/slide29.xml><?xml version="1.0" encoding="utf-8"?>
+<p:sld xmlns:a="http://schemas.openxmlformats.org/drawingml/2006/main" xmlns:r="http://schemas.openxmlformats.org/officeDocument/2006/relationships" xmlns:p="http://schemas.openxmlformats.org/presentationml/2006/main">
+  <p:cSld>
+    <p:spTree>
+      <p:nvGrpSpPr>
+        <p:cNvPr id="1" name=""/>
+        <p:cNvGrpSpPr/>
+        <p:nvPr/>
+      </p:nvGrpSpPr>
+      <p:grpSpPr>
+        <a:xfrm>
+          <a:off x="0" y="0"/>
+          <a:ext cx="0" cy="0"/>
+          <a:chOff x="0" y="0"/>
+          <a:chExt cx="0" cy="0"/>
+        </a:xfrm>
+      </p:grpSpPr>
+      <p:sp>
+        <p:nvSpPr>
+          <p:cNvPr id="2" name="CuadroTexto 1">
+            <a:extLst>
+              <a:ext uri="{FF2B5EF4-FFF2-40B4-BE49-F238E27FC236}">
+                <a16:creationId xmlns:a16="http://schemas.microsoft.com/office/drawing/2014/main" id="{DADD80AC-A69D-FD4A-6394-D7ED4DE43358}"/>
+              </a:ext>
+            </a:extLst>
+          </p:cNvPr>
+          <p:cNvSpPr txBox="1"/>
+          <p:nvPr/>
+        </p:nvSpPr>
+        <p:spPr>
+          <a:xfrm>
+            <a:off x="5380383" y="636104"/>
+            <a:ext cx="5022574" cy="1477328"/>
+          </a:xfrm>
+          <a:prstGeom prst="rect">
+            <a:avLst/>
+          </a:prstGeom>
+          <a:noFill/>
+        </p:spPr>
+        <p:txBody>
+          <a:bodyPr wrap="square" rtlCol="0">
+            <a:spAutoFit/>
+          </a:bodyPr>
+          <a:lstStyle/>
+          <a:p>
+            <a:r>
+              <a:rPr lang="es-ES" dirty="0"/>
+              <a:t>Resultados </a:t>
+            </a:r>
+            <a:r>
+              <a:rPr lang="es-ES" dirty="0" err="1"/>
+              <a:t>despuesd</a:t>
+            </a:r>
+            <a:r>
+              <a:rPr lang="es-ES" dirty="0"/>
+              <a:t> e haber corrido el análisis, menú </a:t>
+            </a:r>
+            <a:r>
+              <a:rPr lang="es-ES" dirty="0" err="1"/>
+              <a:t>display</a:t>
+            </a:r>
+            <a:r>
+              <a:rPr lang="es-ES" dirty="0"/>
+              <a:t>, como se encuentra la estructura deformada y diagramas de esfuerzos y soportes </a:t>
+            </a:r>
+          </a:p>
+          <a:p>
+            <a:r>
+              <a:rPr lang="es-GT" dirty="0"/>
+              <a:t>VEMOS DIAGRAMAS DE CARGAS, esos valores deberían de aparecer en el diagrama de carga axial </a:t>
+            </a:r>
+          </a:p>
+        </p:txBody>
+      </p:sp>
+      <p:pic>
+        <p:nvPicPr>
+          <p:cNvPr id="4" name="Imagen 3">
+            <a:extLst>
+              <a:ext uri="{FF2B5EF4-FFF2-40B4-BE49-F238E27FC236}">
+                <a16:creationId xmlns:a16="http://schemas.microsoft.com/office/drawing/2014/main" id="{B6C6AAF7-C95E-8227-0C39-83CBE43F1C8D}"/>
+              </a:ext>
+            </a:extLst>
+          </p:cNvPr>
+          <p:cNvPicPr>
+            <a:picLocks noChangeAspect="1"/>
+          </p:cNvPicPr>
+          <p:nvPr/>
+        </p:nvPicPr>
+        <p:blipFill>
+          <a:blip r:embed="rId2"/>
+          <a:stretch>
+            <a:fillRect/>
+          </a:stretch>
+        </p:blipFill>
+        <p:spPr>
+          <a:xfrm>
+            <a:off x="1576349" y="2518726"/>
+            <a:ext cx="6942917" cy="3404995"/>
+          </a:xfrm>
+          <a:prstGeom prst="rect">
+            <a:avLst/>
+          </a:prstGeom>
+        </p:spPr>
+      </p:pic>
+    </p:spTree>
+    <p:extLst>
+      <p:ext uri="{BB962C8B-B14F-4D97-AF65-F5344CB8AC3E}">
+        <p14:creationId xmlns:p14="http://schemas.microsoft.com/office/powerpoint/2010/main" val="3408570325"/>
       </p:ext>
     </p:extLst>
   </p:cSld>
@@ -4272,6 +11297,1624 @@
     <p:extLst>
       <p:ext uri="{BB962C8B-B14F-4D97-AF65-F5344CB8AC3E}">
         <p14:creationId xmlns:p14="http://schemas.microsoft.com/office/powerpoint/2010/main" val="3273087813"/>
+      </p:ext>
+    </p:extLst>
+  </p:cSld>
+  <p:clrMapOvr>
+    <a:masterClrMapping/>
+  </p:clrMapOvr>
+</p:sld>
+</file>
+
+<file path=ppt/slides/slide30.xml><?xml version="1.0" encoding="utf-8"?>
+<p:sld xmlns:a="http://schemas.openxmlformats.org/drawingml/2006/main" xmlns:r="http://schemas.openxmlformats.org/officeDocument/2006/relationships" xmlns:p="http://schemas.openxmlformats.org/presentationml/2006/main">
+  <p:cSld>
+    <p:spTree>
+      <p:nvGrpSpPr>
+        <p:cNvPr id="1" name=""/>
+        <p:cNvGrpSpPr/>
+        <p:nvPr/>
+      </p:nvGrpSpPr>
+      <p:grpSpPr>
+        <a:xfrm>
+          <a:off x="0" y="0"/>
+          <a:ext cx="0" cy="0"/>
+          <a:chOff x="0" y="0"/>
+          <a:chExt cx="0" cy="0"/>
+        </a:xfrm>
+      </p:grpSpPr>
+      <p:sp>
+        <p:nvSpPr>
+          <p:cNvPr id="2" name="CuadroTexto 1">
+            <a:extLst>
+              <a:ext uri="{FF2B5EF4-FFF2-40B4-BE49-F238E27FC236}">
+                <a16:creationId xmlns:a16="http://schemas.microsoft.com/office/drawing/2014/main" id="{61F3B81D-EC17-AB87-1352-412C374BDBFE}"/>
+              </a:ext>
+            </a:extLst>
+          </p:cNvPr>
+          <p:cNvSpPr txBox="1"/>
+          <p:nvPr/>
+        </p:nvSpPr>
+        <p:spPr>
+          <a:xfrm>
+            <a:off x="5989983" y="861391"/>
+            <a:ext cx="3366052" cy="646331"/>
+          </a:xfrm>
+          <a:prstGeom prst="rect">
+            <a:avLst/>
+          </a:prstGeom>
+          <a:noFill/>
+        </p:spPr>
+        <p:txBody>
+          <a:bodyPr wrap="square" rtlCol="0">
+            <a:spAutoFit/>
+          </a:bodyPr>
+          <a:lstStyle/>
+          <a:p>
+            <a:r>
+              <a:rPr lang="es-ES" dirty="0"/>
+              <a:t>Para ver </a:t>
+            </a:r>
+            <a:r>
+              <a:rPr lang="es-ES" b="1" dirty="0"/>
+              <a:t>CARGAS AXIALES, O EN EL BOTONCITO DE ARRIBA  </a:t>
+            </a:r>
+            <a:endParaRPr lang="es-GT" dirty="0"/>
+          </a:p>
+        </p:txBody>
+      </p:sp>
+      <p:pic>
+        <p:nvPicPr>
+          <p:cNvPr id="4" name="Imagen 3">
+            <a:extLst>
+              <a:ext uri="{FF2B5EF4-FFF2-40B4-BE49-F238E27FC236}">
+                <a16:creationId xmlns:a16="http://schemas.microsoft.com/office/drawing/2014/main" id="{A5D8721A-8D9A-2C9C-4508-707B5F5276B6}"/>
+              </a:ext>
+            </a:extLst>
+          </p:cNvPr>
+          <p:cNvPicPr>
+            <a:picLocks noChangeAspect="1"/>
+          </p:cNvPicPr>
+          <p:nvPr/>
+        </p:nvPicPr>
+        <p:blipFill>
+          <a:blip r:embed="rId2"/>
+          <a:stretch>
+            <a:fillRect/>
+          </a:stretch>
+        </p:blipFill>
+        <p:spPr>
+          <a:xfrm>
+            <a:off x="1185579" y="1728549"/>
+            <a:ext cx="6487430" cy="4268060"/>
+          </a:xfrm>
+          <a:prstGeom prst="rect">
+            <a:avLst/>
+          </a:prstGeom>
+        </p:spPr>
+      </p:pic>
+      <mc:AlternateContent xmlns:mc="http://schemas.openxmlformats.org/markup-compatibility/2006">
+        <mc:Choice xmlns:p14="http://schemas.microsoft.com/office/powerpoint/2010/main" Requires="p14">
+          <p:contentPart p14:bwMode="auto" r:id="rId3">
+            <p14:nvContentPartPr>
+              <p14:cNvPr id="5" name="Entrada de lápiz 4">
+                <a:extLst>
+                  <a:ext uri="{FF2B5EF4-FFF2-40B4-BE49-F238E27FC236}">
+                    <a16:creationId xmlns:a16="http://schemas.microsoft.com/office/drawing/2014/main" id="{4BD8494A-CA2F-039B-174C-9640CD0961B8}"/>
+                  </a:ext>
+                </a:extLst>
+              </p14:cNvPr>
+              <p14:cNvContentPartPr/>
+              <p14:nvPr/>
+            </p14:nvContentPartPr>
+            <p14:xfrm>
+              <a:off x="1656621" y="3564882"/>
+              <a:ext cx="3392640" cy="67320"/>
+            </p14:xfrm>
+          </p:contentPart>
+        </mc:Choice>
+        <mc:Fallback>
+          <p:pic>
+            <p:nvPicPr>
+              <p:cNvPr id="5" name="Entrada de lápiz 4">
+                <a:extLst>
+                  <a:ext uri="{FF2B5EF4-FFF2-40B4-BE49-F238E27FC236}">
+                    <a16:creationId xmlns:a16="http://schemas.microsoft.com/office/drawing/2014/main" id="{4BD8494A-CA2F-039B-174C-9640CD0961B8}"/>
+                  </a:ext>
+                </a:extLst>
+              </p:cNvPr>
+              <p:cNvPicPr/>
+              <p:nvPr/>
+            </p:nvPicPr>
+            <p:blipFill>
+              <a:blip r:embed="rId4"/>
+              <a:stretch>
+                <a:fillRect/>
+              </a:stretch>
+            </p:blipFill>
+            <p:spPr>
+              <a:xfrm>
+                <a:off x="1611621" y="3474882"/>
+                <a:ext cx="3482280" cy="246960"/>
+              </a:xfrm>
+              <a:prstGeom prst="rect">
+                <a:avLst/>
+              </a:prstGeom>
+            </p:spPr>
+          </p:pic>
+        </mc:Fallback>
+      </mc:AlternateContent>
+      <mc:AlternateContent xmlns:mc="http://schemas.openxmlformats.org/markup-compatibility/2006">
+        <mc:Choice xmlns:p14="http://schemas.microsoft.com/office/powerpoint/2010/main" Requires="p14">
+          <p:contentPart p14:bwMode="auto" r:id="rId5">
+            <p14:nvContentPartPr>
+              <p14:cNvPr id="6" name="Entrada de lápiz 5">
+                <a:extLst>
+                  <a:ext uri="{FF2B5EF4-FFF2-40B4-BE49-F238E27FC236}">
+                    <a16:creationId xmlns:a16="http://schemas.microsoft.com/office/drawing/2014/main" id="{3195979B-AA18-78A7-B9BE-F7C832E3EA18}"/>
+                  </a:ext>
+                </a:extLst>
+              </p14:cNvPr>
+              <p14:cNvContentPartPr/>
+              <p14:nvPr/>
+            </p14:nvContentPartPr>
+            <p14:xfrm>
+              <a:off x="4890141" y="4214322"/>
+              <a:ext cx="2597760" cy="314640"/>
+            </p14:xfrm>
+          </p:contentPart>
+        </mc:Choice>
+        <mc:Fallback>
+          <p:pic>
+            <p:nvPicPr>
+              <p:cNvPr id="6" name="Entrada de lápiz 5">
+                <a:extLst>
+                  <a:ext uri="{FF2B5EF4-FFF2-40B4-BE49-F238E27FC236}">
+                    <a16:creationId xmlns:a16="http://schemas.microsoft.com/office/drawing/2014/main" id="{3195979B-AA18-78A7-B9BE-F7C832E3EA18}"/>
+                  </a:ext>
+                </a:extLst>
+              </p:cNvPr>
+              <p:cNvPicPr/>
+              <p:nvPr/>
+            </p:nvPicPr>
+            <p:blipFill>
+              <a:blip r:embed="rId6"/>
+              <a:stretch>
+                <a:fillRect/>
+              </a:stretch>
+            </p:blipFill>
+            <p:spPr>
+              <a:xfrm>
+                <a:off x="4845141" y="4124322"/>
+                <a:ext cx="2687400" cy="494280"/>
+              </a:xfrm>
+              <a:prstGeom prst="rect">
+                <a:avLst/>
+              </a:prstGeom>
+            </p:spPr>
+          </p:pic>
+        </mc:Fallback>
+      </mc:AlternateContent>
+      <mc:AlternateContent xmlns:mc="http://schemas.openxmlformats.org/markup-compatibility/2006">
+        <mc:Choice xmlns:p14="http://schemas.microsoft.com/office/powerpoint/2010/main" Requires="p14">
+          <p:contentPart p14:bwMode="auto" r:id="rId7">
+            <p14:nvContentPartPr>
+              <p14:cNvPr id="7" name="Entrada de lápiz 6">
+                <a:extLst>
+                  <a:ext uri="{FF2B5EF4-FFF2-40B4-BE49-F238E27FC236}">
+                    <a16:creationId xmlns:a16="http://schemas.microsoft.com/office/drawing/2014/main" id="{78900535-8485-D48B-3D44-088B3D08CE61}"/>
+                  </a:ext>
+                </a:extLst>
+              </p14:cNvPr>
+              <p14:cNvContentPartPr/>
+              <p14:nvPr/>
+            </p14:nvContentPartPr>
+            <p14:xfrm>
+              <a:off x="1656621" y="2088162"/>
+              <a:ext cx="782280" cy="28800"/>
+            </p14:xfrm>
+          </p:contentPart>
+        </mc:Choice>
+        <mc:Fallback>
+          <p:pic>
+            <p:nvPicPr>
+              <p:cNvPr id="7" name="Entrada de lápiz 6">
+                <a:extLst>
+                  <a:ext uri="{FF2B5EF4-FFF2-40B4-BE49-F238E27FC236}">
+                    <a16:creationId xmlns:a16="http://schemas.microsoft.com/office/drawing/2014/main" id="{78900535-8485-D48B-3D44-088B3D08CE61}"/>
+                  </a:ext>
+                </a:extLst>
+              </p:cNvPr>
+              <p:cNvPicPr/>
+              <p:nvPr/>
+            </p:nvPicPr>
+            <p:blipFill>
+              <a:blip r:embed="rId8"/>
+              <a:stretch>
+                <a:fillRect/>
+              </a:stretch>
+            </p:blipFill>
+            <p:spPr>
+              <a:xfrm>
+                <a:off x="1611621" y="1998162"/>
+                <a:ext cx="871920" cy="208440"/>
+              </a:xfrm>
+              <a:prstGeom prst="rect">
+                <a:avLst/>
+              </a:prstGeom>
+            </p:spPr>
+          </p:pic>
+        </mc:Fallback>
+      </mc:AlternateContent>
+      <mc:AlternateContent xmlns:mc="http://schemas.openxmlformats.org/markup-compatibility/2006">
+        <mc:Choice xmlns:p14="http://schemas.microsoft.com/office/powerpoint/2010/main" Requires="p14">
+          <p:contentPart p14:bwMode="auto" r:id="rId9">
+            <p14:nvContentPartPr>
+              <p14:cNvPr id="9" name="Entrada de lápiz 8">
+                <a:extLst>
+                  <a:ext uri="{FF2B5EF4-FFF2-40B4-BE49-F238E27FC236}">
+                    <a16:creationId xmlns:a16="http://schemas.microsoft.com/office/drawing/2014/main" id="{207D4553-077E-3133-ECEA-1A1D94D2D3C8}"/>
+                  </a:ext>
+                </a:extLst>
+              </p14:cNvPr>
+              <p14:cNvContentPartPr/>
+              <p14:nvPr/>
+            </p14:nvContentPartPr>
+            <p14:xfrm>
+              <a:off x="6833061" y="2158362"/>
+              <a:ext cx="156240" cy="619200"/>
+            </p14:xfrm>
+          </p:contentPart>
+        </mc:Choice>
+        <mc:Fallback>
+          <p:pic>
+            <p:nvPicPr>
+              <p:cNvPr id="9" name="Entrada de lápiz 8">
+                <a:extLst>
+                  <a:ext uri="{FF2B5EF4-FFF2-40B4-BE49-F238E27FC236}">
+                    <a16:creationId xmlns:a16="http://schemas.microsoft.com/office/drawing/2014/main" id="{207D4553-077E-3133-ECEA-1A1D94D2D3C8}"/>
+                  </a:ext>
+                </a:extLst>
+              </p:cNvPr>
+              <p:cNvPicPr/>
+              <p:nvPr/>
+            </p:nvPicPr>
+            <p:blipFill>
+              <a:blip r:embed="rId10"/>
+              <a:stretch>
+                <a:fillRect/>
+              </a:stretch>
+            </p:blipFill>
+            <p:spPr>
+              <a:xfrm>
+                <a:off x="6788061" y="2068362"/>
+                <a:ext cx="245880" cy="798840"/>
+              </a:xfrm>
+              <a:prstGeom prst="rect">
+                <a:avLst/>
+              </a:prstGeom>
+            </p:spPr>
+          </p:pic>
+        </mc:Fallback>
+      </mc:AlternateContent>
+    </p:spTree>
+    <p:extLst>
+      <p:ext uri="{BB962C8B-B14F-4D97-AF65-F5344CB8AC3E}">
+        <p14:creationId xmlns:p14="http://schemas.microsoft.com/office/powerpoint/2010/main" val="460058830"/>
+      </p:ext>
+    </p:extLst>
+  </p:cSld>
+  <p:clrMapOvr>
+    <a:masterClrMapping/>
+  </p:clrMapOvr>
+</p:sld>
+</file>
+
+<file path=ppt/slides/slide31.xml><?xml version="1.0" encoding="utf-8"?>
+<p:sld xmlns:a="http://schemas.openxmlformats.org/drawingml/2006/main" xmlns:r="http://schemas.openxmlformats.org/officeDocument/2006/relationships" xmlns:p="http://schemas.openxmlformats.org/presentationml/2006/main">
+  <p:cSld>
+    <p:spTree>
+      <p:nvGrpSpPr>
+        <p:cNvPr id="1" name=""/>
+        <p:cNvGrpSpPr/>
+        <p:nvPr/>
+      </p:nvGrpSpPr>
+      <p:grpSpPr>
+        <a:xfrm>
+          <a:off x="0" y="0"/>
+          <a:ext cx="0" cy="0"/>
+          <a:chOff x="0" y="0"/>
+          <a:chExt cx="0" cy="0"/>
+        </a:xfrm>
+      </p:grpSpPr>
+      <p:sp>
+        <p:nvSpPr>
+          <p:cNvPr id="2" name="CuadroTexto 1">
+            <a:extLst>
+              <a:ext uri="{FF2B5EF4-FFF2-40B4-BE49-F238E27FC236}">
+                <a16:creationId xmlns:a16="http://schemas.microsoft.com/office/drawing/2014/main" id="{6F5BC5A9-E676-DED6-D39C-BD620F54DBFA}"/>
+              </a:ext>
+            </a:extLst>
+          </p:cNvPr>
+          <p:cNvSpPr txBox="1"/>
+          <p:nvPr/>
+        </p:nvSpPr>
+        <p:spPr>
+          <a:xfrm>
+            <a:off x="5592416" y="980661"/>
+            <a:ext cx="4333461" cy="2308324"/>
+          </a:xfrm>
+          <a:prstGeom prst="rect">
+            <a:avLst/>
+          </a:prstGeom>
+          <a:noFill/>
+        </p:spPr>
+        <p:txBody>
+          <a:bodyPr wrap="square" rtlCol="0">
+            <a:spAutoFit/>
+          </a:bodyPr>
+          <a:lstStyle/>
+          <a:p>
+            <a:r>
+              <a:rPr lang="es-ES" dirty="0"/>
+              <a:t>Luego aparece la opción del caso de carga que yo quiero analizar, solo aparece carga viva, si se hubiera hecho para las </a:t>
+            </a:r>
+            <a:r>
+              <a:rPr lang="es-ES" dirty="0" err="1"/>
+              <a:t>ddemas</a:t>
+            </a:r>
+            <a:r>
+              <a:rPr lang="es-ES" dirty="0"/>
+              <a:t> cargas si aparecerían </a:t>
+            </a:r>
+          </a:p>
+          <a:p>
+            <a:r>
+              <a:rPr lang="es-ES" dirty="0"/>
+              <a:t>Vamos a presionar en </a:t>
+            </a:r>
+            <a:r>
+              <a:rPr lang="es-ES" b="1" dirty="0"/>
+              <a:t>DIAGRAMA DE FUERZAS AXIALES</a:t>
+            </a:r>
+          </a:p>
+          <a:p>
+            <a:r>
+              <a:rPr lang="es-ES" dirty="0"/>
+              <a:t>Opciones de </a:t>
+            </a:r>
+            <a:r>
+              <a:rPr lang="es-ES" dirty="0" err="1"/>
+              <a:t>display</a:t>
+            </a:r>
+            <a:r>
+              <a:rPr lang="es-ES" dirty="0"/>
+              <a:t> los 2 se selecciona </a:t>
+            </a:r>
+          </a:p>
+          <a:p>
+            <a:endParaRPr lang="es-GT" dirty="0"/>
+          </a:p>
+        </p:txBody>
+      </p:sp>
+      <p:pic>
+        <p:nvPicPr>
+          <p:cNvPr id="4" name="Imagen 3">
+            <a:extLst>
+              <a:ext uri="{FF2B5EF4-FFF2-40B4-BE49-F238E27FC236}">
+                <a16:creationId xmlns:a16="http://schemas.microsoft.com/office/drawing/2014/main" id="{81EA9F54-8A0C-52A9-75AC-4353689730B9}"/>
+              </a:ext>
+            </a:extLst>
+          </p:cNvPr>
+          <p:cNvPicPr>
+            <a:picLocks noChangeAspect="1"/>
+          </p:cNvPicPr>
+          <p:nvPr/>
+        </p:nvPicPr>
+        <p:blipFill>
+          <a:blip r:embed="rId2"/>
+          <a:stretch>
+            <a:fillRect/>
+          </a:stretch>
+        </p:blipFill>
+        <p:spPr>
+          <a:xfrm>
+            <a:off x="703719" y="251969"/>
+            <a:ext cx="4344006" cy="6354062"/>
+          </a:xfrm>
+          <a:prstGeom prst="rect">
+            <a:avLst/>
+          </a:prstGeom>
+        </p:spPr>
+      </p:pic>
+      <mc:AlternateContent xmlns:mc="http://schemas.openxmlformats.org/markup-compatibility/2006">
+        <mc:Choice xmlns:p14="http://schemas.microsoft.com/office/powerpoint/2010/main" Requires="p14">
+          <p:contentPart p14:bwMode="auto" r:id="rId3">
+            <p14:nvContentPartPr>
+              <p14:cNvPr id="7" name="Entrada de lápiz 6">
+                <a:extLst>
+                  <a:ext uri="{FF2B5EF4-FFF2-40B4-BE49-F238E27FC236}">
+                    <a16:creationId xmlns:a16="http://schemas.microsoft.com/office/drawing/2014/main" id="{72F3EA12-49FD-FAA8-95B6-70DACC88B567}"/>
+                  </a:ext>
+                </a:extLst>
+              </p14:cNvPr>
+              <p14:cNvContentPartPr/>
+              <p14:nvPr/>
+            </p14:nvContentPartPr>
+            <p14:xfrm>
+              <a:off x="1139661" y="1041282"/>
+              <a:ext cx="2067840" cy="284400"/>
+            </p14:xfrm>
+          </p:contentPart>
+        </mc:Choice>
+        <mc:Fallback>
+          <p:pic>
+            <p:nvPicPr>
+              <p:cNvPr id="7" name="Entrada de lápiz 6">
+                <a:extLst>
+                  <a:ext uri="{FF2B5EF4-FFF2-40B4-BE49-F238E27FC236}">
+                    <a16:creationId xmlns:a16="http://schemas.microsoft.com/office/drawing/2014/main" id="{72F3EA12-49FD-FAA8-95B6-70DACC88B567}"/>
+                  </a:ext>
+                </a:extLst>
+              </p:cNvPr>
+              <p:cNvPicPr/>
+              <p:nvPr/>
+            </p:nvPicPr>
+            <p:blipFill>
+              <a:blip r:embed="rId4"/>
+              <a:stretch>
+                <a:fillRect/>
+              </a:stretch>
+            </p:blipFill>
+            <p:spPr>
+              <a:xfrm>
+                <a:off x="1103661" y="969282"/>
+                <a:ext cx="2139480" cy="428040"/>
+              </a:xfrm>
+              <a:prstGeom prst="rect">
+                <a:avLst/>
+              </a:prstGeom>
+            </p:spPr>
+          </p:pic>
+        </mc:Fallback>
+      </mc:AlternateContent>
+      <mc:AlternateContent xmlns:mc="http://schemas.openxmlformats.org/markup-compatibility/2006">
+        <mc:Choice xmlns:p14="http://schemas.microsoft.com/office/powerpoint/2010/main" Requires="p14">
+          <p:contentPart p14:bwMode="auto" r:id="rId5">
+            <p14:nvContentPartPr>
+              <p14:cNvPr id="8" name="Entrada de lápiz 7">
+                <a:extLst>
+                  <a:ext uri="{FF2B5EF4-FFF2-40B4-BE49-F238E27FC236}">
+                    <a16:creationId xmlns:a16="http://schemas.microsoft.com/office/drawing/2014/main" id="{D0044312-1DD6-7E82-C872-7029FF696D07}"/>
+                  </a:ext>
+                </a:extLst>
+              </p14:cNvPr>
+              <p14:cNvContentPartPr/>
+              <p14:nvPr/>
+            </p14:nvContentPartPr>
+            <p14:xfrm>
+              <a:off x="1139661" y="1868562"/>
+              <a:ext cx="1020960" cy="93240"/>
+            </p14:xfrm>
+          </p:contentPart>
+        </mc:Choice>
+        <mc:Fallback>
+          <p:pic>
+            <p:nvPicPr>
+              <p:cNvPr id="8" name="Entrada de lápiz 7">
+                <a:extLst>
+                  <a:ext uri="{FF2B5EF4-FFF2-40B4-BE49-F238E27FC236}">
+                    <a16:creationId xmlns:a16="http://schemas.microsoft.com/office/drawing/2014/main" id="{D0044312-1DD6-7E82-C872-7029FF696D07}"/>
+                  </a:ext>
+                </a:extLst>
+              </p:cNvPr>
+              <p:cNvPicPr/>
+              <p:nvPr/>
+            </p:nvPicPr>
+            <p:blipFill>
+              <a:blip r:embed="rId6"/>
+              <a:stretch>
+                <a:fillRect/>
+              </a:stretch>
+            </p:blipFill>
+            <p:spPr>
+              <a:xfrm>
+                <a:off x="1103661" y="1796562"/>
+                <a:ext cx="1092600" cy="236880"/>
+              </a:xfrm>
+              <a:prstGeom prst="rect">
+                <a:avLst/>
+              </a:prstGeom>
+            </p:spPr>
+          </p:pic>
+        </mc:Fallback>
+      </mc:AlternateContent>
+      <mc:AlternateContent xmlns:mc="http://schemas.openxmlformats.org/markup-compatibility/2006">
+        <mc:Choice xmlns:p14="http://schemas.microsoft.com/office/powerpoint/2010/main" Requires="p14">
+          <p:contentPart p14:bwMode="auto" r:id="rId7">
+            <p14:nvContentPartPr>
+              <p14:cNvPr id="9" name="Entrada de lápiz 8">
+                <a:extLst>
+                  <a:ext uri="{FF2B5EF4-FFF2-40B4-BE49-F238E27FC236}">
+                    <a16:creationId xmlns:a16="http://schemas.microsoft.com/office/drawing/2014/main" id="{9026B937-0C74-AE0F-FE07-E07E6A91DEE6}"/>
+                  </a:ext>
+                </a:extLst>
+              </p14:cNvPr>
+              <p14:cNvContentPartPr/>
+              <p14:nvPr/>
+            </p14:nvContentPartPr>
+            <p14:xfrm>
+              <a:off x="1086741" y="3470562"/>
+              <a:ext cx="967680" cy="520560"/>
+            </p14:xfrm>
+          </p:contentPart>
+        </mc:Choice>
+        <mc:Fallback>
+          <p:pic>
+            <p:nvPicPr>
+              <p:cNvPr id="9" name="Entrada de lápiz 8">
+                <a:extLst>
+                  <a:ext uri="{FF2B5EF4-FFF2-40B4-BE49-F238E27FC236}">
+                    <a16:creationId xmlns:a16="http://schemas.microsoft.com/office/drawing/2014/main" id="{9026B937-0C74-AE0F-FE07-E07E6A91DEE6}"/>
+                  </a:ext>
+                </a:extLst>
+              </p:cNvPr>
+              <p:cNvPicPr/>
+              <p:nvPr/>
+            </p:nvPicPr>
+            <p:blipFill>
+              <a:blip r:embed="rId8"/>
+              <a:stretch>
+                <a:fillRect/>
+              </a:stretch>
+            </p:blipFill>
+            <p:spPr>
+              <a:xfrm>
+                <a:off x="1050741" y="3398562"/>
+                <a:ext cx="1039320" cy="664200"/>
+              </a:xfrm>
+              <a:prstGeom prst="rect">
+                <a:avLst/>
+              </a:prstGeom>
+            </p:spPr>
+          </p:pic>
+        </mc:Fallback>
+      </mc:AlternateContent>
+      <mc:AlternateContent xmlns:mc="http://schemas.openxmlformats.org/markup-compatibility/2006">
+        <mc:Choice xmlns:p14="http://schemas.microsoft.com/office/powerpoint/2010/main" Requires="p14">
+          <p:contentPart p14:bwMode="auto" r:id="rId9">
+            <p14:nvContentPartPr>
+              <p14:cNvPr id="10" name="Entrada de lápiz 9">
+                <a:extLst>
+                  <a:ext uri="{FF2B5EF4-FFF2-40B4-BE49-F238E27FC236}">
+                    <a16:creationId xmlns:a16="http://schemas.microsoft.com/office/drawing/2014/main" id="{180261EA-D95B-C7F3-A5B7-67F4D353D41C}"/>
+                  </a:ext>
+                </a:extLst>
+              </p14:cNvPr>
+              <p14:cNvContentPartPr/>
+              <p14:nvPr/>
+            </p14:nvContentPartPr>
+            <p14:xfrm>
+              <a:off x="1510821" y="6053922"/>
+              <a:ext cx="835200" cy="124200"/>
+            </p14:xfrm>
+          </p:contentPart>
+        </mc:Choice>
+        <mc:Fallback>
+          <p:pic>
+            <p:nvPicPr>
+              <p:cNvPr id="10" name="Entrada de lápiz 9">
+                <a:extLst>
+                  <a:ext uri="{FF2B5EF4-FFF2-40B4-BE49-F238E27FC236}">
+                    <a16:creationId xmlns:a16="http://schemas.microsoft.com/office/drawing/2014/main" id="{180261EA-D95B-C7F3-A5B7-67F4D353D41C}"/>
+                  </a:ext>
+                </a:extLst>
+              </p:cNvPr>
+              <p:cNvPicPr/>
+              <p:nvPr/>
+            </p:nvPicPr>
+            <p:blipFill>
+              <a:blip r:embed="rId10"/>
+              <a:stretch>
+                <a:fillRect/>
+              </a:stretch>
+            </p:blipFill>
+            <p:spPr>
+              <a:xfrm>
+                <a:off x="1474821" y="5981922"/>
+                <a:ext cx="906840" cy="267840"/>
+              </a:xfrm>
+              <a:prstGeom prst="rect">
+                <a:avLst/>
+              </a:prstGeom>
+            </p:spPr>
+          </p:pic>
+        </mc:Fallback>
+      </mc:AlternateContent>
+      <p:pic>
+        <p:nvPicPr>
+          <p:cNvPr id="12" name="Imagen 11">
+            <a:extLst>
+              <a:ext uri="{FF2B5EF4-FFF2-40B4-BE49-F238E27FC236}">
+                <a16:creationId xmlns:a16="http://schemas.microsoft.com/office/drawing/2014/main" id="{F81AF294-5CAE-DC10-18B8-DF57AE637BE6}"/>
+              </a:ext>
+            </a:extLst>
+          </p:cNvPr>
+          <p:cNvPicPr>
+            <a:picLocks noChangeAspect="1"/>
+          </p:cNvPicPr>
+          <p:nvPr/>
+        </p:nvPicPr>
+        <p:blipFill>
+          <a:blip r:embed="rId11"/>
+          <a:stretch>
+            <a:fillRect/>
+          </a:stretch>
+        </p:blipFill>
+        <p:spPr>
+          <a:xfrm>
+            <a:off x="5211658" y="3429000"/>
+            <a:ext cx="5668377" cy="2378923"/>
+          </a:xfrm>
+          <a:prstGeom prst="rect">
+            <a:avLst/>
+          </a:prstGeom>
+        </p:spPr>
+      </p:pic>
+    </p:spTree>
+    <p:extLst>
+      <p:ext uri="{BB962C8B-B14F-4D97-AF65-F5344CB8AC3E}">
+        <p14:creationId xmlns:p14="http://schemas.microsoft.com/office/powerpoint/2010/main" val="2115104725"/>
+      </p:ext>
+    </p:extLst>
+  </p:cSld>
+  <p:clrMapOvr>
+    <a:masterClrMapping/>
+  </p:clrMapOvr>
+</p:sld>
+</file>
+
+<file path=ppt/slides/slide32.xml><?xml version="1.0" encoding="utf-8"?>
+<p:sld xmlns:a="http://schemas.openxmlformats.org/drawingml/2006/main" xmlns:r="http://schemas.openxmlformats.org/officeDocument/2006/relationships" xmlns:p="http://schemas.openxmlformats.org/presentationml/2006/main">
+  <p:cSld>
+    <p:spTree>
+      <p:nvGrpSpPr>
+        <p:cNvPr id="1" name=""/>
+        <p:cNvGrpSpPr/>
+        <p:nvPr/>
+      </p:nvGrpSpPr>
+      <p:grpSpPr>
+        <a:xfrm>
+          <a:off x="0" y="0"/>
+          <a:ext cx="0" cy="0"/>
+          <a:chOff x="0" y="0"/>
+          <a:chExt cx="0" cy="0"/>
+        </a:xfrm>
+      </p:grpSpPr>
+      <p:pic>
+        <p:nvPicPr>
+          <p:cNvPr id="3" name="Imagen 2">
+            <a:extLst>
+              <a:ext uri="{FF2B5EF4-FFF2-40B4-BE49-F238E27FC236}">
+                <a16:creationId xmlns:a16="http://schemas.microsoft.com/office/drawing/2014/main" id="{C7770F8C-50AC-6B82-66B6-93F9B685F04D}"/>
+              </a:ext>
+            </a:extLst>
+          </p:cNvPr>
+          <p:cNvPicPr>
+            <a:picLocks noChangeAspect="1"/>
+          </p:cNvPicPr>
+          <p:nvPr/>
+        </p:nvPicPr>
+        <p:blipFill>
+          <a:blip r:embed="rId2"/>
+          <a:stretch>
+            <a:fillRect/>
+          </a:stretch>
+        </p:blipFill>
+        <p:spPr>
+          <a:xfrm>
+            <a:off x="1638420" y="3561522"/>
+            <a:ext cx="8915159" cy="3036030"/>
+          </a:xfrm>
+          <a:prstGeom prst="rect">
+            <a:avLst/>
+          </a:prstGeom>
+        </p:spPr>
+      </p:pic>
+      <p:pic>
+        <p:nvPicPr>
+          <p:cNvPr id="5" name="Imagen 4">
+            <a:extLst>
+              <a:ext uri="{FF2B5EF4-FFF2-40B4-BE49-F238E27FC236}">
+                <a16:creationId xmlns:a16="http://schemas.microsoft.com/office/drawing/2014/main" id="{69436679-B7D8-0B67-8FFE-1B64B164C093}"/>
+              </a:ext>
+            </a:extLst>
+          </p:cNvPr>
+          <p:cNvPicPr>
+            <a:picLocks noChangeAspect="1"/>
+          </p:cNvPicPr>
+          <p:nvPr/>
+        </p:nvPicPr>
+        <p:blipFill>
+          <a:blip r:embed="rId3"/>
+          <a:stretch>
+            <a:fillRect/>
+          </a:stretch>
+        </p:blipFill>
+        <p:spPr>
+          <a:xfrm>
+            <a:off x="2022733" y="366465"/>
+            <a:ext cx="7253789" cy="2168149"/>
+          </a:xfrm>
+          <a:prstGeom prst="rect">
+            <a:avLst/>
+          </a:prstGeom>
+        </p:spPr>
+      </p:pic>
+      <p:sp>
+        <p:nvSpPr>
+          <p:cNvPr id="6" name="CuadroTexto 5">
+            <a:extLst>
+              <a:ext uri="{FF2B5EF4-FFF2-40B4-BE49-F238E27FC236}">
+                <a16:creationId xmlns:a16="http://schemas.microsoft.com/office/drawing/2014/main" id="{51E95173-C293-8C05-8600-807ADB50C15F}"/>
+              </a:ext>
+            </a:extLst>
+          </p:cNvPr>
+          <p:cNvSpPr txBox="1"/>
+          <p:nvPr/>
+        </p:nvSpPr>
+        <p:spPr>
+          <a:xfrm>
+            <a:off x="2332383" y="2822713"/>
+            <a:ext cx="6215269" cy="369332"/>
+          </a:xfrm>
+          <a:prstGeom prst="rect">
+            <a:avLst/>
+          </a:prstGeom>
+          <a:noFill/>
+        </p:spPr>
+        <p:txBody>
+          <a:bodyPr wrap="square" rtlCol="0">
+            <a:spAutoFit/>
+          </a:bodyPr>
+          <a:lstStyle/>
+          <a:p>
+            <a:pPr algn="ctr"/>
+            <a:r>
+              <a:rPr lang="es-ES" dirty="0"/>
+              <a:t>TIENEN LOS MISMOS VALORES </a:t>
+            </a:r>
+            <a:endParaRPr lang="es-GT" dirty="0"/>
+          </a:p>
+        </p:txBody>
+      </p:sp>
+      <mc:AlternateContent xmlns:mc="http://schemas.openxmlformats.org/markup-compatibility/2006">
+        <mc:Choice xmlns:p14="http://schemas.microsoft.com/office/powerpoint/2010/main" Requires="p14">
+          <p:contentPart p14:bwMode="auto" r:id="rId4">
+            <p14:nvContentPartPr>
+              <p14:cNvPr id="7" name="Entrada de lápiz 6">
+                <a:extLst>
+                  <a:ext uri="{FF2B5EF4-FFF2-40B4-BE49-F238E27FC236}">
+                    <a16:creationId xmlns:a16="http://schemas.microsoft.com/office/drawing/2014/main" id="{2C601262-856D-8E46-45C6-BD000DC6C283}"/>
+                  </a:ext>
+                </a:extLst>
+              </p14:cNvPr>
+              <p14:cNvContentPartPr/>
+              <p14:nvPr/>
+            </p14:nvContentPartPr>
+            <p14:xfrm>
+              <a:off x="2955141" y="1152522"/>
+              <a:ext cx="793800" cy="239400"/>
+            </p14:xfrm>
+          </p:contentPart>
+        </mc:Choice>
+        <mc:Fallback>
+          <p:pic>
+            <p:nvPicPr>
+              <p:cNvPr id="7" name="Entrada de lápiz 6">
+                <a:extLst>
+                  <a:ext uri="{FF2B5EF4-FFF2-40B4-BE49-F238E27FC236}">
+                    <a16:creationId xmlns:a16="http://schemas.microsoft.com/office/drawing/2014/main" id="{2C601262-856D-8E46-45C6-BD000DC6C283}"/>
+                  </a:ext>
+                </a:extLst>
+              </p:cNvPr>
+              <p:cNvPicPr/>
+              <p:nvPr/>
+            </p:nvPicPr>
+            <p:blipFill>
+              <a:blip r:embed="rId5"/>
+              <a:stretch>
+                <a:fillRect/>
+              </a:stretch>
+            </p:blipFill>
+            <p:spPr>
+              <a:xfrm>
+                <a:off x="2919141" y="1080522"/>
+                <a:ext cx="865440" cy="383040"/>
+              </a:xfrm>
+              <a:prstGeom prst="rect">
+                <a:avLst/>
+              </a:prstGeom>
+            </p:spPr>
+          </p:pic>
+        </mc:Fallback>
+      </mc:AlternateContent>
+      <mc:AlternateContent xmlns:mc="http://schemas.openxmlformats.org/markup-compatibility/2006">
+        <mc:Choice xmlns:p14="http://schemas.microsoft.com/office/powerpoint/2010/main" Requires="p14">
+          <p:contentPart p14:bwMode="auto" r:id="rId6">
+            <p14:nvContentPartPr>
+              <p14:cNvPr id="8" name="Entrada de lápiz 7">
+                <a:extLst>
+                  <a:ext uri="{FF2B5EF4-FFF2-40B4-BE49-F238E27FC236}">
+                    <a16:creationId xmlns:a16="http://schemas.microsoft.com/office/drawing/2014/main" id="{0B8F8847-A18E-B0B5-85D8-FBE90DCC550E}"/>
+                  </a:ext>
+                </a:extLst>
+              </p14:cNvPr>
+              <p14:cNvContentPartPr/>
+              <p14:nvPr/>
+            </p14:nvContentPartPr>
+            <p14:xfrm>
+              <a:off x="3220101" y="4969602"/>
+              <a:ext cx="398160" cy="278640"/>
+            </p14:xfrm>
+          </p:contentPart>
+        </mc:Choice>
+        <mc:Fallback>
+          <p:pic>
+            <p:nvPicPr>
+              <p:cNvPr id="8" name="Entrada de lápiz 7">
+                <a:extLst>
+                  <a:ext uri="{FF2B5EF4-FFF2-40B4-BE49-F238E27FC236}">
+                    <a16:creationId xmlns:a16="http://schemas.microsoft.com/office/drawing/2014/main" id="{0B8F8847-A18E-B0B5-85D8-FBE90DCC550E}"/>
+                  </a:ext>
+                </a:extLst>
+              </p:cNvPr>
+              <p:cNvPicPr/>
+              <p:nvPr/>
+            </p:nvPicPr>
+            <p:blipFill>
+              <a:blip r:embed="rId7"/>
+              <a:stretch>
+                <a:fillRect/>
+              </a:stretch>
+            </p:blipFill>
+            <p:spPr>
+              <a:xfrm>
+                <a:off x="3184101" y="4897602"/>
+                <a:ext cx="469800" cy="422280"/>
+              </a:xfrm>
+              <a:prstGeom prst="rect">
+                <a:avLst/>
+              </a:prstGeom>
+            </p:spPr>
+          </p:pic>
+        </mc:Fallback>
+      </mc:AlternateContent>
+      <mc:AlternateContent xmlns:mc="http://schemas.openxmlformats.org/markup-compatibility/2006">
+        <mc:Choice xmlns:p14="http://schemas.microsoft.com/office/powerpoint/2010/main" Requires="p14">
+          <p:contentPart p14:bwMode="auto" r:id="rId8">
+            <p14:nvContentPartPr>
+              <p14:cNvPr id="17" name="Entrada de lápiz 16">
+                <a:extLst>
+                  <a:ext uri="{FF2B5EF4-FFF2-40B4-BE49-F238E27FC236}">
+                    <a16:creationId xmlns:a16="http://schemas.microsoft.com/office/drawing/2014/main" id="{9B0E0E2A-41B3-55D4-3891-20B0CF929120}"/>
+                  </a:ext>
+                </a:extLst>
+              </p14:cNvPr>
+              <p14:cNvContentPartPr/>
+              <p14:nvPr/>
+            </p14:nvContentPartPr>
+            <p14:xfrm>
+              <a:off x="7125381" y="4531842"/>
+              <a:ext cx="2045880" cy="973800"/>
+            </p14:xfrm>
+          </p:contentPart>
+        </mc:Choice>
+        <mc:Fallback>
+          <p:pic>
+            <p:nvPicPr>
+              <p:cNvPr id="17" name="Entrada de lápiz 16">
+                <a:extLst>
+                  <a:ext uri="{FF2B5EF4-FFF2-40B4-BE49-F238E27FC236}">
+                    <a16:creationId xmlns:a16="http://schemas.microsoft.com/office/drawing/2014/main" id="{9B0E0E2A-41B3-55D4-3891-20B0CF929120}"/>
+                  </a:ext>
+                </a:extLst>
+              </p:cNvPr>
+              <p:cNvPicPr/>
+              <p:nvPr/>
+            </p:nvPicPr>
+            <p:blipFill>
+              <a:blip r:embed="rId9"/>
+              <a:stretch>
+                <a:fillRect/>
+              </a:stretch>
+            </p:blipFill>
+            <p:spPr>
+              <a:xfrm>
+                <a:off x="7116381" y="4522842"/>
+                <a:ext cx="2063520" cy="991440"/>
+              </a:xfrm>
+              <a:prstGeom prst="rect">
+                <a:avLst/>
+              </a:prstGeom>
+            </p:spPr>
+          </p:pic>
+        </mc:Fallback>
+      </mc:AlternateContent>
+      <mc:AlternateContent xmlns:mc="http://schemas.openxmlformats.org/markup-compatibility/2006">
+        <mc:Choice xmlns:p14="http://schemas.microsoft.com/office/powerpoint/2010/main" Requires="p14">
+          <p:contentPart p14:bwMode="auto" r:id="rId10">
+            <p14:nvContentPartPr>
+              <p14:cNvPr id="22" name="Entrada de lápiz 21">
+                <a:extLst>
+                  <a:ext uri="{FF2B5EF4-FFF2-40B4-BE49-F238E27FC236}">
+                    <a16:creationId xmlns:a16="http://schemas.microsoft.com/office/drawing/2014/main" id="{D95C5D74-5817-CCC9-5846-B27B73450878}"/>
+                  </a:ext>
+                </a:extLst>
+              </p14:cNvPr>
+              <p14:cNvContentPartPr/>
+              <p14:nvPr/>
+            </p14:nvContentPartPr>
+            <p14:xfrm>
+              <a:off x="1668501" y="775962"/>
+              <a:ext cx="3381120" cy="5576760"/>
+            </p14:xfrm>
+          </p:contentPart>
+        </mc:Choice>
+        <mc:Fallback>
+          <p:pic>
+            <p:nvPicPr>
+              <p:cNvPr id="22" name="Entrada de lápiz 21">
+                <a:extLst>
+                  <a:ext uri="{FF2B5EF4-FFF2-40B4-BE49-F238E27FC236}">
+                    <a16:creationId xmlns:a16="http://schemas.microsoft.com/office/drawing/2014/main" id="{D95C5D74-5817-CCC9-5846-B27B73450878}"/>
+                  </a:ext>
+                </a:extLst>
+              </p:cNvPr>
+              <p:cNvPicPr/>
+              <p:nvPr/>
+            </p:nvPicPr>
+            <p:blipFill>
+              <a:blip r:embed="rId11"/>
+              <a:stretch>
+                <a:fillRect/>
+              </a:stretch>
+            </p:blipFill>
+            <p:spPr>
+              <a:xfrm>
+                <a:off x="1659501" y="766962"/>
+                <a:ext cx="3398760" cy="5594400"/>
+              </a:xfrm>
+              <a:prstGeom prst="rect">
+                <a:avLst/>
+              </a:prstGeom>
+            </p:spPr>
+          </p:pic>
+        </mc:Fallback>
+      </mc:AlternateContent>
+      <mc:AlternateContent xmlns:mc="http://schemas.openxmlformats.org/markup-compatibility/2006">
+        <mc:Choice xmlns:p14="http://schemas.microsoft.com/office/powerpoint/2010/main" Requires="p14">
+          <p:contentPart p14:bwMode="auto" r:id="rId12">
+            <p14:nvContentPartPr>
+              <p14:cNvPr id="23" name="Entrada de lápiz 22">
+                <a:extLst>
+                  <a:ext uri="{FF2B5EF4-FFF2-40B4-BE49-F238E27FC236}">
+                    <a16:creationId xmlns:a16="http://schemas.microsoft.com/office/drawing/2014/main" id="{442BD27B-7169-276F-59DD-5A46BBAE20BC}"/>
+                  </a:ext>
+                </a:extLst>
+              </p14:cNvPr>
+              <p14:cNvContentPartPr/>
+              <p14:nvPr/>
+            </p14:nvContentPartPr>
+            <p14:xfrm>
+              <a:off x="6994341" y="5730282"/>
+              <a:ext cx="838800" cy="525600"/>
+            </p14:xfrm>
+          </p:contentPart>
+        </mc:Choice>
+        <mc:Fallback>
+          <p:pic>
+            <p:nvPicPr>
+              <p:cNvPr id="23" name="Entrada de lápiz 22">
+                <a:extLst>
+                  <a:ext uri="{FF2B5EF4-FFF2-40B4-BE49-F238E27FC236}">
+                    <a16:creationId xmlns:a16="http://schemas.microsoft.com/office/drawing/2014/main" id="{442BD27B-7169-276F-59DD-5A46BBAE20BC}"/>
+                  </a:ext>
+                </a:extLst>
+              </p:cNvPr>
+              <p:cNvPicPr/>
+              <p:nvPr/>
+            </p:nvPicPr>
+            <p:blipFill>
+              <a:blip r:embed="rId13"/>
+              <a:stretch>
+                <a:fillRect/>
+              </a:stretch>
+            </p:blipFill>
+            <p:spPr>
+              <a:xfrm>
+                <a:off x="6985341" y="5721282"/>
+                <a:ext cx="856440" cy="543240"/>
+              </a:xfrm>
+              <a:prstGeom prst="rect">
+                <a:avLst/>
+              </a:prstGeom>
+            </p:spPr>
+          </p:pic>
+        </mc:Fallback>
+      </mc:AlternateContent>
+      <mc:AlternateContent xmlns:mc="http://schemas.openxmlformats.org/markup-compatibility/2006">
+        <mc:Choice xmlns:p14="http://schemas.microsoft.com/office/powerpoint/2010/main" Requires="p14">
+          <p:contentPart p14:bwMode="auto" r:id="rId14">
+            <p14:nvContentPartPr>
+              <p14:cNvPr id="24" name="Entrada de lápiz 23">
+                <a:extLst>
+                  <a:ext uri="{FF2B5EF4-FFF2-40B4-BE49-F238E27FC236}">
+                    <a16:creationId xmlns:a16="http://schemas.microsoft.com/office/drawing/2014/main" id="{72D07CF3-8F3A-949F-C8A9-46587BB561F4}"/>
+                  </a:ext>
+                </a:extLst>
+              </p14:cNvPr>
+              <p14:cNvContentPartPr/>
+              <p14:nvPr/>
+            </p14:nvContentPartPr>
+            <p14:xfrm>
+              <a:off x="4055301" y="4757562"/>
+              <a:ext cx="649440" cy="278640"/>
+            </p14:xfrm>
+          </p:contentPart>
+        </mc:Choice>
+        <mc:Fallback>
+          <p:pic>
+            <p:nvPicPr>
+              <p:cNvPr id="24" name="Entrada de lápiz 23">
+                <a:extLst>
+                  <a:ext uri="{FF2B5EF4-FFF2-40B4-BE49-F238E27FC236}">
+                    <a16:creationId xmlns:a16="http://schemas.microsoft.com/office/drawing/2014/main" id="{72D07CF3-8F3A-949F-C8A9-46587BB561F4}"/>
+                  </a:ext>
+                </a:extLst>
+              </p:cNvPr>
+              <p:cNvPicPr/>
+              <p:nvPr/>
+            </p:nvPicPr>
+            <p:blipFill>
+              <a:blip r:embed="rId15"/>
+              <a:stretch>
+                <a:fillRect/>
+              </a:stretch>
+            </p:blipFill>
+            <p:spPr>
+              <a:xfrm>
+                <a:off x="4046301" y="4748562"/>
+                <a:ext cx="667080" cy="296280"/>
+              </a:xfrm>
+              <a:prstGeom prst="rect">
+                <a:avLst/>
+              </a:prstGeom>
+            </p:spPr>
+          </p:pic>
+        </mc:Fallback>
+      </mc:AlternateContent>
+      <mc:AlternateContent xmlns:mc="http://schemas.openxmlformats.org/markup-compatibility/2006">
+        <mc:Choice xmlns:p14="http://schemas.microsoft.com/office/powerpoint/2010/main" Requires="p14">
+          <p:contentPart p14:bwMode="auto" r:id="rId16">
+            <p14:nvContentPartPr>
+              <p14:cNvPr id="25" name="Entrada de lápiz 24">
+                <a:extLst>
+                  <a:ext uri="{FF2B5EF4-FFF2-40B4-BE49-F238E27FC236}">
+                    <a16:creationId xmlns:a16="http://schemas.microsoft.com/office/drawing/2014/main" id="{3BAD377A-74D1-9123-365A-13D3B4DE69A3}"/>
+                  </a:ext>
+                </a:extLst>
+              </p14:cNvPr>
+              <p14:cNvContentPartPr/>
+              <p14:nvPr/>
+            </p14:nvContentPartPr>
+            <p14:xfrm>
+              <a:off x="7659621" y="1033722"/>
+              <a:ext cx="716040" cy="358200"/>
+            </p14:xfrm>
+          </p:contentPart>
+        </mc:Choice>
+        <mc:Fallback>
+          <p:pic>
+            <p:nvPicPr>
+              <p:cNvPr id="25" name="Entrada de lápiz 24">
+                <a:extLst>
+                  <a:ext uri="{FF2B5EF4-FFF2-40B4-BE49-F238E27FC236}">
+                    <a16:creationId xmlns:a16="http://schemas.microsoft.com/office/drawing/2014/main" id="{3BAD377A-74D1-9123-365A-13D3B4DE69A3}"/>
+                  </a:ext>
+                </a:extLst>
+              </p:cNvPr>
+              <p:cNvPicPr/>
+              <p:nvPr/>
+            </p:nvPicPr>
+            <p:blipFill>
+              <a:blip r:embed="rId17"/>
+              <a:stretch>
+                <a:fillRect/>
+              </a:stretch>
+            </p:blipFill>
+            <p:spPr>
+              <a:xfrm>
+                <a:off x="7623621" y="961722"/>
+                <a:ext cx="787680" cy="501840"/>
+              </a:xfrm>
+              <a:prstGeom prst="rect">
+                <a:avLst/>
+              </a:prstGeom>
+            </p:spPr>
+          </p:pic>
+        </mc:Fallback>
+      </mc:AlternateContent>
+      <mc:AlternateContent xmlns:mc="http://schemas.openxmlformats.org/markup-compatibility/2006">
+        <mc:Choice xmlns:p14="http://schemas.microsoft.com/office/powerpoint/2010/main" Requires="p14">
+          <p:contentPart p14:bwMode="auto" r:id="rId18">
+            <p14:nvContentPartPr>
+              <p14:cNvPr id="26" name="Entrada de lápiz 25">
+                <a:extLst>
+                  <a:ext uri="{FF2B5EF4-FFF2-40B4-BE49-F238E27FC236}">
+                    <a16:creationId xmlns:a16="http://schemas.microsoft.com/office/drawing/2014/main" id="{2919040C-35D7-81A3-C2B4-E455386FFE37}"/>
+                  </a:ext>
+                </a:extLst>
+              </p14:cNvPr>
+              <p14:cNvContentPartPr/>
+              <p14:nvPr/>
+            </p14:nvContentPartPr>
+            <p14:xfrm>
+              <a:off x="5420061" y="725562"/>
+              <a:ext cx="1100520" cy="30240"/>
+            </p14:xfrm>
+          </p:contentPart>
+        </mc:Choice>
+        <mc:Fallback>
+          <p:pic>
+            <p:nvPicPr>
+              <p:cNvPr id="26" name="Entrada de lápiz 25">
+                <a:extLst>
+                  <a:ext uri="{FF2B5EF4-FFF2-40B4-BE49-F238E27FC236}">
+                    <a16:creationId xmlns:a16="http://schemas.microsoft.com/office/drawing/2014/main" id="{2919040C-35D7-81A3-C2B4-E455386FFE37}"/>
+                  </a:ext>
+                </a:extLst>
+              </p:cNvPr>
+              <p:cNvPicPr/>
+              <p:nvPr/>
+            </p:nvPicPr>
+            <p:blipFill>
+              <a:blip r:embed="rId19"/>
+              <a:stretch>
+                <a:fillRect/>
+              </a:stretch>
+            </p:blipFill>
+            <p:spPr>
+              <a:xfrm>
+                <a:off x="5384061" y="653562"/>
+                <a:ext cx="1172160" cy="173880"/>
+              </a:xfrm>
+              <a:prstGeom prst="rect">
+                <a:avLst/>
+              </a:prstGeom>
+            </p:spPr>
+          </p:pic>
+        </mc:Fallback>
+      </mc:AlternateContent>
+      <mc:AlternateContent xmlns:mc="http://schemas.openxmlformats.org/markup-compatibility/2006">
+        <mc:Choice xmlns:p14="http://schemas.microsoft.com/office/powerpoint/2010/main" Requires="p14">
+          <p:contentPart p14:bwMode="auto" r:id="rId20">
+            <p14:nvContentPartPr>
+              <p14:cNvPr id="27" name="Entrada de lápiz 26">
+                <a:extLst>
+                  <a:ext uri="{FF2B5EF4-FFF2-40B4-BE49-F238E27FC236}">
+                    <a16:creationId xmlns:a16="http://schemas.microsoft.com/office/drawing/2014/main" id="{4531D184-8DBF-DA97-732C-2BCDEF911563}"/>
+                  </a:ext>
+                </a:extLst>
+              </p14:cNvPr>
+              <p14:cNvContentPartPr/>
+              <p14:nvPr/>
+            </p14:nvContentPartPr>
+            <p14:xfrm>
+              <a:off x="4201101" y="2065482"/>
+              <a:ext cx="1139760" cy="81720"/>
+            </p14:xfrm>
+          </p:contentPart>
+        </mc:Choice>
+        <mc:Fallback>
+          <p:pic>
+            <p:nvPicPr>
+              <p:cNvPr id="27" name="Entrada de lápiz 26">
+                <a:extLst>
+                  <a:ext uri="{FF2B5EF4-FFF2-40B4-BE49-F238E27FC236}">
+                    <a16:creationId xmlns:a16="http://schemas.microsoft.com/office/drawing/2014/main" id="{4531D184-8DBF-DA97-732C-2BCDEF911563}"/>
+                  </a:ext>
+                </a:extLst>
+              </p:cNvPr>
+              <p:cNvPicPr/>
+              <p:nvPr/>
+            </p:nvPicPr>
+            <p:blipFill>
+              <a:blip r:embed="rId21"/>
+              <a:stretch>
+                <a:fillRect/>
+              </a:stretch>
+            </p:blipFill>
+            <p:spPr>
+              <a:xfrm>
+                <a:off x="4165101" y="1993482"/>
+                <a:ext cx="1211400" cy="225360"/>
+              </a:xfrm>
+              <a:prstGeom prst="rect">
+                <a:avLst/>
+              </a:prstGeom>
+            </p:spPr>
+          </p:pic>
+        </mc:Fallback>
+      </mc:AlternateContent>
+      <mc:AlternateContent xmlns:mc="http://schemas.openxmlformats.org/markup-compatibility/2006">
+        <mc:Choice xmlns:p14="http://schemas.microsoft.com/office/powerpoint/2010/main" Requires="p14">
+          <p:contentPart p14:bwMode="auto" r:id="rId22">
+            <p14:nvContentPartPr>
+              <p14:cNvPr id="28" name="Entrada de lápiz 27">
+                <a:extLst>
+                  <a:ext uri="{FF2B5EF4-FFF2-40B4-BE49-F238E27FC236}">
+                    <a16:creationId xmlns:a16="http://schemas.microsoft.com/office/drawing/2014/main" id="{CC85A6C7-5C5F-EB75-146D-ED366641B770}"/>
+                  </a:ext>
+                </a:extLst>
+              </p14:cNvPr>
+              <p14:cNvContentPartPr/>
+              <p14:nvPr/>
+            </p14:nvContentPartPr>
+            <p14:xfrm>
+              <a:off x="6096141" y="2041002"/>
+              <a:ext cx="715680" cy="177840"/>
+            </p14:xfrm>
+          </p:contentPart>
+        </mc:Choice>
+        <mc:Fallback>
+          <p:pic>
+            <p:nvPicPr>
+              <p:cNvPr id="28" name="Entrada de lápiz 27">
+                <a:extLst>
+                  <a:ext uri="{FF2B5EF4-FFF2-40B4-BE49-F238E27FC236}">
+                    <a16:creationId xmlns:a16="http://schemas.microsoft.com/office/drawing/2014/main" id="{CC85A6C7-5C5F-EB75-146D-ED366641B770}"/>
+                  </a:ext>
+                </a:extLst>
+              </p:cNvPr>
+              <p:cNvPicPr/>
+              <p:nvPr/>
+            </p:nvPicPr>
+            <p:blipFill>
+              <a:blip r:embed="rId23"/>
+              <a:stretch>
+                <a:fillRect/>
+              </a:stretch>
+            </p:blipFill>
+            <p:spPr>
+              <a:xfrm>
+                <a:off x="6060141" y="1969002"/>
+                <a:ext cx="787320" cy="321480"/>
+              </a:xfrm>
+              <a:prstGeom prst="rect">
+                <a:avLst/>
+              </a:prstGeom>
+            </p:spPr>
+          </p:pic>
+        </mc:Fallback>
+      </mc:AlternateContent>
+      <mc:AlternateContent xmlns:mc="http://schemas.openxmlformats.org/markup-compatibility/2006">
+        <mc:Choice xmlns:p14="http://schemas.microsoft.com/office/powerpoint/2010/main" Requires="p14">
+          <p:contentPart p14:bwMode="auto" r:id="rId24">
+            <p14:nvContentPartPr>
+              <p14:cNvPr id="29" name="Entrada de lápiz 28">
+                <a:extLst>
+                  <a:ext uri="{FF2B5EF4-FFF2-40B4-BE49-F238E27FC236}">
+                    <a16:creationId xmlns:a16="http://schemas.microsoft.com/office/drawing/2014/main" id="{46D1645E-F112-D21E-CF95-BACB31011883}"/>
+                  </a:ext>
+                </a:extLst>
+              </p14:cNvPr>
+              <p14:cNvContentPartPr/>
+              <p14:nvPr/>
+            </p14:nvContentPartPr>
+            <p14:xfrm>
+              <a:off x="2160261" y="1881882"/>
+              <a:ext cx="729000" cy="177840"/>
+            </p14:xfrm>
+          </p:contentPart>
+        </mc:Choice>
+        <mc:Fallback>
+          <p:pic>
+            <p:nvPicPr>
+              <p:cNvPr id="29" name="Entrada de lápiz 28">
+                <a:extLst>
+                  <a:ext uri="{FF2B5EF4-FFF2-40B4-BE49-F238E27FC236}">
+                    <a16:creationId xmlns:a16="http://schemas.microsoft.com/office/drawing/2014/main" id="{46D1645E-F112-D21E-CF95-BACB31011883}"/>
+                  </a:ext>
+                </a:extLst>
+              </p:cNvPr>
+              <p:cNvPicPr/>
+              <p:nvPr/>
+            </p:nvPicPr>
+            <p:blipFill>
+              <a:blip r:embed="rId25"/>
+              <a:stretch>
+                <a:fillRect/>
+              </a:stretch>
+            </p:blipFill>
+            <p:spPr>
+              <a:xfrm>
+                <a:off x="2124261" y="1809882"/>
+                <a:ext cx="800640" cy="321480"/>
+              </a:xfrm>
+              <a:prstGeom prst="rect">
+                <a:avLst/>
+              </a:prstGeom>
+            </p:spPr>
+          </p:pic>
+        </mc:Fallback>
+      </mc:AlternateContent>
+      <mc:AlternateContent xmlns:mc="http://schemas.openxmlformats.org/markup-compatibility/2006">
+        <mc:Choice xmlns:p14="http://schemas.microsoft.com/office/powerpoint/2010/main" Requires="p14">
+          <p:contentPart p14:bwMode="auto" r:id="rId26">
+            <p14:nvContentPartPr>
+              <p14:cNvPr id="30" name="Entrada de lápiz 29">
+                <a:extLst>
+                  <a:ext uri="{FF2B5EF4-FFF2-40B4-BE49-F238E27FC236}">
+                    <a16:creationId xmlns:a16="http://schemas.microsoft.com/office/drawing/2014/main" id="{856FBB06-D12D-7D7D-DEE5-E991426AA4C1}"/>
+                  </a:ext>
+                </a:extLst>
+              </p14:cNvPr>
+              <p14:cNvContentPartPr/>
+              <p14:nvPr/>
+            </p14:nvContentPartPr>
+            <p14:xfrm>
+              <a:off x="8203221" y="2160162"/>
+              <a:ext cx="835200" cy="53280"/>
+            </p14:xfrm>
+          </p:contentPart>
+        </mc:Choice>
+        <mc:Fallback>
+          <p:pic>
+            <p:nvPicPr>
+              <p:cNvPr id="30" name="Entrada de lápiz 29">
+                <a:extLst>
+                  <a:ext uri="{FF2B5EF4-FFF2-40B4-BE49-F238E27FC236}">
+                    <a16:creationId xmlns:a16="http://schemas.microsoft.com/office/drawing/2014/main" id="{856FBB06-D12D-7D7D-DEE5-E991426AA4C1}"/>
+                  </a:ext>
+                </a:extLst>
+              </p:cNvPr>
+              <p:cNvPicPr/>
+              <p:nvPr/>
+            </p:nvPicPr>
+            <p:blipFill>
+              <a:blip r:embed="rId27"/>
+              <a:stretch>
+                <a:fillRect/>
+              </a:stretch>
+            </p:blipFill>
+            <p:spPr>
+              <a:xfrm>
+                <a:off x="8167221" y="2088162"/>
+                <a:ext cx="906840" cy="196920"/>
+              </a:xfrm>
+              <a:prstGeom prst="rect">
+                <a:avLst/>
+              </a:prstGeom>
+            </p:spPr>
+          </p:pic>
+        </mc:Fallback>
+      </mc:AlternateContent>
+    </p:spTree>
+    <p:extLst>
+      <p:ext uri="{BB962C8B-B14F-4D97-AF65-F5344CB8AC3E}">
+        <p14:creationId xmlns:p14="http://schemas.microsoft.com/office/powerpoint/2010/main" val="1490990749"/>
+      </p:ext>
+    </p:extLst>
+  </p:cSld>
+  <p:clrMapOvr>
+    <a:masterClrMapping/>
+  </p:clrMapOvr>
+</p:sld>
+</file>
+
+<file path=ppt/slides/slide33.xml><?xml version="1.0" encoding="utf-8"?>
+<p:sld xmlns:a="http://schemas.openxmlformats.org/drawingml/2006/main" xmlns:r="http://schemas.openxmlformats.org/officeDocument/2006/relationships" xmlns:p="http://schemas.openxmlformats.org/presentationml/2006/main">
+  <p:cSld>
+    <p:spTree>
+      <p:nvGrpSpPr>
+        <p:cNvPr id="1" name=""/>
+        <p:cNvGrpSpPr/>
+        <p:nvPr/>
+      </p:nvGrpSpPr>
+      <p:grpSpPr>
+        <a:xfrm>
+          <a:off x="0" y="0"/>
+          <a:ext cx="0" cy="0"/>
+          <a:chOff x="0" y="0"/>
+          <a:chExt cx="0" cy="0"/>
+        </a:xfrm>
+      </p:grpSpPr>
+      <p:sp>
+        <p:nvSpPr>
+          <p:cNvPr id="2" name="CuadroTexto 1">
+            <a:extLst>
+              <a:ext uri="{FF2B5EF4-FFF2-40B4-BE49-F238E27FC236}">
+                <a16:creationId xmlns:a16="http://schemas.microsoft.com/office/drawing/2014/main" id="{806E4E9E-C7FB-46A3-821D-EE5418B63A0C}"/>
+              </a:ext>
+            </a:extLst>
+          </p:cNvPr>
+          <p:cNvSpPr txBox="1"/>
+          <p:nvPr/>
+        </p:nvSpPr>
+        <p:spPr>
+          <a:xfrm>
+            <a:off x="1565839" y="1026285"/>
+            <a:ext cx="3591339" cy="1477328"/>
+          </a:xfrm>
+          <a:prstGeom prst="rect">
+            <a:avLst/>
+          </a:prstGeom>
+          <a:noFill/>
+        </p:spPr>
+        <p:txBody>
+          <a:bodyPr wrap="square" rtlCol="0">
+            <a:spAutoFit/>
+          </a:bodyPr>
+          <a:lstStyle/>
+          <a:p>
+            <a:r>
+              <a:rPr lang="es-ES" dirty="0"/>
+              <a:t>AHORA LO que nos piden </a:t>
+            </a:r>
+            <a:r>
+              <a:rPr lang="es-ES" b="1" dirty="0"/>
+              <a:t>EL DESPLAZAMIENTO DE LA JUNTA C  </a:t>
+            </a:r>
+            <a:r>
+              <a:rPr lang="es-ES" dirty="0"/>
+              <a:t>Tiene que ser </a:t>
+            </a:r>
+          </a:p>
+          <a:p>
+            <a:endParaRPr lang="es-ES" dirty="0"/>
+          </a:p>
+          <a:p>
+            <a:r>
+              <a:rPr lang="es-ES" dirty="0"/>
+              <a:t>Luego en </a:t>
+            </a:r>
+            <a:r>
+              <a:rPr lang="es-ES" dirty="0" err="1"/>
+              <a:t>display</a:t>
+            </a:r>
+            <a:r>
+              <a:rPr lang="es-ES" dirty="0"/>
+              <a:t> hasta minuto 34 57</a:t>
+            </a:r>
+            <a:endParaRPr lang="es-GT" dirty="0"/>
+          </a:p>
+        </p:txBody>
+      </p:sp>
+      <p:pic>
+        <p:nvPicPr>
+          <p:cNvPr id="4" name="Imagen 3">
+            <a:extLst>
+              <a:ext uri="{FF2B5EF4-FFF2-40B4-BE49-F238E27FC236}">
+                <a16:creationId xmlns:a16="http://schemas.microsoft.com/office/drawing/2014/main" id="{9D61C20A-F765-1095-B0EC-247970301F39}"/>
+              </a:ext>
+            </a:extLst>
+          </p:cNvPr>
+          <p:cNvPicPr>
+            <a:picLocks noChangeAspect="1"/>
+          </p:cNvPicPr>
+          <p:nvPr/>
+        </p:nvPicPr>
+        <p:blipFill>
+          <a:blip r:embed="rId2"/>
+          <a:stretch>
+            <a:fillRect/>
+          </a:stretch>
+        </p:blipFill>
+        <p:spPr>
+          <a:xfrm>
+            <a:off x="6380582" y="555076"/>
+            <a:ext cx="3238414" cy="1578523"/>
+          </a:xfrm>
+          <a:prstGeom prst="rect">
+            <a:avLst/>
+          </a:prstGeom>
+        </p:spPr>
+      </p:pic>
+      <p:pic>
+        <p:nvPicPr>
+          <p:cNvPr id="6" name="Imagen 5">
+            <a:extLst>
+              <a:ext uri="{FF2B5EF4-FFF2-40B4-BE49-F238E27FC236}">
+                <a16:creationId xmlns:a16="http://schemas.microsoft.com/office/drawing/2014/main" id="{1A9016E1-3A8A-28C1-ADEB-45A163DE113E}"/>
+              </a:ext>
+            </a:extLst>
+          </p:cNvPr>
+          <p:cNvPicPr>
+            <a:picLocks noChangeAspect="1"/>
+          </p:cNvPicPr>
+          <p:nvPr/>
+        </p:nvPicPr>
+        <p:blipFill>
+          <a:blip r:embed="rId3"/>
+          <a:stretch>
+            <a:fillRect/>
+          </a:stretch>
+        </p:blipFill>
+        <p:spPr>
+          <a:xfrm>
+            <a:off x="390895" y="2598748"/>
+            <a:ext cx="4365679" cy="2211790"/>
+          </a:xfrm>
+          <a:prstGeom prst="rect">
+            <a:avLst/>
+          </a:prstGeom>
+        </p:spPr>
+      </p:pic>
+    </p:spTree>
+    <p:extLst>
+      <p:ext uri="{BB962C8B-B14F-4D97-AF65-F5344CB8AC3E}">
+        <p14:creationId xmlns:p14="http://schemas.microsoft.com/office/powerpoint/2010/main" val="1780864660"/>
+      </p:ext>
+    </p:extLst>
+  </p:cSld>
+  <p:clrMapOvr>
+    <a:masterClrMapping/>
+  </p:clrMapOvr>
+</p:sld>
+</file>
+
+<file path=ppt/slides/slide34.xml><?xml version="1.0" encoding="utf-8"?>
+<p:sld xmlns:a="http://schemas.openxmlformats.org/drawingml/2006/main" xmlns:r="http://schemas.openxmlformats.org/officeDocument/2006/relationships" xmlns:p="http://schemas.openxmlformats.org/presentationml/2006/main">
+  <p:cSld>
+    <p:spTree>
+      <p:nvGrpSpPr>
+        <p:cNvPr id="1" name=""/>
+        <p:cNvGrpSpPr/>
+        <p:nvPr/>
+      </p:nvGrpSpPr>
+      <p:grpSpPr>
+        <a:xfrm>
+          <a:off x="0" y="0"/>
+          <a:ext cx="0" cy="0"/>
+          <a:chOff x="0" y="0"/>
+          <a:chExt cx="0" cy="0"/>
+        </a:xfrm>
+      </p:grpSpPr>
+    </p:spTree>
+    <p:extLst>
+      <p:ext uri="{BB962C8B-B14F-4D97-AF65-F5344CB8AC3E}">
+        <p14:creationId xmlns:p14="http://schemas.microsoft.com/office/powerpoint/2010/main" val="2533902298"/>
+      </p:ext>
+    </p:extLst>
+  </p:cSld>
+  <p:clrMapOvr>
+    <a:masterClrMapping/>
+  </p:clrMapOvr>
+</p:sld>
+</file>
+
+<file path=ppt/slides/slide35.xml><?xml version="1.0" encoding="utf-8"?>
+<p:sld xmlns:a="http://schemas.openxmlformats.org/drawingml/2006/main" xmlns:r="http://schemas.openxmlformats.org/officeDocument/2006/relationships" xmlns:p="http://schemas.openxmlformats.org/presentationml/2006/main">
+  <p:cSld>
+    <p:spTree>
+      <p:nvGrpSpPr>
+        <p:cNvPr id="1" name=""/>
+        <p:cNvGrpSpPr/>
+        <p:nvPr/>
+      </p:nvGrpSpPr>
+      <p:grpSpPr>
+        <a:xfrm>
+          <a:off x="0" y="0"/>
+          <a:ext cx="0" cy="0"/>
+          <a:chOff x="0" y="0"/>
+          <a:chExt cx="0" cy="0"/>
+        </a:xfrm>
+      </p:grpSpPr>
+    </p:spTree>
+    <p:extLst>
+      <p:ext uri="{BB962C8B-B14F-4D97-AF65-F5344CB8AC3E}">
+        <p14:creationId xmlns:p14="http://schemas.microsoft.com/office/powerpoint/2010/main" val="1309542488"/>
       </p:ext>
     </p:extLst>
   </p:cSld>
@@ -4903,8 +13546,8 @@
           </a:p>
         </p:txBody>
       </p:sp>
-      <mc:AlternateContent xmlns:mc="http://schemas.openxmlformats.org/markup-compatibility/2006">
-        <mc:Choice xmlns:p14="http://schemas.microsoft.com/office/powerpoint/2010/main" Requires="p14">
+      <mc:AlternateContent xmlns:mc="http://schemas.openxmlformats.org/markup-compatibility/2006" xmlns:p14="http://schemas.microsoft.com/office/powerpoint/2010/main">
+        <mc:Choice Requires="p14">
           <p:contentPart p14:bwMode="auto" r:id="rId3">
             <p14:nvContentPartPr>
               <p14:cNvPr id="5" name="Entrada de lápiz 4">
@@ -4923,7 +13566,7 @@
             </p14:xfrm>
           </p:contentPart>
         </mc:Choice>
-        <mc:Fallback>
+        <mc:Fallback xmlns="">
           <p:pic>
             <p:nvPicPr>
               <p:cNvPr id="5" name="Entrada de lápiz 4">
@@ -4954,8 +13597,8 @@
           </p:pic>
         </mc:Fallback>
       </mc:AlternateContent>
-      <mc:AlternateContent xmlns:mc="http://schemas.openxmlformats.org/markup-compatibility/2006">
-        <mc:Choice xmlns:p14="http://schemas.microsoft.com/office/powerpoint/2010/main" Requires="p14">
+      <mc:AlternateContent xmlns:mc="http://schemas.openxmlformats.org/markup-compatibility/2006" xmlns:p14="http://schemas.microsoft.com/office/powerpoint/2010/main">
+        <mc:Choice Requires="p14">
           <p:contentPart p14:bwMode="auto" r:id="rId5">
             <p14:nvContentPartPr>
               <p14:cNvPr id="6" name="Entrada de lápiz 5">
@@ -4974,7 +13617,7 @@
             </p14:xfrm>
           </p:contentPart>
         </mc:Choice>
-        <mc:Fallback>
+        <mc:Fallback xmlns="">
           <p:pic>
             <p:nvPicPr>
               <p:cNvPr id="6" name="Entrada de lápiz 5">
@@ -5005,8 +13648,8 @@
           </p:pic>
         </mc:Fallback>
       </mc:AlternateContent>
-      <mc:AlternateContent xmlns:mc="http://schemas.openxmlformats.org/markup-compatibility/2006">
-        <mc:Choice xmlns:p14="http://schemas.microsoft.com/office/powerpoint/2010/main" Requires="p14">
+      <mc:AlternateContent xmlns:mc="http://schemas.openxmlformats.org/markup-compatibility/2006" xmlns:p14="http://schemas.microsoft.com/office/powerpoint/2010/main">
+        <mc:Choice Requires="p14">
           <p:contentPart p14:bwMode="auto" r:id="rId7">
             <p14:nvContentPartPr>
               <p14:cNvPr id="7" name="Entrada de lápiz 6">
@@ -5025,7 +13668,7 @@
             </p14:xfrm>
           </p:contentPart>
         </mc:Choice>
-        <mc:Fallback>
+        <mc:Fallback xmlns="">
           <p:pic>
             <p:nvPicPr>
               <p:cNvPr id="7" name="Entrada de lápiz 6">
@@ -5056,8 +13699,8 @@
           </p:pic>
         </mc:Fallback>
       </mc:AlternateContent>
-      <mc:AlternateContent xmlns:mc="http://schemas.openxmlformats.org/markup-compatibility/2006">
-        <mc:Choice xmlns:p14="http://schemas.microsoft.com/office/powerpoint/2010/main" Requires="p14">
+      <mc:AlternateContent xmlns:mc="http://schemas.openxmlformats.org/markup-compatibility/2006" xmlns:p14="http://schemas.microsoft.com/office/powerpoint/2010/main">
+        <mc:Choice Requires="p14">
           <p:contentPart p14:bwMode="auto" r:id="rId9">
             <p14:nvContentPartPr>
               <p14:cNvPr id="8" name="Entrada de lápiz 7">
@@ -5076,7 +13719,7 @@
             </p14:xfrm>
           </p:contentPart>
         </mc:Choice>
-        <mc:Fallback>
+        <mc:Fallback xmlns="">
           <p:pic>
             <p:nvPicPr>
               <p:cNvPr id="8" name="Entrada de lápiz 7">
@@ -5107,8 +13750,8 @@
           </p:pic>
         </mc:Fallback>
       </mc:AlternateContent>
-      <mc:AlternateContent xmlns:mc="http://schemas.openxmlformats.org/markup-compatibility/2006">
-        <mc:Choice xmlns:p14="http://schemas.microsoft.com/office/powerpoint/2010/main" Requires="p14">
+      <mc:AlternateContent xmlns:mc="http://schemas.openxmlformats.org/markup-compatibility/2006" xmlns:p14="http://schemas.microsoft.com/office/powerpoint/2010/main">
+        <mc:Choice Requires="p14">
           <p:contentPart p14:bwMode="auto" r:id="rId11">
             <p14:nvContentPartPr>
               <p14:cNvPr id="9" name="Entrada de lápiz 8">
@@ -5127,7 +13770,7 @@
             </p14:xfrm>
           </p:contentPart>
         </mc:Choice>
-        <mc:Fallback>
+        <mc:Fallback xmlns="">
           <p:pic>
             <p:nvPicPr>
               <p:cNvPr id="9" name="Entrada de lápiz 8">

--- a/vaq ETABS/capturas 2.pptx
+++ b/vaq ETABS/capturas 2.pptx
@@ -2720,7 +2720,7 @@
           <a:p>
             <a:fld id="{663C23E7-704C-485F-8A79-9A5592304088}" type="datetimeFigureOut">
               <a:rPr lang="es-GT" smtClean="0"/>
-              <a:t>31/05/2025</a:t>
+              <a:t>1/06/2025</a:t>
             </a:fld>
             <a:endParaRPr lang="es-GT"/>
           </a:p>
@@ -2920,7 +2920,7 @@
           <a:p>
             <a:fld id="{663C23E7-704C-485F-8A79-9A5592304088}" type="datetimeFigureOut">
               <a:rPr lang="es-GT" smtClean="0"/>
-              <a:t>31/05/2025</a:t>
+              <a:t>1/06/2025</a:t>
             </a:fld>
             <a:endParaRPr lang="es-GT"/>
           </a:p>
@@ -3130,7 +3130,7 @@
           <a:p>
             <a:fld id="{663C23E7-704C-485F-8A79-9A5592304088}" type="datetimeFigureOut">
               <a:rPr lang="es-GT" smtClean="0"/>
-              <a:t>31/05/2025</a:t>
+              <a:t>1/06/2025</a:t>
             </a:fld>
             <a:endParaRPr lang="es-GT"/>
           </a:p>
@@ -3330,7 +3330,7 @@
           <a:p>
             <a:fld id="{663C23E7-704C-485F-8A79-9A5592304088}" type="datetimeFigureOut">
               <a:rPr lang="es-GT" smtClean="0"/>
-              <a:t>31/05/2025</a:t>
+              <a:t>1/06/2025</a:t>
             </a:fld>
             <a:endParaRPr lang="es-GT"/>
           </a:p>
@@ -3606,7 +3606,7 @@
           <a:p>
             <a:fld id="{663C23E7-704C-485F-8A79-9A5592304088}" type="datetimeFigureOut">
               <a:rPr lang="es-GT" smtClean="0"/>
-              <a:t>31/05/2025</a:t>
+              <a:t>1/06/2025</a:t>
             </a:fld>
             <a:endParaRPr lang="es-GT"/>
           </a:p>
@@ -3874,7 +3874,7 @@
           <a:p>
             <a:fld id="{663C23E7-704C-485F-8A79-9A5592304088}" type="datetimeFigureOut">
               <a:rPr lang="es-GT" smtClean="0"/>
-              <a:t>31/05/2025</a:t>
+              <a:t>1/06/2025</a:t>
             </a:fld>
             <a:endParaRPr lang="es-GT"/>
           </a:p>
@@ -4289,7 +4289,7 @@
           <a:p>
             <a:fld id="{663C23E7-704C-485F-8A79-9A5592304088}" type="datetimeFigureOut">
               <a:rPr lang="es-GT" smtClean="0"/>
-              <a:t>31/05/2025</a:t>
+              <a:t>1/06/2025</a:t>
             </a:fld>
             <a:endParaRPr lang="es-GT"/>
           </a:p>
@@ -4431,7 +4431,7 @@
           <a:p>
             <a:fld id="{663C23E7-704C-485F-8A79-9A5592304088}" type="datetimeFigureOut">
               <a:rPr lang="es-GT" smtClean="0"/>
-              <a:t>31/05/2025</a:t>
+              <a:t>1/06/2025</a:t>
             </a:fld>
             <a:endParaRPr lang="es-GT"/>
           </a:p>
@@ -4544,7 +4544,7 @@
           <a:p>
             <a:fld id="{663C23E7-704C-485F-8A79-9A5592304088}" type="datetimeFigureOut">
               <a:rPr lang="es-GT" smtClean="0"/>
-              <a:t>31/05/2025</a:t>
+              <a:t>1/06/2025</a:t>
             </a:fld>
             <a:endParaRPr lang="es-GT"/>
           </a:p>
@@ -4857,7 +4857,7 @@
           <a:p>
             <a:fld id="{663C23E7-704C-485F-8A79-9A5592304088}" type="datetimeFigureOut">
               <a:rPr lang="es-GT" smtClean="0"/>
-              <a:t>31/05/2025</a:t>
+              <a:t>1/06/2025</a:t>
             </a:fld>
             <a:endParaRPr lang="es-GT"/>
           </a:p>
@@ -5146,7 +5146,7 @@
           <a:p>
             <a:fld id="{663C23E7-704C-485F-8A79-9A5592304088}" type="datetimeFigureOut">
               <a:rPr lang="es-GT" smtClean="0"/>
-              <a:t>31/05/2025</a:t>
+              <a:t>1/06/2025</a:t>
             </a:fld>
             <a:endParaRPr lang="es-GT"/>
           </a:p>
@@ -5389,7 +5389,7 @@
           <a:p>
             <a:fld id="{663C23E7-704C-485F-8A79-9A5592304088}" type="datetimeFigureOut">
               <a:rPr lang="es-GT" smtClean="0"/>
-              <a:t>31/05/2025</a:t>
+              <a:t>1/06/2025</a:t>
             </a:fld>
             <a:endParaRPr lang="es-GT"/>
           </a:p>
@@ -10065,8 +10065,8 @@
           </a:prstGeom>
         </p:spPr>
       </p:pic>
-      <mc:AlternateContent xmlns:mc="http://schemas.openxmlformats.org/markup-compatibility/2006">
-        <mc:Choice xmlns:p14="http://schemas.microsoft.com/office/powerpoint/2010/main" Requires="p14">
+      <mc:AlternateContent xmlns:mc="http://schemas.openxmlformats.org/markup-compatibility/2006" xmlns:p14="http://schemas.microsoft.com/office/powerpoint/2010/main">
+        <mc:Choice Requires="p14">
           <p:contentPart p14:bwMode="auto" r:id="rId4">
             <p14:nvContentPartPr>
               <p14:cNvPr id="7" name="Entrada de lápiz 6">
@@ -10085,7 +10085,7 @@
             </p14:xfrm>
           </p:contentPart>
         </mc:Choice>
-        <mc:Fallback>
+        <mc:Fallback xmlns="">
           <p:pic>
             <p:nvPicPr>
               <p:cNvPr id="7" name="Entrada de lápiz 6">
@@ -10116,8 +10116,8 @@
           </p:pic>
         </mc:Fallback>
       </mc:AlternateContent>
-      <mc:AlternateContent xmlns:mc="http://schemas.openxmlformats.org/markup-compatibility/2006">
-        <mc:Choice xmlns:p14="http://schemas.microsoft.com/office/powerpoint/2010/main" Requires="p14">
+      <mc:AlternateContent xmlns:mc="http://schemas.openxmlformats.org/markup-compatibility/2006" xmlns:p14="http://schemas.microsoft.com/office/powerpoint/2010/main">
+        <mc:Choice Requires="p14">
           <p:contentPart p14:bwMode="auto" r:id="rId6">
             <p14:nvContentPartPr>
               <p14:cNvPr id="8" name="Entrada de lápiz 7">
@@ -10136,7 +10136,7 @@
             </p14:xfrm>
           </p:contentPart>
         </mc:Choice>
-        <mc:Fallback>
+        <mc:Fallback xmlns="">
           <p:pic>
             <p:nvPicPr>
               <p:cNvPr id="8" name="Entrada de lápiz 7">
@@ -10167,8 +10167,8 @@
           </p:pic>
         </mc:Fallback>
       </mc:AlternateContent>
-      <mc:AlternateContent xmlns:mc="http://schemas.openxmlformats.org/markup-compatibility/2006">
-        <mc:Choice xmlns:p14="http://schemas.microsoft.com/office/powerpoint/2010/main" Requires="p14">
+      <mc:AlternateContent xmlns:mc="http://schemas.openxmlformats.org/markup-compatibility/2006" xmlns:p14="http://schemas.microsoft.com/office/powerpoint/2010/main">
+        <mc:Choice Requires="p14">
           <p:contentPart p14:bwMode="auto" r:id="rId8">
             <p14:nvContentPartPr>
               <p14:cNvPr id="9" name="Entrada de lápiz 8">
@@ -10187,7 +10187,7 @@
             </p14:xfrm>
           </p:contentPart>
         </mc:Choice>
-        <mc:Fallback>
+        <mc:Fallback xmlns="">
           <p:pic>
             <p:nvPicPr>
               <p:cNvPr id="9" name="Entrada de lápiz 8">
@@ -10414,8 +10414,8 @@
           </a:p>
         </p:txBody>
       </p:sp>
-      <mc:AlternateContent xmlns:mc="http://schemas.openxmlformats.org/markup-compatibility/2006">
-        <mc:Choice xmlns:p14="http://schemas.microsoft.com/office/powerpoint/2010/main" Requires="p14">
+      <mc:AlternateContent xmlns:mc="http://schemas.openxmlformats.org/markup-compatibility/2006" xmlns:p14="http://schemas.microsoft.com/office/powerpoint/2010/main">
+        <mc:Choice Requires="p14">
           <p:contentPart p14:bwMode="auto" r:id="rId4">
             <p14:nvContentPartPr>
               <p14:cNvPr id="11" name="Entrada de lápiz 10">
@@ -10434,7 +10434,7 @@
             </p14:xfrm>
           </p:contentPart>
         </mc:Choice>
-        <mc:Fallback>
+        <mc:Fallback xmlns="">
           <p:pic>
             <p:nvPicPr>
               <p:cNvPr id="11" name="Entrada de lápiz 10">
@@ -10465,8 +10465,8 @@
           </p:pic>
         </mc:Fallback>
       </mc:AlternateContent>
-      <mc:AlternateContent xmlns:mc="http://schemas.openxmlformats.org/markup-compatibility/2006">
-        <mc:Choice xmlns:p14="http://schemas.microsoft.com/office/powerpoint/2010/main" Requires="p14">
+      <mc:AlternateContent xmlns:mc="http://schemas.openxmlformats.org/markup-compatibility/2006" xmlns:p14="http://schemas.microsoft.com/office/powerpoint/2010/main">
+        <mc:Choice Requires="p14">
           <p:contentPart p14:bwMode="auto" r:id="rId6">
             <p14:nvContentPartPr>
               <p14:cNvPr id="13" name="Entrada de lápiz 12">
@@ -10485,7 +10485,7 @@
             </p14:xfrm>
           </p:contentPart>
         </mc:Choice>
-        <mc:Fallback>
+        <mc:Fallback xmlns="">
           <p:pic>
             <p:nvPicPr>
               <p:cNvPr id="13" name="Entrada de lápiz 12">
@@ -10516,8 +10516,8 @@
           </p:pic>
         </mc:Fallback>
       </mc:AlternateContent>
-      <mc:AlternateContent xmlns:mc="http://schemas.openxmlformats.org/markup-compatibility/2006">
-        <mc:Choice xmlns:p14="http://schemas.microsoft.com/office/powerpoint/2010/main" Requires="p14">
+      <mc:AlternateContent xmlns:mc="http://schemas.openxmlformats.org/markup-compatibility/2006" xmlns:p14="http://schemas.microsoft.com/office/powerpoint/2010/main">
+        <mc:Choice Requires="p14">
           <p:contentPart p14:bwMode="auto" r:id="rId8">
             <p14:nvContentPartPr>
               <p14:cNvPr id="14" name="Entrada de lápiz 13">
@@ -10536,7 +10536,7 @@
             </p14:xfrm>
           </p:contentPart>
         </mc:Choice>
-        <mc:Fallback>
+        <mc:Fallback xmlns="">
           <p:pic>
             <p:nvPicPr>
               <p:cNvPr id="14" name="Entrada de lápiz 13">
@@ -10567,8 +10567,8 @@
           </p:pic>
         </mc:Fallback>
       </mc:AlternateContent>
-      <mc:AlternateContent xmlns:mc="http://schemas.openxmlformats.org/markup-compatibility/2006">
-        <mc:Choice xmlns:p14="http://schemas.microsoft.com/office/powerpoint/2010/main" Requires="p14">
+      <mc:AlternateContent xmlns:mc="http://schemas.openxmlformats.org/markup-compatibility/2006" xmlns:p14="http://schemas.microsoft.com/office/powerpoint/2010/main">
+        <mc:Choice Requires="p14">
           <p:contentPart p14:bwMode="auto" r:id="rId10">
             <p14:nvContentPartPr>
               <p14:cNvPr id="15" name="Entrada de lápiz 14">
@@ -10587,7 +10587,7 @@
             </p14:xfrm>
           </p:contentPart>
         </mc:Choice>
-        <mc:Fallback>
+        <mc:Fallback xmlns="">
           <p:pic>
             <p:nvPicPr>
               <p:cNvPr id="15" name="Entrada de lápiz 14">
@@ -10783,8 +10783,8 @@
           </a:effectLst>
         </p:spPr>
       </p:pic>
-      <mc:AlternateContent xmlns:mc="http://schemas.openxmlformats.org/markup-compatibility/2006">
-        <mc:Choice xmlns:p14="http://schemas.microsoft.com/office/powerpoint/2010/main" Requires="p14">
+      <mc:AlternateContent xmlns:mc="http://schemas.openxmlformats.org/markup-compatibility/2006" xmlns:p14="http://schemas.microsoft.com/office/powerpoint/2010/main">
+        <mc:Choice Requires="p14">
           <p:contentPart p14:bwMode="auto" r:id="rId4">
             <p14:nvContentPartPr>
               <p14:cNvPr id="8" name="Entrada de lápiz 7">
@@ -10803,7 +10803,7 @@
             </p14:xfrm>
           </p:contentPart>
         </mc:Choice>
-        <mc:Fallback>
+        <mc:Fallback xmlns="">
           <p:pic>
             <p:nvPicPr>
               <p:cNvPr id="8" name="Entrada de lápiz 7">
@@ -10834,8 +10834,8 @@
           </p:pic>
         </mc:Fallback>
       </mc:AlternateContent>
-      <mc:AlternateContent xmlns:mc="http://schemas.openxmlformats.org/markup-compatibility/2006">
-        <mc:Choice xmlns:p14="http://schemas.microsoft.com/office/powerpoint/2010/main" Requires="p14">
+      <mc:AlternateContent xmlns:mc="http://schemas.openxmlformats.org/markup-compatibility/2006" xmlns:p14="http://schemas.microsoft.com/office/powerpoint/2010/main">
+        <mc:Choice Requires="p14">
           <p:contentPart p14:bwMode="auto" r:id="rId6">
             <p14:nvContentPartPr>
               <p14:cNvPr id="9" name="Entrada de lápiz 8">
@@ -10854,7 +10854,7 @@
             </p14:xfrm>
           </p:contentPart>
         </mc:Choice>
-        <mc:Fallback>
+        <mc:Fallback xmlns="">
           <p:pic>
             <p:nvPicPr>
               <p:cNvPr id="9" name="Entrada de lápiz 8">
@@ -10885,8 +10885,8 @@
           </p:pic>
         </mc:Fallback>
       </mc:AlternateContent>
-      <mc:AlternateContent xmlns:mc="http://schemas.openxmlformats.org/markup-compatibility/2006">
-        <mc:Choice xmlns:p14="http://schemas.microsoft.com/office/powerpoint/2010/main" Requires="p14">
+      <mc:AlternateContent xmlns:mc="http://schemas.openxmlformats.org/markup-compatibility/2006" xmlns:p14="http://schemas.microsoft.com/office/powerpoint/2010/main">
+        <mc:Choice Requires="p14">
           <p:contentPart p14:bwMode="auto" r:id="rId8">
             <p14:nvContentPartPr>
               <p14:cNvPr id="10" name="Entrada de lápiz 9">
@@ -10905,7 +10905,7 @@
             </p14:xfrm>
           </p:contentPart>
         </mc:Choice>
-        <mc:Fallback>
+        <mc:Fallback xmlns="">
           <p:pic>
             <p:nvPicPr>
               <p:cNvPr id="10" name="Entrada de lápiz 9">
@@ -10936,8 +10936,8 @@
           </p:pic>
         </mc:Fallback>
       </mc:AlternateContent>
-      <mc:AlternateContent xmlns:mc="http://schemas.openxmlformats.org/markup-compatibility/2006">
-        <mc:Choice xmlns:p14="http://schemas.microsoft.com/office/powerpoint/2010/main" Requires="p14">
+      <mc:AlternateContent xmlns:mc="http://schemas.openxmlformats.org/markup-compatibility/2006" xmlns:p14="http://schemas.microsoft.com/office/powerpoint/2010/main">
+        <mc:Choice Requires="p14">
           <p:contentPart p14:bwMode="auto" r:id="rId10">
             <p14:nvContentPartPr>
               <p14:cNvPr id="11" name="Entrada de lápiz 10">
@@ -10956,7 +10956,7 @@
             </p14:xfrm>
           </p:contentPart>
         </mc:Choice>
-        <mc:Fallback>
+        <mc:Fallback xmlns="">
           <p:pic>
             <p:nvPicPr>
               <p:cNvPr id="11" name="Entrada de lápiz 10">
@@ -11393,8 +11393,8 @@
           </a:prstGeom>
         </p:spPr>
       </p:pic>
-      <mc:AlternateContent xmlns:mc="http://schemas.openxmlformats.org/markup-compatibility/2006">
-        <mc:Choice xmlns:p14="http://schemas.microsoft.com/office/powerpoint/2010/main" Requires="p14">
+      <mc:AlternateContent xmlns:mc="http://schemas.openxmlformats.org/markup-compatibility/2006" xmlns:p14="http://schemas.microsoft.com/office/powerpoint/2010/main">
+        <mc:Choice Requires="p14">
           <p:contentPart p14:bwMode="auto" r:id="rId3">
             <p14:nvContentPartPr>
               <p14:cNvPr id="5" name="Entrada de lápiz 4">
@@ -11413,7 +11413,7 @@
             </p14:xfrm>
           </p:contentPart>
         </mc:Choice>
-        <mc:Fallback>
+        <mc:Fallback xmlns="">
           <p:pic>
             <p:nvPicPr>
               <p:cNvPr id="5" name="Entrada de lápiz 4">
@@ -11444,8 +11444,8 @@
           </p:pic>
         </mc:Fallback>
       </mc:AlternateContent>
-      <mc:AlternateContent xmlns:mc="http://schemas.openxmlformats.org/markup-compatibility/2006">
-        <mc:Choice xmlns:p14="http://schemas.microsoft.com/office/powerpoint/2010/main" Requires="p14">
+      <mc:AlternateContent xmlns:mc="http://schemas.openxmlformats.org/markup-compatibility/2006" xmlns:p14="http://schemas.microsoft.com/office/powerpoint/2010/main">
+        <mc:Choice Requires="p14">
           <p:contentPart p14:bwMode="auto" r:id="rId5">
             <p14:nvContentPartPr>
               <p14:cNvPr id="6" name="Entrada de lápiz 5">
@@ -11464,7 +11464,7 @@
             </p14:xfrm>
           </p:contentPart>
         </mc:Choice>
-        <mc:Fallback>
+        <mc:Fallback xmlns="">
           <p:pic>
             <p:nvPicPr>
               <p:cNvPr id="6" name="Entrada de lápiz 5">
@@ -11495,8 +11495,8 @@
           </p:pic>
         </mc:Fallback>
       </mc:AlternateContent>
-      <mc:AlternateContent xmlns:mc="http://schemas.openxmlformats.org/markup-compatibility/2006">
-        <mc:Choice xmlns:p14="http://schemas.microsoft.com/office/powerpoint/2010/main" Requires="p14">
+      <mc:AlternateContent xmlns:mc="http://schemas.openxmlformats.org/markup-compatibility/2006" xmlns:p14="http://schemas.microsoft.com/office/powerpoint/2010/main">
+        <mc:Choice Requires="p14">
           <p:contentPart p14:bwMode="auto" r:id="rId7">
             <p14:nvContentPartPr>
               <p14:cNvPr id="7" name="Entrada de lápiz 6">
@@ -11515,7 +11515,7 @@
             </p14:xfrm>
           </p:contentPart>
         </mc:Choice>
-        <mc:Fallback>
+        <mc:Fallback xmlns="">
           <p:pic>
             <p:nvPicPr>
               <p:cNvPr id="7" name="Entrada de lápiz 6">
@@ -11546,8 +11546,8 @@
           </p:pic>
         </mc:Fallback>
       </mc:AlternateContent>
-      <mc:AlternateContent xmlns:mc="http://schemas.openxmlformats.org/markup-compatibility/2006">
-        <mc:Choice xmlns:p14="http://schemas.microsoft.com/office/powerpoint/2010/main" Requires="p14">
+      <mc:AlternateContent xmlns:mc="http://schemas.openxmlformats.org/markup-compatibility/2006" xmlns:p14="http://schemas.microsoft.com/office/powerpoint/2010/main">
+        <mc:Choice Requires="p14">
           <p:contentPart p14:bwMode="auto" r:id="rId9">
             <p14:nvContentPartPr>
               <p14:cNvPr id="9" name="Entrada de lápiz 8">
@@ -11566,7 +11566,7 @@
             </p14:xfrm>
           </p:contentPart>
         </mc:Choice>
-        <mc:Fallback>
+        <mc:Fallback xmlns="">
           <p:pic>
             <p:nvPicPr>
               <p:cNvPr id="9" name="Entrada de lápiz 8">
@@ -11727,8 +11727,8 @@
           </a:prstGeom>
         </p:spPr>
       </p:pic>
-      <mc:AlternateContent xmlns:mc="http://schemas.openxmlformats.org/markup-compatibility/2006">
-        <mc:Choice xmlns:p14="http://schemas.microsoft.com/office/powerpoint/2010/main" Requires="p14">
+      <mc:AlternateContent xmlns:mc="http://schemas.openxmlformats.org/markup-compatibility/2006" xmlns:p14="http://schemas.microsoft.com/office/powerpoint/2010/main">
+        <mc:Choice Requires="p14">
           <p:contentPart p14:bwMode="auto" r:id="rId3">
             <p14:nvContentPartPr>
               <p14:cNvPr id="7" name="Entrada de lápiz 6">
@@ -11747,7 +11747,7 @@
             </p14:xfrm>
           </p:contentPart>
         </mc:Choice>
-        <mc:Fallback>
+        <mc:Fallback xmlns="">
           <p:pic>
             <p:nvPicPr>
               <p:cNvPr id="7" name="Entrada de lápiz 6">
@@ -11778,8 +11778,8 @@
           </p:pic>
         </mc:Fallback>
       </mc:AlternateContent>
-      <mc:AlternateContent xmlns:mc="http://schemas.openxmlformats.org/markup-compatibility/2006">
-        <mc:Choice xmlns:p14="http://schemas.microsoft.com/office/powerpoint/2010/main" Requires="p14">
+      <mc:AlternateContent xmlns:mc="http://schemas.openxmlformats.org/markup-compatibility/2006" xmlns:p14="http://schemas.microsoft.com/office/powerpoint/2010/main">
+        <mc:Choice Requires="p14">
           <p:contentPart p14:bwMode="auto" r:id="rId5">
             <p14:nvContentPartPr>
               <p14:cNvPr id="8" name="Entrada de lápiz 7">
@@ -11798,7 +11798,7 @@
             </p14:xfrm>
           </p:contentPart>
         </mc:Choice>
-        <mc:Fallback>
+        <mc:Fallback xmlns="">
           <p:pic>
             <p:nvPicPr>
               <p:cNvPr id="8" name="Entrada de lápiz 7">
@@ -11829,8 +11829,8 @@
           </p:pic>
         </mc:Fallback>
       </mc:AlternateContent>
-      <mc:AlternateContent xmlns:mc="http://schemas.openxmlformats.org/markup-compatibility/2006">
-        <mc:Choice xmlns:p14="http://schemas.microsoft.com/office/powerpoint/2010/main" Requires="p14">
+      <mc:AlternateContent xmlns:mc="http://schemas.openxmlformats.org/markup-compatibility/2006" xmlns:p14="http://schemas.microsoft.com/office/powerpoint/2010/main">
+        <mc:Choice Requires="p14">
           <p:contentPart p14:bwMode="auto" r:id="rId7">
             <p14:nvContentPartPr>
               <p14:cNvPr id="9" name="Entrada de lápiz 8">
@@ -11849,7 +11849,7 @@
             </p14:xfrm>
           </p:contentPart>
         </mc:Choice>
-        <mc:Fallback>
+        <mc:Fallback xmlns="">
           <p:pic>
             <p:nvPicPr>
               <p:cNvPr id="9" name="Entrada de lápiz 8">
@@ -11880,8 +11880,8 @@
           </p:pic>
         </mc:Fallback>
       </mc:AlternateContent>
-      <mc:AlternateContent xmlns:mc="http://schemas.openxmlformats.org/markup-compatibility/2006">
-        <mc:Choice xmlns:p14="http://schemas.microsoft.com/office/powerpoint/2010/main" Requires="p14">
+      <mc:AlternateContent xmlns:mc="http://schemas.openxmlformats.org/markup-compatibility/2006" xmlns:p14="http://schemas.microsoft.com/office/powerpoint/2010/main">
+        <mc:Choice Requires="p14">
           <p:contentPart p14:bwMode="auto" r:id="rId9">
             <p14:nvContentPartPr>
               <p14:cNvPr id="10" name="Entrada de lápiz 9">
@@ -11900,7 +11900,7 @@
             </p14:xfrm>
           </p:contentPart>
         </mc:Choice>
-        <mc:Fallback>
+        <mc:Fallback xmlns="">
           <p:pic>
             <p:nvPicPr>
               <p:cNvPr id="10" name="Entrada de lápiz 9">
@@ -12088,8 +12088,8 @@
           </a:p>
         </p:txBody>
       </p:sp>
-      <mc:AlternateContent xmlns:mc="http://schemas.openxmlformats.org/markup-compatibility/2006">
-        <mc:Choice xmlns:p14="http://schemas.microsoft.com/office/powerpoint/2010/main" Requires="p14">
+      <mc:AlternateContent xmlns:mc="http://schemas.openxmlformats.org/markup-compatibility/2006" xmlns:p14="http://schemas.microsoft.com/office/powerpoint/2010/main">
+        <mc:Choice Requires="p14">
           <p:contentPart p14:bwMode="auto" r:id="rId4">
             <p14:nvContentPartPr>
               <p14:cNvPr id="7" name="Entrada de lápiz 6">
@@ -12108,7 +12108,7 @@
             </p14:xfrm>
           </p:contentPart>
         </mc:Choice>
-        <mc:Fallback>
+        <mc:Fallback xmlns="">
           <p:pic>
             <p:nvPicPr>
               <p:cNvPr id="7" name="Entrada de lápiz 6">
@@ -12139,8 +12139,8 @@
           </p:pic>
         </mc:Fallback>
       </mc:AlternateContent>
-      <mc:AlternateContent xmlns:mc="http://schemas.openxmlformats.org/markup-compatibility/2006">
-        <mc:Choice xmlns:p14="http://schemas.microsoft.com/office/powerpoint/2010/main" Requires="p14">
+      <mc:AlternateContent xmlns:mc="http://schemas.openxmlformats.org/markup-compatibility/2006" xmlns:p14="http://schemas.microsoft.com/office/powerpoint/2010/main">
+        <mc:Choice Requires="p14">
           <p:contentPart p14:bwMode="auto" r:id="rId6">
             <p14:nvContentPartPr>
               <p14:cNvPr id="8" name="Entrada de lápiz 7">
@@ -12159,7 +12159,7 @@
             </p14:xfrm>
           </p:contentPart>
         </mc:Choice>
-        <mc:Fallback>
+        <mc:Fallback xmlns="">
           <p:pic>
             <p:nvPicPr>
               <p:cNvPr id="8" name="Entrada de lápiz 7">
@@ -12190,8 +12190,8 @@
           </p:pic>
         </mc:Fallback>
       </mc:AlternateContent>
-      <mc:AlternateContent xmlns:mc="http://schemas.openxmlformats.org/markup-compatibility/2006">
-        <mc:Choice xmlns:p14="http://schemas.microsoft.com/office/powerpoint/2010/main" Requires="p14">
+      <mc:AlternateContent xmlns:mc="http://schemas.openxmlformats.org/markup-compatibility/2006" xmlns:p14="http://schemas.microsoft.com/office/powerpoint/2010/main">
+        <mc:Choice Requires="p14">
           <p:contentPart p14:bwMode="auto" r:id="rId8">
             <p14:nvContentPartPr>
               <p14:cNvPr id="17" name="Entrada de lápiz 16">
@@ -12210,7 +12210,7 @@
             </p14:xfrm>
           </p:contentPart>
         </mc:Choice>
-        <mc:Fallback>
+        <mc:Fallback xmlns="">
           <p:pic>
             <p:nvPicPr>
               <p:cNvPr id="17" name="Entrada de lápiz 16">
@@ -12241,8 +12241,8 @@
           </p:pic>
         </mc:Fallback>
       </mc:AlternateContent>
-      <mc:AlternateContent xmlns:mc="http://schemas.openxmlformats.org/markup-compatibility/2006">
-        <mc:Choice xmlns:p14="http://schemas.microsoft.com/office/powerpoint/2010/main" Requires="p14">
+      <mc:AlternateContent xmlns:mc="http://schemas.openxmlformats.org/markup-compatibility/2006" xmlns:p14="http://schemas.microsoft.com/office/powerpoint/2010/main">
+        <mc:Choice Requires="p14">
           <p:contentPart p14:bwMode="auto" r:id="rId10">
             <p14:nvContentPartPr>
               <p14:cNvPr id="22" name="Entrada de lápiz 21">
@@ -12261,7 +12261,7 @@
             </p14:xfrm>
           </p:contentPart>
         </mc:Choice>
-        <mc:Fallback>
+        <mc:Fallback xmlns="">
           <p:pic>
             <p:nvPicPr>
               <p:cNvPr id="22" name="Entrada de lápiz 21">
@@ -12292,8 +12292,8 @@
           </p:pic>
         </mc:Fallback>
       </mc:AlternateContent>
-      <mc:AlternateContent xmlns:mc="http://schemas.openxmlformats.org/markup-compatibility/2006">
-        <mc:Choice xmlns:p14="http://schemas.microsoft.com/office/powerpoint/2010/main" Requires="p14">
+      <mc:AlternateContent xmlns:mc="http://schemas.openxmlformats.org/markup-compatibility/2006" xmlns:p14="http://schemas.microsoft.com/office/powerpoint/2010/main">
+        <mc:Choice Requires="p14">
           <p:contentPart p14:bwMode="auto" r:id="rId12">
             <p14:nvContentPartPr>
               <p14:cNvPr id="23" name="Entrada de lápiz 22">
@@ -12312,7 +12312,7 @@
             </p14:xfrm>
           </p:contentPart>
         </mc:Choice>
-        <mc:Fallback>
+        <mc:Fallback xmlns="">
           <p:pic>
             <p:nvPicPr>
               <p:cNvPr id="23" name="Entrada de lápiz 22">
@@ -12343,8 +12343,8 @@
           </p:pic>
         </mc:Fallback>
       </mc:AlternateContent>
-      <mc:AlternateContent xmlns:mc="http://schemas.openxmlformats.org/markup-compatibility/2006">
-        <mc:Choice xmlns:p14="http://schemas.microsoft.com/office/powerpoint/2010/main" Requires="p14">
+      <mc:AlternateContent xmlns:mc="http://schemas.openxmlformats.org/markup-compatibility/2006" xmlns:p14="http://schemas.microsoft.com/office/powerpoint/2010/main">
+        <mc:Choice Requires="p14">
           <p:contentPart p14:bwMode="auto" r:id="rId14">
             <p14:nvContentPartPr>
               <p14:cNvPr id="24" name="Entrada de lápiz 23">
@@ -12363,7 +12363,7 @@
             </p14:xfrm>
           </p:contentPart>
         </mc:Choice>
-        <mc:Fallback>
+        <mc:Fallback xmlns="">
           <p:pic>
             <p:nvPicPr>
               <p:cNvPr id="24" name="Entrada de lápiz 23">
@@ -12394,8 +12394,8 @@
           </p:pic>
         </mc:Fallback>
       </mc:AlternateContent>
-      <mc:AlternateContent xmlns:mc="http://schemas.openxmlformats.org/markup-compatibility/2006">
-        <mc:Choice xmlns:p14="http://schemas.microsoft.com/office/powerpoint/2010/main" Requires="p14">
+      <mc:AlternateContent xmlns:mc="http://schemas.openxmlformats.org/markup-compatibility/2006" xmlns:p14="http://schemas.microsoft.com/office/powerpoint/2010/main">
+        <mc:Choice Requires="p14">
           <p:contentPart p14:bwMode="auto" r:id="rId16">
             <p14:nvContentPartPr>
               <p14:cNvPr id="25" name="Entrada de lápiz 24">
@@ -12414,7 +12414,7 @@
             </p14:xfrm>
           </p:contentPart>
         </mc:Choice>
-        <mc:Fallback>
+        <mc:Fallback xmlns="">
           <p:pic>
             <p:nvPicPr>
               <p:cNvPr id="25" name="Entrada de lápiz 24">
@@ -12445,8 +12445,8 @@
           </p:pic>
         </mc:Fallback>
       </mc:AlternateContent>
-      <mc:AlternateContent xmlns:mc="http://schemas.openxmlformats.org/markup-compatibility/2006">
-        <mc:Choice xmlns:p14="http://schemas.microsoft.com/office/powerpoint/2010/main" Requires="p14">
+      <mc:AlternateContent xmlns:mc="http://schemas.openxmlformats.org/markup-compatibility/2006" xmlns:p14="http://schemas.microsoft.com/office/powerpoint/2010/main">
+        <mc:Choice Requires="p14">
           <p:contentPart p14:bwMode="auto" r:id="rId18">
             <p14:nvContentPartPr>
               <p14:cNvPr id="26" name="Entrada de lápiz 25">
@@ -12465,7 +12465,7 @@
             </p14:xfrm>
           </p:contentPart>
         </mc:Choice>
-        <mc:Fallback>
+        <mc:Fallback xmlns="">
           <p:pic>
             <p:nvPicPr>
               <p:cNvPr id="26" name="Entrada de lápiz 25">
@@ -12496,8 +12496,8 @@
           </p:pic>
         </mc:Fallback>
       </mc:AlternateContent>
-      <mc:AlternateContent xmlns:mc="http://schemas.openxmlformats.org/markup-compatibility/2006">
-        <mc:Choice xmlns:p14="http://schemas.microsoft.com/office/powerpoint/2010/main" Requires="p14">
+      <mc:AlternateContent xmlns:mc="http://schemas.openxmlformats.org/markup-compatibility/2006" xmlns:p14="http://schemas.microsoft.com/office/powerpoint/2010/main">
+        <mc:Choice Requires="p14">
           <p:contentPart p14:bwMode="auto" r:id="rId20">
             <p14:nvContentPartPr>
               <p14:cNvPr id="27" name="Entrada de lápiz 26">
@@ -12516,7 +12516,7 @@
             </p14:xfrm>
           </p:contentPart>
         </mc:Choice>
-        <mc:Fallback>
+        <mc:Fallback xmlns="">
           <p:pic>
             <p:nvPicPr>
               <p:cNvPr id="27" name="Entrada de lápiz 26">
@@ -12547,8 +12547,8 @@
           </p:pic>
         </mc:Fallback>
       </mc:AlternateContent>
-      <mc:AlternateContent xmlns:mc="http://schemas.openxmlformats.org/markup-compatibility/2006">
-        <mc:Choice xmlns:p14="http://schemas.microsoft.com/office/powerpoint/2010/main" Requires="p14">
+      <mc:AlternateContent xmlns:mc="http://schemas.openxmlformats.org/markup-compatibility/2006" xmlns:p14="http://schemas.microsoft.com/office/powerpoint/2010/main">
+        <mc:Choice Requires="p14">
           <p:contentPart p14:bwMode="auto" r:id="rId22">
             <p14:nvContentPartPr>
               <p14:cNvPr id="28" name="Entrada de lápiz 27">
@@ -12567,7 +12567,7 @@
             </p14:xfrm>
           </p:contentPart>
         </mc:Choice>
-        <mc:Fallback>
+        <mc:Fallback xmlns="">
           <p:pic>
             <p:nvPicPr>
               <p:cNvPr id="28" name="Entrada de lápiz 27">
@@ -12598,8 +12598,8 @@
           </p:pic>
         </mc:Fallback>
       </mc:AlternateContent>
-      <mc:AlternateContent xmlns:mc="http://schemas.openxmlformats.org/markup-compatibility/2006">
-        <mc:Choice xmlns:p14="http://schemas.microsoft.com/office/powerpoint/2010/main" Requires="p14">
+      <mc:AlternateContent xmlns:mc="http://schemas.openxmlformats.org/markup-compatibility/2006" xmlns:p14="http://schemas.microsoft.com/office/powerpoint/2010/main">
+        <mc:Choice Requires="p14">
           <p:contentPart p14:bwMode="auto" r:id="rId24">
             <p14:nvContentPartPr>
               <p14:cNvPr id="29" name="Entrada de lápiz 28">
@@ -12618,7 +12618,7 @@
             </p14:xfrm>
           </p:contentPart>
         </mc:Choice>
-        <mc:Fallback>
+        <mc:Fallback xmlns="">
           <p:pic>
             <p:nvPicPr>
               <p:cNvPr id="29" name="Entrada de lápiz 28">
@@ -12649,8 +12649,8 @@
           </p:pic>
         </mc:Fallback>
       </mc:AlternateContent>
-      <mc:AlternateContent xmlns:mc="http://schemas.openxmlformats.org/markup-compatibility/2006">
-        <mc:Choice xmlns:p14="http://schemas.microsoft.com/office/powerpoint/2010/main" Requires="p14">
+      <mc:AlternateContent xmlns:mc="http://schemas.openxmlformats.org/markup-compatibility/2006" xmlns:p14="http://schemas.microsoft.com/office/powerpoint/2010/main">
+        <mc:Choice Requires="p14">
           <p:contentPart p14:bwMode="auto" r:id="rId26">
             <p14:nvContentPartPr>
               <p14:cNvPr id="30" name="Entrada de lápiz 29">
@@ -12669,7 +12669,7 @@
             </p14:xfrm>
           </p:contentPart>
         </mc:Choice>
-        <mc:Fallback>
+        <mc:Fallback xmlns="">
           <p:pic>
             <p:nvPicPr>
               <p:cNvPr id="30" name="Entrada de lápiz 29">

--- a/vaq ETABS/capturas 2.pptx
+++ b/vaq ETABS/capturas 2.pptx
@@ -40,6 +40,23 @@
     <p:sldId id="288" r:id="rId34"/>
     <p:sldId id="289" r:id="rId35"/>
     <p:sldId id="290" r:id="rId36"/>
+    <p:sldId id="291" r:id="rId37"/>
+    <p:sldId id="292" r:id="rId38"/>
+    <p:sldId id="293" r:id="rId39"/>
+    <p:sldId id="294" r:id="rId40"/>
+    <p:sldId id="295" r:id="rId41"/>
+    <p:sldId id="296" r:id="rId42"/>
+    <p:sldId id="297" r:id="rId43"/>
+    <p:sldId id="298" r:id="rId44"/>
+    <p:sldId id="299" r:id="rId45"/>
+    <p:sldId id="300" r:id="rId46"/>
+    <p:sldId id="301" r:id="rId47"/>
+    <p:sldId id="302" r:id="rId48"/>
+    <p:sldId id="303" r:id="rId49"/>
+    <p:sldId id="304" r:id="rId50"/>
+    <p:sldId id="305" r:id="rId51"/>
+    <p:sldId id="306" r:id="rId52"/>
+    <p:sldId id="307" r:id="rId53"/>
   </p:sldIdLst>
   <p:sldSz cx="12192000" cy="6858000"/>
   <p:notesSz cx="6858000" cy="9144000"/>
@@ -206,6 +223,292 @@
 </inkml:ink>
 </file>
 
+<file path=ppt/ink/ink100.xml><?xml version="1.0" encoding="utf-8"?>
+<inkml:ink xmlns:inkml="http://www.w3.org/2003/InkML">
+  <inkml:definitions>
+    <inkml:context xml:id="ctx0">
+      <inkml:inkSource xml:id="inkSrc0">
+        <inkml:traceFormat>
+          <inkml:channel name="X" type="integer" min="-2.14748E9" max="2.14748E9" units="cm"/>
+          <inkml:channel name="Y" type="integer" min="-2.14748E9" max="2.14748E9" units="cm"/>
+        </inkml:traceFormat>
+        <inkml:channelProperties>
+          <inkml:channelProperty channel="X" name="resolution" value="1000" units="1/cm"/>
+          <inkml:channelProperty channel="Y" name="resolution" value="1000" units="1/cm"/>
+        </inkml:channelProperties>
+      </inkml:inkSource>
+      <inkml:timestamp xml:id="ts0" timeString="2025-06-03T04:53:47.279"/>
+    </inkml:context>
+    <inkml:brush xml:id="br0">
+      <inkml:brushProperty name="width" value="0.4" units="cm"/>
+      <inkml:brushProperty name="height" value="0.8" units="cm"/>
+      <inkml:brushProperty name="color" value="#FFFC00"/>
+      <inkml:brushProperty name="tip" value="rectangle"/>
+      <inkml:brushProperty name="rasterOp" value="maskPen"/>
+      <inkml:brushProperty name="ignorePressure" value="1"/>
+    </inkml:brush>
+  </inkml:definitions>
+  <inkml:trace contextRef="#ctx0" brushRef="#br0">1 381,'17'0,"22"-13,55-8,70-13,58-5,45 4,86-5,17 1,-29 3,-60 2,-74 4,-60 7,-50 2,-41 6</inkml:trace>
+</inkml:ink>
+</file>
+
+<file path=ppt/ink/ink101.xml><?xml version="1.0" encoding="utf-8"?>
+<inkml:ink xmlns:inkml="http://www.w3.org/2003/InkML">
+  <inkml:definitions>
+    <inkml:context xml:id="ctx0">
+      <inkml:inkSource xml:id="inkSrc0">
+        <inkml:traceFormat>
+          <inkml:channel name="X" type="integer" min="-2.14748E9" max="2.14748E9" units="cm"/>
+          <inkml:channel name="Y" type="integer" min="-2.14748E9" max="2.14748E9" units="cm"/>
+        </inkml:traceFormat>
+        <inkml:channelProperties>
+          <inkml:channelProperty channel="X" name="resolution" value="1000" units="1/cm"/>
+          <inkml:channelProperty channel="Y" name="resolution" value="1000" units="1/cm"/>
+        </inkml:channelProperties>
+      </inkml:inkSource>
+      <inkml:timestamp xml:id="ts0" timeString="2025-06-03T04:53:55.828"/>
+    </inkml:context>
+    <inkml:brush xml:id="br0">
+      <inkml:brushProperty name="width" value="0.4" units="cm"/>
+      <inkml:brushProperty name="height" value="0.8" units="cm"/>
+      <inkml:brushProperty name="tip" value="rectangle"/>
+      <inkml:brushProperty name="rasterOp" value="maskPen"/>
+      <inkml:brushProperty name="ignorePressure" value="1"/>
+    </inkml:brush>
+  </inkml:definitions>
+  <inkml:trace contextRef="#ctx0" brushRef="#br0">190 1,'0'4,"0"10,0 19,0 21,-5 18,-1 26,-7 13,-7 9,-8 0,-3-7,3-10,3-19,5-19,6-21</inkml:trace>
+</inkml:ink>
+</file>
+
+<file path=ppt/ink/ink102.xml><?xml version="1.0" encoding="utf-8"?>
+<inkml:ink xmlns:inkml="http://www.w3.org/2003/InkML">
+  <inkml:definitions>
+    <inkml:context xml:id="ctx0">
+      <inkml:inkSource xml:id="inkSrc0">
+        <inkml:traceFormat>
+          <inkml:channel name="X" type="integer" min="-2.14748E9" max="2.14748E9" units="cm"/>
+          <inkml:channel name="Y" type="integer" min="-2.14748E9" max="2.14748E9" units="cm"/>
+        </inkml:traceFormat>
+        <inkml:channelProperties>
+          <inkml:channelProperty channel="X" name="resolution" value="1000" units="1/cm"/>
+          <inkml:channelProperty channel="Y" name="resolution" value="1000" units="1/cm"/>
+        </inkml:channelProperties>
+      </inkml:inkSource>
+      <inkml:timestamp xml:id="ts0" timeString="2025-06-03T04:53:57.970"/>
+    </inkml:context>
+    <inkml:brush xml:id="br0">
+      <inkml:brushProperty name="width" value="0.4" units="cm"/>
+      <inkml:brushProperty name="height" value="0.8" units="cm"/>
+      <inkml:brushProperty name="tip" value="rectangle"/>
+      <inkml:brushProperty name="rasterOp" value="maskPen"/>
+      <inkml:brushProperty name="ignorePressure" value="1"/>
+    </inkml:brush>
+  </inkml:definitions>
+  <inkml:trace contextRef="#ctx0" brushRef="#br0">0 299,'0'-8,"0"-8,0-9,0-8,0-12,9-14,2-2,-1 9</inkml:trace>
+</inkml:ink>
+</file>
+
+<file path=ppt/ink/ink103.xml><?xml version="1.0" encoding="utf-8"?>
+<inkml:ink xmlns:inkml="http://www.w3.org/2003/InkML">
+  <inkml:definitions>
+    <inkml:context xml:id="ctx0">
+      <inkml:inkSource xml:id="inkSrc0">
+        <inkml:traceFormat>
+          <inkml:channel name="X" type="integer" min="-2.14748E9" max="2.14748E9" units="cm"/>
+          <inkml:channel name="Y" type="integer" min="-2.14748E9" max="2.14748E9" units="cm"/>
+        </inkml:traceFormat>
+        <inkml:channelProperties>
+          <inkml:channelProperty channel="X" name="resolution" value="1000" units="1/cm"/>
+          <inkml:channelProperty channel="Y" name="resolution" value="1000" units="1/cm"/>
+        </inkml:channelProperties>
+      </inkml:inkSource>
+      <inkml:timestamp xml:id="ts0" timeString="2025-06-03T04:53:58.954"/>
+    </inkml:context>
+    <inkml:brush xml:id="br0">
+      <inkml:brushProperty name="width" value="0.4" units="cm"/>
+      <inkml:brushProperty name="height" value="0.8" units="cm"/>
+      <inkml:brushProperty name="tip" value="rectangle"/>
+      <inkml:brushProperty name="rasterOp" value="maskPen"/>
+      <inkml:brushProperty name="ignorePressure" value="1"/>
+    </inkml:brush>
+  </inkml:definitions>
+  <inkml:trace contextRef="#ctx0" brushRef="#br0">86 2,'610'0,"-584"0,-9-1,0 1,1 1,31 5,-46-5,1-1,-1 1,1 0,-1 1,1-1,-1 1,0-1,0 1,0 0,0 0,0 1,0-1,0 0,-1 1,1 0,-1 0,0-1,0 1,0 0,0 1,0-1,-1 0,2 6,1 7,-1-1,-1 1,-1-1,0 1,-2 17,-10 83,6-80,-4 31,-3 0,-2-1,-28 73,26-95,-3-1,-1-1,-2 0,-2-2,-39 52,5-22,-2-3,-4-2,-2-3,-125 90,182-145,-91 67,88-63,0 0,1 1,0 0,0 0,-10 19,19-28,-1 0,2 1,-1-1,0 1,1 0,-1 0,1-1,-1 6,2-7,0-1,1 0,-1 1,0-1,0 0,0 1,1-1,-1 0,1 0,-1 1,1-1,0 0,-1 0,1 0,0 1,0-1,0 0,-1 0,1 0,0-1,1 1,-1 0,0 0,0 0,0-1,0 1,1-1,0 1,17 7,0-1,0-1,1-1,-1-1,22 3,110 4,-119-10,835 88,-839-85,131 11,-141-16</inkml:trace>
+</inkml:ink>
+</file>
+
+<file path=ppt/ink/ink104.xml><?xml version="1.0" encoding="utf-8"?>
+<inkml:ink xmlns:inkml="http://www.w3.org/2003/InkML">
+  <inkml:definitions>
+    <inkml:context xml:id="ctx0">
+      <inkml:inkSource xml:id="inkSrc0">
+        <inkml:traceFormat>
+          <inkml:channel name="X" type="integer" min="-2.14748E9" max="2.14748E9" units="cm"/>
+          <inkml:channel name="Y" type="integer" min="-2.14748E9" max="2.14748E9" units="cm"/>
+        </inkml:traceFormat>
+        <inkml:channelProperties>
+          <inkml:channelProperty channel="X" name="resolution" value="1000" units="1/cm"/>
+          <inkml:channelProperty channel="Y" name="resolution" value="1000" units="1/cm"/>
+        </inkml:channelProperties>
+      </inkml:inkSource>
+      <inkml:timestamp xml:id="ts0" timeString="2025-06-03T04:54:01.131"/>
+    </inkml:context>
+    <inkml:brush xml:id="br0">
+      <inkml:brushProperty name="width" value="0.4" units="cm"/>
+      <inkml:brushProperty name="height" value="0.8" units="cm"/>
+      <inkml:brushProperty name="tip" value="rectangle"/>
+      <inkml:brushProperty name="rasterOp" value="maskPen"/>
+      <inkml:brushProperty name="ignorePressure" value="1"/>
+    </inkml:brush>
+  </inkml:definitions>
+  <inkml:trace contextRef="#ctx0" brushRef="#br0">832 44,'23'0,"454"-20,-410 10,-43 5,0 1,1 1,-1 1,38 3,-60-1,-1 0,1 0,-1 0,1 0,0 1,-1-1,1 1,-1-1,1 1,-1-1,1 1,-1 0,0 0,1 0,-1 0,0 0,0 0,1 0,-1 0,0 0,0 0,0 1,0-1,-1 0,3 4,-3-2,1 0,-1 0,0 0,0 0,0 0,0 0,-1 0,1 0,-1 0,1 0,-1 0,-3 5,-3 8,0-1,-2-1,0 1,-12 14,-15 13,-1-2,-46 40,-94 66,131-110,-141 108,185-143,-27 25,29-25,-1-1,1 1,0-1,-1 0,1 1,0-1,0 1,0-1,0 1,-1-1,1 1,0-1,0 1,0-1,0 1,0-1,0 1,0-1,0 1,0-1,0 1,0-1,1 1,-1 0,1 0,0 0,-1-1,1 1,0 0,0-1,0 1,0-1,0 1,0-1,0 1,0-1,0 0,0 0,0 1,0-1,2 0,23 3,1-1,-1-2,38-4,83-15,-140 17,121-25,-125 27,0-1,0 1,0 0,0 0,0 0,0 0,-1 0,1 1,0-1,0 1,0 0,0 0,-1 0,1 0,0 0,-1 1,1-1,-1 1,1 0,-1-1,0 1,0 0,4 5,2 4,0 0,-1 0,0 1,5 14,-2-5,161 342,-141-285,-2 1,30 150,-50-173,-2 1,-3-1,-2 1,-7 70,5-120,0 1,-1-1,0 0,0 0,0 0,-1 0,0 0,0-1,-1 1,1-1,-2 0,1 0,-1 0,0-1,0 0,0 0,-1 0,-7 6,-9 2,0 0,-1-2,-47 17,57-23,-12 4,-1-2,0-1,-1-1,-52 3,-114-8,99-2,40 2,-3 2,1-3,-1-3,0-2,-73-18,18-13,-165-81,228 96,17 8,8 4,0-1,-28-19,46 26,1 0,-1 0,1 0,0-1,0 0,0 0,1-1,0 1,0-1,0 0,1 0,-1 0,-2-9,-8-37,-12-87,19 94,-2-12</inkml:trace>
+</inkml:ink>
+</file>
+
+<file path=ppt/ink/ink105.xml><?xml version="1.0" encoding="utf-8"?>
+<inkml:ink xmlns:inkml="http://www.w3.org/2003/InkML">
+  <inkml:definitions>
+    <inkml:context xml:id="ctx0">
+      <inkml:inkSource xml:id="inkSrc0">
+        <inkml:traceFormat>
+          <inkml:channel name="X" type="integer" min="-2.14748E9" max="2.14748E9" units="cm"/>
+          <inkml:channel name="Y" type="integer" min="-2.14748E9" max="2.14748E9" units="cm"/>
+        </inkml:traceFormat>
+        <inkml:channelProperties>
+          <inkml:channelProperty channel="X" name="resolution" value="1000" units="1/cm"/>
+          <inkml:channelProperty channel="Y" name="resolution" value="1000" units="1/cm"/>
+        </inkml:channelProperties>
+      </inkml:inkSource>
+      <inkml:timestamp xml:id="ts0" timeString="2025-06-03T05:02:01.759"/>
+    </inkml:context>
+    <inkml:brush xml:id="br0">
+      <inkml:brushProperty name="width" value="0.4" units="cm"/>
+      <inkml:brushProperty name="height" value="0.8" units="cm"/>
+      <inkml:brushProperty name="color" value="#FFFC00"/>
+      <inkml:brushProperty name="tip" value="rectangle"/>
+      <inkml:brushProperty name="rasterOp" value="maskPen"/>
+      <inkml:brushProperty name="ignorePressure" value="1"/>
+    </inkml:brush>
+  </inkml:definitions>
+  <inkml:trace contextRef="#ctx0" brushRef="#br0">1216 2,'126'-2,"221"11,-73 29,-36-3,275 22,113 15,191-4,-445-46,-6 27,-222-29,30 6,185 22,-318-44,74-2,-101-3,-1-1,1 0,-1 0,0-2,0 1,0-2,0 0,0 0,14-9,80-67,-84 61,2 1,0 1,1 1,46-22,-53 31,-1 1,0-1,16-10,-22 5,-15 4,-27-2,-23 3,0 2,0 2,-69 4,63 0,-5504 4,5447-1,-84-5,436 32,21 12,1205 192,-267-94,-766-130,-357-14,0-3,0-4,122-33,-17-19</inkml:trace>
+</inkml:ink>
+</file>
+
+<file path=ppt/ink/ink106.xml><?xml version="1.0" encoding="utf-8"?>
+<inkml:ink xmlns:inkml="http://www.w3.org/2003/InkML">
+  <inkml:definitions>
+    <inkml:context xml:id="ctx0">
+      <inkml:inkSource xml:id="inkSrc0">
+        <inkml:traceFormat>
+          <inkml:channel name="X" type="integer" min="-2.14748E9" max="2.14748E9" units="cm"/>
+          <inkml:channel name="Y" type="integer" min="-2.14748E9" max="2.14748E9" units="cm"/>
+        </inkml:traceFormat>
+        <inkml:channelProperties>
+          <inkml:channelProperty channel="X" name="resolution" value="1000" units="1/cm"/>
+          <inkml:channelProperty channel="Y" name="resolution" value="1000" units="1/cm"/>
+        </inkml:channelProperties>
+      </inkml:inkSource>
+      <inkml:timestamp xml:id="ts0" timeString="2025-06-03T05:02:08.792"/>
+    </inkml:context>
+    <inkml:brush xml:id="br0">
+      <inkml:brushProperty name="width" value="0.4" units="cm"/>
+      <inkml:brushProperty name="height" value="0.8" units="cm"/>
+      <inkml:brushProperty name="color" value="#FFFC00"/>
+      <inkml:brushProperty name="tip" value="rectangle"/>
+      <inkml:brushProperty name="rasterOp" value="maskPen"/>
+      <inkml:brushProperty name="ignorePressure" value="1"/>
+    </inkml:brush>
+  </inkml:definitions>
+  <inkml:trace contextRef="#ctx0" brushRef="#br0">10806 3212,'-197'124,"56"-39,82-46,2 3,-73 67,111-90,1 0,0 1,2 2,0-1,1 2,1 0,1 0,2 2,-16 42,15-19,2 0,2 1,2 0,1 99,8-83,2 0,4 0,23 88,-14-93,3 0,2-2,3 0,2-2,3 0,2-3,73 91,-45-75,2-3,3-2,3-3,142 95,-36-50,3-7,5-8,4-9,389 116,-434-161,1-7,0-5,263 9,-340-33,0-3,-1-3,1-3,88-22,-122 21,-1-1,-1-1,0-2,-1-1,0-2,-1 0,-1-2,-1-1,0-1,35-36,-37 28,-1 0,-1-2,-2-1,-1 0,-1-2,-2 0,-1 0,-2-2,14-53,-4-13,-5 0,6-119,-15 68,-6 0,-6 0,-7 1,-7 0,-53-218,37 243,-6 2,-6 1,-4 3,-6 2,-5 2,-140-201,104 192,-186-185,-216-121,-108 11,-93 10,233 166,-980-359,1076 485,-4 16,-5 17,-549-53,187 108,60 71,99 63,469-74,1 4,-117 55,171-61,0 2,2 2,1 3,2 2,1 3,2 1,-68 75,85-77,1 1,3 1,1 2,2 0,2 2,2 1,2 1,2 0,-22 94,25-61,4 0,-2 138,30 161,-5-261,35 149,-30-197,4 0,3-1,46 93,-32-88,4-1,2-3,3-1,4-3,78 81,-33-56,147 109,236 124,121 2,-176-133,7-19,794 206,-639-259,-110-70,-403-49,0-3,141-20,-183 16,-1-2,1-2,-1 0,-1-2,1-1,28-18,-40 19,0-1,-1-1,0 0,-1-1,0-1,-2-1,1 0,-2-1,15-24,-10 8,-1 0,-2-1,-2-1,-1 0,-1-1,-2 0,-2 0,4-55,-5 2,-5-1,-14-122,3 112,-5 0,-4 1,-4 2,-5 0,-3 2,-81-165,85 210,-2 1,-2 2,-57-66,23 44,-4 2,-84-62,-220-132,-84 7,-109 21,-480-54,-24 110,464 116,128 43,122 40,313-16,2 1,-1 2,1 2,0 2,-52 24,76-28,0 0,0 1,0 1,2 1,-1 1,2 0,-1 0,2 2,0-1,1 2,0 0,1 0,-10 22,8-9,1 0,2 1,1 0,1 0,-3 35,-10 160,18-161,-15 627,20-648,2-1,1 0,3-1,1 1,2-2,2 1,2-2,1 1,2-2,2-1,1 0,2-2,1 0,2-1,1-2,59 53,-22-29,3-2,79 46,285 136,154 6,125-22,-240-106,594 65,-386-134,-527-46,256-34,-336 23,-1-3,0-3,-1-2,71-33,-105 36,0 0,-1-2,-1-2,0-1,-2-2,41-39,-50 39,-1 0,-1-2,0-1,-3 0,0-1,-1-1,-2 0,13-39,-6 0,-3-1,-3 0,11-117,-18 58,-9-159,-13 119,-7 0,-83-314,74 372,-5 3,-58-124,70 185,-2 2,-1 0,-3 2,-1 1,-2 1,-2 2,-57-51,32 43,-2 2,-2 2,-79-38,16 19,-208-71,-290-33,-196 39,-189 41,-612 36,4 128,768 45,187 40,535-121,-232 111,294-119,3 2,0 3,-81 70,107-78,2 2,1 1,2 1,2 2,1 1,2 1,-25 51,29-43,3 1,1 1,3 1,2 0,2 1,-5 60,9-15,9 182,42 94,-28-275,4 0,61 179,-62-231,2 0,1-2,3 0,1-2,2 0,2-2,2-2,51 49,-7-21,4-3,157 93,406 170,242 28,676 150,45-154,-615-242,-730-98,340-31,-448 5,0-6,239-69,-317 68,-1-3,-1-4,-2-3,-1-2,75-53,-103 57,-1-1,-2-2,-1-2,-2-1,-1-2,-3-1,-1-2,-2-1,-1-1,-3-1,-2-2,22-61,-20 31,-4-1,-3-1,-4 0,-3-1,-4-1,-3 0,-7-93,-10 11,-59-281,-91-151,-49 32,-30 75,167 357,-5 2,-6 5,-6 3,-135-139,166 200,-2 3,-3 2,-103-64,84 70,-2 4,-2 3,-132-42,38 30,-247-40,126 48,-3 13,0 14,-1 14,-603 66,237 73,511-87,-250 108,300-102,4 4,-133 92,175-101,1 4,3 2,2 3,3 3,-75 97,92-99,3 1,2 2,3 2,3 0,2 2,-30 113,38-96,4 2,4 0,3 0,4 1,4 0,3 0,5 0,2-1,5 0,26 91,-3-54,6-2,4-1,5-3,6-2,4-2,95 125,222 224,142 43,435 293,-675-591,502 278,-478-332,629 216,-551-252,533 86,-153-114,-568-80,276-25,-349 4,-1-5,187-54,-231 48,-1-3,-1-4,125-73,-153 75,-1-2,-2-2,-1-2,-2-1,-2-3,-1-1,61-87,-66 76,-3-2,-1-1,-3-2,-3 0,-2-1,22-104,-26 77,-4 0,-3-1,-4-1,-5 1,-18-173,7 189,-4 1,-3 0,-2 1,-4 1,-2 1,-4 2,-64-109,66 132,-1 2,-2 1,-65-63,47 58,-3 2,-1 2,-78-44,35 32,-2 5,-105-36,58 35,-198-40,168 56,-217-10,141 32,-1 12,-279 39,230 2,-419 116,58 63,90 40,438-188,-188 140,237-149,4 3,-86 96,113-105,3 2,-66 108,87-120,3 1,1 1,3 2,2 0,3 1,2 1,2 0,3 1,3 0,-1 99,9-118,2 1,2-1,2 0,1 0,2-1,2 0,18 41,-15-47,1-2,1 0,2-1,0-1,2-1,1 0,1-2,52 43,-42-43,0-1,2-2,0-1,65 25,6-7,198 44,290 13,154-34,530-71,-905-21,516-109,-674 89,288-107,-370 105,-3-5,181-111,-233 118,-2-3,-3-3,109-109,-134 115,-3-3,-1-2,-4-2,41-73,-55 80,-2-1,-3 0,-1-2,-3 0,-3-1,-1-1,6-78,-15 71,-3 0,-3 1,-2-1,-3 1,-3 0,-24-83,7 60,-4 1,-4 1,-47-83,-152-220,232 382,-164-235,132 198,-1 2,-2 1,-66-53,57 58,-2 1,-1 3,-100-45,64 42,-1 2,-140-27,67 29,-206-10,-270 41,297 28,2 15,2 14,4 15,-376 137,173 6,128-3,327-166,-128 109,170-126,2 0,2 3,1 1,1 1,-46 77,64-92,1 1,1 0,1 0,1 1,1 0,1 1,1 0,2 0,0 0,1 0,2 0,3 32,-2-42,2 0,0 1,0-2,2 1,0 0,0-1,1 0,1 0,0 0,1-1,1-1,0 1,1-1,0-1,23 21,5 1,2-3,1-1,53 28,255 112,118 16,-25-38,7-20,4-19,518 55,-498-124,-351-35,124-11,-188 1,-1-3,90-25,-87 14,60-30,-120 50</inkml:trace>
+</inkml:ink>
+</file>
+
+<file path=ppt/ink/ink107.xml><?xml version="1.0" encoding="utf-8"?>
+<inkml:ink xmlns:inkml="http://www.w3.org/2003/InkML">
+  <inkml:definitions>
+    <inkml:context xml:id="ctx0">
+      <inkml:inkSource xml:id="inkSrc0">
+        <inkml:traceFormat>
+          <inkml:channel name="X" type="integer" min="-2.14748E9" max="2.14748E9" units="cm"/>
+          <inkml:channel name="Y" type="integer" min="-2.14748E9" max="2.14748E9" units="cm"/>
+        </inkml:traceFormat>
+        <inkml:channelProperties>
+          <inkml:channelProperty channel="X" name="resolution" value="1000" units="1/cm"/>
+          <inkml:channelProperty channel="Y" name="resolution" value="1000" units="1/cm"/>
+        </inkml:channelProperties>
+      </inkml:inkSource>
+      <inkml:timestamp xml:id="ts0" timeString="2025-06-03T05:02:58.970"/>
+    </inkml:context>
+    <inkml:brush xml:id="br0">
+      <inkml:brushProperty name="width" value="0.4" units="cm"/>
+      <inkml:brushProperty name="height" value="0.8" units="cm"/>
+      <inkml:brushProperty name="color" value="#FFFC00"/>
+      <inkml:brushProperty name="tip" value="rectangle"/>
+      <inkml:brushProperty name="rasterOp" value="maskPen"/>
+      <inkml:brushProperty name="ignorePressure" value="1"/>
+    </inkml:brush>
+  </inkml:definitions>
+  <inkml:trace contextRef="#ctx0" brushRef="#br0">1 344,'2'-2,"1"0,-1 0,1 0,0 1,0-1,0 1,0 0,0 0,4-1,8-3,74-24,167-32,99 8,-273 42,535-65,4 31,631 40,-724 9,290-3,-777-3,57-9,-5-1,79-7,-142 16</inkml:trace>
+</inkml:ink>
+</file>
+
+<file path=ppt/ink/ink108.xml><?xml version="1.0" encoding="utf-8"?>
+<inkml:ink xmlns:inkml="http://www.w3.org/2003/InkML">
+  <inkml:definitions>
+    <inkml:context xml:id="ctx0">
+      <inkml:inkSource xml:id="inkSrc0">
+        <inkml:traceFormat>
+          <inkml:channel name="X" type="integer" min="-2.14748E9" max="2.14748E9" units="cm"/>
+          <inkml:channel name="Y" type="integer" min="-2.14748E9" max="2.14748E9" units="cm"/>
+        </inkml:traceFormat>
+        <inkml:channelProperties>
+          <inkml:channelProperty channel="X" name="resolution" value="1000" units="1/cm"/>
+          <inkml:channelProperty channel="Y" name="resolution" value="1000" units="1/cm"/>
+        </inkml:channelProperties>
+      </inkml:inkSource>
+      <inkml:timestamp xml:id="ts0" timeString="2025-06-03T05:03:01.124"/>
+    </inkml:context>
+    <inkml:brush xml:id="br0">
+      <inkml:brushProperty name="width" value="0.4" units="cm"/>
+      <inkml:brushProperty name="height" value="0.8" units="cm"/>
+      <inkml:brushProperty name="color" value="#FFFC00"/>
+      <inkml:brushProperty name="tip" value="rectangle"/>
+      <inkml:brushProperty name="rasterOp" value="maskPen"/>
+      <inkml:brushProperty name="ignorePressure" value="1"/>
+    </inkml:brush>
+  </inkml:definitions>
+  <inkml:trace contextRef="#ctx0" brushRef="#br0">6107 1030,'-194'0,"33"0,-261 2,2 33,361-26,1 3,1 2,0 2,-107 47,135-48,1 0,0 2,1 1,1 1,0 2,2 0,0 2,2 0,1 1,-30 45,23-21,2 1,2 1,3 1,1 1,4 1,1 1,-8 58,5 18,-3 244,21-309,3 0,3-1,2 1,4-1,26 85,-24-106,3-1,2 0,1-1,2-1,2-1,1-1,2-2,60 64,-28-46,2-3,2-3,81 47,383 184,208 17,137-28,-251-121,6-27,887 55,-756-158,-132-63,-493 26,215-59,-285 59,-1-3,-1-2,100-57,-125 59,0-2,-1-1,-2-2,-1-1,-1-2,-2-1,-1-1,29-44,-23 20,-2-1,-2-1,-3-2,31-102,116-537,-54-11,-118 696,14-87,-5-1,-1-118,-11 189,-1 1,-2 0,0 0,-3 0,0 1,-2 0,-1 0,-1 1,-2 0,-1 1,-29-44,15 37,-2 1,-1 2,-1 1,-2 2,-1 1,-61-37,42 32,-2 1,-83-32,-260-66,-140 9,-109 17,-897-33,-1 94,848 40,80 17,65 29,64 22,266-24,2 9,-414 154,573-180,1 3,2 2,0 3,-61 45,107-67,0 0,1 0,1 1,0 1,0 0,1 0,0 1,1 0,1 1,0 0,1 0,1 1,0-1,1 1,0 1,1-1,1 1,1 0,-1 17,0-3,3 1,0 0,2 0,11 57,-7-65,1-1,1 0,1 0,1-1,0 0,2-1,23 32,-4-14,3-1,0-1,2-2,53 38,22 6,180 97,273 91,163 5,148-7,-74-63,1304 155,-1301-302,-166-78,-539 12,-2-3,172-51,-229 53,0-3,0-1,-1-2,-2-1,0-2,34-27,-50 31,0-1,-1 0,-1-2,-1 0,0-1,-2-1,23-42,-23 32,-2-1,-1-1,-1 0,-2 0,7-44,-8 0,-4 1,-2-1,-5 0,-19-138,8 128,-4 0,-4 2,-4 0,-44-102,41 126,-3 2,-2 0,-4 3,-1 1,-3 1,-64-65,44 61,-3 3,-125-84,38 45,-165-76,-304-99,-142 19,-147 43,-122 55,-561 23,0 81,773 52,177 27,166 26,375-36,-128 40,196-49,1 2,0 0,1 3,1 0,0 2,-32 25,49-31,0 0,0 2,1-1,1 2,0-1,1 1,1 1,0 0,0 0,2 1,0 0,1 1,-5 17,3 4,1 0,1 0,3 1,1 43,4-3,15 82,-10-120,1 0,2-1,1 0,3 0,1-1,26 47,-16-43,2-2,1-1,2-1,2-2,55 51,-14-26,3-2,144 86,354 143,204 10,145-23,-183-101,1401 142,-1371-276,-166-64,-493 11,201-48,-274 50,-1-2,0-1,-1-2,-1-2,51-31,-67 34,-1 0,-1-1,0-1,-1-1,0 0,-2-1,0-1,-1 0,-1-1,0 0,-2-1,-1 0,0-1,-1 0,-2 0,5-24,-3-6,-2 1,-3-1,-1 1,-3-1,-2 0,-10-52,-3 10,-4 2,-54-155,57 204,-1 1,-2 1,-2 1,-2 1,-2 1,-1 1,-56-59,35 49,-3 3,-2 2,-1 3,-112-62,44 39,-192-69,-273-42,-156 34,-174 41,-643 18,-1 92,678 55,178 39,192 24,439-105,2 3,-124 69,168-81,1 2,1 0,0 2,2 1,0 1,1 0,2 2,-24 33,33-38,1 0,0 1,2 1,0-1,1 2,2-1,0 1,1 0,1 0,1 0,1 0,1 24,2-16,1 0,2 0,1 0,17 54,-2-28,41 84,-27-75,70 102,-63-111,3-3,98 94,-62-79,3-3,111 65,320 142,191 7,169-17,-75-68,1164 132,-1230-273,-151-69,-474 4,0-4,112-31,-165 30,0-1,-1-3,89-48,-117 54,-1-1,-1 0,-1-2,0-1,-1 0,-1-2,-1-1,-1 0,-1-1,-1-1,-1-1,-1 0,-2-1,0-1,-1 0,-2 0,-1-1,-1-1,-2 0,0 1,-2-2,-2 1,0 0,-3-31,-1 18,-2 0,-2 0,-2 0,-1 1,-19-48,24 78,-1 0,-1 0,0 0,0 1,-1 0,0 0,-1 1,0-1,-1 2,0-1,0 1,0 1,-1 0,-19-11,-3 3,0 0,-2 3,1 0,-37-6,-56-10,-160-15,-134 11,140 24,261 7,0 2,0 0,0 1,0 1,0 0,-30 11,49-14,-1 0,0 1,1-1,-1 0,0 1,1-1,-1 0,1 1,-1-1,0 1,1-1,-1 1,1-1,-1 1,1-1,0 1,-1 0,1-1,0 1,-1-1,1 1,0 0,0 0,-1-1,1 1,0 0,0-1,0 1,0 0,0 0,0-1,0 1,0 0,0-1,1 1,-1 0,0-1,0 1,1 0,-1 0,3 3,0-1,0 0,1 0,-1-1,1 1,-1-1,1 1,0-1,0 0,5 2,51 17,0-2,67 12,311 58,120 15,1805 300,-2045-360,-47-23,-266-21,1 0,-1 0,0 1,1 0,-1 0,0 0,0 1,0 0,0 0,0 0,6 4,20 9,31 13,109 32,79 1,-164-42,506 104,1418 174,-1542-262,-158-39,-291 3,1-1,-1-1,0-1,0 0,-1-2,28-10,-44 14,1 1,0-1,0 0,0 0,-1 0,1 0,-1 0,1 0,-1-1,0 1,0-1,3-5,-4 6,-1 0,1 0,0 0,-1 0,0 0,1 0,-1 0,0 0,0 0,0 0,0 0,-1 0,1 0,0 0,-1 0,0-3,-3-1,1-1,-1 1,0 0,0 0,-1 0,0 1,0-1,0 1,-1 0,-6-4,-10-7,-1 2,0 0,-1 1,-40-15,4 7,-63-13,-144-14,-74 16,-9 13</inkml:trace>
+</inkml:ink>
+</file>
+
+<file path=ppt/ink/ink109.xml><?xml version="1.0" encoding="utf-8"?>
+<inkml:ink xmlns:inkml="http://www.w3.org/2003/InkML">
+  <inkml:definitions>
+    <inkml:context xml:id="ctx0">
+      <inkml:inkSource xml:id="inkSrc0">
+        <inkml:traceFormat>
+          <inkml:channel name="X" type="integer" min="-2.14748E9" max="2.14748E9" units="cm"/>
+          <inkml:channel name="Y" type="integer" min="-2.14748E9" max="2.14748E9" units="cm"/>
+        </inkml:traceFormat>
+        <inkml:channelProperties>
+          <inkml:channelProperty channel="X" name="resolution" value="1000" units="1/cm"/>
+          <inkml:channelProperty channel="Y" name="resolution" value="1000" units="1/cm"/>
+        </inkml:channelProperties>
+      </inkml:inkSource>
+      <inkml:timestamp xml:id="ts0" timeString="2025-06-03T05:05:07.847"/>
+    </inkml:context>
+    <inkml:brush xml:id="br0">
+      <inkml:brushProperty name="width" value="0.4" units="cm"/>
+      <inkml:brushProperty name="height" value="0.8" units="cm"/>
+      <inkml:brushProperty name="color" value="#FFFC00"/>
+      <inkml:brushProperty name="tip" value="rectangle"/>
+      <inkml:brushProperty name="rasterOp" value="maskPen"/>
+      <inkml:brushProperty name="ignorePressure" value="1"/>
+    </inkml:brush>
+  </inkml:definitions>
+  <inkml:trace contextRef="#ctx0" brushRef="#br0">6 0,'-5'0,"4"0,5 0,7 0,10 9,5 2,11-1,41 3,58 11,64 6,53 11,42 1,25 8,-25-6,-58-10,-70-10</inkml:trace>
+</inkml:ink>
+</file>
+
 <file path=ppt/ink/ink11.xml><?xml version="1.0" encoding="utf-8"?>
 <inkml:ink xmlns:inkml="http://www.w3.org/2003/InkML">
   <inkml:definitions>
@@ -237,6 +540,296 @@
 </inkml:ink>
 </file>
 
+<file path=ppt/ink/ink110.xml><?xml version="1.0" encoding="utf-8"?>
+<inkml:ink xmlns:inkml="http://www.w3.org/2003/InkML">
+  <inkml:definitions>
+    <inkml:context xml:id="ctx0">
+      <inkml:inkSource xml:id="inkSrc0">
+        <inkml:traceFormat>
+          <inkml:channel name="X" type="integer" min="-2.14748E9" max="2.14748E9" units="cm"/>
+          <inkml:channel name="Y" type="integer" min="-2.14748E9" max="2.14748E9" units="cm"/>
+        </inkml:traceFormat>
+        <inkml:channelProperties>
+          <inkml:channelProperty channel="X" name="resolution" value="1000" units="1/cm"/>
+          <inkml:channelProperty channel="Y" name="resolution" value="1000" units="1/cm"/>
+        </inkml:channelProperties>
+      </inkml:inkSource>
+      <inkml:timestamp xml:id="ts0" timeString="2025-06-03T05:05:08.927"/>
+    </inkml:context>
+    <inkml:brush xml:id="br0">
+      <inkml:brushProperty name="width" value="0.4" units="cm"/>
+      <inkml:brushProperty name="height" value="0.8" units="cm"/>
+      <inkml:brushProperty name="color" value="#FFFC00"/>
+      <inkml:brushProperty name="tip" value="rectangle"/>
+      <inkml:brushProperty name="rasterOp" value="maskPen"/>
+      <inkml:brushProperty name="ignorePressure" value="1"/>
+    </inkml:brush>
+  </inkml:definitions>
+  <inkml:trace contextRef="#ctx0" brushRef="#br0">1 1,'55'1,"0"3,106 22,105 46,-213-56,227 64,145 29,125 19,1275 201,-881-213,2-71,-692-53,0-11,340-70,-303 33,429-78,1 38,-591 85,149 6,-238 8</inkml:trace>
+</inkml:ink>
+</file>
+
+<file path=ppt/ink/ink111.xml><?xml version="1.0" encoding="utf-8"?>
+<inkml:ink xmlns:inkml="http://www.w3.org/2003/InkML">
+  <inkml:definitions>
+    <inkml:context xml:id="ctx0">
+      <inkml:inkSource xml:id="inkSrc0">
+        <inkml:traceFormat>
+          <inkml:channel name="X" type="integer" min="-2.14748E9" max="2.14748E9" units="cm"/>
+          <inkml:channel name="Y" type="integer" min="-2.14748E9" max="2.14748E9" units="cm"/>
+        </inkml:traceFormat>
+        <inkml:channelProperties>
+          <inkml:channelProperty channel="X" name="resolution" value="1000" units="1/cm"/>
+          <inkml:channelProperty channel="Y" name="resolution" value="1000" units="1/cm"/>
+        </inkml:channelProperties>
+      </inkml:inkSource>
+      <inkml:timestamp xml:id="ts0" timeString="2025-06-03T05:05:09.765"/>
+    </inkml:context>
+    <inkml:brush xml:id="br0">
+      <inkml:brushProperty name="width" value="0.4" units="cm"/>
+      <inkml:brushProperty name="height" value="0.8" units="cm"/>
+      <inkml:brushProperty name="color" value="#FFFC00"/>
+      <inkml:brushProperty name="tip" value="rectangle"/>
+      <inkml:brushProperty name="rasterOp" value="maskPen"/>
+      <inkml:brushProperty name="ignorePressure" value="1"/>
+    </inkml:brush>
+  </inkml:definitions>
+  <inkml:trace contextRef="#ctx0" brushRef="#br0">1 0,'0'9,"8"10,11 3,12-3,7 13,28 21,15 2,14-5,13-10,12-12,-14-11</inkml:trace>
+</inkml:ink>
+</file>
+
+<file path=ppt/ink/ink112.xml><?xml version="1.0" encoding="utf-8"?>
+<inkml:ink xmlns:inkml="http://www.w3.org/2003/InkML">
+  <inkml:definitions>
+    <inkml:context xml:id="ctx0">
+      <inkml:inkSource xml:id="inkSrc0">
+        <inkml:traceFormat>
+          <inkml:channel name="X" type="integer" min="-2.14748E9" max="2.14748E9" units="cm"/>
+          <inkml:channel name="Y" type="integer" min="-2.14748E9" max="2.14748E9" units="cm"/>
+        </inkml:traceFormat>
+        <inkml:channelProperties>
+          <inkml:channelProperty channel="X" name="resolution" value="1000" units="1/cm"/>
+          <inkml:channelProperty channel="Y" name="resolution" value="1000" units="1/cm"/>
+        </inkml:channelProperties>
+      </inkml:inkSource>
+      <inkml:timestamp xml:id="ts0" timeString="2025-06-03T05:05:11.331"/>
+    </inkml:context>
+    <inkml:brush xml:id="br0">
+      <inkml:brushProperty name="width" value="0.4" units="cm"/>
+      <inkml:brushProperty name="height" value="0.8" units="cm"/>
+      <inkml:brushProperty name="color" value="#FFFC00"/>
+      <inkml:brushProperty name="tip" value="rectangle"/>
+      <inkml:brushProperty name="rasterOp" value="maskPen"/>
+      <inkml:brushProperty name="ignorePressure" value="1"/>
+    </inkml:brush>
+  </inkml:definitions>
+  <inkml:trace contextRef="#ctx0" brushRef="#br0">650 0,'-12'4,"1"0,0 1,0 0,-19 12,30-17,-71 40,3 4,1 2,-62 57,104-81,2 1,0 1,2 1,1 1,0 1,2 0,2 2,0 0,2 0,-16 47,27-67,0 0,1-1,0 1,1 0,0 0,0 0,1 0,0 0,0 0,1 0,1 0,-1 0,1 0,1-1,0 1,0-1,0 1,1-1,0 0,1-1,0 1,0-1,1 0,11 12,7 5,2-2,0 0,2-2,0-1,38 20,161 63,103 13,-262-96,2-3,126 12,-152-29,-44 1,0 0,0 0,0 0,0 0,0 0,-1 0,1 0,0 0,0 0,0 0,0 0,0 0,0 0,0 0,0 0,-1 0,1 0,0 0,0 0,0-1,0 1,0 0,0 0,0 0,0 0,0 0,0 0,0 0,0 0,-1 0,1 0,0-1,0 1,0 0,0 0,0 0,0 0,0 0,0 0,0 0,0 0,0-1,0 1,0 0,0 0,0 0,0 0,0 0,0 0,0 0,0 0,1-1,-1 1,0 0,0 0,0 0,0 0,0 0,0 0,0 0,0 0,0 0,0 0,0 0,1-1,-26-6,-522-88,411 82,130 12,0 1,0 0,0 1,0 0,0 0,0 0,0 0,0 1,0 0,-8 5,13-7,0 1,1-1,-1 1,0 0,1-1,-1 1,1 0,-1 0,1-1,-1 1,1 0,-1 0,1 0,0-1,-1 1,1 0,0 0,0 0,0 0,0 0,0 0,0 0,0-1,0 1,0 0,0 0,0 0,0 0,1 1,1 2,0 0,1 0,-1 0,1-1,0 1,0-1,0 1,0-1,8 5,22 16,2-1,1-1,44 18,263 102,367 87,17-41,-359-108,-116-42,-237-36,1 0,-1-1,0-1,0 0,1-1,20-4,-36 5,1-1,0 1,-1 0,1 0,0 0,-1-1,1 1,0-1,-1 1,1 0,-1-1,1 1,-1-1,1 1,-1-1,1 1,-1-1,1 0,-1 1,0-1,1 1,-1-1,0 0,0 1,1-1,-1 0,0 1,0-1,0 0,0 0,0-1,-1 0,1 0,-1 0,0 0,0 0,-1 0,1 0,0 0,-1 0,1 0,-1 1,0-1,-2-2,-22-15,1 2,-54-27,-150-66,-725-260,672 279,86 22,180 63,0-1,1-1,-1 0,-15-11,30 18,0 0,0 1,0-1,0 0,0 1,0-1,0 0,1 0,-1 0,0 0,1 0,-1 0,0 0,1 0,-1 0,1 0,0 0,-1 0,1-1,0 1,0 0,-1 0,1 0,0 0,0-1,0 1,1 0,-1 0,0 0,0 0,1-3,1 1,0 0,1 1,-1-1,0 0,1 0,0 1,5-4,1-1,0-1,-1-1,0 0,0 0,11-17,-17 22,1 0,-1 0,0-1,0 1,-1 0,1-1,-1 0,0 1,0-1,-1 0,1 0,-1 1,0-1,0 0,-2-5,0 1,-1 0,-1 0,0 1,0-1,0 1,-8-10,0-2,11 19,0 0,0-1,0 1,1 0,-1 0,0 0,1 0,-1 0,1-1,0 1,-1 0,1-1,0 1,0 0,-1 0,1-1,0 1,0 0,1-1,-1 1,0 0,0-1,1 1,-1 0,0 0,1-1,0 1,0-2,2 2,1-1,-1 0,1 1,-1 0,1-1,0 2,-1-1,1 0,0 1,0-1,0 1,-1 0,1 1,5 0,57 5,68 17,220 54,276 88,360 82,-821-218,-160-28,1 1,-1-2,1 0,-1 0,12-2,-21 2,1 0,-1 0,0 0,0 0,0 0,1 0,-1 0,0 0,0 0,0 0,1 0,-1 0,0 0,0 0,0-1,0 1,1 0,-1 0,0 0,0 0,0 0,0 0,0-1,0 1,1 0,-1 0,0 0,0 0,0-1,0 1,0 0,0 0,0 0,0-1,0 1,0 0,0 0,0 0,0-1,0 1,0 0,-9-9,-16-5,-1 2,0 0,0 2,-52-13,-39-15,-26-24,-227-134,294 149</inkml:trace>
+</inkml:ink>
+</file>
+
+<file path=ppt/ink/ink113.xml><?xml version="1.0" encoding="utf-8"?>
+<inkml:ink xmlns:inkml="http://www.w3.org/2003/InkML">
+  <inkml:definitions>
+    <inkml:context xml:id="ctx0">
+      <inkml:inkSource xml:id="inkSrc0">
+        <inkml:traceFormat>
+          <inkml:channel name="X" type="integer" min="-2.14748E9" max="2.14748E9" units="cm"/>
+          <inkml:channel name="Y" type="integer" min="-2.14748E9" max="2.14748E9" units="cm"/>
+        </inkml:traceFormat>
+        <inkml:channelProperties>
+          <inkml:channelProperty channel="X" name="resolution" value="1000" units="1/cm"/>
+          <inkml:channelProperty channel="Y" name="resolution" value="1000" units="1/cm"/>
+        </inkml:channelProperties>
+      </inkml:inkSource>
+      <inkml:timestamp xml:id="ts0" timeString="2025-06-03T05:06:50.102"/>
+    </inkml:context>
+    <inkml:brush xml:id="br0">
+      <inkml:brushProperty name="width" value="0.4" units="cm"/>
+      <inkml:brushProperty name="height" value="0.8" units="cm"/>
+      <inkml:brushProperty name="color" value="#FFFC00"/>
+      <inkml:brushProperty name="tip" value="rectangle"/>
+      <inkml:brushProperty name="rasterOp" value="maskPen"/>
+      <inkml:brushProperty name="ignorePressure" value="1"/>
+    </inkml:brush>
+  </inkml:definitions>
+  <inkml:trace contextRef="#ctx0" brushRef="#br0">1 10,'10'1,"0"-1,0 2,14 3,27 3,228-12,-107-2,2376-2,-1518 10,-825-1,361-6,-465-1</inkml:trace>
+</inkml:ink>
+</file>
+
+<file path=ppt/ink/ink114.xml><?xml version="1.0" encoding="utf-8"?>
+<inkml:ink xmlns:inkml="http://www.w3.org/2003/InkML">
+  <inkml:definitions>
+    <inkml:context xml:id="ctx0">
+      <inkml:inkSource xml:id="inkSrc0">
+        <inkml:traceFormat>
+          <inkml:channel name="X" type="integer" min="-2.14748E9" max="2.14748E9" units="cm"/>
+          <inkml:channel name="Y" type="integer" min="-2.14748E9" max="2.14748E9" units="cm"/>
+        </inkml:traceFormat>
+        <inkml:channelProperties>
+          <inkml:channelProperty channel="X" name="resolution" value="1000" units="1/cm"/>
+          <inkml:channelProperty channel="Y" name="resolution" value="1000" units="1/cm"/>
+        </inkml:channelProperties>
+      </inkml:inkSource>
+      <inkml:timestamp xml:id="ts0" timeString="2025-06-03T05:06:52.995"/>
+    </inkml:context>
+    <inkml:brush xml:id="br0">
+      <inkml:brushProperty name="width" value="0.4" units="cm"/>
+      <inkml:brushProperty name="height" value="0.8" units="cm"/>
+      <inkml:brushProperty name="color" value="#FFFC00"/>
+      <inkml:brushProperty name="tip" value="rectangle"/>
+      <inkml:brushProperty name="rasterOp" value="maskPen"/>
+      <inkml:brushProperty name="ignorePressure" value="1"/>
+    </inkml:brush>
+  </inkml:definitions>
+  <inkml:trace contextRef="#ctx0" brushRef="#br0">4 0,'-1'0,"-1"1,7 6,10 5,0 0,0-1,1-1,19 10,-18-10,134 69,164 61,172 40,-476-176,7 2,21 7,0 3,37 20,-66-31,0 0,-1 1,0 1,-1 0,1 0,-1 1,-1-1,1 2,-1-1,-1 1,0 0,8 15,-11-17,-1 1,0 0,0 0,-1-1,0 1,0 0,0 0,-1 0,-1 0,1 0,-1 0,-1 0,0 0,0 0,0 0,-1-1,0 1,-5 8,-9 16,-1-1,-41 51,36-51,-60 82,-122 174,192-267,4-9,2 0,-1 1,1 0,-9 25,15-35,0 0,1 1,-1-1,1 0,-1 1,1-1,0 1,0-1,0 1,0-1,0 1,1-1,-1 1,1-1,-1 0,1 1,0-1,0 0,0 0,0 1,1-1,-1 0,0 0,1 0,0 0,-1-1,1 1,0 0,0-1,0 1,0-1,0 0,3 2,6 2,1 0,0 0,0-2,0 1,1-1,14 1,85 3,-33-6,0-4,0-4,-1-2,138-37,-165 27,-37 10,-17 7,-24 10,17-3,-7 4,1 0,0 0,-16 14,27-19,1 0,0 0,0 0,0 0,0 1,1-1,0 1,0 0,0 0,1 1,-1-1,1 0,1 1,-3 10,-10 98,-11 63,-19-7,-8-1,-102 225,147-375,0 0,1 1,1 0,1 0,-3 35,5 100,4-42,-5-67,-2 0,-18 80,-38 86,31-116,18-51,2-1,2 2,1-1,3 1,2 0,2 0,1 0,3 0,2 0,2-1,18 62,-19-82,-2 0,0 1,-2-1,0 46,-17 100,12-159,1-1,0 1,1 0,0-1,1 1,0 0,1-1,0 1,1-1,0 0,1 0,0 0,0 0,1-1,1 0,0 0,1 0,-1 0,2-1,-1 0,1-1,1 0,12 10,4 2,0 0,1-2,1-1,0-2,1 0,1-2,0-1,1-1,32 7,-55-17,-1 0,0 0,1 0,0-1,-1 0,1 0,-1 0,1-1,-1 0,0-1,1 1,-1-1,0-1,0 1,0-1,0 0,0 0,-1 0,0-1,1 0,6-7,-5 3,0 0,-1-1,0 1,-1-1,0-1,0 1,-1-1,0 1,-1-1,0 0,-1 0,3-16,4-58,-5 52</inkml:trace>
+</inkml:ink>
+</file>
+
+<file path=ppt/ink/ink115.xml><?xml version="1.0" encoding="utf-8"?>
+<inkml:ink xmlns:inkml="http://www.w3.org/2003/InkML">
+  <inkml:definitions>
+    <inkml:context xml:id="ctx0">
+      <inkml:inkSource xml:id="inkSrc0">
+        <inkml:traceFormat>
+          <inkml:channel name="X" type="integer" min="-2.14748E9" max="2.14748E9" units="cm"/>
+          <inkml:channel name="Y" type="integer" min="-2.14748E9" max="2.14748E9" units="cm"/>
+        </inkml:traceFormat>
+        <inkml:channelProperties>
+          <inkml:channelProperty channel="X" name="resolution" value="1000" units="1/cm"/>
+          <inkml:channelProperty channel="Y" name="resolution" value="1000" units="1/cm"/>
+        </inkml:channelProperties>
+      </inkml:inkSource>
+      <inkml:timestamp xml:id="ts0" timeString="2025-06-03T05:07:44.944"/>
+    </inkml:context>
+    <inkml:brush xml:id="br0">
+      <inkml:brushProperty name="width" value="0.4" units="cm"/>
+      <inkml:brushProperty name="height" value="0.8" units="cm"/>
+      <inkml:brushProperty name="color" value="#FFFC00"/>
+      <inkml:brushProperty name="tip" value="rectangle"/>
+      <inkml:brushProperty name="rasterOp" value="maskPen"/>
+      <inkml:brushProperty name="ignorePressure" value="1"/>
+    </inkml:brush>
+  </inkml:definitions>
+  <inkml:trace contextRef="#ctx0" brushRef="#br0">2064 25,'0'5,"0"0,0 0,-1 0,0 0,0 0,0 0,-1 0,0 0,0-1,0 1,-4 6,-1 3,-20 33,-1-1,-2-1,-2-2,-47 48,8-18,-112 89,-400 245,-31-50,446-267,-55 32,304-165,569-409,-483 312,158-170,-141 127,-133 138,-49 44,-1 0,0 0,1 0,-1 0,0 1,1-1,-1 0,1 1,-1-1,1 0,0 1,-1 0,1-1,0 1,2 0,0 8,-8 11,-8 8,-2 0,0-1,-28 36,19-28,-6 9,-143 220,20 10,151-270,-3 5,0-1,1 1,0 0,-3 16,6-23,0 0,0 1,-1-1,1 1,0-1,0 0,1 1,-1-1,0 0,0 1,1-1,-1 0,0 0,1 1,0-1,-1 0,1 0,0 0,-1 1,1-1,0 0,0 0,0 0,0 0,0-1,0 1,0 0,0 0,0 0,1-1,-1 1,0-1,0 1,1-1,-1 0,0 1,2-1,5 1,0-1,0 0,0 0,0-1,0 0,0-1,-1 0,14-4,57-24,-1-3,90-53,-165 84,183-101,277-205,-358 227,-4-5,-3-4,155-189,-217 232,31-54,-55 77,-13 25,1-1,-1 1,0 0,1 0,-1 0,1 0,-1 0,1 1,0-1,-1 0,1 1,0-1,-2 3,-121 130,-93 97,49-64,-554 597,701-739,14-19,1 1,0-1,0 1,1 1,-1-1,2 1,-1 0,1 0,-4 12,11-15,7-9,4-7,0-1,0 0,-1 0,-1-1,12-17,51-79,-22 20</inkml:trace>
+</inkml:ink>
+</file>
+
+<file path=ppt/ink/ink116.xml><?xml version="1.0" encoding="utf-8"?>
+<inkml:ink xmlns:inkml="http://www.w3.org/2003/InkML">
+  <inkml:definitions>
+    <inkml:context xml:id="ctx0">
+      <inkml:inkSource xml:id="inkSrc0">
+        <inkml:traceFormat>
+          <inkml:channel name="X" type="integer" min="-2.14748E9" max="2.14748E9" units="cm"/>
+          <inkml:channel name="Y" type="integer" min="-2.14748E9" max="2.14748E9" units="cm"/>
+        </inkml:traceFormat>
+        <inkml:channelProperties>
+          <inkml:channelProperty channel="X" name="resolution" value="1000" units="1/cm"/>
+          <inkml:channelProperty channel="Y" name="resolution" value="1000" units="1/cm"/>
+        </inkml:channelProperties>
+      </inkml:inkSource>
+      <inkml:timestamp xml:id="ts0" timeString="2025-06-03T05:07:48.462"/>
+    </inkml:context>
+    <inkml:brush xml:id="br0">
+      <inkml:brushProperty name="width" value="0.4" units="cm"/>
+      <inkml:brushProperty name="height" value="0.8" units="cm"/>
+      <inkml:brushProperty name="color" value="#FFFC00"/>
+      <inkml:brushProperty name="tip" value="rectangle"/>
+      <inkml:brushProperty name="rasterOp" value="maskPen"/>
+      <inkml:brushProperty name="ignorePressure" value="1"/>
+    </inkml:brush>
+  </inkml:definitions>
+  <inkml:trace contextRef="#ctx0" brushRef="#br0">13384 2840,'7'0,"156"7,-145-5,1 2,-1 0,1 1,-2 0,1 2,26 13,-1 5,-1 2,69 59,68 80,-54-48,-58-58,87 60,-117-96,1-1,0-2,2-2,61 22,-88-37,4 2,0 0,30 15,-41-18,0 1,0 0,-1 1,1 0,-1-1,0 2,-1-1,1 1,-1-1,6 11,7 16,-2 2,0 0,16 63,14 113,-25-108,-33-168,-2-9,-39-120,38 156,-2 1,-2 2,-32-48,42 70,0 0,0 1,-1 1,-18-16,23 23,0 1,-1-1,1 1,-1 0,0 1,-1 0,1 0,0 0,-1 1,0 0,1 0,-11 0,-50-3,3 0,-106-20,59-4,-162-66,-101-68,347 150,-636-234,-17 59,655 181,-317-71,-357-34,-3 64,-3 48,421 2,-2966 3,2723-5,-359-44,7-53,679 73,-492-15,-1168 45,1263-6,482 3,-162 26,193-17,83-11,0-1,1 0,-1 1,0-1,0 0,0 0,0 0,0 0,0 0,0 0,0-1,1 1,-1-1,0 1,0-1,0 0,1 0,-1 0,-3-1,5 0,-1-1,1 1,0 0,0 0,0 0,0 0,0-1,0 1,0 0,1 0,-1 0,1 0,-1 0,1 0,0 0,0 0,0 0,1-2,84-172,11-27,-44 65,-7-1,36-182,-45 124,11-225,-32-309,-19 692,-5 79,-80 652,-41 357,47-2,81-1010,-1-7,1-1,1 1,2-1,5 33,-6-58,0-1,0 1,0-1,1 1,-1-1,1 1,-1-1,1 0,0 0,1 0,-1 0,0 0,5 4,-6-7,0 1,1 0,-1-1,0 1,0-1,1 0,-1 1,0-1,1 0,-1 0,0 0,1 1,-1-1,0-1,1 1,-1 0,0 0,1 0,-1-1,0 1,0-1,1 1,-1-1,0 0,0 1,0-1,0 0,1 0,-1 1,0-1,-1 0,1 0,0 0,0 0,0-1,-1 1,2-1,8-14,-1 0,0 0,-1-1,10-31,-13 37,16-56,-3-1,-2-1,-4-1,6-106,-12 60</inkml:trace>
+</inkml:ink>
+</file>
+
+<file path=ppt/ink/ink117.xml><?xml version="1.0" encoding="utf-8"?>
+<inkml:ink xmlns:inkml="http://www.w3.org/2003/InkML">
+  <inkml:definitions>
+    <inkml:context xml:id="ctx0">
+      <inkml:inkSource xml:id="inkSrc0">
+        <inkml:traceFormat>
+          <inkml:channel name="X" type="integer" min="-2.14748E9" max="2.14748E9" units="cm"/>
+          <inkml:channel name="Y" type="integer" min="-2.14748E9" max="2.14748E9" units="cm"/>
+        </inkml:traceFormat>
+        <inkml:channelProperties>
+          <inkml:channelProperty channel="X" name="resolution" value="1000" units="1/cm"/>
+          <inkml:channelProperty channel="Y" name="resolution" value="1000" units="1/cm"/>
+        </inkml:channelProperties>
+      </inkml:inkSource>
+      <inkml:timestamp xml:id="ts0" timeString="2025-06-03T05:07:51.257"/>
+    </inkml:context>
+    <inkml:brush xml:id="br0">
+      <inkml:brushProperty name="width" value="0.4" units="cm"/>
+      <inkml:brushProperty name="height" value="0.8" units="cm"/>
+      <inkml:brushProperty name="color" value="#FFFC00"/>
+      <inkml:brushProperty name="tip" value="rectangle"/>
+      <inkml:brushProperty name="rasterOp" value="maskPen"/>
+      <inkml:brushProperty name="ignorePressure" value="1"/>
+    </inkml:brush>
+  </inkml:definitions>
+  <inkml:trace contextRef="#ctx0" brushRef="#br0">17189 1,'-32'32,"-44"41,46-48,-1-2,-1 0,-56 27,-128 44,192-85,-441 162,-176 39,-148 13,-122-2,-1275 221,124-27,1555-296,114-15,92-17,-128 61,223-72,-228 51,250-89,53-13,-227 75,-242 135,311-111,17-7,159-80,-1-5,-125 18,229-48,-631 68,249-37,-109 33,6 34,434-82,0 3,-79 38,89-37,0-3,-93 23,-110 6,154-31,85-14,11-2,0 0,0 0,0-1,-1 1,1-1,0 0,-1 0,-6-1,10 0,-1 0,1 1,0-1,-1 0,1 0,0 0,0 0,0 0,0-1,0 1,0 0,0 0,0-1,0 1,1 0,-1-1,0 1,1-1,0 1,-1-1,1 1,0-1,-1 1,1-1,0 1,0-1,0 0,1 1,-1-3,16-260,-2 85,-4-73,-10 236,0-56,-1 69,1-1,0 0,-1 1,0-1,0 1,0-1,0 1,-1-1,1 1,-1 0,0-1,0 1,0 0,-4-3,5 5,-1 0,1 0,-1 0,0 0,1 0,-1 1,0-1,0 1,1-1,-1 1,0 0,0-1,0 1,0 0,1 0,-1 1,0-1,0 0,0 0,0 1,1 0,-1-1,0 1,0 0,-2 1,-8 4,1 1,0 0,0 1,0 0,1 1,-16 16,-55 73,80-97,-340 494,303-437,16-24,-151 240,25 7,142-270,-11 33,16-41,0-1,1 1,-1-1,1 0,0 1,0-1,-1 1,2-1,-1 1,0-1,0 1,1-1,-1 0,2 3,-1-3,-1-1,1 0,0 0,0 0,0 0,0 0,0 0,0-1,0 1,0 0,0 0,1-1,-1 1,0-1,0 1,1-1,-1 1,0-1,0 0,1 1,-1-1,1 0,-1 0,0 0,1 0,-1-1,0 1,1 0,-1 0,0-1,0 1,1-1,-1 1,0-1,2 0,3-2,1 0,-1-1,0 0,0 0,0 0,6-6,5-6,-1-2,-1 0,-1-1,23-37,37-97,-37 58,-5-1,-4-2,-4-1,20-179,-15-411,-31 541,-22-164,19 282,0 0,-15-45,17 68,1 1,-1-1,0 1,0 0,0-1,-1 1,0 1,0-1,-1 1,0-1,1 1,-2 1,1-1,-1 1,-9-6,12 8,-1 1,1 0,-1 0,0 0,1 0,-1 1,0-1,0 1,0 0,1 0,-1 0,0 1,0-1,0 1,1 0,-1 0,0 1,1-1,-1 1,1-1,-5 4,-7 6,0 0,2 0,-1 1,1 1,1 0,-11 17,-31 41,4 3,-63 122,-61 178,173-370,-203 477,31 9,169-477,-6 20,0 0,2 1,-5 53,13-84,0 0,0 1,0-1,0 0,1 0,-1 1,1-1,0 0,2 6,-2-8,-1 0,1 0,0 0,0 0,0 0,0 0,-1 0,1 0,1 0,-1 0,0 0,0 0,0-1,0 1,0-1,1 1,1 0,3 0,0-1,0 0,0 0,0 0,1 0,-1-1,0 0,8-3,-4 1,0 0,0 0,0-1,-1 0,1-1,-1 0,0-1,-1 0,1 0,-1-1,0 0,-1 0,0-1,10-13,-1-3,0 0,-2-1,-1-1,13-36,1-15,-3-1,-4-1,17-135,-2-248,-26-234,-9 685,0-1,-1 1,0 0,-1-1,-1 1,0 0,-4-11,7 21,-1 1,1-1,0 1,-1-1,1 0,-1 1,1-1,-1 1,1-1,-1 1,1 0,-1-1,1 1,-1 0,0-1,1 1,-1 0,1-1,-1 1,0 0,1 0,-1 0,0 0,1 0,-1 0,0 0,0 0,1 0,-1 0,-1 0,0 1,-1 1,1-1,0 0,0 1,-1-1,1 1,0 0,0 0,1 0,-4 3,-12 19,1 0,2 1,-16 34,-80 199,-28 116,-23 120,-116 622,213-694,62-400,0-11,0 0,1 0,1 0,-1 0,2 0,0 0,0 0,1 0,0 0,5 13,-6-23,0 0,-1 1,1-1,0 0,0 0,-1 0,1 0,0 0,0 0,0 0,1 0,-1 0,0-1,0 1,0 0,1-1,-1 1,0-1,0 1,1-1,-1 0,0 1,1-1,-1 0,1 0,-1 0,0 0,1 0,-1 0,3-1,4-1,-1-1,0 1,0-1,11-6,-18 9,30-18,0 0,-1-2,-2-1,0-2,45-48,-24 15,76-116,-47 44,-7-3,-5-3,67-202,89-437,-204 699,-16 68,-3 16,-28 130,-17 141,-129 1586,174-1826,0 246,2-282,1 6,0 0,0 0,6 19,-7-29,0 0,0 1,1-1,-1 0,1 0,-1 1,1-1,0 0,-1 0,1 0,0 0,0 0,-1 0,1 0,0 0,0 0,0 0,0 0,1-1,-1 1,0 0,0-1,0 1,1-1,-1 1,0-1,0 0,1 1,-1-1,0 0,1 0,-1 0,0 0,1 0,-1 0,0 0,3-1,112-44,-91 35,-1 0,0-2,-1 0,0-2,-1 0,-1-2,0 0,-2-2,1 0,-2-1,28-37,-7 6,-3-2,-1-2,-3 0,40-97,-70 147,-1 0,1 0,-1 0,0 0,0 0,-1 0,1 0,-1 0,0-1,0 1,-1-5,1 8,0 1,0-1,-1 1,1-1,0 0,0 1,-1-1,1 1,-1-1,1 1,0 0,-1-1,1 1,-1-1,1 1,-1 0,1-1,-1 1,1 0,-1 0,0-1,1 1,-1 0,1 0,-1 0,-1-1,0 2,0-1,-1 0,1 0,0 1,-1 0,1-1,0 1,-1 0,1 0,-3 2,2-2,1 1,-1 0,1-1,0 1,0 0,-1 0,1 0,1 1,-1-1,0 0,0 1,1-1,-1 1,1-1,0 1,0 0,0 0,0-1,0 5,-1 4,2 0,-1-1,1 1,3 20,4 11,21 72,30 61</inkml:trace>
+</inkml:ink>
+</file>
+
+<file path=ppt/ink/ink118.xml><?xml version="1.0" encoding="utf-8"?>
+<inkml:ink xmlns:inkml="http://www.w3.org/2003/InkML">
+  <inkml:definitions>
+    <inkml:context xml:id="ctx0">
+      <inkml:inkSource xml:id="inkSrc0">
+        <inkml:traceFormat>
+          <inkml:channel name="X" type="integer" min="-2.14748E9" max="2.14748E9" units="cm"/>
+          <inkml:channel name="Y" type="integer" min="-2.14748E9" max="2.14748E9" units="cm"/>
+        </inkml:traceFormat>
+        <inkml:channelProperties>
+          <inkml:channelProperty channel="X" name="resolution" value="1000" units="1/cm"/>
+          <inkml:channelProperty channel="Y" name="resolution" value="1000" units="1/cm"/>
+        </inkml:channelProperties>
+      </inkml:inkSource>
+      <inkml:timestamp xml:id="ts0" timeString="2025-06-03T05:28:48.700"/>
+    </inkml:context>
+    <inkml:brush xml:id="br0">
+      <inkml:brushProperty name="width" value="0.4" units="cm"/>
+      <inkml:brushProperty name="height" value="0.8" units="cm"/>
+      <inkml:brushProperty name="color" value="#FFFC00"/>
+      <inkml:brushProperty name="tip" value="rectangle"/>
+      <inkml:brushProperty name="rasterOp" value="maskPen"/>
+      <inkml:brushProperty name="ignorePressure" value="1"/>
+    </inkml:brush>
+  </inkml:definitions>
+  <inkml:trace contextRef="#ctx0" brushRef="#br0">956 1,'241'160,"-37"-23,-188-127,-7-5,1 0,-1 1,0 1,0 0,-1 0,13 14,-19-19,-1 0,0 0,0 0,0 0,0 1,0-1,0 0,0 0,-1 1,1-1,-1 0,0 1,0-1,0 0,0 4,-1-3,1 1,-1-1,-1 1,1-1,0 1,-1-1,0 0,0 1,0-1,0 0,0 0,-5 3,-7 8,0-1,-1 0,-1-1,-18 10,-78 41,77-44,-296 155,-364 205,663-361,-63 41,84-52,0 1,1 0,0 1,1 0,-13 16,21-24,0 0,0 0,0 0,0 0,0 1,1-1,-1 0,0 0,1 1,-1-1,0 1,1-1,0 0,-1 1,1-1,0 1,0-1,0 1,0-1,0 1,0-1,0 1,0-1,1 0,-1 1,0-1,1 1,-1-1,1 0,0 1,0-1,-1 0,1 0,0 1,0-1,1 1,3 1,-1 0,1 0,0 0,0-1,0 0,1 0,-1 0,8 1,22 4,1-1,66 3,79-10,-181 0,119-5,-1-7,167-38,-276 49,-2 1,0-1,0 1,0 0,0 0,8 1,-13 0,0 0,0 0,-1 1,1-1,0 1,-1-1,1 1,0 0,-1-1,1 1,-1 0,1 0,-1 0,0 0,1 0,-1 1,0-1,0 0,1 1,-1-1,0 0,-1 1,1 0,0-1,0 1,0 1,3 15,-1 1,0-1,-2 1,0 0,-1-1,0 1,-5 22,2 0,0-12,2-18,-1 1,2 0,0 0,3 24,-3-33,1 0,0 1,0-1,0 0,1 0,-1 0,1 0,-1 0,1 0,0-1,0 1,1 0,-1-1,0 0,1 1,0-1,-1 0,1 0,0-1,0 1,0 0,6 1,18 4,1 0,0-2,0-2,57 1,-62-3,71 2,160-16,-213 8,-1-2,0-1,-1-2,0-2,-1-2,55-27,-126 61,0 2,2 1,-55 52,-74 98,126-132,-44 71,68-94,0-1,1 1,1 0,1 1,0 0,2 0,-5 28,10-43,0-1,0 1,0 0,0 0,1-1,0 1,0 0,0 0,0-1,0 1,1-1,0 1,-1-1,5 5,-3-2,0-1,0 1,0 0,3 11,-4-4,0 0,-1 0,-1 0,0 0,-1 0,0 0,-1 0,-1-1,0 1,-6 16,-9 21,-28 54,-139 240,51-100,132-240,-9 15,2-1,0 1,1 1,1-1,-5 26,12-43,-1 1,1 0,0 0,-1-1,1 1,1 0,-1 0,0-1,1 1,-1 0,1-1,0 1,2 3,-3-5,1 0,0 0,0 0,0 0,-1 0,1-1,0 1,0 0,0-1,1 1,-1-1,0 1,0-1,0 1,0-1,0 0,1 0,-1 1,0-1,0 0,0 0,1 0,-1 0,0 0,0-1,0 1,1 0,-1-1,2 0,2 0,-2 0,1-1,0 1,0 0,0 1,0-1,1 1,-1 0,8 0,-10 1,-1 0,1 0,0 0,-1-1,1 2,0-1,-1 0,1 0,-1 0,0 1,1-1,-1 1,0-1,0 1,0-1,0 1,0 0,0-1,-1 1,1 0,0 0,-1 0,0 0,1-1,-1 4,2 8,0 0,-1 1,-1-1,0 0,-3 22,-19 77,-6-15,-4-2,-82 173,-123 162,215-398,19-34,4-7,22-61,-23 68,241-655,-234 638,13-42,-19 56,0 0,0 0,-1 0,1-1,-1 1,0 0,0 0,-2-10,1 13,0 0,0 1,0-1,0 0,0 1,0-1,0 1,0-1,0 1,-1 0,1-1,-1 1,1 0,-1 0,1 0,-1 0,0 0,1 0,-1 1,0-1,0 0,-2 1,-10-6,10 3,0 0,0 0,0 0,1 0,-1 0,1-1,0 0,0 0,0 0,1 0,-1 0,1 0,0 0,0-1,0 1,0-6,-3-10,1-1,-3-30,6 38,-10-565,14 423,0 58,0 50,-2 0,-3 0,-6-47,7 88,-1 0,1 0,-1 0,0 0,-1 0,0 1,1-1,-2 1,1 0,0 0,-1 0,-5-5,7 9,1-1,-1 1,1 0,-1-1,0 1,1 0,-1 0,0 1,0-1,0 0,0 1,0-1,0 1,0-1,0 1,0 0,0 0,0 0,0 0,0 0,0 0,0 1,0-1,0 1,0-1,0 1,0 0,0 0,1 0,-1 0,0 0,0 0,1 0,-1 1,1-1,-1 0,-1 3,-20 30,21-29,0-1,-1 1,0-1,0 0,0 0,0 0,-7 5,10-9,0 0,-1 0,1 0,0 1,0-2,-1 1,1 0,0 0,0 0,-1 0,1 0,0 0,0 0,-1 0,1 0,0 0,0 0,-1-1,1 1,0 0,0 0,0 0,0 0,-1-1,1 1,0 0,0 0,0 0,0-1,0 1,-1 0,1 0,0-1,0 1,0 0,0 0,0-1,0 1,0 0,0 0,0-1,0 1,0 0,0 0,0-1,0 1,-1-15,1 15,0-20,0 4,-9 40,-188 802,194-814,-1 4,1 0,1 0,0 0,1 1,1 22,0-37,0 0,1-1,-1 1,0 0,0-1,1 1,-1 0,1-1,-1 1,1-1,0 1,0-1,-1 1,1-1,0 1,0-1,1 0,-1 1,0-1,0 0,1 0,-1 0,0 0,1 0,-1 0,1-1,-1 1,1 0,-1-1,1 1,0-1,2 1,0-1,0-1,-1 1,1-1,0 0,0 0,0 0,0-1,-1 1,1-1,-1 0,1 0,-1 0,6-5,22-20,-1-3,-1 0,44-62,27-47,-7-4,-6-3,132-308,-212 437,7-16,-1-1,17-68,-32 94,-7 19,-20 36,-38 91,56-114,-101 226,-55 121,41-115,-112 244,232-486,3-10,1 0,0 0,1 0,-1 1,1-1,-1 1,1-1,0 1,1-1,-1 1,1 0,1 6,-1-11,0 1,0 0,0-1,0 1,1 0,-1-1,0 1,1-1,-1 1,1-1,-1 1,0-1,1 1,-1-1,1 1,-1-1,1 0,-1 1,1-1,0 0,-1 1,1-1,-1 0,1 0,0 1,-1-1,2 0,21-4,16-16,23-26,-44 32,38-24,-55 37,1 0,-1 0,1 0,-1 0,1 1,-1-1,1 0,-1 1,1-1,0 1,-1 0,1 0,0-1,0 1,-1 0,1 1,0-1,-1 0,1 0,0 1,1 0,-1 0,0 1,-1 0,1-1,-1 1,1 0,-1 0,0 0,0 0,0 0,0 0,0 1,0-1,-1 0,1 0,-1 1,0-1,1 3,1 24,-1 0,-2-1,0 1,-2-1,-1 0,-9 30,-88 390,-12 59,9 128,102-614,-5 67,7-80,0 0,0 1,2-1,-1 0,1 0,0 0,5 13,-6-18,1-1,-1 1,1 0,0 0,-1-1,1 1,0-1,1 1,-1-1,0 0,1 0,-1 0,1 0,0-1,0 1,-1 0,1-1,0 0,0 0,0 0,1 0,-1-1,0 1,0-1,0 1,0-1,1 0,-1 0,0-1,0 1,0-1,1 0,3-1,6-2,0-1,0 0,-1-1,0-1,0 1,15-13,-2-1,0-2,-2 0,0-2,-2 0,0-2,26-43,-20 24</inkml:trace>
+</inkml:ink>
+</file>
+
+<file path=ppt/ink/ink119.xml><?xml version="1.0" encoding="utf-8"?>
+<inkml:ink xmlns:inkml="http://www.w3.org/2003/InkML">
+  <inkml:definitions>
+    <inkml:context xml:id="ctx0">
+      <inkml:inkSource xml:id="inkSrc0">
+        <inkml:traceFormat>
+          <inkml:channel name="X" type="integer" min="-2.14748E9" max="2.14748E9" units="cm"/>
+          <inkml:channel name="Y" type="integer" min="-2.14748E9" max="2.14748E9" units="cm"/>
+        </inkml:traceFormat>
+        <inkml:channelProperties>
+          <inkml:channelProperty channel="X" name="resolution" value="1000" units="1/cm"/>
+          <inkml:channelProperty channel="Y" name="resolution" value="1000" units="1/cm"/>
+        </inkml:channelProperties>
+      </inkml:inkSource>
+      <inkml:timestamp xml:id="ts0" timeString="2025-06-03T05:28:50.200"/>
+    </inkml:context>
+    <inkml:brush xml:id="br0">
+      <inkml:brushProperty name="width" value="0.4" units="cm"/>
+      <inkml:brushProperty name="height" value="0.8" units="cm"/>
+      <inkml:brushProperty name="color" value="#FFFC00"/>
+      <inkml:brushProperty name="tip" value="rectangle"/>
+      <inkml:brushProperty name="rasterOp" value="maskPen"/>
+      <inkml:brushProperty name="ignorePressure" value="1"/>
+    </inkml:brush>
+  </inkml:definitions>
+  <inkml:trace contextRef="#ctx0" brushRef="#br0">0 0,'217'17,"-97"-4,558 9,-600-20,127 20,75 31,-11-2,-138-37,260-7,-227-10,25 5,192-4,-269-12,-83 9</inkml:trace>
+</inkml:ink>
+</file>
+
 <file path=ppt/ink/ink12.xml><?xml version="1.0" encoding="utf-8"?>
 <inkml:ink xmlns:inkml="http://www.w3.org/2003/InkML">
   <inkml:definitions>
@@ -265,6 +858,95 @@
     </inkml:brush>
   </inkml:definitions>
   <inkml:trace contextRef="#ctx0" brushRef="#br0">3166 1661 0,'-111'37'0,"37"-37"16,38 37 0,-38 0-16,0-37 15,38 37-15,-1-1 0,0-36 16,37 37 0,-37 0-16,37 0 31,74 0-31,110 36 15,110 1-15,185-1 16,110-36-16,-37-37 16,-37 0-16,1 0 15,-222-73-15,-36-1 16,-74-36-16,-110 36 16,-1 0-16,1-36 15,-37-37-15,-37-1 16,0 75-16,0-74 15,0-74-15,0 110 16,-74-36-16,0 0 16,1 36-16,-38 1 15,38-1-15,-38 38 16,1-1-16,-1 37 16,-73 1-16,37-1 15,37 37-15,-38 0 16,-36 0-1,-36 37-15,-1 36 16,-37 1-16,0 36 16,-36 1-16,-74-1 15,-37 37-15,0 37 16,0-36-16,0 36 16,37-37-16,0-37 15,73 1-15,38-1 16,-1 38-16,74-75 15,73 1-15,1-1 16,0-36-16,110 37 16,-37-74-16,37 37 15,37-1 1,36 1 0,38-37-16,109 0 15,149 0-15,-75-37 16,-73-36-16,-74-1 15,-73 37-15,-37 37 16,-37-36 0,0-38-1,73 74 63,111 0-78,184 0 16,185 0-16,36 0 16,-74 0-16,-110 0 15,-111 0-15,-146 0 16,-38 0-16,-36 0 16,-38 0-16,1 0 15,-147-37 32,-111 0-47,-37-36 16,1 36-16,-75 0 15,1 0-15,0 37 16,36 0-16,111 0 16,37 0-16,73 0 15,37 0 1,111 37-1,184 0 1,184 0-16,147-37 16,220 0-16,-220 0 15,-147 0 1,-147 0-16,-75 0 16,-109 0-16,-37 0 15,-38 0 1,-109 0 31,-75-37-47,38 37 15,-74 0-15,37 0 16,36 0-16,38 0 16,36 0-16,0 0 31,74 0-16,36 0-15,148 0 16,74 0-16,-37 0 16,-74 0-16,-37 0 15,0 0-15,-36 0 16,-38-37 0,1 0-1</inkml:trace>
+</inkml:ink>
+</file>
+
+<file path=ppt/ink/ink120.xml><?xml version="1.0" encoding="utf-8"?>
+<inkml:ink xmlns:inkml="http://www.w3.org/2003/InkML">
+  <inkml:definitions>
+    <inkml:context xml:id="ctx0">
+      <inkml:inkSource xml:id="inkSrc0">
+        <inkml:traceFormat>
+          <inkml:channel name="X" type="integer" min="-2.14748E9" max="2.14748E9" units="cm"/>
+          <inkml:channel name="Y" type="integer" min="-2.14748E9" max="2.14748E9" units="cm"/>
+        </inkml:traceFormat>
+        <inkml:channelProperties>
+          <inkml:channelProperty channel="X" name="resolution" value="1000" units="1/cm"/>
+          <inkml:channelProperty channel="Y" name="resolution" value="1000" units="1/cm"/>
+        </inkml:channelProperties>
+      </inkml:inkSource>
+      <inkml:timestamp xml:id="ts0" timeString="2025-06-03T05:33:02.196"/>
+    </inkml:context>
+    <inkml:brush xml:id="br0">
+      <inkml:brushProperty name="width" value="0.4" units="cm"/>
+      <inkml:brushProperty name="height" value="0.8" units="cm"/>
+      <inkml:brushProperty name="color" value="#FFFC00"/>
+      <inkml:brushProperty name="tip" value="rectangle"/>
+      <inkml:brushProperty name="rasterOp" value="maskPen"/>
+      <inkml:brushProperty name="ignorePressure" value="1"/>
+    </inkml:brush>
+  </inkml:definitions>
+  <inkml:trace contextRef="#ctx0" brushRef="#br0">208 1218,'0'0,"0"0,0 0,0 1,-1-1,1 0,0 0,0 0,0 1,0-1,0 0,-1 1,1-1,0 0,0 0,0 1,0-1,0 0,0 0,0 1,0-1,0 0,0 1,0-1,0 0,0 0,0 1,0-1,0 0,1 0,-1 1,0-1,0 0,0 0,0 1,0-1,1 0,-1 0,0 0,0 1,1-1,-1 0,0 0,0 0,0 0,1 1,-1-1,0 0,0 0,1 0,17 7,-15-6,23 6,0-2,0 0,1-2,44 0,-35-2,887 7,-639-9,-275 1,279-5,-206 1,111-22,-160 19,-33 8,-40 10,-1701 571,1364-427,359-147,2 1,-1 0,-16 13,32-21,0 0,0-1,0 1,0 0,0 0,1 0,-1 0,0 0,0 0,1 0,-1 0,0 0,1 0,-1 0,1 0,0 0,-1 1,1-1,0 1,0-1,0 0,0 0,1-1,-1 1,0 0,1-1,-1 1,1 0,-1-1,0 1,1-1,0 1,-1-1,1 1,-1-1,1 1,0-1,-1 1,1-1,0 0,-1 1,2-1,6 3,0-1,0 0,0-1,11 2,-17-3,106 7,131-9,-135-1,57-1,188-1,-332 5,12 0,54 7,-76-6,1 1,-1-1,0 1,0 1,-1-1,1 1,0 1,-1-1,0 1,0 0,0 0,9 9,-13-10,1 0,-1 0,0 0,0 1,-1-1,1 1,0-1,-1 1,0-1,0 1,0 0,-1 0,1-1,-1 1,0 0,0 6,0-7,-1 0,1 0,0 0,1 0,-1 0,0 0,1 0,0 0,0 0,0 0,0 0,0 0,0 0,1 0,-1-1,1 1,0-1,0 1,0-1,0 0,0 1,1-1,-1 0,0-1,1 1,0 0,3 1,26 11,1-2,0-1,0-1,1-2,46 4,154 18,346-1,-572-29,15 1,1 0,-1-2,0-1,0 0,0-2,36-10,-57 13,0 1,1-1,-1 0,0 0,1 0,-1-1,0 1,0 0,0-1,0 1,0-1,0 0,0 0,-1 1,1-1,-1-1,1 1,-1 0,0 0,0 0,2-4,-3 4,-1 0,1-1,0 1,-1 0,1-1,-1 1,0 0,0-1,0 1,0 0,0 0,0 0,0 0,-1 0,1 0,-1 0,0 1,1-1,-1 0,0 1,-4-3,-33-23,-1 1,-1 2,-81-34,90 44,-364-147,-21-10,397 162,0 0,1-2,1 0,0-2,-20-16,33 24,0 0,0 0,0 0,1-1,0 0,0 1,0-2,1 1,0 0,0-1,1 1,-1-1,2 0,-1 0,1 1,0-1,0 0,1-1,0-6,2-3,2 0,0 1,1-1,0 1,1 0,13-23,-9 20,-2 0,0 0,7-32,-14 49,-1 0,1 0,-1 0,0 0,0 0,0 0,0 0,0 0,-1 0,1 0,0 0,-1 0,0 0,1 1,-1-1,0 0,0 0,0 1,0-1,0 0,-2-1,1 1,-1 0,1 0,-1 0,0 0,0 1,0-1,0 1,0 0,0 0,0 0,-6-1,-5 0,0 1,0 0,-1 1,-26 3,15 1,-1 1,1 1,0 2,1 0,-1 1,2 2,-29 16,50-26,1 1,-1 0,1 0,-1 0,1 0,0 0,0 0,0 1,-3 3,5-6,0 0,0 1,0-1,0 0,-1 1,1-1,0 0,0 1,0-1,0 0,0 1,0-1,0 0,0 1,0-1,0 0,0 1,0-1,1 1,-1-1,0 0,0 1,0-1,0 0,0 0,1 1,-1-1,0 0,1 1,19 5,1-8,0 0,-1-1,1-1,0-1,-1-1,29-12,-16 5,0-2,-1-1,33-22,-53 30,1-1,-1 0,0-1,-1 0,-1-1,1 0,-2-1,1 0,12-24,-20 35,-1-1,0 0,0 0,-1 1,1-1,0 0,-1 0,1 0,-1 0,1 0,-1 0,0 0,0 0,0 0,0 0,0 0,0 0,-1 0,1 0,-1 0,1 0,-1 0,0 0,0 1,0-1,0 0,0 0,0 1,0-1,0 1,-1-1,1 1,-1-1,1 1,-1 0,-2-2,-5-1,1 0,-1 1,0 0,0 0,0 1,-18-3,-27 0,0 1,1 3,-1 2,0 2,1 3,-1 2,2 3,-77 25,73-17,0 3,2 3,0 1,2 3,1 3,2 1,-66 58,93-71,1 0,0 1,2 1,1 1,-18 29,34-49,0 0,0 0,0 1,1-1,-1 1,1-1,0 1,0-1,1 1,-1-1,1 1,-1 0,2 7,-1-9,1 1,0-1,1 0,-1 1,0-1,1 0,-1 1,1-1,0 0,0 0,0-1,0 1,0 0,0 0,0-1,0 0,1 1,-1-1,0 0,5 1,5 3,1 0,1-2,-1 1,0-2,1 0,22 1,-1-3,57-7,-35-1,-1-2,0-3,-1-3,83-34,-100 33,0-2,-1-1,-2-2,0-2,-1-1,60-58,-73 59,0-1,-2-2,-1 0,-1-1,-1 0,-2-2,-1 1,-1-2,-1 0,11-57,-12 30,-2-1,-3 0,-2 0,-11-119,3 131,-2 0,-23-83,24 112,0 1,-1 0,0 1,-1 0,-1 0,-1 0,0 1,-1 1,-1 0,-17-17,19 23,-1 0,0 1,-1 1,1 0,-1 0,0 1,-1 0,1 1,-1 1,0 0,0 1,0 0,0 1,0 0,-22 3,18-1,-1 1,1 0,-1 2,1 0,0 1,0 1,1 0,0 2,0-1,1 2,-16 11,13-5,0 1,0 1,2 0,0 2,1 0,1 0,1 1,1 1,0 0,2 1,-14 39,10-15,2 1,2 0,3 1,-4 90,10-125,0 6,1-1,0 1,6 29,-5-43,0 1,1-1,0 0,0 0,0 0,0 0,1 0,0-1,0 1,0-1,0 0,1 0,0 0,0 0,0 0,0-1,5 3,6 2,0 0,0-1,1-1,0-1,0 0,1-1,28 3,-1-3,80-3,-88-3,0-2,0-1,0-2,-1-1,0-2,-1-2,0-1,-1-1,0-2,-1-1,-1-2,-1 0,0-3,-2 0,-1-2,0-1,-2-1,-1-1,36-52,-34 35,-2 0,-2-2,23-66,-33 77,-2-1,-1-1,-2 1,-2-1,2-47,-7 77,0-1,-1 1,0-1,0 1,0-1,-1 1,0 0,-5-11,6 15,-1 0,0 0,0 0,0 0,0 1,0-1,-1 1,1-1,-1 1,0 0,1 0,-1 0,0 0,0 1,0-1,-1 1,1-1,0 1,-6-1,2 1,0 0,-1 1,1 0,0 0,-1 1,1 0,0 0,0 1,-1-1,1 2,-8 2,0 2,0 1,0 0,1 0,-19 15,6 0,0 2,2 0,1 2,1 1,-33 50,14-8,-47 108,50-88,5 3,3 0,5 2,4 1,-14 129,32-185,2 0,2 0,1 0,13 77,-11-101,1 1,1-1,1 0,0-1,1 0,0 1,2-2,-1 1,2-2,0 1,1-1,0 0,0-1,19 13,-10-10,1-1,0-1,1-1,1-1,0-1,35 10,-1-4,116 13,-11-14,2-8,-1-6,1-8,316-55,-405 47,-1-4,-1-2,0-4,-2-3,124-68,-158 73,-2-1,0-2,-2-1,53-57,-63 58,-2-1,-1 0,-1-2,-2-1,0 0,19-53,-28 62,-1 1,-2-1,0 0,-1 0,-1-1,0-24,-3 39,0 0,-1 0,0-1,0 1,-1 0,0 1,0-1,-1 0,-4-9,4 12,1 0,-1 1,0-1,0 0,0 1,-1 0,1 0,-1 0,1 0,-1 1,0-1,0 1,0 0,-1 0,-7-2,6 3,0 0,1 0,-1 0,0 1,0 0,0 0,0 0,0 1,0 0,0 0,1 1,-1 0,0 0,1 0,-1 0,1 1,0 0,0 0,0 0,-5 5,-8 8,-1 0,2 2,-23 28,16-16,1 1,1 1,-32 64,50-87,0 0,1 1,0-1,0 1,-1 12,3-19,1-1,0 1,0-1,0 0,0 1,0-1,1 1,-1-1,1 0,0 1,-1-1,1 0,0 1,0-1,0 0,1 0,-1 0,1 0,-1 0,1 0,-1 0,1-1,0 1,0-1,0 1,2 1,1-1,1 0,-1 0,1 0,-1-1,1 0,-1 0,1 0,0-1,0 0,-1 0,1 0,0-1,-1 0,12-3,7-3,1-1,28-13,-2-4,-1-1,0-3,-3-2,0-2,56-52,-67 51,-2-1,0-2,-3-1,-1-1,-2-2,35-67,-52 86,-1 0,-1-1,-2 0,0 0,6-33,-13 52,1 1,-1-1,1 0,-1 1,0-1,0 0,-1 1,1-1,-1 1,0-1,0 0,0 1,0 0,0-1,-1 1,0 0,1-1,-1 1,-1 0,1 0,-3-3,0 3,-1-1,0 0,0 1,0 0,0 0,0 1,-1 0,1 0,-1 0,-12-1,-52-5,-1 3,-106 6,94 1,-246 13,263-8,2 3,-126 35,178-41,0 0,0 0,0 2,1-1,0 2,0-1,0 2,1-1,-12 11,22-17,0 0,0 0,0 0,1-1,-1 1,0 0,0 0,1 0,-1 0,1 0,-1 0,1 1,-1-1,1 0,0 0,0 0,-1 0,1 0,0 2,1-3,-1 1,1-1,0 0,-1 1,1-1,0 0,-1 0,1 1,0-1,-1 0,1 0,0 0,-1 0,1 0,0 0,-1 0,1 0,0-1,-1 1,1 0,0 0,-1 0,1-1,0 1,-1 0,1-1,-1 1,1-1,0 1,-1 0,1-1,-1 1,1-2,12-6,-1-2,0 0,-1 0,0-1,0-1,-1 0,16-25,-6 6,-2-1,18-45,-32 67,3-5,-1-1,-1 1,6-26,-11 38,1-1,0 0,-1 1,0-1,0 0,0 0,-1 1,1-1,-1 0,0 1,0-1,0 1,0-1,0 1,-1-1,0 1,0 0,0 0,0 0,0 0,-4-4,0 3,1 0,-1 0,1 0,-1 1,0 0,-1 0,1 1,0-1,-1 1,-6-1,-15-1,-37-3,-10 4,-1 3,0 3,-91 15,113-9,2 3,0 1,0 3,2 2,-74 37,107-46,-1 1,1 1,1 0,0 1,1 1,-17 17,31-30,1 1,-1-1,0 1,1 0,-1-1,0 1,1 0,-1 0,1-1,-1 1,1 0,-1 0,1 0,0 0,-1 0,1 0,0-1,0 1,0 0,-1 1,17-8,-6-2,-1 0,0 0,0 0,-1-1,0 0,-1-1,0 0,0 0,-1-1,0 1,5-16,-10 24,-1 0,1 0,-1 0,1 1,-1-1,0 0,0 0,0 0,0 0,0 0,0 0,-1 0,1 1,0-1,-1 0,-1-3,1 3,-1 0,1 0,-1 0,0 0,0 1,0-1,0 0,0 1,0 0,0-1,-1 1,1 0,0 0,-4-1,-13-4,0 1,0 0,-1 2,-19-2,-92 0,56 5,1 4,-1 3,1 3,0 3,2 3,-1 4,2 3,1 2,1 4,1 3,-111 71,57-15,104-73,1 0,0 1,-29 37,44-50,0 0,-1 0,1 0,1 0,-1 1,0-1,1 1,0-1,0 1,0 0,0 0,1-1,-1 7,1-8,0 1,1-1,-1 0,1 0,0 0,-1 0,1 0,0 0,0 0,1 0,-1 0,0 0,1 0,-1 0,1-1,-1 1,3 1,4 2,0 0,0-1,1 0,-1 0,1-1,0 0,0-1,18 3,3 0,0-2,0 0,32-3,-45-1,0-1,-1 0,1-1,-1-1,1 0,-1-1,16-8,2-7</inkml:trace>
+</inkml:ink>
+</file>
+
+<file path=ppt/ink/ink121.xml><?xml version="1.0" encoding="utf-8"?>
+<inkml:ink xmlns:inkml="http://www.w3.org/2003/InkML">
+  <inkml:definitions>
+    <inkml:context xml:id="ctx0">
+      <inkml:inkSource xml:id="inkSrc0">
+        <inkml:traceFormat>
+          <inkml:channel name="X" type="integer" min="-2.14748E9" max="2.14748E9" units="cm"/>
+          <inkml:channel name="Y" type="integer" min="-2.14748E9" max="2.14748E9" units="cm"/>
+          <inkml:channel name="F" type="integer" max="32767" units="dev"/>
+        </inkml:traceFormat>
+        <inkml:channelProperties>
+          <inkml:channelProperty channel="X" name="resolution" value="1000" units="1/cm"/>
+          <inkml:channelProperty channel="Y" name="resolution" value="1000" units="1/cm"/>
+          <inkml:channelProperty channel="F" name="resolution" value="0" units="1/dev"/>
+        </inkml:channelProperties>
+      </inkml:inkSource>
+      <inkml:timestamp xml:id="ts0" timeString="2025-06-03T05:35:47.358"/>
+    </inkml:context>
+    <inkml:brush xml:id="br0">
+      <inkml:brushProperty name="width" value="0.4" units="cm"/>
+      <inkml:brushProperty name="height" value="0.8" units="cm"/>
+      <inkml:brushProperty name="color" value="#FFFC00"/>
+      <inkml:brushProperty name="tip" value="rectangle"/>
+      <inkml:brushProperty name="rasterOp" value="maskPen"/>
+      <inkml:brushProperty name="ignorePressure" value="1"/>
+    </inkml:brush>
+  </inkml:definitions>
+  <inkml:trace contextRef="#ctx0" brushRef="#br0">0 561 0,'1258'-347'0,"-2339"134"0,2162 426 0,-1900 524 0</inkml:trace>
+</inkml:ink>
+</file>
+
+<file path=ppt/ink/ink122.xml><?xml version="1.0" encoding="utf-8"?>
+<inkml:ink xmlns:inkml="http://www.w3.org/2003/InkML">
+  <inkml:definitions>
+    <inkml:context xml:id="ctx0">
+      <inkml:inkSource xml:id="inkSrc0">
+        <inkml:traceFormat>
+          <inkml:channel name="X" type="integer" min="-2.14748E9" max="2.14748E9" units="cm"/>
+          <inkml:channel name="Y" type="integer" min="-2.14748E9" max="2.14748E9" units="cm"/>
+        </inkml:traceFormat>
+        <inkml:channelProperties>
+          <inkml:channelProperty channel="X" name="resolution" value="1000" units="1/cm"/>
+          <inkml:channelProperty channel="Y" name="resolution" value="1000" units="1/cm"/>
+        </inkml:channelProperties>
+      </inkml:inkSource>
+      <inkml:timestamp xml:id="ts0" timeString="2025-06-03T05:35:50.345"/>
+    </inkml:context>
+    <inkml:brush xml:id="br0">
+      <inkml:brushProperty name="width" value="0.4" units="cm"/>
+      <inkml:brushProperty name="height" value="0.8" units="cm"/>
+      <inkml:brushProperty name="color" value="#FFFC00"/>
+      <inkml:brushProperty name="tip" value="rectangle"/>
+      <inkml:brushProperty name="rasterOp" value="maskPen"/>
+      <inkml:brushProperty name="ignorePressure" value="1"/>
+    </inkml:brush>
+  </inkml:definitions>
+  <inkml:trace contextRef="#ctx0" brushRef="#br0">1786 852,'57'0,"-2"1,0-2,95-15,-95 4,0-4,-2-1,0-3,-1-2,-1-2,-1-3,91-65,-110 70,6-6,53-30,-75 50,0 1,1 0,-1 1,1 1,0 1,1 0,22-2,82 0,133 11,-109 0,-101-2,-28-2,0 0,0-1,1 0,-1-2,23-4,-36 5,-1 0,1 0,0-1,-1 0,1 1,-1-1,1 0,-1 0,0 0,0 0,0-1,0 1,0-1,0 1,-1-1,1 1,-1-1,0 0,0 0,0 0,0 0,0 0,-1 0,1 0,-1 0,0 0,0 0,0 0,0 0,-1 0,1 0,-1 0,1 0,-1 0,0 0,0 0,-1 1,1-1,-1 0,1 1,-1-1,0 1,0-1,-3-2,0 2,0 0,0 0,0 0,-1 0,1 1,-1 0,0 1,1-1,-10 0,-57-3,48 4,-139-3,-118-6,-562-15,694 31,0 7,0 6,-246 64,-519 259,576-189,328-148,-50 27,59-31,-1 0,1 0,0 0,-1 0,1 0,0 1,0-1,0 1,0-1,0 1,0-1,-1 3,2-3,0-1,0 1,-1 0,1 0,0 0,0-1,0 1,0 0,1 0,-1 0,0 0,0-1,0 1,1 0,-1 0,0-1,1 1,-1 0,0-1,2 2,2 2,0 0,0 0,1-1,0 1,0-1,0 0,10 4,28 11,52 16,134 27,94 4,291 30,703 17,-1137-107,254-26,-337 9,0-4,-2-4,0-4,107-44,-186 62,41-18,-54 23,-1 0,1-1,0 1,-1-1,1 1,-1-1,1 0,-1 0,0 0,0 0,0-1,0 1,3-5,-5 6,-1 0,1 0,0 0,0 1,0-1,-1 0,1 0,0 0,-1 1,1-1,-1 0,1 0,-1 1,1-1,-1 0,1 1,-1-1,0 0,1 1,-1-1,0 1,0-1,1 1,-1 0,0-1,0 1,0 0,0-1,1 1,-1 0,0 0,-1 0,-24-7,0 1,0 2,-1 0,1 2,-1 1,-30 3,-1-2,-262 13,257-5,48 0,15-8,0 1,-1-1,1 0,0 1,0-1,0 1,0-1,0 0,0 1,0-1,0 0,0 1,0-1,0 1,0-1,0 0,0 1,0-1,0 0,0 1,1-1,-1 0,0 1,0-1,0 0,1 1,-1-1,0 0,0 1,1-1,-1 0,1 1,7 5,1-1,-1 0,1 0,1-1,-1 0,13 4,149 43,95 7,1-11,455 20,-634-66,-70-5,-15-1,-19-7,12 9,-9-4,1-2,0 0,0 0,-18-20,26 25,0 0,1-1,0 1,0-1,0 0,1 0,-1 0,1-1,0 1,1-1,-1 1,1-1,0 1,1-1,-1 1,1-8,1 1,1 1,0-1,1 1,0 0,0 0,1 0,8-15,6-7,23-30,-22 35,21-41,-39 66,1 0,-1-1,0 1,0 0,0-1,0 1,-1-1,1 1,-1-1,0 1,0-1,0 1,-1-1,1 1,-1-1,0 1,0-1,0 1,0 0,0-1,-1 1,0 0,0 0,-2-4,-4-2,-1 0,0 0,0 0,-1 1,-16-11,-46-26,-83-39,-4-2,147 79,-1-1,1 0,1-1,0 0,-14-14,21 17,0 1,0-1,1 1,-1-1,1 0,0 0,1 0,0-1,0 1,0-1,0 1,1-1,0-9,-1-38,2 31,-1-1,-4-22,4 38,-1 0,0 0,-1 0,0 1,0-1,0 1,-1 0,0 0,-9-12,-1 4,-1 0,0 1,-1 0,-1 2,0 0,0 0,-2 2,-33-15,28 15,-1 1,1 1,-1 2,0 0,-1 2,-43-2,64 5,-1 1,1 0,0 0,-1 1,1 0,0 0,0 0,-1 0,1 1,0 0,0 0,0 0,1 1,-1-1,-4 5,6-4,1 0,-1 0,1 0,0 1,0-1,0 1,0 0,1-1,0 1,-1 0,1 0,1 0,-1 0,0 0,1 0,0 0,0 0,0 0,1 0,0 6,5 16,1-1,1 0,1-1,1 0,1 0,28 43,33 47</inkml:trace>
 </inkml:ink>
 </file>
 
@@ -2542,6 +3224,294 @@
 </inkml:ink>
 </file>
 
+<file path=ppt/ink/ink80.xml><?xml version="1.0" encoding="utf-8"?>
+<inkml:ink xmlns:inkml="http://www.w3.org/2003/InkML">
+  <inkml:definitions>
+    <inkml:context xml:id="ctx0">
+      <inkml:inkSource xml:id="inkSrc0">
+        <inkml:traceFormat>
+          <inkml:channel name="X" type="integer" min="-2.14748E9" max="2.14748E9" units="cm"/>
+          <inkml:channel name="Y" type="integer" min="-2.14748E9" max="2.14748E9" units="cm"/>
+          <inkml:channel name="F" type="integer" max="32767" units="dev"/>
+        </inkml:traceFormat>
+        <inkml:channelProperties>
+          <inkml:channelProperty channel="X" name="resolution" value="1000" units="1/cm"/>
+          <inkml:channelProperty channel="Y" name="resolution" value="1000" units="1/cm"/>
+          <inkml:channelProperty channel="F" name="resolution" value="0" units="1/dev"/>
+        </inkml:channelProperties>
+      </inkml:inkSource>
+      <inkml:timestamp xml:id="ts0" timeString="2025-06-03T04:11:17.209"/>
+    </inkml:context>
+    <inkml:brush xml:id="br0">
+      <inkml:brushProperty name="width" value="0.2" units="cm"/>
+      <inkml:brushProperty name="height" value="0.2" units="cm"/>
+      <inkml:brushProperty name="color" value="#E71224"/>
+    </inkml:brush>
+  </inkml:definitions>
+  <inkml:trace contextRef="#ctx0" brushRef="#br0">1 1 24575,'9'0'0,"0"0"0,0 1 0,-1 0 0,11 3 0,12 3 0,133 26 0,88 19-164,939 107-3073,13-116-246,-910-48 6314,61-1 1222,-324 6-4735,30-4-1,-27-2-6143</inkml:trace>
+</inkml:ink>
+</file>
+
+<file path=ppt/ink/ink81.xml><?xml version="1.0" encoding="utf-8"?>
+<inkml:ink xmlns:inkml="http://www.w3.org/2003/InkML">
+  <inkml:definitions>
+    <inkml:context xml:id="ctx0">
+      <inkml:inkSource xml:id="inkSrc0">
+        <inkml:traceFormat>
+          <inkml:channel name="X" type="integer" min="-2.14748E9" max="2.14748E9" units="cm"/>
+          <inkml:channel name="Y" type="integer" min="-2.14748E9" max="2.14748E9" units="cm"/>
+          <inkml:channel name="F" type="integer" max="32767" units="dev"/>
+        </inkml:traceFormat>
+        <inkml:channelProperties>
+          <inkml:channelProperty channel="X" name="resolution" value="1000" units="1/cm"/>
+          <inkml:channelProperty channel="Y" name="resolution" value="1000" units="1/cm"/>
+          <inkml:channelProperty channel="F" name="resolution" value="0" units="1/dev"/>
+        </inkml:channelProperties>
+      </inkml:inkSource>
+      <inkml:timestamp xml:id="ts0" timeString="2025-06-03T04:11:18.957"/>
+    </inkml:context>
+    <inkml:brush xml:id="br0">
+      <inkml:brushProperty name="width" value="0.2" units="cm"/>
+      <inkml:brushProperty name="height" value="0.2" units="cm"/>
+      <inkml:brushProperty name="color" value="#E71224"/>
+    </inkml:brush>
+  </inkml:definitions>
+  <inkml:trace contextRef="#ctx0" brushRef="#br0">1885 16 24575,'0'-1'0,"0"1"0,0-1 0,-1 1 0,1-1 0,0 1 0,0-1 0,0 1 0,0-1 0,-1 1 0,1-1 0,0 1 0,-1-1 0,1 1 0,0-1 0,-1 1 0,1 0 0,0-1 0,-1 1 0,1 0 0,-1-1 0,1 1 0,-1 0 0,1-1 0,-1 1 0,1 0 0,-1 0 0,1 0 0,-2-1 0,-18-2 0,19 3 0,-15-1 0,1 2 0,-1 0 0,1 0 0,0 2 0,-1 0 0,1 0 0,-22 9 0,0 3 0,-63 35 0,17 1 0,-114 93 0,100-70 0,-276 234 0,272-211 0,-127 158 0,151-158 0,5 3 0,-91 170 0,133-210 0,2 1 0,3 2 0,3 0 0,3 2 0,2 0 0,-10 89 0,15 14 0,13 193 0,1-236 0,9 67 0,-8-166 0,2-1 0,1 0 0,0 0 0,2 0 0,15 32 0,-15-40 0,1 0 0,1-1 0,22 30 0,-26-39 0,1 0 0,0 0 0,1 0 0,-1-1 0,1 0 0,1-1 0,-1 0 0,1 0 0,13 5 0,-2-3 3,0-1 0,1 0 0,-1-2 0,1 0-1,0-2 1,0 0 0,1-2 0,20-1 0,16-5-67,94-21 1,-60 4-30,-1-4 1,-1-4 0,-1-4 0,-2-4 0,84-51 0,-43 12 107,-3-7-1,165-144 1,-136 95-15,479-406 0,-313 255-9,-240 202 64,119-156 1,-145 163 198,71-133 0,-105 171-254,-2 5 0,14-38 0,-28 59 0,0-1 0,0 0 0,-1 0 0,-1 0 0,0-1 0,0-22 0,-2-6 0,-7-108 0,6 141 0,-1 0 0,0 0 0,0 0 0,-1 0 0,0 1 0,-1 0 0,0-1 0,0 1 0,-8-11 0,3 8 0,0 0 0,-1 1 0,0-1 0,0 2 0,-17-13 0,-10-2 0,-1 2 0,-78-33 0,99 47 0,-66-25 0,-91-24 0,73 21 0,76 25 0,0 2 0,-1 0 0,0 2 0,0 1 0,-41-5 0,-241 11 0,133 3 0,69-4 0,21-1 0,0 3 0,-122 18 0,172-10 0,1 1 0,0 2 0,-40 19 0,0 0 0,46-18-341,0 1 0,1 1-1,-28 19 1</inkml:trace>
+</inkml:ink>
+</file>
+
+<file path=ppt/ink/ink82.xml><?xml version="1.0" encoding="utf-8"?>
+<inkml:ink xmlns:inkml="http://www.w3.org/2003/InkML">
+  <inkml:definitions>
+    <inkml:context xml:id="ctx0">
+      <inkml:inkSource xml:id="inkSrc0">
+        <inkml:traceFormat>
+          <inkml:channel name="X" type="integer" min="-2.14748E9" max="2.14748E9" units="cm"/>
+          <inkml:channel name="Y" type="integer" min="-2.14748E9" max="2.14748E9" units="cm"/>
+        </inkml:traceFormat>
+        <inkml:channelProperties>
+          <inkml:channelProperty channel="X" name="resolution" value="1000" units="1/cm"/>
+          <inkml:channelProperty channel="Y" name="resolution" value="1000" units="1/cm"/>
+        </inkml:channelProperties>
+      </inkml:inkSource>
+      <inkml:timestamp xml:id="ts0" timeString="2025-06-03T04:14:57.244"/>
+    </inkml:context>
+    <inkml:brush xml:id="br0">
+      <inkml:brushProperty name="width" value="0.4" units="cm"/>
+      <inkml:brushProperty name="height" value="0.8" units="cm"/>
+      <inkml:brushProperty name="color" value="#FFFC00"/>
+      <inkml:brushProperty name="tip" value="rectangle"/>
+      <inkml:brushProperty name="rasterOp" value="maskPen"/>
+      <inkml:brushProperty name="ignorePressure" value="1"/>
+    </inkml:brush>
+  </inkml:definitions>
+  <inkml:trace contextRef="#ctx0" brushRef="#br0">1 26,'9'-4,"16"-2,13 0,14 1,20 2,48 1,48 6,22 1,20 5,1 1,-17-2,-38-2,-35-3,-35-1,-23-2,-12-1,-16 0</inkml:trace>
+</inkml:ink>
+</file>
+
+<file path=ppt/ink/ink83.xml><?xml version="1.0" encoding="utf-8"?>
+<inkml:ink xmlns:inkml="http://www.w3.org/2003/InkML">
+  <inkml:definitions>
+    <inkml:context xml:id="ctx0">
+      <inkml:inkSource xml:id="inkSrc0">
+        <inkml:traceFormat>
+          <inkml:channel name="X" type="integer" min="-2.14748E9" max="2.14748E9" units="cm"/>
+          <inkml:channel name="Y" type="integer" min="-2.14748E9" max="2.14748E9" units="cm"/>
+        </inkml:traceFormat>
+        <inkml:channelProperties>
+          <inkml:channelProperty channel="X" name="resolution" value="1000" units="1/cm"/>
+          <inkml:channelProperty channel="Y" name="resolution" value="1000" units="1/cm"/>
+        </inkml:channelProperties>
+      </inkml:inkSource>
+      <inkml:timestamp xml:id="ts0" timeString="2025-06-03T04:14:58.915"/>
+    </inkml:context>
+    <inkml:brush xml:id="br0">
+      <inkml:brushProperty name="width" value="0.4" units="cm"/>
+      <inkml:brushProperty name="height" value="0.8" units="cm"/>
+      <inkml:brushProperty name="color" value="#FFFC00"/>
+      <inkml:brushProperty name="tip" value="rectangle"/>
+      <inkml:brushProperty name="rasterOp" value="maskPen"/>
+      <inkml:brushProperty name="ignorePressure" value="1"/>
+    </inkml:brush>
+  </inkml:definitions>
+  <inkml:trace contextRef="#ctx0" brushRef="#br0">0 294,'1918'0,"-1785"0,0-7,144-24,808-108,-936 129,499-17,-495 27,182-24,365-32,277 57,-375 1,652-2,-988 12,-212-5,-1 2,96 29,-69-11,138 42,-175-59,-1-1,1-3,55 3,119-15,-59 1,895 5,-869 13,-111-6,-63-6,-1 0,1 1,0 0,-1 0,0 1,15 6,8 10</inkml:trace>
+</inkml:ink>
+</file>
+
+<file path=ppt/ink/ink84.xml><?xml version="1.0" encoding="utf-8"?>
+<inkml:ink xmlns:inkml="http://www.w3.org/2003/InkML">
+  <inkml:definitions>
+    <inkml:context xml:id="ctx0">
+      <inkml:inkSource xml:id="inkSrc0">
+        <inkml:traceFormat>
+          <inkml:channel name="X" type="integer" min="-2.14748E9" max="2.14748E9" units="cm"/>
+          <inkml:channel name="Y" type="integer" min="-2.14748E9" max="2.14748E9" units="cm"/>
+        </inkml:traceFormat>
+        <inkml:channelProperties>
+          <inkml:channelProperty channel="X" name="resolution" value="1000" units="1/cm"/>
+          <inkml:channelProperty channel="Y" name="resolution" value="1000" units="1/cm"/>
+        </inkml:channelProperties>
+      </inkml:inkSource>
+      <inkml:timestamp xml:id="ts0" timeString="2025-06-03T04:15:00.113"/>
+    </inkml:context>
+    <inkml:brush xml:id="br0">
+      <inkml:brushProperty name="width" value="0.4" units="cm"/>
+      <inkml:brushProperty name="height" value="0.8" units="cm"/>
+      <inkml:brushProperty name="color" value="#FFFC00"/>
+      <inkml:brushProperty name="tip" value="rectangle"/>
+      <inkml:brushProperty name="rasterOp" value="maskPen"/>
+      <inkml:brushProperty name="ignorePressure" value="1"/>
+    </inkml:brush>
+  </inkml:definitions>
+  <inkml:trace contextRef="#ctx0" brushRef="#br0">1 162,'183'1,"201"-3,-331-2,1-1,91-24,102-45,-203 61,0 2,1 2,0 2,50-2,186 9,-120 3,105-3,-224 0</inkml:trace>
+</inkml:ink>
+</file>
+
+<file path=ppt/ink/ink85.xml><?xml version="1.0" encoding="utf-8"?>
+<inkml:ink xmlns:inkml="http://www.w3.org/2003/InkML">
+  <inkml:definitions>
+    <inkml:context xml:id="ctx0">
+      <inkml:inkSource xml:id="inkSrc0">
+        <inkml:traceFormat>
+          <inkml:channel name="X" type="integer" min="-2.14748E9" max="2.14748E9" units="cm"/>
+          <inkml:channel name="Y" type="integer" min="-2.14748E9" max="2.14748E9" units="cm"/>
+        </inkml:traceFormat>
+        <inkml:channelProperties>
+          <inkml:channelProperty channel="X" name="resolution" value="1000" units="1/cm"/>
+          <inkml:channelProperty channel="Y" name="resolution" value="1000" units="1/cm"/>
+        </inkml:channelProperties>
+      </inkml:inkSource>
+      <inkml:timestamp xml:id="ts0" timeString="2025-06-03T04:34:05.279"/>
+    </inkml:context>
+    <inkml:brush xml:id="br0">
+      <inkml:brushProperty name="width" value="0.4" units="cm"/>
+      <inkml:brushProperty name="height" value="0.8" units="cm"/>
+      <inkml:brushProperty name="color" value="#FFFC00"/>
+      <inkml:brushProperty name="tip" value="rectangle"/>
+      <inkml:brushProperty name="rasterOp" value="maskPen"/>
+      <inkml:brushProperty name="ignorePressure" value="1"/>
+    </inkml:brush>
+  </inkml:definitions>
+  <inkml:trace contextRef="#ctx0" brushRef="#br0">1 2,'66'0,"25"-2,0 5,106 17,-96-5,0-5,141-2,-190-9,81 10,-114-6,-1 0,1 2,-1 0,0 1,0 1,0 0,26 17,-22-10</inkml:trace>
+</inkml:ink>
+</file>
+
+<file path=ppt/ink/ink86.xml><?xml version="1.0" encoding="utf-8"?>
+<inkml:ink xmlns:inkml="http://www.w3.org/2003/InkML">
+  <inkml:definitions>
+    <inkml:context xml:id="ctx0">
+      <inkml:inkSource xml:id="inkSrc0">
+        <inkml:traceFormat>
+          <inkml:channel name="X" type="integer" min="-2.14748E9" max="2.14748E9" units="cm"/>
+          <inkml:channel name="Y" type="integer" min="-2.14748E9" max="2.14748E9" units="cm"/>
+        </inkml:traceFormat>
+        <inkml:channelProperties>
+          <inkml:channelProperty channel="X" name="resolution" value="1000" units="1/cm"/>
+          <inkml:channelProperty channel="Y" name="resolution" value="1000" units="1/cm"/>
+        </inkml:channelProperties>
+      </inkml:inkSource>
+      <inkml:timestamp xml:id="ts0" timeString="2025-06-03T04:34:08.251"/>
+    </inkml:context>
+    <inkml:brush xml:id="br0">
+      <inkml:brushProperty name="width" value="0.4" units="cm"/>
+      <inkml:brushProperty name="height" value="0.8" units="cm"/>
+      <inkml:brushProperty name="color" value="#FFFC00"/>
+      <inkml:brushProperty name="tip" value="rectangle"/>
+      <inkml:brushProperty name="rasterOp" value="maskPen"/>
+      <inkml:brushProperty name="ignorePressure" value="1"/>
+    </inkml:brush>
+  </inkml:definitions>
+  <inkml:trace contextRef="#ctx0" brushRef="#br0">485 590,'4'4,"0"1,-1 0,0 0,0 1,-1-1,1 1,-1-1,0 1,-1 0,1 0,-1-1,1 12,-1-9,7 58,-2 0,-3 1,-8 78,-33 204,14-157,-32 618,47 1,9-747,2 0,3 0,17 77,-18-121,2 0,0-1,1 1,1-2,1 1,0-1,1 0,2-1,-1-1,2 0,0 0,1-1,0-1,22 17,-8-12,0 0,1-3,1 0,33 12,131 36,-175-58,479 117,-353-99,225 10,-311-33,1-2,60-10,-86 5,1-1,-1-1,-1-2,59-25,-40 9,0-2,-2-2,-2-2,0-3,83-79,-93 76,159-168,-181 188,-1-2,-2 0,0 0,0-1,-2-1,-1 0,12-38,-12 22,-1-1,-2 0,4-75,-13-461,-2 520,-3 0,-2 0,-3 1,-2 0,-2 1,-3 0,-2 2,-44-80,-31-32,-7 4,-7 4,-7 6,-165-165,168 195,-196-190,225 231,-172-118,153 130,-2 5,-3 5,-226-83,313 133,-1 0,1 1,-47-2,-68 6,91 2,19 0,-1 0,0 2,-53 13,66-12,1 1,0 1,0 0,1 1,0 0,0 1,0 0,1 1,-15 15,3 1,1 1,1 1,1 1,-30 55,23-28,-40 110,48-101,4 1,2 0,3 1,-4 92,17 272,4-225,-6-56,5 138,-1-234,2 1,3-1,20 66,-7-50,47 100,-48-127,2-1,1-2,45 55,37 27,144 127,-240-239,0-1,1 0,0 0,1-1,-1 0,1-1,1-1,-1 0,1 0,0-1,0-1,0 0,0-1,23 1,261-2,-208-3,-53 1,1-1,-1-2,0-1,44-13,-64 13,-1 0,0-1,0-1,-1 0,1-1,-2-1,1 0,-1-1,-1 0,1-1,19-23,-17 14,-2 0,0-1,-1 0,-1-1,12-36,29-119,-42 137,12-52,-3 0,-5-1,-4 0,-4-161,-7 228,-2 0,0 0,-2 1,-1 0,-1 0,-1 0,-1 1,-1 0,-1 0,-1 2,-1-1,-1 2,-23-28,23 32,0 1,-1 0,0 1,-1 1,-23-16,32 26,0-1,0 1,-1 1,1-1,-1 1,0 1,0-1,0 1,0 1,0 0,-1 0,1 0,0 1,-1 0,1 1,-16 2,15 0,1-1,0 1,0 0,0 1,0 0,0 0,1 1,0 0,0 0,0 1,-10 10,7-5,1 1,1 0,0 0,0 1,2 0,-9 19,1 11,1 0,3 1,-9 74,0 104,9 248,34-59,-14-345,2 0,3-2,3 1,30 68,-40-112,2-1,0 0,1 0,2-2,28 36,-31-44,0 0,1-1,0 0,0-1,1 0,1 0,-1-2,1 1,0-2,20 7,3-3,0-1,1-2,56 2,115-10,-166 0,1-2,0-2,-1-1,0-3,46-16,-71 20,-1-1,0 0,0-2,-1 1,0-2,0 0,-1-1,-1 0,0-1,0-1,-1 0,-1 0,0-1,-1-1,9-16,-8 9,-2-1,-1 0,-1-1,-1 1,-1-1,-1-1,2-35,-11-174,4 212,-2-31,-10-91,12 141,1-1,-1 1,1 0,-1-1,0 1,0 0,-1 0,1-1,-1 1,1 0,-1 0,0 1,0-1,0 0,-1 1,1-1,-1 1,1 0,-1 0,0 0,0 0,0 0,0 0,0 1,0 0,0-1,0 1,-1 0,1 1,0-1,-7 0,-13 1</inkml:trace>
+</inkml:ink>
+</file>
+
+<file path=ppt/ink/ink87.xml><?xml version="1.0" encoding="utf-8"?>
+<inkml:ink xmlns:inkml="http://www.w3.org/2003/InkML">
+  <inkml:definitions>
+    <inkml:context xml:id="ctx0">
+      <inkml:inkSource xml:id="inkSrc0">
+        <inkml:traceFormat>
+          <inkml:channel name="X" type="integer" min="-2.14748E9" max="2.14748E9" units="cm"/>
+          <inkml:channel name="Y" type="integer" min="-2.14748E9" max="2.14748E9" units="cm"/>
+        </inkml:traceFormat>
+        <inkml:channelProperties>
+          <inkml:channelProperty channel="X" name="resolution" value="1000" units="1/cm"/>
+          <inkml:channelProperty channel="Y" name="resolution" value="1000" units="1/cm"/>
+        </inkml:channelProperties>
+      </inkml:inkSource>
+      <inkml:timestamp xml:id="ts0" timeString="2025-06-03T04:43:07.502"/>
+    </inkml:context>
+    <inkml:brush xml:id="br0">
+      <inkml:brushProperty name="width" value="0.4" units="cm"/>
+      <inkml:brushProperty name="height" value="0.8" units="cm"/>
+      <inkml:brushProperty name="color" value="#FFFC00"/>
+      <inkml:brushProperty name="tip" value="rectangle"/>
+      <inkml:brushProperty name="rasterOp" value="maskPen"/>
+      <inkml:brushProperty name="ignorePressure" value="1"/>
+    </inkml:brush>
+  </inkml:definitions>
+  <inkml:trace contextRef="#ctx0" brushRef="#br0">1 0,'8'0,"16"0,15 0,19 0,37 0,45 0,48 0,25 0,7 0,-5 0,-27 0,-36 0,-37 0,-32 0,-31 0</inkml:trace>
+</inkml:ink>
+</file>
+
+<file path=ppt/ink/ink88.xml><?xml version="1.0" encoding="utf-8"?>
+<inkml:ink xmlns:inkml="http://www.w3.org/2003/InkML">
+  <inkml:definitions>
+    <inkml:context xml:id="ctx0">
+      <inkml:inkSource xml:id="inkSrc0">
+        <inkml:traceFormat>
+          <inkml:channel name="X" type="integer" min="-2.14748E9" max="2.14748E9" units="cm"/>
+          <inkml:channel name="Y" type="integer" min="-2.14748E9" max="2.14748E9" units="cm"/>
+        </inkml:traceFormat>
+        <inkml:channelProperties>
+          <inkml:channelProperty channel="X" name="resolution" value="1000" units="1/cm"/>
+          <inkml:channelProperty channel="Y" name="resolution" value="1000" units="1/cm"/>
+        </inkml:channelProperties>
+      </inkml:inkSource>
+      <inkml:timestamp xml:id="ts0" timeString="2025-06-03T04:43:08.469"/>
+    </inkml:context>
+    <inkml:brush xml:id="br0">
+      <inkml:brushProperty name="width" value="0.4" units="cm"/>
+      <inkml:brushProperty name="height" value="0.8" units="cm"/>
+      <inkml:brushProperty name="color" value="#FFFC00"/>
+      <inkml:brushProperty name="tip" value="rectangle"/>
+      <inkml:brushProperty name="rasterOp" value="maskPen"/>
+      <inkml:brushProperty name="ignorePressure" value="1"/>
+    </inkml:brush>
+  </inkml:definitions>
+  <inkml:trace contextRef="#ctx0" brushRef="#br0">0 49,'3901'0,"-3878"1,0-1,0-2,0 0,-1-1,1-1,23-8,11-14</inkml:trace>
+</inkml:ink>
+</file>
+
+<file path=ppt/ink/ink89.xml><?xml version="1.0" encoding="utf-8"?>
+<inkml:ink xmlns:inkml="http://www.w3.org/2003/InkML">
+  <inkml:definitions>
+    <inkml:context xml:id="ctx0">
+      <inkml:inkSource xml:id="inkSrc0">
+        <inkml:traceFormat>
+          <inkml:channel name="X" type="integer" min="-2.14748E9" max="2.14748E9" units="cm"/>
+          <inkml:channel name="Y" type="integer" min="-2.14748E9" max="2.14748E9" units="cm"/>
+        </inkml:traceFormat>
+        <inkml:channelProperties>
+          <inkml:channelProperty channel="X" name="resolution" value="1000" units="1/cm"/>
+          <inkml:channelProperty channel="Y" name="resolution" value="1000" units="1/cm"/>
+        </inkml:channelProperties>
+      </inkml:inkSource>
+      <inkml:timestamp xml:id="ts0" timeString="2025-06-03T04:43:09.592"/>
+    </inkml:context>
+    <inkml:brush xml:id="br0">
+      <inkml:brushProperty name="width" value="0.4" units="cm"/>
+      <inkml:brushProperty name="height" value="0.8" units="cm"/>
+      <inkml:brushProperty name="color" value="#FFFC00"/>
+      <inkml:brushProperty name="tip" value="rectangle"/>
+      <inkml:brushProperty name="rasterOp" value="maskPen"/>
+      <inkml:brushProperty name="ignorePressure" value="1"/>
+    </inkml:brush>
+  </inkml:definitions>
+  <inkml:trace contextRef="#ctx0" brushRef="#br0">1 0,'4'4,"14"6,42 9,36 19,39 6,30 9,37-1,36 4,18-8,-18-12,-31-12,-44-11,-45-7,-42-4</inkml:trace>
+</inkml:ink>
+</file>
+
 <file path=ppt/ink/ink9.xml><?xml version="1.0" encoding="utf-8"?>
 <inkml:ink xmlns:inkml="http://www.w3.org/2003/InkML">
   <inkml:definitions>
@@ -2568,6 +3538,296 @@
     </inkml:brush>
   </inkml:definitions>
   <inkml:trace contextRef="#ctx0" brushRef="#br0">1 1,'29'71,"-13"-32,34 69,4-2,5-2,72 96,-13-43,148 150,52 3,-114-140,404 257,284 64,-535-324,-64-49,-72-45,-171-58,1-3,102 13,-146-24,-1-1,1 1,-1-1,1 0,-1-1,1 0,-1 0,0 0,1-1,-1 0,0 0,0 0,0-1,0 0,-1 0,1-1,-1 0,0 0,0 0,0 0,0-1,-1 1,1-1,-1-1,-1 1,1 0,-1-1,0 0,0 0,3-8,64-181,40-84,-92 222,-2 0,17-114,-29 145,20-78,1-15,-21 84</inkml:trace>
+</inkml:ink>
+</file>
+
+<file path=ppt/ink/ink90.xml><?xml version="1.0" encoding="utf-8"?>
+<inkml:ink xmlns:inkml="http://www.w3.org/2003/InkML">
+  <inkml:definitions>
+    <inkml:context xml:id="ctx0">
+      <inkml:inkSource xml:id="inkSrc0">
+        <inkml:traceFormat>
+          <inkml:channel name="X" type="integer" min="-2.14748E9" max="2.14748E9" units="cm"/>
+          <inkml:channel name="Y" type="integer" min="-2.14748E9" max="2.14748E9" units="cm"/>
+        </inkml:traceFormat>
+        <inkml:channelProperties>
+          <inkml:channelProperty channel="X" name="resolution" value="1000" units="1/cm"/>
+          <inkml:channelProperty channel="Y" name="resolution" value="1000" units="1/cm"/>
+        </inkml:channelProperties>
+      </inkml:inkSource>
+      <inkml:timestamp xml:id="ts0" timeString="2025-06-03T04:43:12.058"/>
+    </inkml:context>
+    <inkml:brush xml:id="br0">
+      <inkml:brushProperty name="width" value="0.4" units="cm"/>
+      <inkml:brushProperty name="height" value="0.8" units="cm"/>
+      <inkml:brushProperty name="color" value="#FFFC00"/>
+      <inkml:brushProperty name="tip" value="rectangle"/>
+      <inkml:brushProperty name="rasterOp" value="maskPen"/>
+      <inkml:brushProperty name="ignorePressure" value="1"/>
+    </inkml:brush>
+  </inkml:definitions>
+  <inkml:trace contextRef="#ctx0" brushRef="#br0">4928 0,'-2'1,"0"0,0 0,0 0,0 0,0 1,0-1,1 0,-1 1,0 0,1-1,0 1,-1 0,1 0,0-1,0 1,0 0,0 0,-1 3,-6 9,-425 579,-45-28,72-89,-51 117,25 16,163-226,-204 237,306-426,-200 178,296-306,-450 434,497-474,-72 71,81-83,-1-1,0-1,-1 0,-26 13,16-14,1-1,-1-1,0-1,-1-2,-34 4,55-9,-339 55,340-55,-22 4,28-5,0 0,0 0,-1 1,1-1,0 0,0 0,0 0,0 0,0 0,0 0,-1 0,1 0,0-1,0 1,0 0,0 0,0 0,0 0,-1 0,1 0,0 0,0 0,0 0,0 0,0 0,0 0,0 0,0-1,-1 1,1 0,0 0,0 0,0 0,0 0,0 0,0 0,0-1,0 1,0 0,0 0,0 0,0 0,0 0,0-1,0 1,0 0,0 0,0 0,0 0,0 0,0 0,0-1,13-12,19-9,1 2,1 1,44-18,-46 22,269-123,331-166,-350 151,272-197,-394 235,317-221,-432 304,-2-1,-2-2,-1-1,-1-3,36-47,-74 85,47-54,-44 50,0 1,1 0,0 0,0 0,0 0,0 1,1 0,-1 0,8-2,-13 5,1 0,0 0,-1-1,1 1,0 0,-1 0,1 0,-1 1,1-1,0 0,-1 0,1 0,0 0,-1 0,1 1,-1-1,1 0,-1 1,1-1,-1 0,1 1,-1-1,1 1,-1-1,1 0,-1 1,1-1,-1 1,0 0,1-1,-1 1,0-1,1 2,6 27,-1 18,-1 75,-5-85,2 144,33 546,4-469,11-3,128 387,-110-456,99 185,-53-164,-28-55,-20-38,5-3,5-2,110 119,-69-95,253 219,-304-298,3-4,2-2,2-4,2-3,1-3,86 29,61 2,-179-59,1-2,-1-1,50 0,-85-7,-1-1,1 0,-1 0,1 0,-1-1,1-1,-1 1,0-1,0-1,-1 1,1-1,-1-1,0 1,0-1,0-1,0 1,8-10,3-7,-1 0,0-1,25-48,-35 59,-1 0,0-1,-1 1,0-1,-1 0,-1-1,0 1,-1 0,0-1,0-24,-3 30,0 1,0-1,0 1,-1-1,-1 1,1-1,-1 1,0 0,-1 0,0 0,0 1,0 0,-1-1,0 1,0 1,0-1,-1 1,0 0,0 0,-11-6,-30-15,-1 2,-89-31,123 50,-573-174,404 127,101 29</inkml:trace>
+</inkml:ink>
+</file>
+
+<file path=ppt/ink/ink91.xml><?xml version="1.0" encoding="utf-8"?>
+<inkml:ink xmlns:inkml="http://www.w3.org/2003/InkML">
+  <inkml:definitions>
+    <inkml:context xml:id="ctx0">
+      <inkml:inkSource xml:id="inkSrc0">
+        <inkml:traceFormat>
+          <inkml:channel name="X" type="integer" min="-2.14748E9" max="2.14748E9" units="cm"/>
+          <inkml:channel name="Y" type="integer" min="-2.14748E9" max="2.14748E9" units="cm"/>
+        </inkml:traceFormat>
+        <inkml:channelProperties>
+          <inkml:channelProperty channel="X" name="resolution" value="1000" units="1/cm"/>
+          <inkml:channelProperty channel="Y" name="resolution" value="1000" units="1/cm"/>
+        </inkml:channelProperties>
+      </inkml:inkSource>
+      <inkml:timestamp xml:id="ts0" timeString="2025-06-03T04:48:45.991"/>
+    </inkml:context>
+    <inkml:brush xml:id="br0">
+      <inkml:brushProperty name="width" value="0.4" units="cm"/>
+      <inkml:brushProperty name="height" value="0.8" units="cm"/>
+      <inkml:brushProperty name="color" value="#FFFC00"/>
+      <inkml:brushProperty name="tip" value="rectangle"/>
+      <inkml:brushProperty name="rasterOp" value="maskPen"/>
+      <inkml:brushProperty name="ignorePressure" value="1"/>
+    </inkml:brush>
+  </inkml:definitions>
+  <inkml:trace contextRef="#ctx0" brushRef="#br0">0 0,'14'1,"0"0,21 5,9 1,192 19,142 8,-136-35,68 1,-300 1,0-1,0 2,0-1,0 2,13 4,0 4</inkml:trace>
+</inkml:ink>
+</file>
+
+<file path=ppt/ink/ink92.xml><?xml version="1.0" encoding="utf-8"?>
+<inkml:ink xmlns:inkml="http://www.w3.org/2003/InkML">
+  <inkml:definitions>
+    <inkml:context xml:id="ctx0">
+      <inkml:inkSource xml:id="inkSrc0">
+        <inkml:traceFormat>
+          <inkml:channel name="X" type="integer" min="-2.14748E9" max="2.14748E9" units="cm"/>
+          <inkml:channel name="Y" type="integer" min="-2.14748E9" max="2.14748E9" units="cm"/>
+        </inkml:traceFormat>
+        <inkml:channelProperties>
+          <inkml:channelProperty channel="X" name="resolution" value="1000" units="1/cm"/>
+          <inkml:channelProperty channel="Y" name="resolution" value="1000" units="1/cm"/>
+        </inkml:channelProperties>
+      </inkml:inkSource>
+      <inkml:timestamp xml:id="ts0" timeString="2025-06-03T04:48:47.980"/>
+    </inkml:context>
+    <inkml:brush xml:id="br0">
+      <inkml:brushProperty name="width" value="0.4" units="cm"/>
+      <inkml:brushProperty name="height" value="0.8" units="cm"/>
+      <inkml:brushProperty name="color" value="#FFFC00"/>
+      <inkml:brushProperty name="tip" value="rectangle"/>
+      <inkml:brushProperty name="rasterOp" value="maskPen"/>
+      <inkml:brushProperty name="ignorePressure" value="1"/>
+    </inkml:brush>
+  </inkml:definitions>
+  <inkml:trace contextRef="#ctx0" brushRef="#br0">1 129,'307'1,"737"-25,-709-8,484-30,804 51,-1116 14,2511-1,-1807-3,-1120 5,-1 4,131 29,-25 0,-166-30</inkml:trace>
+</inkml:ink>
+</file>
+
+<file path=ppt/ink/ink93.xml><?xml version="1.0" encoding="utf-8"?>
+<inkml:ink xmlns:inkml="http://www.w3.org/2003/InkML">
+  <inkml:definitions>
+    <inkml:context xml:id="ctx0">
+      <inkml:inkSource xml:id="inkSrc0">
+        <inkml:traceFormat>
+          <inkml:channel name="X" type="integer" min="-2.14748E9" max="2.14748E9" units="cm"/>
+          <inkml:channel name="Y" type="integer" min="-2.14748E9" max="2.14748E9" units="cm"/>
+        </inkml:traceFormat>
+        <inkml:channelProperties>
+          <inkml:channelProperty channel="X" name="resolution" value="1000" units="1/cm"/>
+          <inkml:channelProperty channel="Y" name="resolution" value="1000" units="1/cm"/>
+        </inkml:channelProperties>
+      </inkml:inkSource>
+      <inkml:timestamp xml:id="ts0" timeString="2025-06-03T04:52:34.653"/>
+    </inkml:context>
+    <inkml:brush xml:id="br0">
+      <inkml:brushProperty name="width" value="0.4" units="cm"/>
+      <inkml:brushProperty name="height" value="0.8" units="cm"/>
+      <inkml:brushProperty name="color" value="#FFFC00"/>
+      <inkml:brushProperty name="tip" value="rectangle"/>
+      <inkml:brushProperty name="rasterOp" value="maskPen"/>
+      <inkml:brushProperty name="ignorePressure" value="1"/>
+    </inkml:brush>
+  </inkml:definitions>
+  <inkml:trace contextRef="#ctx0" brushRef="#br0">0 27,'203'1,"217"-3,-241-10,40-1,1642 13,-823 1,594-1,-737 27,-476-10,-356-15,-3-1,88 12,-132-11,-1 2,1-1,-1 2,1 0,-2 1,1 0,0 1,-1 1,-1 0,19 15,-25-16,0-1,-1 1,0 1,0-1,-1 1,0 0,5 11,8 21</inkml:trace>
+</inkml:ink>
+</file>
+
+<file path=ppt/ink/ink94.xml><?xml version="1.0" encoding="utf-8"?>
+<inkml:ink xmlns:inkml="http://www.w3.org/2003/InkML">
+  <inkml:definitions>
+    <inkml:context xml:id="ctx0">
+      <inkml:inkSource xml:id="inkSrc0">
+        <inkml:traceFormat>
+          <inkml:channel name="X" type="integer" min="-2.14748E9" max="2.14748E9" units="cm"/>
+          <inkml:channel name="Y" type="integer" min="-2.14748E9" max="2.14748E9" units="cm"/>
+        </inkml:traceFormat>
+        <inkml:channelProperties>
+          <inkml:channelProperty channel="X" name="resolution" value="1000" units="1/cm"/>
+          <inkml:channelProperty channel="Y" name="resolution" value="1000" units="1/cm"/>
+        </inkml:channelProperties>
+      </inkml:inkSource>
+      <inkml:timestamp xml:id="ts0" timeString="2025-06-03T04:52:35.740"/>
+    </inkml:context>
+    <inkml:brush xml:id="br0">
+      <inkml:brushProperty name="width" value="0.4" units="cm"/>
+      <inkml:brushProperty name="height" value="0.8" units="cm"/>
+      <inkml:brushProperty name="color" value="#FFFC00"/>
+      <inkml:brushProperty name="tip" value="rectangle"/>
+      <inkml:brushProperty name="rasterOp" value="maskPen"/>
+      <inkml:brushProperty name="ignorePressure" value="1"/>
+    </inkml:brush>
+  </inkml:definitions>
+  <inkml:trace contextRef="#ctx0" brushRef="#br0">1 1,'4636'0,"-4593"0,-1 1,1 2,69 13,-79-6</inkml:trace>
+</inkml:ink>
+</file>
+
+<file path=ppt/ink/ink95.xml><?xml version="1.0" encoding="utf-8"?>
+<inkml:ink xmlns:inkml="http://www.w3.org/2003/InkML">
+  <inkml:definitions>
+    <inkml:context xml:id="ctx0">
+      <inkml:inkSource xml:id="inkSrc0">
+        <inkml:traceFormat>
+          <inkml:channel name="X" type="integer" min="-2.14748E9" max="2.14748E9" units="cm"/>
+          <inkml:channel name="Y" type="integer" min="-2.14748E9" max="2.14748E9" units="cm"/>
+        </inkml:traceFormat>
+        <inkml:channelProperties>
+          <inkml:channelProperty channel="X" name="resolution" value="1000" units="1/cm"/>
+          <inkml:channelProperty channel="Y" name="resolution" value="1000" units="1/cm"/>
+        </inkml:channelProperties>
+      </inkml:inkSource>
+      <inkml:timestamp xml:id="ts0" timeString="2025-06-03T04:52:37.178"/>
+    </inkml:context>
+    <inkml:brush xml:id="br0">
+      <inkml:brushProperty name="width" value="0.4" units="cm"/>
+      <inkml:brushProperty name="height" value="0.8" units="cm"/>
+      <inkml:brushProperty name="color" value="#FFFC00"/>
+      <inkml:brushProperty name="tip" value="rectangle"/>
+      <inkml:brushProperty name="rasterOp" value="maskPen"/>
+      <inkml:brushProperty name="ignorePressure" value="1"/>
+    </inkml:brush>
+  </inkml:definitions>
+  <inkml:trace contextRef="#ctx0" brushRef="#br0">0 1,'9'1,"0"0,-1 1,0 0,1 0,-1 1,0 0,0 0,12 8,4 0,134 62,243 99,-340-151,1-2,1-3,0-3,116 8,290-21,-203-5,1947 5,-2170-2,-1-2,66-16,26-2,336-4,114 27,-543-1</inkml:trace>
+</inkml:ink>
+</file>
+
+<file path=ppt/ink/ink96.xml><?xml version="1.0" encoding="utf-8"?>
+<inkml:ink xmlns:inkml="http://www.w3.org/2003/InkML">
+  <inkml:definitions>
+    <inkml:context xml:id="ctx0">
+      <inkml:inkSource xml:id="inkSrc0">
+        <inkml:traceFormat>
+          <inkml:channel name="X" type="integer" min="-2.14748E9" max="2.14748E9" units="cm"/>
+          <inkml:channel name="Y" type="integer" min="-2.14748E9" max="2.14748E9" units="cm"/>
+        </inkml:traceFormat>
+        <inkml:channelProperties>
+          <inkml:channelProperty channel="X" name="resolution" value="1000" units="1/cm"/>
+          <inkml:channelProperty channel="Y" name="resolution" value="1000" units="1/cm"/>
+        </inkml:channelProperties>
+      </inkml:inkSource>
+      <inkml:timestamp xml:id="ts0" timeString="2025-06-03T04:52:38.459"/>
+    </inkml:context>
+    <inkml:brush xml:id="br0">
+      <inkml:brushProperty name="width" value="0.4" units="cm"/>
+      <inkml:brushProperty name="height" value="0.8" units="cm"/>
+      <inkml:brushProperty name="color" value="#FFFC00"/>
+      <inkml:brushProperty name="tip" value="rectangle"/>
+      <inkml:brushProperty name="rasterOp" value="maskPen"/>
+      <inkml:brushProperty name="ignorePressure" value="1"/>
+    </inkml:brush>
+  </inkml:definitions>
+  <inkml:trace contextRef="#ctx0" brushRef="#br0">1 0,'1095'0,"-991"4,-1 4,0 5,-1 4,126 38,315 114,314 76,-781-231,0-3,111 2,-133-13</inkml:trace>
+</inkml:ink>
+</file>
+
+<file path=ppt/ink/ink97.xml><?xml version="1.0" encoding="utf-8"?>
+<inkml:ink xmlns:inkml="http://www.w3.org/2003/InkML">
+  <inkml:definitions>
+    <inkml:context xml:id="ctx0">
+      <inkml:inkSource xml:id="inkSrc0">
+        <inkml:traceFormat>
+          <inkml:channel name="X" type="integer" min="-2.14748E9" max="2.14748E9" units="cm"/>
+          <inkml:channel name="Y" type="integer" min="-2.14748E9" max="2.14748E9" units="cm"/>
+        </inkml:traceFormat>
+        <inkml:channelProperties>
+          <inkml:channelProperty channel="X" name="resolution" value="1000" units="1/cm"/>
+          <inkml:channelProperty channel="Y" name="resolution" value="1000" units="1/cm"/>
+        </inkml:channelProperties>
+      </inkml:inkSource>
+      <inkml:timestamp xml:id="ts0" timeString="2025-06-03T04:52:39.256"/>
+    </inkml:context>
+    <inkml:brush xml:id="br0">
+      <inkml:brushProperty name="width" value="0.4" units="cm"/>
+      <inkml:brushProperty name="height" value="0.8" units="cm"/>
+      <inkml:brushProperty name="color" value="#FFFC00"/>
+      <inkml:brushProperty name="tip" value="rectangle"/>
+      <inkml:brushProperty name="rasterOp" value="maskPen"/>
+      <inkml:brushProperty name="ignorePressure" value="1"/>
+    </inkml:brush>
+  </inkml:definitions>
+  <inkml:trace contextRef="#ctx0" brushRef="#br0">1 1,'4'4,"1"1,0-1,0 0,0 0,1-1,-1 0,1 0,-1 0,12 4,2 0,88 32,1-4,115 20,-109-29,514 107,-419-101,224 6,-394-37,0-1,0-2,-1-2,1-1,-1-2,0-2,-1-1,68-29,-92 34,279-137,-223 105,-38 24</inkml:trace>
+</inkml:ink>
+</file>
+
+<file path=ppt/ink/ink98.xml><?xml version="1.0" encoding="utf-8"?>
+<inkml:ink xmlns:inkml="http://www.w3.org/2003/InkML">
+  <inkml:definitions>
+    <inkml:context xml:id="ctx0">
+      <inkml:inkSource xml:id="inkSrc0">
+        <inkml:traceFormat>
+          <inkml:channel name="X" type="integer" min="-2.14748E9" max="2.14748E9" units="cm"/>
+          <inkml:channel name="Y" type="integer" min="-2.14748E9" max="2.14748E9" units="cm"/>
+        </inkml:traceFormat>
+        <inkml:channelProperties>
+          <inkml:channelProperty channel="X" name="resolution" value="1000" units="1/cm"/>
+          <inkml:channelProperty channel="Y" name="resolution" value="1000" units="1/cm"/>
+        </inkml:channelProperties>
+      </inkml:inkSource>
+      <inkml:timestamp xml:id="ts0" timeString="2025-06-03T04:53:44.325"/>
+    </inkml:context>
+    <inkml:brush xml:id="br0">
+      <inkml:brushProperty name="width" value="0.4" units="cm"/>
+      <inkml:brushProperty name="height" value="0.8" units="cm"/>
+      <inkml:brushProperty name="color" value="#FFFC00"/>
+      <inkml:brushProperty name="tip" value="rectangle"/>
+      <inkml:brushProperty name="rasterOp" value="maskPen"/>
+      <inkml:brushProperty name="ignorePressure" value="1"/>
+    </inkml:brush>
+  </inkml:definitions>
+  <inkml:trace contextRef="#ctx0" brushRef="#br0">1 0,'4570'0,"-4536"0</inkml:trace>
+</inkml:ink>
+</file>
+
+<file path=ppt/ink/ink99.xml><?xml version="1.0" encoding="utf-8"?>
+<inkml:ink xmlns:inkml="http://www.w3.org/2003/InkML">
+  <inkml:definitions>
+    <inkml:context xml:id="ctx0">
+      <inkml:inkSource xml:id="inkSrc0">
+        <inkml:traceFormat>
+          <inkml:channel name="X" type="integer" min="-2.14748E9" max="2.14748E9" units="cm"/>
+          <inkml:channel name="Y" type="integer" min="-2.14748E9" max="2.14748E9" units="cm"/>
+        </inkml:traceFormat>
+        <inkml:channelProperties>
+          <inkml:channelProperty channel="X" name="resolution" value="1000" units="1/cm"/>
+          <inkml:channelProperty channel="Y" name="resolution" value="1000" units="1/cm"/>
+        </inkml:channelProperties>
+      </inkml:inkSource>
+      <inkml:timestamp xml:id="ts0" timeString="2025-06-03T04:53:46.377"/>
+    </inkml:context>
+    <inkml:brush xml:id="br0">
+      <inkml:brushProperty name="width" value="0.4" units="cm"/>
+      <inkml:brushProperty name="height" value="0.8" units="cm"/>
+      <inkml:brushProperty name="color" value="#FFFC00"/>
+      <inkml:brushProperty name="tip" value="rectangle"/>
+      <inkml:brushProperty name="rasterOp" value="maskPen"/>
+      <inkml:brushProperty name="ignorePressure" value="1"/>
+    </inkml:brush>
+  </inkml:definitions>
+  <inkml:trace contextRef="#ctx0" brushRef="#br0">1 125,'10'1,"0"0,1 0,-1 1,0 0,14 6,6 0,45 10,1-4,80 5,165-4,-253-13,1433 9,-1336-11,1-3,215-32,-131-2,672-91,-704 110,222 13,-411 5,31 0</inkml:trace>
 </inkml:ink>
 </file>
 
@@ -2720,7 +3980,7 @@
           <a:p>
             <a:fld id="{663C23E7-704C-485F-8A79-9A5592304088}" type="datetimeFigureOut">
               <a:rPr lang="es-GT" smtClean="0"/>
-              <a:t>1/06/2025</a:t>
+              <a:t>2/06/2025</a:t>
             </a:fld>
             <a:endParaRPr lang="es-GT"/>
           </a:p>
@@ -2920,7 +4180,7 @@
           <a:p>
             <a:fld id="{663C23E7-704C-485F-8A79-9A5592304088}" type="datetimeFigureOut">
               <a:rPr lang="es-GT" smtClean="0"/>
-              <a:t>1/06/2025</a:t>
+              <a:t>2/06/2025</a:t>
             </a:fld>
             <a:endParaRPr lang="es-GT"/>
           </a:p>
@@ -3130,7 +4390,7 @@
           <a:p>
             <a:fld id="{663C23E7-704C-485F-8A79-9A5592304088}" type="datetimeFigureOut">
               <a:rPr lang="es-GT" smtClean="0"/>
-              <a:t>1/06/2025</a:t>
+              <a:t>2/06/2025</a:t>
             </a:fld>
             <a:endParaRPr lang="es-GT"/>
           </a:p>
@@ -3330,7 +4590,7 @@
           <a:p>
             <a:fld id="{663C23E7-704C-485F-8A79-9A5592304088}" type="datetimeFigureOut">
               <a:rPr lang="es-GT" smtClean="0"/>
-              <a:t>1/06/2025</a:t>
+              <a:t>2/06/2025</a:t>
             </a:fld>
             <a:endParaRPr lang="es-GT"/>
           </a:p>
@@ -3606,7 +4866,7 @@
           <a:p>
             <a:fld id="{663C23E7-704C-485F-8A79-9A5592304088}" type="datetimeFigureOut">
               <a:rPr lang="es-GT" smtClean="0"/>
-              <a:t>1/06/2025</a:t>
+              <a:t>2/06/2025</a:t>
             </a:fld>
             <a:endParaRPr lang="es-GT"/>
           </a:p>
@@ -3874,7 +5134,7 @@
           <a:p>
             <a:fld id="{663C23E7-704C-485F-8A79-9A5592304088}" type="datetimeFigureOut">
               <a:rPr lang="es-GT" smtClean="0"/>
-              <a:t>1/06/2025</a:t>
+              <a:t>2/06/2025</a:t>
             </a:fld>
             <a:endParaRPr lang="es-GT"/>
           </a:p>
@@ -4289,7 +5549,7 @@
           <a:p>
             <a:fld id="{663C23E7-704C-485F-8A79-9A5592304088}" type="datetimeFigureOut">
               <a:rPr lang="es-GT" smtClean="0"/>
-              <a:t>1/06/2025</a:t>
+              <a:t>2/06/2025</a:t>
             </a:fld>
             <a:endParaRPr lang="es-GT"/>
           </a:p>
@@ -4431,7 +5691,7 @@
           <a:p>
             <a:fld id="{663C23E7-704C-485F-8A79-9A5592304088}" type="datetimeFigureOut">
               <a:rPr lang="es-GT" smtClean="0"/>
-              <a:t>1/06/2025</a:t>
+              <a:t>2/06/2025</a:t>
             </a:fld>
             <a:endParaRPr lang="es-GT"/>
           </a:p>
@@ -4544,7 +5804,7 @@
           <a:p>
             <a:fld id="{663C23E7-704C-485F-8A79-9A5592304088}" type="datetimeFigureOut">
               <a:rPr lang="es-GT" smtClean="0"/>
-              <a:t>1/06/2025</a:t>
+              <a:t>2/06/2025</a:t>
             </a:fld>
             <a:endParaRPr lang="es-GT"/>
           </a:p>
@@ -4857,7 +6117,7 @@
           <a:p>
             <a:fld id="{663C23E7-704C-485F-8A79-9A5592304088}" type="datetimeFigureOut">
               <a:rPr lang="es-GT" smtClean="0"/>
-              <a:t>1/06/2025</a:t>
+              <a:t>2/06/2025</a:t>
             </a:fld>
             <a:endParaRPr lang="es-GT"/>
           </a:p>
@@ -5146,7 +6406,7 @@
           <a:p>
             <a:fld id="{663C23E7-704C-485F-8A79-9A5592304088}" type="datetimeFigureOut">
               <a:rPr lang="es-GT" smtClean="0"/>
-              <a:t>1/06/2025</a:t>
+              <a:t>2/06/2025</a:t>
             </a:fld>
             <a:endParaRPr lang="es-GT"/>
           </a:p>
@@ -5389,7 +6649,7 @@
           <a:p>
             <a:fld id="{663C23E7-704C-485F-8A79-9A5592304088}" type="datetimeFigureOut">
               <a:rPr lang="es-GT" smtClean="0"/>
-              <a:t>1/06/2025</a:t>
+              <a:t>2/06/2025</a:t>
             </a:fld>
             <a:endParaRPr lang="es-GT"/>
           </a:p>
@@ -12851,6 +14111,129 @@
           </a:prstGeom>
         </p:spPr>
       </p:pic>
+      <p:grpSp>
+        <p:nvGrpSpPr>
+          <p:cNvPr id="7" name="Grupo 6">
+            <a:extLst>
+              <a:ext uri="{FF2B5EF4-FFF2-40B4-BE49-F238E27FC236}">
+                <a16:creationId xmlns:a16="http://schemas.microsoft.com/office/drawing/2014/main" id="{A85CFC7A-FF88-4FDB-A885-325F21059D27}"/>
+              </a:ext>
+            </a:extLst>
+          </p:cNvPr>
+          <p:cNvGrpSpPr/>
+          <p:nvPr/>
+        </p:nvGrpSpPr>
+        <p:grpSpPr>
+          <a:xfrm>
+            <a:off x="4990755" y="746490"/>
+            <a:ext cx="2326680" cy="1165680"/>
+            <a:chOff x="4990755" y="746490"/>
+            <a:chExt cx="2326680" cy="1165680"/>
+          </a:xfrm>
+        </p:grpSpPr>
+        <mc:AlternateContent xmlns:mc="http://schemas.openxmlformats.org/markup-compatibility/2006">
+          <mc:Choice xmlns:p14="http://schemas.microsoft.com/office/powerpoint/2010/main" Requires="p14">
+            <p:contentPart p14:bwMode="auto" r:id="rId4">
+              <p14:nvContentPartPr>
+                <p14:cNvPr id="3" name="Entrada de lápiz 2">
+                  <a:extLst>
+                    <a:ext uri="{FF2B5EF4-FFF2-40B4-BE49-F238E27FC236}">
+                      <a16:creationId xmlns:a16="http://schemas.microsoft.com/office/drawing/2014/main" id="{404E3C1A-2BE2-6750-014F-02F6927A5348}"/>
+                    </a:ext>
+                  </a:extLst>
+                </p14:cNvPr>
+                <p14:cNvContentPartPr/>
+                <p14:nvPr/>
+              </p14:nvContentPartPr>
+              <p14:xfrm>
+                <a:off x="4990755" y="1523730"/>
+                <a:ext cx="1321920" cy="108360"/>
+              </p14:xfrm>
+            </p:contentPart>
+          </mc:Choice>
+          <mc:Fallback>
+            <p:pic>
+              <p:nvPicPr>
+                <p:cNvPr id="3" name="Entrada de lápiz 2">
+                  <a:extLst>
+                    <a:ext uri="{FF2B5EF4-FFF2-40B4-BE49-F238E27FC236}">
+                      <a16:creationId xmlns:a16="http://schemas.microsoft.com/office/drawing/2014/main" id="{404E3C1A-2BE2-6750-014F-02F6927A5348}"/>
+                    </a:ext>
+                  </a:extLst>
+                </p:cNvPr>
+                <p:cNvPicPr/>
+                <p:nvPr/>
+              </p:nvPicPr>
+              <p:blipFill>
+                <a:blip r:embed="rId5"/>
+                <a:stretch>
+                  <a:fillRect/>
+                </a:stretch>
+              </p:blipFill>
+              <p:spPr>
+                <a:xfrm>
+                  <a:off x="4955115" y="1488090"/>
+                  <a:ext cx="1393560" cy="180000"/>
+                </a:xfrm>
+                <a:prstGeom prst="rect">
+                  <a:avLst/>
+                </a:prstGeom>
+              </p:spPr>
+            </p:pic>
+          </mc:Fallback>
+        </mc:AlternateContent>
+        <mc:AlternateContent xmlns:mc="http://schemas.openxmlformats.org/markup-compatibility/2006">
+          <mc:Choice xmlns:p14="http://schemas.microsoft.com/office/powerpoint/2010/main" Requires="p14">
+            <p:contentPart p14:bwMode="auto" r:id="rId6">
+              <p14:nvContentPartPr>
+                <p14:cNvPr id="5" name="Entrada de lápiz 4">
+                  <a:extLst>
+                    <a:ext uri="{FF2B5EF4-FFF2-40B4-BE49-F238E27FC236}">
+                      <a16:creationId xmlns:a16="http://schemas.microsoft.com/office/drawing/2014/main" id="{53952428-8A47-0A68-2A3B-25E4230ACA69}"/>
+                    </a:ext>
+                  </a:extLst>
+                </p14:cNvPr>
+                <p14:cNvContentPartPr/>
+                <p14:nvPr/>
+              </p14:nvContentPartPr>
+              <p14:xfrm>
+                <a:off x="6074355" y="746490"/>
+                <a:ext cx="1243080" cy="1165680"/>
+              </p14:xfrm>
+            </p:contentPart>
+          </mc:Choice>
+          <mc:Fallback>
+            <p:pic>
+              <p:nvPicPr>
+                <p:cNvPr id="5" name="Entrada de lápiz 4">
+                  <a:extLst>
+                    <a:ext uri="{FF2B5EF4-FFF2-40B4-BE49-F238E27FC236}">
+                      <a16:creationId xmlns:a16="http://schemas.microsoft.com/office/drawing/2014/main" id="{53952428-8A47-0A68-2A3B-25E4230ACA69}"/>
+                    </a:ext>
+                  </a:extLst>
+                </p:cNvPr>
+                <p:cNvPicPr/>
+                <p:nvPr/>
+              </p:nvPicPr>
+              <p:blipFill>
+                <a:blip r:embed="rId7"/>
+                <a:stretch>
+                  <a:fillRect/>
+                </a:stretch>
+              </p:blipFill>
+              <p:spPr>
+                <a:xfrm>
+                  <a:off x="6038355" y="710490"/>
+                  <a:ext cx="1314720" cy="1237320"/>
+                </a:xfrm>
+                <a:prstGeom prst="rect">
+                  <a:avLst/>
+                </a:prstGeom>
+              </p:spPr>
+            </p:pic>
+          </mc:Fallback>
+        </mc:AlternateContent>
+      </p:grpSp>
     </p:spTree>
     <p:extLst>
       <p:ext uri="{BB962C8B-B14F-4D97-AF65-F5344CB8AC3E}">
@@ -12881,6 +14264,259 @@
           <a:chExt cx="0" cy="0"/>
         </a:xfrm>
       </p:grpSpPr>
+      <p:sp>
+        <p:nvSpPr>
+          <p:cNvPr id="3" name="CuadroTexto 2">
+            <a:extLst>
+              <a:ext uri="{FF2B5EF4-FFF2-40B4-BE49-F238E27FC236}">
+                <a16:creationId xmlns:a16="http://schemas.microsoft.com/office/drawing/2014/main" id="{657B7DE9-8C19-06AC-DE86-6BE319F5FAA3}"/>
+              </a:ext>
+            </a:extLst>
+          </p:cNvPr>
+          <p:cNvSpPr txBox="1"/>
+          <p:nvPr/>
+        </p:nvSpPr>
+        <p:spPr>
+          <a:xfrm>
+            <a:off x="1133475" y="800099"/>
+            <a:ext cx="3324225" cy="923330"/>
+          </a:xfrm>
+          <a:prstGeom prst="rect">
+            <a:avLst/>
+          </a:prstGeom>
+          <a:noFill/>
+        </p:spPr>
+        <p:txBody>
+          <a:bodyPr wrap="square" rtlCol="0">
+            <a:spAutoFit/>
+          </a:bodyPr>
+          <a:lstStyle/>
+          <a:p>
+            <a:r>
+              <a:rPr lang="es-MX" dirty="0" err="1"/>
+              <a:t>Desplazamietno</a:t>
+            </a:r>
+            <a:r>
+              <a:rPr lang="es-MX" dirty="0"/>
+              <a:t> de la junta C, luego la ventana que se abre lo demás asi como esta  y ok  </a:t>
+            </a:r>
+            <a:endParaRPr lang="es-GT" dirty="0"/>
+          </a:p>
+        </p:txBody>
+      </p:sp>
+      <p:pic>
+        <p:nvPicPr>
+          <p:cNvPr id="5" name="Imagen 4">
+            <a:extLst>
+              <a:ext uri="{FF2B5EF4-FFF2-40B4-BE49-F238E27FC236}">
+                <a16:creationId xmlns:a16="http://schemas.microsoft.com/office/drawing/2014/main" id="{2B4B2977-C7CA-0E64-BAB2-CD751E717171}"/>
+              </a:ext>
+            </a:extLst>
+          </p:cNvPr>
+          <p:cNvPicPr>
+            <a:picLocks noChangeAspect="1"/>
+          </p:cNvPicPr>
+          <p:nvPr/>
+        </p:nvPicPr>
+        <p:blipFill>
+          <a:blip r:embed="rId2"/>
+          <a:stretch>
+            <a:fillRect/>
+          </a:stretch>
+        </p:blipFill>
+        <p:spPr>
+          <a:xfrm>
+            <a:off x="618799" y="1795234"/>
+            <a:ext cx="4667901" cy="3267531"/>
+          </a:xfrm>
+          <a:prstGeom prst="rect">
+            <a:avLst/>
+          </a:prstGeom>
+        </p:spPr>
+      </p:pic>
+      <p:pic>
+        <p:nvPicPr>
+          <p:cNvPr id="7" name="Imagen 6">
+            <a:extLst>
+              <a:ext uri="{FF2B5EF4-FFF2-40B4-BE49-F238E27FC236}">
+                <a16:creationId xmlns:a16="http://schemas.microsoft.com/office/drawing/2014/main" id="{7DC104A6-C05E-8901-C71C-6727651B4F6A}"/>
+              </a:ext>
+            </a:extLst>
+          </p:cNvPr>
+          <p:cNvPicPr>
+            <a:picLocks noChangeAspect="1"/>
+          </p:cNvPicPr>
+          <p:nvPr/>
+        </p:nvPicPr>
+        <p:blipFill>
+          <a:blip r:embed="rId3"/>
+          <a:stretch>
+            <a:fillRect/>
+          </a:stretch>
+        </p:blipFill>
+        <p:spPr>
+          <a:xfrm>
+            <a:off x="6610675" y="235982"/>
+            <a:ext cx="3649682" cy="5783818"/>
+          </a:xfrm>
+          <a:prstGeom prst="rect">
+            <a:avLst/>
+          </a:prstGeom>
+        </p:spPr>
+      </p:pic>
+      <mc:AlternateContent xmlns:mc="http://schemas.openxmlformats.org/markup-compatibility/2006">
+        <mc:Choice xmlns:p14="http://schemas.microsoft.com/office/powerpoint/2010/main" Requires="p14">
+          <p:contentPart p14:bwMode="auto" r:id="rId4">
+            <p14:nvContentPartPr>
+              <p14:cNvPr id="10" name="Entrada de lápiz 9">
+                <a:extLst>
+                  <a:ext uri="{FF2B5EF4-FFF2-40B4-BE49-F238E27FC236}">
+                    <a16:creationId xmlns:a16="http://schemas.microsoft.com/office/drawing/2014/main" id="{FF28F60C-041C-15EC-91F4-2660F27A8691}"/>
+                  </a:ext>
+                </a:extLst>
+              </p14:cNvPr>
+              <p14:cNvContentPartPr/>
+              <p14:nvPr/>
+            </p14:nvContentPartPr>
+            <p14:xfrm>
+              <a:off x="875955" y="2276490"/>
+              <a:ext cx="648720" cy="19800"/>
+            </p14:xfrm>
+          </p:contentPart>
+        </mc:Choice>
+        <mc:Fallback>
+          <p:pic>
+            <p:nvPicPr>
+              <p:cNvPr id="10" name="Entrada de lápiz 9">
+                <a:extLst>
+                  <a:ext uri="{FF2B5EF4-FFF2-40B4-BE49-F238E27FC236}">
+                    <a16:creationId xmlns:a16="http://schemas.microsoft.com/office/drawing/2014/main" id="{FF28F60C-041C-15EC-91F4-2660F27A8691}"/>
+                  </a:ext>
+                </a:extLst>
+              </p:cNvPr>
+              <p:cNvPicPr/>
+              <p:nvPr/>
+            </p:nvPicPr>
+            <p:blipFill>
+              <a:blip r:embed="rId5"/>
+              <a:stretch>
+                <a:fillRect/>
+              </a:stretch>
+            </p:blipFill>
+            <p:spPr>
+              <a:xfrm>
+                <a:off x="804315" y="2132490"/>
+                <a:ext cx="792360" cy="307440"/>
+              </a:xfrm>
+              <a:prstGeom prst="rect">
+                <a:avLst/>
+              </a:prstGeom>
+            </p:spPr>
+          </p:pic>
+        </mc:Fallback>
+      </mc:AlternateContent>
+      <mc:AlternateContent xmlns:mc="http://schemas.openxmlformats.org/markup-compatibility/2006">
+        <mc:Choice xmlns:p14="http://schemas.microsoft.com/office/powerpoint/2010/main" Requires="p14">
+          <p:contentPart p14:bwMode="auto" r:id="rId6">
+            <p14:nvContentPartPr>
+              <p14:cNvPr id="11" name="Entrada de lápiz 10">
+                <a:extLst>
+                  <a:ext uri="{FF2B5EF4-FFF2-40B4-BE49-F238E27FC236}">
+                    <a16:creationId xmlns:a16="http://schemas.microsoft.com/office/drawing/2014/main" id="{60FD9D55-0328-3CEB-9A0A-211F7E9E08D3}"/>
+                  </a:ext>
+                </a:extLst>
+              </p14:cNvPr>
+              <p14:cNvContentPartPr/>
+              <p14:nvPr/>
+            </p14:nvContentPartPr>
+            <p14:xfrm>
+              <a:off x="761835" y="3199170"/>
+              <a:ext cx="4035240" cy="106200"/>
+            </p14:xfrm>
+          </p:contentPart>
+        </mc:Choice>
+        <mc:Fallback>
+          <p:pic>
+            <p:nvPicPr>
+              <p:cNvPr id="11" name="Entrada de lápiz 10">
+                <a:extLst>
+                  <a:ext uri="{FF2B5EF4-FFF2-40B4-BE49-F238E27FC236}">
+                    <a16:creationId xmlns:a16="http://schemas.microsoft.com/office/drawing/2014/main" id="{60FD9D55-0328-3CEB-9A0A-211F7E9E08D3}"/>
+                  </a:ext>
+                </a:extLst>
+              </p:cNvPr>
+              <p:cNvPicPr/>
+              <p:nvPr/>
+            </p:nvPicPr>
+            <p:blipFill>
+              <a:blip r:embed="rId7"/>
+              <a:stretch>
+                <a:fillRect/>
+              </a:stretch>
+            </p:blipFill>
+            <p:spPr>
+              <a:xfrm>
+                <a:off x="689835" y="3055170"/>
+                <a:ext cx="4178880" cy="393840"/>
+              </a:xfrm>
+              <a:prstGeom prst="rect">
+                <a:avLst/>
+              </a:prstGeom>
+            </p:spPr>
+          </p:pic>
+        </mc:Fallback>
+      </mc:AlternateContent>
+      <mc:AlternateContent xmlns:mc="http://schemas.openxmlformats.org/markup-compatibility/2006">
+        <mc:Choice xmlns:p14="http://schemas.microsoft.com/office/powerpoint/2010/main" Requires="p14">
+          <p:contentPart p14:bwMode="auto" r:id="rId8">
+            <p14:nvContentPartPr>
+              <p14:cNvPr id="12" name="Entrada de lápiz 11">
+                <a:extLst>
+                  <a:ext uri="{FF2B5EF4-FFF2-40B4-BE49-F238E27FC236}">
+                    <a16:creationId xmlns:a16="http://schemas.microsoft.com/office/drawing/2014/main" id="{A849B68C-2441-580C-11A6-70E2C6BD90B9}"/>
+                  </a:ext>
+                </a:extLst>
+              </p14:cNvPr>
+              <p14:cNvContentPartPr/>
+              <p14:nvPr/>
+            </p14:nvContentPartPr>
+            <p14:xfrm>
+              <a:off x="7181355" y="5551770"/>
+              <a:ext cx="752400" cy="59040"/>
+            </p14:xfrm>
+          </p:contentPart>
+        </mc:Choice>
+        <mc:Fallback>
+          <p:pic>
+            <p:nvPicPr>
+              <p:cNvPr id="12" name="Entrada de lápiz 11">
+                <a:extLst>
+                  <a:ext uri="{FF2B5EF4-FFF2-40B4-BE49-F238E27FC236}">
+                    <a16:creationId xmlns:a16="http://schemas.microsoft.com/office/drawing/2014/main" id="{A849B68C-2441-580C-11A6-70E2C6BD90B9}"/>
+                  </a:ext>
+                </a:extLst>
+              </p:cNvPr>
+              <p:cNvPicPr/>
+              <p:nvPr/>
+            </p:nvPicPr>
+            <p:blipFill>
+              <a:blip r:embed="rId9"/>
+              <a:stretch>
+                <a:fillRect/>
+              </a:stretch>
+            </p:blipFill>
+            <p:spPr>
+              <a:xfrm>
+                <a:off x="7109715" y="5407770"/>
+                <a:ext cx="896040" cy="346680"/>
+              </a:xfrm>
+              <a:prstGeom prst="rect">
+                <a:avLst/>
+              </a:prstGeom>
+            </p:spPr>
+          </p:pic>
+        </mc:Fallback>
+      </mc:AlternateContent>
     </p:spTree>
     <p:extLst>
       <p:ext uri="{BB962C8B-B14F-4D97-AF65-F5344CB8AC3E}">
@@ -12911,10 +14547,1161 @@
           <a:chExt cx="0" cy="0"/>
         </a:xfrm>
       </p:grpSpPr>
+      <p:sp>
+        <p:nvSpPr>
+          <p:cNvPr id="2" name="CuadroTexto 1">
+            <a:extLst>
+              <a:ext uri="{FF2B5EF4-FFF2-40B4-BE49-F238E27FC236}">
+                <a16:creationId xmlns:a16="http://schemas.microsoft.com/office/drawing/2014/main" id="{5EF1699C-20A3-C332-92B2-BC72F4A55687}"/>
+              </a:ext>
+            </a:extLst>
+          </p:cNvPr>
+          <p:cNvSpPr txBox="1"/>
+          <p:nvPr/>
+        </p:nvSpPr>
+        <p:spPr>
+          <a:xfrm>
+            <a:off x="6166562" y="752475"/>
+            <a:ext cx="4646440" cy="1754326"/>
+          </a:xfrm>
+          <a:prstGeom prst="rect">
+            <a:avLst/>
+          </a:prstGeom>
+          <a:noFill/>
+        </p:spPr>
+        <p:txBody>
+          <a:bodyPr wrap="square" rtlCol="0">
+            <a:spAutoFit/>
+          </a:bodyPr>
+          <a:lstStyle/>
+          <a:p>
+            <a:r>
+              <a:rPr lang="es-MX" dirty="0"/>
+              <a:t>Luego ya aparece la estructura deformada </a:t>
+            </a:r>
+          </a:p>
+          <a:p>
+            <a:endParaRPr lang="es-MX" dirty="0"/>
+          </a:p>
+          <a:p>
+            <a:r>
+              <a:rPr lang="es-MX" dirty="0"/>
+              <a:t>Para saber la deformación en ese punto nos ubicamos y hacer </a:t>
+            </a:r>
+            <a:r>
+              <a:rPr lang="es-MX" b="1" dirty="0"/>
+              <a:t>clic DERECHO sobre el punto, </a:t>
+            </a:r>
+            <a:r>
+              <a:rPr lang="es-MX" dirty="0"/>
+              <a:t>dependiendo la información del punto nos ubicamos en el que queremos averiguar </a:t>
+            </a:r>
+            <a:endParaRPr lang="es-GT" b="1" dirty="0"/>
+          </a:p>
+        </p:txBody>
+      </p:sp>
+      <p:pic>
+        <p:nvPicPr>
+          <p:cNvPr id="4" name="Imagen 3">
+            <a:extLst>
+              <a:ext uri="{FF2B5EF4-FFF2-40B4-BE49-F238E27FC236}">
+                <a16:creationId xmlns:a16="http://schemas.microsoft.com/office/drawing/2014/main" id="{121C0886-C215-47FC-467D-D1FD5C22DB4A}"/>
+              </a:ext>
+            </a:extLst>
+          </p:cNvPr>
+          <p:cNvPicPr>
+            <a:picLocks noChangeAspect="1"/>
+          </p:cNvPicPr>
+          <p:nvPr/>
+        </p:nvPicPr>
+        <p:blipFill>
+          <a:blip r:embed="rId2"/>
+          <a:stretch>
+            <a:fillRect/>
+          </a:stretch>
+        </p:blipFill>
+        <p:spPr>
+          <a:xfrm>
+            <a:off x="6838950" y="3128730"/>
+            <a:ext cx="3705742" cy="3324689"/>
+          </a:xfrm>
+          <a:prstGeom prst="rect">
+            <a:avLst/>
+          </a:prstGeom>
+        </p:spPr>
+      </p:pic>
+      <p:pic>
+        <p:nvPicPr>
+          <p:cNvPr id="6" name="Imagen 5">
+            <a:extLst>
+              <a:ext uri="{FF2B5EF4-FFF2-40B4-BE49-F238E27FC236}">
+                <a16:creationId xmlns:a16="http://schemas.microsoft.com/office/drawing/2014/main" id="{EB70BBB4-9FEC-45AB-9014-A9F51373E780}"/>
+              </a:ext>
+            </a:extLst>
+          </p:cNvPr>
+          <p:cNvPicPr>
+            <a:picLocks noChangeAspect="1"/>
+          </p:cNvPicPr>
+          <p:nvPr/>
+        </p:nvPicPr>
+        <p:blipFill>
+          <a:blip r:embed="rId3"/>
+          <a:stretch>
+            <a:fillRect/>
+          </a:stretch>
+        </p:blipFill>
+        <p:spPr>
+          <a:xfrm>
+            <a:off x="771525" y="2209799"/>
+            <a:ext cx="5395037" cy="2828926"/>
+          </a:xfrm>
+          <a:prstGeom prst="rect">
+            <a:avLst/>
+          </a:prstGeom>
+        </p:spPr>
+      </p:pic>
+      <mc:AlternateContent xmlns:mc="http://schemas.openxmlformats.org/markup-compatibility/2006">
+        <mc:Choice xmlns:p14="http://schemas.microsoft.com/office/powerpoint/2010/main" Requires="p14">
+          <p:contentPart p14:bwMode="auto" r:id="rId4">
+            <p14:nvContentPartPr>
+              <p14:cNvPr id="7" name="Entrada de lápiz 6">
+                <a:extLst>
+                  <a:ext uri="{FF2B5EF4-FFF2-40B4-BE49-F238E27FC236}">
+                    <a16:creationId xmlns:a16="http://schemas.microsoft.com/office/drawing/2014/main" id="{C5E3BAB0-B3C6-D9C8-4E8D-534215BB49D4}"/>
+                  </a:ext>
+                </a:extLst>
+              </p14:cNvPr>
+              <p14:cNvContentPartPr/>
+              <p14:nvPr/>
+            </p14:nvContentPartPr>
+            <p14:xfrm>
+              <a:off x="8619555" y="5942730"/>
+              <a:ext cx="456840" cy="49680"/>
+            </p14:xfrm>
+          </p:contentPart>
+        </mc:Choice>
+        <mc:Fallback>
+          <p:pic>
+            <p:nvPicPr>
+              <p:cNvPr id="7" name="Entrada de lápiz 6">
+                <a:extLst>
+                  <a:ext uri="{FF2B5EF4-FFF2-40B4-BE49-F238E27FC236}">
+                    <a16:creationId xmlns:a16="http://schemas.microsoft.com/office/drawing/2014/main" id="{C5E3BAB0-B3C6-D9C8-4E8D-534215BB49D4}"/>
+                  </a:ext>
+                </a:extLst>
+              </p:cNvPr>
+              <p:cNvPicPr/>
+              <p:nvPr/>
+            </p:nvPicPr>
+            <p:blipFill>
+              <a:blip r:embed="rId5"/>
+              <a:stretch>
+                <a:fillRect/>
+              </a:stretch>
+            </p:blipFill>
+            <p:spPr>
+              <a:xfrm>
+                <a:off x="8547915" y="5798730"/>
+                <a:ext cx="600480" cy="337320"/>
+              </a:xfrm>
+              <a:prstGeom prst="rect">
+                <a:avLst/>
+              </a:prstGeom>
+            </p:spPr>
+          </p:pic>
+        </mc:Fallback>
+      </mc:AlternateContent>
+      <mc:AlternateContent xmlns:mc="http://schemas.openxmlformats.org/markup-compatibility/2006">
+        <mc:Choice xmlns:p14="http://schemas.microsoft.com/office/powerpoint/2010/main" Requires="p14">
+          <p:contentPart p14:bwMode="auto" r:id="rId6">
+            <p14:nvContentPartPr>
+              <p14:cNvPr id="8" name="Entrada de lápiz 7">
+                <a:extLst>
+                  <a:ext uri="{FF2B5EF4-FFF2-40B4-BE49-F238E27FC236}">
+                    <a16:creationId xmlns:a16="http://schemas.microsoft.com/office/drawing/2014/main" id="{9FA2BB00-DED8-3779-7A6B-449617A0A9CE}"/>
+                  </a:ext>
+                </a:extLst>
+              </p14:cNvPr>
+              <p14:cNvContentPartPr/>
+              <p14:nvPr/>
+            </p14:nvContentPartPr>
+            <p14:xfrm>
+              <a:off x="8626035" y="4283490"/>
+              <a:ext cx="1167120" cy="1492560"/>
+            </p14:xfrm>
+          </p:contentPart>
+        </mc:Choice>
+        <mc:Fallback>
+          <p:pic>
+            <p:nvPicPr>
+              <p:cNvPr id="8" name="Entrada de lápiz 7">
+                <a:extLst>
+                  <a:ext uri="{FF2B5EF4-FFF2-40B4-BE49-F238E27FC236}">
+                    <a16:creationId xmlns:a16="http://schemas.microsoft.com/office/drawing/2014/main" id="{9FA2BB00-DED8-3779-7A6B-449617A0A9CE}"/>
+                  </a:ext>
+                </a:extLst>
+              </p:cNvPr>
+              <p:cNvPicPr/>
+              <p:nvPr/>
+            </p:nvPicPr>
+            <p:blipFill>
+              <a:blip r:embed="rId7"/>
+              <a:stretch>
+                <a:fillRect/>
+              </a:stretch>
+            </p:blipFill>
+            <p:spPr>
+              <a:xfrm>
+                <a:off x="8554035" y="4139490"/>
+                <a:ext cx="1310760" cy="1780200"/>
+              </a:xfrm>
+              <a:prstGeom prst="rect">
+                <a:avLst/>
+              </a:prstGeom>
+            </p:spPr>
+          </p:pic>
+        </mc:Fallback>
+      </mc:AlternateContent>
     </p:spTree>
     <p:extLst>
       <p:ext uri="{BB962C8B-B14F-4D97-AF65-F5344CB8AC3E}">
         <p14:creationId xmlns:p14="http://schemas.microsoft.com/office/powerpoint/2010/main" val="1309542488"/>
+      </p:ext>
+    </p:extLst>
+  </p:cSld>
+  <p:clrMapOvr>
+    <a:masterClrMapping/>
+  </p:clrMapOvr>
+</p:sld>
+</file>
+
+<file path=ppt/slides/slide36.xml><?xml version="1.0" encoding="utf-8"?>
+<p:sld xmlns:a="http://schemas.openxmlformats.org/drawingml/2006/main" xmlns:r="http://schemas.openxmlformats.org/officeDocument/2006/relationships" xmlns:p="http://schemas.openxmlformats.org/presentationml/2006/main">
+  <p:cSld>
+    <p:spTree>
+      <p:nvGrpSpPr>
+        <p:cNvPr id="1" name=""/>
+        <p:cNvGrpSpPr/>
+        <p:nvPr/>
+      </p:nvGrpSpPr>
+      <p:grpSpPr>
+        <a:xfrm>
+          <a:off x="0" y="0"/>
+          <a:ext cx="0" cy="0"/>
+          <a:chOff x="0" y="0"/>
+          <a:chExt cx="0" cy="0"/>
+        </a:xfrm>
+      </p:grpSpPr>
+      <p:sp>
+        <p:nvSpPr>
+          <p:cNvPr id="2" name="CuadroTexto 1">
+            <a:extLst>
+              <a:ext uri="{FF2B5EF4-FFF2-40B4-BE49-F238E27FC236}">
+                <a16:creationId xmlns:a16="http://schemas.microsoft.com/office/drawing/2014/main" id="{5A9E3459-D590-7D02-C470-5132DD388E88}"/>
+              </a:ext>
+            </a:extLst>
+          </p:cNvPr>
+          <p:cNvSpPr txBox="1"/>
+          <p:nvPr/>
+        </p:nvSpPr>
+        <p:spPr>
+          <a:xfrm>
+            <a:off x="7546020" y="665825"/>
+            <a:ext cx="2760955" cy="2031325"/>
+          </a:xfrm>
+          <a:prstGeom prst="rect">
+            <a:avLst/>
+          </a:prstGeom>
+          <a:noFill/>
+        </p:spPr>
+        <p:txBody>
+          <a:bodyPr wrap="square" rtlCol="0">
+            <a:spAutoFit/>
+          </a:bodyPr>
+          <a:lstStyle/>
+          <a:p>
+            <a:r>
+              <a:rPr lang="es-MX" dirty="0"/>
+              <a:t>Luego aparecen los valores, una deformación en x, z y en Y no hay deformación</a:t>
+            </a:r>
+          </a:p>
+          <a:p>
+            <a:endParaRPr lang="es-MX" dirty="0"/>
+          </a:p>
+          <a:p>
+            <a:r>
+              <a:rPr lang="es-MX" dirty="0"/>
+              <a:t>En Z debería de aparecer -.204 como en el ejercicio </a:t>
+            </a:r>
+          </a:p>
+          <a:p>
+            <a:r>
+              <a:rPr lang="es-MX" dirty="0"/>
+              <a:t> </a:t>
+            </a:r>
+            <a:endParaRPr lang="es-GT" dirty="0"/>
+          </a:p>
+        </p:txBody>
+      </p:sp>
+      <p:pic>
+        <p:nvPicPr>
+          <p:cNvPr id="4" name="Imagen 3">
+            <a:extLst>
+              <a:ext uri="{FF2B5EF4-FFF2-40B4-BE49-F238E27FC236}">
+                <a16:creationId xmlns:a16="http://schemas.microsoft.com/office/drawing/2014/main" id="{606BD1A4-E171-1308-EB5F-F915046417FB}"/>
+              </a:ext>
+            </a:extLst>
+          </p:cNvPr>
+          <p:cNvPicPr>
+            <a:picLocks noChangeAspect="1"/>
+          </p:cNvPicPr>
+          <p:nvPr/>
+        </p:nvPicPr>
+        <p:blipFill>
+          <a:blip r:embed="rId2"/>
+          <a:stretch>
+            <a:fillRect/>
+          </a:stretch>
+        </p:blipFill>
+        <p:spPr>
+          <a:xfrm>
+            <a:off x="639150" y="1491501"/>
+            <a:ext cx="6563641" cy="4553585"/>
+          </a:xfrm>
+          <a:prstGeom prst="rect">
+            <a:avLst/>
+          </a:prstGeom>
+        </p:spPr>
+      </p:pic>
+      <p:pic>
+        <p:nvPicPr>
+          <p:cNvPr id="6" name="Imagen 5">
+            <a:extLst>
+              <a:ext uri="{FF2B5EF4-FFF2-40B4-BE49-F238E27FC236}">
+                <a16:creationId xmlns:a16="http://schemas.microsoft.com/office/drawing/2014/main" id="{FF57FD80-1843-B64F-302C-EE31F5B51040}"/>
+              </a:ext>
+            </a:extLst>
+          </p:cNvPr>
+          <p:cNvPicPr>
+            <a:picLocks noChangeAspect="1"/>
+          </p:cNvPicPr>
+          <p:nvPr/>
+        </p:nvPicPr>
+        <p:blipFill>
+          <a:blip r:embed="rId3"/>
+          <a:stretch>
+            <a:fillRect/>
+          </a:stretch>
+        </p:blipFill>
+        <p:spPr>
+          <a:xfrm>
+            <a:off x="7546020" y="4160851"/>
+            <a:ext cx="2314898" cy="1476581"/>
+          </a:xfrm>
+          <a:prstGeom prst="rect">
+            <a:avLst/>
+          </a:prstGeom>
+        </p:spPr>
+      </p:pic>
+      <mc:AlternateContent xmlns:mc="http://schemas.openxmlformats.org/markup-compatibility/2006">
+        <mc:Choice xmlns:p14="http://schemas.microsoft.com/office/powerpoint/2010/main" Requires="p14">
+          <p:contentPart p14:bwMode="auto" r:id="rId4">
+            <p14:nvContentPartPr>
+              <p14:cNvPr id="7" name="Entrada de lápiz 6">
+                <a:extLst>
+                  <a:ext uri="{FF2B5EF4-FFF2-40B4-BE49-F238E27FC236}">
+                    <a16:creationId xmlns:a16="http://schemas.microsoft.com/office/drawing/2014/main" id="{64D032D1-33BC-7093-77E6-D7580254CBB5}"/>
+                  </a:ext>
+                </a:extLst>
+              </p14:cNvPr>
+              <p14:cNvContentPartPr/>
+              <p14:nvPr/>
+            </p14:nvContentPartPr>
+            <p14:xfrm>
+              <a:off x="5681433" y="4119033"/>
+              <a:ext cx="644760" cy="360"/>
+            </p14:xfrm>
+          </p:contentPart>
+        </mc:Choice>
+        <mc:Fallback>
+          <p:pic>
+            <p:nvPicPr>
+              <p:cNvPr id="7" name="Entrada de lápiz 6">
+                <a:extLst>
+                  <a:ext uri="{FF2B5EF4-FFF2-40B4-BE49-F238E27FC236}">
+                    <a16:creationId xmlns:a16="http://schemas.microsoft.com/office/drawing/2014/main" id="{64D032D1-33BC-7093-77E6-D7580254CBB5}"/>
+                  </a:ext>
+                </a:extLst>
+              </p:cNvPr>
+              <p:cNvPicPr/>
+              <p:nvPr/>
+            </p:nvPicPr>
+            <p:blipFill>
+              <a:blip r:embed="rId5"/>
+              <a:stretch>
+                <a:fillRect/>
+              </a:stretch>
+            </p:blipFill>
+            <p:spPr>
+              <a:xfrm>
+                <a:off x="5609793" y="3975033"/>
+                <a:ext cx="788400" cy="288000"/>
+              </a:xfrm>
+              <a:prstGeom prst="rect">
+                <a:avLst/>
+              </a:prstGeom>
+            </p:spPr>
+          </p:pic>
+        </mc:Fallback>
+      </mc:AlternateContent>
+      <mc:AlternateContent xmlns:mc="http://schemas.openxmlformats.org/markup-compatibility/2006">
+        <mc:Choice xmlns:p14="http://schemas.microsoft.com/office/powerpoint/2010/main" Requires="p14">
+          <p:contentPart p14:bwMode="auto" r:id="rId6">
+            <p14:nvContentPartPr>
+              <p14:cNvPr id="8" name="Entrada de lápiz 7">
+                <a:extLst>
+                  <a:ext uri="{FF2B5EF4-FFF2-40B4-BE49-F238E27FC236}">
+                    <a16:creationId xmlns:a16="http://schemas.microsoft.com/office/drawing/2014/main" id="{731D435A-7F2D-20F3-24A7-B83C8B143247}"/>
+                  </a:ext>
+                </a:extLst>
+              </p14:cNvPr>
+              <p14:cNvContentPartPr/>
+              <p14:nvPr/>
+            </p14:nvContentPartPr>
+            <p14:xfrm>
+              <a:off x="7776633" y="4873593"/>
+              <a:ext cx="1491120" cy="18000"/>
+            </p14:xfrm>
+          </p:contentPart>
+        </mc:Choice>
+        <mc:Fallback>
+          <p:pic>
+            <p:nvPicPr>
+              <p:cNvPr id="8" name="Entrada de lápiz 7">
+                <a:extLst>
+                  <a:ext uri="{FF2B5EF4-FFF2-40B4-BE49-F238E27FC236}">
+                    <a16:creationId xmlns:a16="http://schemas.microsoft.com/office/drawing/2014/main" id="{731D435A-7F2D-20F3-24A7-B83C8B143247}"/>
+                  </a:ext>
+                </a:extLst>
+              </p:cNvPr>
+              <p:cNvPicPr/>
+              <p:nvPr/>
+            </p:nvPicPr>
+            <p:blipFill>
+              <a:blip r:embed="rId7"/>
+              <a:stretch>
+                <a:fillRect/>
+              </a:stretch>
+            </p:blipFill>
+            <p:spPr>
+              <a:xfrm>
+                <a:off x="7704633" y="4729953"/>
+                <a:ext cx="1634760" cy="305640"/>
+              </a:xfrm>
+              <a:prstGeom prst="rect">
+                <a:avLst/>
+              </a:prstGeom>
+            </p:spPr>
+          </p:pic>
+        </mc:Fallback>
+      </mc:AlternateContent>
+      <mc:AlternateContent xmlns:mc="http://schemas.openxmlformats.org/markup-compatibility/2006">
+        <mc:Choice xmlns:p14="http://schemas.microsoft.com/office/powerpoint/2010/main" Requires="p14">
+          <p:contentPart p14:bwMode="auto" r:id="rId8">
+            <p14:nvContentPartPr>
+              <p14:cNvPr id="9" name="Entrada de lápiz 8">
+                <a:extLst>
+                  <a:ext uri="{FF2B5EF4-FFF2-40B4-BE49-F238E27FC236}">
+                    <a16:creationId xmlns:a16="http://schemas.microsoft.com/office/drawing/2014/main" id="{09F2983F-805C-B92D-6F44-A21619CD3836}"/>
+                  </a:ext>
+                </a:extLst>
+              </p14:cNvPr>
+              <p14:cNvContentPartPr/>
+              <p14:nvPr/>
+            </p14:nvContentPartPr>
+            <p14:xfrm>
+              <a:off x="7518873" y="2139393"/>
+              <a:ext cx="711720" cy="146160"/>
+            </p14:xfrm>
+          </p:contentPart>
+        </mc:Choice>
+        <mc:Fallback>
+          <p:pic>
+            <p:nvPicPr>
+              <p:cNvPr id="9" name="Entrada de lápiz 8">
+                <a:extLst>
+                  <a:ext uri="{FF2B5EF4-FFF2-40B4-BE49-F238E27FC236}">
+                    <a16:creationId xmlns:a16="http://schemas.microsoft.com/office/drawing/2014/main" id="{09F2983F-805C-B92D-6F44-A21619CD3836}"/>
+                  </a:ext>
+                </a:extLst>
+              </p:cNvPr>
+              <p:cNvPicPr/>
+              <p:nvPr/>
+            </p:nvPicPr>
+            <p:blipFill>
+              <a:blip r:embed="rId9"/>
+              <a:stretch>
+                <a:fillRect/>
+              </a:stretch>
+            </p:blipFill>
+            <p:spPr>
+              <a:xfrm>
+                <a:off x="7447233" y="1995393"/>
+                <a:ext cx="855360" cy="433800"/>
+              </a:xfrm>
+              <a:prstGeom prst="rect">
+                <a:avLst/>
+              </a:prstGeom>
+            </p:spPr>
+          </p:pic>
+        </mc:Fallback>
+      </mc:AlternateContent>
+      <mc:AlternateContent xmlns:mc="http://schemas.openxmlformats.org/markup-compatibility/2006">
+        <mc:Choice xmlns:p14="http://schemas.microsoft.com/office/powerpoint/2010/main" Requires="p14">
+          <p:contentPart p14:bwMode="auto" r:id="rId10">
+            <p14:nvContentPartPr>
+              <p14:cNvPr id="10" name="Entrada de lápiz 9">
+                <a:extLst>
+                  <a:ext uri="{FF2B5EF4-FFF2-40B4-BE49-F238E27FC236}">
+                    <a16:creationId xmlns:a16="http://schemas.microsoft.com/office/drawing/2014/main" id="{CDAAB68A-9552-590C-2DAA-7F2F09790792}"/>
+                  </a:ext>
+                </a:extLst>
+              </p14:cNvPr>
+              <p14:cNvContentPartPr/>
+              <p14:nvPr/>
+            </p14:nvContentPartPr>
+            <p14:xfrm>
+              <a:off x="6153753" y="2299233"/>
+              <a:ext cx="2163240" cy="2939760"/>
+            </p14:xfrm>
+          </p:contentPart>
+        </mc:Choice>
+        <mc:Fallback>
+          <p:pic>
+            <p:nvPicPr>
+              <p:cNvPr id="10" name="Entrada de lápiz 9">
+                <a:extLst>
+                  <a:ext uri="{FF2B5EF4-FFF2-40B4-BE49-F238E27FC236}">
+                    <a16:creationId xmlns:a16="http://schemas.microsoft.com/office/drawing/2014/main" id="{CDAAB68A-9552-590C-2DAA-7F2F09790792}"/>
+                  </a:ext>
+                </a:extLst>
+              </p:cNvPr>
+              <p:cNvPicPr/>
+              <p:nvPr/>
+            </p:nvPicPr>
+            <p:blipFill>
+              <a:blip r:embed="rId11"/>
+              <a:stretch>
+                <a:fillRect/>
+              </a:stretch>
+            </p:blipFill>
+            <p:spPr>
+              <a:xfrm>
+                <a:off x="6082113" y="2155233"/>
+                <a:ext cx="2306880" cy="3227400"/>
+              </a:xfrm>
+              <a:prstGeom prst="rect">
+                <a:avLst/>
+              </a:prstGeom>
+            </p:spPr>
+          </p:pic>
+        </mc:Fallback>
+      </mc:AlternateContent>
+    </p:spTree>
+    <p:extLst>
+      <p:ext uri="{BB962C8B-B14F-4D97-AF65-F5344CB8AC3E}">
+        <p14:creationId xmlns:p14="http://schemas.microsoft.com/office/powerpoint/2010/main" val="1144865170"/>
+      </p:ext>
+    </p:extLst>
+  </p:cSld>
+  <p:clrMapOvr>
+    <a:masterClrMapping/>
+  </p:clrMapOvr>
+</p:sld>
+</file>
+
+<file path=ppt/slides/slide37.xml><?xml version="1.0" encoding="utf-8"?>
+<p:sld xmlns:a="http://schemas.openxmlformats.org/drawingml/2006/main" xmlns:r="http://schemas.openxmlformats.org/officeDocument/2006/relationships" xmlns:p="http://schemas.openxmlformats.org/presentationml/2006/main">
+  <p:cSld>
+    <p:spTree>
+      <p:nvGrpSpPr>
+        <p:cNvPr id="1" name=""/>
+        <p:cNvGrpSpPr/>
+        <p:nvPr/>
+      </p:nvGrpSpPr>
+      <p:grpSpPr>
+        <a:xfrm>
+          <a:off x="0" y="0"/>
+          <a:ext cx="0" cy="0"/>
+          <a:chOff x="0" y="0"/>
+          <a:chExt cx="0" cy="0"/>
+        </a:xfrm>
+      </p:grpSpPr>
+      <p:sp>
+        <p:nvSpPr>
+          <p:cNvPr id="2" name="Rectángulo 1">
+            <a:extLst>
+              <a:ext uri="{FF2B5EF4-FFF2-40B4-BE49-F238E27FC236}">
+                <a16:creationId xmlns:a16="http://schemas.microsoft.com/office/drawing/2014/main" id="{7FC8D321-6C3C-E359-75A9-F5907C81C9CF}"/>
+              </a:ext>
+            </a:extLst>
+          </p:cNvPr>
+          <p:cNvSpPr/>
+          <p:nvPr/>
+        </p:nvSpPr>
+        <p:spPr>
+          <a:xfrm>
+            <a:off x="4643329" y="2967335"/>
+            <a:ext cx="2905346" cy="923330"/>
+          </a:xfrm>
+          <a:prstGeom prst="rect">
+            <a:avLst/>
+          </a:prstGeom>
+          <a:noFill/>
+        </p:spPr>
+        <p:txBody>
+          <a:bodyPr wrap="none" lIns="91440" tIns="45720" rIns="91440" bIns="45720">
+            <a:spAutoFit/>
+          </a:bodyPr>
+          <a:lstStyle/>
+          <a:p>
+            <a:pPr algn="ctr"/>
+            <a:r>
+              <a:rPr lang="es-ES" sz="5400" b="0" cap="none" spc="0" dirty="0">
+                <a:ln w="0"/>
+                <a:solidFill>
+                  <a:schemeClr val="tx1"/>
+                </a:solidFill>
+                <a:effectLst>
+                  <a:outerShdw blurRad="38100" dist="19050" dir="2700000" algn="tl" rotWithShape="0">
+                    <a:schemeClr val="dk1">
+                      <a:alpha val="40000"/>
+                    </a:schemeClr>
+                  </a:outerShdw>
+                </a:effectLst>
+              </a:rPr>
+              <a:t>Tabulado </a:t>
+            </a:r>
+          </a:p>
+        </p:txBody>
+      </p:sp>
+    </p:spTree>
+    <p:extLst>
+      <p:ext uri="{BB962C8B-B14F-4D97-AF65-F5344CB8AC3E}">
+        <p14:creationId xmlns:p14="http://schemas.microsoft.com/office/powerpoint/2010/main" val="332846538"/>
+      </p:ext>
+    </p:extLst>
+  </p:cSld>
+  <p:clrMapOvr>
+    <a:masterClrMapping/>
+  </p:clrMapOvr>
+</p:sld>
+</file>
+
+<file path=ppt/slides/slide38.xml><?xml version="1.0" encoding="utf-8"?>
+<p:sld xmlns:a="http://schemas.openxmlformats.org/drawingml/2006/main" xmlns:r="http://schemas.openxmlformats.org/officeDocument/2006/relationships" xmlns:p="http://schemas.openxmlformats.org/presentationml/2006/main">
+  <p:cSld>
+    <p:spTree>
+      <p:nvGrpSpPr>
+        <p:cNvPr id="1" name=""/>
+        <p:cNvGrpSpPr/>
+        <p:nvPr/>
+      </p:nvGrpSpPr>
+      <p:grpSpPr>
+        <a:xfrm>
+          <a:off x="0" y="0"/>
+          <a:ext cx="0" cy="0"/>
+          <a:chOff x="0" y="0"/>
+          <a:chExt cx="0" cy="0"/>
+        </a:xfrm>
+      </p:grpSpPr>
+      <p:pic>
+        <p:nvPicPr>
+          <p:cNvPr id="3" name="Imagen 2">
+            <a:extLst>
+              <a:ext uri="{FF2B5EF4-FFF2-40B4-BE49-F238E27FC236}">
+                <a16:creationId xmlns:a16="http://schemas.microsoft.com/office/drawing/2014/main" id="{4C9D4F1F-5A2C-22B7-6DA3-2FB3F1FC1733}"/>
+              </a:ext>
+            </a:extLst>
+          </p:cNvPr>
+          <p:cNvPicPr>
+            <a:picLocks noChangeAspect="1"/>
+          </p:cNvPicPr>
+          <p:nvPr/>
+        </p:nvPicPr>
+        <p:blipFill>
+          <a:blip r:embed="rId2"/>
+          <a:stretch>
+            <a:fillRect/>
+          </a:stretch>
+        </p:blipFill>
+        <p:spPr>
+          <a:xfrm>
+            <a:off x="1589225" y="736846"/>
+            <a:ext cx="3655882" cy="5748291"/>
+          </a:xfrm>
+          <a:prstGeom prst="rect">
+            <a:avLst/>
+          </a:prstGeom>
+        </p:spPr>
+      </p:pic>
+      <mc:AlternateContent xmlns:mc="http://schemas.openxmlformats.org/markup-compatibility/2006">
+        <mc:Choice xmlns:p14="http://schemas.microsoft.com/office/powerpoint/2010/main" Requires="p14">
+          <p:contentPart p14:bwMode="auto" r:id="rId3">
+            <p14:nvContentPartPr>
+              <p14:cNvPr id="5" name="Entrada de lápiz 4">
+                <a:extLst>
+                  <a:ext uri="{FF2B5EF4-FFF2-40B4-BE49-F238E27FC236}">
+                    <a16:creationId xmlns:a16="http://schemas.microsoft.com/office/drawing/2014/main" id="{824AF67F-4216-28F8-D9BF-703F82DF001C}"/>
+                  </a:ext>
+                </a:extLst>
+              </p14:cNvPr>
+              <p14:cNvContentPartPr/>
+              <p14:nvPr/>
+            </p14:nvContentPartPr>
+            <p14:xfrm>
+              <a:off x="1748793" y="861033"/>
+              <a:ext cx="493200" cy="35640"/>
+            </p14:xfrm>
+          </p:contentPart>
+        </mc:Choice>
+        <mc:Fallback>
+          <p:pic>
+            <p:nvPicPr>
+              <p:cNvPr id="5" name="Entrada de lápiz 4">
+                <a:extLst>
+                  <a:ext uri="{FF2B5EF4-FFF2-40B4-BE49-F238E27FC236}">
+                    <a16:creationId xmlns:a16="http://schemas.microsoft.com/office/drawing/2014/main" id="{824AF67F-4216-28F8-D9BF-703F82DF001C}"/>
+                  </a:ext>
+                </a:extLst>
+              </p:cNvPr>
+              <p:cNvPicPr/>
+              <p:nvPr/>
+            </p:nvPicPr>
+            <p:blipFill>
+              <a:blip r:embed="rId4"/>
+              <a:stretch>
+                <a:fillRect/>
+              </a:stretch>
+            </p:blipFill>
+            <p:spPr>
+              <a:xfrm>
+                <a:off x="1676793" y="717033"/>
+                <a:ext cx="636840" cy="323280"/>
+              </a:xfrm>
+              <a:prstGeom prst="rect">
+                <a:avLst/>
+              </a:prstGeom>
+            </p:spPr>
+          </p:pic>
+        </mc:Fallback>
+      </mc:AlternateContent>
+      <mc:AlternateContent xmlns:mc="http://schemas.openxmlformats.org/markup-compatibility/2006">
+        <mc:Choice xmlns:p14="http://schemas.microsoft.com/office/powerpoint/2010/main" Requires="p14">
+          <p:contentPart p14:bwMode="auto" r:id="rId5">
+            <p14:nvContentPartPr>
+              <p14:cNvPr id="6" name="Entrada de lápiz 5">
+                <a:extLst>
+                  <a:ext uri="{FF2B5EF4-FFF2-40B4-BE49-F238E27FC236}">
+                    <a16:creationId xmlns:a16="http://schemas.microsoft.com/office/drawing/2014/main" id="{75F0E0B0-77A5-026F-1CB4-8E7096CA6785}"/>
+                  </a:ext>
+                </a:extLst>
+              </p14:cNvPr>
+              <p14:cNvContentPartPr/>
+              <p14:nvPr/>
+            </p14:nvContentPartPr>
+            <p14:xfrm>
+              <a:off x="1739793" y="6203433"/>
+              <a:ext cx="3417480" cy="47160"/>
+            </p14:xfrm>
+          </p:contentPart>
+        </mc:Choice>
+        <mc:Fallback>
+          <p:pic>
+            <p:nvPicPr>
+              <p:cNvPr id="6" name="Entrada de lápiz 5">
+                <a:extLst>
+                  <a:ext uri="{FF2B5EF4-FFF2-40B4-BE49-F238E27FC236}">
+                    <a16:creationId xmlns:a16="http://schemas.microsoft.com/office/drawing/2014/main" id="{75F0E0B0-77A5-026F-1CB4-8E7096CA6785}"/>
+                  </a:ext>
+                </a:extLst>
+              </p:cNvPr>
+              <p:cNvPicPr/>
+              <p:nvPr/>
+            </p:nvPicPr>
+            <p:blipFill>
+              <a:blip r:embed="rId6"/>
+              <a:stretch>
+                <a:fillRect/>
+              </a:stretch>
+            </p:blipFill>
+            <p:spPr>
+              <a:xfrm>
+                <a:off x="1668153" y="6059793"/>
+                <a:ext cx="3561120" cy="334800"/>
+              </a:xfrm>
+              <a:prstGeom prst="rect">
+                <a:avLst/>
+              </a:prstGeom>
+            </p:spPr>
+          </p:pic>
+        </mc:Fallback>
+      </mc:AlternateContent>
+    </p:spTree>
+    <p:extLst>
+      <p:ext uri="{BB962C8B-B14F-4D97-AF65-F5344CB8AC3E}">
+        <p14:creationId xmlns:p14="http://schemas.microsoft.com/office/powerpoint/2010/main" val="2085146179"/>
+      </p:ext>
+    </p:extLst>
+  </p:cSld>
+  <p:clrMapOvr>
+    <a:masterClrMapping/>
+  </p:clrMapOvr>
+</p:sld>
+</file>
+
+<file path=ppt/slides/slide39.xml><?xml version="1.0" encoding="utf-8"?>
+<p:sld xmlns:a="http://schemas.openxmlformats.org/drawingml/2006/main" xmlns:r="http://schemas.openxmlformats.org/officeDocument/2006/relationships" xmlns:p="http://schemas.openxmlformats.org/presentationml/2006/main">
+  <p:cSld>
+    <p:spTree>
+      <p:nvGrpSpPr>
+        <p:cNvPr id="1" name=""/>
+        <p:cNvGrpSpPr/>
+        <p:nvPr/>
+      </p:nvGrpSpPr>
+      <p:grpSpPr>
+        <a:xfrm>
+          <a:off x="0" y="0"/>
+          <a:ext cx="0" cy="0"/>
+          <a:chOff x="0" y="0"/>
+          <a:chExt cx="0" cy="0"/>
+        </a:xfrm>
+      </p:grpSpPr>
+      <p:pic>
+        <p:nvPicPr>
+          <p:cNvPr id="4" name="Imagen 3">
+            <a:extLst>
+              <a:ext uri="{FF2B5EF4-FFF2-40B4-BE49-F238E27FC236}">
+                <a16:creationId xmlns:a16="http://schemas.microsoft.com/office/drawing/2014/main" id="{C596F1A9-47C7-0906-D197-BE7E2DD2329B}"/>
+              </a:ext>
+            </a:extLst>
+          </p:cNvPr>
+          <p:cNvPicPr>
+            <a:picLocks noChangeAspect="1"/>
+          </p:cNvPicPr>
+          <p:nvPr/>
+        </p:nvPicPr>
+        <p:blipFill>
+          <a:blip r:embed="rId2"/>
+          <a:stretch>
+            <a:fillRect/>
+          </a:stretch>
+        </p:blipFill>
+        <p:spPr>
+          <a:xfrm>
+            <a:off x="990067" y="347232"/>
+            <a:ext cx="4991797" cy="6163535"/>
+          </a:xfrm>
+          <a:prstGeom prst="rect">
+            <a:avLst/>
+          </a:prstGeom>
+        </p:spPr>
+      </p:pic>
+      <p:sp>
+        <p:nvSpPr>
+          <p:cNvPr id="5" name="CuadroTexto 4">
+            <a:extLst>
+              <a:ext uri="{FF2B5EF4-FFF2-40B4-BE49-F238E27FC236}">
+                <a16:creationId xmlns:a16="http://schemas.microsoft.com/office/drawing/2014/main" id="{3D3BAD0E-3766-B45D-2CCE-C8F62AF7FC63}"/>
+              </a:ext>
+            </a:extLst>
+          </p:cNvPr>
+          <p:cNvSpPr txBox="1"/>
+          <p:nvPr/>
+        </p:nvSpPr>
+        <p:spPr>
+          <a:xfrm>
+            <a:off x="7084381" y="1447060"/>
+            <a:ext cx="3355759" cy="369332"/>
+          </a:xfrm>
+          <a:prstGeom prst="rect">
+            <a:avLst/>
+          </a:prstGeom>
+          <a:noFill/>
+        </p:spPr>
+        <p:txBody>
+          <a:bodyPr wrap="square" rtlCol="0">
+            <a:spAutoFit/>
+          </a:bodyPr>
+          <a:lstStyle/>
+          <a:p>
+            <a:r>
+              <a:rPr lang="es-MX" dirty="0"/>
+              <a:t>Seleccionamos esos 2 </a:t>
+            </a:r>
+            <a:endParaRPr lang="es-GT" dirty="0"/>
+          </a:p>
+        </p:txBody>
+      </p:sp>
+      <mc:AlternateContent xmlns:mc="http://schemas.openxmlformats.org/markup-compatibility/2006">
+        <mc:Choice xmlns:p14="http://schemas.microsoft.com/office/powerpoint/2010/main" Requires="p14">
+          <p:contentPart p14:bwMode="auto" r:id="rId3">
+            <p14:nvContentPartPr>
+              <p14:cNvPr id="6" name="Entrada de lápiz 5">
+                <a:extLst>
+                  <a:ext uri="{FF2B5EF4-FFF2-40B4-BE49-F238E27FC236}">
+                    <a16:creationId xmlns:a16="http://schemas.microsoft.com/office/drawing/2014/main" id="{D366FDBE-FF69-15D8-1CD6-BA95563B1F8D}"/>
+                  </a:ext>
+                </a:extLst>
+              </p14:cNvPr>
+              <p14:cNvContentPartPr/>
+              <p14:nvPr/>
+            </p14:nvContentPartPr>
+            <p14:xfrm>
+              <a:off x="1357833" y="3523593"/>
+              <a:ext cx="2659680" cy="89640"/>
+            </p14:xfrm>
+          </p:contentPart>
+        </mc:Choice>
+        <mc:Fallback>
+          <p:pic>
+            <p:nvPicPr>
+              <p:cNvPr id="6" name="Entrada de lápiz 5">
+                <a:extLst>
+                  <a:ext uri="{FF2B5EF4-FFF2-40B4-BE49-F238E27FC236}">
+                    <a16:creationId xmlns:a16="http://schemas.microsoft.com/office/drawing/2014/main" id="{D366FDBE-FF69-15D8-1CD6-BA95563B1F8D}"/>
+                  </a:ext>
+                </a:extLst>
+              </p:cNvPr>
+              <p:cNvPicPr/>
+              <p:nvPr/>
+            </p:nvPicPr>
+            <p:blipFill>
+              <a:blip r:embed="rId4"/>
+              <a:stretch>
+                <a:fillRect/>
+              </a:stretch>
+            </p:blipFill>
+            <p:spPr>
+              <a:xfrm>
+                <a:off x="1285833" y="3379953"/>
+                <a:ext cx="2803320" cy="377280"/>
+              </a:xfrm>
+              <a:prstGeom prst="rect">
+                <a:avLst/>
+              </a:prstGeom>
+            </p:spPr>
+          </p:pic>
+        </mc:Fallback>
+      </mc:AlternateContent>
+      <mc:AlternateContent xmlns:mc="http://schemas.openxmlformats.org/markup-compatibility/2006">
+        <mc:Choice xmlns:p14="http://schemas.microsoft.com/office/powerpoint/2010/main" Requires="p14">
+          <p:contentPart p14:bwMode="auto" r:id="rId5">
+            <p14:nvContentPartPr>
+              <p14:cNvPr id="7" name="Entrada de lápiz 6">
+                <a:extLst>
+                  <a:ext uri="{FF2B5EF4-FFF2-40B4-BE49-F238E27FC236}">
+                    <a16:creationId xmlns:a16="http://schemas.microsoft.com/office/drawing/2014/main" id="{641CDECB-7F49-52AC-B68F-D9727883E52D}"/>
+                  </a:ext>
+                </a:extLst>
+              </p14:cNvPr>
+              <p14:cNvContentPartPr/>
+              <p14:nvPr/>
+            </p14:nvContentPartPr>
+            <p14:xfrm>
+              <a:off x="1890273" y="4464633"/>
+              <a:ext cx="1767600" cy="11520"/>
+            </p14:xfrm>
+          </p:contentPart>
+        </mc:Choice>
+        <mc:Fallback>
+          <p:pic>
+            <p:nvPicPr>
+              <p:cNvPr id="7" name="Entrada de lápiz 6">
+                <a:extLst>
+                  <a:ext uri="{FF2B5EF4-FFF2-40B4-BE49-F238E27FC236}">
+                    <a16:creationId xmlns:a16="http://schemas.microsoft.com/office/drawing/2014/main" id="{641CDECB-7F49-52AC-B68F-D9727883E52D}"/>
+                  </a:ext>
+                </a:extLst>
+              </p:cNvPr>
+              <p:cNvPicPr/>
+              <p:nvPr/>
+            </p:nvPicPr>
+            <p:blipFill>
+              <a:blip r:embed="rId6"/>
+              <a:stretch>
+                <a:fillRect/>
+              </a:stretch>
+            </p:blipFill>
+            <p:spPr>
+              <a:xfrm>
+                <a:off x="1818633" y="4320993"/>
+                <a:ext cx="1911240" cy="299160"/>
+              </a:xfrm>
+              <a:prstGeom prst="rect">
+                <a:avLst/>
+              </a:prstGeom>
+            </p:spPr>
+          </p:pic>
+        </mc:Fallback>
+      </mc:AlternateContent>
+      <mc:AlternateContent xmlns:mc="http://schemas.openxmlformats.org/markup-compatibility/2006">
+        <mc:Choice xmlns:p14="http://schemas.microsoft.com/office/powerpoint/2010/main" Requires="p14">
+          <p:contentPart p14:bwMode="auto" r:id="rId7">
+            <p14:nvContentPartPr>
+              <p14:cNvPr id="8" name="Entrada de lápiz 7">
+                <a:extLst>
+                  <a:ext uri="{FF2B5EF4-FFF2-40B4-BE49-F238E27FC236}">
+                    <a16:creationId xmlns:a16="http://schemas.microsoft.com/office/drawing/2014/main" id="{AC52952B-912F-0317-7B0E-46808B714221}"/>
+                  </a:ext>
+                </a:extLst>
+              </p14:cNvPr>
+              <p14:cNvContentPartPr/>
+              <p14:nvPr/>
+            </p14:nvContentPartPr>
+            <p14:xfrm>
+              <a:off x="1988193" y="4491633"/>
+              <a:ext cx="1968840" cy="135000"/>
+            </p14:xfrm>
+          </p:contentPart>
+        </mc:Choice>
+        <mc:Fallback>
+          <p:pic>
+            <p:nvPicPr>
+              <p:cNvPr id="8" name="Entrada de lápiz 7">
+                <a:extLst>
+                  <a:ext uri="{FF2B5EF4-FFF2-40B4-BE49-F238E27FC236}">
+                    <a16:creationId xmlns:a16="http://schemas.microsoft.com/office/drawing/2014/main" id="{AC52952B-912F-0317-7B0E-46808B714221}"/>
+                  </a:ext>
+                </a:extLst>
+              </p:cNvPr>
+              <p:cNvPicPr/>
+              <p:nvPr/>
+            </p:nvPicPr>
+            <p:blipFill>
+              <a:blip r:embed="rId8"/>
+              <a:stretch>
+                <a:fillRect/>
+              </a:stretch>
+            </p:blipFill>
+            <p:spPr>
+              <a:xfrm>
+                <a:off x="1916193" y="4347993"/>
+                <a:ext cx="2112480" cy="422640"/>
+              </a:xfrm>
+              <a:prstGeom prst="rect">
+                <a:avLst/>
+              </a:prstGeom>
+            </p:spPr>
+          </p:pic>
+        </mc:Fallback>
+      </mc:AlternateContent>
+      <mc:AlternateContent xmlns:mc="http://schemas.openxmlformats.org/markup-compatibility/2006">
+        <mc:Choice xmlns:p14="http://schemas.microsoft.com/office/powerpoint/2010/main" Requires="p14">
+          <p:contentPart p14:bwMode="auto" r:id="rId9">
+            <p14:nvContentPartPr>
+              <p14:cNvPr id="9" name="Entrada de lápiz 8">
+                <a:extLst>
+                  <a:ext uri="{FF2B5EF4-FFF2-40B4-BE49-F238E27FC236}">
+                    <a16:creationId xmlns:a16="http://schemas.microsoft.com/office/drawing/2014/main" id="{43E1F875-6142-FF04-404C-9B90EB796BAE}"/>
+                  </a:ext>
+                </a:extLst>
+              </p14:cNvPr>
+              <p14:cNvContentPartPr/>
+              <p14:nvPr/>
+            </p14:nvContentPartPr>
+            <p14:xfrm>
+              <a:off x="1739793" y="4101393"/>
+              <a:ext cx="1270440" cy="198000"/>
+            </p14:xfrm>
+          </p:contentPart>
+        </mc:Choice>
+        <mc:Fallback>
+          <p:pic>
+            <p:nvPicPr>
+              <p:cNvPr id="9" name="Entrada de lápiz 8">
+                <a:extLst>
+                  <a:ext uri="{FF2B5EF4-FFF2-40B4-BE49-F238E27FC236}">
+                    <a16:creationId xmlns:a16="http://schemas.microsoft.com/office/drawing/2014/main" id="{43E1F875-6142-FF04-404C-9B90EB796BAE}"/>
+                  </a:ext>
+                </a:extLst>
+              </p:cNvPr>
+              <p:cNvPicPr/>
+              <p:nvPr/>
+            </p:nvPicPr>
+            <p:blipFill>
+              <a:blip r:embed="rId10"/>
+              <a:stretch>
+                <a:fillRect/>
+              </a:stretch>
+            </p:blipFill>
+            <p:spPr>
+              <a:xfrm>
+                <a:off x="1668153" y="3957393"/>
+                <a:ext cx="1414080" cy="485640"/>
+              </a:xfrm>
+              <a:prstGeom prst="rect">
+                <a:avLst/>
+              </a:prstGeom>
+            </p:spPr>
+          </p:pic>
+        </mc:Fallback>
+      </mc:AlternateContent>
+      <mc:AlternateContent xmlns:mc="http://schemas.openxmlformats.org/markup-compatibility/2006">
+        <mc:Choice xmlns:p14="http://schemas.microsoft.com/office/powerpoint/2010/main" Requires="p14">
+          <p:contentPart p14:bwMode="auto" r:id="rId11">
+            <p14:nvContentPartPr>
+              <p14:cNvPr id="10" name="Entrada de lápiz 9">
+                <a:extLst>
+                  <a:ext uri="{FF2B5EF4-FFF2-40B4-BE49-F238E27FC236}">
+                    <a16:creationId xmlns:a16="http://schemas.microsoft.com/office/drawing/2014/main" id="{1CA4AC16-B687-08F7-3D42-77D2EB5C020A}"/>
+                  </a:ext>
+                </a:extLst>
+              </p14:cNvPr>
+              <p14:cNvContentPartPr/>
+              <p14:nvPr/>
+            </p14:nvContentPartPr>
+            <p14:xfrm>
+              <a:off x="1819353" y="4198593"/>
+              <a:ext cx="979920" cy="146880"/>
+            </p14:xfrm>
+          </p:contentPart>
+        </mc:Choice>
+        <mc:Fallback>
+          <p:pic>
+            <p:nvPicPr>
+              <p:cNvPr id="10" name="Entrada de lápiz 9">
+                <a:extLst>
+                  <a:ext uri="{FF2B5EF4-FFF2-40B4-BE49-F238E27FC236}">
+                    <a16:creationId xmlns:a16="http://schemas.microsoft.com/office/drawing/2014/main" id="{1CA4AC16-B687-08F7-3D42-77D2EB5C020A}"/>
+                  </a:ext>
+                </a:extLst>
+              </p:cNvPr>
+              <p:cNvPicPr/>
+              <p:nvPr/>
+            </p:nvPicPr>
+            <p:blipFill>
+              <a:blip r:embed="rId12"/>
+              <a:stretch>
+                <a:fillRect/>
+              </a:stretch>
+            </p:blipFill>
+            <p:spPr>
+              <a:xfrm>
+                <a:off x="1747713" y="4054953"/>
+                <a:ext cx="1123560" cy="434520"/>
+              </a:xfrm>
+              <a:prstGeom prst="rect">
+                <a:avLst/>
+              </a:prstGeom>
+            </p:spPr>
+          </p:pic>
+        </mc:Fallback>
+      </mc:AlternateContent>
+    </p:spTree>
+    <p:extLst>
+      <p:ext uri="{BB962C8B-B14F-4D97-AF65-F5344CB8AC3E}">
+        <p14:creationId xmlns:p14="http://schemas.microsoft.com/office/powerpoint/2010/main" val="1167129209"/>
       </p:ext>
     </p:extLst>
   </p:cSld>
@@ -13048,6 +15835,2337 @@
 </p:sld>
 </file>
 
+<file path=ppt/slides/slide40.xml><?xml version="1.0" encoding="utf-8"?>
+<p:sld xmlns:a="http://schemas.openxmlformats.org/drawingml/2006/main" xmlns:r="http://schemas.openxmlformats.org/officeDocument/2006/relationships" xmlns:p="http://schemas.openxmlformats.org/presentationml/2006/main">
+  <p:cSld>
+    <p:spTree>
+      <p:nvGrpSpPr>
+        <p:cNvPr id="1" name=""/>
+        <p:cNvGrpSpPr/>
+        <p:nvPr/>
+      </p:nvGrpSpPr>
+      <p:grpSpPr>
+        <a:xfrm>
+          <a:off x="0" y="0"/>
+          <a:ext cx="0" cy="0"/>
+          <a:chOff x="0" y="0"/>
+          <a:chExt cx="0" cy="0"/>
+        </a:xfrm>
+      </p:grpSpPr>
+      <p:sp>
+        <p:nvSpPr>
+          <p:cNvPr id="2" name="CuadroTexto 1">
+            <a:extLst>
+              <a:ext uri="{FF2B5EF4-FFF2-40B4-BE49-F238E27FC236}">
+                <a16:creationId xmlns:a16="http://schemas.microsoft.com/office/drawing/2014/main" id="{42CFF9AF-370E-70AF-CE7B-46A0CF4E09B5}"/>
+              </a:ext>
+            </a:extLst>
+          </p:cNvPr>
+          <p:cNvSpPr txBox="1"/>
+          <p:nvPr/>
+        </p:nvSpPr>
+        <p:spPr>
+          <a:xfrm>
+            <a:off x="5921406" y="710214"/>
+            <a:ext cx="4261281" cy="646331"/>
+          </a:xfrm>
+          <a:prstGeom prst="rect">
+            <a:avLst/>
+          </a:prstGeom>
+          <a:noFill/>
+        </p:spPr>
+        <p:txBody>
+          <a:bodyPr wrap="square" rtlCol="0">
+            <a:spAutoFit/>
+          </a:bodyPr>
+          <a:lstStyle/>
+          <a:p>
+            <a:r>
+              <a:rPr lang="es-MX" dirty="0"/>
+              <a:t>Pero antes seleccionamos eso tambien, Luego damos en </a:t>
+            </a:r>
+            <a:r>
+              <a:rPr lang="es-MX" b="1" dirty="0"/>
+              <a:t>ok </a:t>
+            </a:r>
+            <a:endParaRPr lang="es-GT" dirty="0"/>
+          </a:p>
+        </p:txBody>
+      </p:sp>
+      <p:pic>
+        <p:nvPicPr>
+          <p:cNvPr id="4" name="Imagen 3">
+            <a:extLst>
+              <a:ext uri="{FF2B5EF4-FFF2-40B4-BE49-F238E27FC236}">
+                <a16:creationId xmlns:a16="http://schemas.microsoft.com/office/drawing/2014/main" id="{EDFB8DD5-A85C-7045-AD15-3F8849767098}"/>
+              </a:ext>
+            </a:extLst>
+          </p:cNvPr>
+          <p:cNvPicPr>
+            <a:picLocks noChangeAspect="1"/>
+          </p:cNvPicPr>
+          <p:nvPr/>
+        </p:nvPicPr>
+        <p:blipFill>
+          <a:blip r:embed="rId2"/>
+          <a:stretch>
+            <a:fillRect/>
+          </a:stretch>
+        </p:blipFill>
+        <p:spPr>
+          <a:xfrm>
+            <a:off x="765294" y="1389310"/>
+            <a:ext cx="9116697" cy="4629796"/>
+          </a:xfrm>
+          <a:prstGeom prst="rect">
+            <a:avLst/>
+          </a:prstGeom>
+        </p:spPr>
+      </p:pic>
+      <mc:AlternateContent xmlns:mc="http://schemas.openxmlformats.org/markup-compatibility/2006">
+        <mc:Choice xmlns:p14="http://schemas.microsoft.com/office/powerpoint/2010/main" Requires="p14">
+          <p:contentPart p14:bwMode="auto" r:id="rId3">
+            <p14:nvContentPartPr>
+              <p14:cNvPr id="5" name="Entrada de lápiz 4">
+                <a:extLst>
+                  <a:ext uri="{FF2B5EF4-FFF2-40B4-BE49-F238E27FC236}">
+                    <a16:creationId xmlns:a16="http://schemas.microsoft.com/office/drawing/2014/main" id="{E2C44158-AA78-89B8-2B99-A8D55272DA91}"/>
+                  </a:ext>
+                </a:extLst>
+              </p14:cNvPr>
+              <p14:cNvContentPartPr/>
+              <p14:nvPr/>
+            </p14:nvContentPartPr>
+            <p14:xfrm>
+              <a:off x="8007033" y="2378793"/>
+              <a:ext cx="1657800" cy="360"/>
+            </p14:xfrm>
+          </p:contentPart>
+        </mc:Choice>
+        <mc:Fallback>
+          <p:pic>
+            <p:nvPicPr>
+              <p:cNvPr id="5" name="Entrada de lápiz 4">
+                <a:extLst>
+                  <a:ext uri="{FF2B5EF4-FFF2-40B4-BE49-F238E27FC236}">
+                    <a16:creationId xmlns:a16="http://schemas.microsoft.com/office/drawing/2014/main" id="{E2C44158-AA78-89B8-2B99-A8D55272DA91}"/>
+                  </a:ext>
+                </a:extLst>
+              </p:cNvPr>
+              <p:cNvPicPr/>
+              <p:nvPr/>
+            </p:nvPicPr>
+            <p:blipFill>
+              <a:blip r:embed="rId4"/>
+              <a:stretch>
+                <a:fillRect/>
+              </a:stretch>
+            </p:blipFill>
+            <p:spPr>
+              <a:xfrm>
+                <a:off x="7935393" y="2234793"/>
+                <a:ext cx="1801440" cy="288000"/>
+              </a:xfrm>
+              <a:prstGeom prst="rect">
+                <a:avLst/>
+              </a:prstGeom>
+            </p:spPr>
+          </p:pic>
+        </mc:Fallback>
+      </mc:AlternateContent>
+      <mc:AlternateContent xmlns:mc="http://schemas.openxmlformats.org/markup-compatibility/2006">
+        <mc:Choice xmlns:p14="http://schemas.microsoft.com/office/powerpoint/2010/main" Requires="p14">
+          <p:contentPart p14:bwMode="auto" r:id="rId5">
+            <p14:nvContentPartPr>
+              <p14:cNvPr id="6" name="Entrada de lápiz 5">
+                <a:extLst>
+                  <a:ext uri="{FF2B5EF4-FFF2-40B4-BE49-F238E27FC236}">
+                    <a16:creationId xmlns:a16="http://schemas.microsoft.com/office/drawing/2014/main" id="{5BA8EC54-D74C-A9E5-EAB7-AB0CF11C8F68}"/>
+                  </a:ext>
+                </a:extLst>
+              </p14:cNvPr>
+              <p14:cNvContentPartPr/>
+              <p14:nvPr/>
+            </p14:nvContentPartPr>
+            <p14:xfrm>
+              <a:off x="3541593" y="4686393"/>
+              <a:ext cx="1776600" cy="82080"/>
+            </p14:xfrm>
+          </p:contentPart>
+        </mc:Choice>
+        <mc:Fallback>
+          <p:pic>
+            <p:nvPicPr>
+              <p:cNvPr id="6" name="Entrada de lápiz 5">
+                <a:extLst>
+                  <a:ext uri="{FF2B5EF4-FFF2-40B4-BE49-F238E27FC236}">
+                    <a16:creationId xmlns:a16="http://schemas.microsoft.com/office/drawing/2014/main" id="{5BA8EC54-D74C-A9E5-EAB7-AB0CF11C8F68}"/>
+                  </a:ext>
+                </a:extLst>
+              </p:cNvPr>
+              <p:cNvPicPr/>
+              <p:nvPr/>
+            </p:nvPicPr>
+            <p:blipFill>
+              <a:blip r:embed="rId6"/>
+              <a:stretch>
+                <a:fillRect/>
+              </a:stretch>
+            </p:blipFill>
+            <p:spPr>
+              <a:xfrm>
+                <a:off x="3469953" y="4542753"/>
+                <a:ext cx="1920240" cy="369720"/>
+              </a:xfrm>
+              <a:prstGeom prst="rect">
+                <a:avLst/>
+              </a:prstGeom>
+            </p:spPr>
+          </p:pic>
+        </mc:Fallback>
+      </mc:AlternateContent>
+      <mc:AlternateContent xmlns:mc="http://schemas.openxmlformats.org/markup-compatibility/2006">
+        <mc:Choice xmlns:p14="http://schemas.microsoft.com/office/powerpoint/2010/main" Requires="p14">
+          <p:contentPart p14:bwMode="auto" r:id="rId7">
+            <p14:nvContentPartPr>
+              <p14:cNvPr id="7" name="Entrada de lápiz 6">
+                <a:extLst>
+                  <a:ext uri="{FF2B5EF4-FFF2-40B4-BE49-F238E27FC236}">
+                    <a16:creationId xmlns:a16="http://schemas.microsoft.com/office/drawing/2014/main" id="{48EB9BEA-A0CC-E30D-CEF2-9C19A06BFABA}"/>
+                  </a:ext>
+                </a:extLst>
+              </p14:cNvPr>
+              <p14:cNvContentPartPr/>
+              <p14:nvPr/>
+            </p14:nvContentPartPr>
+            <p14:xfrm>
+              <a:off x="5991753" y="4825353"/>
+              <a:ext cx="956160" cy="137160"/>
+            </p14:xfrm>
+          </p:contentPart>
+        </mc:Choice>
+        <mc:Fallback>
+          <p:pic>
+            <p:nvPicPr>
+              <p:cNvPr id="7" name="Entrada de lápiz 6">
+                <a:extLst>
+                  <a:ext uri="{FF2B5EF4-FFF2-40B4-BE49-F238E27FC236}">
+                    <a16:creationId xmlns:a16="http://schemas.microsoft.com/office/drawing/2014/main" id="{48EB9BEA-A0CC-E30D-CEF2-9C19A06BFABA}"/>
+                  </a:ext>
+                </a:extLst>
+              </p:cNvPr>
+              <p:cNvPicPr/>
+              <p:nvPr/>
+            </p:nvPicPr>
+            <p:blipFill>
+              <a:blip r:embed="rId8"/>
+              <a:stretch>
+                <a:fillRect/>
+              </a:stretch>
+            </p:blipFill>
+            <p:spPr>
+              <a:xfrm>
+                <a:off x="5920113" y="4681713"/>
+                <a:ext cx="1099800" cy="424800"/>
+              </a:xfrm>
+              <a:prstGeom prst="rect">
+                <a:avLst/>
+              </a:prstGeom>
+            </p:spPr>
+          </p:pic>
+        </mc:Fallback>
+      </mc:AlternateContent>
+      <mc:AlternateContent xmlns:mc="http://schemas.openxmlformats.org/markup-compatibility/2006">
+        <mc:Choice xmlns:p14="http://schemas.microsoft.com/office/powerpoint/2010/main" Requires="p14">
+          <p:contentPart p14:bwMode="auto" r:id="rId9">
+            <p14:nvContentPartPr>
+              <p14:cNvPr id="8" name="Entrada de lápiz 7">
+                <a:extLst>
+                  <a:ext uri="{FF2B5EF4-FFF2-40B4-BE49-F238E27FC236}">
+                    <a16:creationId xmlns:a16="http://schemas.microsoft.com/office/drawing/2014/main" id="{EB6F1649-BBCF-AC03-1ED6-A2D785BBD106}"/>
+                  </a:ext>
+                </a:extLst>
+              </p14:cNvPr>
+              <p14:cNvContentPartPr/>
+              <p14:nvPr/>
+            </p14:nvContentPartPr>
+            <p14:xfrm>
+              <a:off x="7317993" y="2307873"/>
+              <a:ext cx="68400" cy="373320"/>
+            </p14:xfrm>
+          </p:contentPart>
+        </mc:Choice>
+        <mc:Fallback>
+          <p:pic>
+            <p:nvPicPr>
+              <p:cNvPr id="8" name="Entrada de lápiz 7">
+                <a:extLst>
+                  <a:ext uri="{FF2B5EF4-FFF2-40B4-BE49-F238E27FC236}">
+                    <a16:creationId xmlns:a16="http://schemas.microsoft.com/office/drawing/2014/main" id="{EB6F1649-BBCF-AC03-1ED6-A2D785BBD106}"/>
+                  </a:ext>
+                </a:extLst>
+              </p:cNvPr>
+              <p:cNvPicPr/>
+              <p:nvPr/>
+            </p:nvPicPr>
+            <p:blipFill>
+              <a:blip r:embed="rId10"/>
+              <a:stretch>
+                <a:fillRect/>
+              </a:stretch>
+            </p:blipFill>
+            <p:spPr>
+              <a:xfrm>
+                <a:off x="7245993" y="2164233"/>
+                <a:ext cx="212040" cy="660960"/>
+              </a:xfrm>
+              <a:prstGeom prst="rect">
+                <a:avLst/>
+              </a:prstGeom>
+            </p:spPr>
+          </p:pic>
+        </mc:Fallback>
+      </mc:AlternateContent>
+      <mc:AlternateContent xmlns:mc="http://schemas.openxmlformats.org/markup-compatibility/2006">
+        <mc:Choice xmlns:p14="http://schemas.microsoft.com/office/powerpoint/2010/main" Requires="p14">
+          <p:contentPart p14:bwMode="auto" r:id="rId11">
+            <p14:nvContentPartPr>
+              <p14:cNvPr id="9" name="Entrada de lápiz 8">
+                <a:extLst>
+                  <a:ext uri="{FF2B5EF4-FFF2-40B4-BE49-F238E27FC236}">
+                    <a16:creationId xmlns:a16="http://schemas.microsoft.com/office/drawing/2014/main" id="{000EDE03-467C-7BFF-9FC8-52BB5E35195C}"/>
+                  </a:ext>
+                </a:extLst>
+              </p14:cNvPr>
+              <p14:cNvContentPartPr/>
+              <p14:nvPr/>
+            </p14:nvContentPartPr>
+            <p14:xfrm>
+              <a:off x="3550953" y="3105993"/>
+              <a:ext cx="11160" cy="108000"/>
+            </p14:xfrm>
+          </p:contentPart>
+        </mc:Choice>
+        <mc:Fallback>
+          <p:pic>
+            <p:nvPicPr>
+              <p:cNvPr id="9" name="Entrada de lápiz 8">
+                <a:extLst>
+                  <a:ext uri="{FF2B5EF4-FFF2-40B4-BE49-F238E27FC236}">
+                    <a16:creationId xmlns:a16="http://schemas.microsoft.com/office/drawing/2014/main" id="{000EDE03-467C-7BFF-9FC8-52BB5E35195C}"/>
+                  </a:ext>
+                </a:extLst>
+              </p:cNvPr>
+              <p:cNvPicPr/>
+              <p:nvPr/>
+            </p:nvPicPr>
+            <p:blipFill>
+              <a:blip r:embed="rId12"/>
+              <a:stretch>
+                <a:fillRect/>
+              </a:stretch>
+            </p:blipFill>
+            <p:spPr>
+              <a:xfrm>
+                <a:off x="3478953" y="2961993"/>
+                <a:ext cx="154800" cy="395640"/>
+              </a:xfrm>
+              <a:prstGeom prst="rect">
+                <a:avLst/>
+              </a:prstGeom>
+            </p:spPr>
+          </p:pic>
+        </mc:Fallback>
+      </mc:AlternateContent>
+      <mc:AlternateContent xmlns:mc="http://schemas.openxmlformats.org/markup-compatibility/2006">
+        <mc:Choice xmlns:p14="http://schemas.microsoft.com/office/powerpoint/2010/main" Requires="p14">
+          <p:contentPart p14:bwMode="auto" r:id="rId13">
+            <p14:nvContentPartPr>
+              <p14:cNvPr id="10" name="Entrada de lápiz 9">
+                <a:extLst>
+                  <a:ext uri="{FF2B5EF4-FFF2-40B4-BE49-F238E27FC236}">
+                    <a16:creationId xmlns:a16="http://schemas.microsoft.com/office/drawing/2014/main" id="{4D19D27C-696E-482E-DF84-E8CECEFF1F8B}"/>
+                  </a:ext>
+                </a:extLst>
+              </p14:cNvPr>
+              <p14:cNvContentPartPr/>
+              <p14:nvPr/>
+            </p14:nvContentPartPr>
+            <p14:xfrm>
+              <a:off x="3697473" y="2982153"/>
+              <a:ext cx="509040" cy="641520"/>
+            </p14:xfrm>
+          </p:contentPart>
+        </mc:Choice>
+        <mc:Fallback>
+          <p:pic>
+            <p:nvPicPr>
+              <p:cNvPr id="10" name="Entrada de lápiz 9">
+                <a:extLst>
+                  <a:ext uri="{FF2B5EF4-FFF2-40B4-BE49-F238E27FC236}">
+                    <a16:creationId xmlns:a16="http://schemas.microsoft.com/office/drawing/2014/main" id="{4D19D27C-696E-482E-DF84-E8CECEFF1F8B}"/>
+                  </a:ext>
+                </a:extLst>
+              </p:cNvPr>
+              <p:cNvPicPr/>
+              <p:nvPr/>
+            </p:nvPicPr>
+            <p:blipFill>
+              <a:blip r:embed="rId14"/>
+              <a:stretch>
+                <a:fillRect/>
+              </a:stretch>
+            </p:blipFill>
+            <p:spPr>
+              <a:xfrm>
+                <a:off x="3625473" y="2838513"/>
+                <a:ext cx="652680" cy="929160"/>
+              </a:xfrm>
+              <a:prstGeom prst="rect">
+                <a:avLst/>
+              </a:prstGeom>
+            </p:spPr>
+          </p:pic>
+        </mc:Fallback>
+      </mc:AlternateContent>
+      <mc:AlternateContent xmlns:mc="http://schemas.openxmlformats.org/markup-compatibility/2006">
+        <mc:Choice xmlns:p14="http://schemas.microsoft.com/office/powerpoint/2010/main" Requires="p14">
+          <p:contentPart p14:bwMode="auto" r:id="rId15">
+            <p14:nvContentPartPr>
+              <p14:cNvPr id="11" name="Entrada de lápiz 10">
+                <a:extLst>
+                  <a:ext uri="{FF2B5EF4-FFF2-40B4-BE49-F238E27FC236}">
+                    <a16:creationId xmlns:a16="http://schemas.microsoft.com/office/drawing/2014/main" id="{50EBF835-1D01-0C3A-705B-98F126C26C82}"/>
+                  </a:ext>
+                </a:extLst>
+              </p14:cNvPr>
+              <p14:cNvContentPartPr/>
+              <p14:nvPr/>
+            </p14:nvContentPartPr>
+            <p14:xfrm>
+              <a:off x="5941353" y="3960993"/>
+              <a:ext cx="649800" cy="754560"/>
+            </p14:xfrm>
+          </p:contentPart>
+        </mc:Choice>
+        <mc:Fallback>
+          <p:pic>
+            <p:nvPicPr>
+              <p:cNvPr id="11" name="Entrada de lápiz 10">
+                <a:extLst>
+                  <a:ext uri="{FF2B5EF4-FFF2-40B4-BE49-F238E27FC236}">
+                    <a16:creationId xmlns:a16="http://schemas.microsoft.com/office/drawing/2014/main" id="{50EBF835-1D01-0C3A-705B-98F126C26C82}"/>
+                  </a:ext>
+                </a:extLst>
+              </p:cNvPr>
+              <p:cNvPicPr/>
+              <p:nvPr/>
+            </p:nvPicPr>
+            <p:blipFill>
+              <a:blip r:embed="rId16"/>
+              <a:stretch>
+                <a:fillRect/>
+              </a:stretch>
+            </p:blipFill>
+            <p:spPr>
+              <a:xfrm>
+                <a:off x="5869713" y="3816993"/>
+                <a:ext cx="793440" cy="1042200"/>
+              </a:xfrm>
+              <a:prstGeom prst="rect">
+                <a:avLst/>
+              </a:prstGeom>
+            </p:spPr>
+          </p:pic>
+        </mc:Fallback>
+      </mc:AlternateContent>
+    </p:spTree>
+    <p:extLst>
+      <p:ext uri="{BB962C8B-B14F-4D97-AF65-F5344CB8AC3E}">
+        <p14:creationId xmlns:p14="http://schemas.microsoft.com/office/powerpoint/2010/main" val="2816460917"/>
+      </p:ext>
+    </p:extLst>
+  </p:cSld>
+  <p:clrMapOvr>
+    <a:masterClrMapping/>
+  </p:clrMapOvr>
+</p:sld>
+</file>
+
+<file path=ppt/slides/slide41.xml><?xml version="1.0" encoding="utf-8"?>
+<p:sld xmlns:a="http://schemas.openxmlformats.org/drawingml/2006/main" xmlns:r="http://schemas.openxmlformats.org/officeDocument/2006/relationships" xmlns:p="http://schemas.openxmlformats.org/presentationml/2006/main">
+  <p:cSld>
+    <p:spTree>
+      <p:nvGrpSpPr>
+        <p:cNvPr id="1" name=""/>
+        <p:cNvGrpSpPr/>
+        <p:nvPr/>
+      </p:nvGrpSpPr>
+      <p:grpSpPr>
+        <a:xfrm>
+          <a:off x="0" y="0"/>
+          <a:ext cx="0" cy="0"/>
+          <a:chOff x="0" y="0"/>
+          <a:chExt cx="0" cy="0"/>
+        </a:xfrm>
+      </p:grpSpPr>
+      <p:sp>
+        <p:nvSpPr>
+          <p:cNvPr id="2" name="CuadroTexto 1">
+            <a:extLst>
+              <a:ext uri="{FF2B5EF4-FFF2-40B4-BE49-F238E27FC236}">
+                <a16:creationId xmlns:a16="http://schemas.microsoft.com/office/drawing/2014/main" id="{97121328-0707-3C0B-20E1-0784E9221259}"/>
+              </a:ext>
+            </a:extLst>
+          </p:cNvPr>
+          <p:cNvSpPr txBox="1"/>
+          <p:nvPr/>
+        </p:nvSpPr>
+        <p:spPr>
+          <a:xfrm>
+            <a:off x="1296278" y="612559"/>
+            <a:ext cx="9507845" cy="646331"/>
+          </a:xfrm>
+          <a:prstGeom prst="rect">
+            <a:avLst/>
+          </a:prstGeom>
+          <a:noFill/>
+        </p:spPr>
+        <p:txBody>
+          <a:bodyPr wrap="square" rtlCol="0">
+            <a:spAutoFit/>
+          </a:bodyPr>
+          <a:lstStyle/>
+          <a:p>
+            <a:r>
+              <a:rPr lang="es-MX" dirty="0"/>
+              <a:t>Luego obtenemos esa tabla, en la parte representa el resultado de las uniones no los esfuerzos tanto de vigas y columnas, esta es de </a:t>
+            </a:r>
+            <a:r>
+              <a:rPr lang="es-MX" b="1" dirty="0"/>
+              <a:t>VIGAS, para cambiar en la parte superior </a:t>
+            </a:r>
+            <a:endParaRPr lang="es-GT" dirty="0"/>
+          </a:p>
+        </p:txBody>
+      </p:sp>
+      <p:pic>
+        <p:nvPicPr>
+          <p:cNvPr id="4" name="Imagen 3">
+            <a:extLst>
+              <a:ext uri="{FF2B5EF4-FFF2-40B4-BE49-F238E27FC236}">
+                <a16:creationId xmlns:a16="http://schemas.microsoft.com/office/drawing/2014/main" id="{DD7F92CD-919A-5819-0B9E-220650394CBE}"/>
+              </a:ext>
+            </a:extLst>
+          </p:cNvPr>
+          <p:cNvPicPr>
+            <a:picLocks noChangeAspect="1"/>
+          </p:cNvPicPr>
+          <p:nvPr/>
+        </p:nvPicPr>
+        <p:blipFill>
+          <a:blip r:embed="rId2"/>
+          <a:stretch>
+            <a:fillRect/>
+          </a:stretch>
+        </p:blipFill>
+        <p:spPr>
+          <a:xfrm>
+            <a:off x="1127602" y="1501533"/>
+            <a:ext cx="9259272" cy="4915514"/>
+          </a:xfrm>
+          <a:prstGeom prst="rect">
+            <a:avLst/>
+          </a:prstGeom>
+        </p:spPr>
+      </p:pic>
+      <mc:AlternateContent xmlns:mc="http://schemas.openxmlformats.org/markup-compatibility/2006">
+        <mc:Choice xmlns:p14="http://schemas.microsoft.com/office/powerpoint/2010/main" Requires="p14">
+          <p:contentPart p14:bwMode="auto" r:id="rId3">
+            <p14:nvContentPartPr>
+              <p14:cNvPr id="5" name="Entrada de lápiz 4">
+                <a:extLst>
+                  <a:ext uri="{FF2B5EF4-FFF2-40B4-BE49-F238E27FC236}">
+                    <a16:creationId xmlns:a16="http://schemas.microsoft.com/office/drawing/2014/main" id="{A8FE8408-CD60-D4FF-2E41-D83B4F9E7769}"/>
+                  </a:ext>
+                </a:extLst>
+              </p14:cNvPr>
+              <p14:cNvContentPartPr/>
+              <p14:nvPr/>
+            </p14:nvContentPartPr>
+            <p14:xfrm>
+              <a:off x="5607633" y="2227233"/>
+              <a:ext cx="2251440" cy="209520"/>
+            </p14:xfrm>
+          </p:contentPart>
+        </mc:Choice>
+        <mc:Fallback>
+          <p:pic>
+            <p:nvPicPr>
+              <p:cNvPr id="5" name="Entrada de lápiz 4">
+                <a:extLst>
+                  <a:ext uri="{FF2B5EF4-FFF2-40B4-BE49-F238E27FC236}">
+                    <a16:creationId xmlns:a16="http://schemas.microsoft.com/office/drawing/2014/main" id="{A8FE8408-CD60-D4FF-2E41-D83B4F9E7769}"/>
+                  </a:ext>
+                </a:extLst>
+              </p:cNvPr>
+              <p:cNvPicPr/>
+              <p:nvPr/>
+            </p:nvPicPr>
+            <p:blipFill>
+              <a:blip r:embed="rId4"/>
+              <a:stretch>
+                <a:fillRect/>
+              </a:stretch>
+            </p:blipFill>
+            <p:spPr>
+              <a:xfrm>
+                <a:off x="5535993" y="2083233"/>
+                <a:ext cx="2395080" cy="497160"/>
+              </a:xfrm>
+              <a:prstGeom prst="rect">
+                <a:avLst/>
+              </a:prstGeom>
+            </p:spPr>
+          </p:pic>
+        </mc:Fallback>
+      </mc:AlternateContent>
+      <mc:AlternateContent xmlns:mc="http://schemas.openxmlformats.org/markup-compatibility/2006">
+        <mc:Choice xmlns:p14="http://schemas.microsoft.com/office/powerpoint/2010/main" Requires="p14">
+          <p:contentPart p14:bwMode="auto" r:id="rId5">
+            <p14:nvContentPartPr>
+              <p14:cNvPr id="7" name="Entrada de lápiz 6">
+                <a:extLst>
+                  <a:ext uri="{FF2B5EF4-FFF2-40B4-BE49-F238E27FC236}">
+                    <a16:creationId xmlns:a16="http://schemas.microsoft.com/office/drawing/2014/main" id="{D0A675B7-4746-43E4-65AD-5912C6D0F8D9}"/>
+                  </a:ext>
+                </a:extLst>
+              </p14:cNvPr>
+              <p14:cNvContentPartPr/>
+              <p14:nvPr/>
+            </p14:nvContentPartPr>
+            <p14:xfrm>
+              <a:off x="2936433" y="2660673"/>
+              <a:ext cx="5037480" cy="2715840"/>
+            </p14:xfrm>
+          </p:contentPart>
+        </mc:Choice>
+        <mc:Fallback>
+          <p:pic>
+            <p:nvPicPr>
+              <p:cNvPr id="7" name="Entrada de lápiz 6">
+                <a:extLst>
+                  <a:ext uri="{FF2B5EF4-FFF2-40B4-BE49-F238E27FC236}">
+                    <a16:creationId xmlns:a16="http://schemas.microsoft.com/office/drawing/2014/main" id="{D0A675B7-4746-43E4-65AD-5912C6D0F8D9}"/>
+                  </a:ext>
+                </a:extLst>
+              </p:cNvPr>
+              <p:cNvPicPr/>
+              <p:nvPr/>
+            </p:nvPicPr>
+            <p:blipFill>
+              <a:blip r:embed="rId6"/>
+              <a:stretch>
+                <a:fillRect/>
+              </a:stretch>
+            </p:blipFill>
+            <p:spPr>
+              <a:xfrm>
+                <a:off x="2864793" y="2517033"/>
+                <a:ext cx="5181120" cy="3003480"/>
+              </a:xfrm>
+              <a:prstGeom prst="rect">
+                <a:avLst/>
+              </a:prstGeom>
+            </p:spPr>
+          </p:pic>
+        </mc:Fallback>
+      </mc:AlternateContent>
+    </p:spTree>
+    <p:extLst>
+      <p:ext uri="{BB962C8B-B14F-4D97-AF65-F5344CB8AC3E}">
+        <p14:creationId xmlns:p14="http://schemas.microsoft.com/office/powerpoint/2010/main" val="3277077749"/>
+      </p:ext>
+    </p:extLst>
+  </p:cSld>
+  <p:clrMapOvr>
+    <a:masterClrMapping/>
+  </p:clrMapOvr>
+</p:sld>
+</file>
+
+<file path=ppt/slides/slide42.xml><?xml version="1.0" encoding="utf-8"?>
+<p:sld xmlns:a="http://schemas.openxmlformats.org/drawingml/2006/main" xmlns:r="http://schemas.openxmlformats.org/officeDocument/2006/relationships" xmlns:p="http://schemas.openxmlformats.org/presentationml/2006/main">
+  <p:cSld>
+    <p:spTree>
+      <p:nvGrpSpPr>
+        <p:cNvPr id="1" name=""/>
+        <p:cNvGrpSpPr/>
+        <p:nvPr/>
+      </p:nvGrpSpPr>
+      <p:grpSpPr>
+        <a:xfrm>
+          <a:off x="0" y="0"/>
+          <a:ext cx="0" cy="0"/>
+          <a:chOff x="0" y="0"/>
+          <a:chExt cx="0" cy="0"/>
+        </a:xfrm>
+      </p:grpSpPr>
+      <p:sp>
+        <p:nvSpPr>
+          <p:cNvPr id="2" name="CuadroTexto 1">
+            <a:extLst>
+              <a:ext uri="{FF2B5EF4-FFF2-40B4-BE49-F238E27FC236}">
+                <a16:creationId xmlns:a16="http://schemas.microsoft.com/office/drawing/2014/main" id="{8EC09CF8-48A1-D256-8A89-C7C45295EEED}"/>
+              </a:ext>
+            </a:extLst>
+          </p:cNvPr>
+          <p:cNvSpPr txBox="1"/>
+          <p:nvPr/>
+        </p:nvSpPr>
+        <p:spPr>
+          <a:xfrm>
+            <a:off x="1029810" y="435006"/>
+            <a:ext cx="5983549" cy="523220"/>
+          </a:xfrm>
+          <a:prstGeom prst="rect">
+            <a:avLst/>
+          </a:prstGeom>
+          <a:noFill/>
+        </p:spPr>
+        <p:txBody>
+          <a:bodyPr wrap="square" rtlCol="0">
+            <a:spAutoFit/>
+          </a:bodyPr>
+          <a:lstStyle/>
+          <a:p>
+            <a:r>
+              <a:rPr lang="es-MX" sz="2800" b="1" dirty="0"/>
+              <a:t>Columnas </a:t>
+            </a:r>
+            <a:endParaRPr lang="es-GT" sz="2800" b="1" dirty="0"/>
+          </a:p>
+        </p:txBody>
+      </p:sp>
+      <p:pic>
+        <p:nvPicPr>
+          <p:cNvPr id="4" name="Imagen 3">
+            <a:extLst>
+              <a:ext uri="{FF2B5EF4-FFF2-40B4-BE49-F238E27FC236}">
+                <a16:creationId xmlns:a16="http://schemas.microsoft.com/office/drawing/2014/main" id="{CCB47559-8AAD-49F9-9B4C-9A184569E6B7}"/>
+              </a:ext>
+            </a:extLst>
+          </p:cNvPr>
+          <p:cNvPicPr>
+            <a:picLocks noChangeAspect="1"/>
+          </p:cNvPicPr>
+          <p:nvPr/>
+        </p:nvPicPr>
+        <p:blipFill>
+          <a:blip r:embed="rId2"/>
+          <a:stretch>
+            <a:fillRect/>
+          </a:stretch>
+        </p:blipFill>
+        <p:spPr>
+          <a:xfrm>
+            <a:off x="449648" y="1083639"/>
+            <a:ext cx="9065219" cy="4841562"/>
+          </a:xfrm>
+          <a:prstGeom prst="rect">
+            <a:avLst/>
+          </a:prstGeom>
+        </p:spPr>
+      </p:pic>
+      <mc:AlternateContent xmlns:mc="http://schemas.openxmlformats.org/markup-compatibility/2006">
+        <mc:Choice xmlns:p14="http://schemas.microsoft.com/office/powerpoint/2010/main" Requires="p14">
+          <p:contentPart p14:bwMode="auto" r:id="rId3">
+            <p14:nvContentPartPr>
+              <p14:cNvPr id="5" name="Entrada de lápiz 4">
+                <a:extLst>
+                  <a:ext uri="{FF2B5EF4-FFF2-40B4-BE49-F238E27FC236}">
+                    <a16:creationId xmlns:a16="http://schemas.microsoft.com/office/drawing/2014/main" id="{C6B38F8F-17DF-65DF-57C4-D8F8DF30BAAB}"/>
+                  </a:ext>
+                </a:extLst>
+              </p14:cNvPr>
+              <p14:cNvContentPartPr/>
+              <p14:nvPr/>
+            </p14:nvContentPartPr>
+            <p14:xfrm>
+              <a:off x="5157633" y="1704873"/>
+              <a:ext cx="1836360" cy="123840"/>
+            </p14:xfrm>
+          </p:contentPart>
+        </mc:Choice>
+        <mc:Fallback>
+          <p:pic>
+            <p:nvPicPr>
+              <p:cNvPr id="5" name="Entrada de lápiz 4">
+                <a:extLst>
+                  <a:ext uri="{FF2B5EF4-FFF2-40B4-BE49-F238E27FC236}">
+                    <a16:creationId xmlns:a16="http://schemas.microsoft.com/office/drawing/2014/main" id="{C6B38F8F-17DF-65DF-57C4-D8F8DF30BAAB}"/>
+                  </a:ext>
+                </a:extLst>
+              </p:cNvPr>
+              <p:cNvPicPr/>
+              <p:nvPr/>
+            </p:nvPicPr>
+            <p:blipFill>
+              <a:blip r:embed="rId4"/>
+              <a:stretch>
+                <a:fillRect/>
+              </a:stretch>
+            </p:blipFill>
+            <p:spPr>
+              <a:xfrm>
+                <a:off x="5085993" y="1561233"/>
+                <a:ext cx="1980000" cy="411480"/>
+              </a:xfrm>
+              <a:prstGeom prst="rect">
+                <a:avLst/>
+              </a:prstGeom>
+            </p:spPr>
+          </p:pic>
+        </mc:Fallback>
+      </mc:AlternateContent>
+      <mc:AlternateContent xmlns:mc="http://schemas.openxmlformats.org/markup-compatibility/2006">
+        <mc:Choice xmlns:p14="http://schemas.microsoft.com/office/powerpoint/2010/main" Requires="p14">
+          <p:contentPart p14:bwMode="auto" r:id="rId5">
+            <p14:nvContentPartPr>
+              <p14:cNvPr id="6" name="Entrada de lápiz 5">
+                <a:extLst>
+                  <a:ext uri="{FF2B5EF4-FFF2-40B4-BE49-F238E27FC236}">
+                    <a16:creationId xmlns:a16="http://schemas.microsoft.com/office/drawing/2014/main" id="{92A9F241-4EE5-52EB-570E-5A2A18F02417}"/>
+                  </a:ext>
+                </a:extLst>
+              </p14:cNvPr>
+              <p14:cNvContentPartPr/>
+              <p14:nvPr/>
+            </p14:nvContentPartPr>
+            <p14:xfrm>
+              <a:off x="2248833" y="2167833"/>
+              <a:ext cx="5369400" cy="1750680"/>
+            </p14:xfrm>
+          </p:contentPart>
+        </mc:Choice>
+        <mc:Fallback>
+          <p:pic>
+            <p:nvPicPr>
+              <p:cNvPr id="6" name="Entrada de lápiz 5">
+                <a:extLst>
+                  <a:ext uri="{FF2B5EF4-FFF2-40B4-BE49-F238E27FC236}">
+                    <a16:creationId xmlns:a16="http://schemas.microsoft.com/office/drawing/2014/main" id="{92A9F241-4EE5-52EB-570E-5A2A18F02417}"/>
+                  </a:ext>
+                </a:extLst>
+              </p:cNvPr>
+              <p:cNvPicPr/>
+              <p:nvPr/>
+            </p:nvPicPr>
+            <p:blipFill>
+              <a:blip r:embed="rId6"/>
+              <a:stretch>
+                <a:fillRect/>
+              </a:stretch>
+            </p:blipFill>
+            <p:spPr>
+              <a:xfrm>
+                <a:off x="2177193" y="2023833"/>
+                <a:ext cx="5513040" cy="2038320"/>
+              </a:xfrm>
+              <a:prstGeom prst="rect">
+                <a:avLst/>
+              </a:prstGeom>
+            </p:spPr>
+          </p:pic>
+        </mc:Fallback>
+      </mc:AlternateContent>
+    </p:spTree>
+    <p:extLst>
+      <p:ext uri="{BB962C8B-B14F-4D97-AF65-F5344CB8AC3E}">
+        <p14:creationId xmlns:p14="http://schemas.microsoft.com/office/powerpoint/2010/main" val="337241625"/>
+      </p:ext>
+    </p:extLst>
+  </p:cSld>
+  <p:clrMapOvr>
+    <a:masterClrMapping/>
+  </p:clrMapOvr>
+</p:sld>
+</file>
+
+<file path=ppt/slides/slide43.xml><?xml version="1.0" encoding="utf-8"?>
+<p:sld xmlns:a="http://schemas.openxmlformats.org/drawingml/2006/main" xmlns:r="http://schemas.openxmlformats.org/officeDocument/2006/relationships" xmlns:p="http://schemas.openxmlformats.org/presentationml/2006/main">
+  <p:cSld>
+    <p:spTree>
+      <p:nvGrpSpPr>
+        <p:cNvPr id="1" name=""/>
+        <p:cNvGrpSpPr/>
+        <p:nvPr/>
+      </p:nvGrpSpPr>
+      <p:grpSpPr>
+        <a:xfrm>
+          <a:off x="0" y="0"/>
+          <a:ext cx="0" cy="0"/>
+          <a:chOff x="0" y="0"/>
+          <a:chExt cx="0" cy="0"/>
+        </a:xfrm>
+      </p:grpSpPr>
+      <p:sp>
+        <p:nvSpPr>
+          <p:cNvPr id="2" name="CuadroTexto 1">
+            <a:extLst>
+              <a:ext uri="{FF2B5EF4-FFF2-40B4-BE49-F238E27FC236}">
+                <a16:creationId xmlns:a16="http://schemas.microsoft.com/office/drawing/2014/main" id="{592789DA-58EC-16B0-A327-8A5628DEE5FA}"/>
+              </a:ext>
+            </a:extLst>
+          </p:cNvPr>
+          <p:cNvSpPr txBox="1"/>
+          <p:nvPr/>
+        </p:nvSpPr>
+        <p:spPr>
+          <a:xfrm>
+            <a:off x="1162975" y="346229"/>
+            <a:ext cx="4305670" cy="369332"/>
+          </a:xfrm>
+          <a:prstGeom prst="rect">
+            <a:avLst/>
+          </a:prstGeom>
+          <a:noFill/>
+        </p:spPr>
+        <p:txBody>
+          <a:bodyPr wrap="square" rtlCol="0">
+            <a:spAutoFit/>
+          </a:bodyPr>
+          <a:lstStyle/>
+          <a:p>
+            <a:r>
+              <a:rPr lang="es-MX" dirty="0"/>
+              <a:t>Regresamos y colocamos todas las casilla, </a:t>
+            </a:r>
+            <a:endParaRPr lang="es-GT" dirty="0"/>
+          </a:p>
+        </p:txBody>
+      </p:sp>
+      <p:pic>
+        <p:nvPicPr>
+          <p:cNvPr id="4" name="Imagen 3">
+            <a:extLst>
+              <a:ext uri="{FF2B5EF4-FFF2-40B4-BE49-F238E27FC236}">
+                <a16:creationId xmlns:a16="http://schemas.microsoft.com/office/drawing/2014/main" id="{F6E6E4A2-3DDD-83F1-8D7E-78421109B98A}"/>
+              </a:ext>
+            </a:extLst>
+          </p:cNvPr>
+          <p:cNvPicPr>
+            <a:picLocks noChangeAspect="1"/>
+          </p:cNvPicPr>
+          <p:nvPr/>
+        </p:nvPicPr>
+        <p:blipFill>
+          <a:blip r:embed="rId2"/>
+          <a:stretch>
+            <a:fillRect/>
+          </a:stretch>
+        </p:blipFill>
+        <p:spPr>
+          <a:xfrm>
+            <a:off x="7570958" y="1925545"/>
+            <a:ext cx="4387264" cy="2857862"/>
+          </a:xfrm>
+          <a:prstGeom prst="rect">
+            <a:avLst/>
+          </a:prstGeom>
+        </p:spPr>
+      </p:pic>
+      <p:pic>
+        <p:nvPicPr>
+          <p:cNvPr id="6" name="Imagen 5">
+            <a:extLst>
+              <a:ext uri="{FF2B5EF4-FFF2-40B4-BE49-F238E27FC236}">
+                <a16:creationId xmlns:a16="http://schemas.microsoft.com/office/drawing/2014/main" id="{8E0D7A18-574C-3A19-BB13-5AE7BF6DDE5C}"/>
+              </a:ext>
+            </a:extLst>
+          </p:cNvPr>
+          <p:cNvPicPr>
+            <a:picLocks noChangeAspect="1"/>
+          </p:cNvPicPr>
+          <p:nvPr/>
+        </p:nvPicPr>
+        <p:blipFill>
+          <a:blip r:embed="rId3"/>
+          <a:stretch>
+            <a:fillRect/>
+          </a:stretch>
+        </p:blipFill>
+        <p:spPr>
+          <a:xfrm>
+            <a:off x="1332718" y="1016493"/>
+            <a:ext cx="2892466" cy="4825014"/>
+          </a:xfrm>
+          <a:prstGeom prst="rect">
+            <a:avLst/>
+          </a:prstGeom>
+        </p:spPr>
+      </p:pic>
+      <mc:AlternateContent xmlns:mc="http://schemas.openxmlformats.org/markup-compatibility/2006">
+        <mc:Choice xmlns:p14="http://schemas.microsoft.com/office/powerpoint/2010/main" Requires="p14">
+          <p:contentPart p14:bwMode="auto" r:id="rId4">
+            <p14:nvContentPartPr>
+              <p14:cNvPr id="7" name="Entrada de lápiz 6">
+                <a:extLst>
+                  <a:ext uri="{FF2B5EF4-FFF2-40B4-BE49-F238E27FC236}">
+                    <a16:creationId xmlns:a16="http://schemas.microsoft.com/office/drawing/2014/main" id="{865BADF5-23E5-EAD1-C8EF-70F7D5FC937B}"/>
+                  </a:ext>
+                </a:extLst>
+              </p14:cNvPr>
+              <p14:cNvContentPartPr/>
+              <p14:nvPr/>
+            </p14:nvContentPartPr>
+            <p14:xfrm>
+              <a:off x="1666713" y="1224993"/>
+              <a:ext cx="749160" cy="119520"/>
+            </p14:xfrm>
+          </p:contentPart>
+        </mc:Choice>
+        <mc:Fallback>
+          <p:pic>
+            <p:nvPicPr>
+              <p:cNvPr id="7" name="Entrada de lápiz 6">
+                <a:extLst>
+                  <a:ext uri="{FF2B5EF4-FFF2-40B4-BE49-F238E27FC236}">
+                    <a16:creationId xmlns:a16="http://schemas.microsoft.com/office/drawing/2014/main" id="{865BADF5-23E5-EAD1-C8EF-70F7D5FC937B}"/>
+                  </a:ext>
+                </a:extLst>
+              </p:cNvPr>
+              <p:cNvPicPr/>
+              <p:nvPr/>
+            </p:nvPicPr>
+            <p:blipFill>
+              <a:blip r:embed="rId5"/>
+              <a:stretch>
+                <a:fillRect/>
+              </a:stretch>
+            </p:blipFill>
+            <p:spPr>
+              <a:xfrm>
+                <a:off x="1594713" y="1080993"/>
+                <a:ext cx="892800" cy="407160"/>
+              </a:xfrm>
+              <a:prstGeom prst="rect">
+                <a:avLst/>
+              </a:prstGeom>
+            </p:spPr>
+          </p:pic>
+        </mc:Fallback>
+      </mc:AlternateContent>
+      <mc:AlternateContent xmlns:mc="http://schemas.openxmlformats.org/markup-compatibility/2006">
+        <mc:Choice xmlns:p14="http://schemas.microsoft.com/office/powerpoint/2010/main" Requires="p14">
+          <p:contentPart p14:bwMode="auto" r:id="rId6">
+            <p14:nvContentPartPr>
+              <p14:cNvPr id="8" name="Entrada de lápiz 7">
+                <a:extLst>
+                  <a:ext uri="{FF2B5EF4-FFF2-40B4-BE49-F238E27FC236}">
+                    <a16:creationId xmlns:a16="http://schemas.microsoft.com/office/drawing/2014/main" id="{B69D4206-98AD-0462-3C84-AC8CE514F45C}"/>
+                  </a:ext>
+                </a:extLst>
+              </p14:cNvPr>
+              <p14:cNvContentPartPr/>
+              <p14:nvPr/>
+            </p14:nvContentPartPr>
+            <p14:xfrm>
+              <a:off x="1579953" y="5512593"/>
+              <a:ext cx="3184200" cy="333720"/>
+            </p14:xfrm>
+          </p:contentPart>
+        </mc:Choice>
+        <mc:Fallback>
+          <p:pic>
+            <p:nvPicPr>
+              <p:cNvPr id="8" name="Entrada de lápiz 7">
+                <a:extLst>
+                  <a:ext uri="{FF2B5EF4-FFF2-40B4-BE49-F238E27FC236}">
+                    <a16:creationId xmlns:a16="http://schemas.microsoft.com/office/drawing/2014/main" id="{B69D4206-98AD-0462-3C84-AC8CE514F45C}"/>
+                  </a:ext>
+                </a:extLst>
+              </p:cNvPr>
+              <p:cNvPicPr/>
+              <p:nvPr/>
+            </p:nvPicPr>
+            <p:blipFill>
+              <a:blip r:embed="rId7"/>
+              <a:stretch>
+                <a:fillRect/>
+              </a:stretch>
+            </p:blipFill>
+            <p:spPr>
+              <a:xfrm>
+                <a:off x="1508313" y="5368953"/>
+                <a:ext cx="3327840" cy="621360"/>
+              </a:xfrm>
+              <a:prstGeom prst="rect">
+                <a:avLst/>
+              </a:prstGeom>
+            </p:spPr>
+          </p:pic>
+        </mc:Fallback>
+      </mc:AlternateContent>
+      <mc:AlternateContent xmlns:mc="http://schemas.openxmlformats.org/markup-compatibility/2006">
+        <mc:Choice xmlns:p14="http://schemas.microsoft.com/office/powerpoint/2010/main" Requires="p14">
+          <p:contentPart p14:bwMode="auto" r:id="rId8">
+            <p14:nvContentPartPr>
+              <p14:cNvPr id="9" name="Entrada de lápiz 8">
+                <a:extLst>
+                  <a:ext uri="{FF2B5EF4-FFF2-40B4-BE49-F238E27FC236}">
+                    <a16:creationId xmlns:a16="http://schemas.microsoft.com/office/drawing/2014/main" id="{FF7D65CC-A252-51F3-6B95-2487F81ED253}"/>
+                  </a:ext>
+                </a:extLst>
+              </p14:cNvPr>
+              <p14:cNvContentPartPr/>
+              <p14:nvPr/>
+            </p14:nvContentPartPr>
+            <p14:xfrm>
+              <a:off x="8397993" y="3222273"/>
+              <a:ext cx="242280" cy="124200"/>
+            </p14:xfrm>
+          </p:contentPart>
+        </mc:Choice>
+        <mc:Fallback>
+          <p:pic>
+            <p:nvPicPr>
+              <p:cNvPr id="9" name="Entrada de lápiz 8">
+                <a:extLst>
+                  <a:ext uri="{FF2B5EF4-FFF2-40B4-BE49-F238E27FC236}">
+                    <a16:creationId xmlns:a16="http://schemas.microsoft.com/office/drawing/2014/main" id="{FF7D65CC-A252-51F3-6B95-2487F81ED253}"/>
+                  </a:ext>
+                </a:extLst>
+              </p:cNvPr>
+              <p:cNvPicPr/>
+              <p:nvPr/>
+            </p:nvPicPr>
+            <p:blipFill>
+              <a:blip r:embed="rId9"/>
+              <a:stretch>
+                <a:fillRect/>
+              </a:stretch>
+            </p:blipFill>
+            <p:spPr>
+              <a:xfrm>
+                <a:off x="8326353" y="3078273"/>
+                <a:ext cx="385920" cy="411840"/>
+              </a:xfrm>
+              <a:prstGeom prst="rect">
+                <a:avLst/>
+              </a:prstGeom>
+            </p:spPr>
+          </p:pic>
+        </mc:Fallback>
+      </mc:AlternateContent>
+      <mc:AlternateContent xmlns:mc="http://schemas.openxmlformats.org/markup-compatibility/2006">
+        <mc:Choice xmlns:p14="http://schemas.microsoft.com/office/powerpoint/2010/main" Requires="p14">
+          <p:contentPart p14:bwMode="auto" r:id="rId10">
+            <p14:nvContentPartPr>
+              <p14:cNvPr id="10" name="Entrada de lápiz 9">
+                <a:extLst>
+                  <a:ext uri="{FF2B5EF4-FFF2-40B4-BE49-F238E27FC236}">
+                    <a16:creationId xmlns:a16="http://schemas.microsoft.com/office/drawing/2014/main" id="{E4A704A7-7773-8580-BAFB-282C47FCA2B4}"/>
+                  </a:ext>
+                </a:extLst>
+              </p14:cNvPr>
+              <p14:cNvContentPartPr/>
+              <p14:nvPr/>
+            </p14:nvContentPartPr>
+            <p14:xfrm>
+              <a:off x="8527953" y="3346473"/>
+              <a:ext cx="1360440" cy="722160"/>
+            </p14:xfrm>
+          </p:contentPart>
+        </mc:Choice>
+        <mc:Fallback>
+          <p:pic>
+            <p:nvPicPr>
+              <p:cNvPr id="10" name="Entrada de lápiz 9">
+                <a:extLst>
+                  <a:ext uri="{FF2B5EF4-FFF2-40B4-BE49-F238E27FC236}">
+                    <a16:creationId xmlns:a16="http://schemas.microsoft.com/office/drawing/2014/main" id="{E4A704A7-7773-8580-BAFB-282C47FCA2B4}"/>
+                  </a:ext>
+                </a:extLst>
+              </p:cNvPr>
+              <p:cNvPicPr/>
+              <p:nvPr/>
+            </p:nvPicPr>
+            <p:blipFill>
+              <a:blip r:embed="rId11"/>
+              <a:stretch>
+                <a:fillRect/>
+              </a:stretch>
+            </p:blipFill>
+            <p:spPr>
+              <a:xfrm>
+                <a:off x="8456313" y="3202473"/>
+                <a:ext cx="1504080" cy="1009800"/>
+              </a:xfrm>
+              <a:prstGeom prst="rect">
+                <a:avLst/>
+              </a:prstGeom>
+            </p:spPr>
+          </p:pic>
+        </mc:Fallback>
+      </mc:AlternateContent>
+    </p:spTree>
+    <p:extLst>
+      <p:ext uri="{BB962C8B-B14F-4D97-AF65-F5344CB8AC3E}">
+        <p14:creationId xmlns:p14="http://schemas.microsoft.com/office/powerpoint/2010/main" val="2227076034"/>
+      </p:ext>
+    </p:extLst>
+  </p:cSld>
+  <p:clrMapOvr>
+    <a:masterClrMapping/>
+  </p:clrMapOvr>
+</p:sld>
+</file>
+
+<file path=ppt/slides/slide44.xml><?xml version="1.0" encoding="utf-8"?>
+<p:sld xmlns:a="http://schemas.openxmlformats.org/drawingml/2006/main" xmlns:r="http://schemas.openxmlformats.org/officeDocument/2006/relationships" xmlns:p="http://schemas.openxmlformats.org/presentationml/2006/main">
+  <p:cSld>
+    <p:spTree>
+      <p:nvGrpSpPr>
+        <p:cNvPr id="1" name=""/>
+        <p:cNvGrpSpPr/>
+        <p:nvPr/>
+      </p:nvGrpSpPr>
+      <p:grpSpPr>
+        <a:xfrm>
+          <a:off x="0" y="0"/>
+          <a:ext cx="0" cy="0"/>
+          <a:chOff x="0" y="0"/>
+          <a:chExt cx="0" cy="0"/>
+        </a:xfrm>
+      </p:grpSpPr>
+      <p:pic>
+        <p:nvPicPr>
+          <p:cNvPr id="3" name="Imagen 2">
+            <a:extLst>
+              <a:ext uri="{FF2B5EF4-FFF2-40B4-BE49-F238E27FC236}">
+                <a16:creationId xmlns:a16="http://schemas.microsoft.com/office/drawing/2014/main" id="{465FD363-3251-03E7-C396-6C4D5FBA78A7}"/>
+              </a:ext>
+            </a:extLst>
+          </p:cNvPr>
+          <p:cNvPicPr>
+            <a:picLocks noChangeAspect="1"/>
+          </p:cNvPicPr>
+          <p:nvPr/>
+        </p:nvPicPr>
+        <p:blipFill>
+          <a:blip r:embed="rId2"/>
+          <a:stretch>
+            <a:fillRect/>
+          </a:stretch>
+        </p:blipFill>
+        <p:spPr>
+          <a:xfrm>
+            <a:off x="655589" y="1582673"/>
+            <a:ext cx="6211167" cy="4686954"/>
+          </a:xfrm>
+          <a:prstGeom prst="rect">
+            <a:avLst/>
+          </a:prstGeom>
+        </p:spPr>
+      </p:pic>
+      <p:sp>
+        <p:nvSpPr>
+          <p:cNvPr id="4" name="CuadroTexto 3">
+            <a:extLst>
+              <a:ext uri="{FF2B5EF4-FFF2-40B4-BE49-F238E27FC236}">
+                <a16:creationId xmlns:a16="http://schemas.microsoft.com/office/drawing/2014/main" id="{B453E425-BF12-D53B-5F85-846627EFBFAF}"/>
+              </a:ext>
+            </a:extLst>
+          </p:cNvPr>
+          <p:cNvSpPr txBox="1"/>
+          <p:nvPr/>
+        </p:nvSpPr>
+        <p:spPr>
+          <a:xfrm>
+            <a:off x="1331650" y="417250"/>
+            <a:ext cx="4048218" cy="369332"/>
+          </a:xfrm>
+          <a:prstGeom prst="rect">
+            <a:avLst/>
+          </a:prstGeom>
+          <a:noFill/>
+        </p:spPr>
+        <p:txBody>
+          <a:bodyPr wrap="square" rtlCol="0">
+            <a:spAutoFit/>
+          </a:bodyPr>
+          <a:lstStyle/>
+          <a:p>
+            <a:r>
+              <a:rPr lang="es-MX" dirty="0"/>
+              <a:t>Estas son las diagonales en BRACES </a:t>
+            </a:r>
+            <a:endParaRPr lang="es-GT" dirty="0"/>
+          </a:p>
+        </p:txBody>
+      </p:sp>
+      <mc:AlternateContent xmlns:mc="http://schemas.openxmlformats.org/markup-compatibility/2006">
+        <mc:Choice xmlns:p14="http://schemas.microsoft.com/office/powerpoint/2010/main" Requires="p14">
+          <p:contentPart p14:bwMode="auto" r:id="rId3">
+            <p14:nvContentPartPr>
+              <p14:cNvPr id="5" name="Entrada de lápiz 4">
+                <a:extLst>
+                  <a:ext uri="{FF2B5EF4-FFF2-40B4-BE49-F238E27FC236}">
+                    <a16:creationId xmlns:a16="http://schemas.microsoft.com/office/drawing/2014/main" id="{FE24852A-BA3B-B18C-0125-C3288702AC5D}"/>
+                  </a:ext>
+                </a:extLst>
+              </p14:cNvPr>
+              <p14:cNvContentPartPr/>
+              <p14:nvPr/>
+            </p14:nvContentPartPr>
+            <p14:xfrm>
+              <a:off x="1526673" y="2295633"/>
+              <a:ext cx="1802520" cy="9720"/>
+            </p14:xfrm>
+          </p:contentPart>
+        </mc:Choice>
+        <mc:Fallback>
+          <p:pic>
+            <p:nvPicPr>
+              <p:cNvPr id="5" name="Entrada de lápiz 4">
+                <a:extLst>
+                  <a:ext uri="{FF2B5EF4-FFF2-40B4-BE49-F238E27FC236}">
+                    <a16:creationId xmlns:a16="http://schemas.microsoft.com/office/drawing/2014/main" id="{FE24852A-BA3B-B18C-0125-C3288702AC5D}"/>
+                  </a:ext>
+                </a:extLst>
+              </p:cNvPr>
+              <p:cNvPicPr/>
+              <p:nvPr/>
+            </p:nvPicPr>
+            <p:blipFill>
+              <a:blip r:embed="rId4"/>
+              <a:stretch>
+                <a:fillRect/>
+              </a:stretch>
+            </p:blipFill>
+            <p:spPr>
+              <a:xfrm>
+                <a:off x="1455033" y="2151633"/>
+                <a:ext cx="1946160" cy="297360"/>
+              </a:xfrm>
+              <a:prstGeom prst="rect">
+                <a:avLst/>
+              </a:prstGeom>
+            </p:spPr>
+          </p:pic>
+        </mc:Fallback>
+      </mc:AlternateContent>
+      <mc:AlternateContent xmlns:mc="http://schemas.openxmlformats.org/markup-compatibility/2006">
+        <mc:Choice xmlns:p14="http://schemas.microsoft.com/office/powerpoint/2010/main" Requires="p14">
+          <p:contentPart p14:bwMode="auto" r:id="rId5">
+            <p14:nvContentPartPr>
+              <p14:cNvPr id="6" name="Entrada de lápiz 5">
+                <a:extLst>
+                  <a:ext uri="{FF2B5EF4-FFF2-40B4-BE49-F238E27FC236}">
+                    <a16:creationId xmlns:a16="http://schemas.microsoft.com/office/drawing/2014/main" id="{F81CB4DE-7952-F382-C8D9-2AB982B6142F}"/>
+                  </a:ext>
+                </a:extLst>
+              </p14:cNvPr>
+              <p14:cNvContentPartPr/>
+              <p14:nvPr/>
+            </p14:nvContentPartPr>
+            <p14:xfrm>
+              <a:off x="2386713" y="3062433"/>
+              <a:ext cx="629280" cy="1804320"/>
+            </p14:xfrm>
+          </p:contentPart>
+        </mc:Choice>
+        <mc:Fallback>
+          <p:pic>
+            <p:nvPicPr>
+              <p:cNvPr id="6" name="Entrada de lápiz 5">
+                <a:extLst>
+                  <a:ext uri="{FF2B5EF4-FFF2-40B4-BE49-F238E27FC236}">
+                    <a16:creationId xmlns:a16="http://schemas.microsoft.com/office/drawing/2014/main" id="{F81CB4DE-7952-F382-C8D9-2AB982B6142F}"/>
+                  </a:ext>
+                </a:extLst>
+              </p:cNvPr>
+              <p:cNvPicPr/>
+              <p:nvPr/>
+            </p:nvPicPr>
+            <p:blipFill>
+              <a:blip r:embed="rId6"/>
+              <a:stretch>
+                <a:fillRect/>
+              </a:stretch>
+            </p:blipFill>
+            <p:spPr>
+              <a:xfrm>
+                <a:off x="2315073" y="2918433"/>
+                <a:ext cx="772920" cy="2091960"/>
+              </a:xfrm>
+              <a:prstGeom prst="rect">
+                <a:avLst/>
+              </a:prstGeom>
+            </p:spPr>
+          </p:pic>
+        </mc:Fallback>
+      </mc:AlternateContent>
+      <p:pic>
+        <p:nvPicPr>
+          <p:cNvPr id="11" name="Imagen 10">
+            <a:extLst>
+              <a:ext uri="{FF2B5EF4-FFF2-40B4-BE49-F238E27FC236}">
+                <a16:creationId xmlns:a16="http://schemas.microsoft.com/office/drawing/2014/main" id="{A8B10677-9155-8D17-492B-544AC05A9BFD}"/>
+              </a:ext>
+            </a:extLst>
+          </p:cNvPr>
+          <p:cNvPicPr>
+            <a:picLocks noChangeAspect="1"/>
+          </p:cNvPicPr>
+          <p:nvPr/>
+        </p:nvPicPr>
+        <p:blipFill>
+          <a:blip r:embed="rId7"/>
+          <a:stretch>
+            <a:fillRect/>
+          </a:stretch>
+        </p:blipFill>
+        <p:spPr>
+          <a:xfrm>
+            <a:off x="6727522" y="1267834"/>
+            <a:ext cx="3511173" cy="1794599"/>
+          </a:xfrm>
+          <a:prstGeom prst="rect">
+            <a:avLst/>
+          </a:prstGeom>
+        </p:spPr>
+      </p:pic>
+      <p:pic>
+        <p:nvPicPr>
+          <p:cNvPr id="13" name="Imagen 12">
+            <a:extLst>
+              <a:ext uri="{FF2B5EF4-FFF2-40B4-BE49-F238E27FC236}">
+                <a16:creationId xmlns:a16="http://schemas.microsoft.com/office/drawing/2014/main" id="{758CC5B2-08F1-3140-9BF9-BE5DB8C8240A}"/>
+              </a:ext>
+            </a:extLst>
+          </p:cNvPr>
+          <p:cNvPicPr>
+            <a:picLocks noChangeAspect="1"/>
+          </p:cNvPicPr>
+          <p:nvPr/>
+        </p:nvPicPr>
+        <p:blipFill>
+          <a:blip r:embed="rId8"/>
+          <a:stretch>
+            <a:fillRect/>
+          </a:stretch>
+        </p:blipFill>
+        <p:spPr>
+          <a:xfrm>
+            <a:off x="6866756" y="3546653"/>
+            <a:ext cx="3656942" cy="2605571"/>
+          </a:xfrm>
+          <a:prstGeom prst="rect">
+            <a:avLst/>
+          </a:prstGeom>
+        </p:spPr>
+      </p:pic>
+      <mc:AlternateContent xmlns:mc="http://schemas.openxmlformats.org/markup-compatibility/2006">
+        <mc:Choice xmlns:p14="http://schemas.microsoft.com/office/powerpoint/2010/main" Requires="p14">
+          <p:contentPart p14:bwMode="auto" r:id="rId9">
+            <p14:nvContentPartPr>
+              <p14:cNvPr id="14" name="Entrada de lápiz 13">
+                <a:extLst>
+                  <a:ext uri="{FF2B5EF4-FFF2-40B4-BE49-F238E27FC236}">
+                    <a16:creationId xmlns:a16="http://schemas.microsoft.com/office/drawing/2014/main" id="{332DF295-96CE-B971-550A-5DDA84D253E7}"/>
+                  </a:ext>
+                </a:extLst>
+              </p14:cNvPr>
+              <p14:cNvContentPartPr/>
+              <p14:nvPr/>
+            </p14:nvContentPartPr>
+            <p14:xfrm>
+              <a:off x="8152113" y="2228313"/>
+              <a:ext cx="991440" cy="571680"/>
+            </p14:xfrm>
+          </p:contentPart>
+        </mc:Choice>
+        <mc:Fallback>
+          <p:pic>
+            <p:nvPicPr>
+              <p:cNvPr id="14" name="Entrada de lápiz 13">
+                <a:extLst>
+                  <a:ext uri="{FF2B5EF4-FFF2-40B4-BE49-F238E27FC236}">
+                    <a16:creationId xmlns:a16="http://schemas.microsoft.com/office/drawing/2014/main" id="{332DF295-96CE-B971-550A-5DDA84D253E7}"/>
+                  </a:ext>
+                </a:extLst>
+              </p:cNvPr>
+              <p:cNvPicPr/>
+              <p:nvPr/>
+            </p:nvPicPr>
+            <p:blipFill>
+              <a:blip r:embed="rId10"/>
+              <a:stretch>
+                <a:fillRect/>
+              </a:stretch>
+            </p:blipFill>
+            <p:spPr>
+              <a:xfrm>
+                <a:off x="8080473" y="2084673"/>
+                <a:ext cx="1135080" cy="859320"/>
+              </a:xfrm>
+              <a:prstGeom prst="rect">
+                <a:avLst/>
+              </a:prstGeom>
+            </p:spPr>
+          </p:pic>
+        </mc:Fallback>
+      </mc:AlternateContent>
+      <mc:AlternateContent xmlns:mc="http://schemas.openxmlformats.org/markup-compatibility/2006">
+        <mc:Choice xmlns:p14="http://schemas.microsoft.com/office/powerpoint/2010/main" Requires="p14">
+          <p:contentPart p14:bwMode="auto" r:id="rId11">
+            <p14:nvContentPartPr>
+              <p14:cNvPr id="15" name="Entrada de lápiz 14">
+                <a:extLst>
+                  <a:ext uri="{FF2B5EF4-FFF2-40B4-BE49-F238E27FC236}">
+                    <a16:creationId xmlns:a16="http://schemas.microsoft.com/office/drawing/2014/main" id="{C31EEEAB-5FA9-1142-2291-D6F221FDBBF7}"/>
+                  </a:ext>
+                </a:extLst>
+              </p14:cNvPr>
+              <p14:cNvContentPartPr/>
+              <p14:nvPr/>
+            </p14:nvContentPartPr>
+            <p14:xfrm>
+              <a:off x="2816193" y="3398673"/>
+              <a:ext cx="5393520" cy="1523880"/>
+            </p14:xfrm>
+          </p:contentPart>
+        </mc:Choice>
+        <mc:Fallback>
+          <p:pic>
+            <p:nvPicPr>
+              <p:cNvPr id="15" name="Entrada de lápiz 14">
+                <a:extLst>
+                  <a:ext uri="{FF2B5EF4-FFF2-40B4-BE49-F238E27FC236}">
+                    <a16:creationId xmlns:a16="http://schemas.microsoft.com/office/drawing/2014/main" id="{C31EEEAB-5FA9-1142-2291-D6F221FDBBF7}"/>
+                  </a:ext>
+                </a:extLst>
+              </p:cNvPr>
+              <p:cNvPicPr/>
+              <p:nvPr/>
+            </p:nvPicPr>
+            <p:blipFill>
+              <a:blip r:embed="rId12"/>
+              <a:stretch>
+                <a:fillRect/>
+              </a:stretch>
+            </p:blipFill>
+            <p:spPr>
+              <a:xfrm>
+                <a:off x="2744553" y="3255033"/>
+                <a:ext cx="5537160" cy="1811520"/>
+              </a:xfrm>
+              <a:prstGeom prst="rect">
+                <a:avLst/>
+              </a:prstGeom>
+            </p:spPr>
+          </p:pic>
+        </mc:Fallback>
+      </mc:AlternateContent>
+      <mc:AlternateContent xmlns:mc="http://schemas.openxmlformats.org/markup-compatibility/2006">
+        <mc:Choice xmlns:p14="http://schemas.microsoft.com/office/powerpoint/2010/main" Requires="p14">
+          <p:contentPart p14:bwMode="auto" r:id="rId13">
+            <p14:nvContentPartPr>
+              <p14:cNvPr id="16" name="Entrada de lápiz 15">
+                <a:extLst>
+                  <a:ext uri="{FF2B5EF4-FFF2-40B4-BE49-F238E27FC236}">
+                    <a16:creationId xmlns:a16="http://schemas.microsoft.com/office/drawing/2014/main" id="{D0F4F779-707D-56F9-1E7F-46309B44E524}"/>
+                  </a:ext>
+                </a:extLst>
+              </p14:cNvPr>
+              <p14:cNvContentPartPr/>
+              <p14:nvPr/>
+            </p14:nvContentPartPr>
+            <p14:xfrm>
+              <a:off x="2352153" y="2582913"/>
+              <a:ext cx="6188040" cy="2130840"/>
+            </p14:xfrm>
+          </p:contentPart>
+        </mc:Choice>
+        <mc:Fallback>
+          <p:pic>
+            <p:nvPicPr>
+              <p:cNvPr id="16" name="Entrada de lápiz 15">
+                <a:extLst>
+                  <a:ext uri="{FF2B5EF4-FFF2-40B4-BE49-F238E27FC236}">
+                    <a16:creationId xmlns:a16="http://schemas.microsoft.com/office/drawing/2014/main" id="{D0F4F779-707D-56F9-1E7F-46309B44E524}"/>
+                  </a:ext>
+                </a:extLst>
+              </p:cNvPr>
+              <p:cNvPicPr/>
+              <p:nvPr/>
+            </p:nvPicPr>
+            <p:blipFill>
+              <a:blip r:embed="rId14"/>
+              <a:stretch>
+                <a:fillRect/>
+              </a:stretch>
+            </p:blipFill>
+            <p:spPr>
+              <a:xfrm>
+                <a:off x="2280153" y="2439273"/>
+                <a:ext cx="6331680" cy="2418480"/>
+              </a:xfrm>
+              <a:prstGeom prst="rect">
+                <a:avLst/>
+              </a:prstGeom>
+            </p:spPr>
+          </p:pic>
+        </mc:Fallback>
+      </mc:AlternateContent>
+    </p:spTree>
+    <p:extLst>
+      <p:ext uri="{BB962C8B-B14F-4D97-AF65-F5344CB8AC3E}">
+        <p14:creationId xmlns:p14="http://schemas.microsoft.com/office/powerpoint/2010/main" val="3880823803"/>
+      </p:ext>
+    </p:extLst>
+  </p:cSld>
+  <p:clrMapOvr>
+    <a:masterClrMapping/>
+  </p:clrMapOvr>
+</p:sld>
+</file>
+
+<file path=ppt/slides/slide45.xml><?xml version="1.0" encoding="utf-8"?>
+<p:sld xmlns:a="http://schemas.openxmlformats.org/drawingml/2006/main" xmlns:r="http://schemas.openxmlformats.org/officeDocument/2006/relationships" xmlns:p="http://schemas.openxmlformats.org/presentationml/2006/main">
+  <p:cSld>
+    <p:spTree>
+      <p:nvGrpSpPr>
+        <p:cNvPr id="1" name=""/>
+        <p:cNvGrpSpPr/>
+        <p:nvPr/>
+      </p:nvGrpSpPr>
+      <p:grpSpPr>
+        <a:xfrm>
+          <a:off x="0" y="0"/>
+          <a:ext cx="0" cy="0"/>
+          <a:chOff x="0" y="0"/>
+          <a:chExt cx="0" cy="0"/>
+        </a:xfrm>
+      </p:grpSpPr>
+      <p:sp>
+        <p:nvSpPr>
+          <p:cNvPr id="2" name="CuadroTexto 1">
+            <a:extLst>
+              <a:ext uri="{FF2B5EF4-FFF2-40B4-BE49-F238E27FC236}">
+                <a16:creationId xmlns:a16="http://schemas.microsoft.com/office/drawing/2014/main" id="{13B1283F-C5EA-0BE9-5DB4-E07CBAC772C5}"/>
+              </a:ext>
+            </a:extLst>
+          </p:cNvPr>
+          <p:cNvSpPr txBox="1"/>
+          <p:nvPr/>
+        </p:nvSpPr>
+        <p:spPr>
+          <a:xfrm>
+            <a:off x="1695635" y="621437"/>
+            <a:ext cx="3409025" cy="1200329"/>
+          </a:xfrm>
+          <a:prstGeom prst="rect">
+            <a:avLst/>
+          </a:prstGeom>
+          <a:noFill/>
+        </p:spPr>
+        <p:txBody>
+          <a:bodyPr wrap="square" rtlCol="0">
+            <a:spAutoFit/>
+          </a:bodyPr>
+          <a:lstStyle/>
+          <a:p>
+            <a:r>
+              <a:rPr lang="es-MX" dirty="0"/>
+              <a:t>AHORA COMO SABEMOS CUAL ES CUAL ENTRE LOS VALORES DE LAS TABLAS, ES A TRAVEZ DE LA OPCION UNIT NAME </a:t>
+            </a:r>
+            <a:endParaRPr lang="es-GT" dirty="0"/>
+          </a:p>
+        </p:txBody>
+      </p:sp>
+      <p:pic>
+        <p:nvPicPr>
+          <p:cNvPr id="4" name="Imagen 3">
+            <a:extLst>
+              <a:ext uri="{FF2B5EF4-FFF2-40B4-BE49-F238E27FC236}">
+                <a16:creationId xmlns:a16="http://schemas.microsoft.com/office/drawing/2014/main" id="{9D0A99B3-7E76-7DCF-AF83-4CF1406917AE}"/>
+              </a:ext>
+            </a:extLst>
+          </p:cNvPr>
+          <p:cNvPicPr>
+            <a:picLocks noChangeAspect="1"/>
+          </p:cNvPicPr>
+          <p:nvPr/>
+        </p:nvPicPr>
+        <p:blipFill>
+          <a:blip r:embed="rId2"/>
+          <a:stretch>
+            <a:fillRect/>
+          </a:stretch>
+        </p:blipFill>
+        <p:spPr>
+          <a:xfrm>
+            <a:off x="1458848" y="2241924"/>
+            <a:ext cx="8250413" cy="4080180"/>
+          </a:xfrm>
+          <a:prstGeom prst="rect">
+            <a:avLst/>
+          </a:prstGeom>
+        </p:spPr>
+      </p:pic>
+      <mc:AlternateContent xmlns:mc="http://schemas.openxmlformats.org/markup-compatibility/2006">
+        <mc:Choice xmlns:p14="http://schemas.microsoft.com/office/powerpoint/2010/main" Requires="p14">
+          <p:contentPart p14:bwMode="auto" r:id="rId3">
+            <p14:nvContentPartPr>
+              <p14:cNvPr id="5" name="Entrada de lápiz 4">
+                <a:extLst>
+                  <a:ext uri="{FF2B5EF4-FFF2-40B4-BE49-F238E27FC236}">
+                    <a16:creationId xmlns:a16="http://schemas.microsoft.com/office/drawing/2014/main" id="{FBB45DE7-1641-1CB8-3D09-E62DE4AB4DF9}"/>
+                  </a:ext>
+                </a:extLst>
+              </p14:cNvPr>
+              <p14:cNvContentPartPr/>
+              <p14:nvPr/>
+            </p14:nvContentPartPr>
+            <p14:xfrm>
+              <a:off x="3330993" y="3195633"/>
+              <a:ext cx="714960" cy="2102400"/>
+            </p14:xfrm>
+          </p:contentPart>
+        </mc:Choice>
+        <mc:Fallback>
+          <p:pic>
+            <p:nvPicPr>
+              <p:cNvPr id="5" name="Entrada de lápiz 4">
+                <a:extLst>
+                  <a:ext uri="{FF2B5EF4-FFF2-40B4-BE49-F238E27FC236}">
+                    <a16:creationId xmlns:a16="http://schemas.microsoft.com/office/drawing/2014/main" id="{FBB45DE7-1641-1CB8-3D09-E62DE4AB4DF9}"/>
+                  </a:ext>
+                </a:extLst>
+              </p:cNvPr>
+              <p:cNvPicPr/>
+              <p:nvPr/>
+            </p:nvPicPr>
+            <p:blipFill>
+              <a:blip r:embed="rId4"/>
+              <a:stretch>
+                <a:fillRect/>
+              </a:stretch>
+            </p:blipFill>
+            <p:spPr>
+              <a:xfrm>
+                <a:off x="3259353" y="3051993"/>
+                <a:ext cx="858600" cy="2390040"/>
+              </a:xfrm>
+              <a:prstGeom prst="rect">
+                <a:avLst/>
+              </a:prstGeom>
+            </p:spPr>
+          </p:pic>
+        </mc:Fallback>
+      </mc:AlternateContent>
+      <mc:AlternateContent xmlns:mc="http://schemas.openxmlformats.org/markup-compatibility/2006">
+        <mc:Choice xmlns:p14="http://schemas.microsoft.com/office/powerpoint/2010/main" Requires="p14">
+          <p:contentPart p14:bwMode="auto" r:id="rId5">
+            <p14:nvContentPartPr>
+              <p14:cNvPr id="6" name="Entrada de lápiz 5">
+                <a:extLst>
+                  <a:ext uri="{FF2B5EF4-FFF2-40B4-BE49-F238E27FC236}">
+                    <a16:creationId xmlns:a16="http://schemas.microsoft.com/office/drawing/2014/main" id="{52541725-9DB4-5C8D-3B7E-1ECCF48491F1}"/>
+                  </a:ext>
+                </a:extLst>
+              </p14:cNvPr>
+              <p14:cNvContentPartPr/>
+              <p14:nvPr/>
+            </p14:nvContentPartPr>
+            <p14:xfrm>
+              <a:off x="2654193" y="1695153"/>
+              <a:ext cx="1167840" cy="72360"/>
+            </p14:xfrm>
+          </p:contentPart>
+        </mc:Choice>
+        <mc:Fallback>
+          <p:pic>
+            <p:nvPicPr>
+              <p:cNvPr id="6" name="Entrada de lápiz 5">
+                <a:extLst>
+                  <a:ext uri="{FF2B5EF4-FFF2-40B4-BE49-F238E27FC236}">
+                    <a16:creationId xmlns:a16="http://schemas.microsoft.com/office/drawing/2014/main" id="{52541725-9DB4-5C8D-3B7E-1ECCF48491F1}"/>
+                  </a:ext>
+                </a:extLst>
+              </p:cNvPr>
+              <p:cNvPicPr/>
+              <p:nvPr/>
+            </p:nvPicPr>
+            <p:blipFill>
+              <a:blip r:embed="rId6"/>
+              <a:stretch>
+                <a:fillRect/>
+              </a:stretch>
+            </p:blipFill>
+            <p:spPr>
+              <a:xfrm>
+                <a:off x="2582193" y="1551153"/>
+                <a:ext cx="1311480" cy="360000"/>
+              </a:xfrm>
+              <a:prstGeom prst="rect">
+                <a:avLst/>
+              </a:prstGeom>
+            </p:spPr>
+          </p:pic>
+        </mc:Fallback>
+      </mc:AlternateContent>
+    </p:spTree>
+    <p:extLst>
+      <p:ext uri="{BB962C8B-B14F-4D97-AF65-F5344CB8AC3E}">
+        <p14:creationId xmlns:p14="http://schemas.microsoft.com/office/powerpoint/2010/main" val="3103628122"/>
+      </p:ext>
+    </p:extLst>
+  </p:cSld>
+  <p:clrMapOvr>
+    <a:masterClrMapping/>
+  </p:clrMapOvr>
+</p:sld>
+</file>
+
+<file path=ppt/slides/slide46.xml><?xml version="1.0" encoding="utf-8"?>
+<p:sld xmlns:a="http://schemas.openxmlformats.org/drawingml/2006/main" xmlns:r="http://schemas.openxmlformats.org/officeDocument/2006/relationships" xmlns:p="http://schemas.openxmlformats.org/presentationml/2006/main">
+  <p:cSld>
+    <p:spTree>
+      <p:nvGrpSpPr>
+        <p:cNvPr id="1" name=""/>
+        <p:cNvGrpSpPr/>
+        <p:nvPr/>
+      </p:nvGrpSpPr>
+      <p:grpSpPr>
+        <a:xfrm>
+          <a:off x="0" y="0"/>
+          <a:ext cx="0" cy="0"/>
+          <a:chOff x="0" y="0"/>
+          <a:chExt cx="0" cy="0"/>
+        </a:xfrm>
+      </p:grpSpPr>
+      <p:sp>
+        <p:nvSpPr>
+          <p:cNvPr id="2" name="CuadroTexto 1">
+            <a:extLst>
+              <a:ext uri="{FF2B5EF4-FFF2-40B4-BE49-F238E27FC236}">
+                <a16:creationId xmlns:a16="http://schemas.microsoft.com/office/drawing/2014/main" id="{E15626AF-3BD9-A6C3-281D-1351BA33D4AF}"/>
+              </a:ext>
+            </a:extLst>
+          </p:cNvPr>
+          <p:cNvSpPr txBox="1"/>
+          <p:nvPr/>
+        </p:nvSpPr>
+        <p:spPr>
+          <a:xfrm>
+            <a:off x="1331650" y="523783"/>
+            <a:ext cx="7235301" cy="646331"/>
+          </a:xfrm>
+          <a:prstGeom prst="rect">
+            <a:avLst/>
+          </a:prstGeom>
+          <a:noFill/>
+        </p:spPr>
+        <p:txBody>
+          <a:bodyPr wrap="square" rtlCol="0">
+            <a:spAutoFit/>
+          </a:bodyPr>
+          <a:lstStyle/>
+          <a:p>
+            <a:r>
+              <a:rPr lang="es-MX" dirty="0"/>
+              <a:t>PARA SABER LOS VALORES EN CADA TRAMO CLIC DERECHO DONDE NOS DAN MAS DETALLES  </a:t>
+            </a:r>
+            <a:endParaRPr lang="es-GT" dirty="0"/>
+          </a:p>
+        </p:txBody>
+      </p:sp>
+      <p:pic>
+        <p:nvPicPr>
+          <p:cNvPr id="4" name="Imagen 3">
+            <a:extLst>
+              <a:ext uri="{FF2B5EF4-FFF2-40B4-BE49-F238E27FC236}">
+                <a16:creationId xmlns:a16="http://schemas.microsoft.com/office/drawing/2014/main" id="{E02BA437-8D3C-3A49-B903-5FD7E745467D}"/>
+              </a:ext>
+            </a:extLst>
+          </p:cNvPr>
+          <p:cNvPicPr>
+            <a:picLocks noChangeAspect="1"/>
+          </p:cNvPicPr>
+          <p:nvPr/>
+        </p:nvPicPr>
+        <p:blipFill>
+          <a:blip r:embed="rId2"/>
+          <a:stretch>
+            <a:fillRect/>
+          </a:stretch>
+        </p:blipFill>
+        <p:spPr>
+          <a:xfrm>
+            <a:off x="1180730" y="1867757"/>
+            <a:ext cx="2924583" cy="2962688"/>
+          </a:xfrm>
+          <a:prstGeom prst="rect">
+            <a:avLst/>
+          </a:prstGeom>
+        </p:spPr>
+      </p:pic>
+      <p:pic>
+        <p:nvPicPr>
+          <p:cNvPr id="6" name="Imagen 5">
+            <a:extLst>
+              <a:ext uri="{FF2B5EF4-FFF2-40B4-BE49-F238E27FC236}">
+                <a16:creationId xmlns:a16="http://schemas.microsoft.com/office/drawing/2014/main" id="{96DCC887-188A-C2B1-0713-AD24CE2F6E5F}"/>
+              </a:ext>
+            </a:extLst>
+          </p:cNvPr>
+          <p:cNvPicPr>
+            <a:picLocks noChangeAspect="1"/>
+          </p:cNvPicPr>
+          <p:nvPr/>
+        </p:nvPicPr>
+        <p:blipFill>
+          <a:blip r:embed="rId3"/>
+          <a:stretch>
+            <a:fillRect/>
+          </a:stretch>
+        </p:blipFill>
+        <p:spPr>
+          <a:xfrm>
+            <a:off x="5168448" y="1285863"/>
+            <a:ext cx="5369346" cy="4665910"/>
+          </a:xfrm>
+          <a:prstGeom prst="rect">
+            <a:avLst/>
+          </a:prstGeom>
+        </p:spPr>
+      </p:pic>
+      <mc:AlternateContent xmlns:mc="http://schemas.openxmlformats.org/markup-compatibility/2006">
+        <mc:Choice xmlns:p14="http://schemas.microsoft.com/office/powerpoint/2010/main" Requires="p14">
+          <p:contentPart p14:bwMode="auto" r:id="rId4">
+            <p14:nvContentPartPr>
+              <p14:cNvPr id="7" name="Entrada de lápiz 6">
+                <a:extLst>
+                  <a:ext uri="{FF2B5EF4-FFF2-40B4-BE49-F238E27FC236}">
+                    <a16:creationId xmlns:a16="http://schemas.microsoft.com/office/drawing/2014/main" id="{997D313A-6545-84E4-67DC-D12443CB031D}"/>
+                  </a:ext>
+                </a:extLst>
+              </p14:cNvPr>
+              <p14:cNvContentPartPr/>
+              <p14:nvPr/>
+            </p14:nvContentPartPr>
+            <p14:xfrm>
+              <a:off x="2037873" y="2917353"/>
+              <a:ext cx="1469520" cy="857880"/>
+            </p14:xfrm>
+          </p:contentPart>
+        </mc:Choice>
+        <mc:Fallback>
+          <p:pic>
+            <p:nvPicPr>
+              <p:cNvPr id="7" name="Entrada de lápiz 6">
+                <a:extLst>
+                  <a:ext uri="{FF2B5EF4-FFF2-40B4-BE49-F238E27FC236}">
+                    <a16:creationId xmlns:a16="http://schemas.microsoft.com/office/drawing/2014/main" id="{997D313A-6545-84E4-67DC-D12443CB031D}"/>
+                  </a:ext>
+                </a:extLst>
+              </p:cNvPr>
+              <p:cNvPicPr/>
+              <p:nvPr/>
+            </p:nvPicPr>
+            <p:blipFill>
+              <a:blip r:embed="rId5"/>
+              <a:stretch>
+                <a:fillRect/>
+              </a:stretch>
+            </p:blipFill>
+            <p:spPr>
+              <a:xfrm>
+                <a:off x="1966233" y="2773353"/>
+                <a:ext cx="1613160" cy="1145520"/>
+              </a:xfrm>
+              <a:prstGeom prst="rect">
+                <a:avLst/>
+              </a:prstGeom>
+            </p:spPr>
+          </p:pic>
+        </mc:Fallback>
+      </mc:AlternateContent>
+    </p:spTree>
+    <p:extLst>
+      <p:ext uri="{BB962C8B-B14F-4D97-AF65-F5344CB8AC3E}">
+        <p14:creationId xmlns:p14="http://schemas.microsoft.com/office/powerpoint/2010/main" val="1168105967"/>
+      </p:ext>
+    </p:extLst>
+  </p:cSld>
+  <p:clrMapOvr>
+    <a:masterClrMapping/>
+  </p:clrMapOvr>
+</p:sld>
+</file>
+
+<file path=ppt/slides/slide47.xml><?xml version="1.0" encoding="utf-8"?>
+<p:sld xmlns:a="http://schemas.openxmlformats.org/drawingml/2006/main" xmlns:r="http://schemas.openxmlformats.org/officeDocument/2006/relationships" xmlns:p="http://schemas.openxmlformats.org/presentationml/2006/main">
+  <p:cSld>
+    <p:spTree>
+      <p:nvGrpSpPr>
+        <p:cNvPr id="1" name=""/>
+        <p:cNvGrpSpPr/>
+        <p:nvPr/>
+      </p:nvGrpSpPr>
+      <p:grpSpPr>
+        <a:xfrm>
+          <a:off x="0" y="0"/>
+          <a:ext cx="0" cy="0"/>
+          <a:chOff x="0" y="0"/>
+          <a:chExt cx="0" cy="0"/>
+        </a:xfrm>
+      </p:grpSpPr>
+      <p:sp>
+        <p:nvSpPr>
+          <p:cNvPr id="2" name="CuadroTexto 1">
+            <a:extLst>
+              <a:ext uri="{FF2B5EF4-FFF2-40B4-BE49-F238E27FC236}">
+                <a16:creationId xmlns:a16="http://schemas.microsoft.com/office/drawing/2014/main" id="{1004F3E3-B341-A908-B931-4C28F172DA17}"/>
+              </a:ext>
+            </a:extLst>
+          </p:cNvPr>
+          <p:cNvSpPr txBox="1"/>
+          <p:nvPr/>
+        </p:nvSpPr>
+        <p:spPr>
+          <a:xfrm>
+            <a:off x="949911" y="461639"/>
+            <a:ext cx="10377996" cy="646331"/>
+          </a:xfrm>
+          <a:prstGeom prst="rect">
+            <a:avLst/>
+          </a:prstGeom>
+          <a:noFill/>
+        </p:spPr>
+        <p:txBody>
+          <a:bodyPr wrap="square" rtlCol="0">
+            <a:spAutoFit/>
+          </a:bodyPr>
+          <a:lstStyle/>
+          <a:p>
+            <a:r>
+              <a:rPr lang="es-MX" dirty="0"/>
+              <a:t>Y CUANDO NO ESTAN SELECCIONADOS LE PODEMOS DAR CLICK DERECHO DONDE NOS DAN SU NOMBRE UNICO, </a:t>
+            </a:r>
+            <a:r>
+              <a:rPr lang="es-MX" b="1" dirty="0"/>
+              <a:t>LO SELECCIONAMOS LUEGO CLICK DERECHO, Y NOS PROPOCIONA SU NOMBRE UNICO  </a:t>
+            </a:r>
+            <a:endParaRPr lang="es-GT" dirty="0"/>
+          </a:p>
+        </p:txBody>
+      </p:sp>
+      <p:pic>
+        <p:nvPicPr>
+          <p:cNvPr id="4" name="Imagen 3">
+            <a:extLst>
+              <a:ext uri="{FF2B5EF4-FFF2-40B4-BE49-F238E27FC236}">
+                <a16:creationId xmlns:a16="http://schemas.microsoft.com/office/drawing/2014/main" id="{639F34A0-900E-BC73-F1B6-FD2C6B6699DF}"/>
+              </a:ext>
+            </a:extLst>
+          </p:cNvPr>
+          <p:cNvPicPr>
+            <a:picLocks noChangeAspect="1"/>
+          </p:cNvPicPr>
+          <p:nvPr/>
+        </p:nvPicPr>
+        <p:blipFill>
+          <a:blip r:embed="rId2"/>
+          <a:stretch>
+            <a:fillRect/>
+          </a:stretch>
+        </p:blipFill>
+        <p:spPr>
+          <a:xfrm>
+            <a:off x="949911" y="2113647"/>
+            <a:ext cx="4334480" cy="4486901"/>
+          </a:xfrm>
+          <a:prstGeom prst="rect">
+            <a:avLst/>
+          </a:prstGeom>
+        </p:spPr>
+      </p:pic>
+      <p:pic>
+        <p:nvPicPr>
+          <p:cNvPr id="6" name="Imagen 5">
+            <a:extLst>
+              <a:ext uri="{FF2B5EF4-FFF2-40B4-BE49-F238E27FC236}">
+                <a16:creationId xmlns:a16="http://schemas.microsoft.com/office/drawing/2014/main" id="{9ABC4B67-5020-71E0-1B3C-3D77FF856FE1}"/>
+              </a:ext>
+            </a:extLst>
+          </p:cNvPr>
+          <p:cNvPicPr>
+            <a:picLocks noChangeAspect="1"/>
+          </p:cNvPicPr>
+          <p:nvPr/>
+        </p:nvPicPr>
+        <p:blipFill>
+          <a:blip r:embed="rId3"/>
+          <a:stretch>
+            <a:fillRect/>
+          </a:stretch>
+        </p:blipFill>
+        <p:spPr>
+          <a:xfrm>
+            <a:off x="5687078" y="1839622"/>
+            <a:ext cx="5138588" cy="4486901"/>
+          </a:xfrm>
+          <a:prstGeom prst="rect">
+            <a:avLst/>
+          </a:prstGeom>
+        </p:spPr>
+      </p:pic>
+      <mc:AlternateContent xmlns:mc="http://schemas.openxmlformats.org/markup-compatibility/2006">
+        <mc:Choice xmlns:p14="http://schemas.microsoft.com/office/powerpoint/2010/main" Requires="p14">
+          <p:contentPart p14:bwMode="auto" r:id="rId4">
+            <p14:nvContentPartPr>
+              <p14:cNvPr id="8" name="Entrada de lápiz 7">
+                <a:extLst>
+                  <a:ext uri="{FF2B5EF4-FFF2-40B4-BE49-F238E27FC236}">
+                    <a16:creationId xmlns:a16="http://schemas.microsoft.com/office/drawing/2014/main" id="{5725B709-9410-2903-6595-874F0F73124A}"/>
+                  </a:ext>
+                </a:extLst>
+              </p14:cNvPr>
+              <p14:cNvContentPartPr/>
+              <p14:nvPr/>
+            </p14:nvContentPartPr>
+            <p14:xfrm>
+              <a:off x="2725113" y="4272393"/>
+              <a:ext cx="453240" cy="342360"/>
+            </p14:xfrm>
+          </p:contentPart>
+        </mc:Choice>
+        <mc:Fallback>
+          <p:pic>
+            <p:nvPicPr>
+              <p:cNvPr id="8" name="Entrada de lápiz 7">
+                <a:extLst>
+                  <a:ext uri="{FF2B5EF4-FFF2-40B4-BE49-F238E27FC236}">
+                    <a16:creationId xmlns:a16="http://schemas.microsoft.com/office/drawing/2014/main" id="{5725B709-9410-2903-6595-874F0F73124A}"/>
+                  </a:ext>
+                </a:extLst>
+              </p:cNvPr>
+              <p:cNvPicPr/>
+              <p:nvPr/>
+            </p:nvPicPr>
+            <p:blipFill>
+              <a:blip r:embed="rId5"/>
+              <a:stretch>
+                <a:fillRect/>
+              </a:stretch>
+            </p:blipFill>
+            <p:spPr>
+              <a:xfrm>
+                <a:off x="2653113" y="4128753"/>
+                <a:ext cx="596880" cy="630000"/>
+              </a:xfrm>
+              <a:prstGeom prst="rect">
+                <a:avLst/>
+              </a:prstGeom>
+            </p:spPr>
+          </p:pic>
+        </mc:Fallback>
+      </mc:AlternateContent>
+      <mc:AlternateContent xmlns:mc="http://schemas.openxmlformats.org/markup-compatibility/2006">
+        <mc:Choice xmlns:p14="http://schemas.microsoft.com/office/powerpoint/2010/main" Requires="p14">
+          <p:contentPart p14:bwMode="auto" r:id="rId6">
+            <p14:nvContentPartPr>
+              <p14:cNvPr id="9" name="Entrada de lápiz 8">
+                <a:extLst>
+                  <a:ext uri="{FF2B5EF4-FFF2-40B4-BE49-F238E27FC236}">
+                    <a16:creationId xmlns:a16="http://schemas.microsoft.com/office/drawing/2014/main" id="{6A4E52DF-A7D1-CDDF-A55B-098C6845585F}"/>
+                  </a:ext>
+                </a:extLst>
+              </p14:cNvPr>
+              <p14:cNvContentPartPr/>
+              <p14:nvPr/>
+            </p14:nvContentPartPr>
+            <p14:xfrm>
+              <a:off x="7373073" y="2454033"/>
+              <a:ext cx="1774080" cy="510480"/>
+            </p14:xfrm>
+          </p:contentPart>
+        </mc:Choice>
+        <mc:Fallback>
+          <p:pic>
+            <p:nvPicPr>
+              <p:cNvPr id="9" name="Entrada de lápiz 8">
+                <a:extLst>
+                  <a:ext uri="{FF2B5EF4-FFF2-40B4-BE49-F238E27FC236}">
+                    <a16:creationId xmlns:a16="http://schemas.microsoft.com/office/drawing/2014/main" id="{6A4E52DF-A7D1-CDDF-A55B-098C6845585F}"/>
+                  </a:ext>
+                </a:extLst>
+              </p:cNvPr>
+              <p:cNvPicPr/>
+              <p:nvPr/>
+            </p:nvPicPr>
+            <p:blipFill>
+              <a:blip r:embed="rId7"/>
+              <a:stretch>
+                <a:fillRect/>
+              </a:stretch>
+            </p:blipFill>
+            <p:spPr>
+              <a:xfrm>
+                <a:off x="7301073" y="2310393"/>
+                <a:ext cx="1917720" cy="798120"/>
+              </a:xfrm>
+              <a:prstGeom prst="rect">
+                <a:avLst/>
+              </a:prstGeom>
+            </p:spPr>
+          </p:pic>
+        </mc:Fallback>
+      </mc:AlternateContent>
+    </p:spTree>
+    <p:extLst>
+      <p:ext uri="{BB962C8B-B14F-4D97-AF65-F5344CB8AC3E}">
+        <p14:creationId xmlns:p14="http://schemas.microsoft.com/office/powerpoint/2010/main" val="169967498"/>
+      </p:ext>
+    </p:extLst>
+  </p:cSld>
+  <p:clrMapOvr>
+    <a:masterClrMapping/>
+  </p:clrMapOvr>
+</p:sld>
+</file>
+
+<file path=ppt/slides/slide48.xml><?xml version="1.0" encoding="utf-8"?>
+<p:sld xmlns:a="http://schemas.openxmlformats.org/drawingml/2006/main" xmlns:r="http://schemas.openxmlformats.org/officeDocument/2006/relationships" xmlns:p="http://schemas.openxmlformats.org/presentationml/2006/main">
+  <p:cSld>
+    <p:spTree>
+      <p:nvGrpSpPr>
+        <p:cNvPr id="1" name=""/>
+        <p:cNvGrpSpPr/>
+        <p:nvPr/>
+      </p:nvGrpSpPr>
+      <p:grpSpPr>
+        <a:xfrm>
+          <a:off x="0" y="0"/>
+          <a:ext cx="0" cy="0"/>
+          <a:chOff x="0" y="0"/>
+          <a:chExt cx="0" cy="0"/>
+        </a:xfrm>
+      </p:grpSpPr>
+      <p:sp>
+        <p:nvSpPr>
+          <p:cNvPr id="2" name="CuadroTexto 1">
+            <a:extLst>
+              <a:ext uri="{FF2B5EF4-FFF2-40B4-BE49-F238E27FC236}">
+                <a16:creationId xmlns:a16="http://schemas.microsoft.com/office/drawing/2014/main" id="{83FB8C2F-979E-118D-31FB-39ABAFBDB5E4}"/>
+              </a:ext>
+            </a:extLst>
+          </p:cNvPr>
+          <p:cNvSpPr txBox="1"/>
+          <p:nvPr/>
+        </p:nvSpPr>
+        <p:spPr>
+          <a:xfrm>
+            <a:off x="585926" y="665825"/>
+            <a:ext cx="6383045" cy="369332"/>
+          </a:xfrm>
+          <a:prstGeom prst="rect">
+            <a:avLst/>
+          </a:prstGeom>
+          <a:noFill/>
+        </p:spPr>
+        <p:txBody>
+          <a:bodyPr wrap="square" rtlCol="0">
+            <a:spAutoFit/>
+          </a:bodyPr>
+          <a:lstStyle/>
+          <a:p>
+            <a:r>
+              <a:rPr lang="es-MX" dirty="0"/>
+              <a:t>COMO PRACTICA SE REALIZARA ESE EJERCICIO </a:t>
+            </a:r>
+            <a:endParaRPr lang="es-GT" dirty="0"/>
+          </a:p>
+        </p:txBody>
+      </p:sp>
+      <p:pic>
+        <p:nvPicPr>
+          <p:cNvPr id="4" name="Imagen 3">
+            <a:extLst>
+              <a:ext uri="{FF2B5EF4-FFF2-40B4-BE49-F238E27FC236}">
+                <a16:creationId xmlns:a16="http://schemas.microsoft.com/office/drawing/2014/main" id="{6656A1EB-944B-8D0C-6A86-CEC0A0DF6970}"/>
+              </a:ext>
+            </a:extLst>
+          </p:cNvPr>
+          <p:cNvPicPr>
+            <a:picLocks noChangeAspect="1"/>
+          </p:cNvPicPr>
+          <p:nvPr/>
+        </p:nvPicPr>
+        <p:blipFill>
+          <a:blip r:embed="rId2"/>
+          <a:stretch>
+            <a:fillRect/>
+          </a:stretch>
+        </p:blipFill>
+        <p:spPr>
+          <a:xfrm>
+            <a:off x="1615736" y="1428527"/>
+            <a:ext cx="8398276" cy="5172797"/>
+          </a:xfrm>
+          <a:prstGeom prst="rect">
+            <a:avLst/>
+          </a:prstGeom>
+        </p:spPr>
+      </p:pic>
+    </p:spTree>
+    <p:extLst>
+      <p:ext uri="{BB962C8B-B14F-4D97-AF65-F5344CB8AC3E}">
+        <p14:creationId xmlns:p14="http://schemas.microsoft.com/office/powerpoint/2010/main" val="2946719279"/>
+      </p:ext>
+    </p:extLst>
+  </p:cSld>
+  <p:clrMapOvr>
+    <a:masterClrMapping/>
+  </p:clrMapOvr>
+</p:sld>
+</file>
+
+<file path=ppt/slides/slide49.xml><?xml version="1.0" encoding="utf-8"?>
+<p:sld xmlns:a="http://schemas.openxmlformats.org/drawingml/2006/main" xmlns:r="http://schemas.openxmlformats.org/officeDocument/2006/relationships" xmlns:p="http://schemas.openxmlformats.org/presentationml/2006/main">
+  <p:cSld>
+    <p:spTree>
+      <p:nvGrpSpPr>
+        <p:cNvPr id="1" name=""/>
+        <p:cNvGrpSpPr/>
+        <p:nvPr/>
+      </p:nvGrpSpPr>
+      <p:grpSpPr>
+        <a:xfrm>
+          <a:off x="0" y="0"/>
+          <a:ext cx="0" cy="0"/>
+          <a:chOff x="0" y="0"/>
+          <a:chExt cx="0" cy="0"/>
+        </a:xfrm>
+      </p:grpSpPr>
+    </p:spTree>
+    <p:extLst>
+      <p:ext uri="{BB962C8B-B14F-4D97-AF65-F5344CB8AC3E}">
+        <p14:creationId xmlns:p14="http://schemas.microsoft.com/office/powerpoint/2010/main" val="3385081967"/>
+      </p:ext>
+    </p:extLst>
+  </p:cSld>
+  <p:clrMapOvr>
+    <a:masterClrMapping/>
+  </p:clrMapOvr>
+</p:sld>
+</file>
+
 <file path=ppt/slides/slide5.xml><?xml version="1.0" encoding="utf-8"?>
 <p:sld xmlns:a="http://schemas.openxmlformats.org/drawingml/2006/main" xmlns:r="http://schemas.openxmlformats.org/officeDocument/2006/relationships" xmlns:p="http://schemas.openxmlformats.org/presentationml/2006/main">
   <p:cSld>
@@ -13161,6 +18279,96 @@
     <p:extLst>
       <p:ext uri="{BB962C8B-B14F-4D97-AF65-F5344CB8AC3E}">
         <p14:creationId xmlns:p14="http://schemas.microsoft.com/office/powerpoint/2010/main" val="4292554250"/>
+      </p:ext>
+    </p:extLst>
+  </p:cSld>
+  <p:clrMapOvr>
+    <a:masterClrMapping/>
+  </p:clrMapOvr>
+</p:sld>
+</file>
+
+<file path=ppt/slides/slide50.xml><?xml version="1.0" encoding="utf-8"?>
+<p:sld xmlns:a="http://schemas.openxmlformats.org/drawingml/2006/main" xmlns:r="http://schemas.openxmlformats.org/officeDocument/2006/relationships" xmlns:p="http://schemas.openxmlformats.org/presentationml/2006/main">
+  <p:cSld>
+    <p:spTree>
+      <p:nvGrpSpPr>
+        <p:cNvPr id="1" name=""/>
+        <p:cNvGrpSpPr/>
+        <p:nvPr/>
+      </p:nvGrpSpPr>
+      <p:grpSpPr>
+        <a:xfrm>
+          <a:off x="0" y="0"/>
+          <a:ext cx="0" cy="0"/>
+          <a:chOff x="0" y="0"/>
+          <a:chExt cx="0" cy="0"/>
+        </a:xfrm>
+      </p:grpSpPr>
+    </p:spTree>
+    <p:extLst>
+      <p:ext uri="{BB962C8B-B14F-4D97-AF65-F5344CB8AC3E}">
+        <p14:creationId xmlns:p14="http://schemas.microsoft.com/office/powerpoint/2010/main" val="1919408632"/>
+      </p:ext>
+    </p:extLst>
+  </p:cSld>
+  <p:clrMapOvr>
+    <a:masterClrMapping/>
+  </p:clrMapOvr>
+</p:sld>
+</file>
+
+<file path=ppt/slides/slide51.xml><?xml version="1.0" encoding="utf-8"?>
+<p:sld xmlns:a="http://schemas.openxmlformats.org/drawingml/2006/main" xmlns:r="http://schemas.openxmlformats.org/officeDocument/2006/relationships" xmlns:p="http://schemas.openxmlformats.org/presentationml/2006/main">
+  <p:cSld>
+    <p:spTree>
+      <p:nvGrpSpPr>
+        <p:cNvPr id="1" name=""/>
+        <p:cNvGrpSpPr/>
+        <p:nvPr/>
+      </p:nvGrpSpPr>
+      <p:grpSpPr>
+        <a:xfrm>
+          <a:off x="0" y="0"/>
+          <a:ext cx="0" cy="0"/>
+          <a:chOff x="0" y="0"/>
+          <a:chExt cx="0" cy="0"/>
+        </a:xfrm>
+      </p:grpSpPr>
+    </p:spTree>
+    <p:extLst>
+      <p:ext uri="{BB962C8B-B14F-4D97-AF65-F5344CB8AC3E}">
+        <p14:creationId xmlns:p14="http://schemas.microsoft.com/office/powerpoint/2010/main" val="2636288615"/>
+      </p:ext>
+    </p:extLst>
+  </p:cSld>
+  <p:clrMapOvr>
+    <a:masterClrMapping/>
+  </p:clrMapOvr>
+</p:sld>
+</file>
+
+<file path=ppt/slides/slide52.xml><?xml version="1.0" encoding="utf-8"?>
+<p:sld xmlns:a="http://schemas.openxmlformats.org/drawingml/2006/main" xmlns:r="http://schemas.openxmlformats.org/officeDocument/2006/relationships" xmlns:p="http://schemas.openxmlformats.org/presentationml/2006/main">
+  <p:cSld>
+    <p:spTree>
+      <p:nvGrpSpPr>
+        <p:cNvPr id="1" name=""/>
+        <p:cNvGrpSpPr/>
+        <p:nvPr/>
+      </p:nvGrpSpPr>
+      <p:grpSpPr>
+        <a:xfrm>
+          <a:off x="0" y="0"/>
+          <a:ext cx="0" cy="0"/>
+          <a:chOff x="0" y="0"/>
+          <a:chExt cx="0" cy="0"/>
+        </a:xfrm>
+      </p:grpSpPr>
+    </p:spTree>
+    <p:extLst>
+      <p:ext uri="{BB962C8B-B14F-4D97-AF65-F5344CB8AC3E}">
+        <p14:creationId xmlns:p14="http://schemas.microsoft.com/office/powerpoint/2010/main" val="551039843"/>
       </p:ext>
     </p:extLst>
   </p:cSld>
